--- a/presentations/ProgressReport.pptx
+++ b/presentations/ProgressReport.pptx
@@ -5,7 +5,7 @@
     <p:sldMasterId id="2147483648" r:id="rId1"/>
   </p:sldMasterIdLst>
   <p:notesMasterIdLst>
-    <p:notesMasterId r:id="rId14"/>
+    <p:notesMasterId r:id="rId16"/>
   </p:notesMasterIdLst>
   <p:sldIdLst>
     <p:sldId id="281" r:id="rId2"/>
@@ -13,18 +13,20 @@
     <p:sldId id="288" r:id="rId4"/>
     <p:sldId id="294" r:id="rId5"/>
     <p:sldId id="295" r:id="rId6"/>
-    <p:sldId id="296" r:id="rId7"/>
-    <p:sldId id="297" r:id="rId8"/>
-    <p:sldId id="302" r:id="rId9"/>
-    <p:sldId id="303" r:id="rId10"/>
-    <p:sldId id="299" r:id="rId11"/>
-    <p:sldId id="304" r:id="rId12"/>
-    <p:sldId id="298" r:id="rId13"/>
+    <p:sldId id="306" r:id="rId7"/>
+    <p:sldId id="296" r:id="rId8"/>
+    <p:sldId id="297" r:id="rId9"/>
+    <p:sldId id="302" r:id="rId10"/>
+    <p:sldId id="303" r:id="rId11"/>
+    <p:sldId id="305" r:id="rId12"/>
+    <p:sldId id="299" r:id="rId13"/>
+    <p:sldId id="304" r:id="rId14"/>
+    <p:sldId id="298" r:id="rId15"/>
   </p:sldIdLst>
   <p:sldSz cx="9144000" cy="6858000" type="screen4x3"/>
   <p:notesSz cx="7315200" cy="9601200"/>
   <p:custDataLst>
-    <p:tags r:id="rId15"/>
+    <p:tags r:id="rId17"/>
   </p:custDataLst>
   <p:defaultTextStyle>
     <a:defPPr>
@@ -297,7 +299,7 @@
           <a:p>
             <a:fld id="{7E109A6C-D884-45F8-B5EB-D7A1699C6653}" type="datetimeFigureOut">
               <a:rPr lang="de-DE" smtClean="0"/>
-              <a:t>10.09.2020</a:t>
+              <a:t>15.09.2020</a:t>
             </a:fld>
             <a:endParaRPr lang="de-DE"/>
           </a:p>
@@ -733,15 +735,79 @@
           <a:p>
             <a:r>
               <a:rPr lang="de-DE" dirty="0"/>
-              <a:t>To </a:t>
-            </a:r>
-            <a:r>
-              <a:rPr lang="de-DE" dirty="0" err="1"/>
-              <a:t>proceed</a:t>
-            </a:r>
-            <a:r>
-              <a:rPr lang="de-DE" dirty="0"/>
-              <a:t> with </a:t>
+              <a:t>Short </a:t>
+            </a:r>
+            <a:r>
+              <a:rPr lang="de-DE" dirty="0" err="1"/>
+              <a:t>example</a:t>
+            </a:r>
+            <a:r>
+              <a:rPr lang="de-DE" dirty="0"/>
+              <a:t> </a:t>
+            </a:r>
+            <a:r>
+              <a:rPr lang="de-DE" dirty="0" err="1"/>
+              <a:t>how</a:t>
+            </a:r>
+            <a:r>
+              <a:rPr lang="de-DE" dirty="0"/>
+              <a:t> </a:t>
+            </a:r>
+            <a:r>
+              <a:rPr lang="de-DE" dirty="0" err="1"/>
+              <a:t>evaluation</a:t>
+            </a:r>
+            <a:r>
+              <a:rPr lang="de-DE" dirty="0"/>
+              <a:t> of final </a:t>
+            </a:r>
+            <a:r>
+              <a:rPr lang="de-DE" dirty="0" err="1"/>
+              <a:t>chosen</a:t>
+            </a:r>
+            <a:r>
+              <a:rPr lang="de-DE" dirty="0"/>
+              <a:t> </a:t>
+            </a:r>
+            <a:r>
+              <a:rPr lang="de-DE" dirty="0" err="1"/>
+              <a:t>pipelines</a:t>
+            </a:r>
+            <a:r>
+              <a:rPr lang="de-DE" dirty="0"/>
+              <a:t> will </a:t>
+            </a:r>
+            <a:r>
+              <a:rPr lang="de-DE" dirty="0" err="1"/>
+              <a:t>look</a:t>
+            </a:r>
+            <a:r>
+              <a:rPr lang="de-DE" dirty="0"/>
+              <a:t> like. </a:t>
+            </a:r>
+            <a:r>
+              <a:rPr lang="de-DE" dirty="0" err="1"/>
+              <a:t>We</a:t>
+            </a:r>
+            <a:r>
+              <a:rPr lang="de-DE" dirty="0"/>
+              <a:t> </a:t>
+            </a:r>
+            <a:r>
+              <a:rPr lang="de-DE" dirty="0" err="1"/>
+              <a:t>see</a:t>
+            </a:r>
+            <a:r>
+              <a:rPr lang="de-DE" dirty="0"/>
+              <a:t> – </a:t>
+            </a:r>
+            <a:r>
+              <a:rPr lang="de-DE" dirty="0" err="1"/>
+              <a:t>expected</a:t>
+            </a:r>
+            <a:r>
+              <a:rPr lang="de-DE" dirty="0"/>
+              <a:t> from </a:t>
             </a:r>
             <a:r>
               <a:rPr lang="de-DE" dirty="0" err="1"/>
@@ -753,11 +819,83 @@
             </a:r>
             <a:r>
               <a:rPr lang="de-DE" dirty="0" err="1"/>
-              <a:t>project</a:t>
+              <a:t>low</a:t>
+            </a:r>
+            <a:r>
+              <a:rPr lang="de-DE" dirty="0"/>
+              <a:t> </a:t>
+            </a:r>
+            <a:r>
+              <a:rPr lang="de-DE" dirty="0" err="1"/>
+              <a:t>scores</a:t>
+            </a:r>
+            <a:r>
+              <a:rPr lang="de-DE" dirty="0"/>
+              <a:t> – ROC </a:t>
+            </a:r>
+            <a:r>
+              <a:rPr lang="de-DE" dirty="0" err="1"/>
+              <a:t>curve</a:t>
+            </a:r>
+            <a:r>
+              <a:rPr lang="de-DE" dirty="0"/>
+              <a:t> </a:t>
+            </a:r>
+            <a:r>
+              <a:rPr lang="de-DE" dirty="0" err="1"/>
+              <a:t>near</a:t>
+            </a:r>
+            <a:r>
+              <a:rPr lang="de-DE" dirty="0"/>
+              <a:t> </a:t>
+            </a:r>
+            <a:r>
+              <a:rPr lang="de-DE" dirty="0" err="1"/>
+              <a:t>the</a:t>
+            </a:r>
+            <a:r>
+              <a:rPr lang="de-DE" dirty="0"/>
+              <a:t> </a:t>
+            </a:r>
+            <a:r>
+              <a:rPr lang="de-DE" dirty="0" err="1"/>
+              <a:t>random</a:t>
+            </a:r>
+            <a:r>
+              <a:rPr lang="de-DE" dirty="0"/>
+              <a:t> </a:t>
+            </a:r>
+            <a:r>
+              <a:rPr lang="de-DE" dirty="0" err="1"/>
+              <a:t>line</a:t>
             </a:r>
             <a:r>
               <a:rPr lang="de-DE" dirty="0"/>
               <a:t> and </a:t>
+            </a:r>
+            <a:r>
+              <a:rPr lang="de-DE" dirty="0" err="1"/>
+              <a:t>prec</a:t>
+            </a:r>
+            <a:r>
+              <a:rPr lang="de-DE" dirty="0"/>
+              <a:t>/</a:t>
+            </a:r>
+            <a:r>
+              <a:rPr lang="de-DE" dirty="0" err="1"/>
+              <a:t>rec</a:t>
+            </a:r>
+            <a:r>
+              <a:rPr lang="de-DE" dirty="0"/>
+              <a:t> </a:t>
+            </a:r>
+            <a:r>
+              <a:rPr lang="de-DE" dirty="0" err="1"/>
+              <a:t>curve</a:t>
+            </a:r>
+            <a:r>
+              <a:rPr lang="de-DE" dirty="0"/>
+              <a:t> </a:t>
             </a:r>
             <a:r>
               <a:rPr lang="en-GB" sz="1200" b="0" i="0" kern="1200" dirty="0">
@@ -769,462 +907,7 @@
                 <a:ea typeface="+mn-ea"/>
                 <a:cs typeface="+mn-cs"/>
               </a:rPr>
-              <a:t>to be able to present tangible results, I have to be 100% sure about the chosen pipelines/methods. I have to somehow </a:t>
-            </a:r>
-            <a:r>
-              <a:rPr lang="en-GB" sz="1200" b="0" i="0" kern="1200" dirty="0" err="1">
-                <a:solidFill>
-                  <a:schemeClr val="tx1"/>
-                </a:solidFill>
-                <a:effectLst/>
-                <a:latin typeface="+mn-lt"/>
-                <a:ea typeface="+mn-ea"/>
-                <a:cs typeface="+mn-cs"/>
-              </a:rPr>
-              <a:t>clearifiy</a:t>
-            </a:r>
-            <a:r>
-              <a:rPr lang="en-GB" sz="1200" b="0" i="0" kern="1200" dirty="0">
-                <a:solidFill>
-                  <a:schemeClr val="tx1"/>
-                </a:solidFill>
-                <a:effectLst/>
-                <a:latin typeface="+mn-lt"/>
-                <a:ea typeface="+mn-ea"/>
-                <a:cs typeface="+mn-cs"/>
-              </a:rPr>
-              <a:t> which one is the best under the failing ones. This is important so that nobody can argue that I’ve made a mistake in hyperparameter tuning and missed the model fitting to the data.</a:t>
-            </a:r>
-          </a:p>
-          <a:p>
-            <a:r>
-              <a:rPr lang="en-GB" sz="1200" b="0" i="0" kern="1200" dirty="0">
-                <a:solidFill>
-                  <a:schemeClr val="tx1"/>
-                </a:solidFill>
-                <a:effectLst/>
-                <a:latin typeface="+mn-lt"/>
-                <a:ea typeface="+mn-ea"/>
-                <a:cs typeface="+mn-cs"/>
-              </a:rPr>
-              <a:t>For that I have to identify for each used classifier the hyperparameters which influences the model complexity and thus controls under / overfitting. Then set one parameter  to a fix value to </a:t>
-            </a:r>
-            <a:r>
-              <a:rPr lang="en-GB" sz="1200" b="0" i="0" kern="1200" dirty="0">
-                <a:solidFill>
-                  <a:schemeClr val="tx1"/>
-                </a:solidFill>
-                <a:effectLst/>
-                <a:latin typeface="+mn-lt"/>
-                <a:ea typeface="+mn-ea"/>
-                <a:cs typeface="+mn-cs"/>
-                <a:sym typeface="Wingdings" panose="05000000000000000000" pitchFamily="2" charset="2"/>
-              </a:rPr>
-              <a:t>make score graphs for the other variable hyperparameters and decide: </a:t>
-            </a:r>
-          </a:p>
-          <a:p>
-            <a:pPr marL="0" marR="0" lvl="0" indent="0" algn="l" defTabSz="914400" rtl="0" eaLnBrk="1" fontAlgn="auto" latinLnBrk="0" hangingPunct="1">
-              <a:lnSpc>
-                <a:spcPct val="100000"/>
-              </a:lnSpc>
-              <a:spcBef>
-                <a:spcPts val="0"/>
-              </a:spcBef>
-              <a:spcAft>
-                <a:spcPts val="0"/>
-              </a:spcAft>
-              <a:buClrTx/>
-              <a:buSzTx/>
-              <a:buFontTx/>
-              <a:buNone/>
-              <a:tabLst/>
-              <a:defRPr/>
-            </a:pPr>
-            <a:r>
-              <a:rPr lang="en-GB" sz="1200" b="0" i="0" kern="1200" dirty="0">
-                <a:solidFill>
-                  <a:schemeClr val="tx1"/>
-                </a:solidFill>
-                <a:effectLst/>
-                <a:latin typeface="+mn-lt"/>
-                <a:ea typeface="+mn-ea"/>
-                <a:cs typeface="+mn-cs"/>
-                <a:sym typeface="Wingdings" panose="05000000000000000000" pitchFamily="2" charset="2"/>
-              </a:rPr>
-              <a:t>- </a:t>
-            </a:r>
-            <a:r>
-              <a:rPr lang="en-GB" sz="1200" u="sng" kern="1200" dirty="0">
-                <a:solidFill>
-                  <a:schemeClr val="tx1"/>
-                </a:solidFill>
-                <a:effectLst/>
-                <a:latin typeface="+mn-lt"/>
-                <a:ea typeface="+mn-ea"/>
-                <a:cs typeface="+mn-cs"/>
-              </a:rPr>
-              <a:t>What is the point where adding more complexity, does not increase train score anymore?</a:t>
-            </a:r>
-            <a:endParaRPr lang="en-GB" sz="1200" kern="1200" dirty="0">
-              <a:solidFill>
-                <a:schemeClr val="tx1"/>
-              </a:solidFill>
-              <a:effectLst/>
-              <a:latin typeface="+mn-lt"/>
-              <a:ea typeface="+mn-ea"/>
-              <a:cs typeface="+mn-cs"/>
-            </a:endParaRPr>
-          </a:p>
-          <a:p>
-            <a:pPr marL="0" marR="0" lvl="0" indent="0" algn="l" defTabSz="914400" rtl="0" eaLnBrk="1" fontAlgn="auto" latinLnBrk="0" hangingPunct="1">
-              <a:lnSpc>
-                <a:spcPct val="100000"/>
-              </a:lnSpc>
-              <a:spcBef>
-                <a:spcPts val="0"/>
-              </a:spcBef>
-              <a:spcAft>
-                <a:spcPts val="0"/>
-              </a:spcAft>
-              <a:buClrTx/>
-              <a:buSzTx/>
-              <a:buFontTx/>
-              <a:buNone/>
-              <a:tabLst/>
-              <a:defRPr/>
-            </a:pPr>
-            <a:r>
-              <a:rPr lang="en-GB" dirty="0"/>
-              <a:t>- </a:t>
-            </a:r>
-            <a:r>
-              <a:rPr lang="en-GB" sz="1200" kern="1200" dirty="0">
-                <a:solidFill>
-                  <a:schemeClr val="tx1"/>
-                </a:solidFill>
-                <a:effectLst/>
-                <a:latin typeface="+mn-lt"/>
-                <a:ea typeface="+mn-ea"/>
-                <a:cs typeface="+mn-cs"/>
-              </a:rPr>
-              <a:t>What is the point where train + validation score start to diverge?</a:t>
-            </a:r>
-          </a:p>
-          <a:p>
-            <a:pPr marL="171450" indent="-171450">
-              <a:buFontTx/>
-              <a:buChar char="-"/>
-            </a:pPr>
-            <a:r>
-              <a:rPr lang="en-GB" sz="1200" kern="1200" dirty="0">
-                <a:solidFill>
-                  <a:schemeClr val="tx1"/>
-                </a:solidFill>
-                <a:effectLst/>
-                <a:latin typeface="+mn-lt"/>
-                <a:ea typeface="+mn-ea"/>
-                <a:cs typeface="+mn-cs"/>
-              </a:rPr>
-              <a:t>If “unhealthy” behaviour </a:t>
-            </a:r>
-            <a:r>
-              <a:rPr lang="en-GB" dirty="0"/>
-              <a:t>observed</a:t>
-            </a:r>
-            <a:r>
-              <a:rPr lang="en-GB" sz="1200" kern="1200" dirty="0">
-                <a:solidFill>
-                  <a:schemeClr val="tx1"/>
-                </a:solidFill>
-                <a:effectLst/>
-                <a:latin typeface="+mn-lt"/>
-                <a:ea typeface="+mn-ea"/>
-                <a:cs typeface="+mn-cs"/>
-              </a:rPr>
-              <a:t>, plot can be seen as one more example of randomness of data.</a:t>
-            </a:r>
-          </a:p>
-          <a:p>
-            <a:pPr marL="171450" indent="-171450">
-              <a:buFontTx/>
-              <a:buChar char="-"/>
-            </a:pPr>
-            <a:endParaRPr lang="en-GB" sz="1200" kern="1200" dirty="0">
-              <a:solidFill>
-                <a:schemeClr val="tx1"/>
-              </a:solidFill>
-              <a:effectLst/>
-              <a:latin typeface="+mn-lt"/>
-              <a:ea typeface="+mn-ea"/>
-              <a:cs typeface="+mn-cs"/>
-            </a:endParaRPr>
-          </a:p>
-          <a:p>
-            <a:pPr marL="0" indent="0">
-              <a:buFontTx/>
-              <a:buNone/>
-            </a:pPr>
-            <a:r>
-              <a:rPr lang="en-GB" sz="1200" kern="1200" dirty="0">
-                <a:solidFill>
-                  <a:schemeClr val="tx1"/>
-                </a:solidFill>
-                <a:effectLst/>
-                <a:latin typeface="+mn-lt"/>
-                <a:ea typeface="+mn-ea"/>
-                <a:cs typeface="+mn-cs"/>
-              </a:rPr>
-              <a:t>Example with </a:t>
-            </a:r>
-            <a:r>
-              <a:rPr lang="en-GB" sz="1200" kern="1200" dirty="0" err="1">
-                <a:solidFill>
-                  <a:schemeClr val="tx1"/>
-                </a:solidFill>
-                <a:effectLst/>
-                <a:latin typeface="+mn-lt"/>
-                <a:ea typeface="+mn-ea"/>
-                <a:cs typeface="+mn-cs"/>
-              </a:rPr>
-              <a:t>RandomForest</a:t>
-            </a:r>
-            <a:r>
-              <a:rPr lang="en-GB" sz="1200" kern="1200" dirty="0">
-                <a:solidFill>
-                  <a:schemeClr val="tx1"/>
-                </a:solidFill>
-                <a:effectLst/>
-                <a:latin typeface="+mn-lt"/>
-                <a:ea typeface="+mn-ea"/>
-                <a:cs typeface="+mn-cs"/>
-              </a:rPr>
-              <a:t>: Hyperparameters responsible for model complexity are the number of trees in the forest and the depth of each tree, namely the number of samples required to be at a leaf node. First, I set parameter </a:t>
-            </a:r>
-            <a:r>
-              <a:rPr lang="en-GB" sz="1200" kern="1200" dirty="0" err="1">
-                <a:solidFill>
-                  <a:schemeClr val="tx1"/>
-                </a:solidFill>
-                <a:effectLst/>
-                <a:latin typeface="+mn-lt"/>
-                <a:ea typeface="+mn-ea"/>
-                <a:cs typeface="+mn-cs"/>
-              </a:rPr>
-              <a:t>min_sample_leaf</a:t>
-            </a:r>
-            <a:r>
-              <a:rPr lang="en-GB" sz="1200" kern="1200" dirty="0">
-                <a:solidFill>
-                  <a:schemeClr val="tx1"/>
-                </a:solidFill>
-                <a:effectLst/>
-                <a:latin typeface="+mn-lt"/>
-                <a:ea typeface="+mn-ea"/>
-                <a:cs typeface="+mn-cs"/>
-              </a:rPr>
-              <a:t> to 5 and </a:t>
-            </a:r>
-            <a:r>
-              <a:rPr lang="en-GB" sz="1200" kern="1200" dirty="0" err="1">
-                <a:solidFill>
-                  <a:schemeClr val="tx1"/>
-                </a:solidFill>
-                <a:effectLst/>
-                <a:latin typeface="+mn-lt"/>
-                <a:ea typeface="+mn-ea"/>
-                <a:cs typeface="+mn-cs"/>
-              </a:rPr>
-              <a:t>plottet</a:t>
-            </a:r>
-            <a:r>
-              <a:rPr lang="en-GB" sz="1200" kern="1200" dirty="0">
-                <a:solidFill>
-                  <a:schemeClr val="tx1"/>
-                </a:solidFill>
-                <a:effectLst/>
-                <a:latin typeface="+mn-lt"/>
-                <a:ea typeface="+mn-ea"/>
-                <a:cs typeface="+mn-cs"/>
-              </a:rPr>
-              <a:t> the score graph for number of trees in the forest. The number of trees do not seem to play a big role in under/overfitting, but I would choose 10 for the parameter, because as going higher no significant improvement seen. The next step was to set the number of trees to 10, based on </a:t>
-            </a:r>
-            <a:r>
-              <a:rPr lang="en-GB" sz="1200" kern="1200" dirty="0" err="1">
-                <a:solidFill>
-                  <a:schemeClr val="tx1"/>
-                </a:solidFill>
-                <a:effectLst/>
-                <a:latin typeface="+mn-lt"/>
-                <a:ea typeface="+mn-ea"/>
-                <a:cs typeface="+mn-cs"/>
-              </a:rPr>
-              <a:t>previos</a:t>
-            </a:r>
-            <a:r>
-              <a:rPr lang="en-GB" sz="1200" kern="1200" dirty="0">
-                <a:solidFill>
-                  <a:schemeClr val="tx1"/>
-                </a:solidFill>
-                <a:effectLst/>
-                <a:latin typeface="+mn-lt"/>
-                <a:ea typeface="+mn-ea"/>
-                <a:cs typeface="+mn-cs"/>
-              </a:rPr>
-              <a:t> results, and plot now the score graph for the number of samples needed to be at a </a:t>
-            </a:r>
-            <a:r>
-              <a:rPr lang="en-GB" sz="1200" kern="1200" dirty="0" err="1">
-                <a:solidFill>
-                  <a:schemeClr val="tx1"/>
-                </a:solidFill>
-                <a:effectLst/>
-                <a:latin typeface="+mn-lt"/>
-                <a:ea typeface="+mn-ea"/>
-                <a:cs typeface="+mn-cs"/>
-              </a:rPr>
-              <a:t>leadf</a:t>
-            </a:r>
-            <a:r>
-              <a:rPr lang="en-GB" sz="1200" kern="1200" dirty="0">
-                <a:solidFill>
-                  <a:schemeClr val="tx1"/>
-                </a:solidFill>
-                <a:effectLst/>
-                <a:latin typeface="+mn-lt"/>
-                <a:ea typeface="+mn-ea"/>
-                <a:cs typeface="+mn-cs"/>
-              </a:rPr>
-              <a:t> node. This parameter seem to play a role in under/overfitting. Show more of a healthy train/test score behaviour. 80 is an optimal value for this parameter. Validate </a:t>
-            </a:r>
-            <a:r>
-              <a:rPr lang="en-GB" sz="1200" kern="1200" dirty="0" err="1">
-                <a:solidFill>
-                  <a:schemeClr val="tx1"/>
-                </a:solidFill>
-                <a:effectLst/>
-                <a:latin typeface="+mn-lt"/>
-                <a:ea typeface="+mn-ea"/>
-                <a:cs typeface="+mn-cs"/>
-              </a:rPr>
-              <a:t>behavoir</a:t>
-            </a:r>
-            <a:r>
-              <a:rPr lang="en-GB" sz="1200" kern="1200" dirty="0">
-                <a:solidFill>
-                  <a:schemeClr val="tx1"/>
-                </a:solidFill>
-                <a:effectLst/>
-                <a:latin typeface="+mn-lt"/>
-                <a:ea typeface="+mn-ea"/>
-                <a:cs typeface="+mn-cs"/>
-              </a:rPr>
-              <a:t> of </a:t>
-            </a:r>
-            <a:r>
-              <a:rPr lang="en-GB" sz="1200" kern="1200" dirty="0" err="1">
-                <a:solidFill>
-                  <a:schemeClr val="tx1"/>
-                </a:solidFill>
-                <a:effectLst/>
-                <a:latin typeface="+mn-lt"/>
-                <a:ea typeface="+mn-ea"/>
-                <a:cs typeface="+mn-cs"/>
-              </a:rPr>
-              <a:t>num</a:t>
-            </a:r>
-            <a:r>
-              <a:rPr lang="en-GB" sz="1200" kern="1200" dirty="0">
-                <a:solidFill>
-                  <a:schemeClr val="tx1"/>
-                </a:solidFill>
-                <a:effectLst/>
-                <a:latin typeface="+mn-lt"/>
-                <a:ea typeface="+mn-ea"/>
-                <a:cs typeface="+mn-cs"/>
-              </a:rPr>
-              <a:t> trees with another fixed value of </a:t>
-            </a:r>
-            <a:r>
-              <a:rPr lang="en-GB" sz="1200" kern="1200" dirty="0" err="1">
-                <a:solidFill>
-                  <a:schemeClr val="tx1"/>
-                </a:solidFill>
-                <a:effectLst/>
-                <a:latin typeface="+mn-lt"/>
-                <a:ea typeface="+mn-ea"/>
-                <a:cs typeface="+mn-cs"/>
-              </a:rPr>
-              <a:t>min_sample</a:t>
-            </a:r>
-            <a:r>
-              <a:rPr lang="en-GB" sz="1200" kern="1200" dirty="0">
-                <a:solidFill>
-                  <a:schemeClr val="tx1"/>
-                </a:solidFill>
-                <a:effectLst/>
-                <a:latin typeface="+mn-lt"/>
-                <a:ea typeface="+mn-ea"/>
-                <a:cs typeface="+mn-cs"/>
-              </a:rPr>
-              <a:t> </a:t>
-            </a:r>
-            <a:r>
-              <a:rPr lang="en-GB" sz="1200" kern="1200" dirty="0" err="1">
-                <a:solidFill>
-                  <a:schemeClr val="tx1"/>
-                </a:solidFill>
-                <a:effectLst/>
-                <a:latin typeface="+mn-lt"/>
-                <a:ea typeface="+mn-ea"/>
-                <a:cs typeface="+mn-cs"/>
-              </a:rPr>
-              <a:t>leafs</a:t>
-            </a:r>
-            <a:r>
-              <a:rPr lang="en-GB" sz="1200" kern="1200" dirty="0">
-                <a:solidFill>
-                  <a:schemeClr val="tx1"/>
-                </a:solidFill>
-                <a:effectLst/>
-                <a:latin typeface="+mn-lt"/>
-                <a:ea typeface="+mn-ea"/>
-                <a:cs typeface="+mn-cs"/>
-              </a:rPr>
-              <a:t>, shows the same tendency.</a:t>
-            </a:r>
-          </a:p>
-          <a:p>
-            <a:pPr marL="0" indent="0">
-              <a:buFontTx/>
-              <a:buNone/>
-            </a:pPr>
-            <a:endParaRPr lang="en-GB" sz="1200" kern="1200" dirty="0">
-              <a:solidFill>
-                <a:schemeClr val="tx1"/>
-              </a:solidFill>
-              <a:effectLst/>
-              <a:latin typeface="+mn-lt"/>
-              <a:ea typeface="+mn-ea"/>
-              <a:cs typeface="+mn-cs"/>
-            </a:endParaRPr>
-          </a:p>
-          <a:p>
-            <a:pPr marL="0" indent="0">
-              <a:buFontTx/>
-              <a:buNone/>
-            </a:pPr>
-            <a:r>
-              <a:rPr lang="en-GB" sz="1200" kern="1200" dirty="0">
-                <a:solidFill>
-                  <a:schemeClr val="tx1"/>
-                </a:solidFill>
-                <a:effectLst/>
-                <a:latin typeface="+mn-lt"/>
-                <a:ea typeface="+mn-ea"/>
-                <a:cs typeface="+mn-cs"/>
-              </a:rPr>
-              <a:t>In this way I want to set each parameter to a optimal value to be sure to work with the best possible pipeline/method.</a:t>
+              <a:t>just a little better than no skill (= prevalence of disease, in my case TLF = 5%)</a:t>
             </a:r>
             <a:endParaRPr lang="en-GB" dirty="0"/>
           </a:p>
@@ -1256,7 +939,7 @@
     </p:spTree>
     <p:extLst>
       <p:ext uri="{BB962C8B-B14F-4D97-AF65-F5344CB8AC3E}">
-        <p14:creationId xmlns:p14="http://schemas.microsoft.com/office/powerpoint/2010/main" val="2596438213"/>
+        <p14:creationId xmlns:p14="http://schemas.microsoft.com/office/powerpoint/2010/main" val="2025906499"/>
       </p:ext>
     </p:extLst>
   </p:cSld>
@@ -1311,167 +994,379 @@
           <a:lstStyle/>
           <a:p>
             <a:r>
-              <a:rPr lang="de-DE" dirty="0"/>
-              <a:t>The intermediate </a:t>
-            </a:r>
-            <a:r>
-              <a:rPr lang="de-DE" dirty="0" err="1"/>
-              <a:t>results</a:t>
-            </a:r>
-            <a:r>
-              <a:rPr lang="de-DE" dirty="0"/>
-              <a:t> </a:t>
-            </a:r>
-            <a:r>
-              <a:rPr lang="de-DE" dirty="0" err="1"/>
-              <a:t>show</a:t>
-            </a:r>
-            <a:r>
-              <a:rPr lang="de-DE" dirty="0"/>
-              <a:t> </a:t>
-            </a:r>
-            <a:r>
-              <a:rPr lang="de-DE" dirty="0" err="1"/>
-              <a:t>that</a:t>
-            </a:r>
-            <a:r>
-              <a:rPr lang="de-DE" dirty="0"/>
-              <a:t> </a:t>
-            </a:r>
-            <a:r>
-              <a:rPr lang="de-DE" dirty="0" err="1"/>
-              <a:t>there</a:t>
-            </a:r>
-            <a:r>
-              <a:rPr lang="de-DE" dirty="0"/>
-              <a:t> </a:t>
-            </a:r>
-            <a:r>
-              <a:rPr lang="de-DE" dirty="0" err="1"/>
-              <a:t>is</a:t>
-            </a:r>
-            <a:r>
-              <a:rPr lang="de-DE" dirty="0"/>
-              <a:t> </a:t>
-            </a:r>
-            <a:r>
-              <a:rPr lang="de-DE" dirty="0" err="1"/>
-              <a:t>no</a:t>
-            </a:r>
-            <a:r>
-              <a:rPr lang="de-DE" dirty="0"/>
-              <a:t> strong </a:t>
-            </a:r>
-            <a:r>
-              <a:rPr lang="de-DE" dirty="0" err="1"/>
-              <a:t>or</a:t>
-            </a:r>
-            <a:r>
-              <a:rPr lang="de-DE" dirty="0"/>
-              <a:t> </a:t>
-            </a:r>
-            <a:r>
-              <a:rPr lang="de-DE" dirty="0" err="1"/>
-              <a:t>clear</a:t>
-            </a:r>
-            <a:r>
-              <a:rPr lang="de-DE" dirty="0"/>
-              <a:t> </a:t>
-            </a:r>
-            <a:r>
-              <a:rPr lang="de-DE" dirty="0" err="1"/>
-              <a:t>signal</a:t>
-            </a:r>
-            <a:r>
-              <a:rPr lang="de-DE" dirty="0"/>
-              <a:t> in </a:t>
-            </a:r>
-            <a:r>
-              <a:rPr lang="de-DE" dirty="0" err="1"/>
-              <a:t>the</a:t>
-            </a:r>
-            <a:r>
-              <a:rPr lang="de-DE" dirty="0"/>
-              <a:t> </a:t>
-            </a:r>
-            <a:r>
-              <a:rPr lang="de-DE" dirty="0" err="1"/>
-              <a:t>data</a:t>
-            </a:r>
-            <a:r>
-              <a:rPr lang="de-DE" dirty="0"/>
-              <a:t> to </a:t>
-            </a:r>
-            <a:r>
-              <a:rPr lang="de-DE" dirty="0" err="1"/>
-              <a:t>distinguish</a:t>
-            </a:r>
-            <a:r>
-              <a:rPr lang="de-DE" dirty="0"/>
-              <a:t> </a:t>
-            </a:r>
-            <a:r>
-              <a:rPr lang="de-DE" dirty="0" err="1"/>
-              <a:t>between</a:t>
-            </a:r>
-            <a:r>
-              <a:rPr lang="de-DE" dirty="0"/>
-              <a:t> </a:t>
-            </a:r>
-            <a:r>
-              <a:rPr lang="de-DE" dirty="0" err="1"/>
-              <a:t>patients</a:t>
-            </a:r>
-            <a:r>
-              <a:rPr lang="de-DE" dirty="0"/>
-              <a:t> with and </a:t>
-            </a:r>
-            <a:r>
-              <a:rPr lang="de-DE" dirty="0" err="1"/>
-              <a:t>without</a:t>
-            </a:r>
-            <a:r>
-              <a:rPr lang="de-DE" dirty="0"/>
-              <a:t> TLF. </a:t>
-            </a:r>
-          </a:p>
-          <a:p>
-            <a:r>
-              <a:rPr lang="de-DE" dirty="0"/>
-              <a:t>The </a:t>
-            </a:r>
-            <a:r>
-              <a:rPr lang="de-DE" dirty="0" err="1"/>
-              <a:t>idea</a:t>
-            </a:r>
-            <a:r>
-              <a:rPr lang="de-DE" dirty="0"/>
-              <a:t> </a:t>
-            </a:r>
-            <a:r>
-              <a:rPr lang="de-DE" dirty="0" err="1"/>
-              <a:t>we</a:t>
-            </a:r>
-            <a:r>
-              <a:rPr lang="de-DE" dirty="0"/>
-              <a:t> </a:t>
-            </a:r>
-            <a:r>
-              <a:rPr lang="de-DE" dirty="0" err="1"/>
-              <a:t>had</a:t>
-            </a:r>
-            <a:r>
-              <a:rPr lang="de-DE" dirty="0"/>
-              <a:t>, </a:t>
-            </a:r>
-            <a:r>
-              <a:rPr lang="de-DE" dirty="0" err="1"/>
-              <a:t>is</a:t>
-            </a:r>
-            <a:r>
-              <a:rPr lang="de-DE" dirty="0"/>
-              <a:t> to </a:t>
-            </a:r>
+              <a:rPr lang="en-GB" sz="1200" kern="1200" dirty="0">
+                <a:solidFill>
+                  <a:schemeClr val="tx1"/>
+                </a:solidFill>
+                <a:effectLst/>
+                <a:latin typeface="+mn-lt"/>
+                <a:ea typeface="+mn-ea"/>
+                <a:cs typeface="+mn-cs"/>
+              </a:rPr>
+              <a:t> http://rasbt.github.io/mlxtend/user_guide/evaluate/ftest/</a:t>
+            </a:r>
+            <a:br>
+              <a:rPr lang="en-GB" sz="1200" kern="1200" dirty="0">
+                <a:solidFill>
+                  <a:schemeClr val="tx1"/>
+                </a:solidFill>
+                <a:effectLst/>
+                <a:latin typeface="+mn-lt"/>
+                <a:ea typeface="+mn-ea"/>
+                <a:cs typeface="+mn-cs"/>
+              </a:rPr>
+            </a:br>
+            <a:r>
+              <a:rPr lang="en-GB" sz="1200" kern="1200" dirty="0">
+                <a:solidFill>
+                  <a:schemeClr val="tx1"/>
+                </a:solidFill>
+                <a:effectLst/>
+                <a:latin typeface="+mn-lt"/>
+                <a:ea typeface="+mn-ea"/>
+                <a:cs typeface="+mn-cs"/>
+              </a:rPr>
+              <a:t>"""</a:t>
+            </a:r>
+            <a:br>
+              <a:rPr lang="en-GB" sz="1200" kern="1200" dirty="0">
+                <a:solidFill>
+                  <a:schemeClr val="tx1"/>
+                </a:solidFill>
+                <a:effectLst/>
+                <a:latin typeface="+mn-lt"/>
+                <a:ea typeface="+mn-ea"/>
+                <a:cs typeface="+mn-cs"/>
+              </a:rPr>
+            </a:br>
+            <a:r>
+              <a:rPr lang="en-GB" sz="1200" kern="1200" dirty="0">
+                <a:solidFill>
+                  <a:schemeClr val="tx1"/>
+                </a:solidFill>
+                <a:effectLst/>
+                <a:latin typeface="+mn-lt"/>
+                <a:ea typeface="+mn-ea"/>
+                <a:cs typeface="+mn-cs"/>
+              </a:rPr>
+              <a:t>In the context of evaluating machine learning models, the F-test by George W. </a:t>
+            </a:r>
+            <a:r>
+              <a:rPr lang="en-GB" sz="1200" kern="1200" dirty="0" err="1">
+                <a:solidFill>
+                  <a:schemeClr val="tx1"/>
+                </a:solidFill>
+                <a:effectLst/>
+                <a:latin typeface="+mn-lt"/>
+                <a:ea typeface="+mn-ea"/>
+                <a:cs typeface="+mn-cs"/>
+              </a:rPr>
+              <a:t>Snedecor</a:t>
+            </a:r>
+            <a:r>
+              <a:rPr lang="en-GB" sz="1200" kern="1200" dirty="0">
+                <a:solidFill>
+                  <a:schemeClr val="tx1"/>
+                </a:solidFill>
+                <a:effectLst/>
+                <a:latin typeface="+mn-lt"/>
+                <a:ea typeface="+mn-ea"/>
+                <a:cs typeface="+mn-cs"/>
+              </a:rPr>
+              <a:t> [1] can be regarded as analogous </a:t>
+            </a:r>
+            <a:br>
+              <a:rPr lang="en-GB" sz="1200" kern="1200" dirty="0">
+                <a:solidFill>
+                  <a:schemeClr val="tx1"/>
+                </a:solidFill>
+                <a:effectLst/>
+                <a:latin typeface="+mn-lt"/>
+                <a:ea typeface="+mn-ea"/>
+                <a:cs typeface="+mn-cs"/>
+              </a:rPr>
+            </a:br>
+            <a:r>
+              <a:rPr lang="en-GB" sz="1200" kern="1200" dirty="0">
+                <a:solidFill>
+                  <a:schemeClr val="tx1"/>
+                </a:solidFill>
+                <a:effectLst/>
+                <a:latin typeface="+mn-lt"/>
+                <a:ea typeface="+mn-ea"/>
+                <a:cs typeface="+mn-cs"/>
+              </a:rPr>
+              <a:t>to Cochran's Q test that can be applied to evaluate multiple classifiers (i.e., whether their accuracies estimated on a </a:t>
+            </a:r>
+            <a:br>
+              <a:rPr lang="en-GB" sz="1200" kern="1200" dirty="0">
+                <a:solidFill>
+                  <a:schemeClr val="tx1"/>
+                </a:solidFill>
+                <a:effectLst/>
+                <a:latin typeface="+mn-lt"/>
+                <a:ea typeface="+mn-ea"/>
+                <a:cs typeface="+mn-cs"/>
+              </a:rPr>
+            </a:br>
+            <a:r>
+              <a:rPr lang="en-GB" sz="1200" kern="1200" dirty="0">
+                <a:solidFill>
+                  <a:schemeClr val="tx1"/>
+                </a:solidFill>
+                <a:effectLst/>
+                <a:latin typeface="+mn-lt"/>
+                <a:ea typeface="+mn-ea"/>
+                <a:cs typeface="+mn-cs"/>
+              </a:rPr>
+              <a:t>test set differ) as described by Looney [2][3].</a:t>
+            </a:r>
+            <a:br>
+              <a:rPr lang="en-GB" sz="1200" kern="1200" dirty="0">
+                <a:solidFill>
+                  <a:schemeClr val="tx1"/>
+                </a:solidFill>
+                <a:effectLst/>
+                <a:latin typeface="+mn-lt"/>
+                <a:ea typeface="+mn-ea"/>
+                <a:cs typeface="+mn-cs"/>
+              </a:rPr>
+            </a:br>
+            <a:br>
+              <a:rPr lang="en-GB" sz="1200" kern="1200" dirty="0">
+                <a:solidFill>
+                  <a:schemeClr val="tx1"/>
+                </a:solidFill>
+                <a:effectLst/>
+                <a:latin typeface="+mn-lt"/>
+                <a:ea typeface="+mn-ea"/>
+                <a:cs typeface="+mn-cs"/>
+              </a:rPr>
+            </a:br>
+            <a:r>
+              <a:rPr lang="en-GB" sz="1200" kern="1200" dirty="0">
+                <a:solidFill>
+                  <a:schemeClr val="tx1"/>
+                </a:solidFill>
+                <a:effectLst/>
+                <a:latin typeface="+mn-lt"/>
+                <a:ea typeface="+mn-ea"/>
+                <a:cs typeface="+mn-cs"/>
+              </a:rPr>
+              <a:t>More formally, assume the task to test the null hypothesis that there is no difference between the </a:t>
+            </a:r>
+            <a:br>
+              <a:rPr lang="en-GB" sz="1200" kern="1200" dirty="0">
+                <a:solidFill>
+                  <a:schemeClr val="tx1"/>
+                </a:solidFill>
+                <a:effectLst/>
+                <a:latin typeface="+mn-lt"/>
+                <a:ea typeface="+mn-ea"/>
+                <a:cs typeface="+mn-cs"/>
+              </a:rPr>
+            </a:br>
+            <a:r>
+              <a:rPr lang="en-GB" sz="1200" kern="1200" dirty="0">
+                <a:solidFill>
+                  <a:schemeClr val="tx1"/>
+                </a:solidFill>
+                <a:effectLst/>
+                <a:latin typeface="+mn-lt"/>
+                <a:ea typeface="+mn-ea"/>
+                <a:cs typeface="+mn-cs"/>
+              </a:rPr>
+              <a:t>classification accuracies [1]: pi:H0=p1=p2=⋯=</a:t>
+            </a:r>
+            <a:r>
+              <a:rPr lang="en-GB" sz="1200" kern="1200" dirty="0" err="1">
+                <a:solidFill>
+                  <a:schemeClr val="tx1"/>
+                </a:solidFill>
+                <a:effectLst/>
+                <a:latin typeface="+mn-lt"/>
+                <a:ea typeface="+mn-ea"/>
+                <a:cs typeface="+mn-cs"/>
+              </a:rPr>
+              <a:t>pL.</a:t>
+            </a:r>
+            <a:br>
+              <a:rPr lang="en-GB" sz="1200" kern="1200" dirty="0">
+                <a:solidFill>
+                  <a:schemeClr val="tx1"/>
+                </a:solidFill>
+                <a:effectLst/>
+                <a:latin typeface="+mn-lt"/>
+                <a:ea typeface="+mn-ea"/>
+                <a:cs typeface="+mn-cs"/>
+              </a:rPr>
+            </a:br>
+            <a:br>
+              <a:rPr lang="en-GB" sz="1200" kern="1200" dirty="0">
+                <a:solidFill>
+                  <a:schemeClr val="tx1"/>
+                </a:solidFill>
+                <a:effectLst/>
+                <a:latin typeface="+mn-lt"/>
+                <a:ea typeface="+mn-ea"/>
+                <a:cs typeface="+mn-cs"/>
+              </a:rPr>
+            </a:br>
+            <a:r>
+              <a:rPr lang="en-GB" sz="1200" kern="1200" dirty="0">
+                <a:solidFill>
+                  <a:schemeClr val="tx1"/>
+                </a:solidFill>
+                <a:effectLst/>
+                <a:latin typeface="+mn-lt"/>
+                <a:ea typeface="+mn-ea"/>
+                <a:cs typeface="+mn-cs"/>
+              </a:rPr>
+              <a:t>After computing the F-value, we can then look up the p-value from a F-distribution table for the corresponding degrees</a:t>
+            </a:r>
+            <a:br>
+              <a:rPr lang="en-GB" sz="1200" kern="1200" dirty="0">
+                <a:solidFill>
+                  <a:schemeClr val="tx1"/>
+                </a:solidFill>
+                <a:effectLst/>
+                <a:latin typeface="+mn-lt"/>
+                <a:ea typeface="+mn-ea"/>
+                <a:cs typeface="+mn-cs"/>
+              </a:rPr>
+            </a:br>
+            <a:r>
+              <a:rPr lang="en-GB" sz="1200" kern="1200" dirty="0">
+                <a:solidFill>
+                  <a:schemeClr val="tx1"/>
+                </a:solidFill>
+                <a:effectLst/>
+                <a:latin typeface="+mn-lt"/>
+                <a:ea typeface="+mn-ea"/>
+                <a:cs typeface="+mn-cs"/>
+              </a:rPr>
+              <a:t>of freedom or obtain it computationally from a cumulative F-distribution function. In practice, if we successfully </a:t>
+            </a:r>
+            <a:br>
+              <a:rPr lang="en-GB" sz="1200" kern="1200" dirty="0">
+                <a:solidFill>
+                  <a:schemeClr val="tx1"/>
+                </a:solidFill>
+                <a:effectLst/>
+                <a:latin typeface="+mn-lt"/>
+                <a:ea typeface="+mn-ea"/>
+                <a:cs typeface="+mn-cs"/>
+              </a:rPr>
+            </a:br>
+            <a:r>
+              <a:rPr lang="en-GB" sz="1200" kern="1200" dirty="0">
+                <a:solidFill>
+                  <a:schemeClr val="tx1"/>
+                </a:solidFill>
+                <a:effectLst/>
+                <a:latin typeface="+mn-lt"/>
+                <a:ea typeface="+mn-ea"/>
+                <a:cs typeface="+mn-cs"/>
+              </a:rPr>
+              <a:t>rejected the null hypothesis at a previously chosen significance threshold, we could perform multiple post hoc pair-wise</a:t>
+            </a:r>
+            <a:br>
+              <a:rPr lang="en-GB" sz="1200" kern="1200" dirty="0">
+                <a:solidFill>
+                  <a:schemeClr val="tx1"/>
+                </a:solidFill>
+                <a:effectLst/>
+                <a:latin typeface="+mn-lt"/>
+                <a:ea typeface="+mn-ea"/>
+                <a:cs typeface="+mn-cs"/>
+              </a:rPr>
+            </a:br>
+            <a:r>
+              <a:rPr lang="en-GB" sz="1200" kern="1200" dirty="0">
+                <a:solidFill>
+                  <a:schemeClr val="tx1"/>
+                </a:solidFill>
+                <a:effectLst/>
+                <a:latin typeface="+mn-lt"/>
+                <a:ea typeface="+mn-ea"/>
+                <a:cs typeface="+mn-cs"/>
+              </a:rPr>
+              <a:t> tests -- for example, </a:t>
+            </a:r>
+            <a:r>
+              <a:rPr lang="en-GB" sz="1200" kern="1200" dirty="0" err="1">
+                <a:solidFill>
+                  <a:schemeClr val="tx1"/>
+                </a:solidFill>
+                <a:effectLst/>
+                <a:latin typeface="+mn-lt"/>
+                <a:ea typeface="+mn-ea"/>
+                <a:cs typeface="+mn-cs"/>
+              </a:rPr>
+              <a:t>McNemar</a:t>
+            </a:r>
+            <a:r>
+              <a:rPr lang="en-GB" sz="1200" kern="1200" dirty="0">
+                <a:solidFill>
+                  <a:schemeClr val="tx1"/>
+                </a:solidFill>
+                <a:effectLst/>
+                <a:latin typeface="+mn-lt"/>
+                <a:ea typeface="+mn-ea"/>
+                <a:cs typeface="+mn-cs"/>
+              </a:rPr>
+              <a:t> tests with a Bonferroni correction -- to determine which pairs have different </a:t>
+            </a:r>
+            <a:br>
+              <a:rPr lang="en-GB" sz="1200" kern="1200" dirty="0">
+                <a:solidFill>
+                  <a:schemeClr val="tx1"/>
+                </a:solidFill>
+                <a:effectLst/>
+                <a:latin typeface="+mn-lt"/>
+                <a:ea typeface="+mn-ea"/>
+                <a:cs typeface="+mn-cs"/>
+              </a:rPr>
+            </a:br>
+            <a:r>
+              <a:rPr lang="en-GB" sz="1200" kern="1200" dirty="0">
+                <a:solidFill>
+                  <a:schemeClr val="tx1"/>
+                </a:solidFill>
+                <a:effectLst/>
+                <a:latin typeface="+mn-lt"/>
+                <a:ea typeface="+mn-ea"/>
+                <a:cs typeface="+mn-cs"/>
+              </a:rPr>
+              <a:t> population proportions</a:t>
+            </a:r>
+          </a:p>
+          <a:p>
+            <a:endParaRPr lang="en-GB" sz="1200" kern="1200" dirty="0">
+              <a:solidFill>
+                <a:schemeClr val="tx1"/>
+              </a:solidFill>
+              <a:effectLst/>
+              <a:latin typeface="+mn-lt"/>
+              <a:ea typeface="+mn-ea"/>
+              <a:cs typeface="+mn-cs"/>
+            </a:endParaRPr>
+          </a:p>
+          <a:p>
+            <a:r>
+              <a:rPr lang="en-GB" sz="1200" kern="1200" dirty="0">
+                <a:solidFill>
+                  <a:schemeClr val="tx1"/>
+                </a:solidFill>
+                <a:effectLst/>
+                <a:latin typeface="+mn-lt"/>
+                <a:ea typeface="+mn-ea"/>
+                <a:cs typeface="+mn-cs"/>
+              </a:rPr>
+              <a:t>References: </a:t>
+            </a:r>
+          </a:p>
+          <a:p>
             <a:r>
               <a:rPr lang="en-GB" sz="1200" b="0" i="0" kern="1200" dirty="0">
                 <a:solidFill>
@@ -1482,7 +1377,7 @@
                 <a:ea typeface="+mn-ea"/>
                 <a:cs typeface="+mn-cs"/>
               </a:rPr>
-              <a:t>try to reproduce the results over a random dataset and demonstrate how random data would lead to the same result as </a:t>
+              <a:t>[1] </a:t>
             </a:r>
             <a:r>
               <a:rPr lang="en-GB" sz="1200" b="0" i="0" kern="1200" dirty="0" err="1">
@@ -1494,7 +1389,7 @@
                 <a:ea typeface="+mn-ea"/>
                 <a:cs typeface="+mn-cs"/>
               </a:rPr>
-              <a:t>biotronik’s</a:t>
+              <a:t>Snedecor</a:t>
             </a:r>
             <a:r>
               <a:rPr lang="en-GB" sz="1200" b="0" i="0" kern="1200" dirty="0">
@@ -1506,15 +1401,35 @@
                 <a:ea typeface="+mn-ea"/>
                 <a:cs typeface="+mn-cs"/>
               </a:rPr>
-              <a:t> real world patient data. By reproducing the results over a random dataset with the same amount of class imbalance, number of features and feature distribution, one can present it as an empirical clue that </a:t>
-            </a:r>
-            <a:r>
-              <a:rPr lang="en-GB" dirty="0"/>
-              <a:t>supports the assumption </a:t>
-            </a:r>
-            <a:r>
-              <a:rPr lang="en-GB" dirty="0" err="1"/>
-              <a:t>of</a:t>
+              <a:t>, George W. and Cochran, William G. (1989), Statistical Methods, Eighth Edition, Iowa State University Press.</a:t>
+            </a:r>
+          </a:p>
+          <a:p>
+            <a:r>
+              <a:rPr lang="en-GB" sz="1200" b="0" i="0" kern="1200" dirty="0">
+                <a:solidFill>
+                  <a:schemeClr val="tx1"/>
+                </a:solidFill>
+                <a:effectLst/>
+                <a:latin typeface="+mn-lt"/>
+                <a:ea typeface="+mn-ea"/>
+                <a:cs typeface="+mn-cs"/>
+              </a:rPr>
+              <a:t>[2] Looney, Stephen W. "A statistical technique for comparing the accuracies of several classifiers." Pattern Recognition Letters 8, no. 1 (1988): 5-9.</a:t>
+            </a:r>
+          </a:p>
+          <a:p>
+            <a:r>
+              <a:rPr lang="en-GB" sz="1200" b="0" i="0" kern="1200" dirty="0">
+                <a:solidFill>
+                  <a:schemeClr val="tx1"/>
+                </a:solidFill>
+                <a:effectLst/>
+                <a:latin typeface="+mn-lt"/>
+                <a:ea typeface="+mn-ea"/>
+                <a:cs typeface="+mn-cs"/>
+              </a:rPr>
+              <a:t>[3] </a:t>
             </a:r>
             <a:r>
               <a:rPr lang="en-GB" sz="1200" b="0" i="0" kern="1200" dirty="0" err="1">
@@ -1526,7 +1441,7 @@
                 <a:ea typeface="+mn-ea"/>
                 <a:cs typeface="+mn-cs"/>
               </a:rPr>
-              <a:t>no</a:t>
+              <a:t>Kuncheva</a:t>
             </a:r>
             <a:r>
               <a:rPr lang="en-GB" sz="1200" b="0" i="0" kern="1200" dirty="0">
@@ -1538,11 +1453,13 @@
                 <a:ea typeface="+mn-ea"/>
                 <a:cs typeface="+mn-cs"/>
               </a:rPr>
-              <a:t> significant signal to grasp.</a:t>
-            </a:r>
-            <a:endParaRPr lang="en-GB" dirty="0"/>
-          </a:p>
-          <a:p>
+              <a:t>, Ludmila I. Combining pattern classifiers: methods and algorithms. John Wiley &amp; Sons, 2004.</a:t>
+            </a:r>
+          </a:p>
+          <a:p>
+            <a:br>
+              <a:rPr lang="en-GB" dirty="0"/>
+            </a:br>
             <a:endParaRPr lang="en-GB" dirty="0"/>
           </a:p>
         </p:txBody>
@@ -1573,7 +1490,7 @@
     </p:spTree>
     <p:extLst>
       <p:ext uri="{BB962C8B-B14F-4D97-AF65-F5344CB8AC3E}">
-        <p14:creationId xmlns:p14="http://schemas.microsoft.com/office/powerpoint/2010/main" val="3754323831"/>
+        <p14:creationId xmlns:p14="http://schemas.microsoft.com/office/powerpoint/2010/main" val="3973927302"/>
       </p:ext>
     </p:extLst>
   </p:cSld>
@@ -1629,11 +1546,19 @@
           <a:p>
             <a:r>
               <a:rPr lang="de-DE" dirty="0"/>
-              <a:t>The </a:t>
-            </a:r>
-            <a:r>
-              <a:rPr lang="de-DE" dirty="0" err="1"/>
-              <a:t>general</a:t>
+              <a:t>To </a:t>
+            </a:r>
+            <a:r>
+              <a:rPr lang="de-DE" dirty="0" err="1"/>
+              <a:t>proceed</a:t>
+            </a:r>
+            <a:r>
+              <a:rPr lang="de-DE" dirty="0"/>
+              <a:t> with </a:t>
+            </a:r>
+            <a:r>
+              <a:rPr lang="de-DE" dirty="0" err="1"/>
+              <a:t>the</a:t>
             </a:r>
             <a:r>
               <a:rPr lang="de-DE" dirty="0"/>
@@ -1641,724 +1566,478 @@
             </a:r>
             <a:r>
               <a:rPr lang="de-DE" dirty="0" err="1"/>
-              <a:t>cohort</a:t>
-            </a:r>
-            <a:r>
-              <a:rPr lang="de-DE" dirty="0"/>
+              <a:t>project</a:t>
+            </a:r>
+            <a:r>
+              <a:rPr lang="de-DE" dirty="0"/>
+              <a:t> and </a:t>
+            </a:r>
+            <a:r>
+              <a:rPr lang="en-GB" sz="1200" b="0" i="0" kern="1200" dirty="0">
+                <a:solidFill>
+                  <a:schemeClr val="tx1"/>
+                </a:solidFill>
+                <a:effectLst/>
+                <a:latin typeface="+mn-lt"/>
+                <a:ea typeface="+mn-ea"/>
+                <a:cs typeface="+mn-cs"/>
+              </a:rPr>
+              <a:t>to be able to present tangible results, I have to be 100% sure about the chosen pipelines/methods. I have to somehow </a:t>
+            </a:r>
+            <a:r>
+              <a:rPr lang="en-GB" sz="1200" b="0" i="0" kern="1200" dirty="0" err="1">
+                <a:solidFill>
+                  <a:schemeClr val="tx1"/>
+                </a:solidFill>
+                <a:effectLst/>
+                <a:latin typeface="+mn-lt"/>
+                <a:ea typeface="+mn-ea"/>
+                <a:cs typeface="+mn-cs"/>
+              </a:rPr>
+              <a:t>clearifiy</a:t>
+            </a:r>
+            <a:r>
+              <a:rPr lang="en-GB" sz="1200" b="0" i="0" kern="1200" dirty="0">
+                <a:solidFill>
+                  <a:schemeClr val="tx1"/>
+                </a:solidFill>
+                <a:effectLst/>
+                <a:latin typeface="+mn-lt"/>
+                <a:ea typeface="+mn-ea"/>
+                <a:cs typeface="+mn-cs"/>
+              </a:rPr>
+              <a:t> which one is the best under the failing ones. This is important so that nobody can argue that I’ve made a mistake in hyperparameter tuning and missed the model fitting to the data.</a:t>
+            </a:r>
+          </a:p>
+          <a:p>
+            <a:r>
+              <a:rPr lang="en-GB" sz="1200" b="0" i="0" kern="1200" dirty="0">
+                <a:solidFill>
+                  <a:schemeClr val="tx1"/>
+                </a:solidFill>
+                <a:effectLst/>
+                <a:latin typeface="+mn-lt"/>
+                <a:ea typeface="+mn-ea"/>
+                <a:cs typeface="+mn-cs"/>
+              </a:rPr>
+              <a:t>For that I have to identify for each used classifier the hyperparameters which influences the model complexity and thus controls under / overfitting. Then set one parameter  to a fix value to </a:t>
+            </a:r>
+            <a:r>
+              <a:rPr lang="en-GB" sz="1200" b="0" i="0" kern="1200" dirty="0">
+                <a:solidFill>
+                  <a:schemeClr val="tx1"/>
+                </a:solidFill>
+                <a:effectLst/>
+                <a:latin typeface="+mn-lt"/>
+                <a:ea typeface="+mn-ea"/>
+                <a:cs typeface="+mn-cs"/>
+                <a:sym typeface="Wingdings" panose="05000000000000000000" pitchFamily="2" charset="2"/>
+              </a:rPr>
+              <a:t>make score graphs for the other variable hyperparameters and decide: </a:t>
+            </a:r>
+          </a:p>
+          <a:p>
+            <a:pPr marL="0" marR="0" lvl="0" indent="0" algn="l" defTabSz="914400" rtl="0" eaLnBrk="1" fontAlgn="auto" latinLnBrk="0" hangingPunct="1">
+              <a:lnSpc>
+                <a:spcPct val="100000"/>
+              </a:lnSpc>
+              <a:spcBef>
+                <a:spcPts val="0"/>
+              </a:spcBef>
+              <a:spcAft>
+                <a:spcPts val="0"/>
+              </a:spcAft>
+              <a:buClrTx/>
+              <a:buSzTx/>
+              <a:buFontTx/>
+              <a:buNone/>
+              <a:tabLst/>
+              <a:defRPr/>
+            </a:pPr>
+            <a:r>
+              <a:rPr lang="en-GB" sz="1200" b="0" i="0" kern="1200" dirty="0">
+                <a:solidFill>
+                  <a:schemeClr val="tx1"/>
+                </a:solidFill>
+                <a:effectLst/>
+                <a:latin typeface="+mn-lt"/>
+                <a:ea typeface="+mn-ea"/>
+                <a:cs typeface="+mn-cs"/>
+                <a:sym typeface="Wingdings" panose="05000000000000000000" pitchFamily="2" charset="2"/>
+              </a:rPr>
+              <a:t>- </a:t>
+            </a:r>
+            <a:r>
+              <a:rPr lang="en-GB" sz="1200" u="sng" kern="1200" dirty="0">
+                <a:solidFill>
+                  <a:schemeClr val="tx1"/>
+                </a:solidFill>
+                <a:effectLst/>
+                <a:latin typeface="+mn-lt"/>
+                <a:ea typeface="+mn-ea"/>
+                <a:cs typeface="+mn-cs"/>
+              </a:rPr>
+              <a:t>What is the point where adding more complexity, does not increase train score anymore?</a:t>
+            </a:r>
+            <a:endParaRPr lang="en-GB" sz="1200" kern="1200" dirty="0">
+              <a:solidFill>
+                <a:schemeClr val="tx1"/>
+              </a:solidFill>
+              <a:effectLst/>
+              <a:latin typeface="+mn-lt"/>
+              <a:ea typeface="+mn-ea"/>
+              <a:cs typeface="+mn-cs"/>
+            </a:endParaRPr>
+          </a:p>
+          <a:p>
+            <a:pPr marL="0" marR="0" lvl="0" indent="0" algn="l" defTabSz="914400" rtl="0" eaLnBrk="1" fontAlgn="auto" latinLnBrk="0" hangingPunct="1">
+              <a:lnSpc>
+                <a:spcPct val="100000"/>
+              </a:lnSpc>
+              <a:spcBef>
+                <a:spcPts val="0"/>
+              </a:spcBef>
+              <a:spcAft>
+                <a:spcPts val="0"/>
+              </a:spcAft>
+              <a:buClrTx/>
+              <a:buSzTx/>
+              <a:buFontTx/>
+              <a:buNone/>
+              <a:tabLst/>
+              <a:defRPr/>
+            </a:pPr>
+            <a:r>
+              <a:rPr lang="en-GB" dirty="0"/>
+              <a:t>- </a:t>
+            </a:r>
+            <a:r>
+              <a:rPr lang="en-GB" sz="1200" kern="1200" dirty="0">
+                <a:solidFill>
+                  <a:schemeClr val="tx1"/>
+                </a:solidFill>
+                <a:effectLst/>
+                <a:latin typeface="+mn-lt"/>
+                <a:ea typeface="+mn-ea"/>
+                <a:cs typeface="+mn-cs"/>
+              </a:rPr>
+              <a:t>What is the point where train + validation score start to diverge?</a:t>
+            </a:r>
+          </a:p>
+          <a:p>
+            <a:pPr marL="171450" indent="-171450">
+              <a:buFontTx/>
+              <a:buChar char="-"/>
+            </a:pPr>
+            <a:r>
+              <a:rPr lang="en-GB" sz="1200" kern="1200" dirty="0">
+                <a:solidFill>
+                  <a:schemeClr val="tx1"/>
+                </a:solidFill>
+                <a:effectLst/>
+                <a:latin typeface="+mn-lt"/>
+                <a:ea typeface="+mn-ea"/>
+                <a:cs typeface="+mn-cs"/>
+              </a:rPr>
+              <a:t>If “unhealthy” behaviour </a:t>
+            </a:r>
+            <a:r>
+              <a:rPr lang="en-GB" dirty="0"/>
+              <a:t>observed</a:t>
+            </a:r>
+            <a:r>
+              <a:rPr lang="en-GB" sz="1200" kern="1200" dirty="0">
+                <a:solidFill>
+                  <a:schemeClr val="tx1"/>
+                </a:solidFill>
+                <a:effectLst/>
+                <a:latin typeface="+mn-lt"/>
+                <a:ea typeface="+mn-ea"/>
+                <a:cs typeface="+mn-cs"/>
+              </a:rPr>
+              <a:t>, plot can be seen as one more example of randomness of data.</a:t>
+            </a:r>
+          </a:p>
+          <a:p>
+            <a:pPr marL="171450" indent="-171450">
+              <a:buFontTx/>
+              <a:buChar char="-"/>
+            </a:pPr>
+            <a:endParaRPr lang="en-GB" sz="1200" kern="1200" dirty="0">
+              <a:solidFill>
+                <a:schemeClr val="tx1"/>
+              </a:solidFill>
+              <a:effectLst/>
+              <a:latin typeface="+mn-lt"/>
+              <a:ea typeface="+mn-ea"/>
+              <a:cs typeface="+mn-cs"/>
+            </a:endParaRPr>
+          </a:p>
+          <a:p>
+            <a:pPr marL="0" indent="0">
+              <a:buFontTx/>
+              <a:buNone/>
+            </a:pPr>
+            <a:r>
+              <a:rPr lang="en-GB" sz="1200" kern="1200" dirty="0">
+                <a:solidFill>
+                  <a:schemeClr val="tx1"/>
+                </a:solidFill>
+                <a:effectLst/>
+                <a:latin typeface="+mn-lt"/>
+                <a:ea typeface="+mn-ea"/>
+                <a:cs typeface="+mn-cs"/>
+              </a:rPr>
+              <a:t>Example with </a:t>
+            </a:r>
+            <a:r>
+              <a:rPr lang="en-GB" sz="1200" kern="1200" dirty="0" err="1">
+                <a:solidFill>
+                  <a:schemeClr val="tx1"/>
+                </a:solidFill>
+                <a:effectLst/>
+                <a:latin typeface="+mn-lt"/>
+                <a:ea typeface="+mn-ea"/>
+                <a:cs typeface="+mn-cs"/>
+              </a:rPr>
+              <a:t>RandomForest</a:t>
+            </a:r>
+            <a:r>
+              <a:rPr lang="en-GB" sz="1200" kern="1200" dirty="0">
+                <a:solidFill>
+                  <a:schemeClr val="tx1"/>
+                </a:solidFill>
+                <a:effectLst/>
+                <a:latin typeface="+mn-lt"/>
+                <a:ea typeface="+mn-ea"/>
+                <a:cs typeface="+mn-cs"/>
+              </a:rPr>
+              <a:t>: Hyperparameters responsible for model complexity are the number of trees in the forest and the depth of each tree, namely the number of samples required to be at a leaf node. First, I set parameter </a:t>
+            </a:r>
+            <a:r>
+              <a:rPr lang="en-GB" sz="1200" kern="1200" dirty="0" err="1">
+                <a:solidFill>
+                  <a:schemeClr val="tx1"/>
+                </a:solidFill>
+                <a:effectLst/>
+                <a:latin typeface="+mn-lt"/>
+                <a:ea typeface="+mn-ea"/>
+                <a:cs typeface="+mn-cs"/>
+              </a:rPr>
+              <a:t>min_sample_leaf</a:t>
+            </a:r>
+            <a:r>
+              <a:rPr lang="en-GB" sz="1200" kern="1200" dirty="0">
+                <a:solidFill>
+                  <a:schemeClr val="tx1"/>
+                </a:solidFill>
+                <a:effectLst/>
+                <a:latin typeface="+mn-lt"/>
+                <a:ea typeface="+mn-ea"/>
+                <a:cs typeface="+mn-cs"/>
+              </a:rPr>
+              <a:t> to 5 and </a:t>
+            </a:r>
+            <a:r>
+              <a:rPr lang="en-GB" sz="1200" kern="1200" dirty="0" err="1">
+                <a:solidFill>
+                  <a:schemeClr val="tx1"/>
+                </a:solidFill>
+                <a:effectLst/>
+                <a:latin typeface="+mn-lt"/>
+                <a:ea typeface="+mn-ea"/>
+                <a:cs typeface="+mn-cs"/>
+              </a:rPr>
+              <a:t>plottet</a:t>
+            </a:r>
+            <a:r>
+              <a:rPr lang="en-GB" sz="1200" kern="1200" dirty="0">
+                <a:solidFill>
+                  <a:schemeClr val="tx1"/>
+                </a:solidFill>
+                <a:effectLst/>
+                <a:latin typeface="+mn-lt"/>
+                <a:ea typeface="+mn-ea"/>
+                <a:cs typeface="+mn-cs"/>
+              </a:rPr>
+              <a:t> the score graph for number of trees in the forest. The number of trees do not seem to play a big role in under/overfitting, but I would choose 10 for the parameter, because as going higher no significant improvement seen. The next step was to set the number of trees to 10, based on </a:t>
+            </a:r>
+            <a:r>
+              <a:rPr lang="en-GB" sz="1200" kern="1200" dirty="0" err="1">
+                <a:solidFill>
+                  <a:schemeClr val="tx1"/>
+                </a:solidFill>
+                <a:effectLst/>
+                <a:latin typeface="+mn-lt"/>
+                <a:ea typeface="+mn-ea"/>
+                <a:cs typeface="+mn-cs"/>
+              </a:rPr>
+              <a:t>previos</a:t>
+            </a:r>
+            <a:r>
+              <a:rPr lang="en-GB" sz="1200" kern="1200" dirty="0">
+                <a:solidFill>
+                  <a:schemeClr val="tx1"/>
+                </a:solidFill>
+                <a:effectLst/>
+                <a:latin typeface="+mn-lt"/>
+                <a:ea typeface="+mn-ea"/>
+                <a:cs typeface="+mn-cs"/>
+              </a:rPr>
+              <a:t> results, and plot now the score graph for the number of samples needed to be at a </a:t>
+            </a:r>
+            <a:r>
+              <a:rPr lang="en-GB" sz="1200" kern="1200" dirty="0" err="1">
+                <a:solidFill>
+                  <a:schemeClr val="tx1"/>
+                </a:solidFill>
+                <a:effectLst/>
+                <a:latin typeface="+mn-lt"/>
+                <a:ea typeface="+mn-ea"/>
+                <a:cs typeface="+mn-cs"/>
+              </a:rPr>
+              <a:t>leadf</a:t>
+            </a:r>
+            <a:r>
+              <a:rPr lang="en-GB" sz="1200" kern="1200" dirty="0">
+                <a:solidFill>
+                  <a:schemeClr val="tx1"/>
+                </a:solidFill>
+                <a:effectLst/>
+                <a:latin typeface="+mn-lt"/>
+                <a:ea typeface="+mn-ea"/>
+                <a:cs typeface="+mn-cs"/>
+              </a:rPr>
+              <a:t> node. This parameter seem to play a role in under/overfitting. Show more of a healthy train/test score behaviour. 80 is an optimal value for this parameter. Validate </a:t>
+            </a:r>
+            <a:r>
+              <a:rPr lang="en-GB" sz="1200" kern="1200" dirty="0" err="1">
+                <a:solidFill>
+                  <a:schemeClr val="tx1"/>
+                </a:solidFill>
+                <a:effectLst/>
+                <a:latin typeface="+mn-lt"/>
+                <a:ea typeface="+mn-ea"/>
+                <a:cs typeface="+mn-cs"/>
+              </a:rPr>
+              <a:t>behavoir</a:t>
+            </a:r>
+            <a:r>
+              <a:rPr lang="en-GB" sz="1200" kern="1200" dirty="0">
+                <a:solidFill>
+                  <a:schemeClr val="tx1"/>
+                </a:solidFill>
+                <a:effectLst/>
+                <a:latin typeface="+mn-lt"/>
+                <a:ea typeface="+mn-ea"/>
+                <a:cs typeface="+mn-cs"/>
+              </a:rPr>
+              <a:t> of </a:t>
+            </a:r>
+            <a:r>
+              <a:rPr lang="en-GB" sz="1200" kern="1200" dirty="0" err="1">
+                <a:solidFill>
+                  <a:schemeClr val="tx1"/>
+                </a:solidFill>
+                <a:effectLst/>
+                <a:latin typeface="+mn-lt"/>
+                <a:ea typeface="+mn-ea"/>
+                <a:cs typeface="+mn-cs"/>
+              </a:rPr>
+              <a:t>num</a:t>
+            </a:r>
+            <a:r>
+              <a:rPr lang="en-GB" sz="1200" kern="1200" dirty="0">
+                <a:solidFill>
+                  <a:schemeClr val="tx1"/>
+                </a:solidFill>
+                <a:effectLst/>
+                <a:latin typeface="+mn-lt"/>
+                <a:ea typeface="+mn-ea"/>
+                <a:cs typeface="+mn-cs"/>
+              </a:rPr>
+              <a:t> trees with another fixed value of </a:t>
+            </a:r>
+            <a:r>
+              <a:rPr lang="en-GB" sz="1200" kern="1200" dirty="0" err="1">
+                <a:solidFill>
+                  <a:schemeClr val="tx1"/>
+                </a:solidFill>
+                <a:effectLst/>
+                <a:latin typeface="+mn-lt"/>
+                <a:ea typeface="+mn-ea"/>
+                <a:cs typeface="+mn-cs"/>
+              </a:rPr>
+              <a:t>min_sample</a:t>
+            </a:r>
+            <a:r>
+              <a:rPr lang="en-GB" sz="1200" kern="1200" dirty="0">
+                <a:solidFill>
+                  <a:schemeClr val="tx1"/>
+                </a:solidFill>
+                <a:effectLst/>
+                <a:latin typeface="+mn-lt"/>
+                <a:ea typeface="+mn-ea"/>
+                <a:cs typeface="+mn-cs"/>
+              </a:rPr>
               <a:t> </a:t>
             </a:r>
             <a:r>
-              <a:rPr lang="de-DE" dirty="0" err="1"/>
-              <a:t>seems</a:t>
-            </a:r>
-            <a:r>
-              <a:rPr lang="de-DE" dirty="0"/>
-              <a:t> to </a:t>
-            </a:r>
-            <a:r>
-              <a:rPr lang="de-DE" dirty="0" err="1"/>
-              <a:t>be</a:t>
-            </a:r>
-            <a:r>
-              <a:rPr lang="de-DE" dirty="0"/>
-              <a:t> </a:t>
-            </a:r>
-            <a:r>
-              <a:rPr lang="de-DE" dirty="0" err="1"/>
-              <a:t>very</a:t>
-            </a:r>
-            <a:r>
-              <a:rPr lang="de-DE" dirty="0"/>
-              <a:t> </a:t>
-            </a:r>
-            <a:r>
-              <a:rPr lang="de-DE" dirty="0" err="1"/>
-              <a:t>confusing</a:t>
-            </a:r>
-            <a:r>
-              <a:rPr lang="de-DE" dirty="0"/>
-              <a:t> for </a:t>
-            </a:r>
-            <a:r>
-              <a:rPr lang="de-DE" dirty="0" err="1"/>
-              <a:t>classifiers</a:t>
-            </a:r>
-            <a:r>
-              <a:rPr lang="de-DE" dirty="0"/>
-              <a:t>, but </a:t>
-            </a:r>
-            <a:r>
-              <a:rPr lang="de-DE" dirty="0" err="1"/>
-              <a:t>there</a:t>
-            </a:r>
-            <a:r>
-              <a:rPr lang="de-DE" dirty="0"/>
-              <a:t> </a:t>
-            </a:r>
-            <a:r>
-              <a:rPr lang="de-DE" dirty="0" err="1"/>
-              <a:t>are</a:t>
-            </a:r>
-            <a:r>
-              <a:rPr lang="de-DE" dirty="0"/>
-              <a:t> </a:t>
-            </a:r>
-            <a:r>
-              <a:rPr lang="de-DE" dirty="0" err="1"/>
-              <a:t>samples</a:t>
-            </a:r>
-            <a:r>
-              <a:rPr lang="de-DE" dirty="0"/>
-              <a:t> </a:t>
-            </a:r>
-            <a:r>
-              <a:rPr lang="de-DE" dirty="0" err="1"/>
-              <a:t>that</a:t>
-            </a:r>
-            <a:r>
-              <a:rPr lang="de-DE" dirty="0"/>
-              <a:t> </a:t>
-            </a:r>
-            <a:r>
-              <a:rPr lang="de-DE" dirty="0" err="1"/>
-              <a:t>are</a:t>
-            </a:r>
-            <a:r>
-              <a:rPr lang="de-DE" dirty="0"/>
-              <a:t> </a:t>
-            </a:r>
-            <a:r>
-              <a:rPr lang="de-DE" dirty="0" err="1"/>
-              <a:t>predicted</a:t>
-            </a:r>
-            <a:r>
-              <a:rPr lang="de-DE" dirty="0"/>
-              <a:t> </a:t>
-            </a:r>
-            <a:r>
-              <a:rPr lang="de-DE" dirty="0" err="1"/>
-              <a:t>correctly</a:t>
-            </a:r>
-            <a:r>
-              <a:rPr lang="de-DE" dirty="0"/>
-              <a:t>, </a:t>
-            </a:r>
-            <a:r>
-              <a:rPr lang="de-DE" dirty="0" err="1"/>
-              <a:t>even</a:t>
-            </a:r>
-            <a:r>
-              <a:rPr lang="de-DE" dirty="0"/>
-              <a:t> if </a:t>
-            </a:r>
-            <a:r>
-              <a:rPr lang="de-DE" dirty="0" err="1"/>
-              <a:t>the</a:t>
-            </a:r>
-            <a:r>
-              <a:rPr lang="de-DE" dirty="0"/>
-              <a:t> </a:t>
-            </a:r>
-            <a:r>
-              <a:rPr lang="de-DE" dirty="0" err="1"/>
-              <a:t>sumber</a:t>
-            </a:r>
-            <a:r>
-              <a:rPr lang="de-DE" dirty="0"/>
-              <a:t> </a:t>
-            </a:r>
-            <a:r>
-              <a:rPr lang="de-DE" dirty="0" err="1"/>
-              <a:t>is</a:t>
-            </a:r>
-            <a:r>
-              <a:rPr lang="de-DE" dirty="0"/>
-              <a:t> </a:t>
-            </a:r>
-            <a:r>
-              <a:rPr lang="de-DE" dirty="0" err="1"/>
-              <a:t>very</a:t>
-            </a:r>
-            <a:r>
-              <a:rPr lang="de-DE" dirty="0"/>
-              <a:t> </a:t>
-            </a:r>
-            <a:r>
-              <a:rPr lang="de-DE" dirty="0" err="1"/>
-              <a:t>low</a:t>
-            </a:r>
-            <a:r>
-              <a:rPr lang="de-DE" dirty="0"/>
-              <a:t>. This </a:t>
-            </a:r>
-            <a:r>
-              <a:rPr lang="de-DE" dirty="0" err="1"/>
-              <a:t>could</a:t>
-            </a:r>
-            <a:r>
-              <a:rPr lang="de-DE" dirty="0"/>
-              <a:t> </a:t>
-            </a:r>
-            <a:r>
-              <a:rPr lang="de-DE" dirty="0" err="1"/>
-              <a:t>be</a:t>
-            </a:r>
-            <a:r>
-              <a:rPr lang="de-DE" dirty="0"/>
-              <a:t> </a:t>
-            </a:r>
-            <a:r>
-              <a:rPr lang="de-DE" dirty="0" err="1"/>
-              <a:t>by</a:t>
-            </a:r>
-            <a:r>
-              <a:rPr lang="de-DE" dirty="0"/>
-              <a:t> </a:t>
-            </a:r>
-            <a:r>
-              <a:rPr lang="de-DE" dirty="0" err="1"/>
-              <a:t>chance</a:t>
-            </a:r>
-            <a:r>
-              <a:rPr lang="de-DE" dirty="0"/>
-              <a:t> </a:t>
-            </a:r>
-            <a:r>
-              <a:rPr lang="de-DE" dirty="0" err="1"/>
-              <a:t>or</a:t>
-            </a:r>
-            <a:r>
-              <a:rPr lang="de-DE" dirty="0"/>
-              <a:t> </a:t>
-            </a:r>
-            <a:r>
-              <a:rPr lang="de-DE" dirty="0" err="1"/>
-              <a:t>they</a:t>
-            </a:r>
-            <a:r>
-              <a:rPr lang="de-DE" dirty="0"/>
-              <a:t> </a:t>
-            </a:r>
-            <a:r>
-              <a:rPr lang="de-DE" dirty="0" err="1"/>
-              <a:t>are</a:t>
-            </a:r>
-            <a:r>
-              <a:rPr lang="de-DE" dirty="0"/>
-              <a:t> </a:t>
-            </a:r>
-            <a:r>
-              <a:rPr lang="de-DE" dirty="0" err="1"/>
-              <a:t>easier</a:t>
-            </a:r>
-            <a:r>
-              <a:rPr lang="de-DE" dirty="0"/>
-              <a:t> to </a:t>
-            </a:r>
-            <a:r>
-              <a:rPr lang="de-DE" dirty="0" err="1"/>
-              <a:t>predict</a:t>
-            </a:r>
-            <a:r>
-              <a:rPr lang="de-DE" dirty="0"/>
-              <a:t>. If so, </a:t>
-            </a:r>
-            <a:r>
-              <a:rPr lang="de-DE" dirty="0" err="1"/>
-              <a:t>it</a:t>
-            </a:r>
-            <a:r>
-              <a:rPr lang="de-DE" dirty="0"/>
-              <a:t> </a:t>
-            </a:r>
-            <a:r>
-              <a:rPr lang="de-DE" dirty="0" err="1"/>
-              <a:t>is</a:t>
-            </a:r>
-            <a:r>
-              <a:rPr lang="de-DE" dirty="0"/>
-              <a:t> </a:t>
-            </a:r>
-            <a:r>
-              <a:rPr lang="de-DE" dirty="0" err="1"/>
-              <a:t>interesting</a:t>
-            </a:r>
-            <a:r>
-              <a:rPr lang="de-DE" dirty="0"/>
-              <a:t> to </a:t>
-            </a:r>
-            <a:r>
-              <a:rPr lang="de-DE" dirty="0" err="1"/>
-              <a:t>see</a:t>
-            </a:r>
-            <a:r>
-              <a:rPr lang="de-DE" dirty="0"/>
-              <a:t> </a:t>
-            </a:r>
-            <a:r>
-              <a:rPr lang="de-DE" dirty="0" err="1"/>
-              <a:t>what</a:t>
-            </a:r>
-            <a:r>
-              <a:rPr lang="de-DE" dirty="0"/>
-              <a:t> </a:t>
-            </a:r>
-            <a:r>
-              <a:rPr lang="de-DE" dirty="0" err="1"/>
-              <a:t>makes</a:t>
-            </a:r>
-            <a:r>
-              <a:rPr lang="de-DE" dirty="0"/>
-              <a:t> </a:t>
-            </a:r>
-            <a:r>
-              <a:rPr lang="de-DE" dirty="0" err="1"/>
-              <a:t>the</a:t>
-            </a:r>
-            <a:r>
-              <a:rPr lang="de-DE" dirty="0"/>
-              <a:t> different from </a:t>
-            </a:r>
-            <a:r>
-              <a:rPr lang="de-DE" dirty="0" err="1"/>
-              <a:t>other</a:t>
-            </a:r>
-            <a:r>
-              <a:rPr lang="de-DE" dirty="0"/>
-              <a:t> </a:t>
-            </a:r>
-            <a:r>
-              <a:rPr lang="de-DE" dirty="0" err="1"/>
-              <a:t>patients</a:t>
-            </a:r>
-            <a:r>
-              <a:rPr lang="de-DE" dirty="0"/>
-              <a:t> with TLF.</a:t>
-            </a:r>
-          </a:p>
-          <a:p>
-            <a:endParaRPr lang="de-DE" dirty="0"/>
-          </a:p>
-          <a:p>
-            <a:r>
-              <a:rPr lang="de-DE" dirty="0"/>
-              <a:t>To </a:t>
-            </a:r>
-            <a:r>
-              <a:rPr lang="de-DE" dirty="0" err="1"/>
-              <a:t>tackle</a:t>
-            </a:r>
-            <a:r>
-              <a:rPr lang="de-DE" dirty="0"/>
-              <a:t> </a:t>
-            </a:r>
-            <a:r>
-              <a:rPr lang="de-DE" dirty="0" err="1"/>
-              <a:t>this</a:t>
-            </a:r>
-            <a:r>
-              <a:rPr lang="de-DE" dirty="0"/>
-              <a:t> </a:t>
-            </a:r>
-            <a:r>
-              <a:rPr lang="de-DE" dirty="0" err="1"/>
-              <a:t>problem</a:t>
-            </a:r>
-            <a:r>
-              <a:rPr lang="de-DE" dirty="0"/>
-              <a:t>, </a:t>
-            </a:r>
-            <a:r>
-              <a:rPr lang="de-DE" dirty="0" err="1"/>
-              <a:t>we</a:t>
-            </a:r>
-            <a:r>
-              <a:rPr lang="de-DE" dirty="0"/>
-              <a:t> </a:t>
-            </a:r>
-            <a:r>
-              <a:rPr lang="de-DE" dirty="0" err="1"/>
-              <a:t>intend</a:t>
-            </a:r>
-            <a:r>
-              <a:rPr lang="de-DE" dirty="0"/>
-              <a:t> to </a:t>
-            </a:r>
-            <a:r>
-              <a:rPr lang="de-DE" dirty="0" err="1"/>
-              <a:t>add</a:t>
-            </a:r>
-            <a:r>
-              <a:rPr lang="de-DE" dirty="0"/>
-              <a:t> a </a:t>
-            </a:r>
-            <a:r>
-              <a:rPr lang="de-DE" dirty="0" err="1"/>
-              <a:t>second</a:t>
-            </a:r>
-            <a:r>
-              <a:rPr lang="de-DE" dirty="0"/>
-              <a:t> </a:t>
-            </a:r>
-            <a:r>
-              <a:rPr lang="de-DE" dirty="0" err="1"/>
-              <a:t>layer</a:t>
-            </a:r>
-            <a:r>
-              <a:rPr lang="de-DE" dirty="0"/>
-              <a:t> to </a:t>
-            </a:r>
-            <a:r>
-              <a:rPr lang="de-DE" dirty="0" err="1"/>
-              <a:t>already</a:t>
-            </a:r>
-            <a:r>
-              <a:rPr lang="de-DE" dirty="0"/>
-              <a:t> </a:t>
-            </a:r>
-            <a:r>
-              <a:rPr lang="de-DE" dirty="0" err="1"/>
-              <a:t>used</a:t>
-            </a:r>
-            <a:r>
-              <a:rPr lang="de-DE" dirty="0"/>
-              <a:t> </a:t>
-            </a:r>
-            <a:r>
-              <a:rPr lang="de-DE" dirty="0" err="1"/>
-              <a:t>pipeline</a:t>
-            </a:r>
-            <a:r>
-              <a:rPr lang="de-DE" dirty="0"/>
-              <a:t> – </a:t>
-            </a:r>
-            <a:r>
-              <a:rPr lang="de-DE" dirty="0" err="1"/>
-              <a:t>the</a:t>
-            </a:r>
-            <a:r>
-              <a:rPr lang="de-DE" dirty="0"/>
-              <a:t> so </a:t>
-            </a:r>
-            <a:r>
-              <a:rPr lang="de-DE" dirty="0" err="1"/>
-              <a:t>called</a:t>
-            </a:r>
-            <a:r>
-              <a:rPr lang="de-DE" dirty="0"/>
-              <a:t> </a:t>
-            </a:r>
-            <a:r>
-              <a:rPr lang="de-DE" dirty="0" err="1"/>
-              <a:t>confidence</a:t>
-            </a:r>
-            <a:r>
-              <a:rPr lang="de-DE" dirty="0"/>
-              <a:t> </a:t>
-            </a:r>
-            <a:r>
-              <a:rPr lang="de-DE" dirty="0" err="1"/>
-              <a:t>layer</a:t>
-            </a:r>
-            <a:r>
-              <a:rPr lang="de-DE" dirty="0"/>
-              <a:t>. From </a:t>
-            </a:r>
-            <a:r>
-              <a:rPr lang="de-DE" dirty="0" err="1"/>
-              <a:t>the</a:t>
-            </a:r>
-            <a:r>
-              <a:rPr lang="de-DE" dirty="0"/>
-              <a:t> </a:t>
-            </a:r>
-            <a:r>
-              <a:rPr lang="de-DE" dirty="0" err="1"/>
-              <a:t>originial</a:t>
-            </a:r>
-            <a:r>
-              <a:rPr lang="de-DE" dirty="0"/>
-              <a:t> </a:t>
-            </a:r>
-            <a:r>
-              <a:rPr lang="de-DE" dirty="0" err="1"/>
-              <a:t>pipeline</a:t>
-            </a:r>
-            <a:r>
-              <a:rPr lang="de-DE" dirty="0"/>
-              <a:t> 8 </a:t>
-            </a:r>
-            <a:r>
-              <a:rPr lang="de-DE" dirty="0" err="1"/>
-              <a:t>models</a:t>
-            </a:r>
-            <a:r>
-              <a:rPr lang="de-DE" dirty="0"/>
-              <a:t> with different </a:t>
-            </a:r>
-            <a:r>
-              <a:rPr lang="de-DE" dirty="0" err="1"/>
-              <a:t>classifiers</a:t>
-            </a:r>
-            <a:r>
-              <a:rPr lang="de-DE" dirty="0"/>
-              <a:t> will </a:t>
-            </a:r>
-            <a:r>
-              <a:rPr lang="de-DE" dirty="0" err="1"/>
-              <a:t>be</a:t>
-            </a:r>
-            <a:r>
-              <a:rPr lang="de-DE" dirty="0"/>
-              <a:t> </a:t>
-            </a:r>
-            <a:r>
-              <a:rPr lang="de-DE" dirty="0" err="1"/>
-              <a:t>derived</a:t>
-            </a:r>
-            <a:r>
-              <a:rPr lang="de-DE" dirty="0"/>
-              <a:t>. </a:t>
-            </a:r>
-            <a:r>
-              <a:rPr lang="de-DE" dirty="0" err="1"/>
-              <a:t>Their</a:t>
-            </a:r>
-            <a:r>
-              <a:rPr lang="de-DE" dirty="0"/>
-              <a:t> individual </a:t>
-            </a:r>
-            <a:r>
-              <a:rPr lang="de-DE" dirty="0" err="1"/>
-              <a:t>decisions</a:t>
-            </a:r>
-            <a:r>
-              <a:rPr lang="de-DE" dirty="0"/>
-              <a:t> </a:t>
-            </a:r>
-            <a:r>
-              <a:rPr lang="de-DE" dirty="0" err="1"/>
-              <a:t>over</a:t>
-            </a:r>
-            <a:r>
-              <a:rPr lang="de-DE" dirty="0"/>
-              <a:t> </a:t>
-            </a:r>
-            <a:r>
-              <a:rPr lang="de-DE" dirty="0" err="1"/>
-              <a:t>each</a:t>
-            </a:r>
-            <a:r>
-              <a:rPr lang="de-DE" dirty="0"/>
-              <a:t> sample will </a:t>
-            </a:r>
-            <a:r>
-              <a:rPr lang="de-DE" dirty="0" err="1"/>
-              <a:t>be</a:t>
-            </a:r>
-            <a:r>
-              <a:rPr lang="de-DE" dirty="0"/>
-              <a:t> </a:t>
-            </a:r>
-            <a:r>
-              <a:rPr lang="de-DE" dirty="0" err="1"/>
-              <a:t>put</a:t>
-            </a:r>
-            <a:r>
-              <a:rPr lang="de-DE" dirty="0"/>
-              <a:t> </a:t>
-            </a:r>
-            <a:r>
-              <a:rPr lang="de-DE" dirty="0" err="1"/>
-              <a:t>tohether</a:t>
-            </a:r>
-            <a:r>
-              <a:rPr lang="de-DE" dirty="0"/>
-              <a:t> </a:t>
-            </a:r>
-            <a:r>
-              <a:rPr lang="de-DE" dirty="0" err="1"/>
-              <a:t>into</a:t>
-            </a:r>
-            <a:r>
-              <a:rPr lang="de-DE" dirty="0"/>
-              <a:t> a </a:t>
-            </a:r>
-            <a:r>
-              <a:rPr lang="de-DE" dirty="0" err="1"/>
-              <a:t>decision</a:t>
-            </a:r>
-            <a:r>
-              <a:rPr lang="de-DE" dirty="0"/>
-              <a:t> </a:t>
-            </a:r>
-            <a:r>
-              <a:rPr lang="de-DE" dirty="0" err="1"/>
-              <a:t>matrix</a:t>
-            </a:r>
-            <a:r>
-              <a:rPr lang="de-DE" dirty="0"/>
-              <a:t> M. From </a:t>
-            </a:r>
-            <a:r>
-              <a:rPr lang="de-DE" dirty="0" err="1"/>
-              <a:t>that</a:t>
-            </a:r>
-            <a:r>
-              <a:rPr lang="de-DE" dirty="0"/>
-              <a:t> a </a:t>
-            </a:r>
-            <a:r>
-              <a:rPr lang="de-DE" dirty="0" err="1"/>
-              <a:t>confidence</a:t>
-            </a:r>
-            <a:r>
-              <a:rPr lang="de-DE" dirty="0"/>
-              <a:t> </a:t>
-            </a:r>
-            <a:r>
-              <a:rPr lang="de-DE" dirty="0" err="1"/>
-              <a:t>label</a:t>
-            </a:r>
-            <a:r>
-              <a:rPr lang="de-DE" dirty="0"/>
-              <a:t> Y </a:t>
-            </a:r>
-            <a:r>
-              <a:rPr lang="de-DE" dirty="0" err="1"/>
-              <a:t>is</a:t>
-            </a:r>
-            <a:r>
-              <a:rPr lang="de-DE" dirty="0"/>
-              <a:t> </a:t>
-            </a:r>
-            <a:r>
-              <a:rPr lang="de-DE" dirty="0" err="1"/>
-              <a:t>gernerated</a:t>
-            </a:r>
-            <a:r>
-              <a:rPr lang="de-DE" dirty="0"/>
-              <a:t> </a:t>
-            </a:r>
-            <a:r>
-              <a:rPr lang="de-DE" dirty="0" err="1"/>
-              <a:t>based</a:t>
-            </a:r>
-            <a:r>
-              <a:rPr lang="de-DE" dirty="0"/>
-              <a:t> on </a:t>
-            </a:r>
-            <a:r>
-              <a:rPr lang="de-DE" dirty="0" err="1"/>
-              <a:t>majority</a:t>
-            </a:r>
-            <a:r>
-              <a:rPr lang="de-DE" dirty="0"/>
-              <a:t> vote for </a:t>
-            </a:r>
-            <a:r>
-              <a:rPr lang="de-DE" dirty="0" err="1"/>
-              <a:t>each</a:t>
-            </a:r>
-            <a:r>
-              <a:rPr lang="de-DE" dirty="0"/>
-              <a:t> sample. </a:t>
-            </a:r>
-            <a:r>
-              <a:rPr lang="de-DE" dirty="0" err="1"/>
-              <a:t>Newly</a:t>
-            </a:r>
-            <a:r>
-              <a:rPr lang="de-DE" dirty="0"/>
-              <a:t> </a:t>
-            </a:r>
-            <a:r>
-              <a:rPr lang="de-DE" dirty="0" err="1"/>
-              <a:t>generated</a:t>
-            </a:r>
-            <a:r>
-              <a:rPr lang="de-DE" dirty="0"/>
-              <a:t> M + Y </a:t>
-            </a:r>
-            <a:r>
-              <a:rPr lang="de-DE" dirty="0" err="1"/>
-              <a:t>are</a:t>
-            </a:r>
-            <a:r>
-              <a:rPr lang="de-DE" dirty="0"/>
-              <a:t> </a:t>
-            </a:r>
-            <a:r>
-              <a:rPr lang="de-DE" dirty="0" err="1"/>
-              <a:t>input</a:t>
-            </a:r>
-            <a:r>
-              <a:rPr lang="de-DE" dirty="0"/>
-              <a:t> and </a:t>
-            </a:r>
-            <a:r>
-              <a:rPr lang="de-DE" dirty="0" err="1"/>
-              <a:t>label</a:t>
-            </a:r>
-            <a:r>
-              <a:rPr lang="de-DE" dirty="0"/>
-              <a:t> for a </a:t>
-            </a:r>
-            <a:r>
-              <a:rPr lang="de-DE" dirty="0" err="1"/>
-              <a:t>second</a:t>
-            </a:r>
-            <a:r>
-              <a:rPr lang="de-DE" dirty="0"/>
-              <a:t> </a:t>
-            </a:r>
-            <a:r>
-              <a:rPr lang="de-DE" dirty="0" err="1"/>
-              <a:t>round</a:t>
-            </a:r>
-            <a:r>
-              <a:rPr lang="de-DE" dirty="0"/>
-              <a:t> with </a:t>
-            </a:r>
-            <a:r>
-              <a:rPr lang="de-DE" dirty="0" err="1"/>
-              <a:t>the</a:t>
-            </a:r>
-            <a:r>
-              <a:rPr lang="de-DE" dirty="0"/>
-              <a:t> </a:t>
-            </a:r>
-            <a:r>
-              <a:rPr lang="de-DE" dirty="0" err="1"/>
-              <a:t>pipeline</a:t>
-            </a:r>
-            <a:r>
-              <a:rPr lang="de-DE" dirty="0"/>
-              <a:t> to </a:t>
-            </a:r>
-            <a:r>
-              <a:rPr lang="de-DE" dirty="0" err="1"/>
-              <a:t>see</a:t>
-            </a:r>
-            <a:r>
-              <a:rPr lang="de-DE" dirty="0"/>
-              <a:t> </a:t>
-            </a:r>
-            <a:r>
-              <a:rPr lang="de-DE" dirty="0" err="1"/>
-              <a:t>confidence</a:t>
-            </a:r>
-            <a:r>
-              <a:rPr lang="de-DE" dirty="0"/>
-              <a:t> in </a:t>
-            </a:r>
-            <a:r>
-              <a:rPr lang="de-DE" dirty="0" err="1"/>
-              <a:t>predictions</a:t>
-            </a:r>
-            <a:r>
-              <a:rPr lang="de-DE" dirty="0"/>
-              <a:t>. </a:t>
+              <a:rPr lang="en-GB" sz="1200" kern="1200" dirty="0" err="1">
+                <a:solidFill>
+                  <a:schemeClr val="tx1"/>
+                </a:solidFill>
+                <a:effectLst/>
+                <a:latin typeface="+mn-lt"/>
+                <a:ea typeface="+mn-ea"/>
+                <a:cs typeface="+mn-cs"/>
+              </a:rPr>
+              <a:t>leafs</a:t>
+            </a:r>
+            <a:r>
+              <a:rPr lang="en-GB" sz="1200" kern="1200" dirty="0">
+                <a:solidFill>
+                  <a:schemeClr val="tx1"/>
+                </a:solidFill>
+                <a:effectLst/>
+                <a:latin typeface="+mn-lt"/>
+                <a:ea typeface="+mn-ea"/>
+                <a:cs typeface="+mn-cs"/>
+              </a:rPr>
+              <a:t>, shows the same tendency.</a:t>
+            </a:r>
+          </a:p>
+          <a:p>
+            <a:pPr marL="0" indent="0">
+              <a:buFontTx/>
+              <a:buNone/>
+            </a:pPr>
+            <a:endParaRPr lang="en-GB" sz="1200" kern="1200" dirty="0">
+              <a:solidFill>
+                <a:schemeClr val="tx1"/>
+              </a:solidFill>
+              <a:effectLst/>
+              <a:latin typeface="+mn-lt"/>
+              <a:ea typeface="+mn-ea"/>
+              <a:cs typeface="+mn-cs"/>
+            </a:endParaRPr>
+          </a:p>
+          <a:p>
+            <a:pPr marL="0" indent="0">
+              <a:buFontTx/>
+              <a:buNone/>
+            </a:pPr>
+            <a:r>
+              <a:rPr lang="en-GB" sz="1200" kern="1200" dirty="0">
+                <a:solidFill>
+                  <a:schemeClr val="tx1"/>
+                </a:solidFill>
+                <a:effectLst/>
+                <a:latin typeface="+mn-lt"/>
+                <a:ea typeface="+mn-ea"/>
+                <a:cs typeface="+mn-cs"/>
+              </a:rPr>
+              <a:t>In this way I want to set each parameter to a optimal value to be sure to work with the best possible pipeline/method.</a:t>
             </a:r>
             <a:endParaRPr lang="en-GB" dirty="0"/>
           </a:p>
@@ -2382,6 +2061,1140 @@
             <a:fld id="{098BD289-3A29-45E8-AD20-ACE8C932FF07}" type="slidenum">
               <a:rPr lang="de-DE" smtClean="0"/>
               <a:t>12</a:t>
+            </a:fld>
+            <a:endParaRPr lang="de-DE"/>
+          </a:p>
+        </p:txBody>
+      </p:sp>
+    </p:spTree>
+    <p:extLst>
+      <p:ext uri="{BB962C8B-B14F-4D97-AF65-F5344CB8AC3E}">
+        <p14:creationId xmlns:p14="http://schemas.microsoft.com/office/powerpoint/2010/main" val="2596438213"/>
+      </p:ext>
+    </p:extLst>
+  </p:cSld>
+  <p:clrMapOvr>
+    <a:masterClrMapping/>
+  </p:clrMapOvr>
+</p:notes>
+</file>
+
+<file path=ppt/notesSlides/notesSlide13.xml><?xml version="1.0" encoding="utf-8"?>
+<p:notes xmlns:a="http://schemas.openxmlformats.org/drawingml/2006/main" xmlns:r="http://schemas.openxmlformats.org/officeDocument/2006/relationships" xmlns:p="http://schemas.openxmlformats.org/presentationml/2006/main">
+  <p:cSld>
+    <p:spTree>
+      <p:nvGrpSpPr>
+        <p:cNvPr id="1" name=""/>
+        <p:cNvGrpSpPr/>
+        <p:nvPr/>
+      </p:nvGrpSpPr>
+      <p:grpSpPr>
+        <a:xfrm>
+          <a:off x="0" y="0"/>
+          <a:ext cx="0" cy="0"/>
+          <a:chOff x="0" y="0"/>
+          <a:chExt cx="0" cy="0"/>
+        </a:xfrm>
+      </p:grpSpPr>
+      <p:sp>
+        <p:nvSpPr>
+          <p:cNvPr id="2" name="Folienbildplatzhalter 1"/>
+          <p:cNvSpPr>
+            <a:spLocks noGrp="1" noRot="1" noChangeAspect="1"/>
+          </p:cNvSpPr>
+          <p:nvPr>
+            <p:ph type="sldImg"/>
+          </p:nvPr>
+        </p:nvSpPr>
+        <p:spPr/>
+      </p:sp>
+      <p:sp>
+        <p:nvSpPr>
+          <p:cNvPr id="3" name="Notizenplatzhalter 2"/>
+          <p:cNvSpPr>
+            <a:spLocks noGrp="1"/>
+          </p:cNvSpPr>
+          <p:nvPr>
+            <p:ph type="body" idx="1"/>
+          </p:nvPr>
+        </p:nvSpPr>
+        <p:spPr/>
+        <p:txBody>
+          <a:bodyPr/>
+          <a:lstStyle/>
+          <a:p>
+            <a:r>
+              <a:rPr lang="de-DE" dirty="0"/>
+              <a:t>The intermediate </a:t>
+            </a:r>
+            <a:r>
+              <a:rPr lang="de-DE" dirty="0" err="1"/>
+              <a:t>results</a:t>
+            </a:r>
+            <a:r>
+              <a:rPr lang="de-DE" dirty="0"/>
+              <a:t> </a:t>
+            </a:r>
+            <a:r>
+              <a:rPr lang="de-DE" dirty="0" err="1"/>
+              <a:t>show</a:t>
+            </a:r>
+            <a:r>
+              <a:rPr lang="de-DE" dirty="0"/>
+              <a:t> </a:t>
+            </a:r>
+            <a:r>
+              <a:rPr lang="de-DE" dirty="0" err="1"/>
+              <a:t>that</a:t>
+            </a:r>
+            <a:r>
+              <a:rPr lang="de-DE" dirty="0"/>
+              <a:t> </a:t>
+            </a:r>
+            <a:r>
+              <a:rPr lang="de-DE" dirty="0" err="1"/>
+              <a:t>there</a:t>
+            </a:r>
+            <a:r>
+              <a:rPr lang="de-DE" dirty="0"/>
+              <a:t> </a:t>
+            </a:r>
+            <a:r>
+              <a:rPr lang="de-DE" dirty="0" err="1"/>
+              <a:t>is</a:t>
+            </a:r>
+            <a:r>
+              <a:rPr lang="de-DE" dirty="0"/>
+              <a:t> </a:t>
+            </a:r>
+            <a:r>
+              <a:rPr lang="de-DE" dirty="0" err="1"/>
+              <a:t>no</a:t>
+            </a:r>
+            <a:r>
+              <a:rPr lang="de-DE" dirty="0"/>
+              <a:t> strong </a:t>
+            </a:r>
+            <a:r>
+              <a:rPr lang="de-DE" dirty="0" err="1"/>
+              <a:t>or</a:t>
+            </a:r>
+            <a:r>
+              <a:rPr lang="de-DE" dirty="0"/>
+              <a:t> </a:t>
+            </a:r>
+            <a:r>
+              <a:rPr lang="de-DE" dirty="0" err="1"/>
+              <a:t>clear</a:t>
+            </a:r>
+            <a:r>
+              <a:rPr lang="de-DE" dirty="0"/>
+              <a:t> </a:t>
+            </a:r>
+            <a:r>
+              <a:rPr lang="de-DE" dirty="0" err="1"/>
+              <a:t>signal</a:t>
+            </a:r>
+            <a:r>
+              <a:rPr lang="de-DE" dirty="0"/>
+              <a:t> in </a:t>
+            </a:r>
+            <a:r>
+              <a:rPr lang="de-DE" dirty="0" err="1"/>
+              <a:t>the</a:t>
+            </a:r>
+            <a:r>
+              <a:rPr lang="de-DE" dirty="0"/>
+              <a:t> </a:t>
+            </a:r>
+            <a:r>
+              <a:rPr lang="de-DE" dirty="0" err="1"/>
+              <a:t>data</a:t>
+            </a:r>
+            <a:r>
+              <a:rPr lang="de-DE" dirty="0"/>
+              <a:t> to </a:t>
+            </a:r>
+            <a:r>
+              <a:rPr lang="de-DE" dirty="0" err="1"/>
+              <a:t>distinguish</a:t>
+            </a:r>
+            <a:r>
+              <a:rPr lang="de-DE" dirty="0"/>
+              <a:t> </a:t>
+            </a:r>
+            <a:r>
+              <a:rPr lang="de-DE" dirty="0" err="1"/>
+              <a:t>between</a:t>
+            </a:r>
+            <a:r>
+              <a:rPr lang="de-DE" dirty="0"/>
+              <a:t> </a:t>
+            </a:r>
+            <a:r>
+              <a:rPr lang="de-DE" dirty="0" err="1"/>
+              <a:t>patients</a:t>
+            </a:r>
+            <a:r>
+              <a:rPr lang="de-DE" dirty="0"/>
+              <a:t> with and </a:t>
+            </a:r>
+            <a:r>
+              <a:rPr lang="de-DE" dirty="0" err="1"/>
+              <a:t>without</a:t>
+            </a:r>
+            <a:r>
+              <a:rPr lang="de-DE" dirty="0"/>
+              <a:t> TLF. </a:t>
+            </a:r>
+          </a:p>
+          <a:p>
+            <a:r>
+              <a:rPr lang="de-DE" dirty="0"/>
+              <a:t>The </a:t>
+            </a:r>
+            <a:r>
+              <a:rPr lang="de-DE" dirty="0" err="1"/>
+              <a:t>idea</a:t>
+            </a:r>
+            <a:r>
+              <a:rPr lang="de-DE" dirty="0"/>
+              <a:t> </a:t>
+            </a:r>
+            <a:r>
+              <a:rPr lang="de-DE" dirty="0" err="1"/>
+              <a:t>we</a:t>
+            </a:r>
+            <a:r>
+              <a:rPr lang="de-DE" dirty="0"/>
+              <a:t> </a:t>
+            </a:r>
+            <a:r>
+              <a:rPr lang="de-DE" dirty="0" err="1"/>
+              <a:t>had</a:t>
+            </a:r>
+            <a:r>
+              <a:rPr lang="de-DE" dirty="0"/>
+              <a:t>, </a:t>
+            </a:r>
+            <a:r>
+              <a:rPr lang="de-DE" dirty="0" err="1"/>
+              <a:t>is</a:t>
+            </a:r>
+            <a:r>
+              <a:rPr lang="de-DE" dirty="0"/>
+              <a:t> to </a:t>
+            </a:r>
+            <a:r>
+              <a:rPr lang="en-GB" sz="1200" b="0" i="0" kern="1200" dirty="0">
+                <a:solidFill>
+                  <a:schemeClr val="tx1"/>
+                </a:solidFill>
+                <a:effectLst/>
+                <a:latin typeface="+mn-lt"/>
+                <a:ea typeface="+mn-ea"/>
+                <a:cs typeface="+mn-cs"/>
+              </a:rPr>
+              <a:t>try to reproduce the results over a random dataset and demonstrate how random data would lead to the same result as </a:t>
+            </a:r>
+            <a:r>
+              <a:rPr lang="en-GB" sz="1200" b="0" i="0" kern="1200" dirty="0" err="1">
+                <a:solidFill>
+                  <a:schemeClr val="tx1"/>
+                </a:solidFill>
+                <a:effectLst/>
+                <a:latin typeface="+mn-lt"/>
+                <a:ea typeface="+mn-ea"/>
+                <a:cs typeface="+mn-cs"/>
+              </a:rPr>
+              <a:t>biotronik’s</a:t>
+            </a:r>
+            <a:r>
+              <a:rPr lang="en-GB" sz="1200" b="0" i="0" kern="1200" dirty="0">
+                <a:solidFill>
+                  <a:schemeClr val="tx1"/>
+                </a:solidFill>
+                <a:effectLst/>
+                <a:latin typeface="+mn-lt"/>
+                <a:ea typeface="+mn-ea"/>
+                <a:cs typeface="+mn-cs"/>
+              </a:rPr>
+              <a:t> real world patient data. By reproducing the results over a random dataset with the same amount of class imbalance, number of features and feature distribution, one can present it as an empirical clue that </a:t>
+            </a:r>
+            <a:r>
+              <a:rPr lang="en-GB" dirty="0"/>
+              <a:t>supports the assumption </a:t>
+            </a:r>
+            <a:r>
+              <a:rPr lang="en-GB" dirty="0" err="1"/>
+              <a:t>of</a:t>
+            </a:r>
+            <a:r>
+              <a:rPr lang="en-GB" sz="1200" b="0" i="0" kern="1200" dirty="0" err="1">
+                <a:solidFill>
+                  <a:schemeClr val="tx1"/>
+                </a:solidFill>
+                <a:effectLst/>
+                <a:latin typeface="+mn-lt"/>
+                <a:ea typeface="+mn-ea"/>
+                <a:cs typeface="+mn-cs"/>
+              </a:rPr>
+              <a:t>no</a:t>
+            </a:r>
+            <a:r>
+              <a:rPr lang="en-GB" sz="1200" b="0" i="0" kern="1200" dirty="0">
+                <a:solidFill>
+                  <a:schemeClr val="tx1"/>
+                </a:solidFill>
+                <a:effectLst/>
+                <a:latin typeface="+mn-lt"/>
+                <a:ea typeface="+mn-ea"/>
+                <a:cs typeface="+mn-cs"/>
+              </a:rPr>
+              <a:t> significant signal to grasp.</a:t>
+            </a:r>
+            <a:endParaRPr lang="en-GB" dirty="0"/>
+          </a:p>
+          <a:p>
+            <a:endParaRPr lang="en-GB" dirty="0"/>
+          </a:p>
+        </p:txBody>
+      </p:sp>
+      <p:sp>
+        <p:nvSpPr>
+          <p:cNvPr id="4" name="Foliennummernplatzhalter 3"/>
+          <p:cNvSpPr>
+            <a:spLocks noGrp="1"/>
+          </p:cNvSpPr>
+          <p:nvPr>
+            <p:ph type="sldNum" sz="quarter" idx="5"/>
+          </p:nvPr>
+        </p:nvSpPr>
+        <p:spPr/>
+        <p:txBody>
+          <a:bodyPr/>
+          <a:lstStyle/>
+          <a:p>
+            <a:fld id="{098BD289-3A29-45E8-AD20-ACE8C932FF07}" type="slidenum">
+              <a:rPr lang="de-DE" smtClean="0"/>
+              <a:t>13</a:t>
+            </a:fld>
+            <a:endParaRPr lang="de-DE"/>
+          </a:p>
+        </p:txBody>
+      </p:sp>
+    </p:spTree>
+    <p:extLst>
+      <p:ext uri="{BB962C8B-B14F-4D97-AF65-F5344CB8AC3E}">
+        <p14:creationId xmlns:p14="http://schemas.microsoft.com/office/powerpoint/2010/main" val="3754323831"/>
+      </p:ext>
+    </p:extLst>
+  </p:cSld>
+  <p:clrMapOvr>
+    <a:masterClrMapping/>
+  </p:clrMapOvr>
+</p:notes>
+</file>
+
+<file path=ppt/notesSlides/notesSlide14.xml><?xml version="1.0" encoding="utf-8"?>
+<p:notes xmlns:a="http://schemas.openxmlformats.org/drawingml/2006/main" xmlns:r="http://schemas.openxmlformats.org/officeDocument/2006/relationships" xmlns:p="http://schemas.openxmlformats.org/presentationml/2006/main">
+  <p:cSld>
+    <p:spTree>
+      <p:nvGrpSpPr>
+        <p:cNvPr id="1" name=""/>
+        <p:cNvGrpSpPr/>
+        <p:nvPr/>
+      </p:nvGrpSpPr>
+      <p:grpSpPr>
+        <a:xfrm>
+          <a:off x="0" y="0"/>
+          <a:ext cx="0" cy="0"/>
+          <a:chOff x="0" y="0"/>
+          <a:chExt cx="0" cy="0"/>
+        </a:xfrm>
+      </p:grpSpPr>
+      <p:sp>
+        <p:nvSpPr>
+          <p:cNvPr id="2" name="Folienbildplatzhalter 1"/>
+          <p:cNvSpPr>
+            <a:spLocks noGrp="1" noRot="1" noChangeAspect="1"/>
+          </p:cNvSpPr>
+          <p:nvPr>
+            <p:ph type="sldImg"/>
+          </p:nvPr>
+        </p:nvSpPr>
+        <p:spPr/>
+      </p:sp>
+      <p:sp>
+        <p:nvSpPr>
+          <p:cNvPr id="3" name="Notizenplatzhalter 2"/>
+          <p:cNvSpPr>
+            <a:spLocks noGrp="1"/>
+          </p:cNvSpPr>
+          <p:nvPr>
+            <p:ph type="body" idx="1"/>
+          </p:nvPr>
+        </p:nvSpPr>
+        <p:spPr/>
+        <p:txBody>
+          <a:bodyPr/>
+          <a:lstStyle/>
+          <a:p>
+            <a:r>
+              <a:rPr lang="de-DE" dirty="0"/>
+              <a:t>The </a:t>
+            </a:r>
+            <a:r>
+              <a:rPr lang="de-DE" dirty="0" err="1"/>
+              <a:t>general</a:t>
+            </a:r>
+            <a:r>
+              <a:rPr lang="de-DE" dirty="0"/>
+              <a:t> </a:t>
+            </a:r>
+            <a:r>
+              <a:rPr lang="de-DE" dirty="0" err="1"/>
+              <a:t>cohort</a:t>
+            </a:r>
+            <a:r>
+              <a:rPr lang="de-DE" dirty="0"/>
+              <a:t> </a:t>
+            </a:r>
+            <a:r>
+              <a:rPr lang="de-DE" dirty="0" err="1"/>
+              <a:t>seems</a:t>
+            </a:r>
+            <a:r>
+              <a:rPr lang="de-DE" dirty="0"/>
+              <a:t> to </a:t>
+            </a:r>
+            <a:r>
+              <a:rPr lang="de-DE" dirty="0" err="1"/>
+              <a:t>be</a:t>
+            </a:r>
+            <a:r>
+              <a:rPr lang="de-DE" dirty="0"/>
+              <a:t> </a:t>
+            </a:r>
+            <a:r>
+              <a:rPr lang="de-DE" dirty="0" err="1"/>
+              <a:t>very</a:t>
+            </a:r>
+            <a:r>
+              <a:rPr lang="de-DE" dirty="0"/>
+              <a:t> </a:t>
+            </a:r>
+            <a:r>
+              <a:rPr lang="de-DE" dirty="0" err="1"/>
+              <a:t>confusing</a:t>
+            </a:r>
+            <a:r>
+              <a:rPr lang="de-DE" dirty="0"/>
+              <a:t> for </a:t>
+            </a:r>
+            <a:r>
+              <a:rPr lang="de-DE" dirty="0" err="1"/>
+              <a:t>classifiers</a:t>
+            </a:r>
+            <a:r>
+              <a:rPr lang="de-DE" dirty="0"/>
+              <a:t>, but </a:t>
+            </a:r>
+            <a:r>
+              <a:rPr lang="de-DE" dirty="0" err="1"/>
+              <a:t>there</a:t>
+            </a:r>
+            <a:r>
+              <a:rPr lang="de-DE" dirty="0"/>
+              <a:t> </a:t>
+            </a:r>
+            <a:r>
+              <a:rPr lang="de-DE" dirty="0" err="1"/>
+              <a:t>are</a:t>
+            </a:r>
+            <a:r>
+              <a:rPr lang="de-DE" dirty="0"/>
+              <a:t> </a:t>
+            </a:r>
+            <a:r>
+              <a:rPr lang="de-DE" dirty="0" err="1"/>
+              <a:t>samples</a:t>
+            </a:r>
+            <a:r>
+              <a:rPr lang="de-DE" dirty="0"/>
+              <a:t> </a:t>
+            </a:r>
+            <a:r>
+              <a:rPr lang="de-DE" dirty="0" err="1"/>
+              <a:t>that</a:t>
+            </a:r>
+            <a:r>
+              <a:rPr lang="de-DE" dirty="0"/>
+              <a:t> </a:t>
+            </a:r>
+            <a:r>
+              <a:rPr lang="de-DE" dirty="0" err="1"/>
+              <a:t>are</a:t>
+            </a:r>
+            <a:r>
+              <a:rPr lang="de-DE" dirty="0"/>
+              <a:t> </a:t>
+            </a:r>
+            <a:r>
+              <a:rPr lang="de-DE" dirty="0" err="1"/>
+              <a:t>predicted</a:t>
+            </a:r>
+            <a:r>
+              <a:rPr lang="de-DE" dirty="0"/>
+              <a:t> </a:t>
+            </a:r>
+            <a:r>
+              <a:rPr lang="de-DE" dirty="0" err="1"/>
+              <a:t>correctly</a:t>
+            </a:r>
+            <a:r>
+              <a:rPr lang="de-DE" dirty="0"/>
+              <a:t>, </a:t>
+            </a:r>
+            <a:r>
+              <a:rPr lang="de-DE" dirty="0" err="1"/>
+              <a:t>even</a:t>
+            </a:r>
+            <a:r>
+              <a:rPr lang="de-DE" dirty="0"/>
+              <a:t> if </a:t>
+            </a:r>
+            <a:r>
+              <a:rPr lang="de-DE" dirty="0" err="1"/>
+              <a:t>the</a:t>
+            </a:r>
+            <a:r>
+              <a:rPr lang="de-DE" dirty="0"/>
+              <a:t> </a:t>
+            </a:r>
+            <a:r>
+              <a:rPr lang="de-DE" dirty="0" err="1"/>
+              <a:t>sumber</a:t>
+            </a:r>
+            <a:r>
+              <a:rPr lang="de-DE" dirty="0"/>
+              <a:t> </a:t>
+            </a:r>
+            <a:r>
+              <a:rPr lang="de-DE" dirty="0" err="1"/>
+              <a:t>is</a:t>
+            </a:r>
+            <a:r>
+              <a:rPr lang="de-DE" dirty="0"/>
+              <a:t> </a:t>
+            </a:r>
+            <a:r>
+              <a:rPr lang="de-DE" dirty="0" err="1"/>
+              <a:t>very</a:t>
+            </a:r>
+            <a:r>
+              <a:rPr lang="de-DE" dirty="0"/>
+              <a:t> </a:t>
+            </a:r>
+            <a:r>
+              <a:rPr lang="de-DE" dirty="0" err="1"/>
+              <a:t>low</a:t>
+            </a:r>
+            <a:r>
+              <a:rPr lang="de-DE" dirty="0"/>
+              <a:t>. This </a:t>
+            </a:r>
+            <a:r>
+              <a:rPr lang="de-DE" dirty="0" err="1"/>
+              <a:t>could</a:t>
+            </a:r>
+            <a:r>
+              <a:rPr lang="de-DE" dirty="0"/>
+              <a:t> </a:t>
+            </a:r>
+            <a:r>
+              <a:rPr lang="de-DE" dirty="0" err="1"/>
+              <a:t>be</a:t>
+            </a:r>
+            <a:r>
+              <a:rPr lang="de-DE" dirty="0"/>
+              <a:t> </a:t>
+            </a:r>
+            <a:r>
+              <a:rPr lang="de-DE" dirty="0" err="1"/>
+              <a:t>by</a:t>
+            </a:r>
+            <a:r>
+              <a:rPr lang="de-DE" dirty="0"/>
+              <a:t> </a:t>
+            </a:r>
+            <a:r>
+              <a:rPr lang="de-DE" dirty="0" err="1"/>
+              <a:t>chance</a:t>
+            </a:r>
+            <a:r>
+              <a:rPr lang="de-DE" dirty="0"/>
+              <a:t> </a:t>
+            </a:r>
+            <a:r>
+              <a:rPr lang="de-DE" dirty="0" err="1"/>
+              <a:t>or</a:t>
+            </a:r>
+            <a:r>
+              <a:rPr lang="de-DE" dirty="0"/>
+              <a:t> </a:t>
+            </a:r>
+            <a:r>
+              <a:rPr lang="de-DE" dirty="0" err="1"/>
+              <a:t>they</a:t>
+            </a:r>
+            <a:r>
+              <a:rPr lang="de-DE" dirty="0"/>
+              <a:t> </a:t>
+            </a:r>
+            <a:r>
+              <a:rPr lang="de-DE" dirty="0" err="1"/>
+              <a:t>are</a:t>
+            </a:r>
+            <a:r>
+              <a:rPr lang="de-DE" dirty="0"/>
+              <a:t> </a:t>
+            </a:r>
+            <a:r>
+              <a:rPr lang="de-DE" dirty="0" err="1"/>
+              <a:t>easier</a:t>
+            </a:r>
+            <a:r>
+              <a:rPr lang="de-DE" dirty="0"/>
+              <a:t> to </a:t>
+            </a:r>
+            <a:r>
+              <a:rPr lang="de-DE" dirty="0" err="1"/>
+              <a:t>predict</a:t>
+            </a:r>
+            <a:r>
+              <a:rPr lang="de-DE" dirty="0"/>
+              <a:t>. If so, </a:t>
+            </a:r>
+            <a:r>
+              <a:rPr lang="de-DE" dirty="0" err="1"/>
+              <a:t>it</a:t>
+            </a:r>
+            <a:r>
+              <a:rPr lang="de-DE" dirty="0"/>
+              <a:t> </a:t>
+            </a:r>
+            <a:r>
+              <a:rPr lang="de-DE" dirty="0" err="1"/>
+              <a:t>is</a:t>
+            </a:r>
+            <a:r>
+              <a:rPr lang="de-DE" dirty="0"/>
+              <a:t> </a:t>
+            </a:r>
+            <a:r>
+              <a:rPr lang="de-DE" dirty="0" err="1"/>
+              <a:t>interesting</a:t>
+            </a:r>
+            <a:r>
+              <a:rPr lang="de-DE" dirty="0"/>
+              <a:t> to </a:t>
+            </a:r>
+            <a:r>
+              <a:rPr lang="de-DE" dirty="0" err="1"/>
+              <a:t>see</a:t>
+            </a:r>
+            <a:r>
+              <a:rPr lang="de-DE" dirty="0"/>
+              <a:t> </a:t>
+            </a:r>
+            <a:r>
+              <a:rPr lang="de-DE" dirty="0" err="1"/>
+              <a:t>what</a:t>
+            </a:r>
+            <a:r>
+              <a:rPr lang="de-DE" dirty="0"/>
+              <a:t> </a:t>
+            </a:r>
+            <a:r>
+              <a:rPr lang="de-DE" dirty="0" err="1"/>
+              <a:t>makes</a:t>
+            </a:r>
+            <a:r>
+              <a:rPr lang="de-DE" dirty="0"/>
+              <a:t> </a:t>
+            </a:r>
+            <a:r>
+              <a:rPr lang="de-DE" dirty="0" err="1"/>
+              <a:t>the</a:t>
+            </a:r>
+            <a:r>
+              <a:rPr lang="de-DE" dirty="0"/>
+              <a:t> different from </a:t>
+            </a:r>
+            <a:r>
+              <a:rPr lang="de-DE" dirty="0" err="1"/>
+              <a:t>other</a:t>
+            </a:r>
+            <a:r>
+              <a:rPr lang="de-DE" dirty="0"/>
+              <a:t> </a:t>
+            </a:r>
+            <a:r>
+              <a:rPr lang="de-DE" dirty="0" err="1"/>
+              <a:t>patients</a:t>
+            </a:r>
+            <a:r>
+              <a:rPr lang="de-DE" dirty="0"/>
+              <a:t> with TLF.</a:t>
+            </a:r>
+          </a:p>
+          <a:p>
+            <a:endParaRPr lang="de-DE" dirty="0"/>
+          </a:p>
+          <a:p>
+            <a:r>
+              <a:rPr lang="de-DE" dirty="0"/>
+              <a:t>To </a:t>
+            </a:r>
+            <a:r>
+              <a:rPr lang="de-DE" dirty="0" err="1"/>
+              <a:t>tackle</a:t>
+            </a:r>
+            <a:r>
+              <a:rPr lang="de-DE" dirty="0"/>
+              <a:t> </a:t>
+            </a:r>
+            <a:r>
+              <a:rPr lang="de-DE" dirty="0" err="1"/>
+              <a:t>this</a:t>
+            </a:r>
+            <a:r>
+              <a:rPr lang="de-DE" dirty="0"/>
+              <a:t> </a:t>
+            </a:r>
+            <a:r>
+              <a:rPr lang="de-DE" dirty="0" err="1"/>
+              <a:t>problem</a:t>
+            </a:r>
+            <a:r>
+              <a:rPr lang="de-DE" dirty="0"/>
+              <a:t>, </a:t>
+            </a:r>
+            <a:r>
+              <a:rPr lang="de-DE" dirty="0" err="1"/>
+              <a:t>we</a:t>
+            </a:r>
+            <a:r>
+              <a:rPr lang="de-DE" dirty="0"/>
+              <a:t> </a:t>
+            </a:r>
+            <a:r>
+              <a:rPr lang="de-DE" dirty="0" err="1"/>
+              <a:t>intend</a:t>
+            </a:r>
+            <a:r>
+              <a:rPr lang="de-DE" dirty="0"/>
+              <a:t> to </a:t>
+            </a:r>
+            <a:r>
+              <a:rPr lang="de-DE" dirty="0" err="1"/>
+              <a:t>add</a:t>
+            </a:r>
+            <a:r>
+              <a:rPr lang="de-DE" dirty="0"/>
+              <a:t> a </a:t>
+            </a:r>
+            <a:r>
+              <a:rPr lang="de-DE" dirty="0" err="1"/>
+              <a:t>second</a:t>
+            </a:r>
+            <a:r>
+              <a:rPr lang="de-DE" dirty="0"/>
+              <a:t> </a:t>
+            </a:r>
+            <a:r>
+              <a:rPr lang="de-DE" dirty="0" err="1"/>
+              <a:t>layer</a:t>
+            </a:r>
+            <a:r>
+              <a:rPr lang="de-DE" dirty="0"/>
+              <a:t> to </a:t>
+            </a:r>
+            <a:r>
+              <a:rPr lang="de-DE" dirty="0" err="1"/>
+              <a:t>already</a:t>
+            </a:r>
+            <a:r>
+              <a:rPr lang="de-DE" dirty="0"/>
+              <a:t> </a:t>
+            </a:r>
+            <a:r>
+              <a:rPr lang="de-DE" dirty="0" err="1"/>
+              <a:t>used</a:t>
+            </a:r>
+            <a:r>
+              <a:rPr lang="de-DE" dirty="0"/>
+              <a:t> </a:t>
+            </a:r>
+            <a:r>
+              <a:rPr lang="de-DE" dirty="0" err="1"/>
+              <a:t>pipeline</a:t>
+            </a:r>
+            <a:r>
+              <a:rPr lang="de-DE" dirty="0"/>
+              <a:t> – </a:t>
+            </a:r>
+            <a:r>
+              <a:rPr lang="de-DE" dirty="0" err="1"/>
+              <a:t>the</a:t>
+            </a:r>
+            <a:r>
+              <a:rPr lang="de-DE" dirty="0"/>
+              <a:t> so </a:t>
+            </a:r>
+            <a:r>
+              <a:rPr lang="de-DE" dirty="0" err="1"/>
+              <a:t>called</a:t>
+            </a:r>
+            <a:r>
+              <a:rPr lang="de-DE" dirty="0"/>
+              <a:t> </a:t>
+            </a:r>
+            <a:r>
+              <a:rPr lang="de-DE" dirty="0" err="1"/>
+              <a:t>confidence</a:t>
+            </a:r>
+            <a:r>
+              <a:rPr lang="de-DE" dirty="0"/>
+              <a:t> </a:t>
+            </a:r>
+            <a:r>
+              <a:rPr lang="de-DE" dirty="0" err="1"/>
+              <a:t>layer</a:t>
+            </a:r>
+            <a:r>
+              <a:rPr lang="de-DE" dirty="0"/>
+              <a:t>. From </a:t>
+            </a:r>
+            <a:r>
+              <a:rPr lang="de-DE" dirty="0" err="1"/>
+              <a:t>the</a:t>
+            </a:r>
+            <a:r>
+              <a:rPr lang="de-DE" dirty="0"/>
+              <a:t> </a:t>
+            </a:r>
+            <a:r>
+              <a:rPr lang="de-DE" dirty="0" err="1"/>
+              <a:t>originial</a:t>
+            </a:r>
+            <a:r>
+              <a:rPr lang="de-DE" dirty="0"/>
+              <a:t> </a:t>
+            </a:r>
+            <a:r>
+              <a:rPr lang="de-DE" dirty="0" err="1"/>
+              <a:t>pipeline</a:t>
+            </a:r>
+            <a:r>
+              <a:rPr lang="de-DE" dirty="0"/>
+              <a:t> 8 </a:t>
+            </a:r>
+            <a:r>
+              <a:rPr lang="de-DE" dirty="0" err="1"/>
+              <a:t>models</a:t>
+            </a:r>
+            <a:r>
+              <a:rPr lang="de-DE" dirty="0"/>
+              <a:t> with different </a:t>
+            </a:r>
+            <a:r>
+              <a:rPr lang="de-DE" dirty="0" err="1"/>
+              <a:t>classifiers</a:t>
+            </a:r>
+            <a:r>
+              <a:rPr lang="de-DE" dirty="0"/>
+              <a:t> will </a:t>
+            </a:r>
+            <a:r>
+              <a:rPr lang="de-DE" dirty="0" err="1"/>
+              <a:t>be</a:t>
+            </a:r>
+            <a:r>
+              <a:rPr lang="de-DE" dirty="0"/>
+              <a:t> </a:t>
+            </a:r>
+            <a:r>
+              <a:rPr lang="de-DE" dirty="0" err="1"/>
+              <a:t>derived</a:t>
+            </a:r>
+            <a:r>
+              <a:rPr lang="de-DE" dirty="0"/>
+              <a:t>. </a:t>
+            </a:r>
+            <a:r>
+              <a:rPr lang="de-DE" dirty="0" err="1"/>
+              <a:t>Their</a:t>
+            </a:r>
+            <a:r>
+              <a:rPr lang="de-DE" dirty="0"/>
+              <a:t> individual </a:t>
+            </a:r>
+            <a:r>
+              <a:rPr lang="de-DE" dirty="0" err="1"/>
+              <a:t>decisions</a:t>
+            </a:r>
+            <a:r>
+              <a:rPr lang="de-DE" dirty="0"/>
+              <a:t> </a:t>
+            </a:r>
+            <a:r>
+              <a:rPr lang="de-DE" dirty="0" err="1"/>
+              <a:t>over</a:t>
+            </a:r>
+            <a:r>
+              <a:rPr lang="de-DE" dirty="0"/>
+              <a:t> </a:t>
+            </a:r>
+            <a:r>
+              <a:rPr lang="de-DE" dirty="0" err="1"/>
+              <a:t>each</a:t>
+            </a:r>
+            <a:r>
+              <a:rPr lang="de-DE" dirty="0"/>
+              <a:t> sample will </a:t>
+            </a:r>
+            <a:r>
+              <a:rPr lang="de-DE" dirty="0" err="1"/>
+              <a:t>be</a:t>
+            </a:r>
+            <a:r>
+              <a:rPr lang="de-DE" dirty="0"/>
+              <a:t> </a:t>
+            </a:r>
+            <a:r>
+              <a:rPr lang="de-DE" dirty="0" err="1"/>
+              <a:t>put</a:t>
+            </a:r>
+            <a:r>
+              <a:rPr lang="de-DE" dirty="0"/>
+              <a:t> </a:t>
+            </a:r>
+            <a:r>
+              <a:rPr lang="de-DE" dirty="0" err="1"/>
+              <a:t>tohether</a:t>
+            </a:r>
+            <a:r>
+              <a:rPr lang="de-DE" dirty="0"/>
+              <a:t> </a:t>
+            </a:r>
+            <a:r>
+              <a:rPr lang="de-DE" dirty="0" err="1"/>
+              <a:t>into</a:t>
+            </a:r>
+            <a:r>
+              <a:rPr lang="de-DE" dirty="0"/>
+              <a:t> a </a:t>
+            </a:r>
+            <a:r>
+              <a:rPr lang="de-DE" dirty="0" err="1"/>
+              <a:t>decision</a:t>
+            </a:r>
+            <a:r>
+              <a:rPr lang="de-DE" dirty="0"/>
+              <a:t> </a:t>
+            </a:r>
+            <a:r>
+              <a:rPr lang="de-DE" dirty="0" err="1"/>
+              <a:t>matrix</a:t>
+            </a:r>
+            <a:r>
+              <a:rPr lang="de-DE" dirty="0"/>
+              <a:t> M. From </a:t>
+            </a:r>
+            <a:r>
+              <a:rPr lang="de-DE" dirty="0" err="1"/>
+              <a:t>that</a:t>
+            </a:r>
+            <a:r>
+              <a:rPr lang="de-DE" dirty="0"/>
+              <a:t> a </a:t>
+            </a:r>
+            <a:r>
+              <a:rPr lang="de-DE" dirty="0" err="1"/>
+              <a:t>confidence</a:t>
+            </a:r>
+            <a:r>
+              <a:rPr lang="de-DE" dirty="0"/>
+              <a:t> </a:t>
+            </a:r>
+            <a:r>
+              <a:rPr lang="de-DE" dirty="0" err="1"/>
+              <a:t>label</a:t>
+            </a:r>
+            <a:r>
+              <a:rPr lang="de-DE" dirty="0"/>
+              <a:t> Y </a:t>
+            </a:r>
+            <a:r>
+              <a:rPr lang="de-DE" dirty="0" err="1"/>
+              <a:t>is</a:t>
+            </a:r>
+            <a:r>
+              <a:rPr lang="de-DE" dirty="0"/>
+              <a:t> </a:t>
+            </a:r>
+            <a:r>
+              <a:rPr lang="de-DE" dirty="0" err="1"/>
+              <a:t>gernerated</a:t>
+            </a:r>
+            <a:r>
+              <a:rPr lang="de-DE" dirty="0"/>
+              <a:t> </a:t>
+            </a:r>
+            <a:r>
+              <a:rPr lang="de-DE" dirty="0" err="1"/>
+              <a:t>based</a:t>
+            </a:r>
+            <a:r>
+              <a:rPr lang="de-DE" dirty="0"/>
+              <a:t> on </a:t>
+            </a:r>
+            <a:r>
+              <a:rPr lang="de-DE" dirty="0" err="1"/>
+              <a:t>majority</a:t>
+            </a:r>
+            <a:r>
+              <a:rPr lang="de-DE" dirty="0"/>
+              <a:t> vote for </a:t>
+            </a:r>
+            <a:r>
+              <a:rPr lang="de-DE" dirty="0" err="1"/>
+              <a:t>each</a:t>
+            </a:r>
+            <a:r>
+              <a:rPr lang="de-DE" dirty="0"/>
+              <a:t> sample. </a:t>
+            </a:r>
+            <a:r>
+              <a:rPr lang="de-DE" dirty="0" err="1"/>
+              <a:t>Newly</a:t>
+            </a:r>
+            <a:r>
+              <a:rPr lang="de-DE" dirty="0"/>
+              <a:t> </a:t>
+            </a:r>
+            <a:r>
+              <a:rPr lang="de-DE" dirty="0" err="1"/>
+              <a:t>generated</a:t>
+            </a:r>
+            <a:r>
+              <a:rPr lang="de-DE" dirty="0"/>
+              <a:t> M + Y </a:t>
+            </a:r>
+            <a:r>
+              <a:rPr lang="de-DE" dirty="0" err="1"/>
+              <a:t>are</a:t>
+            </a:r>
+            <a:r>
+              <a:rPr lang="de-DE" dirty="0"/>
+              <a:t> </a:t>
+            </a:r>
+            <a:r>
+              <a:rPr lang="de-DE" dirty="0" err="1"/>
+              <a:t>input</a:t>
+            </a:r>
+            <a:r>
+              <a:rPr lang="de-DE" dirty="0"/>
+              <a:t> and </a:t>
+            </a:r>
+            <a:r>
+              <a:rPr lang="de-DE" dirty="0" err="1"/>
+              <a:t>label</a:t>
+            </a:r>
+            <a:r>
+              <a:rPr lang="de-DE" dirty="0"/>
+              <a:t> for a </a:t>
+            </a:r>
+            <a:r>
+              <a:rPr lang="de-DE" dirty="0" err="1"/>
+              <a:t>second</a:t>
+            </a:r>
+            <a:r>
+              <a:rPr lang="de-DE" dirty="0"/>
+              <a:t> </a:t>
+            </a:r>
+            <a:r>
+              <a:rPr lang="de-DE" dirty="0" err="1"/>
+              <a:t>round</a:t>
+            </a:r>
+            <a:r>
+              <a:rPr lang="de-DE" dirty="0"/>
+              <a:t> with </a:t>
+            </a:r>
+            <a:r>
+              <a:rPr lang="de-DE" dirty="0" err="1"/>
+              <a:t>the</a:t>
+            </a:r>
+            <a:r>
+              <a:rPr lang="de-DE" dirty="0"/>
+              <a:t> </a:t>
+            </a:r>
+            <a:r>
+              <a:rPr lang="de-DE" dirty="0" err="1"/>
+              <a:t>pipeline</a:t>
+            </a:r>
+            <a:r>
+              <a:rPr lang="de-DE" dirty="0"/>
+              <a:t> to </a:t>
+            </a:r>
+            <a:r>
+              <a:rPr lang="de-DE" dirty="0" err="1"/>
+              <a:t>see</a:t>
+            </a:r>
+            <a:r>
+              <a:rPr lang="de-DE" dirty="0"/>
+              <a:t> </a:t>
+            </a:r>
+            <a:r>
+              <a:rPr lang="de-DE" dirty="0" err="1"/>
+              <a:t>confidence</a:t>
+            </a:r>
+            <a:r>
+              <a:rPr lang="de-DE" dirty="0"/>
+              <a:t> in </a:t>
+            </a:r>
+            <a:r>
+              <a:rPr lang="de-DE" dirty="0" err="1"/>
+              <a:t>predictions</a:t>
+            </a:r>
+            <a:r>
+              <a:rPr lang="de-DE" dirty="0"/>
+              <a:t>. </a:t>
+            </a:r>
+            <a:endParaRPr lang="en-GB" dirty="0"/>
+          </a:p>
+        </p:txBody>
+      </p:sp>
+      <p:sp>
+        <p:nvSpPr>
+          <p:cNvPr id="4" name="Foliennummernplatzhalter 3"/>
+          <p:cNvSpPr>
+            <a:spLocks noGrp="1"/>
+          </p:cNvSpPr>
+          <p:nvPr>
+            <p:ph type="sldNum" sz="quarter" idx="5"/>
+          </p:nvPr>
+        </p:nvSpPr>
+        <p:spPr/>
+        <p:txBody>
+          <a:bodyPr/>
+          <a:lstStyle/>
+          <a:p>
+            <a:fld id="{098BD289-3A29-45E8-AD20-ACE8C932FF07}" type="slidenum">
+              <a:rPr lang="de-DE" smtClean="0"/>
+              <a:t>14</a:t>
             </a:fld>
             <a:endParaRPr lang="de-DE"/>
           </a:p>
@@ -5016,7 +5829,39 @@
           <a:lstStyle/>
           <a:p>
             <a:r>
-              <a:rPr lang="en-GB" sz="1200" kern="1200" dirty="0">
+              <a:rPr lang="de-DE" b="1" dirty="0"/>
+              <a:t>Multiple </a:t>
+            </a:r>
+            <a:r>
+              <a:rPr lang="de-DE" b="1" dirty="0" err="1"/>
+              <a:t>testing</a:t>
+            </a:r>
+            <a:r>
+              <a:rPr lang="de-DE" b="1" dirty="0"/>
+              <a:t> </a:t>
+            </a:r>
+            <a:r>
+              <a:rPr lang="de-DE" b="1" dirty="0" err="1"/>
+              <a:t>problem</a:t>
+            </a:r>
+            <a:r>
+              <a:rPr lang="de-DE" b="1" dirty="0"/>
+              <a:t> </a:t>
+            </a:r>
+            <a:r>
+              <a:rPr lang="de-DE" dirty="0"/>
+              <a:t>(</a:t>
+            </a:r>
+            <a:r>
+              <a:rPr lang="de-DE" dirty="0" err="1"/>
+              <a:t>definition</a:t>
+            </a:r>
+            <a:r>
+              <a:rPr lang="de-DE" dirty="0"/>
+              <a:t>): I</a:t>
+            </a:r>
+            <a:r>
+              <a:rPr lang="en-GB" sz="1200" b="0" i="0" kern="1200" dirty="0">
                 <a:solidFill>
                   <a:schemeClr val="tx1"/>
                 </a:solidFill>
@@ -5025,83 +5870,11 @@
                 <a:ea typeface="+mn-ea"/>
                 <a:cs typeface="+mn-cs"/>
               </a:rPr>
-              <a:t>I used </a:t>
-            </a:r>
-            <a:r>
-              <a:rPr lang="en-GB" sz="1200" kern="1200" dirty="0" err="1">
-                <a:solidFill>
-                  <a:schemeClr val="tx1"/>
-                </a:solidFill>
-                <a:effectLst/>
-                <a:latin typeface="+mn-lt"/>
-                <a:ea typeface="+mn-ea"/>
-                <a:cs typeface="+mn-cs"/>
-              </a:rPr>
-              <a:t>tSNE</a:t>
-            </a:r>
-            <a:r>
-              <a:rPr lang="en-GB" sz="1200" kern="1200" dirty="0">
-                <a:solidFill>
-                  <a:schemeClr val="tx1"/>
-                </a:solidFill>
-                <a:effectLst/>
-                <a:latin typeface="+mn-lt"/>
-                <a:ea typeface="+mn-ea"/>
-                <a:cs typeface="+mn-cs"/>
-              </a:rPr>
-              <a:t> to visualize the data. It was normalized before plotting, because </a:t>
-            </a:r>
-            <a:r>
-              <a:rPr lang="en-GB" sz="1200" kern="1200" dirty="0" err="1">
-                <a:solidFill>
-                  <a:schemeClr val="tx1"/>
-                </a:solidFill>
-                <a:effectLst/>
-                <a:latin typeface="+mn-lt"/>
-                <a:ea typeface="+mn-ea"/>
-                <a:cs typeface="+mn-cs"/>
-              </a:rPr>
-              <a:t>tSNE</a:t>
-            </a:r>
-            <a:r>
-              <a:rPr lang="en-GB" sz="1200" kern="1200" dirty="0">
-                <a:solidFill>
-                  <a:schemeClr val="tx1"/>
-                </a:solidFill>
-                <a:effectLst/>
-                <a:latin typeface="+mn-lt"/>
-                <a:ea typeface="+mn-ea"/>
-                <a:cs typeface="+mn-cs"/>
-              </a:rPr>
-              <a:t> is sensitive to outliers and noisy data. The goal of applying </a:t>
-            </a:r>
-            <a:r>
-              <a:rPr lang="en-GB" sz="1200" kern="1200" dirty="0" err="1">
-                <a:solidFill>
-                  <a:schemeClr val="tx1"/>
-                </a:solidFill>
-                <a:effectLst/>
-                <a:latin typeface="+mn-lt"/>
-                <a:ea typeface="+mn-ea"/>
-                <a:cs typeface="+mn-cs"/>
-              </a:rPr>
-              <a:t>tSNE</a:t>
-            </a:r>
-            <a:r>
-              <a:rPr lang="en-GB" sz="1200" kern="1200" dirty="0">
-                <a:solidFill>
-                  <a:schemeClr val="tx1"/>
-                </a:solidFill>
-                <a:effectLst/>
-                <a:latin typeface="+mn-lt"/>
-                <a:ea typeface="+mn-ea"/>
-                <a:cs typeface="+mn-cs"/>
-              </a:rPr>
-              <a:t> was to visualise the data with all it‘s dimensions to see maybe first distinguishable cluster in the data space and to find sub-cohorts that are less confusing than the complete cohort. Plots are coloured based on label and other features obtained from literature (often listed as predictors for TLF) like diabetes or the total lesion length. Features that were used for colouring are not used in dimensionality reduction. Based on the plots, I can conclude that dimensionality reduction cannot pick up a signal for POS/NEG case distinction (visually optimization is fair enough here) and that none of the presented predictors in literature seems to be an important feature, since dimensionality reduction can‘t pick any signal for these too.</a:t>
-            </a:r>
-          </a:p>
-          <a:p>
-            <a:endParaRPr lang="en-GB" sz="1200" kern="1200" dirty="0">
+              <a:t>t is a problem that arises when implementing a large number of statistical tests in the same experiment since, the more tests we do, the higher probability of obtaining, at least, one test with statistical significance.</a:t>
+            </a:r>
+          </a:p>
+          <a:p>
+            <a:endParaRPr lang="en-GB" sz="1200" b="0" i="0" kern="1200" dirty="0">
               <a:solidFill>
                 <a:schemeClr val="tx1"/>
               </a:solidFill>
@@ -5113,7 +5886,7 @@
           </a:p>
           <a:p>
             <a:r>
-              <a:rPr lang="en-GB" sz="1200" kern="1200" dirty="0">
+              <a:rPr lang="en-GB" sz="1200" b="1" i="0" kern="1200" dirty="0">
                 <a:solidFill>
                   <a:schemeClr val="tx1"/>
                 </a:solidFill>
@@ -5122,10 +5895,10 @@
                 <a:ea typeface="+mn-ea"/>
                 <a:cs typeface="+mn-cs"/>
               </a:rPr>
-              <a:t>There are a few limitations to </a:t>
-            </a:r>
-            <a:r>
-              <a:rPr lang="en-GB" sz="1200" kern="1200" dirty="0" err="1">
+              <a:t>FWER</a:t>
+            </a:r>
+            <a:r>
+              <a:rPr lang="en-GB" sz="1200" b="0" i="0" kern="1200" dirty="0">
                 <a:solidFill>
                   <a:schemeClr val="tx1"/>
                 </a:solidFill>
@@ -5134,10 +5907,12 @@
                 <a:ea typeface="+mn-ea"/>
                 <a:cs typeface="+mn-cs"/>
               </a:rPr>
-              <a:t>tSNE</a:t>
-            </a:r>
-            <a:r>
-              <a:rPr lang="en-GB" sz="1200" kern="1200" dirty="0">
+              <a:t>: If we run a test (α = 0.05) to assess whether there is a statistically significant difference between two groups, the FWER is:</a:t>
+            </a:r>
+          </a:p>
+          <a:p>
+            <a:r>
+              <a:rPr lang="en-GB" sz="1200" b="0" i="0" kern="1200" dirty="0">
                 <a:solidFill>
                   <a:schemeClr val="tx1"/>
                 </a:solidFill>
@@ -5146,13 +5921,122 @@
                 <a:ea typeface="+mn-ea"/>
                 <a:cs typeface="+mn-cs"/>
               </a:rPr>
-              <a:t>. It relies on visual evaluation, since no objective measurement is done and even so only tendencies can be observed. Many more hyperparameters are available for optimization, but due to not promising results not further investigated.</a:t>
-            </a:r>
-          </a:p>
-          <a:p>
-            <a:endParaRPr lang="de-DE" dirty="0">
-              <a:sym typeface="Wingdings" panose="05000000000000000000" pitchFamily="2" charset="2"/>
+              <a:t>However, if we run the same test six times, the FWER would not be 5% anymore, but it would increase to ~26%.</a:t>
+            </a:r>
+          </a:p>
+          <a:p>
+            <a:endParaRPr lang="en-GB" sz="1200" b="0" i="0" kern="1200" dirty="0">
+              <a:solidFill>
+                <a:schemeClr val="tx1"/>
+              </a:solidFill>
+              <a:effectLst/>
+              <a:latin typeface="+mn-lt"/>
+              <a:ea typeface="+mn-ea"/>
+              <a:cs typeface="+mn-cs"/>
             </a:endParaRPr>
+          </a:p>
+          <a:p>
+            <a:pPr marL="0" marR="0" lvl="0" indent="0" algn="l" defTabSz="914400" rtl="0" eaLnBrk="1" fontAlgn="auto" latinLnBrk="0" hangingPunct="1">
+              <a:lnSpc>
+                <a:spcPct val="100000"/>
+              </a:lnSpc>
+              <a:spcBef>
+                <a:spcPts val="0"/>
+              </a:spcBef>
+              <a:spcAft>
+                <a:spcPts val="0"/>
+              </a:spcAft>
+              <a:buClrTx/>
+              <a:buSzTx/>
+              <a:buFontTx/>
+              <a:buNone/>
+              <a:tabLst/>
+              <a:defRPr/>
+            </a:pPr>
+            <a:r>
+              <a:rPr lang="en-GB" sz="1200" b="1" i="0" kern="1200" dirty="0">
+                <a:solidFill>
+                  <a:schemeClr val="tx1"/>
+                </a:solidFill>
+                <a:effectLst/>
+                <a:latin typeface="+mn-lt"/>
+                <a:ea typeface="+mn-ea"/>
+                <a:cs typeface="+mn-cs"/>
+              </a:rPr>
+              <a:t>Graph</a:t>
+            </a:r>
+            <a:r>
+              <a:rPr lang="en-GB" sz="1200" b="0" i="0" kern="1200" dirty="0">
+                <a:solidFill>
+                  <a:schemeClr val="tx1"/>
+                </a:solidFill>
+                <a:effectLst/>
+                <a:latin typeface="+mn-lt"/>
+                <a:ea typeface="+mn-ea"/>
+                <a:cs typeface="+mn-cs"/>
+              </a:rPr>
+              <a:t>: H</a:t>
+            </a:r>
+            <a:r>
+              <a:rPr lang="en-GB" dirty="0"/>
+              <a:t>ow the FWER or Type-I error rate increases as the number of tests increases for different values of α</a:t>
+            </a:r>
+          </a:p>
+          <a:p>
+            <a:pPr marL="0" marR="0" lvl="0" indent="0" algn="l" defTabSz="914400" rtl="0" eaLnBrk="1" fontAlgn="auto" latinLnBrk="0" hangingPunct="1">
+              <a:lnSpc>
+                <a:spcPct val="100000"/>
+              </a:lnSpc>
+              <a:spcBef>
+                <a:spcPts val="0"/>
+              </a:spcBef>
+              <a:spcAft>
+                <a:spcPts val="0"/>
+              </a:spcAft>
+              <a:buClrTx/>
+              <a:buSzTx/>
+              <a:buFontTx/>
+              <a:buNone/>
+              <a:tabLst/>
+              <a:defRPr/>
+            </a:pPr>
+            <a:endParaRPr lang="en-GB" dirty="0"/>
+          </a:p>
+          <a:p>
+            <a:endParaRPr lang="en-GB" sz="1200" b="0" i="0" kern="1200" dirty="0">
+              <a:solidFill>
+                <a:schemeClr val="tx1"/>
+              </a:solidFill>
+              <a:effectLst/>
+              <a:latin typeface="+mn-lt"/>
+              <a:ea typeface="+mn-ea"/>
+              <a:cs typeface="+mn-cs"/>
+            </a:endParaRPr>
+          </a:p>
+          <a:p>
+            <a:endParaRPr lang="en-GB" sz="1200" b="0" i="0" kern="1200" dirty="0">
+              <a:solidFill>
+                <a:schemeClr val="tx1"/>
+              </a:solidFill>
+              <a:effectLst/>
+              <a:latin typeface="+mn-lt"/>
+              <a:ea typeface="+mn-ea"/>
+              <a:cs typeface="+mn-cs"/>
+            </a:endParaRPr>
+          </a:p>
+          <a:p>
+            <a:endParaRPr lang="en-GB" sz="1200" b="0" i="0" kern="1200" dirty="0">
+              <a:solidFill>
+                <a:schemeClr val="tx1"/>
+              </a:solidFill>
+              <a:effectLst/>
+              <a:latin typeface="+mn-lt"/>
+              <a:ea typeface="+mn-ea"/>
+              <a:cs typeface="+mn-cs"/>
+            </a:endParaRPr>
+          </a:p>
+          <a:p>
+            <a:endParaRPr lang="en-GB" dirty="0"/>
           </a:p>
         </p:txBody>
       </p:sp>
@@ -5182,7 +6066,7 @@
     </p:spTree>
     <p:extLst>
       <p:ext uri="{BB962C8B-B14F-4D97-AF65-F5344CB8AC3E}">
-        <p14:creationId xmlns:p14="http://schemas.microsoft.com/office/powerpoint/2010/main" val="3199263187"/>
+        <p14:creationId xmlns:p14="http://schemas.microsoft.com/office/powerpoint/2010/main" val="933879804"/>
       </p:ext>
     </p:extLst>
   </p:cSld>
@@ -5236,23 +6120,6 @@
           <a:bodyPr/>
           <a:lstStyle/>
           <a:p>
-            <a:pPr marL="0" marR="0" lvl="0" indent="0" algn="l" defTabSz="914400" rtl="0" eaLnBrk="1" fontAlgn="auto" latinLnBrk="0" hangingPunct="1">
-              <a:lnSpc>
-                <a:spcPct val="100000"/>
-              </a:lnSpc>
-              <a:spcBef>
-                <a:spcPts val="0"/>
-              </a:spcBef>
-              <a:spcAft>
-                <a:spcPts val="0"/>
-              </a:spcAft>
-              <a:buClrTx/>
-              <a:buSzTx/>
-              <a:buFontTx/>
-              <a:buNone/>
-              <a:tabLst/>
-              <a:defRPr/>
-            </a:pPr>
             <a:r>
               <a:rPr lang="en-GB" sz="1200" kern="1200" dirty="0">
                 <a:solidFill>
@@ -5263,7 +6130,7 @@
                 <a:ea typeface="+mn-ea"/>
                 <a:cs typeface="+mn-cs"/>
               </a:rPr>
-              <a:t>This pipeline architecture should be familiar. In the first place I tried as many different combinations as possible as I don’t know what would work on that particular dataset. I adapted the pipeline from Alireza to fit more to my data. I included the SMOTE algorithm after imputation to deal with imbalance and changed training performance to f1 score or </a:t>
+              <a:t>I used </a:t>
             </a:r>
             <a:r>
               <a:rPr lang="en-GB" sz="1200" kern="1200" dirty="0" err="1">
@@ -5275,7 +6142,7 @@
                 <a:ea typeface="+mn-ea"/>
                 <a:cs typeface="+mn-cs"/>
               </a:rPr>
-              <a:t>cohen</a:t>
+              <a:t>tSNE</a:t>
             </a:r>
             <a:r>
               <a:rPr lang="en-GB" sz="1200" kern="1200" dirty="0">
@@ -5287,7 +6154,7 @@
                 <a:ea typeface="+mn-ea"/>
                 <a:cs typeface="+mn-cs"/>
               </a:rPr>
-              <a:t> kappa score as refit score in </a:t>
+              <a:t> to visualize the data. It was normalized before plotting, because </a:t>
             </a:r>
             <a:r>
               <a:rPr lang="en-GB" sz="1200" kern="1200" dirty="0" err="1">
@@ -5299,7 +6166,7 @@
                 <a:ea typeface="+mn-ea"/>
                 <a:cs typeface="+mn-cs"/>
               </a:rPr>
-              <a:t>hyperparamter</a:t>
+              <a:t>tSNE</a:t>
             </a:r>
             <a:r>
               <a:rPr lang="en-GB" sz="1200" kern="1200" dirty="0">
@@ -5311,7 +6178,7 @@
                 <a:ea typeface="+mn-ea"/>
                 <a:cs typeface="+mn-cs"/>
               </a:rPr>
-              <a:t> tuning, because of its robustness regarding imbalance. Stratification of data into 80% </a:t>
+              <a:t> is sensitive to outliers and noisy data. The goal of applying </a:t>
             </a:r>
             <a:r>
               <a:rPr lang="en-GB" sz="1200" kern="1200" dirty="0" err="1">
@@ -5323,7 +6190,7 @@
                 <a:ea typeface="+mn-ea"/>
                 <a:cs typeface="+mn-cs"/>
               </a:rPr>
-              <a:t>traingng</a:t>
+              <a:t>tSNE</a:t>
             </a:r>
             <a:r>
               <a:rPr lang="en-GB" sz="1200" kern="1200" dirty="0">
@@ -5335,7 +6202,32 @@
                 <a:ea typeface="+mn-ea"/>
                 <a:cs typeface="+mn-cs"/>
               </a:rPr>
-              <a:t> and 20% test set was done by label. Training was based on a 5-fold cross validation. Training set went through processing. Transformation, imputation and </a:t>
+              <a:t> was to visualise the data with all it‘s dimensions to see maybe first distinguishable cluster in the data space and to find sub-cohorts that are less confusing than the complete cohort. Plots are coloured based on label and other features obtained from literature (often listed as predictors for TLF) like diabetes or the total lesion length. Features that were used for colouring are not used in dimensionality reduction. Based on the plots, I can conclude that dimensionality reduction cannot pick up a signal for POS/NEG case distinction (visually optimization is fair enough here) and that none of the presented predictors in literature seems to be an important feature, since dimensionality reduction can‘t pick any signal for these too.</a:t>
+            </a:r>
+          </a:p>
+          <a:p>
+            <a:endParaRPr lang="en-GB" sz="1200" kern="1200" dirty="0">
+              <a:solidFill>
+                <a:schemeClr val="tx1"/>
+              </a:solidFill>
+              <a:effectLst/>
+              <a:latin typeface="+mn-lt"/>
+              <a:ea typeface="+mn-ea"/>
+              <a:cs typeface="+mn-cs"/>
+            </a:endParaRPr>
+          </a:p>
+          <a:p>
+            <a:r>
+              <a:rPr lang="en-GB" sz="1200" kern="1200" dirty="0">
+                <a:solidFill>
+                  <a:schemeClr val="tx1"/>
+                </a:solidFill>
+                <a:effectLst/>
+                <a:latin typeface="+mn-lt"/>
+                <a:ea typeface="+mn-ea"/>
+                <a:cs typeface="+mn-cs"/>
+              </a:rPr>
+              <a:t>There are a few limitations to </a:t>
             </a:r>
             <a:r>
               <a:rPr lang="en-GB" sz="1200" kern="1200" dirty="0" err="1">
@@ -5347,7 +6239,7 @@
                 <a:ea typeface="+mn-ea"/>
                 <a:cs typeface="+mn-cs"/>
               </a:rPr>
-              <a:t>upsamling</a:t>
+              <a:t>tSNE</a:t>
             </a:r>
             <a:r>
               <a:rPr lang="en-GB" sz="1200" kern="1200" dirty="0">
@@ -5359,53 +6251,11 @@
                 <a:ea typeface="+mn-ea"/>
                 <a:cs typeface="+mn-cs"/>
               </a:rPr>
-              <a:t> of minor class using SMOTE was mandatory. Normalization and feature scaling were optional. In the second step different classifiers were trained alongside with their specific hyperparameters using </a:t>
-            </a:r>
-            <a:r>
-              <a:rPr lang="en-GB" sz="1200" kern="1200" dirty="0" err="1">
-                <a:solidFill>
-                  <a:schemeClr val="tx1"/>
-                </a:solidFill>
-                <a:effectLst/>
-                <a:latin typeface="+mn-lt"/>
-                <a:ea typeface="+mn-ea"/>
-                <a:cs typeface="+mn-cs"/>
-              </a:rPr>
-              <a:t>RandomSearch</a:t>
-            </a:r>
-            <a:r>
-              <a:rPr lang="en-GB" sz="1200" kern="1200" dirty="0">
-                <a:solidFill>
-                  <a:schemeClr val="tx1"/>
-                </a:solidFill>
-                <a:effectLst/>
-                <a:latin typeface="+mn-lt"/>
-                <a:ea typeface="+mn-ea"/>
-                <a:cs typeface="+mn-cs"/>
-              </a:rPr>
-              <a:t> based on a wide parameter grid. Model evaluation was done with the hold-out test set. </a:t>
-            </a:r>
-          </a:p>
-          <a:p>
-            <a:endParaRPr lang="en-GB" sz="1200" b="0" i="0" kern="1200" dirty="0">
-              <a:solidFill>
-                <a:schemeClr val="tx1"/>
-              </a:solidFill>
-              <a:effectLst/>
-              <a:latin typeface="+mn-lt"/>
-              <a:ea typeface="+mn-ea"/>
-              <a:cs typeface="+mn-cs"/>
-            </a:endParaRPr>
-          </a:p>
-          <a:p>
-            <a:endParaRPr lang="de-DE" dirty="0"/>
-          </a:p>
-          <a:p>
-            <a:pPr marL="171450" indent="-171450">
-              <a:buFontTx/>
-              <a:buChar char="-"/>
-            </a:pPr>
-            <a:endParaRPr lang="en-GB" dirty="0">
+              <a:t>. It relies on visual evaluation, since no objective measurement is done and even so only tendencies can be observed. Many more hyperparameters are available for optimization, but due to not promising results not further investigated.</a:t>
+            </a:r>
+          </a:p>
+          <a:p>
+            <a:endParaRPr lang="de-DE" dirty="0">
               <a:sym typeface="Wingdings" panose="05000000000000000000" pitchFamily="2" charset="2"/>
             </a:endParaRPr>
           </a:p>
@@ -5437,7 +6287,7 @@
     </p:spTree>
     <p:extLst>
       <p:ext uri="{BB962C8B-B14F-4D97-AF65-F5344CB8AC3E}">
-        <p14:creationId xmlns:p14="http://schemas.microsoft.com/office/powerpoint/2010/main" val="2136036373"/>
+        <p14:creationId xmlns:p14="http://schemas.microsoft.com/office/powerpoint/2010/main" val="3199263187"/>
       </p:ext>
     </p:extLst>
   </p:cSld>
@@ -5491,96 +6341,6 @@
           <a:bodyPr/>
           <a:lstStyle/>
           <a:p>
-            <a:r>
-              <a:rPr lang="en-GB" sz="1200" kern="1200" dirty="0">
-                <a:solidFill>
-                  <a:schemeClr val="tx1"/>
-                </a:solidFill>
-                <a:effectLst/>
-                <a:latin typeface="+mn-lt"/>
-                <a:ea typeface="+mn-ea"/>
-                <a:cs typeface="+mn-cs"/>
-              </a:rPr>
-              <a:t>These are the results from the latest run of the pipeline. We double checked the correctness of code and the order of processing steps to rule out a bug in the code. The used hyperparameter grid is quite big. The idea behind it was to narrow down the search space by multiple runs with </a:t>
-            </a:r>
-            <a:r>
-              <a:rPr lang="en-GB" sz="1200" kern="1200" dirty="0" err="1">
-                <a:solidFill>
-                  <a:schemeClr val="tx1"/>
-                </a:solidFill>
-                <a:effectLst/>
-                <a:latin typeface="+mn-lt"/>
-                <a:ea typeface="+mn-ea"/>
-                <a:cs typeface="+mn-cs"/>
-              </a:rPr>
-              <a:t>RandomSearch</a:t>
-            </a:r>
-            <a:r>
-              <a:rPr lang="en-GB" sz="1200" kern="1200" dirty="0">
-                <a:solidFill>
-                  <a:schemeClr val="tx1"/>
-                </a:solidFill>
-                <a:effectLst/>
-                <a:latin typeface="+mn-lt"/>
-                <a:ea typeface="+mn-ea"/>
-                <a:cs typeface="+mn-cs"/>
-              </a:rPr>
-              <a:t> and take the best parameters settings for an exhaustive </a:t>
-            </a:r>
-            <a:r>
-              <a:rPr lang="en-GB" sz="1200" kern="1200" dirty="0" err="1">
-                <a:solidFill>
-                  <a:schemeClr val="tx1"/>
-                </a:solidFill>
-                <a:effectLst/>
-                <a:latin typeface="+mn-lt"/>
-                <a:ea typeface="+mn-ea"/>
-                <a:cs typeface="+mn-cs"/>
-              </a:rPr>
-              <a:t>GridSearch</a:t>
-            </a:r>
-            <a:r>
-              <a:rPr lang="en-GB" sz="1200" kern="1200" dirty="0">
-                <a:solidFill>
-                  <a:schemeClr val="tx1"/>
-                </a:solidFill>
-                <a:effectLst/>
-                <a:latin typeface="+mn-lt"/>
-                <a:ea typeface="+mn-ea"/>
-                <a:cs typeface="+mn-cs"/>
-              </a:rPr>
-              <a:t>. But this is not possible, since the models seems to overfit/underfit and therefore further analysis regarding hyperparameter tuning and setting is necessary (started with that yesterday). Best pipeline per classifier is not chosen automatically. I chose the one with the smallest ration of train/validation score, because difference between train/test is what gives you a clue regarding overfitting/underfitting phenomena.</a:t>
-            </a:r>
-          </a:p>
-          <a:p>
-            <a:endParaRPr lang="en-GB" sz="1200" kern="1200" dirty="0">
-              <a:solidFill>
-                <a:schemeClr val="tx1"/>
-              </a:solidFill>
-              <a:effectLst/>
-              <a:latin typeface="+mn-lt"/>
-              <a:ea typeface="+mn-ea"/>
-              <a:cs typeface="+mn-cs"/>
-            </a:endParaRPr>
-          </a:p>
-          <a:p>
-            <a:r>
-              <a:rPr lang="en-GB" sz="1200" kern="1200" dirty="0">
-                <a:solidFill>
-                  <a:schemeClr val="tx1"/>
-                </a:solidFill>
-                <a:effectLst/>
-                <a:latin typeface="+mn-lt"/>
-                <a:ea typeface="+mn-ea"/>
-                <a:cs typeface="+mn-cs"/>
-              </a:rPr>
-              <a:t>Generally speaking, all possible classifiers have very low validation and test scores. It ranges between 13 and 17%, which is almost the worst possible outcome. I tried different amount of input features, for example using just medical history of the patient or baseline + lesion characteristics, but the scores never changed significantly. Another strange behaviour I could observe in my tests in nearly all classifiers was a strange behaviour regarding the influence of an increasing training score on the evaluation score. The trainings score increased, but the validation score stayed the same all the time. With these first results the impression solidifies that data includes randomness at least there is no signal to grasp.</a:t>
-            </a:r>
-          </a:p>
-          <a:p>
-            <a:endParaRPr lang="de-DE" dirty="0"/>
-          </a:p>
-          <a:p>
             <a:pPr marL="0" marR="0" lvl="0" indent="0" algn="l" defTabSz="914400" rtl="0" eaLnBrk="1" fontAlgn="auto" latinLnBrk="0" hangingPunct="1">
               <a:lnSpc>
                 <a:spcPct val="100000"/>
@@ -5599,260 +6359,7 @@
               <a:defRPr/>
             </a:pPr>
             <a:r>
-              <a:rPr lang="de-DE" dirty="0"/>
-              <a:t>Hyperparameters per </a:t>
-            </a:r>
-            <a:r>
-              <a:rPr lang="de-DE" dirty="0" err="1"/>
-              <a:t>pipeline</a:t>
-            </a:r>
-            <a:r>
-              <a:rPr lang="de-DE" dirty="0"/>
-              <a:t> (from </a:t>
-            </a:r>
-            <a:r>
-              <a:rPr lang="de-DE" dirty="0" err="1"/>
-              <a:t>latest</a:t>
-            </a:r>
-            <a:r>
-              <a:rPr lang="de-DE" dirty="0"/>
-              <a:t> </a:t>
-            </a:r>
-            <a:r>
-              <a:rPr lang="de-DE" dirty="0" err="1"/>
-              <a:t>pipeline</a:t>
-            </a:r>
-            <a:r>
-              <a:rPr lang="de-DE" dirty="0"/>
-              <a:t> </a:t>
-            </a:r>
-            <a:r>
-              <a:rPr lang="de-DE" dirty="0" err="1"/>
-              <a:t>run</a:t>
-            </a:r>
-            <a:r>
-              <a:rPr lang="de-DE" dirty="0"/>
-              <a:t>:)</a:t>
-            </a:r>
-          </a:p>
-          <a:p>
-            <a:pPr marL="0" marR="0" lvl="0" indent="0" algn="l" defTabSz="914400" rtl="0" eaLnBrk="1" fontAlgn="auto" latinLnBrk="0" hangingPunct="1">
-              <a:lnSpc>
-                <a:spcPct val="100000"/>
-              </a:lnSpc>
-              <a:spcBef>
-                <a:spcPts val="0"/>
-              </a:spcBef>
-              <a:spcAft>
-                <a:spcPts val="0"/>
-              </a:spcAft>
-              <a:buClrTx/>
-              <a:buSzTx/>
-              <a:buFontTx/>
-              <a:buNone/>
-              <a:tabLst/>
-              <a:defRPr/>
-            </a:pPr>
-            <a:r>
-              <a:rPr lang="de-DE" b="1" dirty="0"/>
-              <a:t>KNN</a:t>
-            </a:r>
-            <a:r>
-              <a:rPr lang="de-DE" dirty="0"/>
-              <a:t>: </a:t>
-            </a:r>
-            <a:r>
-              <a:rPr lang="en-GB" dirty="0"/>
-              <a:t> - `sampling__</a:t>
-            </a:r>
-            <a:r>
-              <a:rPr lang="en-GB" dirty="0" err="1"/>
-              <a:t>k_neighbors</a:t>
-            </a:r>
-            <a:r>
-              <a:rPr lang="en-GB" dirty="0"/>
-              <a:t>`: `1`</a:t>
-            </a:r>
-          </a:p>
-          <a:p>
-            <a:pPr marL="0" marR="0" lvl="0" indent="0" algn="l" defTabSz="914400" rtl="0" eaLnBrk="1" fontAlgn="auto" latinLnBrk="0" hangingPunct="1">
-              <a:lnSpc>
-                <a:spcPct val="100000"/>
-              </a:lnSpc>
-              <a:spcBef>
-                <a:spcPts val="0"/>
-              </a:spcBef>
-              <a:spcAft>
-                <a:spcPts val="0"/>
-              </a:spcAft>
-              <a:buClrTx/>
-              <a:buSzTx/>
-              <a:buFontTx/>
-              <a:buNone/>
-              <a:tabLst/>
-              <a:defRPr/>
-            </a:pPr>
-            <a:r>
-              <a:rPr lang="en-GB" dirty="0"/>
-              <a:t>  - `</a:t>
-            </a:r>
-            <a:r>
-              <a:rPr lang="en-GB" dirty="0" err="1"/>
-              <a:t>imputer__weights</a:t>
-            </a:r>
-            <a:r>
-              <a:rPr lang="en-GB" dirty="0"/>
-              <a:t>`: `distance`</a:t>
-            </a:r>
-          </a:p>
-          <a:p>
-            <a:pPr marL="0" marR="0" lvl="0" indent="0" algn="l" defTabSz="914400" rtl="0" eaLnBrk="1" fontAlgn="auto" latinLnBrk="0" hangingPunct="1">
-              <a:lnSpc>
-                <a:spcPct val="100000"/>
-              </a:lnSpc>
-              <a:spcBef>
-                <a:spcPts val="0"/>
-              </a:spcBef>
-              <a:spcAft>
-                <a:spcPts val="0"/>
-              </a:spcAft>
-              <a:buClrTx/>
-              <a:buSzTx/>
-              <a:buFontTx/>
-              <a:buNone/>
-              <a:tabLst/>
-              <a:defRPr/>
-            </a:pPr>
-            <a:r>
-              <a:rPr lang="en-GB" dirty="0"/>
-              <a:t>  - `imputer__</a:t>
-            </a:r>
-            <a:r>
-              <a:rPr lang="en-GB" dirty="0" err="1"/>
-              <a:t>n_neighbors</a:t>
-            </a:r>
-            <a:r>
-              <a:rPr lang="en-GB" dirty="0"/>
-              <a:t>`: `24`</a:t>
-            </a:r>
-          </a:p>
-          <a:p>
-            <a:pPr marL="0" marR="0" lvl="0" indent="0" algn="l" defTabSz="914400" rtl="0" eaLnBrk="1" fontAlgn="auto" latinLnBrk="0" hangingPunct="1">
-              <a:lnSpc>
-                <a:spcPct val="100000"/>
-              </a:lnSpc>
-              <a:spcBef>
-                <a:spcPts val="0"/>
-              </a:spcBef>
-              <a:spcAft>
-                <a:spcPts val="0"/>
-              </a:spcAft>
-              <a:buClrTx/>
-              <a:buSzTx/>
-              <a:buFontTx/>
-              <a:buNone/>
-              <a:tabLst/>
-              <a:defRPr/>
-            </a:pPr>
-            <a:r>
-              <a:rPr lang="en-GB" dirty="0"/>
-              <a:t>  - `</a:t>
-            </a:r>
-            <a:r>
-              <a:rPr lang="en-GB" dirty="0" err="1"/>
-              <a:t>feature_selector__whiten</a:t>
-            </a:r>
-            <a:r>
-              <a:rPr lang="en-GB" dirty="0"/>
-              <a:t>`: `True`</a:t>
-            </a:r>
-          </a:p>
-          <a:p>
-            <a:pPr marL="0" marR="0" lvl="0" indent="0" algn="l" defTabSz="914400" rtl="0" eaLnBrk="1" fontAlgn="auto" latinLnBrk="0" hangingPunct="1">
-              <a:lnSpc>
-                <a:spcPct val="100000"/>
-              </a:lnSpc>
-              <a:spcBef>
-                <a:spcPts val="0"/>
-              </a:spcBef>
-              <a:spcAft>
-                <a:spcPts val="0"/>
-              </a:spcAft>
-              <a:buClrTx/>
-              <a:buSzTx/>
-              <a:buFontTx/>
-              <a:buNone/>
-              <a:tabLst/>
-              <a:defRPr/>
-            </a:pPr>
-            <a:r>
-              <a:rPr lang="en-GB" dirty="0"/>
-              <a:t>  - `</a:t>
-            </a:r>
-            <a:r>
-              <a:rPr lang="en-GB" dirty="0" err="1"/>
-              <a:t>classifier__weights</a:t>
-            </a:r>
-            <a:r>
-              <a:rPr lang="en-GB" dirty="0"/>
-              <a:t>`: `uniform`</a:t>
-            </a:r>
-          </a:p>
-          <a:p>
-            <a:pPr marL="0" marR="0" lvl="0" indent="0" algn="l" defTabSz="914400" rtl="0" eaLnBrk="1" fontAlgn="auto" latinLnBrk="0" hangingPunct="1">
-              <a:lnSpc>
-                <a:spcPct val="100000"/>
-              </a:lnSpc>
-              <a:spcBef>
-                <a:spcPts val="0"/>
-              </a:spcBef>
-              <a:spcAft>
-                <a:spcPts val="0"/>
-              </a:spcAft>
-              <a:buClrTx/>
-              <a:buSzTx/>
-              <a:buFontTx/>
-              <a:buNone/>
-              <a:tabLst/>
-              <a:defRPr/>
-            </a:pPr>
-            <a:r>
-              <a:rPr lang="en-GB" dirty="0"/>
-              <a:t>  - `classifier__</a:t>
-            </a:r>
-            <a:r>
-              <a:rPr lang="en-GB" dirty="0" err="1"/>
-              <a:t>n_neighbors</a:t>
-            </a:r>
-            <a:r>
-              <a:rPr lang="en-GB" dirty="0"/>
-              <a:t>`: `10`</a:t>
-            </a:r>
-          </a:p>
-          <a:p>
-            <a:pPr marL="0" marR="0" lvl="0" indent="0" algn="l" defTabSz="914400" rtl="0" eaLnBrk="1" fontAlgn="auto" latinLnBrk="0" hangingPunct="1">
-              <a:lnSpc>
-                <a:spcPct val="100000"/>
-              </a:lnSpc>
-              <a:spcBef>
-                <a:spcPts val="0"/>
-              </a:spcBef>
-              <a:spcAft>
-                <a:spcPts val="0"/>
-              </a:spcAft>
-              <a:buClrTx/>
-              <a:buSzTx/>
-              <a:buFontTx/>
-              <a:buNone/>
-              <a:tabLst/>
-              <a:defRPr/>
-            </a:pPr>
-            <a:r>
-              <a:rPr lang="en-GB" b="1" dirty="0"/>
-              <a:t>MLP (</a:t>
-            </a:r>
-            <a:r>
-              <a:rPr lang="en-GB" sz="1200" b="1" i="0" kern="1200" dirty="0">
+              <a:rPr lang="en-GB" sz="1200" kern="1200" dirty="0">
                 <a:solidFill>
                   <a:schemeClr val="tx1"/>
                 </a:solidFill>
@@ -5861,1025 +6368,151 @@
                 <a:ea typeface="+mn-ea"/>
                 <a:cs typeface="+mn-cs"/>
               </a:rPr>
-              <a:t>Multi Layer Perception</a:t>
-            </a:r>
-            <a:r>
-              <a:rPr lang="en-GB" b="1" dirty="0"/>
-              <a:t>)</a:t>
-            </a:r>
-            <a:r>
-              <a:rPr lang="en-GB" dirty="0"/>
-              <a:t>:</a:t>
-            </a:r>
-          </a:p>
-          <a:p>
-            <a:pPr marL="0" marR="0" lvl="0" indent="0" algn="l" defTabSz="914400" rtl="0" eaLnBrk="1" fontAlgn="auto" latinLnBrk="0" hangingPunct="1">
-              <a:lnSpc>
-                <a:spcPct val="100000"/>
-              </a:lnSpc>
-              <a:spcBef>
-                <a:spcPts val="0"/>
-              </a:spcBef>
-              <a:spcAft>
-                <a:spcPts val="0"/>
-              </a:spcAft>
-              <a:buClrTx/>
-              <a:buSzTx/>
+              <a:t>This pipeline architecture should be familiar. In the first place I tried as many different combinations as possible as I don’t know what would work on that particular dataset. I adapted the pipeline from Alireza to fit more to my data. I included the SMOTE algorithm after imputation to deal with imbalance and changed training performance to f1 score or </a:t>
+            </a:r>
+            <a:r>
+              <a:rPr lang="en-GB" sz="1200" kern="1200" dirty="0" err="1">
+                <a:solidFill>
+                  <a:schemeClr val="tx1"/>
+                </a:solidFill>
+                <a:effectLst/>
+                <a:latin typeface="+mn-lt"/>
+                <a:ea typeface="+mn-ea"/>
+                <a:cs typeface="+mn-cs"/>
+              </a:rPr>
+              <a:t>cohen</a:t>
+            </a:r>
+            <a:r>
+              <a:rPr lang="en-GB" sz="1200" kern="1200" dirty="0">
+                <a:solidFill>
+                  <a:schemeClr val="tx1"/>
+                </a:solidFill>
+                <a:effectLst/>
+                <a:latin typeface="+mn-lt"/>
+                <a:ea typeface="+mn-ea"/>
+                <a:cs typeface="+mn-cs"/>
+              </a:rPr>
+              <a:t> kappa score as refit score in </a:t>
+            </a:r>
+            <a:r>
+              <a:rPr lang="en-GB" sz="1200" kern="1200" dirty="0" err="1">
+                <a:solidFill>
+                  <a:schemeClr val="tx1"/>
+                </a:solidFill>
+                <a:effectLst/>
+                <a:latin typeface="+mn-lt"/>
+                <a:ea typeface="+mn-ea"/>
+                <a:cs typeface="+mn-cs"/>
+              </a:rPr>
+              <a:t>hyperparamter</a:t>
+            </a:r>
+            <a:r>
+              <a:rPr lang="en-GB" sz="1200" kern="1200" dirty="0">
+                <a:solidFill>
+                  <a:schemeClr val="tx1"/>
+                </a:solidFill>
+                <a:effectLst/>
+                <a:latin typeface="+mn-lt"/>
+                <a:ea typeface="+mn-ea"/>
+                <a:cs typeface="+mn-cs"/>
+              </a:rPr>
+              <a:t> tuning, because of its robustness regarding imbalance. Stratification of data into 80% </a:t>
+            </a:r>
+            <a:r>
+              <a:rPr lang="en-GB" sz="1200" kern="1200" dirty="0" err="1">
+                <a:solidFill>
+                  <a:schemeClr val="tx1"/>
+                </a:solidFill>
+                <a:effectLst/>
+                <a:latin typeface="+mn-lt"/>
+                <a:ea typeface="+mn-ea"/>
+                <a:cs typeface="+mn-cs"/>
+              </a:rPr>
+              <a:t>traingng</a:t>
+            </a:r>
+            <a:r>
+              <a:rPr lang="en-GB" sz="1200" kern="1200" dirty="0">
+                <a:solidFill>
+                  <a:schemeClr val="tx1"/>
+                </a:solidFill>
+                <a:effectLst/>
+                <a:latin typeface="+mn-lt"/>
+                <a:ea typeface="+mn-ea"/>
+                <a:cs typeface="+mn-cs"/>
+              </a:rPr>
+              <a:t> and 20% test set was done by label. Training was based on a 5-fold cross validation. Training set went through processing. Transformation, imputation and </a:t>
+            </a:r>
+            <a:r>
+              <a:rPr lang="en-GB" sz="1200" kern="1200" dirty="0" err="1">
+                <a:solidFill>
+                  <a:schemeClr val="tx1"/>
+                </a:solidFill>
+                <a:effectLst/>
+                <a:latin typeface="+mn-lt"/>
+                <a:ea typeface="+mn-ea"/>
+                <a:cs typeface="+mn-cs"/>
+              </a:rPr>
+              <a:t>upsamling</a:t>
+            </a:r>
+            <a:r>
+              <a:rPr lang="en-GB" sz="1200" kern="1200" dirty="0">
+                <a:solidFill>
+                  <a:schemeClr val="tx1"/>
+                </a:solidFill>
+                <a:effectLst/>
+                <a:latin typeface="+mn-lt"/>
+                <a:ea typeface="+mn-ea"/>
+                <a:cs typeface="+mn-cs"/>
+              </a:rPr>
+              <a:t> of minor class using SMOTE was mandatory. Normalization and feature scaling were optional. In the second step different classifiers were trained alongside with their specific hyperparameters using </a:t>
+            </a:r>
+            <a:r>
+              <a:rPr lang="en-GB" sz="1200" kern="1200" dirty="0" err="1">
+                <a:solidFill>
+                  <a:schemeClr val="tx1"/>
+                </a:solidFill>
+                <a:effectLst/>
+                <a:latin typeface="+mn-lt"/>
+                <a:ea typeface="+mn-ea"/>
+                <a:cs typeface="+mn-cs"/>
+              </a:rPr>
+              <a:t>RandomSearch</a:t>
+            </a:r>
+            <a:r>
+              <a:rPr lang="en-GB" sz="1200" kern="1200" dirty="0">
+                <a:solidFill>
+                  <a:schemeClr val="tx1"/>
+                </a:solidFill>
+                <a:effectLst/>
+                <a:latin typeface="+mn-lt"/>
+                <a:ea typeface="+mn-ea"/>
+                <a:cs typeface="+mn-cs"/>
+              </a:rPr>
+              <a:t> based on a wide parameter grid. Model evaluation was done with the hold-out test set. </a:t>
+            </a:r>
+          </a:p>
+          <a:p>
+            <a:endParaRPr lang="en-GB" sz="1200" b="0" i="0" kern="1200" dirty="0">
+              <a:solidFill>
+                <a:schemeClr val="tx1"/>
+              </a:solidFill>
+              <a:effectLst/>
+              <a:latin typeface="+mn-lt"/>
+              <a:ea typeface="+mn-ea"/>
+              <a:cs typeface="+mn-cs"/>
+            </a:endParaRPr>
+          </a:p>
+          <a:p>
+            <a:endParaRPr lang="de-DE" dirty="0"/>
+          </a:p>
+          <a:p>
+            <a:pPr marL="171450" indent="-171450">
               <a:buFontTx/>
-              <a:buNone/>
-              <a:tabLst/>
-              <a:defRPr/>
+              <a:buChar char="-"/>
             </a:pPr>
-            <a:r>
-              <a:rPr lang="en-GB" dirty="0"/>
-              <a:t>- `sampling__</a:t>
-            </a:r>
-            <a:r>
-              <a:rPr lang="en-GB" dirty="0" err="1"/>
-              <a:t>k_neighbors</a:t>
-            </a:r>
-            <a:r>
-              <a:rPr lang="en-GB" dirty="0"/>
-              <a:t>`: `3`</a:t>
-            </a:r>
-          </a:p>
-          <a:p>
-            <a:pPr marL="0" marR="0" lvl="0" indent="0" algn="l" defTabSz="914400" rtl="0" eaLnBrk="1" fontAlgn="auto" latinLnBrk="0" hangingPunct="1">
-              <a:lnSpc>
-                <a:spcPct val="100000"/>
-              </a:lnSpc>
-              <a:spcBef>
-                <a:spcPts val="0"/>
-              </a:spcBef>
-              <a:spcAft>
-                <a:spcPts val="0"/>
-              </a:spcAft>
-              <a:buClrTx/>
-              <a:buSzTx/>
-              <a:buFontTx/>
-              <a:buNone/>
-              <a:tabLst/>
-              <a:defRPr/>
-            </a:pPr>
-            <a:r>
-              <a:rPr lang="en-GB" dirty="0"/>
-              <a:t>  - `</a:t>
-            </a:r>
-            <a:r>
-              <a:rPr lang="en-GB" dirty="0" err="1"/>
-              <a:t>imputer__weights</a:t>
-            </a:r>
-            <a:r>
-              <a:rPr lang="en-GB" dirty="0"/>
-              <a:t>`: `uniform`</a:t>
-            </a:r>
-          </a:p>
-          <a:p>
-            <a:pPr marL="0" marR="0" lvl="0" indent="0" algn="l" defTabSz="914400" rtl="0" eaLnBrk="1" fontAlgn="auto" latinLnBrk="0" hangingPunct="1">
-              <a:lnSpc>
-                <a:spcPct val="100000"/>
-              </a:lnSpc>
-              <a:spcBef>
-                <a:spcPts val="0"/>
-              </a:spcBef>
-              <a:spcAft>
-                <a:spcPts val="0"/>
-              </a:spcAft>
-              <a:buClrTx/>
-              <a:buSzTx/>
-              <a:buFontTx/>
-              <a:buNone/>
-              <a:tabLst/>
-              <a:defRPr/>
-            </a:pPr>
-            <a:r>
-              <a:rPr lang="en-GB" dirty="0"/>
-              <a:t>  - `imputer__</a:t>
-            </a:r>
-            <a:r>
-              <a:rPr lang="en-GB" dirty="0" err="1"/>
-              <a:t>n_neighbors</a:t>
-            </a:r>
-            <a:r>
-              <a:rPr lang="en-GB" dirty="0"/>
-              <a:t>`: `36`</a:t>
-            </a:r>
-          </a:p>
-          <a:p>
-            <a:pPr marL="0" marR="0" lvl="0" indent="0" algn="l" defTabSz="914400" rtl="0" eaLnBrk="1" fontAlgn="auto" latinLnBrk="0" hangingPunct="1">
-              <a:lnSpc>
-                <a:spcPct val="100000"/>
-              </a:lnSpc>
-              <a:spcBef>
-                <a:spcPts val="0"/>
-              </a:spcBef>
-              <a:spcAft>
-                <a:spcPts val="0"/>
-              </a:spcAft>
-              <a:buClrTx/>
-              <a:buSzTx/>
-              <a:buFontTx/>
-              <a:buNone/>
-              <a:tabLst/>
-              <a:defRPr/>
-            </a:pPr>
-            <a:r>
-              <a:rPr lang="en-GB" dirty="0"/>
-              <a:t>  - `classifier__</a:t>
-            </a:r>
-            <a:r>
-              <a:rPr lang="en-GB" dirty="0" err="1"/>
-              <a:t>hidden_layer_sizes</a:t>
-            </a:r>
-            <a:r>
-              <a:rPr lang="en-GB" dirty="0"/>
-              <a:t>`: `(30, 50)`</a:t>
-            </a:r>
-          </a:p>
-          <a:p>
-            <a:pPr marL="0" marR="0" lvl="0" indent="0" algn="l" defTabSz="914400" rtl="0" eaLnBrk="1" fontAlgn="auto" latinLnBrk="0" hangingPunct="1">
-              <a:lnSpc>
-                <a:spcPct val="100000"/>
-              </a:lnSpc>
-              <a:spcBef>
-                <a:spcPts val="0"/>
-              </a:spcBef>
-              <a:spcAft>
-                <a:spcPts val="0"/>
-              </a:spcAft>
-              <a:buClrTx/>
-              <a:buSzTx/>
-              <a:buFontTx/>
-              <a:buNone/>
-              <a:tabLst/>
-              <a:defRPr/>
-            </a:pPr>
-            <a:r>
-              <a:rPr lang="en-GB" dirty="0"/>
-              <a:t>  - `</a:t>
-            </a:r>
-            <a:r>
-              <a:rPr lang="en-GB" dirty="0" err="1"/>
-              <a:t>classifier__epsilon</a:t>
-            </a:r>
-            <a:r>
-              <a:rPr lang="en-GB" dirty="0"/>
-              <a:t>`: `0.01`</a:t>
-            </a:r>
-          </a:p>
-          <a:p>
-            <a:pPr marL="0" marR="0" lvl="0" indent="0" algn="l" defTabSz="914400" rtl="0" eaLnBrk="1" fontAlgn="auto" latinLnBrk="0" hangingPunct="1">
-              <a:lnSpc>
-                <a:spcPct val="100000"/>
-              </a:lnSpc>
-              <a:spcBef>
-                <a:spcPts val="0"/>
-              </a:spcBef>
-              <a:spcAft>
-                <a:spcPts val="0"/>
-              </a:spcAft>
-              <a:buClrTx/>
-              <a:buSzTx/>
-              <a:buFontTx/>
-              <a:buNone/>
-              <a:tabLst/>
-              <a:defRPr/>
-            </a:pPr>
-            <a:r>
-              <a:rPr lang="en-GB" dirty="0"/>
-              <a:t>  - `</a:t>
-            </a:r>
-            <a:r>
-              <a:rPr lang="en-GB" dirty="0" err="1"/>
-              <a:t>classifier__alpha</a:t>
-            </a:r>
-            <a:r>
-              <a:rPr lang="en-GB" dirty="0"/>
-              <a:t>`: `1e-07`</a:t>
-            </a:r>
-          </a:p>
-          <a:p>
-            <a:pPr marL="0" marR="0" lvl="0" indent="0" algn="l" defTabSz="914400" rtl="0" eaLnBrk="1" fontAlgn="auto" latinLnBrk="0" hangingPunct="1">
-              <a:lnSpc>
-                <a:spcPct val="100000"/>
-              </a:lnSpc>
-              <a:spcBef>
-                <a:spcPts val="0"/>
-              </a:spcBef>
-              <a:spcAft>
-                <a:spcPts val="0"/>
-              </a:spcAft>
-              <a:buClrTx/>
-              <a:buSzTx/>
-              <a:buFontTx/>
-              <a:buNone/>
-              <a:tabLst/>
-              <a:defRPr/>
-            </a:pPr>
-            <a:r>
-              <a:rPr lang="en-GB" dirty="0"/>
-              <a:t>  - `</a:t>
-            </a:r>
-            <a:r>
-              <a:rPr lang="en-GB" dirty="0" err="1"/>
-              <a:t>classifier__activation</a:t>
-            </a:r>
-            <a:r>
-              <a:rPr lang="en-GB" dirty="0"/>
-              <a:t>`: `tanh`</a:t>
-            </a:r>
-          </a:p>
-          <a:p>
-            <a:pPr marL="0" marR="0" lvl="0" indent="0" algn="l" defTabSz="914400" rtl="0" eaLnBrk="1" fontAlgn="auto" latinLnBrk="0" hangingPunct="1">
-              <a:lnSpc>
-                <a:spcPct val="100000"/>
-              </a:lnSpc>
-              <a:spcBef>
-                <a:spcPts val="0"/>
-              </a:spcBef>
-              <a:spcAft>
-                <a:spcPts val="0"/>
-              </a:spcAft>
-              <a:buClrTx/>
-              <a:buSzTx/>
-              <a:buFontTx/>
-              <a:buNone/>
-              <a:tabLst/>
-              <a:defRPr/>
-            </a:pPr>
-            <a:r>
-              <a:rPr lang="en-GB" b="1" dirty="0"/>
-              <a:t>RF:</a:t>
-            </a:r>
-          </a:p>
-          <a:p>
-            <a:pPr marL="0" marR="0" lvl="0" indent="0" algn="l" defTabSz="914400" rtl="0" eaLnBrk="1" fontAlgn="auto" latinLnBrk="0" hangingPunct="1">
-              <a:lnSpc>
-                <a:spcPct val="100000"/>
-              </a:lnSpc>
-              <a:spcBef>
-                <a:spcPts val="0"/>
-              </a:spcBef>
-              <a:spcAft>
-                <a:spcPts val="0"/>
-              </a:spcAft>
-              <a:buClrTx/>
-              <a:buSzTx/>
-              <a:buFontTx/>
-              <a:buNone/>
-              <a:tabLst/>
-              <a:defRPr/>
-            </a:pPr>
-            <a:r>
-              <a:rPr lang="en-GB" b="0" dirty="0"/>
-              <a:t>- `sampling__</a:t>
-            </a:r>
-            <a:r>
-              <a:rPr lang="en-GB" b="0" dirty="0" err="1"/>
-              <a:t>k_neighbors</a:t>
-            </a:r>
-            <a:r>
-              <a:rPr lang="en-GB" b="0" dirty="0"/>
-              <a:t>`: `8`</a:t>
-            </a:r>
-          </a:p>
-          <a:p>
-            <a:pPr marL="0" marR="0" lvl="0" indent="0" algn="l" defTabSz="914400" rtl="0" eaLnBrk="1" fontAlgn="auto" latinLnBrk="0" hangingPunct="1">
-              <a:lnSpc>
-                <a:spcPct val="100000"/>
-              </a:lnSpc>
-              <a:spcBef>
-                <a:spcPts val="0"/>
-              </a:spcBef>
-              <a:spcAft>
-                <a:spcPts val="0"/>
-              </a:spcAft>
-              <a:buClrTx/>
-              <a:buSzTx/>
-              <a:buFontTx/>
-              <a:buNone/>
-              <a:tabLst/>
-              <a:defRPr/>
-            </a:pPr>
-            <a:r>
-              <a:rPr lang="en-GB" b="0" dirty="0"/>
-              <a:t>  - `</a:t>
-            </a:r>
-            <a:r>
-              <a:rPr lang="en-GB" b="0" dirty="0" err="1"/>
-              <a:t>imputer__weights</a:t>
-            </a:r>
-            <a:r>
-              <a:rPr lang="en-GB" b="0" dirty="0"/>
-              <a:t>`: `distance`</a:t>
-            </a:r>
-          </a:p>
-          <a:p>
-            <a:pPr marL="0" marR="0" lvl="0" indent="0" algn="l" defTabSz="914400" rtl="0" eaLnBrk="1" fontAlgn="auto" latinLnBrk="0" hangingPunct="1">
-              <a:lnSpc>
-                <a:spcPct val="100000"/>
-              </a:lnSpc>
-              <a:spcBef>
-                <a:spcPts val="0"/>
-              </a:spcBef>
-              <a:spcAft>
-                <a:spcPts val="0"/>
-              </a:spcAft>
-              <a:buClrTx/>
-              <a:buSzTx/>
-              <a:buFontTx/>
-              <a:buNone/>
-              <a:tabLst/>
-              <a:defRPr/>
-            </a:pPr>
-            <a:r>
-              <a:rPr lang="en-GB" b="0" dirty="0"/>
-              <a:t>  - `imputer__</a:t>
-            </a:r>
-            <a:r>
-              <a:rPr lang="en-GB" b="0" dirty="0" err="1"/>
-              <a:t>n_neighbors</a:t>
-            </a:r>
-            <a:r>
-              <a:rPr lang="en-GB" b="0" dirty="0"/>
-              <a:t>`: `3`</a:t>
-            </a:r>
-          </a:p>
-          <a:p>
-            <a:pPr marL="0" marR="0" lvl="0" indent="0" algn="l" defTabSz="914400" rtl="0" eaLnBrk="1" fontAlgn="auto" latinLnBrk="0" hangingPunct="1">
-              <a:lnSpc>
-                <a:spcPct val="100000"/>
-              </a:lnSpc>
-              <a:spcBef>
-                <a:spcPts val="0"/>
-              </a:spcBef>
-              <a:spcAft>
-                <a:spcPts val="0"/>
-              </a:spcAft>
-              <a:buClrTx/>
-              <a:buSzTx/>
-              <a:buFontTx/>
-              <a:buNone/>
-              <a:tabLst/>
-              <a:defRPr/>
-            </a:pPr>
-            <a:r>
-              <a:rPr lang="en-GB" b="0" dirty="0"/>
-              <a:t>  - `classifier__</a:t>
-            </a:r>
-            <a:r>
-              <a:rPr lang="en-GB" b="0" dirty="0" err="1"/>
-              <a:t>n_estimators</a:t>
-            </a:r>
-            <a:r>
-              <a:rPr lang="en-GB" b="0" dirty="0"/>
-              <a:t>`: `161`</a:t>
-            </a:r>
-          </a:p>
-          <a:p>
-            <a:pPr marL="0" marR="0" lvl="0" indent="0" algn="l" defTabSz="914400" rtl="0" eaLnBrk="1" fontAlgn="auto" latinLnBrk="0" hangingPunct="1">
-              <a:lnSpc>
-                <a:spcPct val="100000"/>
-              </a:lnSpc>
-              <a:spcBef>
-                <a:spcPts val="0"/>
-              </a:spcBef>
-              <a:spcAft>
-                <a:spcPts val="0"/>
-              </a:spcAft>
-              <a:buClrTx/>
-              <a:buSzTx/>
-              <a:buFontTx/>
-              <a:buNone/>
-              <a:tabLst/>
-              <a:defRPr/>
-            </a:pPr>
-            <a:r>
-              <a:rPr lang="en-GB" b="0" dirty="0"/>
-              <a:t>  - `classifier__</a:t>
-            </a:r>
-            <a:r>
-              <a:rPr lang="en-GB" b="0" dirty="0" err="1"/>
-              <a:t>min_samples_leaf</a:t>
-            </a:r>
-            <a:r>
-              <a:rPr lang="en-GB" b="0" dirty="0"/>
-              <a:t>`: `91`</a:t>
-            </a:r>
-          </a:p>
-          <a:p>
-            <a:pPr marL="0" marR="0" lvl="0" indent="0" algn="l" defTabSz="914400" rtl="0" eaLnBrk="1" fontAlgn="auto" latinLnBrk="0" hangingPunct="1">
-              <a:lnSpc>
-                <a:spcPct val="100000"/>
-              </a:lnSpc>
-              <a:spcBef>
-                <a:spcPts val="0"/>
-              </a:spcBef>
-              <a:spcAft>
-                <a:spcPts val="0"/>
-              </a:spcAft>
-              <a:buClrTx/>
-              <a:buSzTx/>
-              <a:buFontTx/>
-              <a:buNone/>
-              <a:tabLst/>
-              <a:defRPr/>
-            </a:pPr>
-            <a:r>
-              <a:rPr lang="en-GB" b="0" dirty="0"/>
-              <a:t>  - `classifier__</a:t>
-            </a:r>
-            <a:r>
-              <a:rPr lang="en-GB" b="0" dirty="0" err="1"/>
-              <a:t>max_features</a:t>
-            </a:r>
-            <a:r>
-              <a:rPr lang="en-GB" b="0" dirty="0"/>
-              <a:t>`: `log2`</a:t>
-            </a:r>
-          </a:p>
-          <a:p>
-            <a:pPr marL="0" marR="0" lvl="0" indent="0" algn="l" defTabSz="914400" rtl="0" eaLnBrk="1" fontAlgn="auto" latinLnBrk="0" hangingPunct="1">
-              <a:lnSpc>
-                <a:spcPct val="100000"/>
-              </a:lnSpc>
-              <a:spcBef>
-                <a:spcPts val="0"/>
-              </a:spcBef>
-              <a:spcAft>
-                <a:spcPts val="0"/>
-              </a:spcAft>
-              <a:buClrTx/>
-              <a:buSzTx/>
-              <a:buFontTx/>
-              <a:buNone/>
-              <a:tabLst/>
-              <a:defRPr/>
-            </a:pPr>
-            <a:r>
-              <a:rPr lang="en-GB" b="1" dirty="0"/>
-              <a:t>SVM</a:t>
-            </a:r>
-            <a:r>
-              <a:rPr lang="en-GB" dirty="0"/>
-              <a:t>: </a:t>
-            </a:r>
-          </a:p>
-          <a:p>
-            <a:pPr marL="0" marR="0" lvl="0" indent="0" algn="l" defTabSz="914400" rtl="0" eaLnBrk="1" fontAlgn="auto" latinLnBrk="0" hangingPunct="1">
-              <a:lnSpc>
-                <a:spcPct val="100000"/>
-              </a:lnSpc>
-              <a:spcBef>
-                <a:spcPts val="0"/>
-              </a:spcBef>
-              <a:spcAft>
-                <a:spcPts val="0"/>
-              </a:spcAft>
-              <a:buClrTx/>
-              <a:buSzTx/>
-              <a:buFontTx/>
-              <a:buNone/>
-              <a:tabLst/>
-              <a:defRPr/>
-            </a:pPr>
-            <a:r>
-              <a:rPr lang="de-DE" dirty="0"/>
-              <a:t>- `</a:t>
-            </a:r>
-            <a:r>
-              <a:rPr lang="de-DE" dirty="0" err="1"/>
-              <a:t>sampling</a:t>
-            </a:r>
-            <a:r>
-              <a:rPr lang="de-DE" dirty="0"/>
-              <a:t>__</a:t>
-            </a:r>
-            <a:r>
-              <a:rPr lang="de-DE" dirty="0" err="1"/>
-              <a:t>k_neighbors</a:t>
-            </a:r>
-            <a:r>
-              <a:rPr lang="de-DE" dirty="0"/>
-              <a:t>`: `8`</a:t>
-            </a:r>
-          </a:p>
-          <a:p>
-            <a:pPr marL="0" marR="0" lvl="0" indent="0" algn="l" defTabSz="914400" rtl="0" eaLnBrk="1" fontAlgn="auto" latinLnBrk="0" hangingPunct="1">
-              <a:lnSpc>
-                <a:spcPct val="100000"/>
-              </a:lnSpc>
-              <a:spcBef>
-                <a:spcPts val="0"/>
-              </a:spcBef>
-              <a:spcAft>
-                <a:spcPts val="0"/>
-              </a:spcAft>
-              <a:buClrTx/>
-              <a:buSzTx/>
-              <a:buFontTx/>
-              <a:buNone/>
-              <a:tabLst/>
-              <a:defRPr/>
-            </a:pPr>
-            <a:r>
-              <a:rPr lang="de-DE" dirty="0"/>
-              <a:t>  - `</a:t>
-            </a:r>
-            <a:r>
-              <a:rPr lang="de-DE" dirty="0" err="1"/>
-              <a:t>imputer</a:t>
-            </a:r>
-            <a:r>
-              <a:rPr lang="de-DE" dirty="0"/>
-              <a:t>__</a:t>
-            </a:r>
-            <a:r>
-              <a:rPr lang="de-DE" dirty="0" err="1"/>
-              <a:t>weights</a:t>
-            </a:r>
-            <a:r>
-              <a:rPr lang="de-DE" dirty="0"/>
-              <a:t>`: `uniform`</a:t>
-            </a:r>
-          </a:p>
-          <a:p>
-            <a:pPr marL="0" marR="0" lvl="0" indent="0" algn="l" defTabSz="914400" rtl="0" eaLnBrk="1" fontAlgn="auto" latinLnBrk="0" hangingPunct="1">
-              <a:lnSpc>
-                <a:spcPct val="100000"/>
-              </a:lnSpc>
-              <a:spcBef>
-                <a:spcPts val="0"/>
-              </a:spcBef>
-              <a:spcAft>
-                <a:spcPts val="0"/>
-              </a:spcAft>
-              <a:buClrTx/>
-              <a:buSzTx/>
-              <a:buFontTx/>
-              <a:buNone/>
-              <a:tabLst/>
-              <a:defRPr/>
-            </a:pPr>
-            <a:r>
-              <a:rPr lang="de-DE" dirty="0"/>
-              <a:t>  - `</a:t>
-            </a:r>
-            <a:r>
-              <a:rPr lang="de-DE" dirty="0" err="1"/>
-              <a:t>imputer</a:t>
-            </a:r>
-            <a:r>
-              <a:rPr lang="de-DE" dirty="0"/>
-              <a:t>__</a:t>
-            </a:r>
-            <a:r>
-              <a:rPr lang="de-DE" dirty="0" err="1"/>
-              <a:t>n_neighbors</a:t>
-            </a:r>
-            <a:r>
-              <a:rPr lang="de-DE" dirty="0"/>
-              <a:t>`: `7`</a:t>
-            </a:r>
-          </a:p>
-          <a:p>
-            <a:pPr marL="0" marR="0" lvl="0" indent="0" algn="l" defTabSz="914400" rtl="0" eaLnBrk="1" fontAlgn="auto" latinLnBrk="0" hangingPunct="1">
-              <a:lnSpc>
-                <a:spcPct val="100000"/>
-              </a:lnSpc>
-              <a:spcBef>
-                <a:spcPts val="0"/>
-              </a:spcBef>
-              <a:spcAft>
-                <a:spcPts val="0"/>
-              </a:spcAft>
-              <a:buClrTx/>
-              <a:buSzTx/>
-              <a:buFontTx/>
-              <a:buNone/>
-              <a:tabLst/>
-              <a:defRPr/>
-            </a:pPr>
-            <a:r>
-              <a:rPr lang="de-DE" dirty="0"/>
-              <a:t>  - `</a:t>
-            </a:r>
-            <a:r>
-              <a:rPr lang="de-DE" dirty="0" err="1"/>
-              <a:t>classifier</a:t>
-            </a:r>
-            <a:r>
-              <a:rPr lang="de-DE" dirty="0"/>
-              <a:t>__</a:t>
-            </a:r>
-            <a:r>
-              <a:rPr lang="de-DE" dirty="0" err="1"/>
-              <a:t>kernel</a:t>
-            </a:r>
-            <a:r>
-              <a:rPr lang="de-DE" dirty="0"/>
-              <a:t>`: `</a:t>
-            </a:r>
-            <a:r>
-              <a:rPr lang="de-DE" dirty="0" err="1"/>
-              <a:t>sigmoid</a:t>
-            </a:r>
-            <a:r>
-              <a:rPr lang="de-DE" dirty="0"/>
-              <a:t>`</a:t>
-            </a:r>
-          </a:p>
-          <a:p>
-            <a:pPr marL="0" marR="0" lvl="0" indent="0" algn="l" defTabSz="914400" rtl="0" eaLnBrk="1" fontAlgn="auto" latinLnBrk="0" hangingPunct="1">
-              <a:lnSpc>
-                <a:spcPct val="100000"/>
-              </a:lnSpc>
-              <a:spcBef>
-                <a:spcPts val="0"/>
-              </a:spcBef>
-              <a:spcAft>
-                <a:spcPts val="0"/>
-              </a:spcAft>
-              <a:buClrTx/>
-              <a:buSzTx/>
-              <a:buFontTx/>
-              <a:buNone/>
-              <a:tabLst/>
-              <a:defRPr/>
-            </a:pPr>
-            <a:r>
-              <a:rPr lang="de-DE" dirty="0"/>
-              <a:t>  - `</a:t>
-            </a:r>
-            <a:r>
-              <a:rPr lang="de-DE" dirty="0" err="1"/>
-              <a:t>classifier</a:t>
-            </a:r>
-            <a:r>
-              <a:rPr lang="de-DE" dirty="0"/>
-              <a:t>__</a:t>
-            </a:r>
-            <a:r>
-              <a:rPr lang="de-DE" dirty="0" err="1"/>
-              <a:t>gamma</a:t>
-            </a:r>
-            <a:r>
-              <a:rPr lang="de-DE" dirty="0"/>
-              <a:t>`: `1`</a:t>
-            </a:r>
-          </a:p>
-          <a:p>
-            <a:pPr marL="0" marR="0" lvl="0" indent="0" algn="l" defTabSz="914400" rtl="0" eaLnBrk="1" fontAlgn="auto" latinLnBrk="0" hangingPunct="1">
-              <a:lnSpc>
-                <a:spcPct val="100000"/>
-              </a:lnSpc>
-              <a:spcBef>
-                <a:spcPts val="0"/>
-              </a:spcBef>
-              <a:spcAft>
-                <a:spcPts val="0"/>
-              </a:spcAft>
-              <a:buClrTx/>
-              <a:buSzTx/>
-              <a:buFontTx/>
-              <a:buNone/>
-              <a:tabLst/>
-              <a:defRPr/>
-            </a:pPr>
-            <a:r>
-              <a:rPr lang="de-DE" dirty="0"/>
-              <a:t>  - `</a:t>
-            </a:r>
-            <a:r>
-              <a:rPr lang="de-DE" dirty="0" err="1"/>
-              <a:t>classifier</a:t>
-            </a:r>
-            <a:r>
-              <a:rPr lang="de-DE" dirty="0"/>
-              <a:t>__C`: `1`</a:t>
-            </a:r>
-          </a:p>
-          <a:p>
-            <a:pPr marL="0" marR="0" lvl="0" indent="0" algn="l" defTabSz="914400" rtl="0" eaLnBrk="1" fontAlgn="auto" latinLnBrk="0" hangingPunct="1">
-              <a:lnSpc>
-                <a:spcPct val="100000"/>
-              </a:lnSpc>
-              <a:spcBef>
-                <a:spcPts val="0"/>
-              </a:spcBef>
-              <a:spcAft>
-                <a:spcPts val="0"/>
-              </a:spcAft>
-              <a:buClrTx/>
-              <a:buSzTx/>
-              <a:buFontTx/>
-              <a:buNone/>
-              <a:tabLst/>
-              <a:defRPr/>
-            </a:pPr>
-            <a:r>
-              <a:rPr lang="de-DE" b="1" dirty="0"/>
-              <a:t>GP (</a:t>
-            </a:r>
-            <a:r>
-              <a:rPr lang="de-DE" b="1" dirty="0" err="1"/>
-              <a:t>Gaussian</a:t>
-            </a:r>
-            <a:r>
-              <a:rPr lang="de-DE" b="1" dirty="0"/>
-              <a:t> </a:t>
-            </a:r>
-            <a:r>
-              <a:rPr lang="de-DE" b="1" dirty="0" err="1"/>
-              <a:t>Processes</a:t>
-            </a:r>
-            <a:r>
-              <a:rPr lang="de-DE" b="1" dirty="0"/>
-              <a:t>):</a:t>
-            </a:r>
-          </a:p>
-          <a:p>
-            <a:pPr marL="0" marR="0" lvl="0" indent="0" algn="l" defTabSz="914400" rtl="0" eaLnBrk="1" fontAlgn="auto" latinLnBrk="0" hangingPunct="1">
-              <a:lnSpc>
-                <a:spcPct val="100000"/>
-              </a:lnSpc>
-              <a:spcBef>
-                <a:spcPts val="0"/>
-              </a:spcBef>
-              <a:spcAft>
-                <a:spcPts val="0"/>
-              </a:spcAft>
-              <a:buClrTx/>
-              <a:buSzTx/>
-              <a:buFontTx/>
-              <a:buNone/>
-              <a:tabLst/>
-              <a:defRPr/>
-            </a:pPr>
-            <a:r>
-              <a:rPr lang="en-GB" b="0" dirty="0"/>
-              <a:t>- `sampling__</a:t>
-            </a:r>
-            <a:r>
-              <a:rPr lang="en-GB" b="0" dirty="0" err="1"/>
-              <a:t>k_neighbors</a:t>
-            </a:r>
-            <a:r>
-              <a:rPr lang="en-GB" b="0" dirty="0"/>
-              <a:t>`: `1`</a:t>
-            </a:r>
-          </a:p>
-          <a:p>
-            <a:pPr marL="0" marR="0" lvl="0" indent="0" algn="l" defTabSz="914400" rtl="0" eaLnBrk="1" fontAlgn="auto" latinLnBrk="0" hangingPunct="1">
-              <a:lnSpc>
-                <a:spcPct val="100000"/>
-              </a:lnSpc>
-              <a:spcBef>
-                <a:spcPts val="0"/>
-              </a:spcBef>
-              <a:spcAft>
-                <a:spcPts val="0"/>
-              </a:spcAft>
-              <a:buClrTx/>
-              <a:buSzTx/>
-              <a:buFontTx/>
-              <a:buNone/>
-              <a:tabLst/>
-              <a:defRPr/>
-            </a:pPr>
-            <a:r>
-              <a:rPr lang="en-GB" b="0" dirty="0"/>
-              <a:t>  - `</a:t>
-            </a:r>
-            <a:r>
-              <a:rPr lang="en-GB" b="0" dirty="0" err="1"/>
-              <a:t>imputer__weights</a:t>
-            </a:r>
-            <a:r>
-              <a:rPr lang="en-GB" b="0" dirty="0"/>
-              <a:t>`: `uniform`</a:t>
-            </a:r>
-          </a:p>
-          <a:p>
-            <a:pPr marL="0" marR="0" lvl="0" indent="0" algn="l" defTabSz="914400" rtl="0" eaLnBrk="1" fontAlgn="auto" latinLnBrk="0" hangingPunct="1">
-              <a:lnSpc>
-                <a:spcPct val="100000"/>
-              </a:lnSpc>
-              <a:spcBef>
-                <a:spcPts val="0"/>
-              </a:spcBef>
-              <a:spcAft>
-                <a:spcPts val="0"/>
-              </a:spcAft>
-              <a:buClrTx/>
-              <a:buSzTx/>
-              <a:buFontTx/>
-              <a:buNone/>
-              <a:tabLst/>
-              <a:defRPr/>
-            </a:pPr>
-            <a:r>
-              <a:rPr lang="en-GB" b="0" dirty="0"/>
-              <a:t>  - `imputer__</a:t>
-            </a:r>
-            <a:r>
-              <a:rPr lang="en-GB" b="0" dirty="0" err="1"/>
-              <a:t>n_neighbors</a:t>
-            </a:r>
-            <a:r>
-              <a:rPr lang="en-GB" b="0" dirty="0"/>
-              <a:t>`: `12`</a:t>
-            </a:r>
-          </a:p>
-          <a:p>
-            <a:pPr marL="0" marR="0" lvl="0" indent="0" algn="l" defTabSz="914400" rtl="0" eaLnBrk="1" fontAlgn="auto" latinLnBrk="0" hangingPunct="1">
-              <a:lnSpc>
-                <a:spcPct val="100000"/>
-              </a:lnSpc>
-              <a:spcBef>
-                <a:spcPts val="0"/>
-              </a:spcBef>
-              <a:spcAft>
-                <a:spcPts val="0"/>
-              </a:spcAft>
-              <a:buClrTx/>
-              <a:buSzTx/>
-              <a:buFontTx/>
-              <a:buNone/>
-              <a:tabLst/>
-              <a:defRPr/>
-            </a:pPr>
-            <a:r>
-              <a:rPr lang="en-GB" b="1" dirty="0"/>
-              <a:t>GNB (Gaussian Naïve Bayes):</a:t>
-            </a:r>
-          </a:p>
-          <a:p>
-            <a:pPr marL="0" marR="0" lvl="0" indent="0" algn="l" defTabSz="914400" rtl="0" eaLnBrk="1" fontAlgn="auto" latinLnBrk="0" hangingPunct="1">
-              <a:lnSpc>
-                <a:spcPct val="100000"/>
-              </a:lnSpc>
-              <a:spcBef>
-                <a:spcPts val="0"/>
-              </a:spcBef>
-              <a:spcAft>
-                <a:spcPts val="0"/>
-              </a:spcAft>
-              <a:buClrTx/>
-              <a:buSzTx/>
-              <a:buFontTx/>
-              <a:buNone/>
-              <a:tabLst/>
-              <a:defRPr/>
-            </a:pPr>
-            <a:r>
-              <a:rPr lang="en-GB" b="0" dirty="0"/>
-              <a:t>- `sampling__</a:t>
-            </a:r>
-            <a:r>
-              <a:rPr lang="en-GB" b="0" dirty="0" err="1"/>
-              <a:t>k_neighbors</a:t>
-            </a:r>
-            <a:r>
-              <a:rPr lang="en-GB" b="0" dirty="0"/>
-              <a:t>`: `7`</a:t>
-            </a:r>
-          </a:p>
-          <a:p>
-            <a:pPr marL="0" marR="0" lvl="0" indent="0" algn="l" defTabSz="914400" rtl="0" eaLnBrk="1" fontAlgn="auto" latinLnBrk="0" hangingPunct="1">
-              <a:lnSpc>
-                <a:spcPct val="100000"/>
-              </a:lnSpc>
-              <a:spcBef>
-                <a:spcPts val="0"/>
-              </a:spcBef>
-              <a:spcAft>
-                <a:spcPts val="0"/>
-              </a:spcAft>
-              <a:buClrTx/>
-              <a:buSzTx/>
-              <a:buFontTx/>
-              <a:buNone/>
-              <a:tabLst/>
-              <a:defRPr/>
-            </a:pPr>
-            <a:r>
-              <a:rPr lang="en-GB" b="0" dirty="0"/>
-              <a:t>  - `</a:t>
-            </a:r>
-            <a:r>
-              <a:rPr lang="en-GB" b="0" dirty="0" err="1"/>
-              <a:t>imputer__weights</a:t>
-            </a:r>
-            <a:r>
-              <a:rPr lang="en-GB" b="0" dirty="0"/>
-              <a:t>`: `distance`</a:t>
-            </a:r>
-          </a:p>
-          <a:p>
-            <a:pPr marL="0" marR="0" lvl="0" indent="0" algn="l" defTabSz="914400" rtl="0" eaLnBrk="1" fontAlgn="auto" latinLnBrk="0" hangingPunct="1">
-              <a:lnSpc>
-                <a:spcPct val="100000"/>
-              </a:lnSpc>
-              <a:spcBef>
-                <a:spcPts val="0"/>
-              </a:spcBef>
-              <a:spcAft>
-                <a:spcPts val="0"/>
-              </a:spcAft>
-              <a:buClrTx/>
-              <a:buSzTx/>
-              <a:buFontTx/>
-              <a:buNone/>
-              <a:tabLst/>
-              <a:defRPr/>
-            </a:pPr>
-            <a:r>
-              <a:rPr lang="en-GB" b="0" dirty="0"/>
-              <a:t>  - `imputer__</a:t>
-            </a:r>
-            <a:r>
-              <a:rPr lang="en-GB" b="0" dirty="0" err="1"/>
-              <a:t>n_neighbors</a:t>
-            </a:r>
-            <a:r>
-              <a:rPr lang="en-GB" b="0" dirty="0"/>
-              <a:t>`: `3`</a:t>
-            </a:r>
-          </a:p>
-          <a:p>
-            <a:pPr marL="0" marR="0" lvl="0" indent="0" algn="l" defTabSz="914400" rtl="0" eaLnBrk="1" fontAlgn="auto" latinLnBrk="0" hangingPunct="1">
-              <a:lnSpc>
-                <a:spcPct val="100000"/>
-              </a:lnSpc>
-              <a:spcBef>
-                <a:spcPts val="0"/>
-              </a:spcBef>
-              <a:spcAft>
-                <a:spcPts val="0"/>
-              </a:spcAft>
-              <a:buClrTx/>
-              <a:buSzTx/>
-              <a:buFontTx/>
-              <a:buNone/>
-              <a:tabLst/>
-              <a:defRPr/>
-            </a:pPr>
-            <a:r>
-              <a:rPr lang="en-GB" b="0" dirty="0"/>
-              <a:t>  - `</a:t>
-            </a:r>
-            <a:r>
-              <a:rPr lang="en-GB" b="0" dirty="0" err="1"/>
-              <a:t>feature_selector__whiten</a:t>
-            </a:r>
-            <a:r>
-              <a:rPr lang="en-GB" b="0" dirty="0"/>
-              <a:t>`: `True`</a:t>
-            </a:r>
-          </a:p>
-          <a:p>
-            <a:pPr marL="0" marR="0" lvl="0" indent="0" algn="l" defTabSz="914400" rtl="0" eaLnBrk="1" fontAlgn="auto" latinLnBrk="0" hangingPunct="1">
-              <a:lnSpc>
-                <a:spcPct val="100000"/>
-              </a:lnSpc>
-              <a:spcBef>
-                <a:spcPts val="0"/>
-              </a:spcBef>
-              <a:spcAft>
-                <a:spcPts val="0"/>
-              </a:spcAft>
-              <a:buClrTx/>
-              <a:buSzTx/>
-              <a:buFontTx/>
-              <a:buNone/>
-              <a:tabLst/>
-              <a:defRPr/>
-            </a:pPr>
-            <a:r>
-              <a:rPr lang="en-GB" b="1" dirty="0"/>
-              <a:t>GBM (Gradient Boosting):</a:t>
-            </a:r>
-          </a:p>
-          <a:p>
-            <a:pPr marL="0" marR="0" lvl="0" indent="0" algn="l" defTabSz="914400" rtl="0" eaLnBrk="1" fontAlgn="auto" latinLnBrk="0" hangingPunct="1">
-              <a:lnSpc>
-                <a:spcPct val="100000"/>
-              </a:lnSpc>
-              <a:spcBef>
-                <a:spcPts val="0"/>
-              </a:spcBef>
-              <a:spcAft>
-                <a:spcPts val="0"/>
-              </a:spcAft>
-              <a:buClrTx/>
-              <a:buSzTx/>
-              <a:buFontTx/>
-              <a:buNone/>
-              <a:tabLst/>
-              <a:defRPr/>
-            </a:pPr>
-            <a:endParaRPr lang="de-DE" b="1" dirty="0"/>
+            <a:endParaRPr lang="en-GB" dirty="0">
+              <a:sym typeface="Wingdings" panose="05000000000000000000" pitchFamily="2" charset="2"/>
+            </a:endParaRPr>
           </a:p>
         </p:txBody>
       </p:sp>
@@ -6909,7 +6542,7 @@
     </p:spTree>
     <p:extLst>
       <p:ext uri="{BB962C8B-B14F-4D97-AF65-F5344CB8AC3E}">
-        <p14:creationId xmlns:p14="http://schemas.microsoft.com/office/powerpoint/2010/main" val="218385511"/>
+        <p14:creationId xmlns:p14="http://schemas.microsoft.com/office/powerpoint/2010/main" val="2136036373"/>
       </p:ext>
     </p:extLst>
   </p:cSld>
@@ -6964,171 +6597,7 @@
           <a:lstStyle/>
           <a:p>
             <a:r>
-              <a:rPr lang="de-DE" dirty="0"/>
-              <a:t>Short </a:t>
-            </a:r>
-            <a:r>
-              <a:rPr lang="de-DE" dirty="0" err="1"/>
-              <a:t>example</a:t>
-            </a:r>
-            <a:r>
-              <a:rPr lang="de-DE" dirty="0"/>
-              <a:t> </a:t>
-            </a:r>
-            <a:r>
-              <a:rPr lang="de-DE" dirty="0" err="1"/>
-              <a:t>how</a:t>
-            </a:r>
-            <a:r>
-              <a:rPr lang="de-DE" dirty="0"/>
-              <a:t> </a:t>
-            </a:r>
-            <a:r>
-              <a:rPr lang="de-DE" dirty="0" err="1"/>
-              <a:t>evaluation</a:t>
-            </a:r>
-            <a:r>
-              <a:rPr lang="de-DE" dirty="0"/>
-              <a:t> of final </a:t>
-            </a:r>
-            <a:r>
-              <a:rPr lang="de-DE" dirty="0" err="1"/>
-              <a:t>chosen</a:t>
-            </a:r>
-            <a:r>
-              <a:rPr lang="de-DE" dirty="0"/>
-              <a:t> </a:t>
-            </a:r>
-            <a:r>
-              <a:rPr lang="de-DE" dirty="0" err="1"/>
-              <a:t>pipelines</a:t>
-            </a:r>
-            <a:r>
-              <a:rPr lang="de-DE" dirty="0"/>
-              <a:t> will </a:t>
-            </a:r>
-            <a:r>
-              <a:rPr lang="de-DE" dirty="0" err="1"/>
-              <a:t>look</a:t>
-            </a:r>
-            <a:r>
-              <a:rPr lang="de-DE" dirty="0"/>
-              <a:t> like. </a:t>
-            </a:r>
-            <a:r>
-              <a:rPr lang="de-DE" dirty="0" err="1"/>
-              <a:t>We</a:t>
-            </a:r>
-            <a:r>
-              <a:rPr lang="de-DE" dirty="0"/>
-              <a:t> </a:t>
-            </a:r>
-            <a:r>
-              <a:rPr lang="de-DE" dirty="0" err="1"/>
-              <a:t>see</a:t>
-            </a:r>
-            <a:r>
-              <a:rPr lang="de-DE" dirty="0"/>
-              <a:t> – </a:t>
-            </a:r>
-            <a:r>
-              <a:rPr lang="de-DE" dirty="0" err="1"/>
-              <a:t>expected</a:t>
-            </a:r>
-            <a:r>
-              <a:rPr lang="de-DE" dirty="0"/>
-              <a:t> from </a:t>
-            </a:r>
-            <a:r>
-              <a:rPr lang="de-DE" dirty="0" err="1"/>
-              <a:t>the</a:t>
-            </a:r>
-            <a:r>
-              <a:rPr lang="de-DE" dirty="0"/>
-              <a:t> </a:t>
-            </a:r>
-            <a:r>
-              <a:rPr lang="de-DE" dirty="0" err="1"/>
-              <a:t>low</a:t>
-            </a:r>
-            <a:r>
-              <a:rPr lang="de-DE" dirty="0"/>
-              <a:t> </a:t>
-            </a:r>
-            <a:r>
-              <a:rPr lang="de-DE" dirty="0" err="1"/>
-              <a:t>scores</a:t>
-            </a:r>
-            <a:r>
-              <a:rPr lang="de-DE" dirty="0"/>
-              <a:t> – ROC </a:t>
-            </a:r>
-            <a:r>
-              <a:rPr lang="de-DE" dirty="0" err="1"/>
-              <a:t>curve</a:t>
-            </a:r>
-            <a:r>
-              <a:rPr lang="de-DE" dirty="0"/>
-              <a:t> </a:t>
-            </a:r>
-            <a:r>
-              <a:rPr lang="de-DE" dirty="0" err="1"/>
-              <a:t>near</a:t>
-            </a:r>
-            <a:r>
-              <a:rPr lang="de-DE" dirty="0"/>
-              <a:t> </a:t>
-            </a:r>
-            <a:r>
-              <a:rPr lang="de-DE" dirty="0" err="1"/>
-              <a:t>the</a:t>
-            </a:r>
-            <a:r>
-              <a:rPr lang="de-DE" dirty="0"/>
-              <a:t> </a:t>
-            </a:r>
-            <a:r>
-              <a:rPr lang="de-DE" dirty="0" err="1"/>
-              <a:t>random</a:t>
-            </a:r>
-            <a:r>
-              <a:rPr lang="de-DE" dirty="0"/>
-              <a:t> </a:t>
-            </a:r>
-            <a:r>
-              <a:rPr lang="de-DE" dirty="0" err="1"/>
-              <a:t>line</a:t>
-            </a:r>
-            <a:r>
-              <a:rPr lang="de-DE" dirty="0"/>
-              <a:t> and </a:t>
-            </a:r>
-            <a:r>
-              <a:rPr lang="de-DE" dirty="0" err="1"/>
-              <a:t>prec</a:t>
-            </a:r>
-            <a:r>
-              <a:rPr lang="de-DE" dirty="0"/>
-              <a:t>/</a:t>
-            </a:r>
-            <a:r>
-              <a:rPr lang="de-DE" dirty="0" err="1"/>
-              <a:t>rec</a:t>
-            </a:r>
-            <a:r>
-              <a:rPr lang="de-DE" dirty="0"/>
-              <a:t> </a:t>
-            </a:r>
-            <a:r>
-              <a:rPr lang="de-DE" dirty="0" err="1"/>
-              <a:t>curve</a:t>
-            </a:r>
-            <a:r>
-              <a:rPr lang="de-DE" dirty="0"/>
-              <a:t> </a:t>
-            </a:r>
-            <a:r>
-              <a:rPr lang="en-GB" sz="1200" b="0" i="0" kern="1200" dirty="0">
+              <a:rPr lang="en-GB" sz="1200" kern="1200" dirty="0">
                 <a:solidFill>
                   <a:schemeClr val="tx1"/>
                 </a:solidFill>
@@ -7137,9 +6606,1385 @@
                 <a:ea typeface="+mn-ea"/>
                 <a:cs typeface="+mn-cs"/>
               </a:rPr>
-              <a:t>just a little better than no skill (= prevalence of disease, in my case TLF = 5%)</a:t>
-            </a:r>
-            <a:endParaRPr lang="en-GB" dirty="0"/>
+              <a:t>These are the results from the latest run of the pipeline. We double checked the correctness of code and the order of processing steps to rule out a bug in the code. The used hyperparameter grid is quite big. The idea behind it was to narrow down the search space by multiple runs with </a:t>
+            </a:r>
+            <a:r>
+              <a:rPr lang="en-GB" sz="1200" kern="1200" dirty="0" err="1">
+                <a:solidFill>
+                  <a:schemeClr val="tx1"/>
+                </a:solidFill>
+                <a:effectLst/>
+                <a:latin typeface="+mn-lt"/>
+                <a:ea typeface="+mn-ea"/>
+                <a:cs typeface="+mn-cs"/>
+              </a:rPr>
+              <a:t>RandomSearch</a:t>
+            </a:r>
+            <a:r>
+              <a:rPr lang="en-GB" sz="1200" kern="1200" dirty="0">
+                <a:solidFill>
+                  <a:schemeClr val="tx1"/>
+                </a:solidFill>
+                <a:effectLst/>
+                <a:latin typeface="+mn-lt"/>
+                <a:ea typeface="+mn-ea"/>
+                <a:cs typeface="+mn-cs"/>
+              </a:rPr>
+              <a:t> and take the best parameters settings for an exhaustive </a:t>
+            </a:r>
+            <a:r>
+              <a:rPr lang="en-GB" sz="1200" kern="1200" dirty="0" err="1">
+                <a:solidFill>
+                  <a:schemeClr val="tx1"/>
+                </a:solidFill>
+                <a:effectLst/>
+                <a:latin typeface="+mn-lt"/>
+                <a:ea typeface="+mn-ea"/>
+                <a:cs typeface="+mn-cs"/>
+              </a:rPr>
+              <a:t>GridSearch</a:t>
+            </a:r>
+            <a:r>
+              <a:rPr lang="en-GB" sz="1200" kern="1200" dirty="0">
+                <a:solidFill>
+                  <a:schemeClr val="tx1"/>
+                </a:solidFill>
+                <a:effectLst/>
+                <a:latin typeface="+mn-lt"/>
+                <a:ea typeface="+mn-ea"/>
+                <a:cs typeface="+mn-cs"/>
+              </a:rPr>
+              <a:t>. But this is not possible, since the models seems to overfit/underfit and therefore further analysis regarding hyperparameter tuning and setting is necessary (started with that yesterday). Best pipeline per classifier is not chosen automatically. I chose the one with the smallest ration of train/validation score, because difference between train/test is what gives you a clue regarding overfitting/underfitting phenomena.</a:t>
+            </a:r>
+          </a:p>
+          <a:p>
+            <a:endParaRPr lang="en-GB" sz="1200" kern="1200" dirty="0">
+              <a:solidFill>
+                <a:schemeClr val="tx1"/>
+              </a:solidFill>
+              <a:effectLst/>
+              <a:latin typeface="+mn-lt"/>
+              <a:ea typeface="+mn-ea"/>
+              <a:cs typeface="+mn-cs"/>
+            </a:endParaRPr>
+          </a:p>
+          <a:p>
+            <a:r>
+              <a:rPr lang="en-GB" sz="1200" kern="1200" dirty="0">
+                <a:solidFill>
+                  <a:schemeClr val="tx1"/>
+                </a:solidFill>
+                <a:effectLst/>
+                <a:latin typeface="+mn-lt"/>
+                <a:ea typeface="+mn-ea"/>
+                <a:cs typeface="+mn-cs"/>
+              </a:rPr>
+              <a:t>Generally speaking, all possible classifiers have very low validation and test scores. It ranges between 13 and 17%, which is almost the worst possible outcome. I tried different amount of input features, for example using just medical history of the patient or baseline + lesion characteristics, but the scores never changed significantly. Another strange behaviour I could observe in my tests in nearly all classifiers was a strange behaviour regarding the influence of an increasing training score on the evaluation score. The trainings score increased, but the validation score stayed the same all the time. With these first results the impression solidifies that data includes randomness at least there is no signal to grasp.</a:t>
+            </a:r>
+          </a:p>
+          <a:p>
+            <a:endParaRPr lang="de-DE" dirty="0"/>
+          </a:p>
+          <a:p>
+            <a:pPr marL="0" marR="0" lvl="0" indent="0" algn="l" defTabSz="914400" rtl="0" eaLnBrk="1" fontAlgn="auto" latinLnBrk="0" hangingPunct="1">
+              <a:lnSpc>
+                <a:spcPct val="100000"/>
+              </a:lnSpc>
+              <a:spcBef>
+                <a:spcPts val="0"/>
+              </a:spcBef>
+              <a:spcAft>
+                <a:spcPts val="0"/>
+              </a:spcAft>
+              <a:buClrTx/>
+              <a:buSzTx/>
+              <a:buFontTx/>
+              <a:buNone/>
+              <a:tabLst/>
+              <a:defRPr/>
+            </a:pPr>
+            <a:r>
+              <a:rPr lang="de-DE" dirty="0"/>
+              <a:t>Hyperparameters per </a:t>
+            </a:r>
+            <a:r>
+              <a:rPr lang="de-DE" dirty="0" err="1"/>
+              <a:t>pipeline</a:t>
+            </a:r>
+            <a:r>
+              <a:rPr lang="de-DE" dirty="0"/>
+              <a:t> (from </a:t>
+            </a:r>
+            <a:r>
+              <a:rPr lang="de-DE" dirty="0" err="1"/>
+              <a:t>latest</a:t>
+            </a:r>
+            <a:r>
+              <a:rPr lang="de-DE" dirty="0"/>
+              <a:t> </a:t>
+            </a:r>
+            <a:r>
+              <a:rPr lang="de-DE" dirty="0" err="1"/>
+              <a:t>pipeline</a:t>
+            </a:r>
+            <a:r>
+              <a:rPr lang="de-DE" dirty="0"/>
+              <a:t> </a:t>
+            </a:r>
+            <a:r>
+              <a:rPr lang="de-DE" dirty="0" err="1"/>
+              <a:t>run</a:t>
+            </a:r>
+            <a:r>
+              <a:rPr lang="de-DE" dirty="0"/>
+              <a:t>:)</a:t>
+            </a:r>
+          </a:p>
+          <a:p>
+            <a:pPr marL="0" marR="0" lvl="0" indent="0" algn="l" defTabSz="914400" rtl="0" eaLnBrk="1" fontAlgn="auto" latinLnBrk="0" hangingPunct="1">
+              <a:lnSpc>
+                <a:spcPct val="100000"/>
+              </a:lnSpc>
+              <a:spcBef>
+                <a:spcPts val="0"/>
+              </a:spcBef>
+              <a:spcAft>
+                <a:spcPts val="0"/>
+              </a:spcAft>
+              <a:buClrTx/>
+              <a:buSzTx/>
+              <a:buFontTx/>
+              <a:buNone/>
+              <a:tabLst/>
+              <a:defRPr/>
+            </a:pPr>
+            <a:r>
+              <a:rPr lang="de-DE" b="1" dirty="0"/>
+              <a:t>KNN</a:t>
+            </a:r>
+            <a:r>
+              <a:rPr lang="de-DE" dirty="0"/>
+              <a:t>: </a:t>
+            </a:r>
+            <a:r>
+              <a:rPr lang="en-GB" dirty="0"/>
+              <a:t> - `sampling__</a:t>
+            </a:r>
+            <a:r>
+              <a:rPr lang="en-GB" dirty="0" err="1"/>
+              <a:t>k_neighbors</a:t>
+            </a:r>
+            <a:r>
+              <a:rPr lang="en-GB" dirty="0"/>
+              <a:t>`: `1`</a:t>
+            </a:r>
+          </a:p>
+          <a:p>
+            <a:pPr marL="0" marR="0" lvl="0" indent="0" algn="l" defTabSz="914400" rtl="0" eaLnBrk="1" fontAlgn="auto" latinLnBrk="0" hangingPunct="1">
+              <a:lnSpc>
+                <a:spcPct val="100000"/>
+              </a:lnSpc>
+              <a:spcBef>
+                <a:spcPts val="0"/>
+              </a:spcBef>
+              <a:spcAft>
+                <a:spcPts val="0"/>
+              </a:spcAft>
+              <a:buClrTx/>
+              <a:buSzTx/>
+              <a:buFontTx/>
+              <a:buNone/>
+              <a:tabLst/>
+              <a:defRPr/>
+            </a:pPr>
+            <a:r>
+              <a:rPr lang="en-GB" dirty="0"/>
+              <a:t>  - `</a:t>
+            </a:r>
+            <a:r>
+              <a:rPr lang="en-GB" dirty="0" err="1"/>
+              <a:t>imputer__weights</a:t>
+            </a:r>
+            <a:r>
+              <a:rPr lang="en-GB" dirty="0"/>
+              <a:t>`: `distance`</a:t>
+            </a:r>
+          </a:p>
+          <a:p>
+            <a:pPr marL="0" marR="0" lvl="0" indent="0" algn="l" defTabSz="914400" rtl="0" eaLnBrk="1" fontAlgn="auto" latinLnBrk="0" hangingPunct="1">
+              <a:lnSpc>
+                <a:spcPct val="100000"/>
+              </a:lnSpc>
+              <a:spcBef>
+                <a:spcPts val="0"/>
+              </a:spcBef>
+              <a:spcAft>
+                <a:spcPts val="0"/>
+              </a:spcAft>
+              <a:buClrTx/>
+              <a:buSzTx/>
+              <a:buFontTx/>
+              <a:buNone/>
+              <a:tabLst/>
+              <a:defRPr/>
+            </a:pPr>
+            <a:r>
+              <a:rPr lang="en-GB" dirty="0"/>
+              <a:t>  - `imputer__</a:t>
+            </a:r>
+            <a:r>
+              <a:rPr lang="en-GB" dirty="0" err="1"/>
+              <a:t>n_neighbors</a:t>
+            </a:r>
+            <a:r>
+              <a:rPr lang="en-GB" dirty="0"/>
+              <a:t>`: `24`</a:t>
+            </a:r>
+          </a:p>
+          <a:p>
+            <a:pPr marL="0" marR="0" lvl="0" indent="0" algn="l" defTabSz="914400" rtl="0" eaLnBrk="1" fontAlgn="auto" latinLnBrk="0" hangingPunct="1">
+              <a:lnSpc>
+                <a:spcPct val="100000"/>
+              </a:lnSpc>
+              <a:spcBef>
+                <a:spcPts val="0"/>
+              </a:spcBef>
+              <a:spcAft>
+                <a:spcPts val="0"/>
+              </a:spcAft>
+              <a:buClrTx/>
+              <a:buSzTx/>
+              <a:buFontTx/>
+              <a:buNone/>
+              <a:tabLst/>
+              <a:defRPr/>
+            </a:pPr>
+            <a:r>
+              <a:rPr lang="en-GB" dirty="0"/>
+              <a:t>  - `</a:t>
+            </a:r>
+            <a:r>
+              <a:rPr lang="en-GB" dirty="0" err="1"/>
+              <a:t>feature_selector__whiten</a:t>
+            </a:r>
+            <a:r>
+              <a:rPr lang="en-GB" dirty="0"/>
+              <a:t>`: `True`</a:t>
+            </a:r>
+          </a:p>
+          <a:p>
+            <a:pPr marL="0" marR="0" lvl="0" indent="0" algn="l" defTabSz="914400" rtl="0" eaLnBrk="1" fontAlgn="auto" latinLnBrk="0" hangingPunct="1">
+              <a:lnSpc>
+                <a:spcPct val="100000"/>
+              </a:lnSpc>
+              <a:spcBef>
+                <a:spcPts val="0"/>
+              </a:spcBef>
+              <a:spcAft>
+                <a:spcPts val="0"/>
+              </a:spcAft>
+              <a:buClrTx/>
+              <a:buSzTx/>
+              <a:buFontTx/>
+              <a:buNone/>
+              <a:tabLst/>
+              <a:defRPr/>
+            </a:pPr>
+            <a:r>
+              <a:rPr lang="en-GB" dirty="0"/>
+              <a:t>  - `</a:t>
+            </a:r>
+            <a:r>
+              <a:rPr lang="en-GB" dirty="0" err="1"/>
+              <a:t>classifier__weights</a:t>
+            </a:r>
+            <a:r>
+              <a:rPr lang="en-GB" dirty="0"/>
+              <a:t>`: `uniform`</a:t>
+            </a:r>
+          </a:p>
+          <a:p>
+            <a:pPr marL="0" marR="0" lvl="0" indent="0" algn="l" defTabSz="914400" rtl="0" eaLnBrk="1" fontAlgn="auto" latinLnBrk="0" hangingPunct="1">
+              <a:lnSpc>
+                <a:spcPct val="100000"/>
+              </a:lnSpc>
+              <a:spcBef>
+                <a:spcPts val="0"/>
+              </a:spcBef>
+              <a:spcAft>
+                <a:spcPts val="0"/>
+              </a:spcAft>
+              <a:buClrTx/>
+              <a:buSzTx/>
+              <a:buFontTx/>
+              <a:buNone/>
+              <a:tabLst/>
+              <a:defRPr/>
+            </a:pPr>
+            <a:r>
+              <a:rPr lang="en-GB" dirty="0"/>
+              <a:t>  - `classifier__</a:t>
+            </a:r>
+            <a:r>
+              <a:rPr lang="en-GB" dirty="0" err="1"/>
+              <a:t>n_neighbors</a:t>
+            </a:r>
+            <a:r>
+              <a:rPr lang="en-GB" dirty="0"/>
+              <a:t>`: `10`</a:t>
+            </a:r>
+          </a:p>
+          <a:p>
+            <a:pPr marL="0" marR="0" lvl="0" indent="0" algn="l" defTabSz="914400" rtl="0" eaLnBrk="1" fontAlgn="auto" latinLnBrk="0" hangingPunct="1">
+              <a:lnSpc>
+                <a:spcPct val="100000"/>
+              </a:lnSpc>
+              <a:spcBef>
+                <a:spcPts val="0"/>
+              </a:spcBef>
+              <a:spcAft>
+                <a:spcPts val="0"/>
+              </a:spcAft>
+              <a:buClrTx/>
+              <a:buSzTx/>
+              <a:buFontTx/>
+              <a:buNone/>
+              <a:tabLst/>
+              <a:defRPr/>
+            </a:pPr>
+            <a:r>
+              <a:rPr lang="en-GB" b="1" dirty="0"/>
+              <a:t>MLP (</a:t>
+            </a:r>
+            <a:r>
+              <a:rPr lang="en-GB" sz="1200" b="1" i="0" kern="1200" dirty="0">
+                <a:solidFill>
+                  <a:schemeClr val="tx1"/>
+                </a:solidFill>
+                <a:effectLst/>
+                <a:latin typeface="+mn-lt"/>
+                <a:ea typeface="+mn-ea"/>
+                <a:cs typeface="+mn-cs"/>
+              </a:rPr>
+              <a:t>Multi Layer Perception</a:t>
+            </a:r>
+            <a:r>
+              <a:rPr lang="en-GB" b="1" dirty="0"/>
+              <a:t>)</a:t>
+            </a:r>
+            <a:r>
+              <a:rPr lang="en-GB" dirty="0"/>
+              <a:t>:</a:t>
+            </a:r>
+          </a:p>
+          <a:p>
+            <a:pPr marL="0" marR="0" lvl="0" indent="0" algn="l" defTabSz="914400" rtl="0" eaLnBrk="1" fontAlgn="auto" latinLnBrk="0" hangingPunct="1">
+              <a:lnSpc>
+                <a:spcPct val="100000"/>
+              </a:lnSpc>
+              <a:spcBef>
+                <a:spcPts val="0"/>
+              </a:spcBef>
+              <a:spcAft>
+                <a:spcPts val="0"/>
+              </a:spcAft>
+              <a:buClrTx/>
+              <a:buSzTx/>
+              <a:buFontTx/>
+              <a:buNone/>
+              <a:tabLst/>
+              <a:defRPr/>
+            </a:pPr>
+            <a:r>
+              <a:rPr lang="en-GB" dirty="0"/>
+              <a:t>- `sampling__</a:t>
+            </a:r>
+            <a:r>
+              <a:rPr lang="en-GB" dirty="0" err="1"/>
+              <a:t>k_neighbors</a:t>
+            </a:r>
+            <a:r>
+              <a:rPr lang="en-GB" dirty="0"/>
+              <a:t>`: `3`</a:t>
+            </a:r>
+          </a:p>
+          <a:p>
+            <a:pPr marL="0" marR="0" lvl="0" indent="0" algn="l" defTabSz="914400" rtl="0" eaLnBrk="1" fontAlgn="auto" latinLnBrk="0" hangingPunct="1">
+              <a:lnSpc>
+                <a:spcPct val="100000"/>
+              </a:lnSpc>
+              <a:spcBef>
+                <a:spcPts val="0"/>
+              </a:spcBef>
+              <a:spcAft>
+                <a:spcPts val="0"/>
+              </a:spcAft>
+              <a:buClrTx/>
+              <a:buSzTx/>
+              <a:buFontTx/>
+              <a:buNone/>
+              <a:tabLst/>
+              <a:defRPr/>
+            </a:pPr>
+            <a:r>
+              <a:rPr lang="en-GB" dirty="0"/>
+              <a:t>  - `</a:t>
+            </a:r>
+            <a:r>
+              <a:rPr lang="en-GB" dirty="0" err="1"/>
+              <a:t>imputer__weights</a:t>
+            </a:r>
+            <a:r>
+              <a:rPr lang="en-GB" dirty="0"/>
+              <a:t>`: `uniform`</a:t>
+            </a:r>
+          </a:p>
+          <a:p>
+            <a:pPr marL="0" marR="0" lvl="0" indent="0" algn="l" defTabSz="914400" rtl="0" eaLnBrk="1" fontAlgn="auto" latinLnBrk="0" hangingPunct="1">
+              <a:lnSpc>
+                <a:spcPct val="100000"/>
+              </a:lnSpc>
+              <a:spcBef>
+                <a:spcPts val="0"/>
+              </a:spcBef>
+              <a:spcAft>
+                <a:spcPts val="0"/>
+              </a:spcAft>
+              <a:buClrTx/>
+              <a:buSzTx/>
+              <a:buFontTx/>
+              <a:buNone/>
+              <a:tabLst/>
+              <a:defRPr/>
+            </a:pPr>
+            <a:r>
+              <a:rPr lang="en-GB" dirty="0"/>
+              <a:t>  - `imputer__</a:t>
+            </a:r>
+            <a:r>
+              <a:rPr lang="en-GB" dirty="0" err="1"/>
+              <a:t>n_neighbors</a:t>
+            </a:r>
+            <a:r>
+              <a:rPr lang="en-GB" dirty="0"/>
+              <a:t>`: `36`</a:t>
+            </a:r>
+          </a:p>
+          <a:p>
+            <a:pPr marL="0" marR="0" lvl="0" indent="0" algn="l" defTabSz="914400" rtl="0" eaLnBrk="1" fontAlgn="auto" latinLnBrk="0" hangingPunct="1">
+              <a:lnSpc>
+                <a:spcPct val="100000"/>
+              </a:lnSpc>
+              <a:spcBef>
+                <a:spcPts val="0"/>
+              </a:spcBef>
+              <a:spcAft>
+                <a:spcPts val="0"/>
+              </a:spcAft>
+              <a:buClrTx/>
+              <a:buSzTx/>
+              <a:buFontTx/>
+              <a:buNone/>
+              <a:tabLst/>
+              <a:defRPr/>
+            </a:pPr>
+            <a:r>
+              <a:rPr lang="en-GB" dirty="0"/>
+              <a:t>  - `classifier__</a:t>
+            </a:r>
+            <a:r>
+              <a:rPr lang="en-GB" dirty="0" err="1"/>
+              <a:t>hidden_layer_sizes</a:t>
+            </a:r>
+            <a:r>
+              <a:rPr lang="en-GB" dirty="0"/>
+              <a:t>`: `(30, 50)`</a:t>
+            </a:r>
+          </a:p>
+          <a:p>
+            <a:pPr marL="0" marR="0" lvl="0" indent="0" algn="l" defTabSz="914400" rtl="0" eaLnBrk="1" fontAlgn="auto" latinLnBrk="0" hangingPunct="1">
+              <a:lnSpc>
+                <a:spcPct val="100000"/>
+              </a:lnSpc>
+              <a:spcBef>
+                <a:spcPts val="0"/>
+              </a:spcBef>
+              <a:spcAft>
+                <a:spcPts val="0"/>
+              </a:spcAft>
+              <a:buClrTx/>
+              <a:buSzTx/>
+              <a:buFontTx/>
+              <a:buNone/>
+              <a:tabLst/>
+              <a:defRPr/>
+            </a:pPr>
+            <a:r>
+              <a:rPr lang="en-GB" dirty="0"/>
+              <a:t>  - `</a:t>
+            </a:r>
+            <a:r>
+              <a:rPr lang="en-GB" dirty="0" err="1"/>
+              <a:t>classifier__epsilon</a:t>
+            </a:r>
+            <a:r>
+              <a:rPr lang="en-GB" dirty="0"/>
+              <a:t>`: `0.01`</a:t>
+            </a:r>
+          </a:p>
+          <a:p>
+            <a:pPr marL="0" marR="0" lvl="0" indent="0" algn="l" defTabSz="914400" rtl="0" eaLnBrk="1" fontAlgn="auto" latinLnBrk="0" hangingPunct="1">
+              <a:lnSpc>
+                <a:spcPct val="100000"/>
+              </a:lnSpc>
+              <a:spcBef>
+                <a:spcPts val="0"/>
+              </a:spcBef>
+              <a:spcAft>
+                <a:spcPts val="0"/>
+              </a:spcAft>
+              <a:buClrTx/>
+              <a:buSzTx/>
+              <a:buFontTx/>
+              <a:buNone/>
+              <a:tabLst/>
+              <a:defRPr/>
+            </a:pPr>
+            <a:r>
+              <a:rPr lang="en-GB" dirty="0"/>
+              <a:t>  - `</a:t>
+            </a:r>
+            <a:r>
+              <a:rPr lang="en-GB" dirty="0" err="1"/>
+              <a:t>classifier__alpha</a:t>
+            </a:r>
+            <a:r>
+              <a:rPr lang="en-GB" dirty="0"/>
+              <a:t>`: `1e-07`</a:t>
+            </a:r>
+          </a:p>
+          <a:p>
+            <a:pPr marL="0" marR="0" lvl="0" indent="0" algn="l" defTabSz="914400" rtl="0" eaLnBrk="1" fontAlgn="auto" latinLnBrk="0" hangingPunct="1">
+              <a:lnSpc>
+                <a:spcPct val="100000"/>
+              </a:lnSpc>
+              <a:spcBef>
+                <a:spcPts val="0"/>
+              </a:spcBef>
+              <a:spcAft>
+                <a:spcPts val="0"/>
+              </a:spcAft>
+              <a:buClrTx/>
+              <a:buSzTx/>
+              <a:buFontTx/>
+              <a:buNone/>
+              <a:tabLst/>
+              <a:defRPr/>
+            </a:pPr>
+            <a:r>
+              <a:rPr lang="en-GB" dirty="0"/>
+              <a:t>  - `</a:t>
+            </a:r>
+            <a:r>
+              <a:rPr lang="en-GB" dirty="0" err="1"/>
+              <a:t>classifier__activation</a:t>
+            </a:r>
+            <a:r>
+              <a:rPr lang="en-GB" dirty="0"/>
+              <a:t>`: `tanh`</a:t>
+            </a:r>
+          </a:p>
+          <a:p>
+            <a:pPr marL="0" marR="0" lvl="0" indent="0" algn="l" defTabSz="914400" rtl="0" eaLnBrk="1" fontAlgn="auto" latinLnBrk="0" hangingPunct="1">
+              <a:lnSpc>
+                <a:spcPct val="100000"/>
+              </a:lnSpc>
+              <a:spcBef>
+                <a:spcPts val="0"/>
+              </a:spcBef>
+              <a:spcAft>
+                <a:spcPts val="0"/>
+              </a:spcAft>
+              <a:buClrTx/>
+              <a:buSzTx/>
+              <a:buFontTx/>
+              <a:buNone/>
+              <a:tabLst/>
+              <a:defRPr/>
+            </a:pPr>
+            <a:r>
+              <a:rPr lang="en-GB" b="1" dirty="0"/>
+              <a:t>RF:</a:t>
+            </a:r>
+          </a:p>
+          <a:p>
+            <a:pPr marL="0" marR="0" lvl="0" indent="0" algn="l" defTabSz="914400" rtl="0" eaLnBrk="1" fontAlgn="auto" latinLnBrk="0" hangingPunct="1">
+              <a:lnSpc>
+                <a:spcPct val="100000"/>
+              </a:lnSpc>
+              <a:spcBef>
+                <a:spcPts val="0"/>
+              </a:spcBef>
+              <a:spcAft>
+                <a:spcPts val="0"/>
+              </a:spcAft>
+              <a:buClrTx/>
+              <a:buSzTx/>
+              <a:buFontTx/>
+              <a:buNone/>
+              <a:tabLst/>
+              <a:defRPr/>
+            </a:pPr>
+            <a:r>
+              <a:rPr lang="en-GB" b="0" dirty="0"/>
+              <a:t>- `sampling__</a:t>
+            </a:r>
+            <a:r>
+              <a:rPr lang="en-GB" b="0" dirty="0" err="1"/>
+              <a:t>k_neighbors</a:t>
+            </a:r>
+            <a:r>
+              <a:rPr lang="en-GB" b="0" dirty="0"/>
+              <a:t>`: `8`</a:t>
+            </a:r>
+          </a:p>
+          <a:p>
+            <a:pPr marL="0" marR="0" lvl="0" indent="0" algn="l" defTabSz="914400" rtl="0" eaLnBrk="1" fontAlgn="auto" latinLnBrk="0" hangingPunct="1">
+              <a:lnSpc>
+                <a:spcPct val="100000"/>
+              </a:lnSpc>
+              <a:spcBef>
+                <a:spcPts val="0"/>
+              </a:spcBef>
+              <a:spcAft>
+                <a:spcPts val="0"/>
+              </a:spcAft>
+              <a:buClrTx/>
+              <a:buSzTx/>
+              <a:buFontTx/>
+              <a:buNone/>
+              <a:tabLst/>
+              <a:defRPr/>
+            </a:pPr>
+            <a:r>
+              <a:rPr lang="en-GB" b="0" dirty="0"/>
+              <a:t>  - `</a:t>
+            </a:r>
+            <a:r>
+              <a:rPr lang="en-GB" b="0" dirty="0" err="1"/>
+              <a:t>imputer__weights</a:t>
+            </a:r>
+            <a:r>
+              <a:rPr lang="en-GB" b="0" dirty="0"/>
+              <a:t>`: `distance`</a:t>
+            </a:r>
+          </a:p>
+          <a:p>
+            <a:pPr marL="0" marR="0" lvl="0" indent="0" algn="l" defTabSz="914400" rtl="0" eaLnBrk="1" fontAlgn="auto" latinLnBrk="0" hangingPunct="1">
+              <a:lnSpc>
+                <a:spcPct val="100000"/>
+              </a:lnSpc>
+              <a:spcBef>
+                <a:spcPts val="0"/>
+              </a:spcBef>
+              <a:spcAft>
+                <a:spcPts val="0"/>
+              </a:spcAft>
+              <a:buClrTx/>
+              <a:buSzTx/>
+              <a:buFontTx/>
+              <a:buNone/>
+              <a:tabLst/>
+              <a:defRPr/>
+            </a:pPr>
+            <a:r>
+              <a:rPr lang="en-GB" b="0" dirty="0"/>
+              <a:t>  - `imputer__</a:t>
+            </a:r>
+            <a:r>
+              <a:rPr lang="en-GB" b="0" dirty="0" err="1"/>
+              <a:t>n_neighbors</a:t>
+            </a:r>
+            <a:r>
+              <a:rPr lang="en-GB" b="0" dirty="0"/>
+              <a:t>`: `3`</a:t>
+            </a:r>
+          </a:p>
+          <a:p>
+            <a:pPr marL="0" marR="0" lvl="0" indent="0" algn="l" defTabSz="914400" rtl="0" eaLnBrk="1" fontAlgn="auto" latinLnBrk="0" hangingPunct="1">
+              <a:lnSpc>
+                <a:spcPct val="100000"/>
+              </a:lnSpc>
+              <a:spcBef>
+                <a:spcPts val="0"/>
+              </a:spcBef>
+              <a:spcAft>
+                <a:spcPts val="0"/>
+              </a:spcAft>
+              <a:buClrTx/>
+              <a:buSzTx/>
+              <a:buFontTx/>
+              <a:buNone/>
+              <a:tabLst/>
+              <a:defRPr/>
+            </a:pPr>
+            <a:r>
+              <a:rPr lang="en-GB" b="0" dirty="0"/>
+              <a:t>  - `classifier__</a:t>
+            </a:r>
+            <a:r>
+              <a:rPr lang="en-GB" b="0" dirty="0" err="1"/>
+              <a:t>n_estimators</a:t>
+            </a:r>
+            <a:r>
+              <a:rPr lang="en-GB" b="0" dirty="0"/>
+              <a:t>`: `161`</a:t>
+            </a:r>
+          </a:p>
+          <a:p>
+            <a:pPr marL="0" marR="0" lvl="0" indent="0" algn="l" defTabSz="914400" rtl="0" eaLnBrk="1" fontAlgn="auto" latinLnBrk="0" hangingPunct="1">
+              <a:lnSpc>
+                <a:spcPct val="100000"/>
+              </a:lnSpc>
+              <a:spcBef>
+                <a:spcPts val="0"/>
+              </a:spcBef>
+              <a:spcAft>
+                <a:spcPts val="0"/>
+              </a:spcAft>
+              <a:buClrTx/>
+              <a:buSzTx/>
+              <a:buFontTx/>
+              <a:buNone/>
+              <a:tabLst/>
+              <a:defRPr/>
+            </a:pPr>
+            <a:r>
+              <a:rPr lang="en-GB" b="0" dirty="0"/>
+              <a:t>  - `classifier__</a:t>
+            </a:r>
+            <a:r>
+              <a:rPr lang="en-GB" b="0" dirty="0" err="1"/>
+              <a:t>min_samples_leaf</a:t>
+            </a:r>
+            <a:r>
+              <a:rPr lang="en-GB" b="0" dirty="0"/>
+              <a:t>`: `91`</a:t>
+            </a:r>
+          </a:p>
+          <a:p>
+            <a:pPr marL="0" marR="0" lvl="0" indent="0" algn="l" defTabSz="914400" rtl="0" eaLnBrk="1" fontAlgn="auto" latinLnBrk="0" hangingPunct="1">
+              <a:lnSpc>
+                <a:spcPct val="100000"/>
+              </a:lnSpc>
+              <a:spcBef>
+                <a:spcPts val="0"/>
+              </a:spcBef>
+              <a:spcAft>
+                <a:spcPts val="0"/>
+              </a:spcAft>
+              <a:buClrTx/>
+              <a:buSzTx/>
+              <a:buFontTx/>
+              <a:buNone/>
+              <a:tabLst/>
+              <a:defRPr/>
+            </a:pPr>
+            <a:r>
+              <a:rPr lang="en-GB" b="0" dirty="0"/>
+              <a:t>  - `classifier__</a:t>
+            </a:r>
+            <a:r>
+              <a:rPr lang="en-GB" b="0" dirty="0" err="1"/>
+              <a:t>max_features</a:t>
+            </a:r>
+            <a:r>
+              <a:rPr lang="en-GB" b="0" dirty="0"/>
+              <a:t>`: `log2`</a:t>
+            </a:r>
+          </a:p>
+          <a:p>
+            <a:pPr marL="0" marR="0" lvl="0" indent="0" algn="l" defTabSz="914400" rtl="0" eaLnBrk="1" fontAlgn="auto" latinLnBrk="0" hangingPunct="1">
+              <a:lnSpc>
+                <a:spcPct val="100000"/>
+              </a:lnSpc>
+              <a:spcBef>
+                <a:spcPts val="0"/>
+              </a:spcBef>
+              <a:spcAft>
+                <a:spcPts val="0"/>
+              </a:spcAft>
+              <a:buClrTx/>
+              <a:buSzTx/>
+              <a:buFontTx/>
+              <a:buNone/>
+              <a:tabLst/>
+              <a:defRPr/>
+            </a:pPr>
+            <a:r>
+              <a:rPr lang="en-GB" b="1" dirty="0"/>
+              <a:t>SVM</a:t>
+            </a:r>
+            <a:r>
+              <a:rPr lang="en-GB" dirty="0"/>
+              <a:t>: </a:t>
+            </a:r>
+          </a:p>
+          <a:p>
+            <a:pPr marL="0" marR="0" lvl="0" indent="0" algn="l" defTabSz="914400" rtl="0" eaLnBrk="1" fontAlgn="auto" latinLnBrk="0" hangingPunct="1">
+              <a:lnSpc>
+                <a:spcPct val="100000"/>
+              </a:lnSpc>
+              <a:spcBef>
+                <a:spcPts val="0"/>
+              </a:spcBef>
+              <a:spcAft>
+                <a:spcPts val="0"/>
+              </a:spcAft>
+              <a:buClrTx/>
+              <a:buSzTx/>
+              <a:buFontTx/>
+              <a:buNone/>
+              <a:tabLst/>
+              <a:defRPr/>
+            </a:pPr>
+            <a:r>
+              <a:rPr lang="de-DE" dirty="0"/>
+              <a:t>- `</a:t>
+            </a:r>
+            <a:r>
+              <a:rPr lang="de-DE" dirty="0" err="1"/>
+              <a:t>sampling</a:t>
+            </a:r>
+            <a:r>
+              <a:rPr lang="de-DE" dirty="0"/>
+              <a:t>__</a:t>
+            </a:r>
+            <a:r>
+              <a:rPr lang="de-DE" dirty="0" err="1"/>
+              <a:t>k_neighbors</a:t>
+            </a:r>
+            <a:r>
+              <a:rPr lang="de-DE" dirty="0"/>
+              <a:t>`: `8`</a:t>
+            </a:r>
+          </a:p>
+          <a:p>
+            <a:pPr marL="0" marR="0" lvl="0" indent="0" algn="l" defTabSz="914400" rtl="0" eaLnBrk="1" fontAlgn="auto" latinLnBrk="0" hangingPunct="1">
+              <a:lnSpc>
+                <a:spcPct val="100000"/>
+              </a:lnSpc>
+              <a:spcBef>
+                <a:spcPts val="0"/>
+              </a:spcBef>
+              <a:spcAft>
+                <a:spcPts val="0"/>
+              </a:spcAft>
+              <a:buClrTx/>
+              <a:buSzTx/>
+              <a:buFontTx/>
+              <a:buNone/>
+              <a:tabLst/>
+              <a:defRPr/>
+            </a:pPr>
+            <a:r>
+              <a:rPr lang="de-DE" dirty="0"/>
+              <a:t>  - `</a:t>
+            </a:r>
+            <a:r>
+              <a:rPr lang="de-DE" dirty="0" err="1"/>
+              <a:t>imputer</a:t>
+            </a:r>
+            <a:r>
+              <a:rPr lang="de-DE" dirty="0"/>
+              <a:t>__</a:t>
+            </a:r>
+            <a:r>
+              <a:rPr lang="de-DE" dirty="0" err="1"/>
+              <a:t>weights</a:t>
+            </a:r>
+            <a:r>
+              <a:rPr lang="de-DE" dirty="0"/>
+              <a:t>`: `uniform`</a:t>
+            </a:r>
+          </a:p>
+          <a:p>
+            <a:pPr marL="0" marR="0" lvl="0" indent="0" algn="l" defTabSz="914400" rtl="0" eaLnBrk="1" fontAlgn="auto" latinLnBrk="0" hangingPunct="1">
+              <a:lnSpc>
+                <a:spcPct val="100000"/>
+              </a:lnSpc>
+              <a:spcBef>
+                <a:spcPts val="0"/>
+              </a:spcBef>
+              <a:spcAft>
+                <a:spcPts val="0"/>
+              </a:spcAft>
+              <a:buClrTx/>
+              <a:buSzTx/>
+              <a:buFontTx/>
+              <a:buNone/>
+              <a:tabLst/>
+              <a:defRPr/>
+            </a:pPr>
+            <a:r>
+              <a:rPr lang="de-DE" dirty="0"/>
+              <a:t>  - `</a:t>
+            </a:r>
+            <a:r>
+              <a:rPr lang="de-DE" dirty="0" err="1"/>
+              <a:t>imputer</a:t>
+            </a:r>
+            <a:r>
+              <a:rPr lang="de-DE" dirty="0"/>
+              <a:t>__</a:t>
+            </a:r>
+            <a:r>
+              <a:rPr lang="de-DE" dirty="0" err="1"/>
+              <a:t>n_neighbors</a:t>
+            </a:r>
+            <a:r>
+              <a:rPr lang="de-DE" dirty="0"/>
+              <a:t>`: `7`</a:t>
+            </a:r>
+          </a:p>
+          <a:p>
+            <a:pPr marL="0" marR="0" lvl="0" indent="0" algn="l" defTabSz="914400" rtl="0" eaLnBrk="1" fontAlgn="auto" latinLnBrk="0" hangingPunct="1">
+              <a:lnSpc>
+                <a:spcPct val="100000"/>
+              </a:lnSpc>
+              <a:spcBef>
+                <a:spcPts val="0"/>
+              </a:spcBef>
+              <a:spcAft>
+                <a:spcPts val="0"/>
+              </a:spcAft>
+              <a:buClrTx/>
+              <a:buSzTx/>
+              <a:buFontTx/>
+              <a:buNone/>
+              <a:tabLst/>
+              <a:defRPr/>
+            </a:pPr>
+            <a:r>
+              <a:rPr lang="de-DE" dirty="0"/>
+              <a:t>  - `</a:t>
+            </a:r>
+            <a:r>
+              <a:rPr lang="de-DE" dirty="0" err="1"/>
+              <a:t>classifier</a:t>
+            </a:r>
+            <a:r>
+              <a:rPr lang="de-DE" dirty="0"/>
+              <a:t>__</a:t>
+            </a:r>
+            <a:r>
+              <a:rPr lang="de-DE" dirty="0" err="1"/>
+              <a:t>kernel</a:t>
+            </a:r>
+            <a:r>
+              <a:rPr lang="de-DE" dirty="0"/>
+              <a:t>`: `</a:t>
+            </a:r>
+            <a:r>
+              <a:rPr lang="de-DE" dirty="0" err="1"/>
+              <a:t>sigmoid</a:t>
+            </a:r>
+            <a:r>
+              <a:rPr lang="de-DE" dirty="0"/>
+              <a:t>`</a:t>
+            </a:r>
+          </a:p>
+          <a:p>
+            <a:pPr marL="0" marR="0" lvl="0" indent="0" algn="l" defTabSz="914400" rtl="0" eaLnBrk="1" fontAlgn="auto" latinLnBrk="0" hangingPunct="1">
+              <a:lnSpc>
+                <a:spcPct val="100000"/>
+              </a:lnSpc>
+              <a:spcBef>
+                <a:spcPts val="0"/>
+              </a:spcBef>
+              <a:spcAft>
+                <a:spcPts val="0"/>
+              </a:spcAft>
+              <a:buClrTx/>
+              <a:buSzTx/>
+              <a:buFontTx/>
+              <a:buNone/>
+              <a:tabLst/>
+              <a:defRPr/>
+            </a:pPr>
+            <a:r>
+              <a:rPr lang="de-DE" dirty="0"/>
+              <a:t>  - `</a:t>
+            </a:r>
+            <a:r>
+              <a:rPr lang="de-DE" dirty="0" err="1"/>
+              <a:t>classifier</a:t>
+            </a:r>
+            <a:r>
+              <a:rPr lang="de-DE" dirty="0"/>
+              <a:t>__</a:t>
+            </a:r>
+            <a:r>
+              <a:rPr lang="de-DE" dirty="0" err="1"/>
+              <a:t>gamma</a:t>
+            </a:r>
+            <a:r>
+              <a:rPr lang="de-DE" dirty="0"/>
+              <a:t>`: `1`</a:t>
+            </a:r>
+          </a:p>
+          <a:p>
+            <a:pPr marL="0" marR="0" lvl="0" indent="0" algn="l" defTabSz="914400" rtl="0" eaLnBrk="1" fontAlgn="auto" latinLnBrk="0" hangingPunct="1">
+              <a:lnSpc>
+                <a:spcPct val="100000"/>
+              </a:lnSpc>
+              <a:spcBef>
+                <a:spcPts val="0"/>
+              </a:spcBef>
+              <a:spcAft>
+                <a:spcPts val="0"/>
+              </a:spcAft>
+              <a:buClrTx/>
+              <a:buSzTx/>
+              <a:buFontTx/>
+              <a:buNone/>
+              <a:tabLst/>
+              <a:defRPr/>
+            </a:pPr>
+            <a:r>
+              <a:rPr lang="de-DE" dirty="0"/>
+              <a:t>  - `</a:t>
+            </a:r>
+            <a:r>
+              <a:rPr lang="de-DE" dirty="0" err="1"/>
+              <a:t>classifier</a:t>
+            </a:r>
+            <a:r>
+              <a:rPr lang="de-DE" dirty="0"/>
+              <a:t>__C`: `1`</a:t>
+            </a:r>
+          </a:p>
+          <a:p>
+            <a:pPr marL="0" marR="0" lvl="0" indent="0" algn="l" defTabSz="914400" rtl="0" eaLnBrk="1" fontAlgn="auto" latinLnBrk="0" hangingPunct="1">
+              <a:lnSpc>
+                <a:spcPct val="100000"/>
+              </a:lnSpc>
+              <a:spcBef>
+                <a:spcPts val="0"/>
+              </a:spcBef>
+              <a:spcAft>
+                <a:spcPts val="0"/>
+              </a:spcAft>
+              <a:buClrTx/>
+              <a:buSzTx/>
+              <a:buFontTx/>
+              <a:buNone/>
+              <a:tabLst/>
+              <a:defRPr/>
+            </a:pPr>
+            <a:r>
+              <a:rPr lang="de-DE" b="1" dirty="0"/>
+              <a:t>GP (</a:t>
+            </a:r>
+            <a:r>
+              <a:rPr lang="de-DE" b="1" dirty="0" err="1"/>
+              <a:t>Gaussian</a:t>
+            </a:r>
+            <a:r>
+              <a:rPr lang="de-DE" b="1" dirty="0"/>
+              <a:t> </a:t>
+            </a:r>
+            <a:r>
+              <a:rPr lang="de-DE" b="1" dirty="0" err="1"/>
+              <a:t>Processes</a:t>
+            </a:r>
+            <a:r>
+              <a:rPr lang="de-DE" b="1" dirty="0"/>
+              <a:t>):</a:t>
+            </a:r>
+          </a:p>
+          <a:p>
+            <a:pPr marL="0" marR="0" lvl="0" indent="0" algn="l" defTabSz="914400" rtl="0" eaLnBrk="1" fontAlgn="auto" latinLnBrk="0" hangingPunct="1">
+              <a:lnSpc>
+                <a:spcPct val="100000"/>
+              </a:lnSpc>
+              <a:spcBef>
+                <a:spcPts val="0"/>
+              </a:spcBef>
+              <a:spcAft>
+                <a:spcPts val="0"/>
+              </a:spcAft>
+              <a:buClrTx/>
+              <a:buSzTx/>
+              <a:buFontTx/>
+              <a:buNone/>
+              <a:tabLst/>
+              <a:defRPr/>
+            </a:pPr>
+            <a:r>
+              <a:rPr lang="en-GB" b="0" dirty="0"/>
+              <a:t>- `sampling__</a:t>
+            </a:r>
+            <a:r>
+              <a:rPr lang="en-GB" b="0" dirty="0" err="1"/>
+              <a:t>k_neighbors</a:t>
+            </a:r>
+            <a:r>
+              <a:rPr lang="en-GB" b="0" dirty="0"/>
+              <a:t>`: `1`</a:t>
+            </a:r>
+          </a:p>
+          <a:p>
+            <a:pPr marL="0" marR="0" lvl="0" indent="0" algn="l" defTabSz="914400" rtl="0" eaLnBrk="1" fontAlgn="auto" latinLnBrk="0" hangingPunct="1">
+              <a:lnSpc>
+                <a:spcPct val="100000"/>
+              </a:lnSpc>
+              <a:spcBef>
+                <a:spcPts val="0"/>
+              </a:spcBef>
+              <a:spcAft>
+                <a:spcPts val="0"/>
+              </a:spcAft>
+              <a:buClrTx/>
+              <a:buSzTx/>
+              <a:buFontTx/>
+              <a:buNone/>
+              <a:tabLst/>
+              <a:defRPr/>
+            </a:pPr>
+            <a:r>
+              <a:rPr lang="en-GB" b="0" dirty="0"/>
+              <a:t>  - `</a:t>
+            </a:r>
+            <a:r>
+              <a:rPr lang="en-GB" b="0" dirty="0" err="1"/>
+              <a:t>imputer__weights</a:t>
+            </a:r>
+            <a:r>
+              <a:rPr lang="en-GB" b="0" dirty="0"/>
+              <a:t>`: `uniform`</a:t>
+            </a:r>
+          </a:p>
+          <a:p>
+            <a:pPr marL="0" marR="0" lvl="0" indent="0" algn="l" defTabSz="914400" rtl="0" eaLnBrk="1" fontAlgn="auto" latinLnBrk="0" hangingPunct="1">
+              <a:lnSpc>
+                <a:spcPct val="100000"/>
+              </a:lnSpc>
+              <a:spcBef>
+                <a:spcPts val="0"/>
+              </a:spcBef>
+              <a:spcAft>
+                <a:spcPts val="0"/>
+              </a:spcAft>
+              <a:buClrTx/>
+              <a:buSzTx/>
+              <a:buFontTx/>
+              <a:buNone/>
+              <a:tabLst/>
+              <a:defRPr/>
+            </a:pPr>
+            <a:r>
+              <a:rPr lang="en-GB" b="0" dirty="0"/>
+              <a:t>  - `imputer__</a:t>
+            </a:r>
+            <a:r>
+              <a:rPr lang="en-GB" b="0" dirty="0" err="1"/>
+              <a:t>n_neighbors</a:t>
+            </a:r>
+            <a:r>
+              <a:rPr lang="en-GB" b="0" dirty="0"/>
+              <a:t>`: `12`</a:t>
+            </a:r>
+          </a:p>
+          <a:p>
+            <a:pPr marL="0" marR="0" lvl="0" indent="0" algn="l" defTabSz="914400" rtl="0" eaLnBrk="1" fontAlgn="auto" latinLnBrk="0" hangingPunct="1">
+              <a:lnSpc>
+                <a:spcPct val="100000"/>
+              </a:lnSpc>
+              <a:spcBef>
+                <a:spcPts val="0"/>
+              </a:spcBef>
+              <a:spcAft>
+                <a:spcPts val="0"/>
+              </a:spcAft>
+              <a:buClrTx/>
+              <a:buSzTx/>
+              <a:buFontTx/>
+              <a:buNone/>
+              <a:tabLst/>
+              <a:defRPr/>
+            </a:pPr>
+            <a:r>
+              <a:rPr lang="en-GB" b="1" dirty="0"/>
+              <a:t>GNB (Gaussian Naïve Bayes):</a:t>
+            </a:r>
+          </a:p>
+          <a:p>
+            <a:pPr marL="0" marR="0" lvl="0" indent="0" algn="l" defTabSz="914400" rtl="0" eaLnBrk="1" fontAlgn="auto" latinLnBrk="0" hangingPunct="1">
+              <a:lnSpc>
+                <a:spcPct val="100000"/>
+              </a:lnSpc>
+              <a:spcBef>
+                <a:spcPts val="0"/>
+              </a:spcBef>
+              <a:spcAft>
+                <a:spcPts val="0"/>
+              </a:spcAft>
+              <a:buClrTx/>
+              <a:buSzTx/>
+              <a:buFontTx/>
+              <a:buNone/>
+              <a:tabLst/>
+              <a:defRPr/>
+            </a:pPr>
+            <a:r>
+              <a:rPr lang="en-GB" b="0" dirty="0"/>
+              <a:t>- `sampling__</a:t>
+            </a:r>
+            <a:r>
+              <a:rPr lang="en-GB" b="0" dirty="0" err="1"/>
+              <a:t>k_neighbors</a:t>
+            </a:r>
+            <a:r>
+              <a:rPr lang="en-GB" b="0" dirty="0"/>
+              <a:t>`: `7`</a:t>
+            </a:r>
+          </a:p>
+          <a:p>
+            <a:pPr marL="0" marR="0" lvl="0" indent="0" algn="l" defTabSz="914400" rtl="0" eaLnBrk="1" fontAlgn="auto" latinLnBrk="0" hangingPunct="1">
+              <a:lnSpc>
+                <a:spcPct val="100000"/>
+              </a:lnSpc>
+              <a:spcBef>
+                <a:spcPts val="0"/>
+              </a:spcBef>
+              <a:spcAft>
+                <a:spcPts val="0"/>
+              </a:spcAft>
+              <a:buClrTx/>
+              <a:buSzTx/>
+              <a:buFontTx/>
+              <a:buNone/>
+              <a:tabLst/>
+              <a:defRPr/>
+            </a:pPr>
+            <a:r>
+              <a:rPr lang="en-GB" b="0" dirty="0"/>
+              <a:t>  - `</a:t>
+            </a:r>
+            <a:r>
+              <a:rPr lang="en-GB" b="0" dirty="0" err="1"/>
+              <a:t>imputer__weights</a:t>
+            </a:r>
+            <a:r>
+              <a:rPr lang="en-GB" b="0" dirty="0"/>
+              <a:t>`: `distance`</a:t>
+            </a:r>
+          </a:p>
+          <a:p>
+            <a:pPr marL="0" marR="0" lvl="0" indent="0" algn="l" defTabSz="914400" rtl="0" eaLnBrk="1" fontAlgn="auto" latinLnBrk="0" hangingPunct="1">
+              <a:lnSpc>
+                <a:spcPct val="100000"/>
+              </a:lnSpc>
+              <a:spcBef>
+                <a:spcPts val="0"/>
+              </a:spcBef>
+              <a:spcAft>
+                <a:spcPts val="0"/>
+              </a:spcAft>
+              <a:buClrTx/>
+              <a:buSzTx/>
+              <a:buFontTx/>
+              <a:buNone/>
+              <a:tabLst/>
+              <a:defRPr/>
+            </a:pPr>
+            <a:r>
+              <a:rPr lang="en-GB" b="0" dirty="0"/>
+              <a:t>  - `imputer__</a:t>
+            </a:r>
+            <a:r>
+              <a:rPr lang="en-GB" b="0" dirty="0" err="1"/>
+              <a:t>n_neighbors</a:t>
+            </a:r>
+            <a:r>
+              <a:rPr lang="en-GB" b="0" dirty="0"/>
+              <a:t>`: `3`</a:t>
+            </a:r>
+          </a:p>
+          <a:p>
+            <a:pPr marL="0" marR="0" lvl="0" indent="0" algn="l" defTabSz="914400" rtl="0" eaLnBrk="1" fontAlgn="auto" latinLnBrk="0" hangingPunct="1">
+              <a:lnSpc>
+                <a:spcPct val="100000"/>
+              </a:lnSpc>
+              <a:spcBef>
+                <a:spcPts val="0"/>
+              </a:spcBef>
+              <a:spcAft>
+                <a:spcPts val="0"/>
+              </a:spcAft>
+              <a:buClrTx/>
+              <a:buSzTx/>
+              <a:buFontTx/>
+              <a:buNone/>
+              <a:tabLst/>
+              <a:defRPr/>
+            </a:pPr>
+            <a:r>
+              <a:rPr lang="en-GB" b="0" dirty="0"/>
+              <a:t>  - `</a:t>
+            </a:r>
+            <a:r>
+              <a:rPr lang="en-GB" b="0" dirty="0" err="1"/>
+              <a:t>feature_selector__whiten</a:t>
+            </a:r>
+            <a:r>
+              <a:rPr lang="en-GB" b="0" dirty="0"/>
+              <a:t>`: `True`</a:t>
+            </a:r>
+          </a:p>
+          <a:p>
+            <a:pPr marL="0" marR="0" lvl="0" indent="0" algn="l" defTabSz="914400" rtl="0" eaLnBrk="1" fontAlgn="auto" latinLnBrk="0" hangingPunct="1">
+              <a:lnSpc>
+                <a:spcPct val="100000"/>
+              </a:lnSpc>
+              <a:spcBef>
+                <a:spcPts val="0"/>
+              </a:spcBef>
+              <a:spcAft>
+                <a:spcPts val="0"/>
+              </a:spcAft>
+              <a:buClrTx/>
+              <a:buSzTx/>
+              <a:buFontTx/>
+              <a:buNone/>
+              <a:tabLst/>
+              <a:defRPr/>
+            </a:pPr>
+            <a:r>
+              <a:rPr lang="en-GB" b="1" dirty="0"/>
+              <a:t>GBM (Gradient Boosting):</a:t>
+            </a:r>
+          </a:p>
+          <a:p>
+            <a:pPr marL="0" marR="0" lvl="0" indent="0" algn="l" defTabSz="914400" rtl="0" eaLnBrk="1" fontAlgn="auto" latinLnBrk="0" hangingPunct="1">
+              <a:lnSpc>
+                <a:spcPct val="100000"/>
+              </a:lnSpc>
+              <a:spcBef>
+                <a:spcPts val="0"/>
+              </a:spcBef>
+              <a:spcAft>
+                <a:spcPts val="0"/>
+              </a:spcAft>
+              <a:buClrTx/>
+              <a:buSzTx/>
+              <a:buFontTx/>
+              <a:buNone/>
+              <a:tabLst/>
+              <a:defRPr/>
+            </a:pPr>
+            <a:endParaRPr lang="de-DE" b="1" dirty="0"/>
           </a:p>
         </p:txBody>
       </p:sp>
@@ -7169,7 +8014,7 @@
     </p:spTree>
     <p:extLst>
       <p:ext uri="{BB962C8B-B14F-4D97-AF65-F5344CB8AC3E}">
-        <p14:creationId xmlns:p14="http://schemas.microsoft.com/office/powerpoint/2010/main" val="2025906499"/>
+        <p14:creationId xmlns:p14="http://schemas.microsoft.com/office/powerpoint/2010/main" val="218385511"/>
       </p:ext>
     </p:extLst>
   </p:cSld>
@@ -7731,7 +8576,7 @@
           <a:graphicData uri="http://schemas.openxmlformats.org/presentationml/2006/ole">
             <mc:AlternateContent xmlns:mc="http://schemas.openxmlformats.org/markup-compatibility/2006">
               <mc:Choice xmlns:v="urn:schemas-microsoft-com:vml" Requires="v">
-                <p:oleObj spid="_x0000_s8400" name="think-cell Folie" r:id="rId4" imgW="270" imgH="270" progId="TCLayout.ActiveDocument.1">
+                <p:oleObj spid="_x0000_s8409" name="think-cell Folie" r:id="rId4" imgW="270" imgH="270" progId="TCLayout.ActiveDocument.1">
                   <p:embed/>
                 </p:oleObj>
               </mc:Choice>
@@ -8101,7 +8946,7 @@
           <a:graphicData uri="http://schemas.openxmlformats.org/presentationml/2006/ole">
             <mc:AlternateContent xmlns:mc="http://schemas.openxmlformats.org/markup-compatibility/2006">
               <mc:Choice xmlns:v="urn:schemas-microsoft-com:vml" Requires="v">
-                <p:oleObj spid="_x0000_s2265" name="think-cell Folie" r:id="rId4" imgW="270" imgH="270" progId="TCLayout.ActiveDocument.1">
+                <p:oleObj spid="_x0000_s2274" name="think-cell Folie" r:id="rId4" imgW="270" imgH="270" progId="TCLayout.ActiveDocument.1">
                   <p:embed/>
                 </p:oleObj>
               </mc:Choice>
@@ -8557,7 +9402,7 @@
           <a:graphicData uri="http://schemas.openxmlformats.org/presentationml/2006/ole">
             <mc:AlternateContent xmlns:mc="http://schemas.openxmlformats.org/markup-compatibility/2006">
               <mc:Choice xmlns:v="urn:schemas-microsoft-com:vml" Requires="v">
-                <p:oleObj spid="_x0000_s4310" name="think-cell Folie" r:id="rId4" imgW="270" imgH="270" progId="TCLayout.ActiveDocument.1">
+                <p:oleObj spid="_x0000_s4319" name="think-cell Folie" r:id="rId4" imgW="270" imgH="270" progId="TCLayout.ActiveDocument.1">
                   <p:embed/>
                 </p:oleObj>
               </mc:Choice>
@@ -9179,7 +10024,7 @@
           <a:graphicData uri="http://schemas.openxmlformats.org/presentationml/2006/ole">
             <mc:AlternateContent xmlns:mc="http://schemas.openxmlformats.org/markup-compatibility/2006">
               <mc:Choice xmlns:v="urn:schemas-microsoft-com:vml" Requires="v">
-                <p:oleObj spid="_x0000_s5334" name="think-cell Folie" r:id="rId4" imgW="270" imgH="270" progId="TCLayout.ActiveDocument.1">
+                <p:oleObj spid="_x0000_s5343" name="think-cell Folie" r:id="rId4" imgW="270" imgH="270" progId="TCLayout.ActiveDocument.1">
                   <p:embed/>
                 </p:oleObj>
               </mc:Choice>
@@ -9749,7 +10594,7 @@
           <a:graphicData uri="http://schemas.openxmlformats.org/presentationml/2006/ole">
             <mc:AlternateContent xmlns:mc="http://schemas.openxmlformats.org/markup-compatibility/2006">
               <mc:Choice xmlns:v="urn:schemas-microsoft-com:vml" Requires="v">
-                <p:oleObj spid="_x0000_s6357" name="think-cell Folie" r:id="rId4" imgW="270" imgH="270" progId="TCLayout.ActiveDocument.1">
+                <p:oleObj spid="_x0000_s6366" name="think-cell Folie" r:id="rId4" imgW="270" imgH="270" progId="TCLayout.ActiveDocument.1">
                   <p:embed/>
                 </p:oleObj>
               </mc:Choice>
@@ -10376,7 +11221,7 @@
           <a:graphicData uri="http://schemas.openxmlformats.org/presentationml/2006/ole">
             <mc:AlternateContent xmlns:mc="http://schemas.openxmlformats.org/markup-compatibility/2006">
               <mc:Choice xmlns:v="urn:schemas-microsoft-com:vml" Requires="v">
-                <p:oleObj spid="_x0000_s7377" name="think-cell Folie" r:id="rId4" imgW="270" imgH="270" progId="TCLayout.ActiveDocument.1">
+                <p:oleObj spid="_x0000_s7386" name="think-cell Folie" r:id="rId4" imgW="270" imgH="270" progId="TCLayout.ActiveDocument.1">
                   <p:embed/>
                 </p:oleObj>
               </mc:Choice>
@@ -10683,7 +11528,7 @@
           <a:graphicData uri="http://schemas.openxmlformats.org/presentationml/2006/ole">
             <mc:AlternateContent xmlns:mc="http://schemas.openxmlformats.org/markup-compatibility/2006">
               <mc:Choice xmlns:v="urn:schemas-microsoft-com:vml" Requires="v">
-                <p:oleObj spid="_x0000_s1244" name="think-cell Folie" r:id="rId13" imgW="270" imgH="270" progId="TCLayout.ActiveDocument.1">
+                <p:oleObj spid="_x0000_s1253" name="think-cell Folie" r:id="rId13" imgW="270" imgH="270" progId="TCLayout.ActiveDocument.1">
                   <p:embed/>
                 </p:oleObj>
               </mc:Choice>
@@ -11654,6 +12499,643 @@
           <p:cNvPr id="2" name="Titel 1">
             <a:extLst>
               <a:ext uri="{FF2B5EF4-FFF2-40B4-BE49-F238E27FC236}">
+                <a16:creationId xmlns:a16="http://schemas.microsoft.com/office/drawing/2014/main" id="{19EC5F35-6FE5-4B8E-AA44-21515C97AB49}"/>
+              </a:ext>
+            </a:extLst>
+          </p:cNvPr>
+          <p:cNvSpPr>
+            <a:spLocks noGrp="1"/>
+          </p:cNvSpPr>
+          <p:nvPr>
+            <p:ph type="title"/>
+          </p:nvPr>
+        </p:nvSpPr>
+        <p:spPr/>
+        <p:txBody>
+          <a:bodyPr/>
+          <a:lstStyle/>
+          <a:p>
+            <a:r>
+              <a:rPr lang="de-DE" dirty="0" err="1"/>
+              <a:t>Results</a:t>
+            </a:r>
+            <a:r>
+              <a:rPr lang="de-DE" dirty="0"/>
+              <a:t> (</a:t>
+            </a:r>
+            <a:r>
+              <a:rPr lang="de-DE" dirty="0" err="1"/>
+              <a:t>Vizualisation</a:t>
+            </a:r>
+            <a:r>
+              <a:rPr lang="de-DE" dirty="0"/>
+              <a:t>)</a:t>
+            </a:r>
+            <a:endParaRPr lang="en-GB" dirty="0"/>
+          </a:p>
+        </p:txBody>
+      </p:sp>
+      <p:sp>
+        <p:nvSpPr>
+          <p:cNvPr id="3" name="Foliennummernplatzhalter 2">
+            <a:extLst>
+              <a:ext uri="{FF2B5EF4-FFF2-40B4-BE49-F238E27FC236}">
+                <a16:creationId xmlns:a16="http://schemas.microsoft.com/office/drawing/2014/main" id="{344CC3F9-70AB-4CC8-908A-81D4ED20B285}"/>
+              </a:ext>
+            </a:extLst>
+          </p:cNvPr>
+          <p:cNvSpPr>
+            <a:spLocks noGrp="1"/>
+          </p:cNvSpPr>
+          <p:nvPr>
+            <p:ph type="sldNum" sz="quarter" idx="12"/>
+          </p:nvPr>
+        </p:nvSpPr>
+        <p:spPr/>
+        <p:txBody>
+          <a:bodyPr/>
+          <a:lstStyle/>
+          <a:p>
+            <a:fld id="{1744B4DD-8F10-491C-BFC2-D4DC64F16D79}" type="slidenum">
+              <a:rPr lang="de-DE" smtClean="0"/>
+              <a:pPr/>
+              <a:t>10</a:t>
+            </a:fld>
+            <a:r>
+              <a:rPr lang="de-DE" dirty="0">
+                <a:ea typeface="Verdana"/>
+                <a:cs typeface="Verdana"/>
+              </a:rPr>
+              <a:t>│</a:t>
+            </a:r>
+            <a:endParaRPr lang="de-DE" dirty="0"/>
+          </a:p>
+        </p:txBody>
+      </p:sp>
+      <p:pic>
+        <p:nvPicPr>
+          <p:cNvPr id="4" name="Grafik 3">
+            <a:extLst>
+              <a:ext uri="{FF2B5EF4-FFF2-40B4-BE49-F238E27FC236}">
+                <a16:creationId xmlns:a16="http://schemas.microsoft.com/office/drawing/2014/main" id="{AEDDA1A2-2F37-4706-B508-4138618C9419}"/>
+              </a:ext>
+            </a:extLst>
+          </p:cNvPr>
+          <p:cNvPicPr>
+            <a:picLocks noChangeAspect="1"/>
+          </p:cNvPicPr>
+          <p:nvPr/>
+        </p:nvPicPr>
+        <p:blipFill>
+          <a:blip r:embed="rId3"/>
+          <a:srcRect/>
+          <a:stretch/>
+        </p:blipFill>
+        <p:spPr>
+          <a:xfrm>
+            <a:off x="250825" y="1258718"/>
+            <a:ext cx="4348085" cy="3261063"/>
+          </a:xfrm>
+          <a:prstGeom prst="rect">
+            <a:avLst/>
+          </a:prstGeom>
+        </p:spPr>
+      </p:pic>
+      <p:pic>
+        <p:nvPicPr>
+          <p:cNvPr id="5" name="Grafik 4">
+            <a:extLst>
+              <a:ext uri="{FF2B5EF4-FFF2-40B4-BE49-F238E27FC236}">
+                <a16:creationId xmlns:a16="http://schemas.microsoft.com/office/drawing/2014/main" id="{52889DB0-48E3-4F05-856A-276007C06071}"/>
+              </a:ext>
+            </a:extLst>
+          </p:cNvPr>
+          <p:cNvPicPr>
+            <a:picLocks noChangeAspect="1"/>
+          </p:cNvPicPr>
+          <p:nvPr/>
+        </p:nvPicPr>
+        <p:blipFill>
+          <a:blip r:embed="rId4"/>
+          <a:srcRect/>
+          <a:stretch/>
+        </p:blipFill>
+        <p:spPr>
+          <a:xfrm>
+            <a:off x="4598910" y="2848594"/>
+            <a:ext cx="4144655" cy="3108491"/>
+          </a:xfrm>
+          <a:prstGeom prst="rect">
+            <a:avLst/>
+          </a:prstGeom>
+        </p:spPr>
+      </p:pic>
+    </p:spTree>
+    <p:extLst>
+      <p:ext uri="{BB962C8B-B14F-4D97-AF65-F5344CB8AC3E}">
+        <p14:creationId xmlns:p14="http://schemas.microsoft.com/office/powerpoint/2010/main" val="653623598"/>
+      </p:ext>
+    </p:extLst>
+  </p:cSld>
+  <p:clrMapOvr>
+    <a:masterClrMapping/>
+  </p:clrMapOvr>
+</p:sld>
+</file>
+
+<file path=ppt/slides/slide11.xml><?xml version="1.0" encoding="utf-8"?>
+<p:sld xmlns:a="http://schemas.openxmlformats.org/drawingml/2006/main" xmlns:r="http://schemas.openxmlformats.org/officeDocument/2006/relationships" xmlns:p="http://schemas.openxmlformats.org/presentationml/2006/main">
+  <p:cSld>
+    <p:spTree>
+      <p:nvGrpSpPr>
+        <p:cNvPr id="1" name=""/>
+        <p:cNvGrpSpPr/>
+        <p:nvPr/>
+      </p:nvGrpSpPr>
+      <p:grpSpPr>
+        <a:xfrm>
+          <a:off x="0" y="0"/>
+          <a:ext cx="0" cy="0"/>
+          <a:chOff x="0" y="0"/>
+          <a:chExt cx="0" cy="0"/>
+        </a:xfrm>
+      </p:grpSpPr>
+      <p:sp>
+        <p:nvSpPr>
+          <p:cNvPr id="2" name="Titel 1">
+            <a:extLst>
+              <a:ext uri="{FF2B5EF4-FFF2-40B4-BE49-F238E27FC236}">
+                <a16:creationId xmlns:a16="http://schemas.microsoft.com/office/drawing/2014/main" id="{F7F34951-5133-4B19-AA9E-10491FF6F664}"/>
+              </a:ext>
+            </a:extLst>
+          </p:cNvPr>
+          <p:cNvSpPr>
+            <a:spLocks noGrp="1"/>
+          </p:cNvSpPr>
+          <p:nvPr>
+            <p:ph type="title"/>
+          </p:nvPr>
+        </p:nvSpPr>
+        <p:spPr/>
+        <p:txBody>
+          <a:bodyPr/>
+          <a:lstStyle/>
+          <a:p>
+            <a:r>
+              <a:rPr lang="de-DE" dirty="0"/>
+              <a:t>F-Test</a:t>
+            </a:r>
+            <a:endParaRPr lang="en-GB" dirty="0"/>
+          </a:p>
+        </p:txBody>
+      </p:sp>
+      <p:sp>
+        <p:nvSpPr>
+          <p:cNvPr id="3" name="Foliennummernplatzhalter 2">
+            <a:extLst>
+              <a:ext uri="{FF2B5EF4-FFF2-40B4-BE49-F238E27FC236}">
+                <a16:creationId xmlns:a16="http://schemas.microsoft.com/office/drawing/2014/main" id="{03482F62-8E8F-41A9-9045-901F19C4FD30}"/>
+              </a:ext>
+            </a:extLst>
+          </p:cNvPr>
+          <p:cNvSpPr>
+            <a:spLocks noGrp="1"/>
+          </p:cNvSpPr>
+          <p:nvPr>
+            <p:ph type="sldNum" sz="quarter" idx="12"/>
+          </p:nvPr>
+        </p:nvSpPr>
+        <p:spPr/>
+        <p:txBody>
+          <a:bodyPr/>
+          <a:lstStyle/>
+          <a:p>
+            <a:fld id="{1744B4DD-8F10-491C-BFC2-D4DC64F16D79}" type="slidenum">
+              <a:rPr lang="de-DE" smtClean="0"/>
+              <a:pPr/>
+              <a:t>11</a:t>
+            </a:fld>
+            <a:r>
+              <a:rPr lang="de-DE">
+                <a:ea typeface="Verdana"/>
+                <a:cs typeface="Verdana"/>
+              </a:rPr>
+              <a:t>│</a:t>
+            </a:r>
+            <a:endParaRPr lang="de-DE" dirty="0"/>
+          </a:p>
+        </p:txBody>
+      </p:sp>
+      <p:sp>
+        <p:nvSpPr>
+          <p:cNvPr id="5" name="Textfeld 4">
+            <a:extLst>
+              <a:ext uri="{FF2B5EF4-FFF2-40B4-BE49-F238E27FC236}">
+                <a16:creationId xmlns:a16="http://schemas.microsoft.com/office/drawing/2014/main" id="{5CF5D87B-FC53-4846-84CE-80324B036E25}"/>
+              </a:ext>
+            </a:extLst>
+          </p:cNvPr>
+          <p:cNvSpPr txBox="1"/>
+          <p:nvPr/>
+        </p:nvSpPr>
+        <p:spPr>
+          <a:xfrm>
+            <a:off x="250825" y="1309958"/>
+            <a:ext cx="8150225" cy="923330"/>
+          </a:xfrm>
+          <a:prstGeom prst="rect">
+            <a:avLst/>
+          </a:prstGeom>
+          <a:noFill/>
+        </p:spPr>
+        <p:txBody>
+          <a:bodyPr wrap="square" rtlCol="0">
+            <a:spAutoFit/>
+          </a:bodyPr>
+          <a:lstStyle/>
+          <a:p>
+            <a:r>
+              <a:rPr lang="de-DE" dirty="0"/>
+              <a:t>H0: </a:t>
+            </a:r>
+            <a:r>
+              <a:rPr lang="de-DE" dirty="0" err="1"/>
+              <a:t>There</a:t>
+            </a:r>
+            <a:r>
+              <a:rPr lang="de-DE" dirty="0"/>
+              <a:t> </a:t>
+            </a:r>
+            <a:r>
+              <a:rPr lang="de-DE" dirty="0" err="1"/>
+              <a:t>is</a:t>
+            </a:r>
+            <a:r>
+              <a:rPr lang="de-DE" dirty="0"/>
+              <a:t> </a:t>
+            </a:r>
+            <a:r>
+              <a:rPr lang="de-DE" dirty="0" err="1"/>
+              <a:t>no</a:t>
+            </a:r>
+            <a:r>
+              <a:rPr lang="de-DE" dirty="0"/>
+              <a:t> </a:t>
+            </a:r>
+            <a:r>
+              <a:rPr lang="de-DE" dirty="0" err="1"/>
+              <a:t>difference</a:t>
+            </a:r>
+            <a:r>
+              <a:rPr lang="de-DE" dirty="0"/>
+              <a:t> </a:t>
+            </a:r>
+            <a:r>
+              <a:rPr lang="de-DE" dirty="0" err="1"/>
+              <a:t>between</a:t>
+            </a:r>
+            <a:r>
+              <a:rPr lang="de-DE" dirty="0"/>
+              <a:t> </a:t>
+            </a:r>
+            <a:r>
+              <a:rPr lang="de-DE" dirty="0" err="1"/>
+              <a:t>the</a:t>
+            </a:r>
+            <a:r>
+              <a:rPr lang="de-DE" dirty="0"/>
+              <a:t> </a:t>
+            </a:r>
+            <a:r>
+              <a:rPr lang="de-DE" dirty="0" err="1"/>
+              <a:t>classifiation</a:t>
+            </a:r>
+            <a:r>
+              <a:rPr lang="de-DE" dirty="0"/>
+              <a:t> </a:t>
+            </a:r>
+            <a:r>
+              <a:rPr lang="de-DE" dirty="0" err="1"/>
+              <a:t>accurancies</a:t>
+            </a:r>
+            <a:r>
+              <a:rPr lang="de-DE" dirty="0"/>
+              <a:t>:  </a:t>
+            </a:r>
+            <a:r>
+              <a:rPr lang="pt-BR" dirty="0"/>
+              <a:t>pi:H0=p1=p2=⋯=pL</a:t>
+            </a:r>
+            <a:br>
+              <a:rPr lang="pt-BR" dirty="0"/>
+            </a:br>
+            <a:endParaRPr lang="en-GB" dirty="0"/>
+          </a:p>
+        </p:txBody>
+      </p:sp>
+      <p:graphicFrame>
+        <p:nvGraphicFramePr>
+          <p:cNvPr id="7" name="Tabelle 7">
+            <a:extLst>
+              <a:ext uri="{FF2B5EF4-FFF2-40B4-BE49-F238E27FC236}">
+                <a16:creationId xmlns:a16="http://schemas.microsoft.com/office/drawing/2014/main" id="{DDD36B4C-7967-4F88-A384-4B89133E61A4}"/>
+              </a:ext>
+            </a:extLst>
+          </p:cNvPr>
+          <p:cNvGraphicFramePr>
+            <a:graphicFrameLocks noGrp="1"/>
+          </p:cNvGraphicFramePr>
+          <p:nvPr>
+            <p:extLst>
+              <p:ext uri="{D42A27DB-BD31-4B8C-83A1-F6EECF244321}">
+                <p14:modId xmlns:p14="http://schemas.microsoft.com/office/powerpoint/2010/main" val="3621182642"/>
+              </p:ext>
+            </p:extLst>
+          </p:nvPr>
+        </p:nvGraphicFramePr>
+        <p:xfrm>
+          <a:off x="366712" y="2197013"/>
+          <a:ext cx="6096000" cy="741680"/>
+        </p:xfrm>
+        <a:graphic>
+          <a:graphicData uri="http://schemas.openxmlformats.org/drawingml/2006/table">
+            <a:tbl>
+              <a:tblPr firstRow="1" bandRow="1">
+                <a:tableStyleId>{5C22544A-7EE6-4342-B048-85BDC9FD1C3A}</a:tableStyleId>
+              </a:tblPr>
+              <a:tblGrid>
+                <a:gridCol w="2032000">
+                  <a:extLst>
+                    <a:ext uri="{9D8B030D-6E8A-4147-A177-3AD203B41FA5}">
+                      <a16:colId xmlns:a16="http://schemas.microsoft.com/office/drawing/2014/main" val="2584596188"/>
+                    </a:ext>
+                  </a:extLst>
+                </a:gridCol>
+                <a:gridCol w="2032000">
+                  <a:extLst>
+                    <a:ext uri="{9D8B030D-6E8A-4147-A177-3AD203B41FA5}">
+                      <a16:colId xmlns:a16="http://schemas.microsoft.com/office/drawing/2014/main" val="3651904239"/>
+                    </a:ext>
+                  </a:extLst>
+                </a:gridCol>
+                <a:gridCol w="2032000">
+                  <a:extLst>
+                    <a:ext uri="{9D8B030D-6E8A-4147-A177-3AD203B41FA5}">
+                      <a16:colId xmlns:a16="http://schemas.microsoft.com/office/drawing/2014/main" val="2961172854"/>
+                    </a:ext>
+                  </a:extLst>
+                </a:gridCol>
+              </a:tblGrid>
+              <a:tr h="370840">
+                <a:tc>
+                  <a:txBody>
+                    <a:bodyPr/>
+                    <a:lstStyle/>
+                    <a:p>
+                      <a:r>
+                        <a:rPr lang="de-DE" dirty="0"/>
+                        <a:t>Models</a:t>
+                      </a:r>
+                      <a:endParaRPr lang="en-GB" dirty="0"/>
+                    </a:p>
+                  </a:txBody>
+                  <a:tcPr/>
+                </a:tc>
+                <a:tc>
+                  <a:txBody>
+                    <a:bodyPr/>
+                    <a:lstStyle/>
+                    <a:p>
+                      <a:r>
+                        <a:rPr lang="de-DE" dirty="0"/>
+                        <a:t>F-</a:t>
+                      </a:r>
+                      <a:r>
+                        <a:rPr lang="de-DE" dirty="0" err="1"/>
+                        <a:t>Statistic</a:t>
+                      </a:r>
+                      <a:endParaRPr lang="en-GB" dirty="0"/>
+                    </a:p>
+                  </a:txBody>
+                  <a:tcPr/>
+                </a:tc>
+                <a:tc>
+                  <a:txBody>
+                    <a:bodyPr/>
+                    <a:lstStyle/>
+                    <a:p>
+                      <a:r>
+                        <a:rPr lang="de-DE" dirty="0"/>
+                        <a:t>P-Value</a:t>
+                      </a:r>
+                      <a:endParaRPr lang="en-GB" dirty="0"/>
+                    </a:p>
+                  </a:txBody>
+                  <a:tcPr/>
+                </a:tc>
+                <a:extLst>
+                  <a:ext uri="{0D108BD9-81ED-4DB2-BD59-A6C34878D82A}">
+                    <a16:rowId xmlns:a16="http://schemas.microsoft.com/office/drawing/2014/main" val="3872321954"/>
+                  </a:ext>
+                </a:extLst>
+              </a:tr>
+              <a:tr h="370840">
+                <a:tc>
+                  <a:txBody>
+                    <a:bodyPr/>
+                    <a:lstStyle/>
+                    <a:p>
+                      <a:r>
+                        <a:rPr lang="de-DE" dirty="0"/>
+                        <a:t>All</a:t>
+                      </a:r>
+                      <a:endParaRPr lang="en-GB" dirty="0"/>
+                    </a:p>
+                  </a:txBody>
+                  <a:tcPr/>
+                </a:tc>
+                <a:tc>
+                  <a:txBody>
+                    <a:bodyPr/>
+                    <a:lstStyle/>
+                    <a:p>
+                      <a:r>
+                        <a:rPr lang="de-DE" dirty="0"/>
+                        <a:t>252</a:t>
+                      </a:r>
+                      <a:endParaRPr lang="en-GB" dirty="0"/>
+                    </a:p>
+                  </a:txBody>
+                  <a:tcPr/>
+                </a:tc>
+                <a:tc>
+                  <a:txBody>
+                    <a:bodyPr/>
+                    <a:lstStyle/>
+                    <a:p>
+                      <a:r>
+                        <a:rPr lang="de-DE" dirty="0"/>
+                        <a:t>&lt;0.0001</a:t>
+                      </a:r>
+                      <a:endParaRPr lang="en-GB" dirty="0"/>
+                    </a:p>
+                  </a:txBody>
+                  <a:tcPr/>
+                </a:tc>
+                <a:extLst>
+                  <a:ext uri="{0D108BD9-81ED-4DB2-BD59-A6C34878D82A}">
+                    <a16:rowId xmlns:a16="http://schemas.microsoft.com/office/drawing/2014/main" val="2589380103"/>
+                  </a:ext>
+                </a:extLst>
+              </a:tr>
+            </a:tbl>
+          </a:graphicData>
+        </a:graphic>
+      </p:graphicFrame>
+      <p:sp>
+        <p:nvSpPr>
+          <p:cNvPr id="9" name="Textfeld 8">
+            <a:extLst>
+              <a:ext uri="{FF2B5EF4-FFF2-40B4-BE49-F238E27FC236}">
+                <a16:creationId xmlns:a16="http://schemas.microsoft.com/office/drawing/2014/main" id="{7DEC8411-5206-46E9-B750-9A90BA2575B8}"/>
+              </a:ext>
+            </a:extLst>
+          </p:cNvPr>
+          <p:cNvSpPr txBox="1"/>
+          <p:nvPr/>
+        </p:nvSpPr>
+        <p:spPr>
+          <a:xfrm>
+            <a:off x="366711" y="3286125"/>
+            <a:ext cx="8777289" cy="1200329"/>
+          </a:xfrm>
+          <a:prstGeom prst="rect">
+            <a:avLst/>
+          </a:prstGeom>
+          <a:noFill/>
+        </p:spPr>
+        <p:txBody>
+          <a:bodyPr wrap="square" rtlCol="0">
+            <a:spAutoFit/>
+          </a:bodyPr>
+          <a:lstStyle/>
+          <a:p>
+            <a:r>
+              <a:rPr lang="de-DE" dirty="0" err="1"/>
+              <a:t>Accept</a:t>
+            </a:r>
+            <a:r>
+              <a:rPr lang="de-DE" dirty="0"/>
+              <a:t> H0 </a:t>
+            </a:r>
+          </a:p>
+          <a:p>
+            <a:pPr marL="285750" indent="-285750">
+              <a:buFont typeface="Wingdings" panose="05000000000000000000" pitchFamily="2" charset="2"/>
+              <a:buChar char="à"/>
+            </a:pPr>
+            <a:r>
+              <a:rPr lang="de-DE" dirty="0" err="1">
+                <a:sym typeface="Wingdings" panose="05000000000000000000" pitchFamily="2" charset="2"/>
+              </a:rPr>
+              <a:t>no</a:t>
+            </a:r>
+            <a:r>
+              <a:rPr lang="de-DE" dirty="0">
+                <a:sym typeface="Wingdings" panose="05000000000000000000" pitchFamily="2" charset="2"/>
+              </a:rPr>
+              <a:t> </a:t>
+            </a:r>
+            <a:r>
+              <a:rPr lang="de-DE" dirty="0" err="1">
+                <a:sym typeface="Wingdings" panose="05000000000000000000" pitchFamily="2" charset="2"/>
+              </a:rPr>
+              <a:t>differences</a:t>
+            </a:r>
+            <a:r>
+              <a:rPr lang="de-DE" dirty="0">
+                <a:sym typeface="Wingdings" panose="05000000000000000000" pitchFamily="2" charset="2"/>
+              </a:rPr>
+              <a:t> in </a:t>
+            </a:r>
+            <a:r>
+              <a:rPr lang="de-DE" dirty="0" err="1">
+                <a:sym typeface="Wingdings" panose="05000000000000000000" pitchFamily="2" charset="2"/>
+              </a:rPr>
+              <a:t>model</a:t>
+            </a:r>
+            <a:r>
+              <a:rPr lang="de-DE" dirty="0">
+                <a:sym typeface="Wingdings" panose="05000000000000000000" pitchFamily="2" charset="2"/>
+              </a:rPr>
+              <a:t> </a:t>
+            </a:r>
+            <a:r>
+              <a:rPr lang="de-DE" dirty="0" err="1">
+                <a:sym typeface="Wingdings" panose="05000000000000000000" pitchFamily="2" charset="2"/>
+              </a:rPr>
+              <a:t>accurancies</a:t>
+            </a:r>
+            <a:r>
+              <a:rPr lang="de-DE" dirty="0">
+                <a:sym typeface="Wingdings" panose="05000000000000000000" pitchFamily="2" charset="2"/>
+              </a:rPr>
+              <a:t> </a:t>
+            </a:r>
+          </a:p>
+          <a:p>
+            <a:pPr marL="285750" indent="-285750">
+              <a:buFont typeface="Wingdings" panose="05000000000000000000" pitchFamily="2" charset="2"/>
+              <a:buChar char="à"/>
+            </a:pPr>
+            <a:r>
+              <a:rPr lang="de-DE" dirty="0">
+                <a:sym typeface="Wingdings" panose="05000000000000000000" pitchFamily="2" charset="2"/>
+              </a:rPr>
+              <a:t>Models </a:t>
+            </a:r>
+            <a:r>
+              <a:rPr lang="en-GB" dirty="0"/>
+              <a:t>can be exchanged at will, statistically seen there will be no difference regarding results.</a:t>
+            </a:r>
+          </a:p>
+        </p:txBody>
+      </p:sp>
+    </p:spTree>
+    <p:extLst>
+      <p:ext uri="{BB962C8B-B14F-4D97-AF65-F5344CB8AC3E}">
+        <p14:creationId xmlns:p14="http://schemas.microsoft.com/office/powerpoint/2010/main" val="1572132071"/>
+      </p:ext>
+    </p:extLst>
+  </p:cSld>
+  <p:clrMapOvr>
+    <a:masterClrMapping/>
+  </p:clrMapOvr>
+</p:sld>
+</file>
+
+<file path=ppt/slides/slide12.xml><?xml version="1.0" encoding="utf-8"?>
+<p:sld xmlns:a="http://schemas.openxmlformats.org/drawingml/2006/main" xmlns:r="http://schemas.openxmlformats.org/officeDocument/2006/relationships" xmlns:p="http://schemas.openxmlformats.org/presentationml/2006/main">
+  <p:cSld>
+    <p:spTree>
+      <p:nvGrpSpPr>
+        <p:cNvPr id="1" name=""/>
+        <p:cNvGrpSpPr/>
+        <p:nvPr/>
+      </p:nvGrpSpPr>
+      <p:grpSpPr>
+        <a:xfrm>
+          <a:off x="0" y="0"/>
+          <a:ext cx="0" cy="0"/>
+          <a:chOff x="0" y="0"/>
+          <a:chExt cx="0" cy="0"/>
+        </a:xfrm>
+      </p:grpSpPr>
+      <p:sp>
+        <p:nvSpPr>
+          <p:cNvPr id="2" name="Titel 1">
+            <a:extLst>
+              <a:ext uri="{FF2B5EF4-FFF2-40B4-BE49-F238E27FC236}">
                 <a16:creationId xmlns:a16="http://schemas.microsoft.com/office/drawing/2014/main" id="{483A1D8D-8DE5-463A-BCCF-8A4A51415E11}"/>
               </a:ext>
             </a:extLst>
@@ -11726,7 +13208,7 @@
             <a:fld id="{1744B4DD-8F10-491C-BFC2-D4DC64F16D79}" type="slidenum">
               <a:rPr lang="de-DE" smtClean="0"/>
               <a:pPr/>
-              <a:t>10</a:t>
+              <a:t>12</a:t>
             </a:fld>
             <a:r>
               <a:rPr lang="de-DE">
@@ -11799,8 +13281,8 @@
         </p:blipFill>
         <p:spPr>
           <a:xfrm>
-            <a:off x="0" y="2689058"/>
-            <a:ext cx="9144000" cy="2210802"/>
+            <a:off x="111610" y="2689058"/>
+            <a:ext cx="8920779" cy="2210802"/>
           </a:xfrm>
           <a:prstGeom prst="rect">
             <a:avLst/>
@@ -11820,7 +13302,7 @@
 </p:sld>
 </file>
 
-<file path=ppt/slides/slide11.xml><?xml version="1.0" encoding="utf-8"?>
+<file path=ppt/slides/slide13.xml><?xml version="1.0" encoding="utf-8"?>
 <p:sld xmlns:a="http://schemas.openxmlformats.org/drawingml/2006/main" xmlns:r="http://schemas.openxmlformats.org/officeDocument/2006/relationships" xmlns:p="http://schemas.openxmlformats.org/presentationml/2006/main">
   <p:cSld>
     <p:spTree>
@@ -11890,7 +13372,7 @@
             <a:fld id="{1744B4DD-8F10-491C-BFC2-D4DC64F16D79}" type="slidenum">
               <a:rPr lang="de-DE" smtClean="0"/>
               <a:pPr/>
-              <a:t>11</a:t>
+              <a:t>13</a:t>
             </a:fld>
             <a:r>
               <a:rPr lang="de-DE">
@@ -12068,7 +13550,7 @@
 </p:sld>
 </file>
 
-<file path=ppt/slides/slide12.xml><?xml version="1.0" encoding="utf-8"?>
+<file path=ppt/slides/slide14.xml><?xml version="1.0" encoding="utf-8"?>
 <p:sld xmlns:a="http://schemas.openxmlformats.org/drawingml/2006/main" xmlns:r="http://schemas.openxmlformats.org/officeDocument/2006/relationships" xmlns:p="http://schemas.openxmlformats.org/presentationml/2006/main">
   <p:cSld>
     <p:spTree>
@@ -12138,7 +13620,7 @@
             <a:fld id="{1744B4DD-8F10-491C-BFC2-D4DC64F16D79}" type="slidenum">
               <a:rPr lang="de-DE" smtClean="0"/>
               <a:pPr/>
-              <a:t>12</a:t>
+              <a:t>14</a:t>
             </a:fld>
             <a:r>
               <a:rPr lang="de-DE">
@@ -21768,6 +23250,204 @@
           <p:cNvPr id="2" name="Titel 1">
             <a:extLst>
               <a:ext uri="{FF2B5EF4-FFF2-40B4-BE49-F238E27FC236}">
+                <a16:creationId xmlns:a16="http://schemas.microsoft.com/office/drawing/2014/main" id="{5AE43EEF-98FD-4365-9040-DA60CF880EB9}"/>
+              </a:ext>
+            </a:extLst>
+          </p:cNvPr>
+          <p:cNvSpPr>
+            <a:spLocks noGrp="1"/>
+          </p:cNvSpPr>
+          <p:nvPr>
+            <p:ph type="title"/>
+          </p:nvPr>
+        </p:nvSpPr>
+        <p:spPr/>
+        <p:txBody>
+          <a:bodyPr/>
+          <a:lstStyle/>
+          <a:p>
+            <a:r>
+              <a:rPr lang="de-DE" dirty="0"/>
+              <a:t>Multiple </a:t>
+            </a:r>
+            <a:r>
+              <a:rPr lang="de-DE" dirty="0" err="1"/>
+              <a:t>Testing</a:t>
+            </a:r>
+            <a:r>
+              <a:rPr lang="de-DE" dirty="0"/>
+              <a:t> </a:t>
+            </a:r>
+            <a:r>
+              <a:rPr lang="de-DE" dirty="0" err="1"/>
+              <a:t>Correction</a:t>
+            </a:r>
+            <a:endParaRPr lang="en-GB" dirty="0"/>
+          </a:p>
+        </p:txBody>
+      </p:sp>
+      <p:sp>
+        <p:nvSpPr>
+          <p:cNvPr id="3" name="Foliennummernplatzhalter 2">
+            <a:extLst>
+              <a:ext uri="{FF2B5EF4-FFF2-40B4-BE49-F238E27FC236}">
+                <a16:creationId xmlns:a16="http://schemas.microsoft.com/office/drawing/2014/main" id="{057AC57E-5192-427E-859E-916001498E88}"/>
+              </a:ext>
+            </a:extLst>
+          </p:cNvPr>
+          <p:cNvSpPr>
+            <a:spLocks noGrp="1"/>
+          </p:cNvSpPr>
+          <p:nvPr>
+            <p:ph type="sldNum" sz="quarter" idx="12"/>
+          </p:nvPr>
+        </p:nvSpPr>
+        <p:spPr/>
+        <p:txBody>
+          <a:bodyPr/>
+          <a:lstStyle/>
+          <a:p>
+            <a:fld id="{1744B4DD-8F10-491C-BFC2-D4DC64F16D79}" type="slidenum">
+              <a:rPr lang="de-DE" smtClean="0"/>
+              <a:pPr/>
+              <a:t>6</a:t>
+            </a:fld>
+            <a:r>
+              <a:rPr lang="de-DE">
+                <a:ea typeface="Verdana"/>
+                <a:cs typeface="Verdana"/>
+              </a:rPr>
+              <a:t>│</a:t>
+            </a:r>
+            <a:endParaRPr lang="de-DE" dirty="0"/>
+          </a:p>
+        </p:txBody>
+      </p:sp>
+      <p:pic>
+        <p:nvPicPr>
+          <p:cNvPr id="11266" name="Picture 2" descr="Image for post">
+            <a:extLst>
+              <a:ext uri="{FF2B5EF4-FFF2-40B4-BE49-F238E27FC236}">
+                <a16:creationId xmlns:a16="http://schemas.microsoft.com/office/drawing/2014/main" id="{5475DD85-0C42-4BC3-B400-487E8E6E1AFB}"/>
+              </a:ext>
+            </a:extLst>
+          </p:cNvPr>
+          <p:cNvPicPr>
+            <a:picLocks noChangeAspect="1" noChangeArrowheads="1"/>
+          </p:cNvPicPr>
+          <p:nvPr/>
+        </p:nvPicPr>
+        <p:blipFill>
+          <a:blip r:embed="rId3">
+            <a:extLst>
+              <a:ext uri="{28A0092B-C50C-407E-A947-70E740481C1C}">
+                <a14:useLocalDpi xmlns:a14="http://schemas.microsoft.com/office/drawing/2010/main" val="0"/>
+              </a:ext>
+            </a:extLst>
+          </a:blip>
+          <a:srcRect/>
+          <a:stretch>
+            <a:fillRect/>
+          </a:stretch>
+        </p:blipFill>
+        <p:spPr bwMode="auto">
+          <a:xfrm>
+            <a:off x="213350" y="1763871"/>
+            <a:ext cx="5200650" cy="2446834"/>
+          </a:xfrm>
+          <a:prstGeom prst="rect">
+            <a:avLst/>
+          </a:prstGeom>
+          <a:noFill/>
+          <a:extLst>
+            <a:ext uri="{909E8E84-426E-40DD-AFC4-6F175D3DCCD1}">
+              <a14:hiddenFill xmlns:a14="http://schemas.microsoft.com/office/drawing/2010/main">
+                <a:solidFill>
+                  <a:srgbClr val="FFFFFF"/>
+                </a:solidFill>
+              </a14:hiddenFill>
+            </a:ext>
+          </a:extLst>
+        </p:spPr>
+      </p:pic>
+      <p:sp>
+        <p:nvSpPr>
+          <p:cNvPr id="5" name="Textfeld 4">
+            <a:extLst>
+              <a:ext uri="{FF2B5EF4-FFF2-40B4-BE49-F238E27FC236}">
+                <a16:creationId xmlns:a16="http://schemas.microsoft.com/office/drawing/2014/main" id="{A1789CD0-CD15-45FC-B467-71989C812052}"/>
+              </a:ext>
+            </a:extLst>
+          </p:cNvPr>
+          <p:cNvSpPr txBox="1"/>
+          <p:nvPr/>
+        </p:nvSpPr>
+        <p:spPr>
+          <a:xfrm>
+            <a:off x="357187" y="1161554"/>
+            <a:ext cx="8573463" cy="646331"/>
+          </a:xfrm>
+          <a:prstGeom prst="rect">
+            <a:avLst/>
+          </a:prstGeom>
+          <a:noFill/>
+        </p:spPr>
+        <p:txBody>
+          <a:bodyPr wrap="square" rtlCol="0">
+            <a:spAutoFit/>
+          </a:bodyPr>
+          <a:lstStyle/>
+          <a:p>
+            <a:pPr marL="285750" indent="-285750">
+              <a:buFont typeface="Arial" panose="020B0604020202020204" pitchFamily="34" charset="0"/>
+              <a:buChar char="•"/>
+            </a:pPr>
+            <a:r>
+              <a:rPr lang="en-GB" b="1" dirty="0"/>
+              <a:t>FWER</a:t>
+            </a:r>
+            <a:r>
+              <a:rPr lang="en-GB" dirty="0"/>
+              <a:t> (family wise error rate): indicates probability of making one or more false discoveries when performing multiple hypotheses tests</a:t>
+            </a:r>
+          </a:p>
+        </p:txBody>
+      </p:sp>
+    </p:spTree>
+    <p:extLst>
+      <p:ext uri="{BB962C8B-B14F-4D97-AF65-F5344CB8AC3E}">
+        <p14:creationId xmlns:p14="http://schemas.microsoft.com/office/powerpoint/2010/main" val="481895576"/>
+      </p:ext>
+    </p:extLst>
+  </p:cSld>
+  <p:clrMapOvr>
+    <a:masterClrMapping/>
+  </p:clrMapOvr>
+</p:sld>
+</file>
+
+<file path=ppt/slides/slide7.xml><?xml version="1.0" encoding="utf-8"?>
+<p:sld xmlns:a="http://schemas.openxmlformats.org/drawingml/2006/main" xmlns:r="http://schemas.openxmlformats.org/officeDocument/2006/relationships" xmlns:p="http://schemas.openxmlformats.org/presentationml/2006/main">
+  <p:cSld>
+    <p:spTree>
+      <p:nvGrpSpPr>
+        <p:cNvPr id="1" name=""/>
+        <p:cNvGrpSpPr/>
+        <p:nvPr/>
+      </p:nvGrpSpPr>
+      <p:grpSpPr>
+        <a:xfrm>
+          <a:off x="0" y="0"/>
+          <a:ext cx="0" cy="0"/>
+          <a:chOff x="0" y="0"/>
+          <a:chExt cx="0" cy="0"/>
+        </a:xfrm>
+      </p:grpSpPr>
+      <p:sp>
+        <p:nvSpPr>
+          <p:cNvPr id="2" name="Titel 1">
+            <a:extLst>
+              <a:ext uri="{FF2B5EF4-FFF2-40B4-BE49-F238E27FC236}">
                 <a16:creationId xmlns:a16="http://schemas.microsoft.com/office/drawing/2014/main" id="{C6CAF1E0-82D0-4EA7-B547-656225D043BE}"/>
               </a:ext>
             </a:extLst>
@@ -21816,7 +23496,7 @@
             <a:fld id="{1744B4DD-8F10-491C-BFC2-D4DC64F16D79}" type="slidenum">
               <a:rPr lang="de-DE" smtClean="0"/>
               <a:pPr/>
-              <a:t>6</a:t>
+              <a:t>7</a:t>
             </a:fld>
             <a:r>
               <a:rPr lang="de-DE">
@@ -21961,7 +23641,7 @@
 </p:sld>
 </file>
 
-<file path=ppt/slides/slide7.xml><?xml version="1.0" encoding="utf-8"?>
+<file path=ppt/slides/slide8.xml><?xml version="1.0" encoding="utf-8"?>
 <p:sld xmlns:a="http://schemas.openxmlformats.org/drawingml/2006/main" xmlns:r="http://schemas.openxmlformats.org/officeDocument/2006/relationships" xmlns:p="http://schemas.openxmlformats.org/presentationml/2006/main">
   <p:cSld>
     <p:spTree>
@@ -22035,7 +23715,7 @@
             <a:fld id="{1744B4DD-8F10-491C-BFC2-D4DC64F16D79}" type="slidenum">
               <a:rPr lang="de-DE" smtClean="0"/>
               <a:pPr/>
-              <a:t>7</a:t>
+              <a:t>8</a:t>
             </a:fld>
             <a:r>
               <a:rPr lang="de-DE">
@@ -22090,7 +23770,7 @@
 </p:sld>
 </file>
 
-<file path=ppt/slides/slide8.xml><?xml version="1.0" encoding="utf-8"?>
+<file path=ppt/slides/slide9.xml><?xml version="1.0" encoding="utf-8"?>
 <p:sld xmlns:a="http://schemas.openxmlformats.org/drawingml/2006/main" xmlns:r="http://schemas.openxmlformats.org/officeDocument/2006/relationships" xmlns:p="http://schemas.openxmlformats.org/presentationml/2006/main">
   <p:cSld>
     <p:spTree>
@@ -22180,7 +23860,7 @@
             <a:fld id="{1744B4DD-8F10-491C-BFC2-D4DC64F16D79}" type="slidenum">
               <a:rPr lang="de-DE" smtClean="0"/>
               <a:pPr/>
-              <a:t>8</a:t>
+              <a:t>9</a:t>
             </a:fld>
             <a:r>
               <a:rPr lang="de-DE">
@@ -22208,14 +23888,14 @@
           <p:nvPr>
             <p:extLst>
               <p:ext uri="{D42A27DB-BD31-4B8C-83A1-F6EECF244321}">
-                <p14:modId xmlns:p14="http://schemas.microsoft.com/office/powerpoint/2010/main" val="3375282533"/>
+                <p14:modId xmlns:p14="http://schemas.microsoft.com/office/powerpoint/2010/main" val="328172579"/>
               </p:ext>
             </p:extLst>
           </p:nvPr>
         </p:nvGraphicFramePr>
         <p:xfrm>
-          <a:off x="100645" y="1234139"/>
-          <a:ext cx="8046509" cy="5120640"/>
+          <a:off x="100645" y="1125239"/>
+          <a:ext cx="8792530" cy="5147592"/>
         </p:xfrm>
         <a:graphic>
           <a:graphicData uri="http://schemas.openxmlformats.org/drawingml/2006/table">
@@ -22224,28 +23904,28 @@
                 <a:tableStyleId>{5C22544A-7EE6-4342-B048-85BDC9FD1C3A}</a:tableStyleId>
               </a:tblPr>
               <a:tblGrid>
-                <a:gridCol w="2932642">
+                <a:gridCol w="3871280">
                   <a:extLst>
                     <a:ext uri="{9D8B030D-6E8A-4147-A177-3AD203B41FA5}">
                       <a16:colId xmlns:a16="http://schemas.microsoft.com/office/drawing/2014/main" val="301231459"/>
                     </a:ext>
                   </a:extLst>
                 </a:gridCol>
-                <a:gridCol w="1761066">
+                <a:gridCol w="1643063">
                   <a:extLst>
                     <a:ext uri="{9D8B030D-6E8A-4147-A177-3AD203B41FA5}">
                       <a16:colId xmlns:a16="http://schemas.microsoft.com/office/drawing/2014/main" val="1375073158"/>
                     </a:ext>
                   </a:extLst>
                 </a:gridCol>
-                <a:gridCol w="1930400">
+                <a:gridCol w="1723910">
                   <a:extLst>
                     <a:ext uri="{9D8B030D-6E8A-4147-A177-3AD203B41FA5}">
                       <a16:colId xmlns:a16="http://schemas.microsoft.com/office/drawing/2014/main" val="1026297322"/>
                     </a:ext>
                   </a:extLst>
                 </a:gridCol>
-                <a:gridCol w="1422401">
+                <a:gridCol w="1554277">
                   <a:extLst>
                     <a:ext uri="{9D8B030D-6E8A-4147-A177-3AD203B41FA5}">
                       <a16:colId xmlns:a16="http://schemas.microsoft.com/office/drawing/2014/main" val="652560326"/>
@@ -22253,62 +23933,86 @@
                   </a:extLst>
                 </a:gridCol>
               </a:tblGrid>
-              <a:tr h="486671">
+              <a:tr h="700366">
                 <a:tc>
                   <a:txBody>
                     <a:bodyPr/>
                     <a:lstStyle/>
                     <a:p>
+                      <a:pPr algn="l" rtl="0" fontAlgn="ctr"/>
                       <a:r>
-                        <a:rPr lang="de-DE" dirty="0"/>
+                        <a:rPr lang="en-GB" sz="1800" b="1" i="0" u="none" strike="noStrike" dirty="0">
+                          <a:solidFill>
+                            <a:srgbClr val="FFFFFF"/>
+                          </a:solidFill>
+                          <a:effectLst/>
+                          <a:latin typeface="+mn-lt"/>
+                        </a:rPr>
                         <a:t>Pipeline</a:t>
                       </a:r>
-                      <a:endParaRPr lang="en-GB" dirty="0"/>
                     </a:p>
                   </a:txBody>
-                  <a:tcPr/>
+                  <a:tcPr marL="9525" marR="9525" marT="9525" marB="0" anchor="ctr"/>
                 </a:tc>
                 <a:tc>
                   <a:txBody>
                     <a:bodyPr/>
                     <a:lstStyle/>
                     <a:p>
+                      <a:pPr algn="l" rtl="0" fontAlgn="ctr"/>
                       <a:r>
-                        <a:rPr lang="de-DE" dirty="0"/>
-                        <a:t>Train Score</a:t>
+                        <a:rPr lang="en-GB" sz="1800" b="1" i="0" u="none" strike="noStrike">
+                          <a:solidFill>
+                            <a:srgbClr val="FFFFFF"/>
+                          </a:solidFill>
+                          <a:effectLst/>
+                          <a:latin typeface="+mn-lt"/>
+                        </a:rPr>
+                        <a:t>Train Score (f1)</a:t>
                       </a:r>
-                      <a:endParaRPr lang="en-GB" dirty="0"/>
                     </a:p>
                   </a:txBody>
-                  <a:tcPr/>
+                  <a:tcPr marL="9525" marR="9525" marT="9525" marB="0" anchor="ctr"/>
                 </a:tc>
                 <a:tc>
                   <a:txBody>
                     <a:bodyPr/>
                     <a:lstStyle/>
                     <a:p>
+                      <a:pPr algn="l" rtl="0" fontAlgn="ctr"/>
                       <a:r>
-                        <a:rPr lang="de-DE" dirty="0"/>
-                        <a:t>Validation Score</a:t>
+                        <a:rPr lang="en-GB" sz="1800" b="1" i="0" u="none" strike="noStrike" dirty="0">
+                          <a:solidFill>
+                            <a:srgbClr val="FFFFFF"/>
+                          </a:solidFill>
+                          <a:effectLst/>
+                          <a:latin typeface="+mn-lt"/>
+                        </a:rPr>
+                        <a:t>Validation Score (f1)</a:t>
                       </a:r>
-                      <a:endParaRPr lang="en-GB" dirty="0"/>
                     </a:p>
                   </a:txBody>
-                  <a:tcPr/>
+                  <a:tcPr marL="9525" marR="9525" marT="9525" marB="0" anchor="ctr"/>
                 </a:tc>
                 <a:tc>
                   <a:txBody>
                     <a:bodyPr/>
                     <a:lstStyle/>
                     <a:p>
+                      <a:pPr algn="l" rtl="0" fontAlgn="ctr"/>
                       <a:r>
-                        <a:rPr lang="de-DE" dirty="0"/>
-                        <a:t>Test Score</a:t>
+                        <a:rPr lang="en-GB" sz="1800" b="1" i="0" u="none" strike="noStrike" dirty="0">
+                          <a:solidFill>
+                            <a:srgbClr val="FFFFFF"/>
+                          </a:solidFill>
+                          <a:effectLst/>
+                          <a:latin typeface="+mn-lt"/>
+                        </a:rPr>
+                        <a:t>Test Score (f1)</a:t>
                       </a:r>
-                      <a:endParaRPr lang="en-GB" dirty="0"/>
                     </a:p>
                   </a:txBody>
-                  <a:tcPr/>
+                  <a:tcPr marL="9525" marR="9525" marT="9525" marB="0" anchor="ctr"/>
                 </a:tc>
                 <a:extLst>
                   <a:ext uri="{0D108BD9-81ED-4DB2-BD59-A6C34878D82A}">
@@ -22316,58 +24020,96 @@
                   </a:ext>
                 </a:extLst>
               </a:tr>
-              <a:tr h="278097">
+              <a:tr h="540071">
                 <a:tc>
                   <a:txBody>
                     <a:bodyPr/>
                     <a:lstStyle/>
                     <a:p>
+                      <a:pPr algn="l" rtl="0" fontAlgn="ctr"/>
                       <a:r>
-                        <a:rPr lang="en-GB" sz="1400" dirty="0"/>
-                        <a:t>quantile_trans|KNN_imp|smote|l2_normalizer|PCA|KNN</a:t>
+                        <a:rPr lang="en-GB" sz="1800" b="0" i="0" u="none" strike="noStrike" dirty="0">
+                          <a:solidFill>
+                            <a:srgbClr val="333333"/>
+                          </a:solidFill>
+                          <a:effectLst/>
+                          <a:latin typeface="+mn-lt"/>
+                        </a:rPr>
+                        <a:t>quantile_trans|KNN_imp|smote|l2_norm|no_feature_selector|</a:t>
+                      </a:r>
+                      <a:r>
+                        <a:rPr lang="en-GB" sz="1800" b="1" i="0" u="none" strike="noStrike" dirty="0">
+                          <a:solidFill>
+                            <a:srgbClr val="333333"/>
+                          </a:solidFill>
+                          <a:effectLst/>
+                          <a:latin typeface="+mn-lt"/>
+                        </a:rPr>
+                        <a:t>KNN</a:t>
                       </a:r>
                     </a:p>
                   </a:txBody>
-                  <a:tcPr/>
+                  <a:tcPr marL="9525" marR="9525" marT="9525" marB="0" anchor="ctr"/>
                 </a:tc>
                 <a:tc>
                   <a:txBody>
                     <a:bodyPr/>
                     <a:lstStyle/>
                     <a:p>
+                      <a:pPr algn="l" rtl="0" fontAlgn="ctr"/>
                       <a:r>
-                        <a:rPr lang="en-GB" sz="1400" dirty="0"/>
-                        <a:t>0.1819±0.0024</a:t>
+                        <a:rPr lang="en-GB" sz="1800" b="0" i="0" u="none" strike="noStrike" dirty="0">
+                          <a:solidFill>
+                            <a:srgbClr val="333333"/>
+                          </a:solidFill>
+                          <a:effectLst/>
+                          <a:latin typeface="+mn-lt"/>
+                        </a:rPr>
+                        <a:t>0.1642±0.002</a:t>
                       </a:r>
                     </a:p>
                   </a:txBody>
-                  <a:tcPr/>
+                  <a:tcPr marL="9525" marR="9525" marT="9525" marB="0" anchor="ctr"/>
                 </a:tc>
                 <a:tc>
                   <a:txBody>
                     <a:bodyPr/>
                     <a:lstStyle/>
                     <a:p>
+                      <a:pPr algn="l" rtl="0" fontAlgn="ctr"/>
                       <a:r>
-                        <a:rPr lang="en-GB" sz="1400" dirty="0"/>
-                        <a:t>0.1341±0.0175</a:t>
+                        <a:rPr lang="en-GB" sz="1800" b="0" i="0" u="none" strike="noStrike" dirty="0">
+                          <a:solidFill>
+                            <a:srgbClr val="333333"/>
+                          </a:solidFill>
+                          <a:effectLst/>
+                          <a:latin typeface="+mn-lt"/>
+                        </a:rPr>
+                        <a:t>0.1404±0.0252</a:t>
                       </a:r>
                     </a:p>
                   </a:txBody>
-                  <a:tcPr/>
+                  <a:tcPr marL="9525" marR="9525" marT="9525" marB="0" anchor="ctr"/>
                 </a:tc>
                 <a:tc>
                   <a:txBody>
                     <a:bodyPr/>
                     <a:lstStyle/>
                     <a:p>
+                      <a:pPr algn="l" rtl="0" fontAlgn="ctr"/>
                       <a:r>
-                        <a:rPr lang="en-GB" sz="1400" dirty="0"/>
-                        <a:t>0.1365±0</a:t>
+                        <a:rPr lang="en-GB" sz="1800" b="0" i="0" u="none" strike="noStrike" dirty="0">
+                          <a:solidFill>
+                            <a:srgbClr val="333333"/>
+                          </a:solidFill>
+                          <a:effectLst/>
+                          <a:latin typeface="+mn-lt"/>
+                        </a:rPr>
+                        <a:t>0.1315±0</a:t>
                       </a:r>
                     </a:p>
                   </a:txBody>
-                  <a:tcPr/>
+                  <a:tcPr marL="9525" marR="9525" marT="9525" marB="0" anchor="ctr"/>
                 </a:tc>
                 <a:extLst>
                   <a:ext uri="{0D108BD9-81ED-4DB2-BD59-A6C34878D82A}">
@@ -22375,58 +24117,181 @@
                   </a:ext>
                 </a:extLst>
               </a:tr>
-              <a:tr h="278097">
+              <a:tr h="540071">
                 <a:tc>
                   <a:txBody>
                     <a:bodyPr/>
                     <a:lstStyle/>
                     <a:p>
+                      <a:pPr algn="l" rtl="0" fontAlgn="ctr"/>
                       <a:r>
-                        <a:rPr lang="en-GB" sz="1400" dirty="0"/>
-                        <a:t>quantile_trans|KNN_imp|smote|l2_normalizer|no_feature_selector|MLP</a:t>
+                        <a:rPr lang="de-DE" sz="1800" b="1" i="0" u="none" strike="noStrike" dirty="0">
+                          <a:solidFill>
+                            <a:srgbClr val="333333"/>
+                          </a:solidFill>
+                          <a:effectLst/>
+                          <a:latin typeface="+mn-lt"/>
+                        </a:rPr>
+                        <a:t>MLP</a:t>
                       </a:r>
+                      <a:endParaRPr lang="en-GB" sz="1800" b="1" i="0" u="none" strike="noStrike" dirty="0">
+                        <a:solidFill>
+                          <a:srgbClr val="333333"/>
+                        </a:solidFill>
+                        <a:effectLst/>
+                        <a:latin typeface="+mn-lt"/>
+                      </a:endParaRPr>
                     </a:p>
                   </a:txBody>
-                  <a:tcPr/>
+                  <a:tcPr marL="9525" marR="9525" marT="9525" marB="0" anchor="ctr"/>
                 </a:tc>
                 <a:tc>
                   <a:txBody>
                     <a:bodyPr/>
                     <a:lstStyle/>
                     <a:p>
-                      <a:r>
-                        <a:rPr lang="en-GB" sz="1400" dirty="0"/>
-                        <a:t>0.2933±0.0377</a:t>
-                      </a:r>
+                      <a:pPr algn="l" rtl="0" fontAlgn="ctr"/>
+                      <a:endParaRPr lang="en-GB" sz="1800" b="0" i="0" u="none" strike="noStrike" dirty="0">
+                        <a:solidFill>
+                          <a:srgbClr val="333333"/>
+                        </a:solidFill>
+                        <a:effectLst/>
+                        <a:latin typeface="+mn-lt"/>
+                      </a:endParaRPr>
                     </a:p>
                   </a:txBody>
-                  <a:tcPr/>
+                  <a:tcPr marL="9525" marR="9525" marT="9525" marB="0" anchor="ctr"/>
                 </a:tc>
                 <a:tc>
                   <a:txBody>
                     <a:bodyPr/>
                     <a:lstStyle/>
                     <a:p>
-                      <a:r>
-                        <a:rPr lang="en-GB" sz="1400" dirty="0"/>
-                        <a:t>0.1549±0.065</a:t>
-                      </a:r>
+                      <a:pPr algn="l" rtl="0" fontAlgn="ctr"/>
+                      <a:endParaRPr lang="en-GB" sz="1800" b="0" i="0" u="none" strike="noStrike" dirty="0">
+                        <a:solidFill>
+                          <a:srgbClr val="333333"/>
+                        </a:solidFill>
+                        <a:effectLst/>
+                        <a:latin typeface="+mn-lt"/>
+                      </a:endParaRPr>
                     </a:p>
                   </a:txBody>
-                  <a:tcPr/>
+                  <a:tcPr marL="9525" marR="9525" marT="9525" marB="0" anchor="ctr"/>
                 </a:tc>
                 <a:tc>
                   <a:txBody>
                     <a:bodyPr/>
                     <a:lstStyle/>
                     <a:p>
+                      <a:pPr algn="l" rtl="0" fontAlgn="ctr"/>
+                      <a:endParaRPr lang="en-GB" sz="1800" b="0" i="0" u="none" strike="noStrike" dirty="0">
+                        <a:solidFill>
+                          <a:srgbClr val="333333"/>
+                        </a:solidFill>
+                        <a:effectLst/>
+                        <a:latin typeface="+mn-lt"/>
+                      </a:endParaRPr>
+                    </a:p>
+                  </a:txBody>
+                  <a:tcPr marL="9525" marR="9525" marT="9525" marB="0" anchor="ctr"/>
+                </a:tc>
+                <a:extLst>
+                  <a:ext uri="{0D108BD9-81ED-4DB2-BD59-A6C34878D82A}">
+                    <a16:rowId xmlns:a16="http://schemas.microsoft.com/office/drawing/2014/main" val="1683125298"/>
+                  </a:ext>
+                </a:extLst>
+              </a:tr>
+              <a:tr h="540071">
+                <a:tc>
+                  <a:txBody>
+                    <a:bodyPr/>
+                    <a:lstStyle/>
+                    <a:p>
+                      <a:pPr algn="l" rtl="0" fontAlgn="ctr"/>
                       <a:r>
-                        <a:rPr lang="en-GB" sz="1400" dirty="0"/>
-                        <a:t>0.0984±0</a:t>
+                        <a:rPr lang="en-GB" sz="1800" b="0" i="0" u="none" strike="noStrike" dirty="0">
+                          <a:solidFill>
+                            <a:srgbClr val="333333"/>
+                          </a:solidFill>
+                          <a:effectLst/>
+                          <a:latin typeface="+mn-lt"/>
+                        </a:rPr>
+                        <a:t>quantile_trans|KNN_imp|smote|no_normalizer|no_feature_selector|</a:t>
+                      </a:r>
+                      <a:r>
+                        <a:rPr lang="en-GB" sz="1800" b="1" i="0" u="none" strike="noStrike" dirty="0">
+                          <a:solidFill>
+                            <a:srgbClr val="333333"/>
+                          </a:solidFill>
+                          <a:effectLst/>
+                          <a:latin typeface="+mn-lt"/>
+                        </a:rPr>
+                        <a:t>RF</a:t>
                       </a:r>
                     </a:p>
                   </a:txBody>
-                  <a:tcPr/>
+                  <a:tcPr marL="9525" marR="9525" marT="9525" marB="0" anchor="ctr"/>
+                </a:tc>
+                <a:tc>
+                  <a:txBody>
+                    <a:bodyPr/>
+                    <a:lstStyle/>
+                    <a:p>
+                      <a:pPr algn="l" rtl="0" fontAlgn="ctr"/>
+                      <a:r>
+                        <a:rPr lang="en-GB" sz="1800" b="0" i="0" u="none" strike="noStrike" dirty="0">
+                          <a:solidFill>
+                            <a:srgbClr val="333333"/>
+                          </a:solidFill>
+                          <a:effectLst/>
+                          <a:latin typeface="+mn-lt"/>
+                        </a:rPr>
+                        <a:t>0.2931±0.0182</a:t>
+                      </a:r>
+                    </a:p>
+                  </a:txBody>
+                  <a:tcPr marL="9525" marR="9525" marT="9525" marB="0" anchor="ctr"/>
+                </a:tc>
+                <a:tc>
+                  <a:txBody>
+                    <a:bodyPr/>
+                    <a:lstStyle/>
+                    <a:p>
+                      <a:pPr algn="l" rtl="0" fontAlgn="ctr"/>
+                      <a:r>
+                        <a:rPr lang="en-GB" sz="1800" b="0" i="0" u="none" strike="noStrike">
+                          <a:solidFill>
+                            <a:srgbClr val="333333"/>
+                          </a:solidFill>
+                          <a:effectLst/>
+                          <a:latin typeface="+mn-lt"/>
+                        </a:rPr>
+                        <a:t>0.1619±0.0316</a:t>
+                      </a:r>
+                    </a:p>
+                  </a:txBody>
+                  <a:tcPr marL="9525" marR="9525" marT="9525" marB="0" anchor="ctr"/>
+                </a:tc>
+                <a:tc>
+                  <a:txBody>
+                    <a:bodyPr/>
+                    <a:lstStyle/>
+                    <a:p>
+                      <a:pPr algn="l" rtl="0" fontAlgn="ctr"/>
+                      <a:r>
+                        <a:rPr lang="en-GB" sz="1800" b="0" i="0" u="none" strike="noStrike">
+                          <a:solidFill>
+                            <a:srgbClr val="333333"/>
+                          </a:solidFill>
+                          <a:effectLst/>
+                          <a:latin typeface="+mn-lt"/>
+                        </a:rPr>
+                        <a:t>0.1132±0</a:t>
+                      </a:r>
+                    </a:p>
+                  </a:txBody>
+                  <a:tcPr marL="9525" marR="9525" marT="9525" marB="0" anchor="ctr"/>
                 </a:tc>
                 <a:extLst>
                   <a:ext uri="{0D108BD9-81ED-4DB2-BD59-A6C34878D82A}">
@@ -22434,58 +24299,96 @@
                   </a:ext>
                 </a:extLst>
               </a:tr>
-              <a:tr h="278097">
+              <a:tr h="540071">
                 <a:tc>
                   <a:txBody>
                     <a:bodyPr/>
                     <a:lstStyle/>
                     <a:p>
+                      <a:pPr algn="l" rtl="0" fontAlgn="ctr"/>
                       <a:r>
-                        <a:rPr lang="en-GB" sz="1400" dirty="0"/>
-                        <a:t>quantile_trans|KNN_imp|smote|no_normalizer|no_feature_selector|RF</a:t>
+                        <a:rPr lang="en-GB" sz="1800" b="0" i="0" u="none" strike="noStrike" dirty="0">
+                          <a:solidFill>
+                            <a:srgbClr val="333333"/>
+                          </a:solidFill>
+                          <a:effectLst/>
+                          <a:latin typeface="+mn-lt"/>
+                        </a:rPr>
+                        <a:t>quantile_trans|KNN_imp|smote|l2_normalizer|PCA|</a:t>
+                      </a:r>
+                      <a:r>
+                        <a:rPr lang="en-GB" sz="1800" b="1" i="0" u="none" strike="noStrike" dirty="0">
+                          <a:solidFill>
+                            <a:srgbClr val="333333"/>
+                          </a:solidFill>
+                          <a:effectLst/>
+                          <a:latin typeface="+mn-lt"/>
+                        </a:rPr>
+                        <a:t>SVM</a:t>
                       </a:r>
                     </a:p>
                   </a:txBody>
-                  <a:tcPr/>
+                  <a:tcPr marL="9525" marR="9525" marT="9525" marB="0" anchor="ctr"/>
                 </a:tc>
                 <a:tc>
                   <a:txBody>
                     <a:bodyPr/>
                     <a:lstStyle/>
                     <a:p>
+                      <a:pPr algn="l" rtl="0" fontAlgn="ctr"/>
                       <a:r>
-                        <a:rPr lang="en-GB" sz="1400" dirty="0"/>
-                        <a:t>0.2896±0.0282</a:t>
+                        <a:rPr lang="en-GB" sz="1800" b="0" i="0" u="none" strike="noStrike" dirty="0">
+                          <a:solidFill>
+                            <a:srgbClr val="333333"/>
+                          </a:solidFill>
+                          <a:effectLst/>
+                          <a:latin typeface="+mn-lt"/>
+                        </a:rPr>
+                        <a:t>0.1714±0.008</a:t>
                       </a:r>
                     </a:p>
                   </a:txBody>
-                  <a:tcPr/>
+                  <a:tcPr marL="9525" marR="9525" marT="9525" marB="0" anchor="ctr"/>
                 </a:tc>
                 <a:tc>
                   <a:txBody>
                     <a:bodyPr/>
                     <a:lstStyle/>
                     <a:p>
+                      <a:pPr algn="l" rtl="0" fontAlgn="ctr"/>
                       <a:r>
-                        <a:rPr lang="en-GB" sz="1400" dirty="0"/>
-                        <a:t>0.1578±0.053</a:t>
+                        <a:rPr lang="en-GB" sz="1800" b="0" i="0" u="none" strike="noStrike">
+                          <a:solidFill>
+                            <a:srgbClr val="333333"/>
+                          </a:solidFill>
+                          <a:effectLst/>
+                          <a:latin typeface="+mn-lt"/>
+                        </a:rPr>
+                        <a:t>0.1546±0.0247</a:t>
                       </a:r>
                     </a:p>
                   </a:txBody>
-                  <a:tcPr/>
+                  <a:tcPr marL="9525" marR="9525" marT="9525" marB="0" anchor="ctr"/>
                 </a:tc>
                 <a:tc>
                   <a:txBody>
                     <a:bodyPr/>
                     <a:lstStyle/>
                     <a:p>
+                      <a:pPr algn="l" rtl="0" fontAlgn="ctr"/>
                       <a:r>
-                        <a:rPr lang="en-GB" sz="1400" dirty="0"/>
-                        <a:t>0.0513±0</a:t>
+                        <a:rPr lang="en-GB" sz="1800" b="0" i="0" u="none" strike="noStrike">
+                          <a:solidFill>
+                            <a:srgbClr val="333333"/>
+                          </a:solidFill>
+                          <a:effectLst/>
+                          <a:latin typeface="+mn-lt"/>
+                        </a:rPr>
+                        <a:t>0.1441±0</a:t>
                       </a:r>
                     </a:p>
                   </a:txBody>
-                  <a:tcPr/>
+                  <a:tcPr marL="9525" marR="9525" marT="9525" marB="0" anchor="ctr"/>
                 </a:tc>
                 <a:extLst>
                   <a:ext uri="{0D108BD9-81ED-4DB2-BD59-A6C34878D82A}">
@@ -22493,58 +24396,96 @@
                   </a:ext>
                 </a:extLst>
               </a:tr>
-              <a:tr h="278097">
+              <a:tr h="540071">
                 <a:tc>
                   <a:txBody>
                     <a:bodyPr/>
                     <a:lstStyle/>
                     <a:p>
+                      <a:pPr algn="l" rtl="0" fontAlgn="ctr"/>
                       <a:r>
-                        <a:rPr lang="en-GB" sz="1400" dirty="0"/>
-                        <a:t>quantile_trans|KNN_imp|smote|l2_normalizer|no_feature_selector|SVM</a:t>
+                        <a:rPr lang="en-GB" sz="1800" b="0" i="0" u="none" strike="noStrike" dirty="0">
+                          <a:solidFill>
+                            <a:srgbClr val="333333"/>
+                          </a:solidFill>
+                          <a:effectLst/>
+                          <a:latin typeface="+mn-lt"/>
+                        </a:rPr>
+                        <a:t>quantile_trans|KNN_imp|smote|l2_normalizer|no_feature_selector|</a:t>
+                      </a:r>
+                      <a:r>
+                        <a:rPr lang="en-GB" sz="1800" b="1" i="0" u="none" strike="noStrike" dirty="0">
+                          <a:solidFill>
+                            <a:srgbClr val="333333"/>
+                          </a:solidFill>
+                          <a:effectLst/>
+                          <a:latin typeface="+mn-lt"/>
+                        </a:rPr>
+                        <a:t>GP</a:t>
                       </a:r>
                     </a:p>
                   </a:txBody>
-                  <a:tcPr/>
+                  <a:tcPr marL="9525" marR="9525" marT="9525" marB="0" anchor="ctr"/>
                 </a:tc>
                 <a:tc>
                   <a:txBody>
                     <a:bodyPr/>
                     <a:lstStyle/>
                     <a:p>
+                      <a:pPr algn="l" rtl="0" fontAlgn="ctr"/>
                       <a:r>
-                        <a:rPr lang="en-GB" sz="1400" dirty="0"/>
-                        <a:t>0.1732±0.0098</a:t>
+                        <a:rPr lang="en-GB" sz="1800" b="0" i="0" u="none" strike="noStrike" dirty="0">
+                          <a:solidFill>
+                            <a:srgbClr val="333333"/>
+                          </a:solidFill>
+                          <a:effectLst/>
+                          <a:latin typeface="+mn-lt"/>
+                        </a:rPr>
+                        <a:t>0.2759±0.0103</a:t>
                       </a:r>
                     </a:p>
                   </a:txBody>
-                  <a:tcPr/>
+                  <a:tcPr marL="9525" marR="9525" marT="9525" marB="0" anchor="ctr"/>
                 </a:tc>
                 <a:tc>
                   <a:txBody>
                     <a:bodyPr/>
                     <a:lstStyle/>
                     <a:p>
+                      <a:pPr algn="l" rtl="0" fontAlgn="ctr"/>
                       <a:r>
-                        <a:rPr lang="en-GB" sz="1400" dirty="0"/>
-                        <a:t>0.1769±0.0303</a:t>
+                        <a:rPr lang="en-GB" sz="1800" b="0" i="0" u="none" strike="noStrike" dirty="0">
+                          <a:solidFill>
+                            <a:srgbClr val="333333"/>
+                          </a:solidFill>
+                          <a:effectLst/>
+                          <a:latin typeface="+mn-lt"/>
+                        </a:rPr>
+                        <a:t>0.174±0.0509</a:t>
                       </a:r>
                     </a:p>
                   </a:txBody>
-                  <a:tcPr/>
+                  <a:tcPr marL="9525" marR="9525" marT="9525" marB="0" anchor="ctr"/>
                 </a:tc>
                 <a:tc>
                   <a:txBody>
                     <a:bodyPr/>
                     <a:lstStyle/>
                     <a:p>
+                      <a:pPr algn="l" rtl="0" fontAlgn="ctr"/>
                       <a:r>
-                        <a:rPr lang="en-GB" sz="1400" dirty="0"/>
-                        <a:t>0.1099±0</a:t>
+                        <a:rPr lang="en-GB" sz="1800" b="0" i="0" u="none" strike="noStrike">
+                          <a:solidFill>
+                            <a:srgbClr val="333333"/>
+                          </a:solidFill>
+                          <a:effectLst/>
+                          <a:latin typeface="+mn-lt"/>
+                        </a:rPr>
+                        <a:t>0.1154±0</a:t>
                       </a:r>
                     </a:p>
                   </a:txBody>
-                  <a:tcPr/>
+                  <a:tcPr marL="9525" marR="9525" marT="9525" marB="0" anchor="ctr"/>
                 </a:tc>
                 <a:extLst>
                   <a:ext uri="{0D108BD9-81ED-4DB2-BD59-A6C34878D82A}">
@@ -22552,58 +24493,96 @@
                   </a:ext>
                 </a:extLst>
               </a:tr>
-              <a:tr h="278097">
+              <a:tr h="540071">
                 <a:tc>
                   <a:txBody>
                     <a:bodyPr/>
                     <a:lstStyle/>
                     <a:p>
+                      <a:pPr algn="l" rtl="0" fontAlgn="ctr"/>
                       <a:r>
-                        <a:rPr lang="en-GB" sz="1400" dirty="0"/>
-                        <a:t>quantile_trans|KNN_imp|smote|l2_normalizer|no_feature_selector|GP</a:t>
+                        <a:rPr lang="en-GB" sz="1800" b="0" i="0" u="none" strike="noStrike" dirty="0">
+                          <a:solidFill>
+                            <a:srgbClr val="333333"/>
+                          </a:solidFill>
+                          <a:effectLst/>
+                          <a:latin typeface="+mn-lt"/>
+                        </a:rPr>
+                        <a:t>quantile_trans|KNN_imp|smote|l2_normalizer|no_feature_selector|</a:t>
+                      </a:r>
+                      <a:r>
+                        <a:rPr lang="en-GB" sz="1800" b="1" i="0" u="none" strike="noStrike" dirty="0">
+                          <a:solidFill>
+                            <a:srgbClr val="333333"/>
+                          </a:solidFill>
+                          <a:effectLst/>
+                          <a:latin typeface="+mn-lt"/>
+                        </a:rPr>
+                        <a:t>GNB</a:t>
                       </a:r>
                     </a:p>
                   </a:txBody>
-                  <a:tcPr/>
+                  <a:tcPr marL="9525" marR="9525" marT="9525" marB="0" anchor="ctr"/>
                 </a:tc>
                 <a:tc>
                   <a:txBody>
                     <a:bodyPr/>
                     <a:lstStyle/>
                     <a:p>
+                      <a:pPr algn="l" rtl="0" fontAlgn="ctr"/>
                       <a:r>
-                        <a:rPr lang="en-GB" sz="1400" dirty="0"/>
-                        <a:t>0.283±0.0079</a:t>
+                        <a:rPr lang="en-GB" sz="1800" b="0" i="0" u="none" strike="noStrike">
+                          <a:solidFill>
+                            <a:srgbClr val="333333"/>
+                          </a:solidFill>
+                          <a:effectLst/>
+                          <a:latin typeface="+mn-lt"/>
+                        </a:rPr>
+                        <a:t>0.1924±0.0123</a:t>
                       </a:r>
                     </a:p>
                   </a:txBody>
-                  <a:tcPr/>
+                  <a:tcPr marL="9525" marR="9525" marT="9525" marB="0" anchor="ctr"/>
                 </a:tc>
                 <a:tc>
                   <a:txBody>
                     <a:bodyPr/>
                     <a:lstStyle/>
                     <a:p>
+                      <a:pPr algn="l" rtl="0" fontAlgn="ctr"/>
                       <a:r>
-                        <a:rPr lang="en-GB" sz="1400" dirty="0"/>
-                        <a:t>0.1371±0.0425</a:t>
+                        <a:rPr lang="en-GB" sz="1800" b="0" i="0" u="none" strike="noStrike" dirty="0">
+                          <a:solidFill>
+                            <a:srgbClr val="333333"/>
+                          </a:solidFill>
+                          <a:effectLst/>
+                          <a:latin typeface="+mn-lt"/>
+                        </a:rPr>
+                        <a:t>0.1428±0.0327</a:t>
                       </a:r>
                     </a:p>
                   </a:txBody>
-                  <a:tcPr/>
+                  <a:tcPr marL="9525" marR="9525" marT="9525" marB="0" anchor="ctr"/>
                 </a:tc>
                 <a:tc>
                   <a:txBody>
                     <a:bodyPr/>
                     <a:lstStyle/>
                     <a:p>
+                      <a:pPr algn="l" rtl="0" fontAlgn="ctr"/>
                       <a:r>
-                        <a:rPr lang="en-GB" sz="1400" dirty="0"/>
-                        <a:t>0.1132±0</a:t>
+                        <a:rPr lang="en-GB" sz="1800" b="0" i="0" u="none" strike="noStrike">
+                          <a:solidFill>
+                            <a:srgbClr val="333333"/>
+                          </a:solidFill>
+                          <a:effectLst/>
+                          <a:latin typeface="+mn-lt"/>
+                        </a:rPr>
+                        <a:t>0.0938±0</a:t>
                       </a:r>
                     </a:p>
                   </a:txBody>
-                  <a:tcPr/>
+                  <a:tcPr marL="9525" marR="9525" marT="9525" marB="0" anchor="ctr"/>
                 </a:tc>
                 <a:extLst>
                   <a:ext uri="{0D108BD9-81ED-4DB2-BD59-A6C34878D82A}">
@@ -22611,58 +24590,96 @@
                   </a:ext>
                 </a:extLst>
               </a:tr>
-              <a:tr h="278097">
+              <a:tr h="540071">
                 <a:tc>
                   <a:txBody>
                     <a:bodyPr/>
                     <a:lstStyle/>
                     <a:p>
+                      <a:pPr algn="l" rtl="0" fontAlgn="ctr"/>
                       <a:r>
-                        <a:rPr lang="en-GB" sz="1400" dirty="0"/>
-                        <a:t>quantile_trans|KNN_imp|smote|l2_normalizer|PCA|GNB</a:t>
+                        <a:rPr lang="en-GB" sz="1800" b="0" i="0" u="none" strike="noStrike" dirty="0">
+                          <a:solidFill>
+                            <a:srgbClr val="333333"/>
+                          </a:solidFill>
+                          <a:effectLst/>
+                          <a:latin typeface="+mn-lt"/>
+                        </a:rPr>
+                        <a:t>quantile_transf|KNN_imp|smote|no_normalizer|no_feature_selector|</a:t>
+                      </a:r>
+                      <a:r>
+                        <a:rPr lang="en-GB" sz="1800" b="1" i="0" u="none" strike="noStrike" dirty="0">
+                          <a:solidFill>
+                            <a:srgbClr val="333333"/>
+                          </a:solidFill>
+                          <a:effectLst/>
+                          <a:latin typeface="+mn-lt"/>
+                        </a:rPr>
+                        <a:t>GBM</a:t>
                       </a:r>
                     </a:p>
                   </a:txBody>
-                  <a:tcPr/>
+                  <a:tcPr marL="9525" marR="9525" marT="9525" marB="0" anchor="ctr"/>
                 </a:tc>
                 <a:tc>
                   <a:txBody>
                     <a:bodyPr/>
                     <a:lstStyle/>
                     <a:p>
+                      <a:pPr algn="l" rtl="0" fontAlgn="ctr"/>
                       <a:r>
-                        <a:rPr lang="en-GB" sz="1400" dirty="0"/>
-                        <a:t>0.183±0.0144</a:t>
+                        <a:rPr lang="en-GB" sz="1800" b="0" i="0" u="none" strike="noStrike">
+                          <a:solidFill>
+                            <a:srgbClr val="333333"/>
+                          </a:solidFill>
+                          <a:effectLst/>
+                          <a:latin typeface="+mn-lt"/>
+                        </a:rPr>
+                        <a:t>0.2901±0.0258</a:t>
                       </a:r>
                     </a:p>
                   </a:txBody>
-                  <a:tcPr/>
+                  <a:tcPr marL="9525" marR="9525" marT="9525" marB="0" anchor="ctr"/>
                 </a:tc>
                 <a:tc>
                   <a:txBody>
                     <a:bodyPr/>
                     <a:lstStyle/>
                     <a:p>
+                      <a:pPr algn="l" rtl="0" fontAlgn="ctr"/>
                       <a:r>
-                        <a:rPr lang="en-GB" sz="1400" dirty="0"/>
-                        <a:t>0.1346±0.0251</a:t>
+                        <a:rPr lang="en-GB" sz="1800" b="0" i="0" u="none" strike="noStrike" dirty="0">
+                          <a:solidFill>
+                            <a:srgbClr val="333333"/>
+                          </a:solidFill>
+                          <a:effectLst/>
+                          <a:latin typeface="+mn-lt"/>
+                        </a:rPr>
+                        <a:t>0.1811±0.0388</a:t>
                       </a:r>
                     </a:p>
                   </a:txBody>
-                  <a:tcPr/>
+                  <a:tcPr marL="9525" marR="9525" marT="9525" marB="0" anchor="ctr"/>
                 </a:tc>
                 <a:tc>
                   <a:txBody>
                     <a:bodyPr/>
                     <a:lstStyle/>
                     <a:p>
+                      <a:pPr algn="l" rtl="0" fontAlgn="ctr"/>
                       <a:r>
-                        <a:rPr lang="en-GB" sz="1400" dirty="0"/>
-                        <a:t>0.0897±0</a:t>
+                        <a:rPr lang="en-GB" sz="1800" b="0" i="0" u="none" strike="noStrike" dirty="0">
+                          <a:solidFill>
+                            <a:srgbClr val="333333"/>
+                          </a:solidFill>
+                          <a:effectLst/>
+                          <a:latin typeface="+mn-lt"/>
+                        </a:rPr>
+                        <a:t>0.0968±0</a:t>
                       </a:r>
                     </a:p>
                   </a:txBody>
-                  <a:tcPr/>
+                  <a:tcPr marL="9525" marR="9525" marT="9525" marB="0" anchor="ctr"/>
                 </a:tc>
                 <a:extLst>
                   <a:ext uri="{0D108BD9-81ED-4DB2-BD59-A6C34878D82A}">
@@ -22670,58 +24687,96 @@
                   </a:ext>
                 </a:extLst>
               </a:tr>
-              <a:tr h="278097">
+              <a:tr h="540071">
                 <a:tc>
                   <a:txBody>
                     <a:bodyPr/>
                     <a:lstStyle/>
                     <a:p>
+                      <a:pPr algn="l" rtl="0" fontAlgn="ctr"/>
                       <a:r>
-                        <a:rPr lang="en-GB" sz="1400" dirty="0"/>
-                        <a:t>quantile_trans|KNN_imp|smote|no_normalizer|no_feature_selector|GBM</a:t>
+                        <a:rPr lang="en-GB" sz="1800" b="0" i="0" u="none" strike="noStrike" dirty="0">
+                          <a:solidFill>
+                            <a:srgbClr val="333333"/>
+                          </a:solidFill>
+                          <a:effectLst/>
+                          <a:latin typeface="+mn-lt"/>
+                        </a:rPr>
+                        <a:t>quantile_transf|KNN_imp|smote|no_normalizer|no_feature_selector|</a:t>
+                      </a:r>
+                      <a:r>
+                        <a:rPr lang="en-GB" sz="1800" b="1" i="0" u="none" strike="noStrike" dirty="0">
+                          <a:solidFill>
+                            <a:srgbClr val="333333"/>
+                          </a:solidFill>
+                          <a:effectLst/>
+                          <a:latin typeface="+mn-lt"/>
+                        </a:rPr>
+                        <a:t>ERT</a:t>
                       </a:r>
                     </a:p>
                   </a:txBody>
-                  <a:tcPr/>
+                  <a:tcPr marL="9525" marR="9525" marT="9525" marB="0" anchor="ctr"/>
                 </a:tc>
                 <a:tc>
                   <a:txBody>
                     <a:bodyPr/>
                     <a:lstStyle/>
                     <a:p>
+                      <a:pPr algn="l" fontAlgn="ctr"/>
                       <a:r>
-                        <a:rPr lang="en-GB" sz="1400" dirty="0"/>
-                        <a:t>0.2252±0.0328</a:t>
+                        <a:rPr lang="en-GB" sz="1800" b="0" i="0" u="none" strike="noStrike">
+                          <a:solidFill>
+                            <a:srgbClr val="000000"/>
+                          </a:solidFill>
+                          <a:effectLst/>
+                          <a:latin typeface="+mn-lt"/>
+                        </a:rPr>
+                        <a:t>0.2759±0.0196</a:t>
                       </a:r>
                     </a:p>
                   </a:txBody>
-                  <a:tcPr/>
+                  <a:tcPr marL="9525" marR="9525" marT="9525" marB="0" anchor="ctr"/>
                 </a:tc>
                 <a:tc>
                   <a:txBody>
                     <a:bodyPr/>
                     <a:lstStyle/>
                     <a:p>
+                      <a:pPr algn="l" fontAlgn="ctr"/>
                       <a:r>
-                        <a:rPr lang="en-GB" sz="1400" dirty="0"/>
-                        <a:t>0.135±0.0673</a:t>
+                        <a:rPr lang="en-GB" sz="1800" b="0" i="0" u="none" strike="noStrike">
+                          <a:solidFill>
+                            <a:srgbClr val="000000"/>
+                          </a:solidFill>
+                          <a:effectLst/>
+                          <a:latin typeface="+mn-lt"/>
+                        </a:rPr>
+                        <a:t>0.1614±0.0443</a:t>
                       </a:r>
                     </a:p>
                   </a:txBody>
-                  <a:tcPr/>
+                  <a:tcPr marL="9525" marR="9525" marT="9525" marB="0" anchor="ctr"/>
                 </a:tc>
                 <a:tc>
                   <a:txBody>
                     <a:bodyPr/>
                     <a:lstStyle/>
                     <a:p>
+                      <a:pPr algn="l" fontAlgn="ctr"/>
                       <a:r>
-                        <a:rPr lang="en-GB" sz="1400" dirty="0"/>
-                        <a:t>0.1304±0</a:t>
+                        <a:rPr lang="en-GB" sz="1800" b="0" i="0" u="none" strike="noStrike" dirty="0">
+                          <a:solidFill>
+                            <a:srgbClr val="000000"/>
+                          </a:solidFill>
+                          <a:effectLst/>
+                          <a:latin typeface="+mn-lt"/>
+                        </a:rPr>
+                        <a:t>0.101±0</a:t>
                       </a:r>
                     </a:p>
                   </a:txBody>
-                  <a:tcPr/>
+                  <a:tcPr marL="9525" marR="9525" marT="9525" marB="0" anchor="ctr"/>
                 </a:tc>
                 <a:extLst>
                   <a:ext uri="{0D108BD9-81ED-4DB2-BD59-A6C34878D82A}">
@@ -22737,173 +24792,6 @@
     <p:extLst>
       <p:ext uri="{BB962C8B-B14F-4D97-AF65-F5344CB8AC3E}">
         <p14:creationId xmlns:p14="http://schemas.microsoft.com/office/powerpoint/2010/main" val="3799736860"/>
-      </p:ext>
-    </p:extLst>
-  </p:cSld>
-  <p:clrMapOvr>
-    <a:masterClrMapping/>
-  </p:clrMapOvr>
-</p:sld>
-</file>
-
-<file path=ppt/slides/slide9.xml><?xml version="1.0" encoding="utf-8"?>
-<p:sld xmlns:a="http://schemas.openxmlformats.org/drawingml/2006/main" xmlns:r="http://schemas.openxmlformats.org/officeDocument/2006/relationships" xmlns:p="http://schemas.openxmlformats.org/presentationml/2006/main">
-  <p:cSld>
-    <p:spTree>
-      <p:nvGrpSpPr>
-        <p:cNvPr id="1" name=""/>
-        <p:cNvGrpSpPr/>
-        <p:nvPr/>
-      </p:nvGrpSpPr>
-      <p:grpSpPr>
-        <a:xfrm>
-          <a:off x="0" y="0"/>
-          <a:ext cx="0" cy="0"/>
-          <a:chOff x="0" y="0"/>
-          <a:chExt cx="0" cy="0"/>
-        </a:xfrm>
-      </p:grpSpPr>
-      <p:sp>
-        <p:nvSpPr>
-          <p:cNvPr id="2" name="Titel 1">
-            <a:extLst>
-              <a:ext uri="{FF2B5EF4-FFF2-40B4-BE49-F238E27FC236}">
-                <a16:creationId xmlns:a16="http://schemas.microsoft.com/office/drawing/2014/main" id="{19EC5F35-6FE5-4B8E-AA44-21515C97AB49}"/>
-              </a:ext>
-            </a:extLst>
-          </p:cNvPr>
-          <p:cNvSpPr>
-            <a:spLocks noGrp="1"/>
-          </p:cNvSpPr>
-          <p:nvPr>
-            <p:ph type="title"/>
-          </p:nvPr>
-        </p:nvSpPr>
-        <p:spPr/>
-        <p:txBody>
-          <a:bodyPr/>
-          <a:lstStyle/>
-          <a:p>
-            <a:r>
-              <a:rPr lang="de-DE" dirty="0" err="1"/>
-              <a:t>Results</a:t>
-            </a:r>
-            <a:r>
-              <a:rPr lang="de-DE" dirty="0"/>
-              <a:t> (</a:t>
-            </a:r>
-            <a:r>
-              <a:rPr lang="de-DE" dirty="0" err="1"/>
-              <a:t>Vizualisation</a:t>
-            </a:r>
-            <a:r>
-              <a:rPr lang="de-DE" dirty="0"/>
-              <a:t> for RF)</a:t>
-            </a:r>
-            <a:endParaRPr lang="en-GB" dirty="0"/>
-          </a:p>
-        </p:txBody>
-      </p:sp>
-      <p:sp>
-        <p:nvSpPr>
-          <p:cNvPr id="3" name="Foliennummernplatzhalter 2">
-            <a:extLst>
-              <a:ext uri="{FF2B5EF4-FFF2-40B4-BE49-F238E27FC236}">
-                <a16:creationId xmlns:a16="http://schemas.microsoft.com/office/drawing/2014/main" id="{344CC3F9-70AB-4CC8-908A-81D4ED20B285}"/>
-              </a:ext>
-            </a:extLst>
-          </p:cNvPr>
-          <p:cNvSpPr>
-            <a:spLocks noGrp="1"/>
-          </p:cNvSpPr>
-          <p:nvPr>
-            <p:ph type="sldNum" sz="quarter" idx="12"/>
-          </p:nvPr>
-        </p:nvSpPr>
-        <p:spPr/>
-        <p:txBody>
-          <a:bodyPr/>
-          <a:lstStyle/>
-          <a:p>
-            <a:fld id="{1744B4DD-8F10-491C-BFC2-D4DC64F16D79}" type="slidenum">
-              <a:rPr lang="de-DE" smtClean="0"/>
-              <a:pPr/>
-              <a:t>9</a:t>
-            </a:fld>
-            <a:r>
-              <a:rPr lang="de-DE">
-                <a:ea typeface="Verdana"/>
-                <a:cs typeface="Verdana"/>
-              </a:rPr>
-              <a:t>│</a:t>
-            </a:r>
-            <a:endParaRPr lang="de-DE" dirty="0"/>
-          </a:p>
-        </p:txBody>
-      </p:sp>
-      <p:pic>
-        <p:nvPicPr>
-          <p:cNvPr id="4" name="Grafik 3">
-            <a:extLst>
-              <a:ext uri="{FF2B5EF4-FFF2-40B4-BE49-F238E27FC236}">
-                <a16:creationId xmlns:a16="http://schemas.microsoft.com/office/drawing/2014/main" id="{AEDDA1A2-2F37-4706-B508-4138618C9419}"/>
-              </a:ext>
-            </a:extLst>
-          </p:cNvPr>
-          <p:cNvPicPr>
-            <a:picLocks noChangeAspect="1"/>
-          </p:cNvPicPr>
-          <p:nvPr/>
-        </p:nvPicPr>
-        <p:blipFill>
-          <a:blip r:embed="rId3"/>
-          <a:stretch>
-            <a:fillRect/>
-          </a:stretch>
-        </p:blipFill>
-        <p:spPr>
-          <a:xfrm>
-            <a:off x="250825" y="1247775"/>
-            <a:ext cx="4348085" cy="3282950"/>
-          </a:xfrm>
-          <a:prstGeom prst="rect">
-            <a:avLst/>
-          </a:prstGeom>
-        </p:spPr>
-      </p:pic>
-      <p:pic>
-        <p:nvPicPr>
-          <p:cNvPr id="5" name="Grafik 4">
-            <a:extLst>
-              <a:ext uri="{FF2B5EF4-FFF2-40B4-BE49-F238E27FC236}">
-                <a16:creationId xmlns:a16="http://schemas.microsoft.com/office/drawing/2014/main" id="{52889DB0-48E3-4F05-856A-276007C06071}"/>
-              </a:ext>
-            </a:extLst>
-          </p:cNvPr>
-          <p:cNvPicPr>
-            <a:picLocks noChangeAspect="1"/>
-          </p:cNvPicPr>
-          <p:nvPr/>
-        </p:nvPicPr>
-        <p:blipFill>
-          <a:blip r:embed="rId4"/>
-          <a:srcRect/>
-          <a:stretch/>
-        </p:blipFill>
-        <p:spPr>
-          <a:xfrm>
-            <a:off x="4598910" y="2761499"/>
-            <a:ext cx="4144655" cy="3282682"/>
-          </a:xfrm>
-          <a:prstGeom prst="rect">
-            <a:avLst/>
-          </a:prstGeom>
-        </p:spPr>
-      </p:pic>
-    </p:spTree>
-    <p:extLst>
-      <p:ext uri="{BB962C8B-B14F-4D97-AF65-F5344CB8AC3E}">
-        <p14:creationId xmlns:p14="http://schemas.microsoft.com/office/powerpoint/2010/main" val="653623598"/>
       </p:ext>
     </p:extLst>
   </p:cSld>

--- a/presentations/ProgressReport.pptx
+++ b/presentations/ProgressReport.pptx
@@ -5,7 +5,7 @@
     <p:sldMasterId id="2147483648" r:id="rId1"/>
   </p:sldMasterIdLst>
   <p:notesMasterIdLst>
-    <p:notesMasterId r:id="rId16"/>
+    <p:notesMasterId r:id="rId17"/>
   </p:notesMasterIdLst>
   <p:sldIdLst>
     <p:sldId id="281" r:id="rId2"/>
@@ -20,13 +20,14 @@
     <p:sldId id="303" r:id="rId11"/>
     <p:sldId id="305" r:id="rId12"/>
     <p:sldId id="299" r:id="rId13"/>
-    <p:sldId id="304" r:id="rId14"/>
-    <p:sldId id="298" r:id="rId15"/>
+    <p:sldId id="308" r:id="rId14"/>
+    <p:sldId id="307" r:id="rId15"/>
+    <p:sldId id="298" r:id="rId16"/>
   </p:sldIdLst>
   <p:sldSz cx="9144000" cy="6858000" type="screen4x3"/>
   <p:notesSz cx="7315200" cy="9601200"/>
   <p:custDataLst>
-    <p:tags r:id="rId17"/>
+    <p:tags r:id="rId18"/>
   </p:custDataLst>
   <p:defaultTextStyle>
     <a:defPPr>
@@ -217,6 +218,18 @@
 </p:presentation>
 </file>
 
+<file path=ppt/commentAuthors.xml><?xml version="1.0" encoding="utf-8"?>
+<p:cmAuthorLst xmlns:a="http://schemas.openxmlformats.org/drawingml/2006/main" xmlns:r="http://schemas.openxmlformats.org/officeDocument/2006/relationships" xmlns:p="http://schemas.openxmlformats.org/presentationml/2006/main">
+  <p:cmAuthor id="1" name="Elly" initials="E" lastIdx="1" clrIdx="0">
+    <p:extLst>
+      <p:ext uri="{19B8F6BF-5375-455C-9EA6-DF929625EA0E}">
+        <p15:presenceInfo xmlns:p15="http://schemas.microsoft.com/office/powerpoint/2012/main" userId="Elly" providerId="None"/>
+      </p:ext>
+    </p:extLst>
+  </p:cmAuthor>
+</p:cmAuthorLst>
+</file>
+
 <file path=ppt/notesMasters/notesMaster1.xml><?xml version="1.0" encoding="utf-8"?>
 <p:notesMaster xmlns:a="http://schemas.openxmlformats.org/drawingml/2006/main" xmlns:r="http://schemas.openxmlformats.org/officeDocument/2006/relationships" xmlns:p="http://schemas.openxmlformats.org/presentationml/2006/main">
   <p:cSld>
@@ -299,7 +312,7 @@
           <a:p>
             <a:fld id="{7E109A6C-D884-45F8-B5EB-D7A1699C6653}" type="datetimeFigureOut">
               <a:rPr lang="de-DE" smtClean="0"/>
-              <a:t>15.09.2020</a:t>
+              <a:t>17.09.2020</a:t>
             </a:fld>
             <a:endParaRPr lang="de-DE"/>
           </a:p>
@@ -2125,11 +2138,11 @@
           <a:p>
             <a:r>
               <a:rPr lang="de-DE" dirty="0"/>
-              <a:t>The intermediate </a:t>
-            </a:r>
-            <a:r>
-              <a:rPr lang="de-DE" dirty="0" err="1"/>
-              <a:t>results</a:t>
+              <a:t>The </a:t>
+            </a:r>
+            <a:r>
+              <a:rPr lang="de-DE" dirty="0" err="1"/>
+              <a:t>general</a:t>
             </a:r>
             <a:r>
               <a:rPr lang="de-DE" dirty="0"/>
@@ -2137,7 +2150,7 @@
             </a:r>
             <a:r>
               <a:rPr lang="de-DE" dirty="0" err="1"/>
-              <a:t>show</a:t>
+              <a:t>cohort</a:t>
             </a:r>
             <a:r>
               <a:rPr lang="de-DE" dirty="0"/>
@@ -2145,6 +2158,70 @@
             </a:r>
             <a:r>
               <a:rPr lang="de-DE" dirty="0" err="1"/>
+              <a:t>seems</a:t>
+            </a:r>
+            <a:r>
+              <a:rPr lang="de-DE" dirty="0"/>
+              <a:t> to </a:t>
+            </a:r>
+            <a:r>
+              <a:rPr lang="de-DE" dirty="0" err="1"/>
+              <a:t>be</a:t>
+            </a:r>
+            <a:r>
+              <a:rPr lang="de-DE" dirty="0"/>
+              <a:t> </a:t>
+            </a:r>
+            <a:r>
+              <a:rPr lang="de-DE" dirty="0" err="1"/>
+              <a:t>very</a:t>
+            </a:r>
+            <a:r>
+              <a:rPr lang="de-DE" dirty="0"/>
+              <a:t> </a:t>
+            </a:r>
+            <a:r>
+              <a:rPr lang="de-DE" dirty="0" err="1"/>
+              <a:t>confusing</a:t>
+            </a:r>
+            <a:r>
+              <a:rPr lang="de-DE" dirty="0"/>
+              <a:t> for </a:t>
+            </a:r>
+            <a:r>
+              <a:rPr lang="de-DE" dirty="0" err="1"/>
+              <a:t>classifiers</a:t>
+            </a:r>
+            <a:r>
+              <a:rPr lang="de-DE" dirty="0"/>
+              <a:t>, but </a:t>
+            </a:r>
+            <a:r>
+              <a:rPr lang="de-DE" dirty="0" err="1"/>
+              <a:t>there</a:t>
+            </a:r>
+            <a:r>
+              <a:rPr lang="de-DE" dirty="0"/>
+              <a:t> </a:t>
+            </a:r>
+            <a:r>
+              <a:rPr lang="de-DE" dirty="0" err="1"/>
+              <a:t>are</a:t>
+            </a:r>
+            <a:r>
+              <a:rPr lang="de-DE" dirty="0"/>
+              <a:t> </a:t>
+            </a:r>
+            <a:r>
+              <a:rPr lang="de-DE" dirty="0" err="1"/>
+              <a:t>samples</a:t>
+            </a:r>
+            <a:r>
+              <a:rPr lang="de-DE" dirty="0"/>
+              <a:t> </a:t>
+            </a:r>
+            <a:r>
+              <a:rPr lang="de-DE" dirty="0" err="1"/>
               <a:t>that</a:t>
             </a:r>
             <a:r>
@@ -2153,7 +2230,7 @@
             </a:r>
             <a:r>
               <a:rPr lang="de-DE" dirty="0" err="1"/>
-              <a:t>there</a:t>
+              <a:t>are</a:t>
             </a:r>
             <a:r>
               <a:rPr lang="de-DE" dirty="0"/>
@@ -2161,6 +2238,46 @@
             </a:r>
             <a:r>
               <a:rPr lang="de-DE" dirty="0" err="1"/>
+              <a:t>predicted</a:t>
+            </a:r>
+            <a:r>
+              <a:rPr lang="de-DE" dirty="0"/>
+              <a:t> </a:t>
+            </a:r>
+            <a:r>
+              <a:rPr lang="de-DE" dirty="0" err="1"/>
+              <a:t>correctly</a:t>
+            </a:r>
+            <a:r>
+              <a:rPr lang="de-DE" dirty="0"/>
+              <a:t>, </a:t>
+            </a:r>
+            <a:r>
+              <a:rPr lang="de-DE" dirty="0" err="1"/>
+              <a:t>even</a:t>
+            </a:r>
+            <a:r>
+              <a:rPr lang="de-DE" dirty="0"/>
+              <a:t> if </a:t>
+            </a:r>
+            <a:r>
+              <a:rPr lang="de-DE" dirty="0" err="1"/>
+              <a:t>the</a:t>
+            </a:r>
+            <a:r>
+              <a:rPr lang="de-DE" dirty="0"/>
+              <a:t> </a:t>
+            </a:r>
+            <a:r>
+              <a:rPr lang="de-DE" dirty="0" err="1"/>
+              <a:t>sumber</a:t>
+            </a:r>
+            <a:r>
+              <a:rPr lang="de-DE" dirty="0"/>
+              <a:t> </a:t>
+            </a:r>
+            <a:r>
+              <a:rPr lang="de-DE" dirty="0" err="1"/>
               <a:t>is</a:t>
             </a:r>
             <a:r>
@@ -2169,11 +2286,51 @@
             </a:r>
             <a:r>
               <a:rPr lang="de-DE" dirty="0" err="1"/>
-              <a:t>no</a:t>
-            </a:r>
-            <a:r>
-              <a:rPr lang="de-DE" dirty="0"/>
-              <a:t> strong </a:t>
+              <a:t>very</a:t>
+            </a:r>
+            <a:r>
+              <a:rPr lang="de-DE" dirty="0"/>
+              <a:t> </a:t>
+            </a:r>
+            <a:r>
+              <a:rPr lang="de-DE" dirty="0" err="1"/>
+              <a:t>low</a:t>
+            </a:r>
+            <a:r>
+              <a:rPr lang="de-DE" dirty="0"/>
+              <a:t>. This </a:t>
+            </a:r>
+            <a:r>
+              <a:rPr lang="de-DE" dirty="0" err="1"/>
+              <a:t>could</a:t>
+            </a:r>
+            <a:r>
+              <a:rPr lang="de-DE" dirty="0"/>
+              <a:t> </a:t>
+            </a:r>
+            <a:r>
+              <a:rPr lang="de-DE" dirty="0" err="1"/>
+              <a:t>be</a:t>
+            </a:r>
+            <a:r>
+              <a:rPr lang="de-DE" dirty="0"/>
+              <a:t> </a:t>
+            </a:r>
+            <a:r>
+              <a:rPr lang="de-DE" dirty="0" err="1"/>
+              <a:t>by</a:t>
+            </a:r>
+            <a:r>
+              <a:rPr lang="de-DE" dirty="0"/>
+              <a:t> </a:t>
+            </a:r>
+            <a:r>
+              <a:rPr lang="de-DE" dirty="0" err="1"/>
+              <a:t>chance</a:t>
+            </a:r>
+            <a:r>
+              <a:rPr lang="de-DE" dirty="0"/>
+              <a:t> </a:t>
             </a:r>
             <a:r>
               <a:rPr lang="de-DE" dirty="0" err="1"/>
@@ -2185,7 +2342,7 @@
             </a:r>
             <a:r>
               <a:rPr lang="de-DE" dirty="0" err="1"/>
-              <a:t>clear</a:t>
+              <a:t>they</a:t>
             </a:r>
             <a:r>
               <a:rPr lang="de-DE" dirty="0"/>
@@ -2193,11 +2350,67 @@
             </a:r>
             <a:r>
               <a:rPr lang="de-DE" dirty="0" err="1"/>
-              <a:t>signal</a:t>
-            </a:r>
-            <a:r>
-              <a:rPr lang="de-DE" dirty="0"/>
-              <a:t> in </a:t>
+              <a:t>are</a:t>
+            </a:r>
+            <a:r>
+              <a:rPr lang="de-DE" dirty="0"/>
+              <a:t> </a:t>
+            </a:r>
+            <a:r>
+              <a:rPr lang="de-DE" dirty="0" err="1"/>
+              <a:t>easier</a:t>
+            </a:r>
+            <a:r>
+              <a:rPr lang="de-DE" dirty="0"/>
+              <a:t> to predict. If so, </a:t>
+            </a:r>
+            <a:r>
+              <a:rPr lang="de-DE" dirty="0" err="1"/>
+              <a:t>it</a:t>
+            </a:r>
+            <a:r>
+              <a:rPr lang="de-DE" dirty="0"/>
+              <a:t> </a:t>
+            </a:r>
+            <a:r>
+              <a:rPr lang="de-DE" dirty="0" err="1"/>
+              <a:t>is</a:t>
+            </a:r>
+            <a:r>
+              <a:rPr lang="de-DE" dirty="0"/>
+              <a:t> </a:t>
+            </a:r>
+            <a:r>
+              <a:rPr lang="de-DE" dirty="0" err="1"/>
+              <a:t>interesting</a:t>
+            </a:r>
+            <a:r>
+              <a:rPr lang="de-DE" dirty="0"/>
+              <a:t> to </a:t>
+            </a:r>
+            <a:r>
+              <a:rPr lang="de-DE" dirty="0" err="1"/>
+              <a:t>see</a:t>
+            </a:r>
+            <a:r>
+              <a:rPr lang="de-DE" dirty="0"/>
+              <a:t> </a:t>
+            </a:r>
+            <a:r>
+              <a:rPr lang="de-DE" dirty="0" err="1"/>
+              <a:t>what</a:t>
+            </a:r>
+            <a:r>
+              <a:rPr lang="de-DE" dirty="0"/>
+              <a:t> </a:t>
+            </a:r>
+            <a:r>
+              <a:rPr lang="de-DE" dirty="0" err="1"/>
+              <a:t>makes</a:t>
+            </a:r>
+            <a:r>
+              <a:rPr lang="de-DE" dirty="0"/>
+              <a:t> </a:t>
             </a:r>
             <a:r>
               <a:rPr lang="de-DE" dirty="0" err="1"/>
@@ -2205,11 +2418,68 @@
             </a:r>
             <a:r>
               <a:rPr lang="de-DE" dirty="0"/>
+              <a:t> different from </a:t>
+            </a:r>
+            <a:r>
+              <a:rPr lang="de-DE" dirty="0" err="1"/>
+              <a:t>other</a:t>
+            </a:r>
+            <a:r>
+              <a:rPr lang="de-DE" dirty="0"/>
               <a:t> </a:t>
             </a:r>
             <a:r>
               <a:rPr lang="de-DE" dirty="0" err="1"/>
-              <a:t>data</a:t>
+              <a:t>patients</a:t>
+            </a:r>
+            <a:r>
+              <a:rPr lang="de-DE" dirty="0"/>
+              <a:t> with TLF.</a:t>
+            </a:r>
+          </a:p>
+          <a:p>
+            <a:endParaRPr lang="de-DE" dirty="0"/>
+          </a:p>
+          <a:p>
+            <a:r>
+              <a:rPr lang="de-DE" dirty="0"/>
+              <a:t>To </a:t>
+            </a:r>
+            <a:r>
+              <a:rPr lang="de-DE" dirty="0" err="1"/>
+              <a:t>tackle</a:t>
+            </a:r>
+            <a:r>
+              <a:rPr lang="de-DE" dirty="0"/>
+              <a:t> </a:t>
+            </a:r>
+            <a:r>
+              <a:rPr lang="de-DE" dirty="0" err="1"/>
+              <a:t>this</a:t>
+            </a:r>
+            <a:r>
+              <a:rPr lang="de-DE" dirty="0"/>
+              <a:t> </a:t>
+            </a:r>
+            <a:r>
+              <a:rPr lang="de-DE" dirty="0" err="1"/>
+              <a:t>problem</a:t>
+            </a:r>
+            <a:r>
+              <a:rPr lang="de-DE" dirty="0"/>
+              <a:t>, </a:t>
+            </a:r>
+            <a:r>
+              <a:rPr lang="de-DE" dirty="0" err="1"/>
+              <a:t>we</a:t>
+            </a:r>
+            <a:r>
+              <a:rPr lang="de-DE" dirty="0"/>
+              <a:t> </a:t>
+            </a:r>
+            <a:r>
+              <a:rPr lang="de-DE" dirty="0" err="1"/>
+              <a:t>intend</a:t>
             </a:r>
             <a:r>
               <a:rPr lang="de-DE" dirty="0"/>
@@ -2217,7 +2487,15 @@
             </a:r>
             <a:r>
               <a:rPr lang="de-DE" dirty="0" err="1"/>
-              <a:t>distinguish</a:t>
+              <a:t>add</a:t>
+            </a:r>
+            <a:r>
+              <a:rPr lang="de-DE" dirty="0"/>
+              <a:t> a </a:t>
+            </a:r>
+            <a:r>
+              <a:rPr lang="de-DE" dirty="0" err="1"/>
+              <a:t>second</a:t>
             </a:r>
             <a:r>
               <a:rPr lang="de-DE" dirty="0"/>
@@ -2225,7 +2503,15 @@
             </a:r>
             <a:r>
               <a:rPr lang="de-DE" dirty="0" err="1"/>
-              <a:t>between</a:t>
+              <a:t>layer</a:t>
+            </a:r>
+            <a:r>
+              <a:rPr lang="de-DE" dirty="0"/>
+              <a:t> to </a:t>
+            </a:r>
+            <a:r>
+              <a:rPr lang="de-DE" dirty="0" err="1"/>
+              <a:t>already</a:t>
             </a:r>
             <a:r>
               <a:rPr lang="de-DE" dirty="0"/>
@@ -2233,29 +2519,7 @@
             </a:r>
             <a:r>
               <a:rPr lang="de-DE" dirty="0" err="1"/>
-              <a:t>patients</a:t>
-            </a:r>
-            <a:r>
-              <a:rPr lang="de-DE" dirty="0"/>
-              <a:t> with and </a:t>
-            </a:r>
-            <a:r>
-              <a:rPr lang="de-DE" dirty="0" err="1"/>
-              <a:t>without</a:t>
-            </a:r>
-            <a:r>
-              <a:rPr lang="de-DE" dirty="0"/>
-              <a:t> TLF. </a:t>
-            </a:r>
-          </a:p>
-          <a:p>
-            <a:r>
-              <a:rPr lang="de-DE" dirty="0"/>
-              <a:t>The </a:t>
-            </a:r>
-            <a:r>
-              <a:rPr lang="de-DE" dirty="0" err="1"/>
-              <a:t>idea</a:t>
+              <a:t>used</a:t>
             </a:r>
             <a:r>
               <a:rPr lang="de-DE" dirty="0"/>
@@ -2263,7 +2527,39 @@
             </a:r>
             <a:r>
               <a:rPr lang="de-DE" dirty="0" err="1"/>
-              <a:t>we</a:t>
+              <a:t>pipeline</a:t>
+            </a:r>
+            <a:r>
+              <a:rPr lang="de-DE" dirty="0"/>
+              <a:t> – </a:t>
+            </a:r>
+            <a:r>
+              <a:rPr lang="de-DE" dirty="0" err="1"/>
+              <a:t>the</a:t>
+            </a:r>
+            <a:r>
+              <a:rPr lang="de-DE" dirty="0"/>
+              <a:t> so </a:t>
+            </a:r>
+            <a:r>
+              <a:rPr lang="de-DE" dirty="0" err="1"/>
+              <a:t>called</a:t>
+            </a:r>
+            <a:r>
+              <a:rPr lang="de-DE" dirty="0"/>
+              <a:t> confidence </a:t>
+            </a:r>
+            <a:r>
+              <a:rPr lang="de-DE" dirty="0" err="1"/>
+              <a:t>layer</a:t>
+            </a:r>
+            <a:r>
+              <a:rPr lang="de-DE" dirty="0"/>
+              <a:t>. From </a:t>
+            </a:r>
+            <a:r>
+              <a:rPr lang="de-DE" dirty="0" err="1"/>
+              <a:t>the</a:t>
             </a:r>
             <a:r>
               <a:rPr lang="de-DE" dirty="0"/>
@@ -2271,11 +2567,147 @@
             </a:r>
             <a:r>
               <a:rPr lang="de-DE" dirty="0" err="1"/>
-              <a:t>had</a:t>
-            </a:r>
-            <a:r>
-              <a:rPr lang="de-DE" dirty="0"/>
-              <a:t>, </a:t>
+              <a:t>originial</a:t>
+            </a:r>
+            <a:r>
+              <a:rPr lang="de-DE" dirty="0"/>
+              <a:t> </a:t>
+            </a:r>
+            <a:r>
+              <a:rPr lang="de-DE" dirty="0" err="1"/>
+              <a:t>pipeline</a:t>
+            </a:r>
+            <a:r>
+              <a:rPr lang="de-DE" dirty="0"/>
+              <a:t> 8 </a:t>
+            </a:r>
+            <a:r>
+              <a:rPr lang="de-DE" dirty="0" err="1"/>
+              <a:t>models</a:t>
+            </a:r>
+            <a:r>
+              <a:rPr lang="de-DE" dirty="0"/>
+              <a:t> with different </a:t>
+            </a:r>
+            <a:r>
+              <a:rPr lang="de-DE" dirty="0" err="1"/>
+              <a:t>classifiers</a:t>
+            </a:r>
+            <a:r>
+              <a:rPr lang="de-DE" dirty="0"/>
+              <a:t> will </a:t>
+            </a:r>
+            <a:r>
+              <a:rPr lang="de-DE" dirty="0" err="1"/>
+              <a:t>be</a:t>
+            </a:r>
+            <a:r>
+              <a:rPr lang="de-DE" dirty="0"/>
+              <a:t> </a:t>
+            </a:r>
+            <a:r>
+              <a:rPr lang="de-DE" dirty="0" err="1"/>
+              <a:t>derived</a:t>
+            </a:r>
+            <a:r>
+              <a:rPr lang="de-DE" dirty="0"/>
+              <a:t>. </a:t>
+            </a:r>
+            <a:r>
+              <a:rPr lang="de-DE" dirty="0" err="1"/>
+              <a:t>Their</a:t>
+            </a:r>
+            <a:r>
+              <a:rPr lang="de-DE" dirty="0"/>
+              <a:t> individual </a:t>
+            </a:r>
+            <a:r>
+              <a:rPr lang="de-DE" dirty="0" err="1"/>
+              <a:t>decisions</a:t>
+            </a:r>
+            <a:r>
+              <a:rPr lang="de-DE" dirty="0"/>
+              <a:t> </a:t>
+            </a:r>
+            <a:r>
+              <a:rPr lang="de-DE" dirty="0" err="1"/>
+              <a:t>over</a:t>
+            </a:r>
+            <a:r>
+              <a:rPr lang="de-DE" dirty="0"/>
+              <a:t> </a:t>
+            </a:r>
+            <a:r>
+              <a:rPr lang="de-DE" dirty="0" err="1"/>
+              <a:t>each</a:t>
+            </a:r>
+            <a:r>
+              <a:rPr lang="de-DE" dirty="0"/>
+              <a:t> sample will </a:t>
+            </a:r>
+            <a:r>
+              <a:rPr lang="de-DE" dirty="0" err="1"/>
+              <a:t>be</a:t>
+            </a:r>
+            <a:r>
+              <a:rPr lang="de-DE" dirty="0"/>
+              <a:t> </a:t>
+            </a:r>
+            <a:r>
+              <a:rPr lang="de-DE" dirty="0" err="1"/>
+              <a:t>put</a:t>
+            </a:r>
+            <a:r>
+              <a:rPr lang="de-DE" dirty="0"/>
+              <a:t> </a:t>
+            </a:r>
+            <a:r>
+              <a:rPr lang="de-DE" dirty="0" err="1"/>
+              <a:t>tohether</a:t>
+            </a:r>
+            <a:r>
+              <a:rPr lang="de-DE" dirty="0"/>
+              <a:t> </a:t>
+            </a:r>
+            <a:r>
+              <a:rPr lang="de-DE" dirty="0" err="1"/>
+              <a:t>into</a:t>
+            </a:r>
+            <a:r>
+              <a:rPr lang="de-DE" dirty="0"/>
+              <a:t> a </a:t>
+            </a:r>
+            <a:r>
+              <a:rPr lang="de-DE" dirty="0" err="1"/>
+              <a:t>decision</a:t>
+            </a:r>
+            <a:r>
+              <a:rPr lang="de-DE" dirty="0"/>
+              <a:t> </a:t>
+            </a:r>
+            <a:r>
+              <a:rPr lang="de-DE" dirty="0" err="1"/>
+              <a:t>matrix</a:t>
+            </a:r>
+            <a:r>
+              <a:rPr lang="de-DE" dirty="0"/>
+              <a:t> M. From </a:t>
+            </a:r>
+            <a:r>
+              <a:rPr lang="de-DE" dirty="0" err="1"/>
+              <a:t>that</a:t>
+            </a:r>
+            <a:r>
+              <a:rPr lang="de-DE" dirty="0"/>
+              <a:t> a confidence </a:t>
+            </a:r>
+            <a:r>
+              <a:rPr lang="de-DE" dirty="0" err="1"/>
+              <a:t>label</a:t>
+            </a:r>
+            <a:r>
+              <a:rPr lang="de-DE" dirty="0"/>
+              <a:t> Y </a:t>
             </a:r>
             <a:r>
               <a:rPr lang="de-DE" dirty="0" err="1"/>
@@ -2283,79 +2715,128 @@
             </a:r>
             <a:r>
               <a:rPr lang="de-DE" dirty="0"/>
+              <a:t> </a:t>
+            </a:r>
+            <a:r>
+              <a:rPr lang="de-DE" dirty="0" err="1"/>
+              <a:t>gernerated</a:t>
+            </a:r>
+            <a:r>
+              <a:rPr lang="de-DE" dirty="0"/>
+              <a:t> </a:t>
+            </a:r>
+            <a:r>
+              <a:rPr lang="de-DE" dirty="0" err="1"/>
+              <a:t>based</a:t>
+            </a:r>
+            <a:r>
+              <a:rPr lang="de-DE" dirty="0"/>
+              <a:t> on </a:t>
+            </a:r>
+            <a:r>
+              <a:rPr lang="de-DE" dirty="0" err="1"/>
+              <a:t>majority</a:t>
+            </a:r>
+            <a:r>
+              <a:rPr lang="de-DE" dirty="0"/>
+              <a:t> vote for </a:t>
+            </a:r>
+            <a:r>
+              <a:rPr lang="de-DE" dirty="0" err="1"/>
+              <a:t>each</a:t>
+            </a:r>
+            <a:r>
+              <a:rPr lang="de-DE" dirty="0"/>
+              <a:t> sample. </a:t>
+            </a:r>
+            <a:r>
+              <a:rPr lang="de-DE" dirty="0" err="1"/>
+              <a:t>Newly</a:t>
+            </a:r>
+            <a:r>
+              <a:rPr lang="de-DE" dirty="0"/>
+              <a:t> </a:t>
+            </a:r>
+            <a:r>
+              <a:rPr lang="de-DE" dirty="0" err="1"/>
+              <a:t>generated</a:t>
+            </a:r>
+            <a:r>
+              <a:rPr lang="de-DE" dirty="0"/>
+              <a:t> M + Y </a:t>
+            </a:r>
+            <a:r>
+              <a:rPr lang="de-DE" dirty="0" err="1"/>
+              <a:t>are</a:t>
+            </a:r>
+            <a:r>
+              <a:rPr lang="de-DE" dirty="0"/>
+              <a:t> </a:t>
+            </a:r>
+            <a:r>
+              <a:rPr lang="de-DE" dirty="0" err="1"/>
+              <a:t>input</a:t>
+            </a:r>
+            <a:r>
+              <a:rPr lang="de-DE" dirty="0"/>
+              <a:t> and </a:t>
+            </a:r>
+            <a:r>
+              <a:rPr lang="de-DE" dirty="0" err="1"/>
+              <a:t>label</a:t>
+            </a:r>
+            <a:r>
+              <a:rPr lang="de-DE" dirty="0"/>
+              <a:t> for a </a:t>
+            </a:r>
+            <a:r>
+              <a:rPr lang="de-DE" dirty="0" err="1"/>
+              <a:t>second</a:t>
+            </a:r>
+            <a:r>
+              <a:rPr lang="de-DE" dirty="0"/>
+              <a:t> </a:t>
+            </a:r>
+            <a:r>
+              <a:rPr lang="de-DE" dirty="0" err="1"/>
+              <a:t>round</a:t>
+            </a:r>
+            <a:r>
+              <a:rPr lang="de-DE" dirty="0"/>
+              <a:t> with </a:t>
+            </a:r>
+            <a:r>
+              <a:rPr lang="de-DE" dirty="0" err="1"/>
+              <a:t>the</a:t>
+            </a:r>
+            <a:r>
+              <a:rPr lang="de-DE" dirty="0"/>
+              <a:t> </a:t>
+            </a:r>
+            <a:r>
+              <a:rPr lang="de-DE" dirty="0" err="1"/>
+              <a:t>pipeline</a:t>
+            </a:r>
+            <a:r>
+              <a:rPr lang="de-DE" dirty="0"/>
               <a:t> to </a:t>
             </a:r>
             <a:r>
-              <a:rPr lang="en-GB" sz="1200" b="0" i="0" kern="1200" dirty="0">
-                <a:solidFill>
-                  <a:schemeClr val="tx1"/>
-                </a:solidFill>
-                <a:effectLst/>
-                <a:latin typeface="+mn-lt"/>
-                <a:ea typeface="+mn-ea"/>
-                <a:cs typeface="+mn-cs"/>
-              </a:rPr>
-              <a:t>try to reproduce the results over a random dataset and demonstrate how random data would lead to the same result as </a:t>
-            </a:r>
-            <a:r>
-              <a:rPr lang="en-GB" sz="1200" b="0" i="0" kern="1200" dirty="0" err="1">
-                <a:solidFill>
-                  <a:schemeClr val="tx1"/>
-                </a:solidFill>
-                <a:effectLst/>
-                <a:latin typeface="+mn-lt"/>
-                <a:ea typeface="+mn-ea"/>
-                <a:cs typeface="+mn-cs"/>
-              </a:rPr>
-              <a:t>biotronik’s</a:t>
-            </a:r>
-            <a:r>
-              <a:rPr lang="en-GB" sz="1200" b="0" i="0" kern="1200" dirty="0">
-                <a:solidFill>
-                  <a:schemeClr val="tx1"/>
-                </a:solidFill>
-                <a:effectLst/>
-                <a:latin typeface="+mn-lt"/>
-                <a:ea typeface="+mn-ea"/>
-                <a:cs typeface="+mn-cs"/>
-              </a:rPr>
-              <a:t> real world patient data. By reproducing the results over a random dataset with the same amount of class imbalance, number of features and feature distribution, one can present it as an empirical clue that </a:t>
-            </a:r>
-            <a:r>
-              <a:rPr lang="en-GB" dirty="0"/>
-              <a:t>supports the assumption </a:t>
-            </a:r>
-            <a:r>
-              <a:rPr lang="en-GB" dirty="0" err="1"/>
-              <a:t>of</a:t>
-            </a:r>
-            <a:r>
-              <a:rPr lang="en-GB" sz="1200" b="0" i="0" kern="1200" dirty="0" err="1">
-                <a:solidFill>
-                  <a:schemeClr val="tx1"/>
-                </a:solidFill>
-                <a:effectLst/>
-                <a:latin typeface="+mn-lt"/>
-                <a:ea typeface="+mn-ea"/>
-                <a:cs typeface="+mn-cs"/>
-              </a:rPr>
-              <a:t>no</a:t>
-            </a:r>
-            <a:r>
-              <a:rPr lang="en-GB" sz="1200" b="0" i="0" kern="1200" dirty="0">
-                <a:solidFill>
-                  <a:schemeClr val="tx1"/>
-                </a:solidFill>
-                <a:effectLst/>
-                <a:latin typeface="+mn-lt"/>
-                <a:ea typeface="+mn-ea"/>
-                <a:cs typeface="+mn-cs"/>
-              </a:rPr>
-              <a:t> significant signal to grasp.</a:t>
-            </a:r>
-            <a:endParaRPr lang="en-GB" dirty="0"/>
-          </a:p>
-          <a:p>
+              <a:rPr lang="de-DE" dirty="0" err="1"/>
+              <a:t>see</a:t>
+            </a:r>
+            <a:r>
+              <a:rPr lang="de-DE" dirty="0"/>
+              <a:t> confidence in </a:t>
+            </a:r>
+            <a:r>
+              <a:rPr lang="de-DE" dirty="0" err="1"/>
+              <a:t>predictions</a:t>
+            </a:r>
+            <a:r>
+              <a:rPr lang="de-DE" dirty="0"/>
+              <a:t>. </a:t>
+            </a:r>
             <a:endParaRPr lang="en-GB" dirty="0"/>
           </a:p>
         </p:txBody>
@@ -2386,7 +2867,7 @@
     </p:spTree>
     <p:extLst>
       <p:ext uri="{BB962C8B-B14F-4D97-AF65-F5344CB8AC3E}">
-        <p14:creationId xmlns:p14="http://schemas.microsoft.com/office/powerpoint/2010/main" val="3754323831"/>
+        <p14:creationId xmlns:p14="http://schemas.microsoft.com/office/powerpoint/2010/main" val="396758422"/>
       </p:ext>
     </p:extLst>
   </p:cSld>
@@ -2666,19 +3147,35 @@
             </a:r>
             <a:r>
               <a:rPr lang="de-DE" dirty="0"/>
+              <a:t> to predict. If so, </a:t>
+            </a:r>
+            <a:r>
+              <a:rPr lang="de-DE" dirty="0" err="1"/>
+              <a:t>it</a:t>
+            </a:r>
+            <a:r>
+              <a:rPr lang="de-DE" dirty="0"/>
+              <a:t> </a:t>
+            </a:r>
+            <a:r>
+              <a:rPr lang="de-DE" dirty="0" err="1"/>
+              <a:t>is</a:t>
+            </a:r>
+            <a:r>
+              <a:rPr lang="de-DE" dirty="0"/>
+              <a:t> </a:t>
+            </a:r>
+            <a:r>
+              <a:rPr lang="de-DE" dirty="0" err="1"/>
+              <a:t>interesting</a:t>
+            </a:r>
+            <a:r>
+              <a:rPr lang="de-DE" dirty="0"/>
               <a:t> to </a:t>
             </a:r>
             <a:r>
               <a:rPr lang="de-DE" dirty="0" err="1"/>
-              <a:t>predict</a:t>
-            </a:r>
-            <a:r>
-              <a:rPr lang="de-DE" dirty="0"/>
-              <a:t>. If so, </a:t>
-            </a:r>
-            <a:r>
-              <a:rPr lang="de-DE" dirty="0" err="1"/>
-              <a:t>it</a:t>
+              <a:t>see</a:t>
             </a:r>
             <a:r>
               <a:rPr lang="de-DE" dirty="0"/>
@@ -2686,6 +3183,319 @@
             </a:r>
             <a:r>
               <a:rPr lang="de-DE" dirty="0" err="1"/>
+              <a:t>what</a:t>
+            </a:r>
+            <a:r>
+              <a:rPr lang="de-DE" dirty="0"/>
+              <a:t> </a:t>
+            </a:r>
+            <a:r>
+              <a:rPr lang="de-DE" dirty="0" err="1"/>
+              <a:t>makes</a:t>
+            </a:r>
+            <a:r>
+              <a:rPr lang="de-DE" dirty="0"/>
+              <a:t> </a:t>
+            </a:r>
+            <a:r>
+              <a:rPr lang="de-DE" dirty="0" err="1"/>
+              <a:t>the</a:t>
+            </a:r>
+            <a:r>
+              <a:rPr lang="de-DE" dirty="0"/>
+              <a:t> different from </a:t>
+            </a:r>
+            <a:r>
+              <a:rPr lang="de-DE" dirty="0" err="1"/>
+              <a:t>other</a:t>
+            </a:r>
+            <a:r>
+              <a:rPr lang="de-DE" dirty="0"/>
+              <a:t> </a:t>
+            </a:r>
+            <a:r>
+              <a:rPr lang="de-DE" dirty="0" err="1"/>
+              <a:t>patients</a:t>
+            </a:r>
+            <a:r>
+              <a:rPr lang="de-DE" dirty="0"/>
+              <a:t> with TLF.</a:t>
+            </a:r>
+          </a:p>
+          <a:p>
+            <a:endParaRPr lang="de-DE" dirty="0"/>
+          </a:p>
+          <a:p>
+            <a:r>
+              <a:rPr lang="de-DE" dirty="0"/>
+              <a:t>To </a:t>
+            </a:r>
+            <a:r>
+              <a:rPr lang="de-DE" dirty="0" err="1"/>
+              <a:t>tackle</a:t>
+            </a:r>
+            <a:r>
+              <a:rPr lang="de-DE" dirty="0"/>
+              <a:t> </a:t>
+            </a:r>
+            <a:r>
+              <a:rPr lang="de-DE" dirty="0" err="1"/>
+              <a:t>this</a:t>
+            </a:r>
+            <a:r>
+              <a:rPr lang="de-DE" dirty="0"/>
+              <a:t> </a:t>
+            </a:r>
+            <a:r>
+              <a:rPr lang="de-DE" dirty="0" err="1"/>
+              <a:t>problem</a:t>
+            </a:r>
+            <a:r>
+              <a:rPr lang="de-DE" dirty="0"/>
+              <a:t>, </a:t>
+            </a:r>
+            <a:r>
+              <a:rPr lang="de-DE" dirty="0" err="1"/>
+              <a:t>we</a:t>
+            </a:r>
+            <a:r>
+              <a:rPr lang="de-DE" dirty="0"/>
+              <a:t> </a:t>
+            </a:r>
+            <a:r>
+              <a:rPr lang="de-DE" dirty="0" err="1"/>
+              <a:t>intend</a:t>
+            </a:r>
+            <a:r>
+              <a:rPr lang="de-DE" dirty="0"/>
+              <a:t> to </a:t>
+            </a:r>
+            <a:r>
+              <a:rPr lang="de-DE" dirty="0" err="1"/>
+              <a:t>add</a:t>
+            </a:r>
+            <a:r>
+              <a:rPr lang="de-DE" dirty="0"/>
+              <a:t> a </a:t>
+            </a:r>
+            <a:r>
+              <a:rPr lang="de-DE" dirty="0" err="1"/>
+              <a:t>second</a:t>
+            </a:r>
+            <a:r>
+              <a:rPr lang="de-DE" dirty="0"/>
+              <a:t> </a:t>
+            </a:r>
+            <a:r>
+              <a:rPr lang="de-DE" dirty="0" err="1"/>
+              <a:t>layer</a:t>
+            </a:r>
+            <a:r>
+              <a:rPr lang="de-DE" dirty="0"/>
+              <a:t> to </a:t>
+            </a:r>
+            <a:r>
+              <a:rPr lang="de-DE" dirty="0" err="1"/>
+              <a:t>already</a:t>
+            </a:r>
+            <a:r>
+              <a:rPr lang="de-DE" dirty="0"/>
+              <a:t> </a:t>
+            </a:r>
+            <a:r>
+              <a:rPr lang="de-DE" dirty="0" err="1"/>
+              <a:t>used</a:t>
+            </a:r>
+            <a:r>
+              <a:rPr lang="de-DE" dirty="0"/>
+              <a:t> </a:t>
+            </a:r>
+            <a:r>
+              <a:rPr lang="de-DE" dirty="0" err="1"/>
+              <a:t>pipeline</a:t>
+            </a:r>
+            <a:r>
+              <a:rPr lang="de-DE" dirty="0"/>
+              <a:t> – </a:t>
+            </a:r>
+            <a:r>
+              <a:rPr lang="de-DE" dirty="0" err="1"/>
+              <a:t>the</a:t>
+            </a:r>
+            <a:r>
+              <a:rPr lang="de-DE" dirty="0"/>
+              <a:t> so </a:t>
+            </a:r>
+            <a:r>
+              <a:rPr lang="de-DE" dirty="0" err="1"/>
+              <a:t>called</a:t>
+            </a:r>
+            <a:r>
+              <a:rPr lang="de-DE" dirty="0"/>
+              <a:t> confidence </a:t>
+            </a:r>
+            <a:r>
+              <a:rPr lang="de-DE" dirty="0" err="1"/>
+              <a:t>layer</a:t>
+            </a:r>
+            <a:r>
+              <a:rPr lang="de-DE" dirty="0"/>
+              <a:t>. From </a:t>
+            </a:r>
+            <a:r>
+              <a:rPr lang="de-DE" dirty="0" err="1"/>
+              <a:t>the</a:t>
+            </a:r>
+            <a:r>
+              <a:rPr lang="de-DE" dirty="0"/>
+              <a:t> </a:t>
+            </a:r>
+            <a:r>
+              <a:rPr lang="de-DE" dirty="0" err="1"/>
+              <a:t>originial</a:t>
+            </a:r>
+            <a:r>
+              <a:rPr lang="de-DE" dirty="0"/>
+              <a:t> </a:t>
+            </a:r>
+            <a:r>
+              <a:rPr lang="de-DE" dirty="0" err="1"/>
+              <a:t>pipeline</a:t>
+            </a:r>
+            <a:r>
+              <a:rPr lang="de-DE" dirty="0"/>
+              <a:t> 9 </a:t>
+            </a:r>
+            <a:r>
+              <a:rPr lang="de-DE" dirty="0" err="1"/>
+              <a:t>models</a:t>
+            </a:r>
+            <a:r>
+              <a:rPr lang="de-DE" dirty="0"/>
+              <a:t> with different </a:t>
+            </a:r>
+            <a:r>
+              <a:rPr lang="de-DE" dirty="0" err="1"/>
+              <a:t>classifiers</a:t>
+            </a:r>
+            <a:r>
+              <a:rPr lang="de-DE" dirty="0"/>
+              <a:t> will </a:t>
+            </a:r>
+            <a:r>
+              <a:rPr lang="de-DE" dirty="0" err="1"/>
+              <a:t>be</a:t>
+            </a:r>
+            <a:r>
+              <a:rPr lang="de-DE" dirty="0"/>
+              <a:t> </a:t>
+            </a:r>
+            <a:r>
+              <a:rPr lang="de-DE" dirty="0" err="1"/>
+              <a:t>derived</a:t>
+            </a:r>
+            <a:r>
+              <a:rPr lang="de-DE" dirty="0"/>
+              <a:t>. </a:t>
+            </a:r>
+            <a:r>
+              <a:rPr lang="de-DE" dirty="0" err="1"/>
+              <a:t>Their</a:t>
+            </a:r>
+            <a:r>
+              <a:rPr lang="de-DE" dirty="0"/>
+              <a:t> individual </a:t>
+            </a:r>
+            <a:r>
+              <a:rPr lang="de-DE" dirty="0" err="1"/>
+              <a:t>decisions</a:t>
+            </a:r>
+            <a:r>
+              <a:rPr lang="de-DE" dirty="0"/>
+              <a:t> </a:t>
+            </a:r>
+            <a:r>
+              <a:rPr lang="de-DE" dirty="0" err="1"/>
+              <a:t>over</a:t>
+            </a:r>
+            <a:r>
+              <a:rPr lang="de-DE" dirty="0"/>
+              <a:t> </a:t>
+            </a:r>
+            <a:r>
+              <a:rPr lang="de-DE" dirty="0" err="1"/>
+              <a:t>each</a:t>
+            </a:r>
+            <a:r>
+              <a:rPr lang="de-DE" dirty="0"/>
+              <a:t> sample will </a:t>
+            </a:r>
+            <a:r>
+              <a:rPr lang="de-DE" dirty="0" err="1"/>
+              <a:t>be</a:t>
+            </a:r>
+            <a:r>
+              <a:rPr lang="de-DE" dirty="0"/>
+              <a:t> </a:t>
+            </a:r>
+            <a:r>
+              <a:rPr lang="de-DE" dirty="0" err="1"/>
+              <a:t>put</a:t>
+            </a:r>
+            <a:r>
+              <a:rPr lang="de-DE" dirty="0"/>
+              <a:t> </a:t>
+            </a:r>
+            <a:r>
+              <a:rPr lang="de-DE" dirty="0" err="1"/>
+              <a:t>tohether</a:t>
+            </a:r>
+            <a:r>
+              <a:rPr lang="de-DE" dirty="0"/>
+              <a:t> </a:t>
+            </a:r>
+            <a:r>
+              <a:rPr lang="de-DE" dirty="0" err="1"/>
+              <a:t>into</a:t>
+            </a:r>
+            <a:r>
+              <a:rPr lang="de-DE" dirty="0"/>
+              <a:t> a </a:t>
+            </a:r>
+            <a:r>
+              <a:rPr lang="de-DE" dirty="0" err="1"/>
+              <a:t>decision</a:t>
+            </a:r>
+            <a:r>
+              <a:rPr lang="de-DE" dirty="0"/>
+              <a:t> </a:t>
+            </a:r>
+            <a:r>
+              <a:rPr lang="de-DE" dirty="0" err="1"/>
+              <a:t>matrix</a:t>
+            </a:r>
+            <a:r>
+              <a:rPr lang="de-DE" dirty="0"/>
+              <a:t> M. From </a:t>
+            </a:r>
+            <a:r>
+              <a:rPr lang="de-DE" dirty="0" err="1"/>
+              <a:t>that</a:t>
+            </a:r>
+            <a:r>
+              <a:rPr lang="de-DE" dirty="0"/>
+              <a:t> a confidence </a:t>
+            </a:r>
+            <a:r>
+              <a:rPr lang="de-DE" dirty="0" err="1"/>
+              <a:t>label</a:t>
+            </a:r>
+            <a:r>
+              <a:rPr lang="de-DE" dirty="0"/>
+              <a:t> Y </a:t>
+            </a:r>
+            <a:r>
+              <a:rPr lang="de-DE" dirty="0" err="1"/>
               <a:t>is</a:t>
             </a:r>
             <a:r>
@@ -2694,7 +3504,103 @@
             </a:r>
             <a:r>
               <a:rPr lang="de-DE" dirty="0" err="1"/>
-              <a:t>interesting</a:t>
+              <a:t>gernerated</a:t>
+            </a:r>
+            <a:r>
+              <a:rPr lang="de-DE" dirty="0"/>
+              <a:t> </a:t>
+            </a:r>
+            <a:r>
+              <a:rPr lang="de-DE" dirty="0" err="1"/>
+              <a:t>based</a:t>
+            </a:r>
+            <a:r>
+              <a:rPr lang="de-DE" dirty="0"/>
+              <a:t> on </a:t>
+            </a:r>
+            <a:r>
+              <a:rPr lang="de-DE" dirty="0" err="1"/>
+              <a:t>majority</a:t>
+            </a:r>
+            <a:r>
+              <a:rPr lang="de-DE" dirty="0"/>
+              <a:t> vote for </a:t>
+            </a:r>
+            <a:r>
+              <a:rPr lang="de-DE" dirty="0" err="1"/>
+              <a:t>each</a:t>
+            </a:r>
+            <a:r>
+              <a:rPr lang="de-DE" dirty="0"/>
+              <a:t> sample. </a:t>
+            </a:r>
+            <a:r>
+              <a:rPr lang="de-DE" dirty="0" err="1"/>
+              <a:t>Newly</a:t>
+            </a:r>
+            <a:r>
+              <a:rPr lang="de-DE" dirty="0"/>
+              <a:t> </a:t>
+            </a:r>
+            <a:r>
+              <a:rPr lang="de-DE" dirty="0" err="1"/>
+              <a:t>generated</a:t>
+            </a:r>
+            <a:r>
+              <a:rPr lang="de-DE" dirty="0"/>
+              <a:t> M + Y </a:t>
+            </a:r>
+            <a:r>
+              <a:rPr lang="de-DE" dirty="0" err="1"/>
+              <a:t>are</a:t>
+            </a:r>
+            <a:r>
+              <a:rPr lang="de-DE" dirty="0"/>
+              <a:t> </a:t>
+            </a:r>
+            <a:r>
+              <a:rPr lang="de-DE" dirty="0" err="1"/>
+              <a:t>input</a:t>
+            </a:r>
+            <a:r>
+              <a:rPr lang="de-DE" dirty="0"/>
+              <a:t> and </a:t>
+            </a:r>
+            <a:r>
+              <a:rPr lang="de-DE" dirty="0" err="1"/>
+              <a:t>label</a:t>
+            </a:r>
+            <a:r>
+              <a:rPr lang="de-DE" dirty="0"/>
+              <a:t> for a </a:t>
+            </a:r>
+            <a:r>
+              <a:rPr lang="de-DE" dirty="0" err="1"/>
+              <a:t>second</a:t>
+            </a:r>
+            <a:r>
+              <a:rPr lang="de-DE" dirty="0"/>
+              <a:t> </a:t>
+            </a:r>
+            <a:r>
+              <a:rPr lang="de-DE" dirty="0" err="1"/>
+              <a:t>round</a:t>
+            </a:r>
+            <a:r>
+              <a:rPr lang="de-DE" dirty="0"/>
+              <a:t> with </a:t>
+            </a:r>
+            <a:r>
+              <a:rPr lang="de-DE" dirty="0" err="1"/>
+              <a:t>the</a:t>
+            </a:r>
+            <a:r>
+              <a:rPr lang="de-DE" dirty="0"/>
+              <a:t> </a:t>
+            </a:r>
+            <a:r>
+              <a:rPr lang="de-DE" dirty="0" err="1"/>
+              <a:t>pipeline</a:t>
             </a:r>
             <a:r>
               <a:rPr lang="de-DE" dirty="0"/>
@@ -2706,11 +3612,40 @@
             </a:r>
             <a:r>
               <a:rPr lang="de-DE" dirty="0"/>
+              <a:t> confidence in </a:t>
+            </a:r>
+            <a:r>
+              <a:rPr lang="de-DE" dirty="0" err="1"/>
+              <a:t>predictions</a:t>
+            </a:r>
+            <a:r>
+              <a:rPr lang="de-DE" dirty="0"/>
+              <a:t>. </a:t>
+            </a:r>
+          </a:p>
+          <a:p>
+            <a:endParaRPr lang="de-DE" dirty="0"/>
+          </a:p>
+          <a:p>
+            <a:r>
+              <a:rPr lang="de-DE" dirty="0" err="1"/>
+              <a:t>Y_conf</a:t>
+            </a:r>
+            <a:r>
+              <a:rPr lang="de-DE" dirty="0"/>
               <a:t> </a:t>
             </a:r>
             <a:r>
               <a:rPr lang="de-DE" dirty="0" err="1"/>
-              <a:t>what</a:t>
+              <a:t>created</a:t>
+            </a:r>
+            <a:r>
+              <a:rPr lang="de-DE" dirty="0"/>
+              <a:t> out of XNOR </a:t>
+            </a:r>
+            <a:r>
+              <a:rPr lang="de-DE" dirty="0" err="1"/>
+              <a:t>gate</a:t>
             </a:r>
             <a:r>
               <a:rPr lang="de-DE" dirty="0"/>
@@ -2718,7 +3653,23 @@
             </a:r>
             <a:r>
               <a:rPr lang="de-DE" dirty="0" err="1"/>
-              <a:t>makes</a:t>
+              <a:t>between</a:t>
+            </a:r>
+            <a:r>
+              <a:rPr lang="de-DE" dirty="0"/>
+              <a:t> GT and Y‘ (</a:t>
+            </a:r>
+            <a:r>
+              <a:rPr lang="de-DE" dirty="0" err="1"/>
+              <a:t>y_prime</a:t>
+            </a:r>
+            <a:r>
+              <a:rPr lang="de-DE" dirty="0"/>
+              <a:t>) with GT = </a:t>
+            </a:r>
+            <a:r>
+              <a:rPr lang="de-DE" dirty="0" err="1"/>
+              <a:t>ground</a:t>
             </a:r>
             <a:r>
               <a:rPr lang="de-DE" dirty="0"/>
@@ -2726,15 +3677,15 @@
             </a:r>
             <a:r>
               <a:rPr lang="de-DE" dirty="0" err="1"/>
-              <a:t>the</a:t>
-            </a:r>
-            <a:r>
-              <a:rPr lang="de-DE" dirty="0"/>
-              <a:t> different from </a:t>
-            </a:r>
-            <a:r>
-              <a:rPr lang="de-DE" dirty="0" err="1"/>
-              <a:t>other</a:t>
+              <a:t>truth</a:t>
+            </a:r>
+            <a:r>
+              <a:rPr lang="de-DE" dirty="0"/>
+              <a:t> (</a:t>
+            </a:r>
+            <a:r>
+              <a:rPr lang="de-DE" dirty="0" err="1"/>
+              <a:t>actual</a:t>
             </a:r>
             <a:r>
               <a:rPr lang="de-DE" dirty="0"/>
@@ -2742,24 +3693,7 @@
             </a:r>
             <a:r>
               <a:rPr lang="de-DE" dirty="0" err="1"/>
-              <a:t>patients</a:t>
-            </a:r>
-            <a:r>
-              <a:rPr lang="de-DE" dirty="0"/>
-              <a:t> with TLF.</a:t>
-            </a:r>
-          </a:p>
-          <a:p>
-            <a:endParaRPr lang="de-DE" dirty="0"/>
-          </a:p>
-          <a:p>
-            <a:r>
-              <a:rPr lang="de-DE" dirty="0"/>
-              <a:t>To </a:t>
-            </a:r>
-            <a:r>
-              <a:rPr lang="de-DE" dirty="0" err="1"/>
-              <a:t>tackle</a:t>
+              <a:t>label</a:t>
             </a:r>
             <a:r>
               <a:rPr lang="de-DE" dirty="0"/>
@@ -2767,7 +3701,31 @@
             </a:r>
             <a:r>
               <a:rPr lang="de-DE" dirty="0" err="1"/>
-              <a:t>this</a:t>
+              <a:t>taken</a:t>
+            </a:r>
+            <a:r>
+              <a:rPr lang="de-DE" dirty="0"/>
+              <a:t> from patient </a:t>
+            </a:r>
+            <a:r>
+              <a:rPr lang="de-DE" dirty="0" err="1"/>
+              <a:t>data</a:t>
+            </a:r>
+            <a:r>
+              <a:rPr lang="de-DE" dirty="0"/>
+              <a:t>), Y‘ = </a:t>
+            </a:r>
+            <a:r>
+              <a:rPr lang="de-DE" dirty="0" err="1"/>
+              <a:t>majority</a:t>
+            </a:r>
+            <a:r>
+              <a:rPr lang="de-DE" dirty="0"/>
+              <a:t> vote of 9 </a:t>
+            </a:r>
+            <a:r>
+              <a:rPr lang="de-DE" dirty="0" err="1"/>
+              <a:t>weak</a:t>
             </a:r>
             <a:r>
               <a:rPr lang="de-DE" dirty="0"/>
@@ -2775,403 +3733,7 @@
             </a:r>
             <a:r>
               <a:rPr lang="de-DE" dirty="0" err="1"/>
-              <a:t>problem</a:t>
-            </a:r>
-            <a:r>
-              <a:rPr lang="de-DE" dirty="0"/>
-              <a:t>, </a:t>
-            </a:r>
-            <a:r>
-              <a:rPr lang="de-DE" dirty="0" err="1"/>
-              <a:t>we</a:t>
-            </a:r>
-            <a:r>
-              <a:rPr lang="de-DE" dirty="0"/>
-              <a:t> </a:t>
-            </a:r>
-            <a:r>
-              <a:rPr lang="de-DE" dirty="0" err="1"/>
-              <a:t>intend</a:t>
-            </a:r>
-            <a:r>
-              <a:rPr lang="de-DE" dirty="0"/>
-              <a:t> to </a:t>
-            </a:r>
-            <a:r>
-              <a:rPr lang="de-DE" dirty="0" err="1"/>
-              <a:t>add</a:t>
-            </a:r>
-            <a:r>
-              <a:rPr lang="de-DE" dirty="0"/>
-              <a:t> a </a:t>
-            </a:r>
-            <a:r>
-              <a:rPr lang="de-DE" dirty="0" err="1"/>
-              <a:t>second</a:t>
-            </a:r>
-            <a:r>
-              <a:rPr lang="de-DE" dirty="0"/>
-              <a:t> </a:t>
-            </a:r>
-            <a:r>
-              <a:rPr lang="de-DE" dirty="0" err="1"/>
-              <a:t>layer</a:t>
-            </a:r>
-            <a:r>
-              <a:rPr lang="de-DE" dirty="0"/>
-              <a:t> to </a:t>
-            </a:r>
-            <a:r>
-              <a:rPr lang="de-DE" dirty="0" err="1"/>
-              <a:t>already</a:t>
-            </a:r>
-            <a:r>
-              <a:rPr lang="de-DE" dirty="0"/>
-              <a:t> </a:t>
-            </a:r>
-            <a:r>
-              <a:rPr lang="de-DE" dirty="0" err="1"/>
-              <a:t>used</a:t>
-            </a:r>
-            <a:r>
-              <a:rPr lang="de-DE" dirty="0"/>
-              <a:t> </a:t>
-            </a:r>
-            <a:r>
-              <a:rPr lang="de-DE" dirty="0" err="1"/>
-              <a:t>pipeline</a:t>
-            </a:r>
-            <a:r>
-              <a:rPr lang="de-DE" dirty="0"/>
-              <a:t> – </a:t>
-            </a:r>
-            <a:r>
-              <a:rPr lang="de-DE" dirty="0" err="1"/>
-              <a:t>the</a:t>
-            </a:r>
-            <a:r>
-              <a:rPr lang="de-DE" dirty="0"/>
-              <a:t> so </a:t>
-            </a:r>
-            <a:r>
-              <a:rPr lang="de-DE" dirty="0" err="1"/>
-              <a:t>called</a:t>
-            </a:r>
-            <a:r>
-              <a:rPr lang="de-DE" dirty="0"/>
-              <a:t> </a:t>
-            </a:r>
-            <a:r>
-              <a:rPr lang="de-DE" dirty="0" err="1"/>
-              <a:t>confidence</a:t>
-            </a:r>
-            <a:r>
-              <a:rPr lang="de-DE" dirty="0"/>
-              <a:t> </a:t>
-            </a:r>
-            <a:r>
-              <a:rPr lang="de-DE" dirty="0" err="1"/>
-              <a:t>layer</a:t>
-            </a:r>
-            <a:r>
-              <a:rPr lang="de-DE" dirty="0"/>
-              <a:t>. From </a:t>
-            </a:r>
-            <a:r>
-              <a:rPr lang="de-DE" dirty="0" err="1"/>
-              <a:t>the</a:t>
-            </a:r>
-            <a:r>
-              <a:rPr lang="de-DE" dirty="0"/>
-              <a:t> </a:t>
-            </a:r>
-            <a:r>
-              <a:rPr lang="de-DE" dirty="0" err="1"/>
-              <a:t>originial</a:t>
-            </a:r>
-            <a:r>
-              <a:rPr lang="de-DE" dirty="0"/>
-              <a:t> </a:t>
-            </a:r>
-            <a:r>
-              <a:rPr lang="de-DE" dirty="0" err="1"/>
-              <a:t>pipeline</a:t>
-            </a:r>
-            <a:r>
-              <a:rPr lang="de-DE" dirty="0"/>
-              <a:t> 8 </a:t>
-            </a:r>
-            <a:r>
-              <a:rPr lang="de-DE" dirty="0" err="1"/>
-              <a:t>models</a:t>
-            </a:r>
-            <a:r>
-              <a:rPr lang="de-DE" dirty="0"/>
-              <a:t> with different </a:t>
-            </a:r>
-            <a:r>
-              <a:rPr lang="de-DE" dirty="0" err="1"/>
               <a:t>classifiers</a:t>
-            </a:r>
-            <a:r>
-              <a:rPr lang="de-DE" dirty="0"/>
-              <a:t> will </a:t>
-            </a:r>
-            <a:r>
-              <a:rPr lang="de-DE" dirty="0" err="1"/>
-              <a:t>be</a:t>
-            </a:r>
-            <a:r>
-              <a:rPr lang="de-DE" dirty="0"/>
-              <a:t> </a:t>
-            </a:r>
-            <a:r>
-              <a:rPr lang="de-DE" dirty="0" err="1"/>
-              <a:t>derived</a:t>
-            </a:r>
-            <a:r>
-              <a:rPr lang="de-DE" dirty="0"/>
-              <a:t>. </a:t>
-            </a:r>
-            <a:r>
-              <a:rPr lang="de-DE" dirty="0" err="1"/>
-              <a:t>Their</a:t>
-            </a:r>
-            <a:r>
-              <a:rPr lang="de-DE" dirty="0"/>
-              <a:t> individual </a:t>
-            </a:r>
-            <a:r>
-              <a:rPr lang="de-DE" dirty="0" err="1"/>
-              <a:t>decisions</a:t>
-            </a:r>
-            <a:r>
-              <a:rPr lang="de-DE" dirty="0"/>
-              <a:t> </a:t>
-            </a:r>
-            <a:r>
-              <a:rPr lang="de-DE" dirty="0" err="1"/>
-              <a:t>over</a:t>
-            </a:r>
-            <a:r>
-              <a:rPr lang="de-DE" dirty="0"/>
-              <a:t> </a:t>
-            </a:r>
-            <a:r>
-              <a:rPr lang="de-DE" dirty="0" err="1"/>
-              <a:t>each</a:t>
-            </a:r>
-            <a:r>
-              <a:rPr lang="de-DE" dirty="0"/>
-              <a:t> sample will </a:t>
-            </a:r>
-            <a:r>
-              <a:rPr lang="de-DE" dirty="0" err="1"/>
-              <a:t>be</a:t>
-            </a:r>
-            <a:r>
-              <a:rPr lang="de-DE" dirty="0"/>
-              <a:t> </a:t>
-            </a:r>
-            <a:r>
-              <a:rPr lang="de-DE" dirty="0" err="1"/>
-              <a:t>put</a:t>
-            </a:r>
-            <a:r>
-              <a:rPr lang="de-DE" dirty="0"/>
-              <a:t> </a:t>
-            </a:r>
-            <a:r>
-              <a:rPr lang="de-DE" dirty="0" err="1"/>
-              <a:t>tohether</a:t>
-            </a:r>
-            <a:r>
-              <a:rPr lang="de-DE" dirty="0"/>
-              <a:t> </a:t>
-            </a:r>
-            <a:r>
-              <a:rPr lang="de-DE" dirty="0" err="1"/>
-              <a:t>into</a:t>
-            </a:r>
-            <a:r>
-              <a:rPr lang="de-DE" dirty="0"/>
-              <a:t> a </a:t>
-            </a:r>
-            <a:r>
-              <a:rPr lang="de-DE" dirty="0" err="1"/>
-              <a:t>decision</a:t>
-            </a:r>
-            <a:r>
-              <a:rPr lang="de-DE" dirty="0"/>
-              <a:t> </a:t>
-            </a:r>
-            <a:r>
-              <a:rPr lang="de-DE" dirty="0" err="1"/>
-              <a:t>matrix</a:t>
-            </a:r>
-            <a:r>
-              <a:rPr lang="de-DE" dirty="0"/>
-              <a:t> M. From </a:t>
-            </a:r>
-            <a:r>
-              <a:rPr lang="de-DE" dirty="0" err="1"/>
-              <a:t>that</a:t>
-            </a:r>
-            <a:r>
-              <a:rPr lang="de-DE" dirty="0"/>
-              <a:t> a </a:t>
-            </a:r>
-            <a:r>
-              <a:rPr lang="de-DE" dirty="0" err="1"/>
-              <a:t>confidence</a:t>
-            </a:r>
-            <a:r>
-              <a:rPr lang="de-DE" dirty="0"/>
-              <a:t> </a:t>
-            </a:r>
-            <a:r>
-              <a:rPr lang="de-DE" dirty="0" err="1"/>
-              <a:t>label</a:t>
-            </a:r>
-            <a:r>
-              <a:rPr lang="de-DE" dirty="0"/>
-              <a:t> Y </a:t>
-            </a:r>
-            <a:r>
-              <a:rPr lang="de-DE" dirty="0" err="1"/>
-              <a:t>is</a:t>
-            </a:r>
-            <a:r>
-              <a:rPr lang="de-DE" dirty="0"/>
-              <a:t> </a:t>
-            </a:r>
-            <a:r>
-              <a:rPr lang="de-DE" dirty="0" err="1"/>
-              <a:t>gernerated</a:t>
-            </a:r>
-            <a:r>
-              <a:rPr lang="de-DE" dirty="0"/>
-              <a:t> </a:t>
-            </a:r>
-            <a:r>
-              <a:rPr lang="de-DE" dirty="0" err="1"/>
-              <a:t>based</a:t>
-            </a:r>
-            <a:r>
-              <a:rPr lang="de-DE" dirty="0"/>
-              <a:t> on </a:t>
-            </a:r>
-            <a:r>
-              <a:rPr lang="de-DE" dirty="0" err="1"/>
-              <a:t>majority</a:t>
-            </a:r>
-            <a:r>
-              <a:rPr lang="de-DE" dirty="0"/>
-              <a:t> vote for </a:t>
-            </a:r>
-            <a:r>
-              <a:rPr lang="de-DE" dirty="0" err="1"/>
-              <a:t>each</a:t>
-            </a:r>
-            <a:r>
-              <a:rPr lang="de-DE" dirty="0"/>
-              <a:t> sample. </a:t>
-            </a:r>
-            <a:r>
-              <a:rPr lang="de-DE" dirty="0" err="1"/>
-              <a:t>Newly</a:t>
-            </a:r>
-            <a:r>
-              <a:rPr lang="de-DE" dirty="0"/>
-              <a:t> </a:t>
-            </a:r>
-            <a:r>
-              <a:rPr lang="de-DE" dirty="0" err="1"/>
-              <a:t>generated</a:t>
-            </a:r>
-            <a:r>
-              <a:rPr lang="de-DE" dirty="0"/>
-              <a:t> M + Y </a:t>
-            </a:r>
-            <a:r>
-              <a:rPr lang="de-DE" dirty="0" err="1"/>
-              <a:t>are</a:t>
-            </a:r>
-            <a:r>
-              <a:rPr lang="de-DE" dirty="0"/>
-              <a:t> </a:t>
-            </a:r>
-            <a:r>
-              <a:rPr lang="de-DE" dirty="0" err="1"/>
-              <a:t>input</a:t>
-            </a:r>
-            <a:r>
-              <a:rPr lang="de-DE" dirty="0"/>
-              <a:t> and </a:t>
-            </a:r>
-            <a:r>
-              <a:rPr lang="de-DE" dirty="0" err="1"/>
-              <a:t>label</a:t>
-            </a:r>
-            <a:r>
-              <a:rPr lang="de-DE" dirty="0"/>
-              <a:t> for a </a:t>
-            </a:r>
-            <a:r>
-              <a:rPr lang="de-DE" dirty="0" err="1"/>
-              <a:t>second</a:t>
-            </a:r>
-            <a:r>
-              <a:rPr lang="de-DE" dirty="0"/>
-              <a:t> </a:t>
-            </a:r>
-            <a:r>
-              <a:rPr lang="de-DE" dirty="0" err="1"/>
-              <a:t>round</a:t>
-            </a:r>
-            <a:r>
-              <a:rPr lang="de-DE" dirty="0"/>
-              <a:t> with </a:t>
-            </a:r>
-            <a:r>
-              <a:rPr lang="de-DE" dirty="0" err="1"/>
-              <a:t>the</a:t>
-            </a:r>
-            <a:r>
-              <a:rPr lang="de-DE" dirty="0"/>
-              <a:t> </a:t>
-            </a:r>
-            <a:r>
-              <a:rPr lang="de-DE" dirty="0" err="1"/>
-              <a:t>pipeline</a:t>
-            </a:r>
-            <a:r>
-              <a:rPr lang="de-DE" dirty="0"/>
-              <a:t> to </a:t>
-            </a:r>
-            <a:r>
-              <a:rPr lang="de-DE" dirty="0" err="1"/>
-              <a:t>see</a:t>
-            </a:r>
-            <a:r>
-              <a:rPr lang="de-DE" dirty="0"/>
-              <a:t> </a:t>
-            </a:r>
-            <a:r>
-              <a:rPr lang="de-DE" dirty="0" err="1"/>
-              <a:t>confidence</a:t>
-            </a:r>
-            <a:r>
-              <a:rPr lang="de-DE" dirty="0"/>
-              <a:t> in </a:t>
-            </a:r>
-            <a:r>
-              <a:rPr lang="de-DE" dirty="0" err="1"/>
-              <a:t>predictions</a:t>
-            </a:r>
-            <a:r>
-              <a:rPr lang="de-DE" dirty="0"/>
-              <a:t>. </a:t>
             </a:r>
             <a:endParaRPr lang="en-GB" dirty="0"/>
           </a:p>
@@ -3195,6 +3757,788 @@
             <a:fld id="{098BD289-3A29-45E8-AD20-ACE8C932FF07}" type="slidenum">
               <a:rPr lang="de-DE" smtClean="0"/>
               <a:t>14</a:t>
+            </a:fld>
+            <a:endParaRPr lang="de-DE"/>
+          </a:p>
+        </p:txBody>
+      </p:sp>
+    </p:spTree>
+    <p:extLst>
+      <p:ext uri="{BB962C8B-B14F-4D97-AF65-F5344CB8AC3E}">
+        <p14:creationId xmlns:p14="http://schemas.microsoft.com/office/powerpoint/2010/main" val="423546568"/>
+      </p:ext>
+    </p:extLst>
+  </p:cSld>
+  <p:clrMapOvr>
+    <a:masterClrMapping/>
+  </p:clrMapOvr>
+</p:notes>
+</file>
+
+<file path=ppt/notesSlides/notesSlide15.xml><?xml version="1.0" encoding="utf-8"?>
+<p:notes xmlns:a="http://schemas.openxmlformats.org/drawingml/2006/main" xmlns:r="http://schemas.openxmlformats.org/officeDocument/2006/relationships" xmlns:p="http://schemas.openxmlformats.org/presentationml/2006/main">
+  <p:cSld>
+    <p:spTree>
+      <p:nvGrpSpPr>
+        <p:cNvPr id="1" name=""/>
+        <p:cNvGrpSpPr/>
+        <p:nvPr/>
+      </p:nvGrpSpPr>
+      <p:grpSpPr>
+        <a:xfrm>
+          <a:off x="0" y="0"/>
+          <a:ext cx="0" cy="0"/>
+          <a:chOff x="0" y="0"/>
+          <a:chExt cx="0" cy="0"/>
+        </a:xfrm>
+      </p:grpSpPr>
+      <p:sp>
+        <p:nvSpPr>
+          <p:cNvPr id="2" name="Folienbildplatzhalter 1"/>
+          <p:cNvSpPr>
+            <a:spLocks noGrp="1" noRot="1" noChangeAspect="1"/>
+          </p:cNvSpPr>
+          <p:nvPr>
+            <p:ph type="sldImg"/>
+          </p:nvPr>
+        </p:nvSpPr>
+        <p:spPr/>
+      </p:sp>
+      <p:sp>
+        <p:nvSpPr>
+          <p:cNvPr id="3" name="Notizenplatzhalter 2"/>
+          <p:cNvSpPr>
+            <a:spLocks noGrp="1"/>
+          </p:cNvSpPr>
+          <p:nvPr>
+            <p:ph type="body" idx="1"/>
+          </p:nvPr>
+        </p:nvSpPr>
+        <p:spPr/>
+        <p:txBody>
+          <a:bodyPr/>
+          <a:lstStyle/>
+          <a:p>
+            <a:r>
+              <a:rPr lang="de-DE" dirty="0"/>
+              <a:t>Architecture in </a:t>
+            </a:r>
+            <a:r>
+              <a:rPr lang="de-DE" dirty="0" err="1"/>
+              <a:t>use</a:t>
+            </a:r>
+            <a:r>
+              <a:rPr lang="de-DE" dirty="0"/>
+              <a:t>:</a:t>
+            </a:r>
+          </a:p>
+          <a:p>
+            <a:r>
+              <a:rPr lang="de-DE" dirty="0"/>
+              <a:t>A new patient </a:t>
+            </a:r>
+            <a:r>
+              <a:rPr lang="de-DE" dirty="0" err="1"/>
+              <a:t>should</a:t>
+            </a:r>
+            <a:r>
+              <a:rPr lang="de-DE" dirty="0"/>
+              <a:t> </a:t>
+            </a:r>
+            <a:r>
+              <a:rPr lang="de-DE" dirty="0" err="1"/>
+              <a:t>be</a:t>
+            </a:r>
+            <a:r>
+              <a:rPr lang="de-DE" dirty="0"/>
+              <a:t> </a:t>
+            </a:r>
+            <a:r>
+              <a:rPr lang="de-DE" dirty="0" err="1"/>
+              <a:t>tested</a:t>
+            </a:r>
+            <a:r>
+              <a:rPr lang="de-DE" dirty="0"/>
+              <a:t> for high </a:t>
+            </a:r>
+            <a:r>
+              <a:rPr lang="de-DE" dirty="0" err="1"/>
+              <a:t>risk</a:t>
+            </a:r>
+            <a:r>
+              <a:rPr lang="de-DE" dirty="0"/>
+              <a:t> of TLF </a:t>
+            </a:r>
+            <a:r>
+              <a:rPr lang="de-DE" dirty="0" err="1"/>
+              <a:t>or</a:t>
+            </a:r>
+            <a:r>
+              <a:rPr lang="de-DE" dirty="0"/>
+              <a:t> not. </a:t>
+            </a:r>
+            <a:r>
+              <a:rPr lang="de-DE" dirty="0" err="1"/>
+              <a:t>Firstly</a:t>
+            </a:r>
+            <a:r>
+              <a:rPr lang="de-DE" dirty="0"/>
+              <a:t>, </a:t>
+            </a:r>
+            <a:r>
+              <a:rPr lang="de-DE" dirty="0" err="1"/>
+              <a:t>the</a:t>
+            </a:r>
+            <a:r>
+              <a:rPr lang="de-DE" dirty="0"/>
+              <a:t> patient </a:t>
+            </a:r>
+            <a:r>
+              <a:rPr lang="de-DE" dirty="0" err="1"/>
+              <a:t>features</a:t>
+            </a:r>
+            <a:r>
+              <a:rPr lang="de-DE" dirty="0"/>
+              <a:t> X will </a:t>
+            </a:r>
+            <a:r>
+              <a:rPr lang="de-DE" dirty="0" err="1"/>
+              <a:t>be</a:t>
+            </a:r>
+            <a:r>
+              <a:rPr lang="de-DE" dirty="0"/>
+              <a:t> </a:t>
+            </a:r>
+            <a:r>
+              <a:rPr lang="de-DE" dirty="0" err="1"/>
+              <a:t>used</a:t>
+            </a:r>
+            <a:r>
+              <a:rPr lang="de-DE" dirty="0"/>
+              <a:t> with </a:t>
+            </a:r>
+            <a:r>
+              <a:rPr lang="de-DE" dirty="0" err="1"/>
+              <a:t>the</a:t>
+            </a:r>
+            <a:r>
+              <a:rPr lang="de-DE" dirty="0"/>
+              <a:t> </a:t>
+            </a:r>
+            <a:r>
+              <a:rPr lang="de-DE" dirty="0" err="1"/>
+              <a:t>pre-trained</a:t>
+            </a:r>
+            <a:r>
+              <a:rPr lang="de-DE" dirty="0"/>
+              <a:t> M_TLF to </a:t>
+            </a:r>
+            <a:r>
+              <a:rPr lang="de-DE" dirty="0" err="1"/>
+              <a:t>generate</a:t>
+            </a:r>
+            <a:r>
+              <a:rPr lang="de-DE" dirty="0"/>
+              <a:t> </a:t>
+            </a:r>
+            <a:r>
+              <a:rPr lang="de-DE" dirty="0" err="1"/>
+              <a:t>the</a:t>
+            </a:r>
+            <a:r>
+              <a:rPr lang="de-DE" dirty="0"/>
+              <a:t> </a:t>
+            </a:r>
+            <a:r>
+              <a:rPr lang="de-DE" dirty="0" err="1"/>
+              <a:t>second</a:t>
+            </a:r>
+            <a:r>
+              <a:rPr lang="de-DE" dirty="0"/>
+              <a:t> </a:t>
+            </a:r>
+            <a:r>
+              <a:rPr lang="de-DE" dirty="0" err="1"/>
+              <a:t>database</a:t>
+            </a:r>
+            <a:r>
+              <a:rPr lang="de-DE" dirty="0"/>
+              <a:t> – </a:t>
+            </a:r>
+            <a:r>
+              <a:rPr lang="de-DE" dirty="0" err="1"/>
+              <a:t>the</a:t>
+            </a:r>
+            <a:r>
+              <a:rPr lang="de-DE" dirty="0"/>
+              <a:t> </a:t>
+            </a:r>
+            <a:r>
+              <a:rPr lang="de-DE" dirty="0" err="1"/>
+              <a:t>decision</a:t>
+            </a:r>
+            <a:r>
+              <a:rPr lang="de-DE" dirty="0"/>
+              <a:t> </a:t>
+            </a:r>
+            <a:r>
+              <a:rPr lang="de-DE" dirty="0" err="1"/>
+              <a:t>matrix</a:t>
+            </a:r>
+            <a:r>
+              <a:rPr lang="de-DE" dirty="0"/>
+              <a:t> M for </a:t>
+            </a:r>
+            <a:r>
+              <a:rPr lang="de-DE" dirty="0" err="1"/>
+              <a:t>each</a:t>
+            </a:r>
+            <a:r>
+              <a:rPr lang="de-DE" dirty="0"/>
+              <a:t> </a:t>
+            </a:r>
+            <a:r>
+              <a:rPr lang="de-DE" dirty="0" err="1"/>
+              <a:t>weak</a:t>
+            </a:r>
+            <a:r>
+              <a:rPr lang="de-DE" dirty="0"/>
+              <a:t> </a:t>
+            </a:r>
+            <a:r>
+              <a:rPr lang="de-DE" dirty="0" err="1"/>
+              <a:t>classifier</a:t>
+            </a:r>
+            <a:r>
+              <a:rPr lang="de-DE" dirty="0"/>
+              <a:t>. </a:t>
+            </a:r>
+            <a:r>
+              <a:rPr lang="de-DE" dirty="0" err="1"/>
+              <a:t>Secondly</a:t>
+            </a:r>
+            <a:r>
+              <a:rPr lang="de-DE" dirty="0"/>
+              <a:t>, </a:t>
+            </a:r>
+            <a:r>
+              <a:rPr lang="de-DE" dirty="0" err="1"/>
+              <a:t>decision</a:t>
+            </a:r>
+            <a:r>
+              <a:rPr lang="de-DE" dirty="0"/>
+              <a:t> Matrix will </a:t>
+            </a:r>
+            <a:r>
+              <a:rPr lang="de-DE" dirty="0" err="1"/>
+              <a:t>be</a:t>
+            </a:r>
+            <a:r>
+              <a:rPr lang="de-DE" dirty="0"/>
+              <a:t> </a:t>
+            </a:r>
+            <a:r>
+              <a:rPr lang="de-DE" dirty="0" err="1"/>
+              <a:t>used</a:t>
+            </a:r>
+            <a:r>
+              <a:rPr lang="de-DE" dirty="0"/>
+              <a:t> </a:t>
+            </a:r>
+            <a:r>
+              <a:rPr lang="de-DE" dirty="0" err="1"/>
+              <a:t>as</a:t>
+            </a:r>
+            <a:r>
+              <a:rPr lang="de-DE" dirty="0"/>
+              <a:t> </a:t>
+            </a:r>
+            <a:r>
+              <a:rPr lang="de-DE" dirty="0" err="1"/>
+              <a:t>input</a:t>
+            </a:r>
+            <a:r>
+              <a:rPr lang="de-DE" dirty="0"/>
+              <a:t> for </a:t>
+            </a:r>
+            <a:r>
+              <a:rPr lang="de-DE" dirty="0" err="1"/>
+              <a:t>pre-trained</a:t>
+            </a:r>
+            <a:r>
+              <a:rPr lang="de-DE" dirty="0"/>
+              <a:t> </a:t>
+            </a:r>
+            <a:r>
+              <a:rPr lang="de-DE" dirty="0" err="1"/>
+              <a:t>M_conf</a:t>
+            </a:r>
+            <a:r>
+              <a:rPr lang="de-DE" dirty="0"/>
+              <a:t> to predict </a:t>
+            </a:r>
+            <a:r>
+              <a:rPr lang="de-DE" dirty="0" err="1"/>
+              <a:t>Y_conf</a:t>
+            </a:r>
+            <a:r>
+              <a:rPr lang="de-DE" dirty="0"/>
+              <a:t>. If </a:t>
+            </a:r>
+            <a:r>
+              <a:rPr lang="de-DE" dirty="0" err="1"/>
+              <a:t>the</a:t>
+            </a:r>
+            <a:r>
+              <a:rPr lang="de-DE" dirty="0"/>
+              <a:t> </a:t>
+            </a:r>
+            <a:r>
+              <a:rPr lang="de-DE" dirty="0" err="1"/>
+              <a:t>prediction</a:t>
+            </a:r>
+            <a:r>
+              <a:rPr lang="de-DE" dirty="0"/>
+              <a:t> </a:t>
+            </a:r>
+            <a:r>
+              <a:rPr lang="de-DE" dirty="0" err="1"/>
+              <a:t>says</a:t>
+            </a:r>
+            <a:r>
+              <a:rPr lang="de-DE" dirty="0"/>
+              <a:t> </a:t>
+            </a:r>
+            <a:r>
+              <a:rPr lang="de-DE" dirty="0" err="1"/>
+              <a:t>that</a:t>
+            </a:r>
+            <a:r>
+              <a:rPr lang="de-DE" dirty="0"/>
+              <a:t> new patient </a:t>
+            </a:r>
+            <a:r>
+              <a:rPr lang="de-DE" dirty="0" err="1"/>
+              <a:t>has</a:t>
+            </a:r>
+            <a:r>
+              <a:rPr lang="de-DE" dirty="0"/>
+              <a:t> </a:t>
+            </a:r>
+            <a:r>
+              <a:rPr lang="de-DE" dirty="0" err="1"/>
+              <a:t>zero</a:t>
+            </a:r>
+            <a:r>
+              <a:rPr lang="de-DE" dirty="0"/>
+              <a:t> confidence </a:t>
+            </a:r>
+            <a:r>
+              <a:rPr lang="de-DE" dirty="0" err="1"/>
+              <a:t>than</a:t>
+            </a:r>
+            <a:r>
+              <a:rPr lang="de-DE" dirty="0"/>
+              <a:t> </a:t>
+            </a:r>
+            <a:r>
+              <a:rPr lang="de-DE" dirty="0" err="1"/>
+              <a:t>this</a:t>
+            </a:r>
+            <a:r>
+              <a:rPr lang="de-DE" dirty="0"/>
+              <a:t> patient </a:t>
+            </a:r>
+            <a:r>
+              <a:rPr lang="de-DE" dirty="0" err="1"/>
+              <a:t>belongs</a:t>
+            </a:r>
+            <a:r>
+              <a:rPr lang="de-DE" dirty="0"/>
+              <a:t> to </a:t>
+            </a:r>
+            <a:r>
+              <a:rPr lang="de-DE" dirty="0" err="1"/>
+              <a:t>the</a:t>
+            </a:r>
+            <a:r>
+              <a:rPr lang="de-DE" dirty="0"/>
+              <a:t> noise sample (with confidence of F1 score of </a:t>
+            </a:r>
+            <a:r>
+              <a:rPr lang="de-DE" dirty="0" err="1"/>
+              <a:t>M_conf</a:t>
+            </a:r>
+            <a:r>
+              <a:rPr lang="de-DE" dirty="0"/>
+              <a:t>) and </a:t>
+            </a:r>
+            <a:r>
+              <a:rPr lang="de-DE" dirty="0" err="1"/>
+              <a:t>can‘t</a:t>
+            </a:r>
+            <a:r>
+              <a:rPr lang="de-DE" dirty="0"/>
+              <a:t> </a:t>
+            </a:r>
+            <a:r>
+              <a:rPr lang="de-DE" dirty="0" err="1"/>
+              <a:t>be</a:t>
+            </a:r>
+            <a:r>
+              <a:rPr lang="de-DE" dirty="0"/>
+              <a:t> </a:t>
+            </a:r>
+            <a:r>
+              <a:rPr lang="de-DE" dirty="0" err="1"/>
+              <a:t>further</a:t>
+            </a:r>
+            <a:r>
+              <a:rPr lang="de-DE" dirty="0"/>
+              <a:t> </a:t>
+            </a:r>
+            <a:r>
+              <a:rPr lang="de-DE" dirty="0" err="1"/>
+              <a:t>analysed</a:t>
+            </a:r>
+            <a:r>
+              <a:rPr lang="de-DE" dirty="0"/>
+              <a:t> </a:t>
+            </a:r>
+            <a:r>
+              <a:rPr lang="de-DE" dirty="0" err="1"/>
+              <a:t>by</a:t>
+            </a:r>
+            <a:r>
+              <a:rPr lang="de-DE" dirty="0"/>
+              <a:t> </a:t>
+            </a:r>
+            <a:r>
+              <a:rPr lang="de-DE" dirty="0" err="1"/>
+              <a:t>this</a:t>
+            </a:r>
+            <a:r>
+              <a:rPr lang="de-DE" dirty="0"/>
+              <a:t> </a:t>
+            </a:r>
+            <a:r>
+              <a:rPr lang="de-DE" dirty="0" err="1"/>
+              <a:t>algorithm</a:t>
+            </a:r>
+            <a:r>
+              <a:rPr lang="de-DE" dirty="0"/>
+              <a:t>. If </a:t>
+            </a:r>
+            <a:r>
+              <a:rPr lang="de-DE" dirty="0" err="1"/>
+              <a:t>the</a:t>
+            </a:r>
+            <a:r>
+              <a:rPr lang="de-DE" dirty="0"/>
+              <a:t> patient </a:t>
+            </a:r>
+            <a:r>
+              <a:rPr lang="de-DE" dirty="0" err="1"/>
+              <a:t>is</a:t>
+            </a:r>
+            <a:r>
+              <a:rPr lang="de-DE" dirty="0"/>
+              <a:t> signal sample (</a:t>
+            </a:r>
+            <a:r>
+              <a:rPr lang="de-DE" dirty="0" err="1"/>
+              <a:t>y_conf</a:t>
+            </a:r>
+            <a:r>
+              <a:rPr lang="de-DE" dirty="0"/>
+              <a:t> </a:t>
+            </a:r>
+            <a:r>
+              <a:rPr lang="de-DE" dirty="0" err="1"/>
+              <a:t>prediction</a:t>
+            </a:r>
+            <a:r>
+              <a:rPr lang="de-DE" dirty="0"/>
+              <a:t> = 1), </a:t>
+            </a:r>
+            <a:r>
+              <a:rPr lang="de-DE" dirty="0" err="1"/>
+              <a:t>then</a:t>
+            </a:r>
+            <a:r>
+              <a:rPr lang="de-DE" dirty="0"/>
+              <a:t> </a:t>
+            </a:r>
+            <a:r>
+              <a:rPr lang="de-DE" dirty="0" err="1"/>
+              <a:t>the</a:t>
+            </a:r>
+            <a:r>
+              <a:rPr lang="de-DE" dirty="0"/>
+              <a:t> patient </a:t>
+            </a:r>
+            <a:r>
+              <a:rPr lang="de-DE" dirty="0" err="1"/>
+              <a:t>can</a:t>
+            </a:r>
+            <a:r>
+              <a:rPr lang="de-DE" dirty="0"/>
+              <a:t> </a:t>
+            </a:r>
+            <a:r>
+              <a:rPr lang="de-DE" dirty="0" err="1"/>
+              <a:t>be</a:t>
+            </a:r>
+            <a:r>
+              <a:rPr lang="de-DE" dirty="0"/>
+              <a:t> </a:t>
+            </a:r>
+            <a:r>
+              <a:rPr lang="de-DE" dirty="0" err="1"/>
+              <a:t>further</a:t>
+            </a:r>
+            <a:r>
+              <a:rPr lang="de-DE" dirty="0"/>
+              <a:t> </a:t>
+            </a:r>
+            <a:r>
+              <a:rPr lang="de-DE" dirty="0" err="1"/>
+              <a:t>analysed</a:t>
+            </a:r>
+            <a:r>
+              <a:rPr lang="de-DE" dirty="0"/>
+              <a:t>. If </a:t>
+            </a:r>
+            <a:r>
+              <a:rPr lang="de-DE" dirty="0" err="1"/>
+              <a:t>the</a:t>
+            </a:r>
+            <a:r>
+              <a:rPr lang="de-DE" dirty="0"/>
+              <a:t> </a:t>
+            </a:r>
+            <a:r>
+              <a:rPr lang="de-DE" dirty="0" err="1"/>
+              <a:t>majority</a:t>
+            </a:r>
+            <a:r>
+              <a:rPr lang="de-DE" dirty="0"/>
+              <a:t> vote (MJ) of all </a:t>
+            </a:r>
+            <a:r>
+              <a:rPr lang="de-DE" dirty="0" err="1"/>
+              <a:t>weak</a:t>
+            </a:r>
+            <a:r>
+              <a:rPr lang="de-DE" dirty="0"/>
+              <a:t> </a:t>
+            </a:r>
+            <a:r>
+              <a:rPr lang="de-DE" dirty="0" err="1"/>
+              <a:t>classifiers</a:t>
+            </a:r>
+            <a:r>
+              <a:rPr lang="de-DE" dirty="0"/>
+              <a:t> in </a:t>
+            </a:r>
+            <a:r>
+              <a:rPr lang="de-DE" dirty="0" err="1"/>
+              <a:t>assigns</a:t>
+            </a:r>
+            <a:r>
+              <a:rPr lang="de-DE" dirty="0"/>
+              <a:t> new patient to </a:t>
+            </a:r>
+            <a:r>
+              <a:rPr lang="de-DE" dirty="0" err="1"/>
+              <a:t>class</a:t>
+            </a:r>
+            <a:r>
+              <a:rPr lang="de-DE" dirty="0"/>
+              <a:t> 0, </a:t>
+            </a:r>
+            <a:r>
+              <a:rPr lang="de-DE" dirty="0" err="1"/>
+              <a:t>then</a:t>
+            </a:r>
+            <a:r>
+              <a:rPr lang="de-DE" dirty="0"/>
+              <a:t> </a:t>
+            </a:r>
+            <a:r>
+              <a:rPr lang="de-DE" dirty="0" err="1"/>
+              <a:t>the</a:t>
+            </a:r>
+            <a:r>
+              <a:rPr lang="de-DE" dirty="0"/>
+              <a:t> confidence </a:t>
+            </a:r>
+            <a:r>
+              <a:rPr lang="de-DE" dirty="0" err="1"/>
+              <a:t>that</a:t>
+            </a:r>
+            <a:r>
+              <a:rPr lang="de-DE" dirty="0"/>
+              <a:t> </a:t>
+            </a:r>
+            <a:r>
+              <a:rPr lang="de-DE" dirty="0" err="1"/>
+              <a:t>this</a:t>
+            </a:r>
+            <a:r>
+              <a:rPr lang="de-DE" dirty="0"/>
+              <a:t> patient will not </a:t>
+            </a:r>
+            <a:r>
+              <a:rPr lang="de-DE" dirty="0" err="1"/>
+              <a:t>get</a:t>
+            </a:r>
+            <a:r>
+              <a:rPr lang="de-DE" dirty="0"/>
+              <a:t> TLF </a:t>
+            </a:r>
+            <a:r>
+              <a:rPr lang="de-DE" dirty="0" err="1"/>
+              <a:t>is</a:t>
+            </a:r>
+            <a:r>
+              <a:rPr lang="de-DE" dirty="0"/>
+              <a:t> high. If MJ </a:t>
+            </a:r>
+            <a:r>
+              <a:rPr lang="de-DE" dirty="0" err="1"/>
+              <a:t>assignes</a:t>
+            </a:r>
+            <a:r>
+              <a:rPr lang="de-DE" dirty="0"/>
+              <a:t> patient to </a:t>
+            </a:r>
+            <a:r>
+              <a:rPr lang="de-DE" dirty="0" err="1"/>
+              <a:t>class</a:t>
+            </a:r>
+            <a:r>
+              <a:rPr lang="de-DE" dirty="0"/>
+              <a:t> 1, </a:t>
+            </a:r>
+            <a:r>
+              <a:rPr lang="de-DE" dirty="0" err="1"/>
+              <a:t>then</a:t>
+            </a:r>
+            <a:r>
+              <a:rPr lang="de-DE" dirty="0"/>
+              <a:t> </a:t>
+            </a:r>
+            <a:r>
+              <a:rPr lang="de-DE" dirty="0" err="1"/>
+              <a:t>the</a:t>
+            </a:r>
+            <a:r>
+              <a:rPr lang="de-DE" dirty="0"/>
+              <a:t> </a:t>
+            </a:r>
+            <a:r>
+              <a:rPr lang="de-DE" dirty="0" err="1"/>
+              <a:t>cofidence</a:t>
+            </a:r>
+            <a:r>
+              <a:rPr lang="de-DE" dirty="0"/>
+              <a:t> </a:t>
+            </a:r>
+            <a:r>
+              <a:rPr lang="de-DE" dirty="0" err="1"/>
+              <a:t>that</a:t>
+            </a:r>
+            <a:r>
+              <a:rPr lang="de-DE" dirty="0"/>
+              <a:t> </a:t>
+            </a:r>
+            <a:r>
+              <a:rPr lang="de-DE" dirty="0" err="1"/>
+              <a:t>this</a:t>
+            </a:r>
+            <a:r>
+              <a:rPr lang="de-DE" dirty="0"/>
+              <a:t> patient </a:t>
+            </a:r>
+            <a:r>
+              <a:rPr lang="de-DE" dirty="0" err="1"/>
+              <a:t>should</a:t>
+            </a:r>
+            <a:r>
+              <a:rPr lang="de-DE" dirty="0"/>
+              <a:t> </a:t>
+            </a:r>
+            <a:r>
+              <a:rPr lang="de-DE" dirty="0" err="1"/>
+              <a:t>be</a:t>
+            </a:r>
+            <a:r>
+              <a:rPr lang="de-DE" dirty="0"/>
+              <a:t> </a:t>
+            </a:r>
+            <a:r>
+              <a:rPr lang="de-DE" dirty="0" err="1"/>
+              <a:t>closer</a:t>
+            </a:r>
+            <a:r>
+              <a:rPr lang="de-DE" dirty="0"/>
+              <a:t> </a:t>
+            </a:r>
+            <a:r>
+              <a:rPr lang="de-DE" dirty="0" err="1"/>
+              <a:t>monitored</a:t>
+            </a:r>
+            <a:r>
+              <a:rPr lang="de-DE" dirty="0"/>
+              <a:t> </a:t>
+            </a:r>
+            <a:r>
+              <a:rPr lang="de-DE" dirty="0" err="1"/>
+              <a:t>because</a:t>
+            </a:r>
+            <a:r>
+              <a:rPr lang="de-DE" dirty="0"/>
+              <a:t> of high </a:t>
+            </a:r>
+            <a:r>
+              <a:rPr lang="de-DE" dirty="0" err="1"/>
+              <a:t>risk</a:t>
+            </a:r>
+            <a:r>
+              <a:rPr lang="de-DE" dirty="0"/>
+              <a:t> for TLF </a:t>
+            </a:r>
+            <a:r>
+              <a:rPr lang="de-DE" dirty="0" err="1"/>
+              <a:t>is</a:t>
+            </a:r>
+            <a:r>
+              <a:rPr lang="de-DE" dirty="0"/>
+              <a:t> high.</a:t>
+            </a:r>
+            <a:endParaRPr lang="en-GB" dirty="0"/>
+          </a:p>
+        </p:txBody>
+      </p:sp>
+      <p:sp>
+        <p:nvSpPr>
+          <p:cNvPr id="4" name="Foliennummernplatzhalter 3"/>
+          <p:cNvSpPr>
+            <a:spLocks noGrp="1"/>
+          </p:cNvSpPr>
+          <p:nvPr>
+            <p:ph type="sldNum" sz="quarter" idx="5"/>
+          </p:nvPr>
+        </p:nvSpPr>
+        <p:spPr/>
+        <p:txBody>
+          <a:bodyPr/>
+          <a:lstStyle/>
+          <a:p>
+            <a:fld id="{098BD289-3A29-45E8-AD20-ACE8C932FF07}" type="slidenum">
+              <a:rPr lang="de-DE" smtClean="0"/>
+              <a:t>15</a:t>
             </a:fld>
             <a:endParaRPr lang="de-DE"/>
           </a:p>
@@ -3493,15 +4837,7 @@
             </a:r>
             <a:r>
               <a:rPr lang="de-DE" dirty="0"/>
-              <a:t> with </a:t>
-            </a:r>
-            <a:r>
-              <a:rPr lang="de-DE" dirty="0" err="1"/>
-              <a:t>patient</a:t>
-            </a:r>
-            <a:r>
-              <a:rPr lang="de-DE" dirty="0"/>
-              <a:t> </a:t>
+              <a:t> with patient </a:t>
             </a:r>
             <a:r>
               <a:rPr lang="de-DE" dirty="0" err="1"/>
@@ -4033,31 +5369,7 @@
                 <a:ea typeface="+mn-ea"/>
                 <a:cs typeface="+mn-cs"/>
               </a:rPr>
-              <a:t> </a:t>
-            </a:r>
-            <a:r>
-              <a:rPr lang="de-DE" sz="1200" b="0" i="0" u="none" strike="noStrike" kern="1200" dirty="0" err="1">
-                <a:solidFill>
-                  <a:schemeClr val="tx1"/>
-                </a:solidFill>
-                <a:effectLst/>
-                <a:latin typeface="+mn-lt"/>
-                <a:ea typeface="+mn-ea"/>
-                <a:cs typeface="+mn-cs"/>
-              </a:rPr>
-              <a:t>patient</a:t>
-            </a:r>
-            <a:r>
-              <a:rPr lang="de-DE" sz="1200" b="0" i="0" u="none" strike="noStrike" kern="1200" dirty="0">
-                <a:solidFill>
-                  <a:schemeClr val="tx1"/>
-                </a:solidFill>
-                <a:effectLst/>
-                <a:latin typeface="+mn-lt"/>
-                <a:ea typeface="+mn-ea"/>
-                <a:cs typeface="+mn-cs"/>
-              </a:rPr>
-              <a:t>. The </a:t>
+              <a:t> patient. The </a:t>
             </a:r>
             <a:r>
               <a:rPr lang="de-DE" sz="1200" b="0" i="0" u="none" strike="noStrike" kern="1200" dirty="0" err="1">
@@ -4225,11 +5537,35 @@
             </a:r>
             <a:r>
               <a:rPr lang="de-DE" dirty="0"/>
+              <a:t> patient </a:t>
+            </a:r>
+            <a:r>
+              <a:rPr lang="de-DE" dirty="0" err="1"/>
+              <a:t>comes</a:t>
+            </a:r>
+            <a:r>
+              <a:rPr lang="de-DE" dirty="0"/>
+              <a:t> to </a:t>
+            </a:r>
+            <a:r>
+              <a:rPr lang="de-DE" dirty="0" err="1"/>
+              <a:t>the</a:t>
+            </a:r>
+            <a:r>
+              <a:rPr lang="de-DE" dirty="0"/>
               <a:t> </a:t>
             </a:r>
             <a:r>
               <a:rPr lang="de-DE" dirty="0" err="1"/>
-              <a:t>patient</a:t>
+              <a:t>hospital</a:t>
+            </a:r>
+            <a:r>
+              <a:rPr lang="de-DE" dirty="0"/>
+              <a:t> for </a:t>
+            </a:r>
+            <a:r>
+              <a:rPr lang="de-DE" dirty="0" err="1"/>
+              <a:t>some</a:t>
             </a:r>
             <a:r>
               <a:rPr lang="de-DE" dirty="0"/>
@@ -4237,11 +5573,67 @@
             </a:r>
             <a:r>
               <a:rPr lang="de-DE" dirty="0" err="1"/>
-              <a:t>comes</a:t>
-            </a:r>
-            <a:r>
-              <a:rPr lang="de-DE" dirty="0"/>
-              <a:t> to </a:t>
+              <a:t>blood</a:t>
+            </a:r>
+            <a:r>
+              <a:rPr lang="de-DE" dirty="0"/>
+              <a:t> </a:t>
+            </a:r>
+            <a:r>
+              <a:rPr lang="de-DE" dirty="0" err="1"/>
+              <a:t>tests</a:t>
+            </a:r>
+            <a:r>
+              <a:rPr lang="de-DE" dirty="0"/>
+              <a:t>. The procedure </a:t>
+            </a:r>
+            <a:r>
+              <a:rPr lang="de-DE" dirty="0" err="1"/>
+              <a:t>itself</a:t>
+            </a:r>
+            <a:r>
+              <a:rPr lang="de-DE" dirty="0"/>
+              <a:t> </a:t>
+            </a:r>
+            <a:r>
+              <a:rPr lang="de-DE" dirty="0" err="1"/>
+              <a:t>is</a:t>
+            </a:r>
+            <a:r>
+              <a:rPr lang="de-DE" dirty="0"/>
+              <a:t> </a:t>
+            </a:r>
+            <a:r>
+              <a:rPr lang="de-DE" dirty="0" err="1"/>
+              <a:t>documented</a:t>
+            </a:r>
+            <a:r>
+              <a:rPr lang="de-DE" dirty="0"/>
+              <a:t> </a:t>
+            </a:r>
+            <a:r>
+              <a:rPr lang="de-DE" dirty="0" err="1"/>
+              <a:t>very</a:t>
+            </a:r>
+            <a:r>
+              <a:rPr lang="de-DE" dirty="0"/>
+              <a:t> </a:t>
+            </a:r>
+            <a:r>
+              <a:rPr lang="de-DE" dirty="0" err="1"/>
+              <a:t>closley</a:t>
+            </a:r>
+            <a:r>
+              <a:rPr lang="de-DE" dirty="0"/>
+              <a:t>. After </a:t>
+            </a:r>
+            <a:r>
+              <a:rPr lang="de-DE" dirty="0" err="1"/>
+              <a:t>discharge</a:t>
+            </a:r>
+            <a:r>
+              <a:rPr lang="de-DE" dirty="0"/>
+              <a:t> </a:t>
             </a:r>
             <a:r>
               <a:rPr lang="de-DE" dirty="0" err="1"/>
@@ -4249,103 +5641,7 @@
             </a:r>
             <a:r>
               <a:rPr lang="de-DE" dirty="0"/>
-              <a:t> </a:t>
-            </a:r>
-            <a:r>
-              <a:rPr lang="de-DE" dirty="0" err="1"/>
-              <a:t>hospital</a:t>
-            </a:r>
-            <a:r>
-              <a:rPr lang="de-DE" dirty="0"/>
-              <a:t> for </a:t>
-            </a:r>
-            <a:r>
-              <a:rPr lang="de-DE" dirty="0" err="1"/>
-              <a:t>some</a:t>
-            </a:r>
-            <a:r>
-              <a:rPr lang="de-DE" dirty="0"/>
-              <a:t> </a:t>
-            </a:r>
-            <a:r>
-              <a:rPr lang="de-DE" dirty="0" err="1"/>
-              <a:t>blood</a:t>
-            </a:r>
-            <a:r>
-              <a:rPr lang="de-DE" dirty="0"/>
-              <a:t> </a:t>
-            </a:r>
-            <a:r>
-              <a:rPr lang="de-DE" dirty="0" err="1"/>
-              <a:t>tests</a:t>
-            </a:r>
-            <a:r>
-              <a:rPr lang="de-DE" dirty="0"/>
-              <a:t>. The procedure </a:t>
-            </a:r>
-            <a:r>
-              <a:rPr lang="de-DE" dirty="0" err="1"/>
-              <a:t>itself</a:t>
-            </a:r>
-            <a:r>
-              <a:rPr lang="de-DE" dirty="0"/>
-              <a:t> </a:t>
-            </a:r>
-            <a:r>
-              <a:rPr lang="de-DE" dirty="0" err="1"/>
-              <a:t>is</a:t>
-            </a:r>
-            <a:r>
-              <a:rPr lang="de-DE" dirty="0"/>
-              <a:t> </a:t>
-            </a:r>
-            <a:r>
-              <a:rPr lang="de-DE" dirty="0" err="1"/>
-              <a:t>documented</a:t>
-            </a:r>
-            <a:r>
-              <a:rPr lang="de-DE" dirty="0"/>
-              <a:t> </a:t>
-            </a:r>
-            <a:r>
-              <a:rPr lang="de-DE" dirty="0" err="1"/>
-              <a:t>very</a:t>
-            </a:r>
-            <a:r>
-              <a:rPr lang="de-DE" dirty="0"/>
-              <a:t> </a:t>
-            </a:r>
-            <a:r>
-              <a:rPr lang="de-DE" dirty="0" err="1"/>
-              <a:t>closley</a:t>
-            </a:r>
-            <a:r>
-              <a:rPr lang="de-DE" dirty="0"/>
-              <a:t>. After </a:t>
-            </a:r>
-            <a:r>
-              <a:rPr lang="de-DE" dirty="0" err="1"/>
-              <a:t>discharge</a:t>
-            </a:r>
-            <a:r>
-              <a:rPr lang="de-DE" dirty="0"/>
-              <a:t> </a:t>
-            </a:r>
-            <a:r>
-              <a:rPr lang="de-DE" dirty="0" err="1"/>
-              <a:t>the</a:t>
-            </a:r>
-            <a:r>
-              <a:rPr lang="de-DE" dirty="0"/>
-              <a:t> </a:t>
-            </a:r>
-            <a:r>
-              <a:rPr lang="de-DE" dirty="0" err="1"/>
-              <a:t>patient</a:t>
-            </a:r>
-            <a:r>
-              <a:rPr lang="de-DE" dirty="0"/>
-              <a:t> </a:t>
+              <a:t> patient </a:t>
             </a:r>
             <a:r>
               <a:rPr lang="de-DE" dirty="0" err="1"/>
@@ -4668,15 +5964,7 @@
             </a:r>
             <a:r>
               <a:rPr lang="de-DE" dirty="0"/>
-              <a:t> for a </a:t>
-            </a:r>
-            <a:r>
-              <a:rPr lang="de-DE" dirty="0" err="1"/>
-              <a:t>patient</a:t>
-            </a:r>
-            <a:r>
-              <a:rPr lang="de-DE" dirty="0"/>
-              <a:t> </a:t>
+              <a:t> for a patient </a:t>
             </a:r>
             <a:r>
               <a:rPr lang="de-DE" dirty="0" err="1"/>
@@ -8576,7 +9864,7 @@
           <a:graphicData uri="http://schemas.openxmlformats.org/presentationml/2006/ole">
             <mc:AlternateContent xmlns:mc="http://schemas.openxmlformats.org/markup-compatibility/2006">
               <mc:Choice xmlns:v="urn:schemas-microsoft-com:vml" Requires="v">
-                <p:oleObj spid="_x0000_s8409" name="think-cell Folie" r:id="rId4" imgW="270" imgH="270" progId="TCLayout.ActiveDocument.1">
+                <p:oleObj spid="_x0000_s8416" name="think-cell Folie" r:id="rId4" imgW="270" imgH="270" progId="TCLayout.ActiveDocument.1">
                   <p:embed/>
                 </p:oleObj>
               </mc:Choice>
@@ -8946,7 +10234,7 @@
           <a:graphicData uri="http://schemas.openxmlformats.org/presentationml/2006/ole">
             <mc:AlternateContent xmlns:mc="http://schemas.openxmlformats.org/markup-compatibility/2006">
               <mc:Choice xmlns:v="urn:schemas-microsoft-com:vml" Requires="v">
-                <p:oleObj spid="_x0000_s2274" name="think-cell Folie" r:id="rId4" imgW="270" imgH="270" progId="TCLayout.ActiveDocument.1">
+                <p:oleObj spid="_x0000_s2281" name="think-cell Folie" r:id="rId4" imgW="270" imgH="270" progId="TCLayout.ActiveDocument.1">
                   <p:embed/>
                 </p:oleObj>
               </mc:Choice>
@@ -9402,7 +10690,7 @@
           <a:graphicData uri="http://schemas.openxmlformats.org/presentationml/2006/ole">
             <mc:AlternateContent xmlns:mc="http://schemas.openxmlformats.org/markup-compatibility/2006">
               <mc:Choice xmlns:v="urn:schemas-microsoft-com:vml" Requires="v">
-                <p:oleObj spid="_x0000_s4319" name="think-cell Folie" r:id="rId4" imgW="270" imgH="270" progId="TCLayout.ActiveDocument.1">
+                <p:oleObj spid="_x0000_s4326" name="think-cell Folie" r:id="rId4" imgW="270" imgH="270" progId="TCLayout.ActiveDocument.1">
                   <p:embed/>
                 </p:oleObj>
               </mc:Choice>
@@ -10024,7 +11312,7 @@
           <a:graphicData uri="http://schemas.openxmlformats.org/presentationml/2006/ole">
             <mc:AlternateContent xmlns:mc="http://schemas.openxmlformats.org/markup-compatibility/2006">
               <mc:Choice xmlns:v="urn:schemas-microsoft-com:vml" Requires="v">
-                <p:oleObj spid="_x0000_s5343" name="think-cell Folie" r:id="rId4" imgW="270" imgH="270" progId="TCLayout.ActiveDocument.1">
+                <p:oleObj spid="_x0000_s5350" name="think-cell Folie" r:id="rId4" imgW="270" imgH="270" progId="TCLayout.ActiveDocument.1">
                   <p:embed/>
                 </p:oleObj>
               </mc:Choice>
@@ -10594,7 +11882,7 @@
           <a:graphicData uri="http://schemas.openxmlformats.org/presentationml/2006/ole">
             <mc:AlternateContent xmlns:mc="http://schemas.openxmlformats.org/markup-compatibility/2006">
               <mc:Choice xmlns:v="urn:schemas-microsoft-com:vml" Requires="v">
-                <p:oleObj spid="_x0000_s6366" name="think-cell Folie" r:id="rId4" imgW="270" imgH="270" progId="TCLayout.ActiveDocument.1">
+                <p:oleObj spid="_x0000_s6373" name="think-cell Folie" r:id="rId4" imgW="270" imgH="270" progId="TCLayout.ActiveDocument.1">
                   <p:embed/>
                 </p:oleObj>
               </mc:Choice>
@@ -11221,7 +12509,7 @@
           <a:graphicData uri="http://schemas.openxmlformats.org/presentationml/2006/ole">
             <mc:AlternateContent xmlns:mc="http://schemas.openxmlformats.org/markup-compatibility/2006">
               <mc:Choice xmlns:v="urn:schemas-microsoft-com:vml" Requires="v">
-                <p:oleObj spid="_x0000_s7386" name="think-cell Folie" r:id="rId4" imgW="270" imgH="270" progId="TCLayout.ActiveDocument.1">
+                <p:oleObj spid="_x0000_s7393" name="think-cell Folie" r:id="rId4" imgW="270" imgH="270" progId="TCLayout.ActiveDocument.1">
                   <p:embed/>
                 </p:oleObj>
               </mc:Choice>
@@ -11528,7 +12816,7 @@
           <a:graphicData uri="http://schemas.openxmlformats.org/presentationml/2006/ole">
             <mc:AlternateContent xmlns:mc="http://schemas.openxmlformats.org/markup-compatibility/2006">
               <mc:Choice xmlns:v="urn:schemas-microsoft-com:vml" Requires="v">
-                <p:oleObj spid="_x0000_s1253" name="think-cell Folie" r:id="rId13" imgW="270" imgH="270" progId="TCLayout.ActiveDocument.1">
+                <p:oleObj spid="_x0000_s1260" name="think-cell Folie" r:id="rId13" imgW="270" imgH="270" progId="TCLayout.ActiveDocument.1">
                   <p:embed/>
                 </p:oleObj>
               </mc:Choice>
@@ -12848,7 +14136,7 @@
           <p:nvPr>
             <p:extLst>
               <p:ext uri="{D42A27DB-BD31-4B8C-83A1-F6EECF244321}">
-                <p14:modId xmlns:p14="http://schemas.microsoft.com/office/powerpoint/2010/main" val="3621182642"/>
+                <p14:modId xmlns:p14="http://schemas.microsoft.com/office/powerpoint/2010/main" val="1000850974"/>
               </p:ext>
             </p:extLst>
           </p:nvPr>
@@ -12961,7 +14249,7 @@
                     <a:p>
                       <a:r>
                         <a:rPr lang="de-DE" dirty="0"/>
-                        <a:t>252</a:t>
+                        <a:t>248.88</a:t>
                       </a:r>
                       <a:endParaRPr lang="en-GB" dirty="0"/>
                     </a:p>
@@ -13324,254 +14612,6 @@
           <p:cNvPr id="2" name="Titel 1">
             <a:extLst>
               <a:ext uri="{FF2B5EF4-FFF2-40B4-BE49-F238E27FC236}">
-                <a16:creationId xmlns:a16="http://schemas.microsoft.com/office/drawing/2014/main" id="{A62CB36D-A0FC-4CBF-AC67-04E668CDBB34}"/>
-              </a:ext>
-            </a:extLst>
-          </p:cNvPr>
-          <p:cNvSpPr>
-            <a:spLocks noGrp="1"/>
-          </p:cNvSpPr>
-          <p:nvPr>
-            <p:ph type="title"/>
-          </p:nvPr>
-        </p:nvSpPr>
-        <p:spPr/>
-        <p:txBody>
-          <a:bodyPr/>
-          <a:lstStyle/>
-          <a:p>
-            <a:r>
-              <a:rPr lang="de-DE" dirty="0"/>
-              <a:t>Future Work</a:t>
-            </a:r>
-            <a:endParaRPr lang="en-GB" dirty="0"/>
-          </a:p>
-        </p:txBody>
-      </p:sp>
-      <p:sp>
-        <p:nvSpPr>
-          <p:cNvPr id="3" name="Foliennummernplatzhalter 2">
-            <a:extLst>
-              <a:ext uri="{FF2B5EF4-FFF2-40B4-BE49-F238E27FC236}">
-                <a16:creationId xmlns:a16="http://schemas.microsoft.com/office/drawing/2014/main" id="{3C325D27-8360-4867-AADB-B8975438F1F0}"/>
-              </a:ext>
-            </a:extLst>
-          </p:cNvPr>
-          <p:cNvSpPr>
-            <a:spLocks noGrp="1"/>
-          </p:cNvSpPr>
-          <p:nvPr>
-            <p:ph type="sldNum" sz="quarter" idx="12"/>
-          </p:nvPr>
-        </p:nvSpPr>
-        <p:spPr/>
-        <p:txBody>
-          <a:bodyPr/>
-          <a:lstStyle/>
-          <a:p>
-            <a:fld id="{1744B4DD-8F10-491C-BFC2-D4DC64F16D79}" type="slidenum">
-              <a:rPr lang="de-DE" smtClean="0"/>
-              <a:pPr/>
-              <a:t>13</a:t>
-            </a:fld>
-            <a:r>
-              <a:rPr lang="de-DE">
-                <a:ea typeface="Verdana"/>
-                <a:cs typeface="Verdana"/>
-              </a:rPr>
-              <a:t>│</a:t>
-            </a:r>
-            <a:endParaRPr lang="de-DE" dirty="0"/>
-          </a:p>
-        </p:txBody>
-      </p:sp>
-      <p:sp>
-        <p:nvSpPr>
-          <p:cNvPr id="4" name="Textfeld 3">
-            <a:extLst>
-              <a:ext uri="{FF2B5EF4-FFF2-40B4-BE49-F238E27FC236}">
-                <a16:creationId xmlns:a16="http://schemas.microsoft.com/office/drawing/2014/main" id="{F7186582-C66C-4194-81F4-FF9E43A83FB1}"/>
-              </a:ext>
-            </a:extLst>
-          </p:cNvPr>
-          <p:cNvSpPr txBox="1"/>
-          <p:nvPr/>
-        </p:nvSpPr>
-        <p:spPr>
-          <a:xfrm>
-            <a:off x="250825" y="1245755"/>
-            <a:ext cx="8425584" cy="646331"/>
-          </a:xfrm>
-          <a:prstGeom prst="rect">
-            <a:avLst/>
-          </a:prstGeom>
-          <a:noFill/>
-        </p:spPr>
-        <p:txBody>
-          <a:bodyPr wrap="square" rtlCol="0">
-            <a:spAutoFit/>
-          </a:bodyPr>
-          <a:lstStyle/>
-          <a:p>
-            <a:pPr marL="285750" indent="-285750">
-              <a:buFont typeface="Arial" panose="020B0604020202020204" pitchFamily="34" charset="0"/>
-              <a:buChar char="•"/>
-            </a:pPr>
-            <a:r>
-              <a:rPr lang="de-DE" dirty="0" err="1">
-                <a:sym typeface="Wingdings" panose="05000000000000000000" pitchFamily="2" charset="2"/>
-              </a:rPr>
-              <a:t>Empirical</a:t>
-            </a:r>
-            <a:r>
-              <a:rPr lang="de-DE" dirty="0">
-                <a:sym typeface="Wingdings" panose="05000000000000000000" pitchFamily="2" charset="2"/>
-              </a:rPr>
-              <a:t> </a:t>
-            </a:r>
-            <a:r>
-              <a:rPr lang="de-DE" dirty="0" err="1">
-                <a:sym typeface="Wingdings" panose="05000000000000000000" pitchFamily="2" charset="2"/>
-              </a:rPr>
-              <a:t>evidence</a:t>
-            </a:r>
-            <a:r>
-              <a:rPr lang="de-DE" dirty="0">
-                <a:sym typeface="Wingdings" panose="05000000000000000000" pitchFamily="2" charset="2"/>
-              </a:rPr>
-              <a:t>/</a:t>
-            </a:r>
-            <a:r>
-              <a:rPr lang="de-DE" dirty="0" err="1">
-                <a:sym typeface="Wingdings" panose="05000000000000000000" pitchFamily="2" charset="2"/>
-              </a:rPr>
-              <a:t>clue</a:t>
-            </a:r>
-            <a:r>
-              <a:rPr lang="de-DE" dirty="0">
-                <a:sym typeface="Wingdings" panose="05000000000000000000" pitchFamily="2" charset="2"/>
-              </a:rPr>
-              <a:t> of </a:t>
-            </a:r>
-            <a:r>
-              <a:rPr lang="de-DE" dirty="0" err="1">
-                <a:sym typeface="Wingdings" panose="05000000000000000000" pitchFamily="2" charset="2"/>
-              </a:rPr>
-              <a:t>randomness</a:t>
-            </a:r>
-            <a:r>
-              <a:rPr lang="de-DE" dirty="0">
-                <a:sym typeface="Wingdings" panose="05000000000000000000" pitchFamily="2" charset="2"/>
-              </a:rPr>
-              <a:t> in </a:t>
-            </a:r>
-            <a:r>
-              <a:rPr lang="de-DE" dirty="0" err="1">
-                <a:sym typeface="Wingdings" panose="05000000000000000000" pitchFamily="2" charset="2"/>
-              </a:rPr>
-              <a:t>Biotronik‘s</a:t>
-            </a:r>
-            <a:r>
-              <a:rPr lang="de-DE" dirty="0">
-                <a:sym typeface="Wingdings" panose="05000000000000000000" pitchFamily="2" charset="2"/>
-              </a:rPr>
-              <a:t> </a:t>
-            </a:r>
-            <a:r>
-              <a:rPr lang="de-DE" dirty="0" err="1">
-                <a:sym typeface="Wingdings" panose="05000000000000000000" pitchFamily="2" charset="2"/>
-              </a:rPr>
-              <a:t>data</a:t>
-            </a:r>
-            <a:r>
-              <a:rPr lang="de-DE" dirty="0">
-                <a:sym typeface="Wingdings" panose="05000000000000000000" pitchFamily="2" charset="2"/>
-              </a:rPr>
-              <a:t> </a:t>
-            </a:r>
-            <a:r>
-              <a:rPr lang="de-DE" dirty="0" err="1">
-                <a:sym typeface="Wingdings" panose="05000000000000000000" pitchFamily="2" charset="2"/>
-              </a:rPr>
-              <a:t>by</a:t>
-            </a:r>
-            <a:r>
-              <a:rPr lang="de-DE" dirty="0">
-                <a:sym typeface="Wingdings" panose="05000000000000000000" pitchFamily="2" charset="2"/>
-              </a:rPr>
-              <a:t> </a:t>
-            </a:r>
-            <a:r>
-              <a:rPr lang="de-DE" dirty="0" err="1">
-                <a:sym typeface="Wingdings" panose="05000000000000000000" pitchFamily="2" charset="2"/>
-              </a:rPr>
-              <a:t>synthetic</a:t>
-            </a:r>
-            <a:r>
-              <a:rPr lang="de-DE" dirty="0">
-                <a:sym typeface="Wingdings" panose="05000000000000000000" pitchFamily="2" charset="2"/>
-              </a:rPr>
-              <a:t> </a:t>
-            </a:r>
-            <a:r>
-              <a:rPr lang="de-DE" dirty="0" err="1">
-                <a:sym typeface="Wingdings" panose="05000000000000000000" pitchFamily="2" charset="2"/>
-              </a:rPr>
-              <a:t>random</a:t>
-            </a:r>
-            <a:r>
-              <a:rPr lang="de-DE" dirty="0">
-                <a:sym typeface="Wingdings" panose="05000000000000000000" pitchFamily="2" charset="2"/>
-              </a:rPr>
-              <a:t> </a:t>
-            </a:r>
-            <a:r>
-              <a:rPr lang="de-DE" dirty="0" err="1">
-                <a:sym typeface="Wingdings" panose="05000000000000000000" pitchFamily="2" charset="2"/>
-              </a:rPr>
-              <a:t>data</a:t>
-            </a:r>
-            <a:endParaRPr lang="de-DE" dirty="0">
-              <a:sym typeface="Wingdings" panose="05000000000000000000" pitchFamily="2" charset="2"/>
-            </a:endParaRPr>
-          </a:p>
-        </p:txBody>
-      </p:sp>
-    </p:spTree>
-    <p:extLst>
-      <p:ext uri="{BB962C8B-B14F-4D97-AF65-F5344CB8AC3E}">
-        <p14:creationId xmlns:p14="http://schemas.microsoft.com/office/powerpoint/2010/main" val="1445434105"/>
-      </p:ext>
-    </p:extLst>
-  </p:cSld>
-  <p:clrMapOvr>
-    <a:masterClrMapping/>
-  </p:clrMapOvr>
-</p:sld>
-</file>
-
-<file path=ppt/slides/slide14.xml><?xml version="1.0" encoding="utf-8"?>
-<p:sld xmlns:a="http://schemas.openxmlformats.org/drawingml/2006/main" xmlns:r="http://schemas.openxmlformats.org/officeDocument/2006/relationships" xmlns:p="http://schemas.openxmlformats.org/presentationml/2006/main">
-  <p:cSld>
-    <p:spTree>
-      <p:nvGrpSpPr>
-        <p:cNvPr id="1" name=""/>
-        <p:cNvGrpSpPr/>
-        <p:nvPr/>
-      </p:nvGrpSpPr>
-      <p:grpSpPr>
-        <a:xfrm>
-          <a:off x="0" y="0"/>
-          <a:ext cx="0" cy="0"/>
-          <a:chOff x="0" y="0"/>
-          <a:chExt cx="0" cy="0"/>
-        </a:xfrm>
-      </p:grpSpPr>
-      <p:sp>
-        <p:nvSpPr>
-          <p:cNvPr id="2" name="Titel 1">
-            <a:extLst>
-              <a:ext uri="{FF2B5EF4-FFF2-40B4-BE49-F238E27FC236}">
                 <a16:creationId xmlns:a16="http://schemas.microsoft.com/office/drawing/2014/main" id="{5A35A983-3F5B-47F1-9257-FA21DDC3C471}"/>
               </a:ext>
             </a:extLst>
@@ -13589,8 +14629,16 @@
           <a:lstStyle/>
           <a:p>
             <a:r>
-              <a:rPr lang="de-DE" dirty="0"/>
-              <a:t>Future Work</a:t>
+              <a:rPr lang="de-DE" dirty="0" err="1"/>
+              <a:t>Superlearner</a:t>
+            </a:r>
+            <a:r>
+              <a:rPr lang="de-DE" dirty="0"/>
+              <a:t> + confidence </a:t>
+            </a:r>
+            <a:r>
+              <a:rPr lang="de-DE" dirty="0" err="1"/>
+              <a:t>layer</a:t>
             </a:r>
             <a:endParaRPr lang="en-GB" dirty="0"/>
           </a:p>
@@ -13620,7 +14668,7 @@
             <a:fld id="{1744B4DD-8F10-491C-BFC2-D4DC64F16D79}" type="slidenum">
               <a:rPr lang="de-DE" smtClean="0"/>
               <a:pPr/>
-              <a:t>14</a:t>
+              <a:t>13</a:t>
             </a:fld>
             <a:r>
               <a:rPr lang="de-DE">
@@ -13648,7 +14696,7 @@
         <p:spPr>
           <a:xfrm>
             <a:off x="145472" y="1172160"/>
-            <a:ext cx="8425584" cy="1200329"/>
+            <a:ext cx="8425584" cy="646331"/>
           </a:xfrm>
           <a:prstGeom prst="rect">
             <a:avLst/>
@@ -13666,229 +14714,6 @@
               <a:buChar char="•"/>
             </a:pPr>
             <a:r>
-              <a:rPr lang="de-DE" dirty="0" err="1">
-                <a:solidFill>
-                  <a:schemeClr val="bg1">
-                    <a:lumMod val="65000"/>
-                  </a:schemeClr>
-                </a:solidFill>
-                <a:sym typeface="Wingdings" panose="05000000000000000000" pitchFamily="2" charset="2"/>
-              </a:rPr>
-              <a:t>Empirical</a:t>
-            </a:r>
-            <a:r>
-              <a:rPr lang="de-DE" dirty="0">
-                <a:solidFill>
-                  <a:schemeClr val="bg1">
-                    <a:lumMod val="65000"/>
-                  </a:schemeClr>
-                </a:solidFill>
-                <a:sym typeface="Wingdings" panose="05000000000000000000" pitchFamily="2" charset="2"/>
-              </a:rPr>
-              <a:t> </a:t>
-            </a:r>
-            <a:r>
-              <a:rPr lang="de-DE" dirty="0" err="1">
-                <a:solidFill>
-                  <a:schemeClr val="bg1">
-                    <a:lumMod val="65000"/>
-                  </a:schemeClr>
-                </a:solidFill>
-                <a:sym typeface="Wingdings" panose="05000000000000000000" pitchFamily="2" charset="2"/>
-              </a:rPr>
-              <a:t>evidence</a:t>
-            </a:r>
-            <a:r>
-              <a:rPr lang="de-DE" dirty="0">
-                <a:solidFill>
-                  <a:schemeClr val="bg1">
-                    <a:lumMod val="65000"/>
-                  </a:schemeClr>
-                </a:solidFill>
-                <a:sym typeface="Wingdings" panose="05000000000000000000" pitchFamily="2" charset="2"/>
-              </a:rPr>
-              <a:t>/</a:t>
-            </a:r>
-            <a:r>
-              <a:rPr lang="de-DE" dirty="0" err="1">
-                <a:solidFill>
-                  <a:schemeClr val="bg1">
-                    <a:lumMod val="65000"/>
-                  </a:schemeClr>
-                </a:solidFill>
-                <a:sym typeface="Wingdings" panose="05000000000000000000" pitchFamily="2" charset="2"/>
-              </a:rPr>
-              <a:t>clue</a:t>
-            </a:r>
-            <a:r>
-              <a:rPr lang="de-DE" dirty="0">
-                <a:solidFill>
-                  <a:schemeClr val="bg1">
-                    <a:lumMod val="65000"/>
-                  </a:schemeClr>
-                </a:solidFill>
-                <a:sym typeface="Wingdings" panose="05000000000000000000" pitchFamily="2" charset="2"/>
-              </a:rPr>
-              <a:t> of </a:t>
-            </a:r>
-            <a:r>
-              <a:rPr lang="de-DE" dirty="0" err="1">
-                <a:solidFill>
-                  <a:schemeClr val="bg1">
-                    <a:lumMod val="65000"/>
-                  </a:schemeClr>
-                </a:solidFill>
-                <a:sym typeface="Wingdings" panose="05000000000000000000" pitchFamily="2" charset="2"/>
-              </a:rPr>
-              <a:t>randomness</a:t>
-            </a:r>
-            <a:r>
-              <a:rPr lang="de-DE" dirty="0">
-                <a:solidFill>
-                  <a:schemeClr val="bg1">
-                    <a:lumMod val="65000"/>
-                  </a:schemeClr>
-                </a:solidFill>
-                <a:sym typeface="Wingdings" panose="05000000000000000000" pitchFamily="2" charset="2"/>
-              </a:rPr>
-              <a:t> in </a:t>
-            </a:r>
-            <a:r>
-              <a:rPr lang="de-DE" dirty="0" err="1">
-                <a:solidFill>
-                  <a:schemeClr val="bg1">
-                    <a:lumMod val="65000"/>
-                  </a:schemeClr>
-                </a:solidFill>
-                <a:sym typeface="Wingdings" panose="05000000000000000000" pitchFamily="2" charset="2"/>
-              </a:rPr>
-              <a:t>Biotronik‘s</a:t>
-            </a:r>
-            <a:r>
-              <a:rPr lang="de-DE" dirty="0">
-                <a:solidFill>
-                  <a:schemeClr val="bg1">
-                    <a:lumMod val="65000"/>
-                  </a:schemeClr>
-                </a:solidFill>
-                <a:sym typeface="Wingdings" panose="05000000000000000000" pitchFamily="2" charset="2"/>
-              </a:rPr>
-              <a:t> </a:t>
-            </a:r>
-            <a:r>
-              <a:rPr lang="de-DE" dirty="0" err="1">
-                <a:solidFill>
-                  <a:schemeClr val="bg1">
-                    <a:lumMod val="65000"/>
-                  </a:schemeClr>
-                </a:solidFill>
-                <a:sym typeface="Wingdings" panose="05000000000000000000" pitchFamily="2" charset="2"/>
-              </a:rPr>
-              <a:t>data</a:t>
-            </a:r>
-            <a:r>
-              <a:rPr lang="de-DE" dirty="0">
-                <a:solidFill>
-                  <a:schemeClr val="bg1">
-                    <a:lumMod val="65000"/>
-                  </a:schemeClr>
-                </a:solidFill>
-                <a:sym typeface="Wingdings" panose="05000000000000000000" pitchFamily="2" charset="2"/>
-              </a:rPr>
-              <a:t> </a:t>
-            </a:r>
-            <a:r>
-              <a:rPr lang="de-DE" dirty="0" err="1">
-                <a:solidFill>
-                  <a:schemeClr val="bg1">
-                    <a:lumMod val="65000"/>
-                  </a:schemeClr>
-                </a:solidFill>
-                <a:sym typeface="Wingdings" panose="05000000000000000000" pitchFamily="2" charset="2"/>
-              </a:rPr>
-              <a:t>by</a:t>
-            </a:r>
-            <a:r>
-              <a:rPr lang="de-DE" dirty="0">
-                <a:solidFill>
-                  <a:schemeClr val="bg1">
-                    <a:lumMod val="65000"/>
-                  </a:schemeClr>
-                </a:solidFill>
-                <a:sym typeface="Wingdings" panose="05000000000000000000" pitchFamily="2" charset="2"/>
-              </a:rPr>
-              <a:t> </a:t>
-            </a:r>
-            <a:r>
-              <a:rPr lang="de-DE" dirty="0" err="1">
-                <a:solidFill>
-                  <a:schemeClr val="bg1">
-                    <a:lumMod val="65000"/>
-                  </a:schemeClr>
-                </a:solidFill>
-                <a:sym typeface="Wingdings" panose="05000000000000000000" pitchFamily="2" charset="2"/>
-              </a:rPr>
-              <a:t>synthetic</a:t>
-            </a:r>
-            <a:r>
-              <a:rPr lang="de-DE" dirty="0">
-                <a:solidFill>
-                  <a:schemeClr val="bg1">
-                    <a:lumMod val="65000"/>
-                  </a:schemeClr>
-                </a:solidFill>
-                <a:sym typeface="Wingdings" panose="05000000000000000000" pitchFamily="2" charset="2"/>
-              </a:rPr>
-              <a:t> </a:t>
-            </a:r>
-            <a:r>
-              <a:rPr lang="de-DE" dirty="0" err="1">
-                <a:solidFill>
-                  <a:schemeClr val="bg1">
-                    <a:lumMod val="65000"/>
-                  </a:schemeClr>
-                </a:solidFill>
-                <a:sym typeface="Wingdings" panose="05000000000000000000" pitchFamily="2" charset="2"/>
-              </a:rPr>
-              <a:t>random</a:t>
-            </a:r>
-            <a:r>
-              <a:rPr lang="de-DE" dirty="0">
-                <a:solidFill>
-                  <a:schemeClr val="bg1">
-                    <a:lumMod val="65000"/>
-                  </a:schemeClr>
-                </a:solidFill>
-                <a:sym typeface="Wingdings" panose="05000000000000000000" pitchFamily="2" charset="2"/>
-              </a:rPr>
-              <a:t> </a:t>
-            </a:r>
-            <a:r>
-              <a:rPr lang="de-DE" dirty="0" err="1">
-                <a:solidFill>
-                  <a:schemeClr val="bg1">
-                    <a:lumMod val="65000"/>
-                  </a:schemeClr>
-                </a:solidFill>
-                <a:sym typeface="Wingdings" panose="05000000000000000000" pitchFamily="2" charset="2"/>
-              </a:rPr>
-              <a:t>data</a:t>
-            </a:r>
-            <a:endParaRPr lang="de-DE" dirty="0">
-              <a:solidFill>
-                <a:schemeClr val="bg1">
-                  <a:lumMod val="65000"/>
-                </a:schemeClr>
-              </a:solidFill>
-              <a:sym typeface="Wingdings" panose="05000000000000000000" pitchFamily="2" charset="2"/>
-            </a:endParaRPr>
-          </a:p>
-          <a:p>
-            <a:pPr marL="285750" indent="-285750">
-              <a:buFont typeface="Arial" panose="020B0604020202020204" pitchFamily="34" charset="0"/>
-              <a:buChar char="•"/>
-            </a:pPr>
-            <a:r>
               <a:rPr lang="de-DE" dirty="0">
                 <a:sym typeface="Wingdings" panose="05000000000000000000" pitchFamily="2" charset="2"/>
               </a:rPr>
@@ -13916,31 +14741,7 @@
               <a:rPr lang="de-DE" dirty="0">
                 <a:sym typeface="Wingdings" panose="05000000000000000000" pitchFamily="2" charset="2"/>
               </a:rPr>
-              <a:t> easy to </a:t>
-            </a:r>
-            <a:r>
-              <a:rPr lang="de-DE" dirty="0" err="1">
-                <a:sym typeface="Wingdings" panose="05000000000000000000" pitchFamily="2" charset="2"/>
-              </a:rPr>
-              <a:t>predict</a:t>
-            </a:r>
-            <a:r>
-              <a:rPr lang="de-DE" dirty="0">
-                <a:sym typeface="Wingdings" panose="05000000000000000000" pitchFamily="2" charset="2"/>
-              </a:rPr>
-              <a:t> with „</a:t>
-            </a:r>
-            <a:r>
-              <a:rPr lang="de-DE" dirty="0" err="1">
-                <a:sym typeface="Wingdings" panose="05000000000000000000" pitchFamily="2" charset="2"/>
-              </a:rPr>
-              <a:t>confidence</a:t>
-            </a:r>
-            <a:r>
-              <a:rPr lang="de-DE" dirty="0">
-                <a:sym typeface="Wingdings" panose="05000000000000000000" pitchFamily="2" charset="2"/>
-              </a:rPr>
-              <a:t> </a:t>
+              <a:t> easy to predict with „confidence </a:t>
             </a:r>
             <a:r>
               <a:rPr lang="de-DE" dirty="0" err="1">
@@ -14016,10 +14817,10 @@
         </p:nvGrpSpPr>
         <p:grpSpPr>
           <a:xfrm>
-            <a:off x="145472" y="2257399"/>
-            <a:ext cx="8566921" cy="3948679"/>
-            <a:chOff x="145472" y="1740170"/>
-            <a:chExt cx="8566921" cy="3948679"/>
+            <a:off x="145472" y="2449938"/>
+            <a:ext cx="8631999" cy="3756140"/>
+            <a:chOff x="145472" y="1932709"/>
+            <a:chExt cx="8631999" cy="3756140"/>
           </a:xfrm>
         </p:grpSpPr>
         <p:cxnSp>
@@ -14118,10 +14919,10 @@
           </p:nvGrpSpPr>
           <p:grpSpPr>
             <a:xfrm>
-              <a:off x="145472" y="1740170"/>
-              <a:ext cx="8566921" cy="3948679"/>
-              <a:chOff x="145472" y="1740170"/>
-              <a:chExt cx="8566921" cy="3948679"/>
+              <a:off x="145472" y="1932709"/>
+              <a:ext cx="8631999" cy="3756140"/>
+              <a:chOff x="145472" y="1932709"/>
+              <a:chExt cx="8631999" cy="3756140"/>
             </a:xfrm>
           </p:grpSpPr>
           <p:sp>
@@ -14251,23 +15052,7 @@
                       <a:schemeClr val="tx1"/>
                     </a:solidFill>
                   </a:rPr>
-                  <a:t>Input: </a:t>
-                </a:r>
-                <a:r>
-                  <a:rPr lang="de-DE" dirty="0" err="1">
-                    <a:solidFill>
-                      <a:schemeClr val="tx1"/>
-                    </a:solidFill>
-                  </a:rPr>
-                  <a:t>patient</a:t>
-                </a:r>
-                <a:r>
-                  <a:rPr lang="de-DE" dirty="0">
-                    <a:solidFill>
-                      <a:schemeClr val="tx1"/>
-                    </a:solidFill>
-                  </a:rPr>
-                  <a:t> </a:t>
+                  <a:t>Input: patient </a:t>
                 </a:r>
                 <a:r>
                   <a:rPr lang="de-DE" dirty="0" err="1">
@@ -14526,20 +15311,12 @@
               <a:p>
                 <a:pPr algn="ctr"/>
                 <a:r>
-                  <a:rPr lang="de-DE" sz="1300" dirty="0" err="1">
-                    <a:solidFill>
-                      <a:schemeClr val="tx1"/>
-                    </a:solidFill>
-                  </a:rPr>
-                  <a:t>Predictions</a:t>
-                </a:r>
-                <a:r>
                   <a:rPr lang="de-DE" sz="1300" dirty="0">
                     <a:solidFill>
                       <a:schemeClr val="tx1"/>
                     </a:solidFill>
                   </a:rPr>
-                  <a:t> of </a:t>
+                  <a:t>Predictions of </a:t>
                 </a:r>
                 <a:r>
                   <a:rPr lang="de-DE" sz="1300" dirty="0" err="1">
@@ -14646,20 +15423,12 @@
               <a:p>
                 <a:pPr algn="ctr"/>
                 <a:r>
-                  <a:rPr lang="de-DE" sz="1300" dirty="0" err="1">
-                    <a:solidFill>
-                      <a:schemeClr val="tx1"/>
-                    </a:solidFill>
-                  </a:rPr>
-                  <a:t>Predictions</a:t>
-                </a:r>
-                <a:r>
                   <a:rPr lang="de-DE" sz="1300" dirty="0">
                     <a:solidFill>
                       <a:schemeClr val="tx1"/>
                     </a:solidFill>
                   </a:rPr>
-                  <a:t> of </a:t>
+                  <a:t>Predictions of </a:t>
                 </a:r>
                 <a:r>
                   <a:rPr lang="de-DE" sz="1300" dirty="0" err="1">
@@ -14766,20 +15535,12 @@
               <a:p>
                 <a:pPr algn="ctr"/>
                 <a:r>
-                  <a:rPr lang="de-DE" sz="1300" dirty="0" err="1">
-                    <a:solidFill>
-                      <a:schemeClr val="tx1"/>
-                    </a:solidFill>
-                  </a:rPr>
-                  <a:t>Predictions</a:t>
-                </a:r>
-                <a:r>
                   <a:rPr lang="de-DE" sz="1300" dirty="0">
                     <a:solidFill>
                       <a:schemeClr val="tx1"/>
                     </a:solidFill>
                   </a:rPr>
-                  <a:t> of </a:t>
+                  <a:t>Predictions of </a:t>
                 </a:r>
                 <a:r>
                   <a:rPr lang="de-DE" sz="1300" dirty="0" err="1">
@@ -15022,10 +15783,10 @@
             </p:nvGrpSpPr>
             <p:grpSpPr>
               <a:xfrm>
-                <a:off x="6086260" y="1740170"/>
-                <a:ext cx="2328640" cy="3154099"/>
-                <a:chOff x="6086260" y="1740170"/>
-                <a:chExt cx="2328640" cy="3154099"/>
+                <a:off x="6086260" y="2184109"/>
+                <a:ext cx="2339386" cy="2710160"/>
+                <a:chOff x="6086260" y="2184109"/>
+                <a:chExt cx="2339386" cy="2710160"/>
               </a:xfrm>
             </p:grpSpPr>
             <p:sp>
@@ -15087,8 +15848,8 @@
               </p:nvSpPr>
               <p:spPr>
                 <a:xfrm>
-                  <a:off x="6765526" y="1740170"/>
-                  <a:ext cx="1605757" cy="738664"/>
+                  <a:off x="6819889" y="2184109"/>
+                  <a:ext cx="1605757" cy="307777"/>
                 </a:xfrm>
                 <a:prstGeom prst="rect">
                   <a:avLst/>
@@ -15102,36 +15863,12 @@
                 <a:lstStyle/>
                 <a:p>
                   <a:r>
-                    <a:rPr lang="de-DE" sz="1400" dirty="0" err="1"/>
-                    <a:t>Decision</a:t>
-                  </a:r>
-                  <a:r>
                     <a:rPr lang="de-DE" sz="1400" dirty="0"/>
-                    <a:t> Matrix </a:t>
+                    <a:t>Decision Matrix </a:t>
                   </a:r>
                   <a:r>
                     <a:rPr lang="de-DE" sz="1400" b="1" dirty="0"/>
                     <a:t>M</a:t>
-                  </a:r>
-                  <a:r>
-                    <a:rPr lang="de-DE" sz="1400" dirty="0"/>
-                    <a:t> (</a:t>
-                  </a:r>
-                  <a:r>
-                    <a:rPr lang="de-DE" sz="1400" dirty="0" err="1"/>
-                    <a:t>seperate</a:t>
-                  </a:r>
-                  <a:r>
-                    <a:rPr lang="de-DE" sz="1400" dirty="0"/>
-                    <a:t> for </a:t>
-                  </a:r>
-                  <a:r>
-                    <a:rPr lang="de-DE" sz="1400" dirty="0" err="1"/>
-                    <a:t>class</a:t>
-                  </a:r>
-                  <a:r>
-                    <a:rPr lang="de-DE" sz="1400" dirty="0"/>
-                    <a:t> 0/1)</a:t>
                   </a:r>
                   <a:endParaRPr lang="en-GB" sz="1400" dirty="0"/>
                 </a:p>
@@ -15898,10 +16635,10 @@
             </p:nvGrpSpPr>
             <p:grpSpPr>
               <a:xfrm>
-                <a:off x="8379368" y="2162787"/>
-                <a:ext cx="328182" cy="2461758"/>
-                <a:chOff x="8379368" y="2162787"/>
-                <a:chExt cx="328182" cy="2461758"/>
+                <a:off x="8300332" y="2176764"/>
+                <a:ext cx="477139" cy="2447781"/>
+                <a:chOff x="8300332" y="2176764"/>
+                <a:chExt cx="477139" cy="2447781"/>
               </a:xfrm>
             </p:grpSpPr>
             <p:sp>
@@ -15918,8 +16655,8 @@
               </p:nvSpPr>
               <p:spPr>
                 <a:xfrm>
-                  <a:off x="8379368" y="2162787"/>
-                  <a:ext cx="328182" cy="307777"/>
+                  <a:off x="8300332" y="2176764"/>
+                  <a:ext cx="477139" cy="307777"/>
                 </a:xfrm>
                 <a:prstGeom prst="rect">
                   <a:avLst/>
@@ -15934,7 +16671,7 @@
                 <a:p>
                   <a:r>
                     <a:rPr lang="de-DE" sz="1400" b="1" dirty="0"/>
-                    <a:t>Y</a:t>
+                    <a:t>GT</a:t>
                   </a:r>
                   <a:endParaRPr lang="en-GB" sz="1400" b="1" dirty="0"/>
                 </a:p>
@@ -16216,6 +16953,5027 @@
           </p:grpSp>
         </p:grpSp>
       </p:grpSp>
+    </p:spTree>
+    <p:extLst>
+      <p:ext uri="{BB962C8B-B14F-4D97-AF65-F5344CB8AC3E}">
+        <p14:creationId xmlns:p14="http://schemas.microsoft.com/office/powerpoint/2010/main" val="1479383853"/>
+      </p:ext>
+    </p:extLst>
+  </p:cSld>
+  <p:clrMapOvr>
+    <a:masterClrMapping/>
+  </p:clrMapOvr>
+</p:sld>
+</file>
+
+<file path=ppt/slides/slide14.xml><?xml version="1.0" encoding="utf-8"?>
+<p:sld xmlns:a="http://schemas.openxmlformats.org/drawingml/2006/main" xmlns:r="http://schemas.openxmlformats.org/officeDocument/2006/relationships" xmlns:p="http://schemas.openxmlformats.org/presentationml/2006/main" showMasterSp="0">
+  <p:cSld>
+    <p:spTree>
+      <p:nvGrpSpPr>
+        <p:cNvPr id="1" name=""/>
+        <p:cNvGrpSpPr/>
+        <p:nvPr/>
+      </p:nvGrpSpPr>
+      <p:grpSpPr>
+        <a:xfrm>
+          <a:off x="0" y="0"/>
+          <a:ext cx="0" cy="0"/>
+          <a:chOff x="0" y="0"/>
+          <a:chExt cx="0" cy="0"/>
+        </a:xfrm>
+      </p:grpSpPr>
+      <p:grpSp>
+        <p:nvGrpSpPr>
+          <p:cNvPr id="21" name="Gruppieren 20">
+            <a:extLst>
+              <a:ext uri="{FF2B5EF4-FFF2-40B4-BE49-F238E27FC236}">
+                <a16:creationId xmlns:a16="http://schemas.microsoft.com/office/drawing/2014/main" id="{815DB352-4847-4A4C-9EA0-DED537C4F58A}"/>
+              </a:ext>
+            </a:extLst>
+          </p:cNvPr>
+          <p:cNvGrpSpPr/>
+          <p:nvPr/>
+        </p:nvGrpSpPr>
+        <p:grpSpPr>
+          <a:xfrm>
+            <a:off x="3045097" y="66907"/>
+            <a:ext cx="3053806" cy="1531966"/>
+            <a:chOff x="5007957" y="343682"/>
+            <a:chExt cx="3053806" cy="1531966"/>
+          </a:xfrm>
+        </p:grpSpPr>
+        <p:sp>
+          <p:nvSpPr>
+            <p:cNvPr id="10" name="Ellipse 9">
+              <a:extLst>
+                <a:ext uri="{FF2B5EF4-FFF2-40B4-BE49-F238E27FC236}">
+                  <a16:creationId xmlns:a16="http://schemas.microsoft.com/office/drawing/2014/main" id="{F7FF88BA-FF2C-492C-BADF-E69AD8BC2AF6}"/>
+                </a:ext>
+              </a:extLst>
+            </p:cNvPr>
+            <p:cNvSpPr/>
+            <p:nvPr/>
+          </p:nvSpPr>
+          <p:spPr>
+            <a:xfrm>
+              <a:off x="5007957" y="675703"/>
+              <a:ext cx="3053806" cy="1199945"/>
+            </a:xfrm>
+            <a:prstGeom prst="ellipse">
+              <a:avLst/>
+            </a:prstGeom>
+            <a:solidFill>
+              <a:schemeClr val="bg2"/>
+            </a:solidFill>
+            <a:ln>
+              <a:noFill/>
+            </a:ln>
+          </p:spPr>
+          <p:style>
+            <a:lnRef idx="2">
+              <a:schemeClr val="accent1">
+                <a:shade val="50000"/>
+              </a:schemeClr>
+            </a:lnRef>
+            <a:fillRef idx="1">
+              <a:schemeClr val="accent1"/>
+            </a:fillRef>
+            <a:effectRef idx="0">
+              <a:schemeClr val="accent1"/>
+            </a:effectRef>
+            <a:fontRef idx="minor">
+              <a:schemeClr val="lt1"/>
+            </a:fontRef>
+          </p:style>
+          <p:txBody>
+            <a:bodyPr rtlCol="0" anchor="ctr"/>
+            <a:lstStyle/>
+            <a:p>
+              <a:pPr algn="ctr"/>
+              <a:endParaRPr lang="en-GB"/>
+            </a:p>
+          </p:txBody>
+        </p:sp>
+        <p:sp>
+          <p:nvSpPr>
+            <p:cNvPr id="13" name="Textfeld 12">
+              <a:extLst>
+                <a:ext uri="{FF2B5EF4-FFF2-40B4-BE49-F238E27FC236}">
+                  <a16:creationId xmlns:a16="http://schemas.microsoft.com/office/drawing/2014/main" id="{A679DF2E-B196-46F8-AAC4-14AC38F8EF22}"/>
+                </a:ext>
+              </a:extLst>
+            </p:cNvPr>
+            <p:cNvSpPr txBox="1"/>
+            <p:nvPr/>
+          </p:nvSpPr>
+          <p:spPr>
+            <a:xfrm>
+              <a:off x="5913610" y="889743"/>
+              <a:ext cx="1408585" cy="307777"/>
+            </a:xfrm>
+            <a:prstGeom prst="rect">
+              <a:avLst/>
+            </a:prstGeom>
+            <a:noFill/>
+            <a:ln w="12700"/>
+          </p:spPr>
+          <p:style>
+            <a:lnRef idx="2">
+              <a:schemeClr val="dk1"/>
+            </a:lnRef>
+            <a:fillRef idx="1">
+              <a:schemeClr val="lt1"/>
+            </a:fillRef>
+            <a:effectRef idx="0">
+              <a:schemeClr val="dk1"/>
+            </a:effectRef>
+            <a:fontRef idx="minor">
+              <a:schemeClr val="dk1"/>
+            </a:fontRef>
+          </p:style>
+          <p:txBody>
+            <a:bodyPr wrap="square" rtlCol="0">
+              <a:spAutoFit/>
+            </a:bodyPr>
+            <a:lstStyle/>
+            <a:p>
+              <a:r>
+                <a:rPr lang="de-DE" sz="1400" dirty="0"/>
+                <a:t>Patient Data</a:t>
+              </a:r>
+              <a:endParaRPr lang="en-GB" sz="1400" dirty="0"/>
+            </a:p>
+          </p:txBody>
+        </p:sp>
+        <p:sp>
+          <p:nvSpPr>
+            <p:cNvPr id="19" name="Textfeld 18">
+              <a:extLst>
+                <a:ext uri="{FF2B5EF4-FFF2-40B4-BE49-F238E27FC236}">
+                  <a16:creationId xmlns:a16="http://schemas.microsoft.com/office/drawing/2014/main" id="{A9713A0A-F3D0-4DFF-96D1-89207F3B06FC}"/>
+                </a:ext>
+              </a:extLst>
+            </p:cNvPr>
+            <p:cNvSpPr txBox="1"/>
+            <p:nvPr/>
+          </p:nvSpPr>
+          <p:spPr>
+            <a:xfrm>
+              <a:off x="5913610" y="1301539"/>
+              <a:ext cx="1408585" cy="307777"/>
+            </a:xfrm>
+            <a:prstGeom prst="rect">
+              <a:avLst/>
+            </a:prstGeom>
+            <a:noFill/>
+            <a:ln w="12700">
+              <a:solidFill>
+                <a:schemeClr val="tx1"/>
+              </a:solidFill>
+            </a:ln>
+          </p:spPr>
+          <p:style>
+            <a:lnRef idx="2">
+              <a:schemeClr val="dk1"/>
+            </a:lnRef>
+            <a:fillRef idx="1">
+              <a:schemeClr val="lt1"/>
+            </a:fillRef>
+            <a:effectRef idx="0">
+              <a:schemeClr val="dk1"/>
+            </a:effectRef>
+            <a:fontRef idx="minor">
+              <a:schemeClr val="dk1"/>
+            </a:fontRef>
+          </p:style>
+          <p:txBody>
+            <a:bodyPr wrap="square" rtlCol="0">
+              <a:spAutoFit/>
+            </a:bodyPr>
+            <a:lstStyle/>
+            <a:p>
+              <a:r>
+                <a:rPr lang="de-DE" sz="1400" dirty="0"/>
+                <a:t>Label: TLF</a:t>
+              </a:r>
+              <a:endParaRPr lang="en-GB" sz="1400" dirty="0"/>
+            </a:p>
+          </p:txBody>
+        </p:sp>
+        <p:sp>
+          <p:nvSpPr>
+            <p:cNvPr id="20" name="Textfeld 19">
+              <a:extLst>
+                <a:ext uri="{FF2B5EF4-FFF2-40B4-BE49-F238E27FC236}">
+                  <a16:creationId xmlns:a16="http://schemas.microsoft.com/office/drawing/2014/main" id="{D758B4CE-6A08-41D9-A40D-23F1A88FDFD9}"/>
+                </a:ext>
+              </a:extLst>
+            </p:cNvPr>
+            <p:cNvSpPr txBox="1"/>
+            <p:nvPr/>
+          </p:nvSpPr>
+          <p:spPr>
+            <a:xfrm>
+              <a:off x="6168515" y="343682"/>
+              <a:ext cx="1384573" cy="369332"/>
+            </a:xfrm>
+            <a:prstGeom prst="rect">
+              <a:avLst/>
+            </a:prstGeom>
+            <a:noFill/>
+          </p:spPr>
+          <p:txBody>
+            <a:bodyPr wrap="square" rtlCol="0">
+              <a:spAutoFit/>
+            </a:bodyPr>
+            <a:lstStyle/>
+            <a:p>
+              <a:r>
+                <a:rPr lang="de-DE" dirty="0"/>
+                <a:t>Input</a:t>
+              </a:r>
+              <a:endParaRPr lang="en-GB" dirty="0"/>
+            </a:p>
+          </p:txBody>
+        </p:sp>
+      </p:grpSp>
+      <p:cxnSp>
+        <p:nvCxnSpPr>
+          <p:cNvPr id="108" name="Verbinder: gewinkelt 107">
+            <a:extLst>
+              <a:ext uri="{FF2B5EF4-FFF2-40B4-BE49-F238E27FC236}">
+                <a16:creationId xmlns:a16="http://schemas.microsoft.com/office/drawing/2014/main" id="{7056A6D8-CB7B-43F2-94CB-C497E1EA809C}"/>
+              </a:ext>
+            </a:extLst>
+          </p:cNvPr>
+          <p:cNvCxnSpPr>
+            <a:cxnSpLocks/>
+            <a:stCxn id="19" idx="3"/>
+            <a:endCxn id="53" idx="0"/>
+          </p:cNvCxnSpPr>
+          <p:nvPr/>
+        </p:nvCxnSpPr>
+        <p:spPr>
+          <a:xfrm>
+            <a:off x="5359335" y="1178653"/>
+            <a:ext cx="1532150" cy="837751"/>
+          </a:xfrm>
+          <a:prstGeom prst="bentConnector2">
+            <a:avLst/>
+          </a:prstGeom>
+          <a:ln w="12700">
+            <a:solidFill>
+              <a:schemeClr val="tx1"/>
+            </a:solidFill>
+            <a:tailEnd type="triangle"/>
+          </a:ln>
+        </p:spPr>
+        <p:style>
+          <a:lnRef idx="1">
+            <a:schemeClr val="dk1"/>
+          </a:lnRef>
+          <a:fillRef idx="0">
+            <a:schemeClr val="dk1"/>
+          </a:fillRef>
+          <a:effectRef idx="0">
+            <a:schemeClr val="dk1"/>
+          </a:effectRef>
+          <a:fontRef idx="minor">
+            <a:schemeClr val="tx1"/>
+          </a:fontRef>
+        </p:style>
+      </p:cxnSp>
+      <p:grpSp>
+        <p:nvGrpSpPr>
+          <p:cNvPr id="9236" name="Gruppieren 9235">
+            <a:extLst>
+              <a:ext uri="{FF2B5EF4-FFF2-40B4-BE49-F238E27FC236}">
+                <a16:creationId xmlns:a16="http://schemas.microsoft.com/office/drawing/2014/main" id="{8BA2ABF3-29A4-4225-946D-D948324304D8}"/>
+              </a:ext>
+            </a:extLst>
+          </p:cNvPr>
+          <p:cNvGrpSpPr/>
+          <p:nvPr/>
+        </p:nvGrpSpPr>
+        <p:grpSpPr>
+          <a:xfrm>
+            <a:off x="34763" y="1654370"/>
+            <a:ext cx="8696581" cy="3066016"/>
+            <a:chOff x="234069" y="1762874"/>
+            <a:chExt cx="8696581" cy="3066016"/>
+          </a:xfrm>
+        </p:grpSpPr>
+        <p:grpSp>
+          <p:nvGrpSpPr>
+            <p:cNvPr id="87" name="Gruppieren 86">
+              <a:extLst>
+                <a:ext uri="{FF2B5EF4-FFF2-40B4-BE49-F238E27FC236}">
+                  <a16:creationId xmlns:a16="http://schemas.microsoft.com/office/drawing/2014/main" id="{768ED432-0B04-4071-B78A-F6804E962866}"/>
+                </a:ext>
+              </a:extLst>
+            </p:cNvPr>
+            <p:cNvGrpSpPr/>
+            <p:nvPr/>
+          </p:nvGrpSpPr>
+          <p:grpSpPr>
+            <a:xfrm>
+              <a:off x="4512419" y="2118385"/>
+              <a:ext cx="2348466" cy="2710505"/>
+              <a:chOff x="6086260" y="2183764"/>
+              <a:chExt cx="2348466" cy="2710505"/>
+            </a:xfrm>
+          </p:grpSpPr>
+          <p:sp>
+            <p:nvSpPr>
+              <p:cNvPr id="35" name="Rechteck 34">
+                <a:extLst>
+                  <a:ext uri="{FF2B5EF4-FFF2-40B4-BE49-F238E27FC236}">
+                    <a16:creationId xmlns:a16="http://schemas.microsoft.com/office/drawing/2014/main" id="{A39763F5-0045-45DF-A8F6-26F9F27DD478}"/>
+                  </a:ext>
+                </a:extLst>
+              </p:cNvPr>
+              <p:cNvSpPr/>
+              <p:nvPr/>
+            </p:nvSpPr>
+            <p:spPr>
+              <a:xfrm>
+                <a:off x="6933325" y="2493822"/>
+                <a:ext cx="1350819" cy="2129236"/>
+              </a:xfrm>
+              <a:prstGeom prst="rect">
+                <a:avLst/>
+              </a:prstGeom>
+              <a:ln/>
+            </p:spPr>
+            <p:style>
+              <a:lnRef idx="2">
+                <a:schemeClr val="dk1"/>
+              </a:lnRef>
+              <a:fillRef idx="1">
+                <a:schemeClr val="lt1"/>
+              </a:fillRef>
+              <a:effectRef idx="0">
+                <a:schemeClr val="dk1"/>
+              </a:effectRef>
+              <a:fontRef idx="minor">
+                <a:schemeClr val="dk1"/>
+              </a:fontRef>
+            </p:style>
+            <p:txBody>
+              <a:bodyPr rtlCol="0" anchor="ctr"/>
+              <a:lstStyle/>
+              <a:p>
+                <a:pPr algn="ctr"/>
+                <a:endParaRPr lang="en-GB"/>
+              </a:p>
+            </p:txBody>
+          </p:sp>
+          <p:sp>
+            <p:nvSpPr>
+              <p:cNvPr id="36" name="Textfeld 35">
+                <a:extLst>
+                  <a:ext uri="{FF2B5EF4-FFF2-40B4-BE49-F238E27FC236}">
+                    <a16:creationId xmlns:a16="http://schemas.microsoft.com/office/drawing/2014/main" id="{E5C36A0C-6F53-4994-8363-7274E4D194F3}"/>
+                  </a:ext>
+                </a:extLst>
+              </p:cNvPr>
+              <p:cNvSpPr txBox="1"/>
+              <p:nvPr/>
+            </p:nvSpPr>
+            <p:spPr>
+              <a:xfrm>
+                <a:off x="6828969" y="2183764"/>
+                <a:ext cx="1605757" cy="307777"/>
+              </a:xfrm>
+              <a:prstGeom prst="rect">
+                <a:avLst/>
+              </a:prstGeom>
+              <a:noFill/>
+            </p:spPr>
+            <p:txBody>
+              <a:bodyPr wrap="square" rtlCol="0">
+                <a:spAutoFit/>
+              </a:bodyPr>
+              <a:lstStyle/>
+              <a:p>
+                <a:r>
+                  <a:rPr lang="de-DE" sz="1400" dirty="0"/>
+                  <a:t>Decision Matrix </a:t>
+                </a:r>
+                <a:r>
+                  <a:rPr lang="de-DE" sz="1400" b="1" dirty="0"/>
+                  <a:t>M</a:t>
+                </a:r>
+                <a:endParaRPr lang="en-GB" sz="1400" dirty="0"/>
+              </a:p>
+            </p:txBody>
+          </p:sp>
+          <p:cxnSp>
+            <p:nvCxnSpPr>
+              <p:cNvPr id="38" name="Gerader Verbinder 37">
+                <a:extLst>
+                  <a:ext uri="{FF2B5EF4-FFF2-40B4-BE49-F238E27FC236}">
+                    <a16:creationId xmlns:a16="http://schemas.microsoft.com/office/drawing/2014/main" id="{3137F953-274C-4BBB-A8DE-B803DCFFEE48}"/>
+                  </a:ext>
+                </a:extLst>
+              </p:cNvPr>
+              <p:cNvCxnSpPr/>
+              <p:nvPr/>
+            </p:nvCxnSpPr>
+            <p:spPr>
+              <a:xfrm>
+                <a:off x="7172316" y="2493822"/>
+                <a:ext cx="0" cy="2129236"/>
+              </a:xfrm>
+              <a:prstGeom prst="line">
+                <a:avLst/>
+              </a:prstGeom>
+            </p:spPr>
+            <p:style>
+              <a:lnRef idx="1">
+                <a:schemeClr val="dk1"/>
+              </a:lnRef>
+              <a:fillRef idx="0">
+                <a:schemeClr val="dk1"/>
+              </a:fillRef>
+              <a:effectRef idx="0">
+                <a:schemeClr val="dk1"/>
+              </a:effectRef>
+              <a:fontRef idx="minor">
+                <a:schemeClr val="tx1"/>
+              </a:fontRef>
+            </p:style>
+          </p:cxnSp>
+          <p:cxnSp>
+            <p:nvCxnSpPr>
+              <p:cNvPr id="39" name="Gerader Verbinder 38">
+                <a:extLst>
+                  <a:ext uri="{FF2B5EF4-FFF2-40B4-BE49-F238E27FC236}">
+                    <a16:creationId xmlns:a16="http://schemas.microsoft.com/office/drawing/2014/main" id="{A0551399-1B1F-4B77-90AD-9D45223CD271}"/>
+                  </a:ext>
+                </a:extLst>
+              </p:cNvPr>
+              <p:cNvCxnSpPr/>
+              <p:nvPr/>
+            </p:nvCxnSpPr>
+            <p:spPr>
+              <a:xfrm>
+                <a:off x="7418235" y="2493822"/>
+                <a:ext cx="0" cy="2129236"/>
+              </a:xfrm>
+              <a:prstGeom prst="line">
+                <a:avLst/>
+              </a:prstGeom>
+            </p:spPr>
+            <p:style>
+              <a:lnRef idx="1">
+                <a:schemeClr val="dk1"/>
+              </a:lnRef>
+              <a:fillRef idx="0">
+                <a:schemeClr val="dk1"/>
+              </a:fillRef>
+              <a:effectRef idx="0">
+                <a:schemeClr val="dk1"/>
+              </a:effectRef>
+              <a:fontRef idx="minor">
+                <a:schemeClr val="tx1"/>
+              </a:fontRef>
+            </p:style>
+          </p:cxnSp>
+          <p:cxnSp>
+            <p:nvCxnSpPr>
+              <p:cNvPr id="40" name="Gerader Verbinder 39">
+                <a:extLst>
+                  <a:ext uri="{FF2B5EF4-FFF2-40B4-BE49-F238E27FC236}">
+                    <a16:creationId xmlns:a16="http://schemas.microsoft.com/office/drawing/2014/main" id="{7621280D-AE20-4172-822F-6D1674466DA6}"/>
+                  </a:ext>
+                </a:extLst>
+              </p:cNvPr>
+              <p:cNvCxnSpPr/>
+              <p:nvPr/>
+            </p:nvCxnSpPr>
+            <p:spPr>
+              <a:xfrm>
+                <a:off x="8024054" y="2478401"/>
+                <a:ext cx="0" cy="2129236"/>
+              </a:xfrm>
+              <a:prstGeom prst="line">
+                <a:avLst/>
+              </a:prstGeom>
+            </p:spPr>
+            <p:style>
+              <a:lnRef idx="1">
+                <a:schemeClr val="dk1"/>
+              </a:lnRef>
+              <a:fillRef idx="0">
+                <a:schemeClr val="dk1"/>
+              </a:fillRef>
+              <a:effectRef idx="0">
+                <a:schemeClr val="dk1"/>
+              </a:effectRef>
+              <a:fontRef idx="minor">
+                <a:schemeClr val="tx1"/>
+              </a:fontRef>
+            </p:style>
+          </p:cxnSp>
+          <p:sp>
+            <p:nvSpPr>
+              <p:cNvPr id="41" name="Textfeld 40">
+                <a:extLst>
+                  <a:ext uri="{FF2B5EF4-FFF2-40B4-BE49-F238E27FC236}">
+                    <a16:creationId xmlns:a16="http://schemas.microsoft.com/office/drawing/2014/main" id="{E5E8791A-73D6-4770-BD82-83EB89A60471}"/>
+                  </a:ext>
+                </a:extLst>
+              </p:cNvPr>
+              <p:cNvSpPr txBox="1"/>
+              <p:nvPr/>
+            </p:nvSpPr>
+            <p:spPr>
+              <a:xfrm>
+                <a:off x="6819889" y="4597583"/>
+                <a:ext cx="467590" cy="292388"/>
+              </a:xfrm>
+              <a:prstGeom prst="rect">
+                <a:avLst/>
+              </a:prstGeom>
+              <a:noFill/>
+            </p:spPr>
+            <p:txBody>
+              <a:bodyPr wrap="square" rtlCol="0">
+                <a:spAutoFit/>
+              </a:bodyPr>
+              <a:lstStyle/>
+              <a:p>
+                <a:r>
+                  <a:rPr lang="de-DE" sz="1300" dirty="0"/>
+                  <a:t>M1</a:t>
+                </a:r>
+                <a:endParaRPr lang="en-GB" sz="1300" dirty="0"/>
+              </a:p>
+            </p:txBody>
+          </p:sp>
+          <p:sp>
+            <p:nvSpPr>
+              <p:cNvPr id="42" name="Textfeld 41">
+                <a:extLst>
+                  <a:ext uri="{FF2B5EF4-FFF2-40B4-BE49-F238E27FC236}">
+                    <a16:creationId xmlns:a16="http://schemas.microsoft.com/office/drawing/2014/main" id="{B3504183-75AE-4B59-823D-2CBD3375462B}"/>
+                  </a:ext>
+                </a:extLst>
+              </p:cNvPr>
+              <p:cNvSpPr txBox="1"/>
+              <p:nvPr/>
+            </p:nvSpPr>
+            <p:spPr>
+              <a:xfrm>
+                <a:off x="7132482" y="4601881"/>
+                <a:ext cx="467590" cy="292388"/>
+              </a:xfrm>
+              <a:prstGeom prst="rect">
+                <a:avLst/>
+              </a:prstGeom>
+              <a:noFill/>
+            </p:spPr>
+            <p:txBody>
+              <a:bodyPr wrap="square" rtlCol="0">
+                <a:spAutoFit/>
+              </a:bodyPr>
+              <a:lstStyle/>
+              <a:p>
+                <a:r>
+                  <a:rPr lang="de-DE" sz="1300" dirty="0"/>
+                  <a:t>M2</a:t>
+                </a:r>
+                <a:endParaRPr lang="en-GB" sz="1300" dirty="0"/>
+              </a:p>
+            </p:txBody>
+          </p:sp>
+          <p:sp>
+            <p:nvSpPr>
+              <p:cNvPr id="43" name="Textfeld 42">
+                <a:extLst>
+                  <a:ext uri="{FF2B5EF4-FFF2-40B4-BE49-F238E27FC236}">
+                    <a16:creationId xmlns:a16="http://schemas.microsoft.com/office/drawing/2014/main" id="{B30B8060-8CDE-4D30-BDCF-B79AE58A9476}"/>
+                  </a:ext>
+                </a:extLst>
+              </p:cNvPr>
+              <p:cNvSpPr txBox="1"/>
+              <p:nvPr/>
+            </p:nvSpPr>
+            <p:spPr>
+              <a:xfrm rot="16200000">
+                <a:off x="7432001" y="3232484"/>
+                <a:ext cx="467591" cy="553998"/>
+              </a:xfrm>
+              <a:prstGeom prst="rect">
+                <a:avLst/>
+              </a:prstGeom>
+              <a:noFill/>
+            </p:spPr>
+            <p:txBody>
+              <a:bodyPr wrap="square" rtlCol="0">
+                <a:spAutoFit/>
+              </a:bodyPr>
+              <a:lstStyle/>
+              <a:p>
+                <a:r>
+                  <a:rPr lang="de-DE" sz="1000" b="1" dirty="0"/>
+                  <a:t>.</a:t>
+                </a:r>
+              </a:p>
+              <a:p>
+                <a:r>
+                  <a:rPr lang="de-DE" sz="1000" b="1" dirty="0"/>
+                  <a:t>.</a:t>
+                </a:r>
+              </a:p>
+              <a:p>
+                <a:r>
+                  <a:rPr lang="de-DE" sz="1000" b="1" dirty="0"/>
+                  <a:t>.</a:t>
+                </a:r>
+                <a:endParaRPr lang="en-GB" sz="1000" b="1" dirty="0"/>
+              </a:p>
+            </p:txBody>
+          </p:sp>
+          <p:sp>
+            <p:nvSpPr>
+              <p:cNvPr id="44" name="Textfeld 43">
+                <a:extLst>
+                  <a:ext uri="{FF2B5EF4-FFF2-40B4-BE49-F238E27FC236}">
+                    <a16:creationId xmlns:a16="http://schemas.microsoft.com/office/drawing/2014/main" id="{DC25EC38-F387-4661-8C3C-3AFD74C7666A}"/>
+                  </a:ext>
+                </a:extLst>
+              </p:cNvPr>
+              <p:cNvSpPr txBox="1"/>
+              <p:nvPr/>
+            </p:nvSpPr>
+            <p:spPr>
+              <a:xfrm>
+                <a:off x="7947310" y="4597583"/>
+                <a:ext cx="467590" cy="292388"/>
+              </a:xfrm>
+              <a:prstGeom prst="rect">
+                <a:avLst/>
+              </a:prstGeom>
+              <a:noFill/>
+            </p:spPr>
+            <p:txBody>
+              <a:bodyPr wrap="square" rtlCol="0">
+                <a:spAutoFit/>
+              </a:bodyPr>
+              <a:lstStyle/>
+              <a:p>
+                <a:r>
+                  <a:rPr lang="de-DE" sz="1300" dirty="0"/>
+                  <a:t>M9</a:t>
+                </a:r>
+                <a:endParaRPr lang="en-GB" sz="1300" dirty="0"/>
+              </a:p>
+            </p:txBody>
+          </p:sp>
+          <p:cxnSp>
+            <p:nvCxnSpPr>
+              <p:cNvPr id="46" name="Gerader Verbinder 45">
+                <a:extLst>
+                  <a:ext uri="{FF2B5EF4-FFF2-40B4-BE49-F238E27FC236}">
+                    <a16:creationId xmlns:a16="http://schemas.microsoft.com/office/drawing/2014/main" id="{756E9292-B9C7-4F9F-B870-B67B682DFB24}"/>
+                  </a:ext>
+                </a:extLst>
+              </p:cNvPr>
+              <p:cNvCxnSpPr/>
+              <p:nvPr/>
+            </p:nvCxnSpPr>
+            <p:spPr>
+              <a:xfrm>
+                <a:off x="6942734" y="2678213"/>
+                <a:ext cx="1332000" cy="0"/>
+              </a:xfrm>
+              <a:prstGeom prst="line">
+                <a:avLst/>
+              </a:prstGeom>
+            </p:spPr>
+            <p:style>
+              <a:lnRef idx="1">
+                <a:schemeClr val="dk1"/>
+              </a:lnRef>
+              <a:fillRef idx="0">
+                <a:schemeClr val="dk1"/>
+              </a:fillRef>
+              <a:effectRef idx="0">
+                <a:schemeClr val="dk1"/>
+              </a:effectRef>
+              <a:fontRef idx="minor">
+                <a:schemeClr val="tx1"/>
+              </a:fontRef>
+            </p:style>
+          </p:cxnSp>
+          <p:cxnSp>
+            <p:nvCxnSpPr>
+              <p:cNvPr id="47" name="Gerader Verbinder 46">
+                <a:extLst>
+                  <a:ext uri="{FF2B5EF4-FFF2-40B4-BE49-F238E27FC236}">
+                    <a16:creationId xmlns:a16="http://schemas.microsoft.com/office/drawing/2014/main" id="{C82A27B7-73F3-4E87-8F5A-392B08C5FC09}"/>
+                  </a:ext>
+                </a:extLst>
+              </p:cNvPr>
+              <p:cNvCxnSpPr/>
+              <p:nvPr/>
+            </p:nvCxnSpPr>
+            <p:spPr>
+              <a:xfrm>
+                <a:off x="6933325" y="2892959"/>
+                <a:ext cx="1332000" cy="0"/>
+              </a:xfrm>
+              <a:prstGeom prst="line">
+                <a:avLst/>
+              </a:prstGeom>
+            </p:spPr>
+            <p:style>
+              <a:lnRef idx="1">
+                <a:schemeClr val="dk1"/>
+              </a:lnRef>
+              <a:fillRef idx="0">
+                <a:schemeClr val="dk1"/>
+              </a:fillRef>
+              <a:effectRef idx="0">
+                <a:schemeClr val="dk1"/>
+              </a:effectRef>
+              <a:fontRef idx="minor">
+                <a:schemeClr val="tx1"/>
+              </a:fontRef>
+            </p:style>
+          </p:cxnSp>
+          <p:cxnSp>
+            <p:nvCxnSpPr>
+              <p:cNvPr id="48" name="Gerader Verbinder 47">
+                <a:extLst>
+                  <a:ext uri="{FF2B5EF4-FFF2-40B4-BE49-F238E27FC236}">
+                    <a16:creationId xmlns:a16="http://schemas.microsoft.com/office/drawing/2014/main" id="{B47E8EE0-1741-4D4A-A996-F00C808DDED1}"/>
+                  </a:ext>
+                </a:extLst>
+              </p:cNvPr>
+              <p:cNvCxnSpPr/>
+              <p:nvPr/>
+            </p:nvCxnSpPr>
+            <p:spPr>
+              <a:xfrm>
+                <a:off x="6933325" y="4406565"/>
+                <a:ext cx="1332000" cy="0"/>
+              </a:xfrm>
+              <a:prstGeom prst="line">
+                <a:avLst/>
+              </a:prstGeom>
+            </p:spPr>
+            <p:style>
+              <a:lnRef idx="1">
+                <a:schemeClr val="dk1"/>
+              </a:lnRef>
+              <a:fillRef idx="0">
+                <a:schemeClr val="dk1"/>
+              </a:fillRef>
+              <a:effectRef idx="0">
+                <a:schemeClr val="dk1"/>
+              </a:effectRef>
+              <a:fontRef idx="minor">
+                <a:schemeClr val="tx1"/>
+              </a:fontRef>
+            </p:style>
+          </p:cxnSp>
+          <p:sp>
+            <p:nvSpPr>
+              <p:cNvPr id="49" name="Textfeld 48">
+                <a:extLst>
+                  <a:ext uri="{FF2B5EF4-FFF2-40B4-BE49-F238E27FC236}">
+                    <a16:creationId xmlns:a16="http://schemas.microsoft.com/office/drawing/2014/main" id="{FB0D6DE4-C251-4594-8441-CFBA6B9C4C4F}"/>
+                  </a:ext>
+                </a:extLst>
+              </p:cNvPr>
+              <p:cNvSpPr txBox="1"/>
+              <p:nvPr/>
+            </p:nvSpPr>
+            <p:spPr>
+              <a:xfrm>
+                <a:off x="6100433" y="4370282"/>
+                <a:ext cx="967867" cy="292388"/>
+              </a:xfrm>
+              <a:prstGeom prst="rect">
+                <a:avLst/>
+              </a:prstGeom>
+              <a:noFill/>
+            </p:spPr>
+            <p:txBody>
+              <a:bodyPr wrap="square" rtlCol="0">
+                <a:spAutoFit/>
+              </a:bodyPr>
+              <a:lstStyle/>
+              <a:p>
+                <a:r>
+                  <a:rPr lang="de-DE" sz="1300" dirty="0"/>
+                  <a:t>Sample n</a:t>
+                </a:r>
+                <a:endParaRPr lang="en-GB" sz="1300" dirty="0"/>
+              </a:p>
+            </p:txBody>
+          </p:sp>
+          <p:sp>
+            <p:nvSpPr>
+              <p:cNvPr id="50" name="Textfeld 49">
+                <a:extLst>
+                  <a:ext uri="{FF2B5EF4-FFF2-40B4-BE49-F238E27FC236}">
+                    <a16:creationId xmlns:a16="http://schemas.microsoft.com/office/drawing/2014/main" id="{6FDF4301-C809-48A0-8471-D7E8321843DE}"/>
+                  </a:ext>
+                </a:extLst>
+              </p:cNvPr>
+              <p:cNvSpPr txBox="1"/>
+              <p:nvPr/>
+            </p:nvSpPr>
+            <p:spPr>
+              <a:xfrm>
+                <a:off x="6086260" y="2466933"/>
+                <a:ext cx="967867" cy="292388"/>
+              </a:xfrm>
+              <a:prstGeom prst="rect">
+                <a:avLst/>
+              </a:prstGeom>
+              <a:noFill/>
+            </p:spPr>
+            <p:txBody>
+              <a:bodyPr wrap="square" rtlCol="0">
+                <a:spAutoFit/>
+              </a:bodyPr>
+              <a:lstStyle/>
+              <a:p>
+                <a:r>
+                  <a:rPr lang="de-DE" sz="1300" dirty="0"/>
+                  <a:t>Sample 1</a:t>
+                </a:r>
+                <a:endParaRPr lang="en-GB" sz="1300" dirty="0"/>
+              </a:p>
+            </p:txBody>
+          </p:sp>
+          <p:sp>
+            <p:nvSpPr>
+              <p:cNvPr id="51" name="Textfeld 50">
+                <a:extLst>
+                  <a:ext uri="{FF2B5EF4-FFF2-40B4-BE49-F238E27FC236}">
+                    <a16:creationId xmlns:a16="http://schemas.microsoft.com/office/drawing/2014/main" id="{F2491B16-372C-4988-9C9A-5323CF39375F}"/>
+                  </a:ext>
+                </a:extLst>
+              </p:cNvPr>
+              <p:cNvSpPr txBox="1"/>
+              <p:nvPr/>
+            </p:nvSpPr>
+            <p:spPr>
+              <a:xfrm>
+                <a:off x="6403388" y="3159750"/>
+                <a:ext cx="467591" cy="553998"/>
+              </a:xfrm>
+              <a:prstGeom prst="rect">
+                <a:avLst/>
+              </a:prstGeom>
+              <a:noFill/>
+            </p:spPr>
+            <p:txBody>
+              <a:bodyPr wrap="square" rtlCol="0">
+                <a:spAutoFit/>
+              </a:bodyPr>
+              <a:lstStyle/>
+              <a:p>
+                <a:r>
+                  <a:rPr lang="de-DE" sz="1000" b="1" dirty="0"/>
+                  <a:t>.</a:t>
+                </a:r>
+              </a:p>
+              <a:p>
+                <a:r>
+                  <a:rPr lang="de-DE" sz="1000" b="1" dirty="0"/>
+                  <a:t>.</a:t>
+                </a:r>
+              </a:p>
+              <a:p>
+                <a:r>
+                  <a:rPr lang="de-DE" sz="1000" b="1" dirty="0"/>
+                  <a:t>.</a:t>
+                </a:r>
+                <a:endParaRPr lang="en-GB" sz="1000" b="1" dirty="0"/>
+              </a:p>
+            </p:txBody>
+          </p:sp>
+        </p:grpSp>
+        <p:grpSp>
+          <p:nvGrpSpPr>
+            <p:cNvPr id="75" name="Gruppieren 74">
+              <a:extLst>
+                <a:ext uri="{FF2B5EF4-FFF2-40B4-BE49-F238E27FC236}">
+                  <a16:creationId xmlns:a16="http://schemas.microsoft.com/office/drawing/2014/main" id="{8DA63615-6B48-412A-9665-B2C714348D14}"/>
+                </a:ext>
+              </a:extLst>
+            </p:cNvPr>
+            <p:cNvGrpSpPr/>
+            <p:nvPr/>
+          </p:nvGrpSpPr>
+          <p:grpSpPr>
+            <a:xfrm>
+              <a:off x="234069" y="1762874"/>
+              <a:ext cx="4337932" cy="2689356"/>
+              <a:chOff x="440335" y="2292859"/>
+              <a:chExt cx="4337932" cy="2689356"/>
+            </a:xfrm>
+          </p:grpSpPr>
+          <p:sp>
+            <p:nvSpPr>
+              <p:cNvPr id="5" name="Textfeld 4">
+                <a:extLst>
+                  <a:ext uri="{FF2B5EF4-FFF2-40B4-BE49-F238E27FC236}">
+                    <a16:creationId xmlns:a16="http://schemas.microsoft.com/office/drawing/2014/main" id="{05881590-A339-42B4-A521-70C7A8CD4201}"/>
+                  </a:ext>
+                </a:extLst>
+              </p:cNvPr>
+              <p:cNvSpPr txBox="1"/>
+              <p:nvPr/>
+            </p:nvSpPr>
+            <p:spPr>
+              <a:xfrm>
+                <a:off x="440335" y="3074000"/>
+                <a:ext cx="1550484" cy="1908215"/>
+              </a:xfrm>
+              <a:prstGeom prst="rect">
+                <a:avLst/>
+              </a:prstGeom>
+            </p:spPr>
+            <p:style>
+              <a:lnRef idx="2">
+                <a:schemeClr val="dk1"/>
+              </a:lnRef>
+              <a:fillRef idx="1">
+                <a:schemeClr val="lt1"/>
+              </a:fillRef>
+              <a:effectRef idx="0">
+                <a:schemeClr val="dk1"/>
+              </a:effectRef>
+              <a:fontRef idx="minor">
+                <a:schemeClr val="dk1"/>
+              </a:fontRef>
+            </p:style>
+            <p:txBody>
+              <a:bodyPr wrap="square" rtlCol="0">
+                <a:spAutoFit/>
+              </a:bodyPr>
+              <a:lstStyle/>
+              <a:p>
+                <a:pPr algn="ctr"/>
+                <a:endParaRPr lang="de-DE" sz="1000" dirty="0"/>
+              </a:p>
+              <a:p>
+                <a:pPr algn="ctr"/>
+                <a:endParaRPr lang="de-DE" sz="1000" dirty="0"/>
+              </a:p>
+              <a:p>
+                <a:pPr algn="ctr"/>
+                <a:endParaRPr lang="de-DE" sz="1000" dirty="0"/>
+              </a:p>
+              <a:p>
+                <a:pPr algn="ctr"/>
+                <a:endParaRPr lang="de-DE" sz="1000" dirty="0"/>
+              </a:p>
+              <a:p>
+                <a:pPr algn="ctr"/>
+                <a:endParaRPr lang="de-DE" sz="1000" dirty="0"/>
+              </a:p>
+              <a:p>
+                <a:pPr algn="ctr"/>
+                <a:r>
+                  <a:rPr lang="de-DE" dirty="0"/>
+                  <a:t>TLF_Pipeline</a:t>
+                </a:r>
+              </a:p>
+              <a:p>
+                <a:pPr algn="ctr"/>
+                <a:endParaRPr lang="de-DE" sz="1000" dirty="0"/>
+              </a:p>
+              <a:p>
+                <a:pPr algn="ctr"/>
+                <a:endParaRPr lang="de-DE" sz="1000" dirty="0"/>
+              </a:p>
+              <a:p>
+                <a:pPr algn="ctr"/>
+                <a:endParaRPr lang="de-DE" sz="1000" dirty="0"/>
+              </a:p>
+              <a:p>
+                <a:pPr algn="ctr"/>
+                <a:endParaRPr lang="de-DE" sz="1000" dirty="0"/>
+              </a:p>
+              <a:p>
+                <a:pPr algn="ctr"/>
+                <a:endParaRPr lang="de-DE" sz="1000" dirty="0"/>
+              </a:p>
+            </p:txBody>
+          </p:sp>
+          <p:cxnSp>
+            <p:nvCxnSpPr>
+              <p:cNvPr id="37" name="Verbinder: gewinkelt 36">
+                <a:extLst>
+                  <a:ext uri="{FF2B5EF4-FFF2-40B4-BE49-F238E27FC236}">
+                    <a16:creationId xmlns:a16="http://schemas.microsoft.com/office/drawing/2014/main" id="{FD57BC27-E81F-4210-8DE3-6293BAF3ED06}"/>
+                  </a:ext>
+                </a:extLst>
+              </p:cNvPr>
+              <p:cNvCxnSpPr>
+                <a:cxnSpLocks/>
+                <a:stCxn id="10" idx="4"/>
+                <a:endCxn id="5" idx="0"/>
+              </p:cNvCxnSpPr>
+              <p:nvPr/>
+            </p:nvCxnSpPr>
+            <p:spPr>
+              <a:xfrm rot="5400000">
+                <a:off x="2606352" y="902085"/>
+                <a:ext cx="781141" cy="3562689"/>
+              </a:xfrm>
+              <a:prstGeom prst="bentConnector3">
+                <a:avLst>
+                  <a:gd name="adj1" fmla="val 50000"/>
+                </a:avLst>
+              </a:prstGeom>
+              <a:ln w="12700">
+                <a:tailEnd type="triangle"/>
+              </a:ln>
+            </p:spPr>
+            <p:style>
+              <a:lnRef idx="1">
+                <a:schemeClr val="dk1"/>
+              </a:lnRef>
+              <a:fillRef idx="0">
+                <a:schemeClr val="dk1"/>
+              </a:fillRef>
+              <a:effectRef idx="0">
+                <a:schemeClr val="dk1"/>
+              </a:effectRef>
+              <a:fontRef idx="minor">
+                <a:schemeClr val="tx1"/>
+              </a:fontRef>
+            </p:style>
+          </p:cxnSp>
+        </p:grpSp>
+        <p:grpSp>
+          <p:nvGrpSpPr>
+            <p:cNvPr id="106" name="Gruppieren 105">
+              <a:extLst>
+                <a:ext uri="{FF2B5EF4-FFF2-40B4-BE49-F238E27FC236}">
+                  <a16:creationId xmlns:a16="http://schemas.microsoft.com/office/drawing/2014/main" id="{2451D3FA-3674-4F42-8BC9-12CECEC6A466}"/>
+                </a:ext>
+              </a:extLst>
+            </p:cNvPr>
+            <p:cNvGrpSpPr/>
+            <p:nvPr/>
+          </p:nvGrpSpPr>
+          <p:grpSpPr>
+            <a:xfrm>
+              <a:off x="1779310" y="2473417"/>
+              <a:ext cx="2833757" cy="2102234"/>
+              <a:chOff x="2032967" y="2982924"/>
+              <a:chExt cx="2833757" cy="2102234"/>
+            </a:xfrm>
+          </p:grpSpPr>
+          <p:grpSp>
+            <p:nvGrpSpPr>
+              <p:cNvPr id="105" name="Gruppieren 104">
+                <a:extLst>
+                  <a:ext uri="{FF2B5EF4-FFF2-40B4-BE49-F238E27FC236}">
+                    <a16:creationId xmlns:a16="http://schemas.microsoft.com/office/drawing/2014/main" id="{1650E044-7AD0-4D76-8347-C761173E3FAD}"/>
+                  </a:ext>
+                </a:extLst>
+              </p:cNvPr>
+              <p:cNvGrpSpPr/>
+              <p:nvPr/>
+            </p:nvGrpSpPr>
+            <p:grpSpPr>
+              <a:xfrm>
+                <a:off x="2032967" y="2982924"/>
+                <a:ext cx="2437595" cy="2102234"/>
+                <a:chOff x="2032967" y="2982924"/>
+                <a:chExt cx="2437595" cy="2102234"/>
+              </a:xfrm>
+            </p:grpSpPr>
+            <p:cxnSp>
+              <p:nvCxnSpPr>
+                <p:cNvPr id="11" name="Gerade Verbindung mit Pfeil 10">
+                  <a:extLst>
+                    <a:ext uri="{FF2B5EF4-FFF2-40B4-BE49-F238E27FC236}">
+                      <a16:creationId xmlns:a16="http://schemas.microsoft.com/office/drawing/2014/main" id="{68CEE75B-86E5-4792-984B-1A640378A7DB}"/>
+                    </a:ext>
+                  </a:extLst>
+                </p:cNvPr>
+                <p:cNvCxnSpPr>
+                  <a:cxnSpLocks/>
+                  <a:endCxn id="16" idx="1"/>
+                </p:cNvCxnSpPr>
+                <p:nvPr/>
+              </p:nvCxnSpPr>
+              <p:spPr>
+                <a:xfrm>
+                  <a:off x="2032967" y="3234052"/>
+                  <a:ext cx="394852" cy="1"/>
+                </a:xfrm>
+                <a:prstGeom prst="straightConnector1">
+                  <a:avLst/>
+                </a:prstGeom>
+                <a:ln w="12700">
+                  <a:tailEnd type="triangle"/>
+                </a:ln>
+              </p:spPr>
+              <p:style>
+                <a:lnRef idx="1">
+                  <a:schemeClr val="dk1"/>
+                </a:lnRef>
+                <a:fillRef idx="0">
+                  <a:schemeClr val="dk1"/>
+                </a:fillRef>
+                <a:effectRef idx="0">
+                  <a:schemeClr val="dk1"/>
+                </a:effectRef>
+                <a:fontRef idx="minor">
+                  <a:schemeClr val="tx1"/>
+                </a:fontRef>
+              </p:style>
+            </p:cxnSp>
+            <p:cxnSp>
+              <p:nvCxnSpPr>
+                <p:cNvPr id="14" name="Gerade Verbindung mit Pfeil 13">
+                  <a:extLst>
+                    <a:ext uri="{FF2B5EF4-FFF2-40B4-BE49-F238E27FC236}">
+                      <a16:creationId xmlns:a16="http://schemas.microsoft.com/office/drawing/2014/main" id="{F55E7032-AB17-4BFA-95C2-0776617B9C4F}"/>
+                    </a:ext>
+                  </a:extLst>
+                </p:cNvPr>
+                <p:cNvCxnSpPr>
+                  <a:cxnSpLocks/>
+                  <a:endCxn id="17" idx="1"/>
+                </p:cNvCxnSpPr>
+                <p:nvPr/>
+              </p:nvCxnSpPr>
+              <p:spPr>
+                <a:xfrm>
+                  <a:off x="2036754" y="3820466"/>
+                  <a:ext cx="394853" cy="133"/>
+                </a:xfrm>
+                <a:prstGeom prst="straightConnector1">
+                  <a:avLst/>
+                </a:prstGeom>
+                <a:ln w="12700">
+                  <a:tailEnd type="triangle"/>
+                </a:ln>
+              </p:spPr>
+              <p:style>
+                <a:lnRef idx="1">
+                  <a:schemeClr val="dk1"/>
+                </a:lnRef>
+                <a:fillRef idx="0">
+                  <a:schemeClr val="dk1"/>
+                </a:fillRef>
+                <a:effectRef idx="0">
+                  <a:schemeClr val="dk1"/>
+                </a:effectRef>
+                <a:fontRef idx="minor">
+                  <a:schemeClr val="tx1"/>
+                </a:fontRef>
+              </p:style>
+            </p:cxnSp>
+            <p:cxnSp>
+              <p:nvCxnSpPr>
+                <p:cNvPr id="15" name="Gerade Verbindung mit Pfeil 14">
+                  <a:extLst>
+                    <a:ext uri="{FF2B5EF4-FFF2-40B4-BE49-F238E27FC236}">
+                      <a16:creationId xmlns:a16="http://schemas.microsoft.com/office/drawing/2014/main" id="{98941EC1-647F-4D35-A6E1-60A1455D42F5}"/>
+                    </a:ext>
+                  </a:extLst>
+                </p:cNvPr>
+                <p:cNvCxnSpPr>
+                  <a:cxnSpLocks/>
+                  <a:endCxn id="18" idx="1"/>
+                </p:cNvCxnSpPr>
+                <p:nvPr/>
+              </p:nvCxnSpPr>
+              <p:spPr>
+                <a:xfrm>
+                  <a:off x="2033191" y="4828247"/>
+                  <a:ext cx="400756" cy="5782"/>
+                </a:xfrm>
+                <a:prstGeom prst="straightConnector1">
+                  <a:avLst/>
+                </a:prstGeom>
+                <a:ln w="12700">
+                  <a:tailEnd type="triangle"/>
+                </a:ln>
+              </p:spPr>
+              <p:style>
+                <a:lnRef idx="1">
+                  <a:schemeClr val="dk1"/>
+                </a:lnRef>
+                <a:fillRef idx="0">
+                  <a:schemeClr val="dk1"/>
+                </a:fillRef>
+                <a:effectRef idx="0">
+                  <a:schemeClr val="dk1"/>
+                </a:effectRef>
+                <a:fontRef idx="minor">
+                  <a:schemeClr val="tx1"/>
+                </a:fontRef>
+              </p:style>
+            </p:cxnSp>
+            <p:sp>
+              <p:nvSpPr>
+                <p:cNvPr id="16" name="Rechteck 15">
+                  <a:extLst>
+                    <a:ext uri="{FF2B5EF4-FFF2-40B4-BE49-F238E27FC236}">
+                      <a16:creationId xmlns:a16="http://schemas.microsoft.com/office/drawing/2014/main" id="{F80272A6-D326-4C0A-BFF8-C7ACA95E5437}"/>
+                    </a:ext>
+                  </a:extLst>
+                </p:cNvPr>
+                <p:cNvSpPr/>
+                <p:nvPr/>
+              </p:nvSpPr>
+              <p:spPr>
+                <a:xfrm>
+                  <a:off x="2427819" y="2982924"/>
+                  <a:ext cx="2036617" cy="502258"/>
+                </a:xfrm>
+                <a:prstGeom prst="rect">
+                  <a:avLst/>
+                </a:prstGeom>
+                <a:solidFill>
+                  <a:schemeClr val="bg2"/>
+                </a:solidFill>
+                <a:ln>
+                  <a:noFill/>
+                </a:ln>
+              </p:spPr>
+              <p:style>
+                <a:lnRef idx="2">
+                  <a:schemeClr val="accent1">
+                    <a:shade val="50000"/>
+                  </a:schemeClr>
+                </a:lnRef>
+                <a:fillRef idx="1">
+                  <a:schemeClr val="accent1"/>
+                </a:fillRef>
+                <a:effectRef idx="0">
+                  <a:schemeClr val="accent1"/>
+                </a:effectRef>
+                <a:fontRef idx="minor">
+                  <a:schemeClr val="lt1"/>
+                </a:fontRef>
+              </p:style>
+              <p:txBody>
+                <a:bodyPr rtlCol="0" anchor="ctr"/>
+                <a:lstStyle/>
+                <a:p>
+                  <a:pPr algn="ctr"/>
+                  <a:r>
+                    <a:rPr lang="de-DE" sz="1300" dirty="0">
+                      <a:solidFill>
+                        <a:schemeClr val="tx1"/>
+                      </a:solidFill>
+                    </a:rPr>
+                    <a:t>Predictions of clf_1 (M1)</a:t>
+                  </a:r>
+                  <a:endParaRPr lang="en-GB" sz="1300" dirty="0">
+                    <a:solidFill>
+                      <a:schemeClr val="tx1"/>
+                    </a:solidFill>
+                  </a:endParaRPr>
+                </a:p>
+              </p:txBody>
+            </p:sp>
+            <p:sp>
+              <p:nvSpPr>
+                <p:cNvPr id="17" name="Rechteck 16">
+                  <a:extLst>
+                    <a:ext uri="{FF2B5EF4-FFF2-40B4-BE49-F238E27FC236}">
+                      <a16:creationId xmlns:a16="http://schemas.microsoft.com/office/drawing/2014/main" id="{692E437A-47AB-4831-BD37-3C777F1C3BC3}"/>
+                    </a:ext>
+                  </a:extLst>
+                </p:cNvPr>
+                <p:cNvSpPr/>
+                <p:nvPr/>
+              </p:nvSpPr>
+              <p:spPr>
+                <a:xfrm>
+                  <a:off x="2431607" y="3569469"/>
+                  <a:ext cx="2036616" cy="502259"/>
+                </a:xfrm>
+                <a:prstGeom prst="rect">
+                  <a:avLst/>
+                </a:prstGeom>
+                <a:solidFill>
+                  <a:schemeClr val="bg2"/>
+                </a:solidFill>
+                <a:ln>
+                  <a:noFill/>
+                </a:ln>
+              </p:spPr>
+              <p:style>
+                <a:lnRef idx="2">
+                  <a:schemeClr val="accent1">
+                    <a:shade val="50000"/>
+                  </a:schemeClr>
+                </a:lnRef>
+                <a:fillRef idx="1">
+                  <a:schemeClr val="accent1"/>
+                </a:fillRef>
+                <a:effectRef idx="0">
+                  <a:schemeClr val="accent1"/>
+                </a:effectRef>
+                <a:fontRef idx="minor">
+                  <a:schemeClr val="lt1"/>
+                </a:fontRef>
+              </p:style>
+              <p:txBody>
+                <a:bodyPr rtlCol="0" anchor="ctr"/>
+                <a:lstStyle/>
+                <a:p>
+                  <a:pPr algn="ctr"/>
+                  <a:r>
+                    <a:rPr lang="de-DE" sz="1300" dirty="0">
+                      <a:solidFill>
+                        <a:schemeClr val="tx1"/>
+                      </a:solidFill>
+                    </a:rPr>
+                    <a:t>Predictions of clf_2 (M2)</a:t>
+                  </a:r>
+                  <a:endParaRPr lang="en-GB" sz="1300" dirty="0">
+                    <a:solidFill>
+                      <a:schemeClr val="tx1"/>
+                    </a:solidFill>
+                  </a:endParaRPr>
+                </a:p>
+              </p:txBody>
+            </p:sp>
+            <p:sp>
+              <p:nvSpPr>
+                <p:cNvPr id="18" name="Rechteck 17">
+                  <a:extLst>
+                    <a:ext uri="{FF2B5EF4-FFF2-40B4-BE49-F238E27FC236}">
+                      <a16:creationId xmlns:a16="http://schemas.microsoft.com/office/drawing/2014/main" id="{0E6DDC18-13E6-486C-A77F-E75033054FDD}"/>
+                    </a:ext>
+                  </a:extLst>
+                </p:cNvPr>
+                <p:cNvSpPr/>
+                <p:nvPr/>
+              </p:nvSpPr>
+              <p:spPr>
+                <a:xfrm>
+                  <a:off x="2433947" y="4582899"/>
+                  <a:ext cx="2036615" cy="502259"/>
+                </a:xfrm>
+                <a:prstGeom prst="rect">
+                  <a:avLst/>
+                </a:prstGeom>
+                <a:solidFill>
+                  <a:schemeClr val="bg2"/>
+                </a:solidFill>
+                <a:ln>
+                  <a:noFill/>
+                </a:ln>
+              </p:spPr>
+              <p:style>
+                <a:lnRef idx="2">
+                  <a:schemeClr val="accent1">
+                    <a:shade val="50000"/>
+                  </a:schemeClr>
+                </a:lnRef>
+                <a:fillRef idx="1">
+                  <a:schemeClr val="accent1"/>
+                </a:fillRef>
+                <a:effectRef idx="0">
+                  <a:schemeClr val="accent1"/>
+                </a:effectRef>
+                <a:fontRef idx="minor">
+                  <a:schemeClr val="lt1"/>
+                </a:fontRef>
+              </p:style>
+              <p:txBody>
+                <a:bodyPr rtlCol="0" anchor="ctr"/>
+                <a:lstStyle/>
+                <a:p>
+                  <a:pPr algn="ctr"/>
+                  <a:r>
+                    <a:rPr lang="de-DE" sz="1300" dirty="0">
+                      <a:solidFill>
+                        <a:schemeClr val="tx1"/>
+                      </a:solidFill>
+                    </a:rPr>
+                    <a:t>Predictions of clf_9 (M9)</a:t>
+                  </a:r>
+                  <a:endParaRPr lang="en-GB" sz="1300" dirty="0">
+                    <a:solidFill>
+                      <a:schemeClr val="tx1"/>
+                    </a:solidFill>
+                  </a:endParaRPr>
+                </a:p>
+              </p:txBody>
+            </p:sp>
+            <p:sp>
+              <p:nvSpPr>
+                <p:cNvPr id="28" name="Textfeld 27">
+                  <a:extLst>
+                    <a:ext uri="{FF2B5EF4-FFF2-40B4-BE49-F238E27FC236}">
+                      <a16:creationId xmlns:a16="http://schemas.microsoft.com/office/drawing/2014/main" id="{71B5BB74-E88E-44DD-8202-D70A4EB17AED}"/>
+                    </a:ext>
+                  </a:extLst>
+                </p:cNvPr>
+                <p:cNvSpPr txBox="1"/>
+                <p:nvPr/>
+              </p:nvSpPr>
+              <p:spPr>
+                <a:xfrm>
+                  <a:off x="3356407" y="4012473"/>
+                  <a:ext cx="467591" cy="600164"/>
+                </a:xfrm>
+                <a:prstGeom prst="rect">
+                  <a:avLst/>
+                </a:prstGeom>
+                <a:noFill/>
+              </p:spPr>
+              <p:txBody>
+                <a:bodyPr wrap="square" rtlCol="0">
+                  <a:spAutoFit/>
+                </a:bodyPr>
+                <a:lstStyle/>
+                <a:p>
+                  <a:r>
+                    <a:rPr lang="de-DE" sz="1100" b="1" dirty="0">
+                      <a:latin typeface="Aharoni" panose="02010803020104030203" pitchFamily="2" charset="-79"/>
+                      <a:cs typeface="Aharoni" panose="02010803020104030203" pitchFamily="2" charset="-79"/>
+                    </a:rPr>
+                    <a:t>.</a:t>
+                  </a:r>
+                </a:p>
+                <a:p>
+                  <a:r>
+                    <a:rPr lang="de-DE" sz="1100" b="1" dirty="0">
+                      <a:latin typeface="Aharoni" panose="02010803020104030203" pitchFamily="2" charset="-79"/>
+                      <a:cs typeface="Aharoni" panose="02010803020104030203" pitchFamily="2" charset="-79"/>
+                    </a:rPr>
+                    <a:t>.</a:t>
+                  </a:r>
+                </a:p>
+                <a:p>
+                  <a:r>
+                    <a:rPr lang="de-DE" sz="1100" b="1" dirty="0">
+                      <a:latin typeface="Aharoni" panose="02010803020104030203" pitchFamily="2" charset="-79"/>
+                      <a:cs typeface="Aharoni" panose="02010803020104030203" pitchFamily="2" charset="-79"/>
+                    </a:rPr>
+                    <a:t>.</a:t>
+                  </a:r>
+                  <a:endParaRPr lang="en-GB" sz="1100" b="1" dirty="0">
+                    <a:latin typeface="Aharoni" panose="02010803020104030203" pitchFamily="2" charset="-79"/>
+                    <a:cs typeface="Aharoni" panose="02010803020104030203" pitchFamily="2" charset="-79"/>
+                  </a:endParaRPr>
+                </a:p>
+              </p:txBody>
+            </p:sp>
+          </p:grpSp>
+          <p:cxnSp>
+            <p:nvCxnSpPr>
+              <p:cNvPr id="92" name="Gerade Verbindung mit Pfeil 91">
+                <a:extLst>
+                  <a:ext uri="{FF2B5EF4-FFF2-40B4-BE49-F238E27FC236}">
+                    <a16:creationId xmlns:a16="http://schemas.microsoft.com/office/drawing/2014/main" id="{B6795D37-3175-479B-AF62-4833DD0ACD7B}"/>
+                  </a:ext>
+                </a:extLst>
+              </p:cNvPr>
+              <p:cNvCxnSpPr>
+                <a:cxnSpLocks/>
+              </p:cNvCxnSpPr>
+              <p:nvPr/>
+            </p:nvCxnSpPr>
+            <p:spPr>
+              <a:xfrm>
+                <a:off x="4470724" y="3209018"/>
+                <a:ext cx="396000" cy="1"/>
+              </a:xfrm>
+              <a:prstGeom prst="straightConnector1">
+                <a:avLst/>
+              </a:prstGeom>
+              <a:ln w="12700">
+                <a:tailEnd type="triangle"/>
+              </a:ln>
+            </p:spPr>
+            <p:style>
+              <a:lnRef idx="1">
+                <a:schemeClr val="dk1"/>
+              </a:lnRef>
+              <a:fillRef idx="0">
+                <a:schemeClr val="dk1"/>
+              </a:fillRef>
+              <a:effectRef idx="0">
+                <a:schemeClr val="dk1"/>
+              </a:effectRef>
+              <a:fontRef idx="minor">
+                <a:schemeClr val="tx1"/>
+              </a:fontRef>
+            </p:style>
+          </p:cxnSp>
+          <p:cxnSp>
+            <p:nvCxnSpPr>
+              <p:cNvPr id="93" name="Gerade Verbindung mit Pfeil 92">
+                <a:extLst>
+                  <a:ext uri="{FF2B5EF4-FFF2-40B4-BE49-F238E27FC236}">
+                    <a16:creationId xmlns:a16="http://schemas.microsoft.com/office/drawing/2014/main" id="{1B438E00-4CEF-4100-B467-123914BB4190}"/>
+                  </a:ext>
+                </a:extLst>
+              </p:cNvPr>
+              <p:cNvCxnSpPr>
+                <a:cxnSpLocks/>
+              </p:cNvCxnSpPr>
+              <p:nvPr/>
+            </p:nvCxnSpPr>
+            <p:spPr>
+              <a:xfrm>
+                <a:off x="4470724" y="3820466"/>
+                <a:ext cx="396000" cy="133"/>
+              </a:xfrm>
+              <a:prstGeom prst="straightConnector1">
+                <a:avLst/>
+              </a:prstGeom>
+              <a:ln w="12700">
+                <a:tailEnd type="triangle"/>
+              </a:ln>
+            </p:spPr>
+            <p:style>
+              <a:lnRef idx="1">
+                <a:schemeClr val="dk1"/>
+              </a:lnRef>
+              <a:fillRef idx="0">
+                <a:schemeClr val="dk1"/>
+              </a:fillRef>
+              <a:effectRef idx="0">
+                <a:schemeClr val="dk1"/>
+              </a:effectRef>
+              <a:fontRef idx="minor">
+                <a:schemeClr val="tx1"/>
+              </a:fontRef>
+            </p:style>
+          </p:cxnSp>
+          <p:cxnSp>
+            <p:nvCxnSpPr>
+              <p:cNvPr id="94" name="Gerade Verbindung mit Pfeil 93">
+                <a:extLst>
+                  <a:ext uri="{FF2B5EF4-FFF2-40B4-BE49-F238E27FC236}">
+                    <a16:creationId xmlns:a16="http://schemas.microsoft.com/office/drawing/2014/main" id="{7A03FAEC-F12C-4C04-92B9-0CF178493A0C}"/>
+                  </a:ext>
+                </a:extLst>
+              </p:cNvPr>
+              <p:cNvCxnSpPr>
+                <a:cxnSpLocks/>
+              </p:cNvCxnSpPr>
+              <p:nvPr/>
+            </p:nvCxnSpPr>
+            <p:spPr>
+              <a:xfrm>
+                <a:off x="4470724" y="4828247"/>
+                <a:ext cx="396000" cy="1"/>
+              </a:xfrm>
+              <a:prstGeom prst="straightConnector1">
+                <a:avLst/>
+              </a:prstGeom>
+              <a:ln w="12700">
+                <a:tailEnd type="triangle"/>
+              </a:ln>
+            </p:spPr>
+            <p:style>
+              <a:lnRef idx="1">
+                <a:schemeClr val="dk1"/>
+              </a:lnRef>
+              <a:fillRef idx="0">
+                <a:schemeClr val="dk1"/>
+              </a:fillRef>
+              <a:effectRef idx="0">
+                <a:schemeClr val="dk1"/>
+              </a:effectRef>
+              <a:fontRef idx="minor">
+                <a:schemeClr val="tx1"/>
+              </a:fontRef>
+            </p:style>
+          </p:cxnSp>
+        </p:grpSp>
+        <p:grpSp>
+          <p:nvGrpSpPr>
+            <p:cNvPr id="9220" name="Gruppieren 9219">
+              <a:extLst>
+                <a:ext uri="{FF2B5EF4-FFF2-40B4-BE49-F238E27FC236}">
+                  <a16:creationId xmlns:a16="http://schemas.microsoft.com/office/drawing/2014/main" id="{19D56E99-620F-4826-AED0-9E295F70310B}"/>
+                </a:ext>
+              </a:extLst>
+            </p:cNvPr>
+            <p:cNvGrpSpPr/>
+            <p:nvPr/>
+          </p:nvGrpSpPr>
+          <p:grpSpPr>
+            <a:xfrm>
+              <a:off x="6844405" y="2118385"/>
+              <a:ext cx="2086245" cy="2517097"/>
+              <a:chOff x="6825329" y="2652168"/>
+              <a:chExt cx="2086245" cy="2517097"/>
+            </a:xfrm>
+          </p:grpSpPr>
+          <p:grpSp>
+            <p:nvGrpSpPr>
+              <p:cNvPr id="121" name="Gruppieren 120">
+                <a:extLst>
+                  <a:ext uri="{FF2B5EF4-FFF2-40B4-BE49-F238E27FC236}">
+                    <a16:creationId xmlns:a16="http://schemas.microsoft.com/office/drawing/2014/main" id="{7F8E007D-563F-4EBC-BE2E-F69DD46FE2A4}"/>
+                  </a:ext>
+                </a:extLst>
+              </p:cNvPr>
+              <p:cNvGrpSpPr/>
+              <p:nvPr/>
+            </p:nvGrpSpPr>
+            <p:grpSpPr>
+              <a:xfrm>
+                <a:off x="8115170" y="2652168"/>
+                <a:ext cx="796404" cy="2436080"/>
+                <a:chOff x="8140440" y="2188465"/>
+                <a:chExt cx="796404" cy="2436080"/>
+              </a:xfrm>
+            </p:grpSpPr>
+            <p:sp>
+              <p:nvSpPr>
+                <p:cNvPr id="122" name="Textfeld 121">
+                  <a:extLst>
+                    <a:ext uri="{FF2B5EF4-FFF2-40B4-BE49-F238E27FC236}">
+                      <a16:creationId xmlns:a16="http://schemas.microsoft.com/office/drawing/2014/main" id="{F8F2B0D0-A657-4090-99AA-96CE355B1FCD}"/>
+                    </a:ext>
+                  </a:extLst>
+                </p:cNvPr>
+                <p:cNvSpPr txBox="1"/>
+                <p:nvPr/>
+              </p:nvSpPr>
+              <p:spPr>
+                <a:xfrm>
+                  <a:off x="8140440" y="2188465"/>
+                  <a:ext cx="796404" cy="307777"/>
+                </a:xfrm>
+                <a:prstGeom prst="rect">
+                  <a:avLst/>
+                </a:prstGeom>
+                <a:noFill/>
+              </p:spPr>
+              <p:txBody>
+                <a:bodyPr wrap="square" rtlCol="0">
+                  <a:spAutoFit/>
+                </a:bodyPr>
+                <a:lstStyle/>
+                <a:p>
+                  <a:pPr algn="ctr"/>
+                  <a:r>
+                    <a:rPr lang="de-DE" sz="1400" b="1" dirty="0"/>
+                    <a:t>Y_conf</a:t>
+                  </a:r>
+                  <a:endParaRPr lang="en-GB" sz="1400" b="1" dirty="0"/>
+                </a:p>
+              </p:txBody>
+            </p:sp>
+            <p:grpSp>
+              <p:nvGrpSpPr>
+                <p:cNvPr id="123" name="Gruppieren 122">
+                  <a:extLst>
+                    <a:ext uri="{FF2B5EF4-FFF2-40B4-BE49-F238E27FC236}">
+                      <a16:creationId xmlns:a16="http://schemas.microsoft.com/office/drawing/2014/main" id="{ED2F669F-EFC5-4787-A1E1-FE78A50FBAEC}"/>
+                    </a:ext>
+                  </a:extLst>
+                </p:cNvPr>
+                <p:cNvGrpSpPr/>
+                <p:nvPr/>
+              </p:nvGrpSpPr>
+              <p:grpSpPr>
+                <a:xfrm>
+                  <a:off x="8399858" y="2465953"/>
+                  <a:ext cx="274553" cy="2158592"/>
+                  <a:chOff x="8399858" y="2456717"/>
+                  <a:chExt cx="274553" cy="2158592"/>
+                </a:xfrm>
+              </p:grpSpPr>
+              <p:grpSp>
+                <p:nvGrpSpPr>
+                  <p:cNvPr id="124" name="Gruppieren 123">
+                    <a:extLst>
+                      <a:ext uri="{FF2B5EF4-FFF2-40B4-BE49-F238E27FC236}">
+                        <a16:creationId xmlns:a16="http://schemas.microsoft.com/office/drawing/2014/main" id="{D07493D9-280A-40AA-BA43-0316E47433DD}"/>
+                      </a:ext>
+                    </a:extLst>
+                  </p:cNvPr>
+                  <p:cNvGrpSpPr/>
+                  <p:nvPr/>
+                </p:nvGrpSpPr>
+                <p:grpSpPr>
+                  <a:xfrm>
+                    <a:off x="8399858" y="2456717"/>
+                    <a:ext cx="274553" cy="2158592"/>
+                    <a:chOff x="8399858" y="2456717"/>
+                    <a:chExt cx="274553" cy="2158592"/>
+                  </a:xfrm>
+                </p:grpSpPr>
+                <p:sp>
+                  <p:nvSpPr>
+                    <p:cNvPr id="127" name="Rechteck 126">
+                      <a:extLst>
+                        <a:ext uri="{FF2B5EF4-FFF2-40B4-BE49-F238E27FC236}">
+                          <a16:creationId xmlns:a16="http://schemas.microsoft.com/office/drawing/2014/main" id="{247DDC6B-2EB4-40F8-BFAC-867C8DA053FA}"/>
+                        </a:ext>
+                      </a:extLst>
+                    </p:cNvPr>
+                    <p:cNvSpPr/>
+                    <p:nvPr/>
+                  </p:nvSpPr>
+                  <p:spPr>
+                    <a:xfrm>
+                      <a:off x="8414900" y="2486073"/>
+                      <a:ext cx="240948" cy="2129236"/>
+                    </a:xfrm>
+                    <a:prstGeom prst="rect">
+                      <a:avLst/>
+                    </a:prstGeom>
+                    <a:ln/>
+                  </p:spPr>
+                  <p:style>
+                    <a:lnRef idx="2">
+                      <a:schemeClr val="dk1"/>
+                    </a:lnRef>
+                    <a:fillRef idx="1">
+                      <a:schemeClr val="lt1"/>
+                    </a:fillRef>
+                    <a:effectRef idx="0">
+                      <a:schemeClr val="dk1"/>
+                    </a:effectRef>
+                    <a:fontRef idx="minor">
+                      <a:schemeClr val="dk1"/>
+                    </a:fontRef>
+                  </p:style>
+                  <p:txBody>
+                    <a:bodyPr rtlCol="0" anchor="ctr"/>
+                    <a:lstStyle/>
+                    <a:p>
+                      <a:pPr algn="ctr"/>
+                      <a:endParaRPr lang="en-GB"/>
+                    </a:p>
+                  </p:txBody>
+                </p:sp>
+                <p:cxnSp>
+                  <p:nvCxnSpPr>
+                    <p:cNvPr id="128" name="Gerader Verbinder 127">
+                      <a:extLst>
+                        <a:ext uri="{FF2B5EF4-FFF2-40B4-BE49-F238E27FC236}">
+                          <a16:creationId xmlns:a16="http://schemas.microsoft.com/office/drawing/2014/main" id="{801FCA10-5DC0-41A7-A4C8-19998FD52813}"/>
+                        </a:ext>
+                      </a:extLst>
+                    </p:cNvPr>
+                    <p:cNvCxnSpPr>
+                      <a:cxnSpLocks/>
+                    </p:cNvCxnSpPr>
+                    <p:nvPr/>
+                  </p:nvCxnSpPr>
+                  <p:spPr>
+                    <a:xfrm>
+                      <a:off x="8414900" y="4401283"/>
+                      <a:ext cx="240948" cy="0"/>
+                    </a:xfrm>
+                    <a:prstGeom prst="line">
+                      <a:avLst/>
+                    </a:prstGeom>
+                  </p:spPr>
+                  <p:style>
+                    <a:lnRef idx="1">
+                      <a:schemeClr val="dk1"/>
+                    </a:lnRef>
+                    <a:fillRef idx="0">
+                      <a:schemeClr val="dk1"/>
+                    </a:fillRef>
+                    <a:effectRef idx="0">
+                      <a:schemeClr val="dk1"/>
+                    </a:effectRef>
+                    <a:fontRef idx="minor">
+                      <a:schemeClr val="tx1"/>
+                    </a:fontRef>
+                  </p:style>
+                </p:cxnSp>
+                <p:sp>
+                  <p:nvSpPr>
+                    <p:cNvPr id="129" name="Textfeld 128">
+                      <a:extLst>
+                        <a:ext uri="{FF2B5EF4-FFF2-40B4-BE49-F238E27FC236}">
+                          <a16:creationId xmlns:a16="http://schemas.microsoft.com/office/drawing/2014/main" id="{49F7963B-8EF9-419A-9F82-00C2C79FE0F2}"/>
+                        </a:ext>
+                      </a:extLst>
+                    </p:cNvPr>
+                    <p:cNvSpPr txBox="1"/>
+                    <p:nvPr/>
+                  </p:nvSpPr>
+                  <p:spPr>
+                    <a:xfrm>
+                      <a:off x="8404785" y="2456717"/>
+                      <a:ext cx="269626" cy="276999"/>
+                    </a:xfrm>
+                    <a:prstGeom prst="rect">
+                      <a:avLst/>
+                    </a:prstGeom>
+                    <a:noFill/>
+                  </p:spPr>
+                  <p:txBody>
+                    <a:bodyPr wrap="none" rtlCol="0">
+                      <a:spAutoFit/>
+                    </a:bodyPr>
+                    <a:lstStyle/>
+                    <a:p>
+                      <a:pPr algn="ctr"/>
+                      <a:r>
+                        <a:rPr lang="de-DE" sz="1200" dirty="0"/>
+                        <a:t>1</a:t>
+                      </a:r>
+                      <a:endParaRPr lang="en-GB" sz="1200" dirty="0"/>
+                    </a:p>
+                  </p:txBody>
+                </p:sp>
+                <p:sp>
+                  <p:nvSpPr>
+                    <p:cNvPr id="130" name="Textfeld 129">
+                      <a:extLst>
+                        <a:ext uri="{FF2B5EF4-FFF2-40B4-BE49-F238E27FC236}">
+                          <a16:creationId xmlns:a16="http://schemas.microsoft.com/office/drawing/2014/main" id="{53515F7A-EF17-4E72-88A1-B4531235A652}"/>
+                        </a:ext>
+                      </a:extLst>
+                    </p:cNvPr>
+                    <p:cNvSpPr txBox="1"/>
+                    <p:nvPr/>
+                  </p:nvSpPr>
+                  <p:spPr>
+                    <a:xfrm>
+                      <a:off x="8399858" y="2675730"/>
+                      <a:ext cx="269626" cy="276999"/>
+                    </a:xfrm>
+                    <a:prstGeom prst="rect">
+                      <a:avLst/>
+                    </a:prstGeom>
+                    <a:noFill/>
+                  </p:spPr>
+                  <p:txBody>
+                    <a:bodyPr wrap="none" rtlCol="0">
+                      <a:spAutoFit/>
+                    </a:bodyPr>
+                    <a:lstStyle/>
+                    <a:p>
+                      <a:pPr algn="ctr"/>
+                      <a:r>
+                        <a:rPr lang="de-DE" sz="1200" dirty="0"/>
+                        <a:t>0</a:t>
+                      </a:r>
+                      <a:endParaRPr lang="en-GB" sz="1200" dirty="0"/>
+                    </a:p>
+                  </p:txBody>
+                </p:sp>
+              </p:grpSp>
+              <p:cxnSp>
+                <p:nvCxnSpPr>
+                  <p:cNvPr id="125" name="Gerader Verbinder 124">
+                    <a:extLst>
+                      <a:ext uri="{FF2B5EF4-FFF2-40B4-BE49-F238E27FC236}">
+                        <a16:creationId xmlns:a16="http://schemas.microsoft.com/office/drawing/2014/main" id="{23370C75-DFE1-43A6-9913-DB679DB2A1C0}"/>
+                      </a:ext>
+                    </a:extLst>
+                  </p:cNvPr>
+                  <p:cNvCxnSpPr>
+                    <a:cxnSpLocks/>
+                  </p:cNvCxnSpPr>
+                  <p:nvPr/>
+                </p:nvCxnSpPr>
+                <p:spPr>
+                  <a:xfrm>
+                    <a:off x="8409621" y="2902351"/>
+                    <a:ext cx="240948" cy="0"/>
+                  </a:xfrm>
+                  <a:prstGeom prst="line">
+                    <a:avLst/>
+                  </a:prstGeom>
+                </p:spPr>
+                <p:style>
+                  <a:lnRef idx="1">
+                    <a:schemeClr val="dk1"/>
+                  </a:lnRef>
+                  <a:fillRef idx="0">
+                    <a:schemeClr val="dk1"/>
+                  </a:fillRef>
+                  <a:effectRef idx="0">
+                    <a:schemeClr val="dk1"/>
+                  </a:effectRef>
+                  <a:fontRef idx="minor">
+                    <a:schemeClr val="tx1"/>
+                  </a:fontRef>
+                </p:style>
+              </p:cxnSp>
+              <p:cxnSp>
+                <p:nvCxnSpPr>
+                  <p:cNvPr id="126" name="Gerader Verbinder 125">
+                    <a:extLst>
+                      <a:ext uri="{FF2B5EF4-FFF2-40B4-BE49-F238E27FC236}">
+                        <a16:creationId xmlns:a16="http://schemas.microsoft.com/office/drawing/2014/main" id="{0D294087-5698-48A1-80DA-D7AA63FFF001}"/>
+                      </a:ext>
+                    </a:extLst>
+                  </p:cNvPr>
+                  <p:cNvCxnSpPr>
+                    <a:cxnSpLocks/>
+                  </p:cNvCxnSpPr>
+                  <p:nvPr/>
+                </p:nvCxnSpPr>
+                <p:spPr>
+                  <a:xfrm>
+                    <a:off x="8414900" y="2675730"/>
+                    <a:ext cx="240948" cy="0"/>
+                  </a:xfrm>
+                  <a:prstGeom prst="line">
+                    <a:avLst/>
+                  </a:prstGeom>
+                </p:spPr>
+                <p:style>
+                  <a:lnRef idx="1">
+                    <a:schemeClr val="dk1"/>
+                  </a:lnRef>
+                  <a:fillRef idx="0">
+                    <a:schemeClr val="dk1"/>
+                  </a:fillRef>
+                  <a:effectRef idx="0">
+                    <a:schemeClr val="dk1"/>
+                  </a:effectRef>
+                  <a:fontRef idx="minor">
+                    <a:schemeClr val="tx1"/>
+                  </a:fontRef>
+                </p:style>
+              </p:cxnSp>
+            </p:grpSp>
+          </p:grpSp>
+          <p:grpSp>
+            <p:nvGrpSpPr>
+              <p:cNvPr id="9219" name="Gruppieren 9218">
+                <a:extLst>
+                  <a:ext uri="{FF2B5EF4-FFF2-40B4-BE49-F238E27FC236}">
+                    <a16:creationId xmlns:a16="http://schemas.microsoft.com/office/drawing/2014/main" id="{FC414A59-580B-48D1-BCEE-9AB1217E848E}"/>
+                  </a:ext>
+                </a:extLst>
+              </p:cNvPr>
+              <p:cNvGrpSpPr/>
+              <p:nvPr/>
+            </p:nvGrpSpPr>
+            <p:grpSpPr>
+              <a:xfrm>
+                <a:off x="6825329" y="2652168"/>
+                <a:ext cx="1147106" cy="2517097"/>
+                <a:chOff x="6825329" y="2652168"/>
+                <a:chExt cx="1147106" cy="2517097"/>
+              </a:xfrm>
+            </p:grpSpPr>
+            <p:pic>
+              <p:nvPicPr>
+                <p:cNvPr id="9218" name="Picture 2">
+                  <a:extLst>
+                    <a:ext uri="{FF2B5EF4-FFF2-40B4-BE49-F238E27FC236}">
+                      <a16:creationId xmlns:a16="http://schemas.microsoft.com/office/drawing/2014/main" id="{150E40B9-9DEA-44DE-8CC8-05920C8B9885}"/>
+                    </a:ext>
+                  </a:extLst>
+                </p:cNvPr>
+                <p:cNvPicPr>
+                  <a:picLocks noChangeAspect="1" noChangeArrowheads="1"/>
+                </p:cNvPicPr>
+                <p:nvPr/>
+              </p:nvPicPr>
+              <p:blipFill>
+                <a:blip r:embed="rId3">
+                  <a:extLst>
+                    <a:ext uri="{28A0092B-C50C-407E-A947-70E740481C1C}">
+                      <a14:useLocalDpi xmlns:a14="http://schemas.microsoft.com/office/drawing/2010/main" val="0"/>
+                    </a:ext>
+                  </a:extLst>
+                </a:blip>
+                <a:srcRect/>
+                <a:stretch>
+                  <a:fillRect/>
+                </a:stretch>
+              </p:blipFill>
+              <p:spPr bwMode="auto">
+                <a:xfrm>
+                  <a:off x="7179076" y="3861684"/>
+                  <a:ext cx="464810" cy="232405"/>
+                </a:xfrm>
+                <a:prstGeom prst="rect">
+                  <a:avLst/>
+                </a:prstGeom>
+                <a:noFill/>
+                <a:extLst>
+                  <a:ext uri="{909E8E84-426E-40DD-AFC4-6F175D3DCCD1}">
+                    <a14:hiddenFill xmlns:a14="http://schemas.microsoft.com/office/drawing/2010/main">
+                      <a:solidFill>
+                        <a:srgbClr val="FFFFFF"/>
+                      </a:solidFill>
+                    </a14:hiddenFill>
+                  </a:ext>
+                </a:extLst>
+              </p:spPr>
+            </p:pic>
+            <p:grpSp>
+              <p:nvGrpSpPr>
+                <p:cNvPr id="86" name="Gruppieren 85">
+                  <a:extLst>
+                    <a:ext uri="{FF2B5EF4-FFF2-40B4-BE49-F238E27FC236}">
+                      <a16:creationId xmlns:a16="http://schemas.microsoft.com/office/drawing/2014/main" id="{4318EFA8-E2B8-4055-9212-0172CDE59979}"/>
+                    </a:ext>
+                  </a:extLst>
+                </p:cNvPr>
+                <p:cNvGrpSpPr/>
+                <p:nvPr/>
+              </p:nvGrpSpPr>
+              <p:grpSpPr>
+                <a:xfrm>
+                  <a:off x="6837920" y="2658691"/>
+                  <a:ext cx="467590" cy="2436079"/>
+                  <a:chOff x="8306065" y="2188466"/>
+                  <a:chExt cx="467590" cy="2436079"/>
+                </a:xfrm>
+              </p:grpSpPr>
+              <p:sp>
+                <p:nvSpPr>
+                  <p:cNvPr id="53" name="Textfeld 52">
+                    <a:extLst>
+                      <a:ext uri="{FF2B5EF4-FFF2-40B4-BE49-F238E27FC236}">
+                        <a16:creationId xmlns:a16="http://schemas.microsoft.com/office/drawing/2014/main" id="{D78B7A90-AA9A-46F9-992D-1625C97A382B}"/>
+                      </a:ext>
+                    </a:extLst>
+                  </p:cNvPr>
+                  <p:cNvSpPr txBox="1"/>
+                  <p:nvPr/>
+                </p:nvSpPr>
+                <p:spPr>
+                  <a:xfrm>
+                    <a:off x="8306065" y="2188466"/>
+                    <a:ext cx="467590" cy="307777"/>
+                  </a:xfrm>
+                  <a:prstGeom prst="rect">
+                    <a:avLst/>
+                  </a:prstGeom>
+                  <a:noFill/>
+                </p:spPr>
+                <p:txBody>
+                  <a:bodyPr wrap="square" rtlCol="0">
+                    <a:spAutoFit/>
+                  </a:bodyPr>
+                  <a:lstStyle/>
+                  <a:p>
+                    <a:pPr algn="ctr"/>
+                    <a:r>
+                      <a:rPr lang="de-DE" sz="1400" b="1" dirty="0"/>
+                      <a:t>GT</a:t>
+                    </a:r>
+                    <a:endParaRPr lang="en-GB" sz="1400" b="1" dirty="0"/>
+                  </a:p>
+                </p:txBody>
+              </p:sp>
+              <p:grpSp>
+                <p:nvGrpSpPr>
+                  <p:cNvPr id="85" name="Gruppieren 84">
+                    <a:extLst>
+                      <a:ext uri="{FF2B5EF4-FFF2-40B4-BE49-F238E27FC236}">
+                        <a16:creationId xmlns:a16="http://schemas.microsoft.com/office/drawing/2014/main" id="{C888CF53-78E5-4DA3-A9C3-BD53AD12426B}"/>
+                      </a:ext>
+                    </a:extLst>
+                  </p:cNvPr>
+                  <p:cNvGrpSpPr/>
+                  <p:nvPr/>
+                </p:nvGrpSpPr>
+                <p:grpSpPr>
+                  <a:xfrm>
+                    <a:off x="8399858" y="2465953"/>
+                    <a:ext cx="274553" cy="2158592"/>
+                    <a:chOff x="8399858" y="2456717"/>
+                    <a:chExt cx="274553" cy="2158592"/>
+                  </a:xfrm>
+                </p:grpSpPr>
+                <p:grpSp>
+                  <p:nvGrpSpPr>
+                    <p:cNvPr id="81" name="Gruppieren 80">
+                      <a:extLst>
+                        <a:ext uri="{FF2B5EF4-FFF2-40B4-BE49-F238E27FC236}">
+                          <a16:creationId xmlns:a16="http://schemas.microsoft.com/office/drawing/2014/main" id="{563E98F6-DAE5-4C80-97F2-A50E5928B45A}"/>
+                        </a:ext>
+                      </a:extLst>
+                    </p:cNvPr>
+                    <p:cNvGrpSpPr/>
+                    <p:nvPr/>
+                  </p:nvGrpSpPr>
+                  <p:grpSpPr>
+                    <a:xfrm>
+                      <a:off x="8399858" y="2456717"/>
+                      <a:ext cx="274553" cy="2158592"/>
+                      <a:chOff x="8399858" y="2456717"/>
+                      <a:chExt cx="274553" cy="2158592"/>
+                    </a:xfrm>
+                  </p:grpSpPr>
+                  <p:sp>
+                    <p:nvSpPr>
+                      <p:cNvPr id="52" name="Rechteck 51">
+                        <a:extLst>
+                          <a:ext uri="{FF2B5EF4-FFF2-40B4-BE49-F238E27FC236}">
+                            <a16:creationId xmlns:a16="http://schemas.microsoft.com/office/drawing/2014/main" id="{1F9C6484-4038-41AF-9DB1-AAB002DDBC0C}"/>
+                          </a:ext>
+                        </a:extLst>
+                      </p:cNvPr>
+                      <p:cNvSpPr/>
+                      <p:nvPr/>
+                    </p:nvSpPr>
+                    <p:spPr>
+                      <a:xfrm>
+                        <a:off x="8414900" y="2486073"/>
+                        <a:ext cx="240948" cy="2129236"/>
+                      </a:xfrm>
+                      <a:prstGeom prst="rect">
+                        <a:avLst/>
+                      </a:prstGeom>
+                      <a:ln/>
+                    </p:spPr>
+                    <p:style>
+                      <a:lnRef idx="2">
+                        <a:schemeClr val="dk1"/>
+                      </a:lnRef>
+                      <a:fillRef idx="1">
+                        <a:schemeClr val="lt1"/>
+                      </a:fillRef>
+                      <a:effectRef idx="0">
+                        <a:schemeClr val="dk1"/>
+                      </a:effectRef>
+                      <a:fontRef idx="minor">
+                        <a:schemeClr val="dk1"/>
+                      </a:fontRef>
+                    </p:style>
+                    <p:txBody>
+                      <a:bodyPr rtlCol="0" anchor="ctr"/>
+                      <a:lstStyle/>
+                      <a:p>
+                        <a:pPr algn="ctr"/>
+                        <a:endParaRPr lang="en-GB"/>
+                      </a:p>
+                    </p:txBody>
+                  </p:sp>
+                  <p:cxnSp>
+                    <p:nvCxnSpPr>
+                      <p:cNvPr id="57" name="Gerader Verbinder 56">
+                        <a:extLst>
+                          <a:ext uri="{FF2B5EF4-FFF2-40B4-BE49-F238E27FC236}">
+                            <a16:creationId xmlns:a16="http://schemas.microsoft.com/office/drawing/2014/main" id="{A2D69F51-5D91-4300-9001-2781C7D306A6}"/>
+                          </a:ext>
+                        </a:extLst>
+                      </p:cNvPr>
+                      <p:cNvCxnSpPr>
+                        <a:cxnSpLocks/>
+                      </p:cNvCxnSpPr>
+                      <p:nvPr/>
+                    </p:nvCxnSpPr>
+                    <p:spPr>
+                      <a:xfrm>
+                        <a:off x="8414900" y="4401283"/>
+                        <a:ext cx="240948" cy="0"/>
+                      </a:xfrm>
+                      <a:prstGeom prst="line">
+                        <a:avLst/>
+                      </a:prstGeom>
+                    </p:spPr>
+                    <p:style>
+                      <a:lnRef idx="1">
+                        <a:schemeClr val="dk1"/>
+                      </a:lnRef>
+                      <a:fillRef idx="0">
+                        <a:schemeClr val="dk1"/>
+                      </a:fillRef>
+                      <a:effectRef idx="0">
+                        <a:schemeClr val="dk1"/>
+                      </a:effectRef>
+                      <a:fontRef idx="minor">
+                        <a:schemeClr val="tx1"/>
+                      </a:fontRef>
+                    </p:style>
+                  </p:cxnSp>
+                  <p:sp>
+                    <p:nvSpPr>
+                      <p:cNvPr id="58" name="Textfeld 57">
+                        <a:extLst>
+                          <a:ext uri="{FF2B5EF4-FFF2-40B4-BE49-F238E27FC236}">
+                            <a16:creationId xmlns:a16="http://schemas.microsoft.com/office/drawing/2014/main" id="{7E30E435-9134-4213-9836-E8D8B16FBD0F}"/>
+                          </a:ext>
+                        </a:extLst>
+                      </p:cNvPr>
+                      <p:cNvSpPr txBox="1"/>
+                      <p:nvPr/>
+                    </p:nvSpPr>
+                    <p:spPr>
+                      <a:xfrm>
+                        <a:off x="8404785" y="2456717"/>
+                        <a:ext cx="269626" cy="276999"/>
+                      </a:xfrm>
+                      <a:prstGeom prst="rect">
+                        <a:avLst/>
+                      </a:prstGeom>
+                      <a:noFill/>
+                    </p:spPr>
+                    <p:txBody>
+                      <a:bodyPr wrap="none" rtlCol="0">
+                        <a:spAutoFit/>
+                      </a:bodyPr>
+                      <a:lstStyle/>
+                      <a:p>
+                        <a:pPr algn="ctr"/>
+                        <a:r>
+                          <a:rPr lang="de-DE" sz="1200" dirty="0"/>
+                          <a:t>1</a:t>
+                        </a:r>
+                        <a:endParaRPr lang="en-GB" sz="1200" dirty="0"/>
+                      </a:p>
+                    </p:txBody>
+                  </p:sp>
+                  <p:sp>
+                    <p:nvSpPr>
+                      <p:cNvPr id="59" name="Textfeld 58">
+                        <a:extLst>
+                          <a:ext uri="{FF2B5EF4-FFF2-40B4-BE49-F238E27FC236}">
+                            <a16:creationId xmlns:a16="http://schemas.microsoft.com/office/drawing/2014/main" id="{12595C9A-05E7-4C28-96B1-A9982619AA40}"/>
+                          </a:ext>
+                        </a:extLst>
+                      </p:cNvPr>
+                      <p:cNvSpPr txBox="1"/>
+                      <p:nvPr/>
+                    </p:nvSpPr>
+                    <p:spPr>
+                      <a:xfrm>
+                        <a:off x="8399858" y="2675730"/>
+                        <a:ext cx="269626" cy="276999"/>
+                      </a:xfrm>
+                      <a:prstGeom prst="rect">
+                        <a:avLst/>
+                      </a:prstGeom>
+                      <a:noFill/>
+                    </p:spPr>
+                    <p:txBody>
+                      <a:bodyPr wrap="none" rtlCol="0">
+                        <a:spAutoFit/>
+                      </a:bodyPr>
+                      <a:lstStyle/>
+                      <a:p>
+                        <a:pPr algn="ctr"/>
+                        <a:r>
+                          <a:rPr lang="de-DE" sz="1200" dirty="0"/>
+                          <a:t>0</a:t>
+                        </a:r>
+                        <a:endParaRPr lang="en-GB" sz="1200" dirty="0"/>
+                      </a:p>
+                    </p:txBody>
+                  </p:sp>
+                </p:grpSp>
+                <p:cxnSp>
+                  <p:nvCxnSpPr>
+                    <p:cNvPr id="83" name="Gerader Verbinder 82">
+                      <a:extLst>
+                        <a:ext uri="{FF2B5EF4-FFF2-40B4-BE49-F238E27FC236}">
+                          <a16:creationId xmlns:a16="http://schemas.microsoft.com/office/drawing/2014/main" id="{2D9710E4-E241-43C9-9D5D-0E834DC8427E}"/>
+                        </a:ext>
+                      </a:extLst>
+                    </p:cNvPr>
+                    <p:cNvCxnSpPr>
+                      <a:cxnSpLocks/>
+                    </p:cNvCxnSpPr>
+                    <p:nvPr/>
+                  </p:nvCxnSpPr>
+                  <p:spPr>
+                    <a:xfrm>
+                      <a:off x="8409621" y="2902351"/>
+                      <a:ext cx="240948" cy="0"/>
+                    </a:xfrm>
+                    <a:prstGeom prst="line">
+                      <a:avLst/>
+                    </a:prstGeom>
+                  </p:spPr>
+                  <p:style>
+                    <a:lnRef idx="1">
+                      <a:schemeClr val="dk1"/>
+                    </a:lnRef>
+                    <a:fillRef idx="0">
+                      <a:schemeClr val="dk1"/>
+                    </a:fillRef>
+                    <a:effectRef idx="0">
+                      <a:schemeClr val="dk1"/>
+                    </a:effectRef>
+                    <a:fontRef idx="minor">
+                      <a:schemeClr val="tx1"/>
+                    </a:fontRef>
+                  </p:style>
+                </p:cxnSp>
+                <p:cxnSp>
+                  <p:nvCxnSpPr>
+                    <p:cNvPr id="84" name="Gerader Verbinder 83">
+                      <a:extLst>
+                        <a:ext uri="{FF2B5EF4-FFF2-40B4-BE49-F238E27FC236}">
+                          <a16:creationId xmlns:a16="http://schemas.microsoft.com/office/drawing/2014/main" id="{97DCD760-87F4-4AAE-ACEE-B33BDC597350}"/>
+                        </a:ext>
+                      </a:extLst>
+                    </p:cNvPr>
+                    <p:cNvCxnSpPr>
+                      <a:cxnSpLocks/>
+                    </p:cNvCxnSpPr>
+                    <p:nvPr/>
+                  </p:nvCxnSpPr>
+                  <p:spPr>
+                    <a:xfrm>
+                      <a:off x="8414900" y="2675730"/>
+                      <a:ext cx="240948" cy="0"/>
+                    </a:xfrm>
+                    <a:prstGeom prst="line">
+                      <a:avLst/>
+                    </a:prstGeom>
+                  </p:spPr>
+                  <p:style>
+                    <a:lnRef idx="1">
+                      <a:schemeClr val="dk1"/>
+                    </a:lnRef>
+                    <a:fillRef idx="0">
+                      <a:schemeClr val="dk1"/>
+                    </a:fillRef>
+                    <a:effectRef idx="0">
+                      <a:schemeClr val="dk1"/>
+                    </a:effectRef>
+                    <a:fontRef idx="minor">
+                      <a:schemeClr val="tx1"/>
+                    </a:fontRef>
+                  </p:style>
+                </p:cxnSp>
+              </p:grpSp>
+            </p:grpSp>
+            <p:grpSp>
+              <p:nvGrpSpPr>
+                <p:cNvPr id="111" name="Gruppieren 110">
+                  <a:extLst>
+                    <a:ext uri="{FF2B5EF4-FFF2-40B4-BE49-F238E27FC236}">
+                      <a16:creationId xmlns:a16="http://schemas.microsoft.com/office/drawing/2014/main" id="{391EBE07-2F91-4965-8E68-2D71157E54FE}"/>
+                    </a:ext>
+                  </a:extLst>
+                </p:cNvPr>
+                <p:cNvGrpSpPr/>
+                <p:nvPr/>
+              </p:nvGrpSpPr>
+              <p:grpSpPr>
+                <a:xfrm>
+                  <a:off x="7504845" y="2652168"/>
+                  <a:ext cx="467590" cy="2436079"/>
+                  <a:chOff x="8306065" y="2188466"/>
+                  <a:chExt cx="467590" cy="2436079"/>
+                </a:xfrm>
+              </p:grpSpPr>
+              <p:sp>
+                <p:nvSpPr>
+                  <p:cNvPr id="112" name="Textfeld 111">
+                    <a:extLst>
+                      <a:ext uri="{FF2B5EF4-FFF2-40B4-BE49-F238E27FC236}">
+                        <a16:creationId xmlns:a16="http://schemas.microsoft.com/office/drawing/2014/main" id="{E3C4DDB3-20A1-44CE-BA2D-2D9774F2B38D}"/>
+                      </a:ext>
+                    </a:extLst>
+                  </p:cNvPr>
+                  <p:cNvSpPr txBox="1"/>
+                  <p:nvPr/>
+                </p:nvSpPr>
+                <p:spPr>
+                  <a:xfrm>
+                    <a:off x="8306065" y="2188466"/>
+                    <a:ext cx="467590" cy="307777"/>
+                  </a:xfrm>
+                  <a:prstGeom prst="rect">
+                    <a:avLst/>
+                  </a:prstGeom>
+                  <a:noFill/>
+                </p:spPr>
+                <p:txBody>
+                  <a:bodyPr wrap="square" rtlCol="0">
+                    <a:spAutoFit/>
+                  </a:bodyPr>
+                  <a:lstStyle/>
+                  <a:p>
+                    <a:pPr algn="ctr"/>
+                    <a:r>
+                      <a:rPr lang="de-DE" sz="1400" b="1" dirty="0"/>
+                      <a:t>Y‘</a:t>
+                    </a:r>
+                    <a:endParaRPr lang="en-GB" sz="1400" b="1" dirty="0"/>
+                  </a:p>
+                </p:txBody>
+              </p:sp>
+              <p:grpSp>
+                <p:nvGrpSpPr>
+                  <p:cNvPr id="113" name="Gruppieren 112">
+                    <a:extLst>
+                      <a:ext uri="{FF2B5EF4-FFF2-40B4-BE49-F238E27FC236}">
+                        <a16:creationId xmlns:a16="http://schemas.microsoft.com/office/drawing/2014/main" id="{B0EEA12B-5215-4558-8CAE-5A3C03479C8F}"/>
+                      </a:ext>
+                    </a:extLst>
+                  </p:cNvPr>
+                  <p:cNvGrpSpPr/>
+                  <p:nvPr/>
+                </p:nvGrpSpPr>
+                <p:grpSpPr>
+                  <a:xfrm>
+                    <a:off x="8399858" y="2465953"/>
+                    <a:ext cx="274553" cy="2158592"/>
+                    <a:chOff x="8399858" y="2456717"/>
+                    <a:chExt cx="274553" cy="2158592"/>
+                  </a:xfrm>
+                </p:grpSpPr>
+                <p:grpSp>
+                  <p:nvGrpSpPr>
+                    <p:cNvPr id="114" name="Gruppieren 113">
+                      <a:extLst>
+                        <a:ext uri="{FF2B5EF4-FFF2-40B4-BE49-F238E27FC236}">
+                          <a16:creationId xmlns:a16="http://schemas.microsoft.com/office/drawing/2014/main" id="{4589AD9A-F9A8-4D46-874C-6CE442A8E564}"/>
+                        </a:ext>
+                      </a:extLst>
+                    </p:cNvPr>
+                    <p:cNvGrpSpPr/>
+                    <p:nvPr/>
+                  </p:nvGrpSpPr>
+                  <p:grpSpPr>
+                    <a:xfrm>
+                      <a:off x="8399858" y="2456717"/>
+                      <a:ext cx="274553" cy="2158592"/>
+                      <a:chOff x="8399858" y="2456717"/>
+                      <a:chExt cx="274553" cy="2158592"/>
+                    </a:xfrm>
+                  </p:grpSpPr>
+                  <p:sp>
+                    <p:nvSpPr>
+                      <p:cNvPr id="117" name="Rechteck 116">
+                        <a:extLst>
+                          <a:ext uri="{FF2B5EF4-FFF2-40B4-BE49-F238E27FC236}">
+                            <a16:creationId xmlns:a16="http://schemas.microsoft.com/office/drawing/2014/main" id="{124C2E3B-490B-45E4-85EA-8782C14CB300}"/>
+                          </a:ext>
+                        </a:extLst>
+                      </p:cNvPr>
+                      <p:cNvSpPr/>
+                      <p:nvPr/>
+                    </p:nvSpPr>
+                    <p:spPr>
+                      <a:xfrm>
+                        <a:off x="8414900" y="2486073"/>
+                        <a:ext cx="240948" cy="2129236"/>
+                      </a:xfrm>
+                      <a:prstGeom prst="rect">
+                        <a:avLst/>
+                      </a:prstGeom>
+                      <a:ln/>
+                    </p:spPr>
+                    <p:style>
+                      <a:lnRef idx="2">
+                        <a:schemeClr val="dk1"/>
+                      </a:lnRef>
+                      <a:fillRef idx="1">
+                        <a:schemeClr val="lt1"/>
+                      </a:fillRef>
+                      <a:effectRef idx="0">
+                        <a:schemeClr val="dk1"/>
+                      </a:effectRef>
+                      <a:fontRef idx="minor">
+                        <a:schemeClr val="dk1"/>
+                      </a:fontRef>
+                    </p:style>
+                    <p:txBody>
+                      <a:bodyPr rtlCol="0" anchor="ctr"/>
+                      <a:lstStyle/>
+                      <a:p>
+                        <a:pPr algn="ctr"/>
+                        <a:endParaRPr lang="en-GB"/>
+                      </a:p>
+                    </p:txBody>
+                  </p:sp>
+                  <p:cxnSp>
+                    <p:nvCxnSpPr>
+                      <p:cNvPr id="118" name="Gerader Verbinder 117">
+                        <a:extLst>
+                          <a:ext uri="{FF2B5EF4-FFF2-40B4-BE49-F238E27FC236}">
+                            <a16:creationId xmlns:a16="http://schemas.microsoft.com/office/drawing/2014/main" id="{9B4AA438-735E-411D-938D-0283D73DB4CD}"/>
+                          </a:ext>
+                        </a:extLst>
+                      </p:cNvPr>
+                      <p:cNvCxnSpPr>
+                        <a:cxnSpLocks/>
+                      </p:cNvCxnSpPr>
+                      <p:nvPr/>
+                    </p:nvCxnSpPr>
+                    <p:spPr>
+                      <a:xfrm>
+                        <a:off x="8414900" y="4401283"/>
+                        <a:ext cx="240948" cy="0"/>
+                      </a:xfrm>
+                      <a:prstGeom prst="line">
+                        <a:avLst/>
+                      </a:prstGeom>
+                    </p:spPr>
+                    <p:style>
+                      <a:lnRef idx="1">
+                        <a:schemeClr val="dk1"/>
+                      </a:lnRef>
+                      <a:fillRef idx="0">
+                        <a:schemeClr val="dk1"/>
+                      </a:fillRef>
+                      <a:effectRef idx="0">
+                        <a:schemeClr val="dk1"/>
+                      </a:effectRef>
+                      <a:fontRef idx="minor">
+                        <a:schemeClr val="tx1"/>
+                      </a:fontRef>
+                    </p:style>
+                  </p:cxnSp>
+                  <p:sp>
+                    <p:nvSpPr>
+                      <p:cNvPr id="119" name="Textfeld 118">
+                        <a:extLst>
+                          <a:ext uri="{FF2B5EF4-FFF2-40B4-BE49-F238E27FC236}">
+                            <a16:creationId xmlns:a16="http://schemas.microsoft.com/office/drawing/2014/main" id="{23751D2A-3ADA-48FF-8483-71A28851621D}"/>
+                          </a:ext>
+                        </a:extLst>
+                      </p:cNvPr>
+                      <p:cNvSpPr txBox="1"/>
+                      <p:nvPr/>
+                    </p:nvSpPr>
+                    <p:spPr>
+                      <a:xfrm>
+                        <a:off x="8404785" y="2456717"/>
+                        <a:ext cx="269626" cy="276999"/>
+                      </a:xfrm>
+                      <a:prstGeom prst="rect">
+                        <a:avLst/>
+                      </a:prstGeom>
+                      <a:noFill/>
+                    </p:spPr>
+                    <p:txBody>
+                      <a:bodyPr wrap="none" rtlCol="0">
+                        <a:spAutoFit/>
+                      </a:bodyPr>
+                      <a:lstStyle/>
+                      <a:p>
+                        <a:pPr algn="ctr"/>
+                        <a:r>
+                          <a:rPr lang="de-DE" sz="1200" dirty="0"/>
+                          <a:t>1</a:t>
+                        </a:r>
+                        <a:endParaRPr lang="en-GB" sz="1200" dirty="0"/>
+                      </a:p>
+                    </p:txBody>
+                  </p:sp>
+                  <p:sp>
+                    <p:nvSpPr>
+                      <p:cNvPr id="120" name="Textfeld 119">
+                        <a:extLst>
+                          <a:ext uri="{FF2B5EF4-FFF2-40B4-BE49-F238E27FC236}">
+                            <a16:creationId xmlns:a16="http://schemas.microsoft.com/office/drawing/2014/main" id="{0013A511-B12C-43C2-BCC9-DEC06D6F04D8}"/>
+                          </a:ext>
+                        </a:extLst>
+                      </p:cNvPr>
+                      <p:cNvSpPr txBox="1"/>
+                      <p:nvPr/>
+                    </p:nvSpPr>
+                    <p:spPr>
+                      <a:xfrm>
+                        <a:off x="8399858" y="2675730"/>
+                        <a:ext cx="269626" cy="276999"/>
+                      </a:xfrm>
+                      <a:prstGeom prst="rect">
+                        <a:avLst/>
+                      </a:prstGeom>
+                      <a:noFill/>
+                    </p:spPr>
+                    <p:txBody>
+                      <a:bodyPr wrap="none" rtlCol="0">
+                        <a:spAutoFit/>
+                      </a:bodyPr>
+                      <a:lstStyle/>
+                      <a:p>
+                        <a:pPr algn="ctr"/>
+                        <a:r>
+                          <a:rPr lang="de-DE" sz="1200" dirty="0"/>
+                          <a:t>0</a:t>
+                        </a:r>
+                        <a:endParaRPr lang="en-GB" sz="1200" dirty="0"/>
+                      </a:p>
+                    </p:txBody>
+                  </p:sp>
+                </p:grpSp>
+                <p:cxnSp>
+                  <p:nvCxnSpPr>
+                    <p:cNvPr id="115" name="Gerader Verbinder 114">
+                      <a:extLst>
+                        <a:ext uri="{FF2B5EF4-FFF2-40B4-BE49-F238E27FC236}">
+                          <a16:creationId xmlns:a16="http://schemas.microsoft.com/office/drawing/2014/main" id="{75AADDAA-CBBC-4E2D-9211-5C30C7C931B0}"/>
+                        </a:ext>
+                      </a:extLst>
+                    </p:cNvPr>
+                    <p:cNvCxnSpPr>
+                      <a:cxnSpLocks/>
+                    </p:cNvCxnSpPr>
+                    <p:nvPr/>
+                  </p:nvCxnSpPr>
+                  <p:spPr>
+                    <a:xfrm>
+                      <a:off x="8409621" y="2902351"/>
+                      <a:ext cx="240948" cy="0"/>
+                    </a:xfrm>
+                    <a:prstGeom prst="line">
+                      <a:avLst/>
+                    </a:prstGeom>
+                  </p:spPr>
+                  <p:style>
+                    <a:lnRef idx="1">
+                      <a:schemeClr val="dk1"/>
+                    </a:lnRef>
+                    <a:fillRef idx="0">
+                      <a:schemeClr val="dk1"/>
+                    </a:fillRef>
+                    <a:effectRef idx="0">
+                      <a:schemeClr val="dk1"/>
+                    </a:effectRef>
+                    <a:fontRef idx="minor">
+                      <a:schemeClr val="tx1"/>
+                    </a:fontRef>
+                  </p:style>
+                </p:cxnSp>
+                <p:cxnSp>
+                  <p:nvCxnSpPr>
+                    <p:cNvPr id="116" name="Gerader Verbinder 115">
+                      <a:extLst>
+                        <a:ext uri="{FF2B5EF4-FFF2-40B4-BE49-F238E27FC236}">
+                          <a16:creationId xmlns:a16="http://schemas.microsoft.com/office/drawing/2014/main" id="{C31A9694-6873-4409-A52B-06924F7E2922}"/>
+                        </a:ext>
+                      </a:extLst>
+                    </p:cNvPr>
+                    <p:cNvCxnSpPr>
+                      <a:cxnSpLocks/>
+                    </p:cNvCxnSpPr>
+                    <p:nvPr/>
+                  </p:nvCxnSpPr>
+                  <p:spPr>
+                    <a:xfrm>
+                      <a:off x="8414900" y="2675730"/>
+                      <a:ext cx="240948" cy="0"/>
+                    </a:xfrm>
+                    <a:prstGeom prst="line">
+                      <a:avLst/>
+                    </a:prstGeom>
+                  </p:spPr>
+                  <p:style>
+                    <a:lnRef idx="1">
+                      <a:schemeClr val="dk1"/>
+                    </a:lnRef>
+                    <a:fillRef idx="0">
+                      <a:schemeClr val="dk1"/>
+                    </a:fillRef>
+                    <a:effectRef idx="0">
+                      <a:schemeClr val="dk1"/>
+                    </a:effectRef>
+                    <a:fontRef idx="minor">
+                      <a:schemeClr val="tx1"/>
+                    </a:fontRef>
+                  </p:style>
+                </p:cxnSp>
+              </p:grpSp>
+            </p:grpSp>
+            <p:sp>
+              <p:nvSpPr>
+                <p:cNvPr id="9216" name="Eckige Klammer links 9215">
+                  <a:extLst>
+                    <a:ext uri="{FF2B5EF4-FFF2-40B4-BE49-F238E27FC236}">
+                      <a16:creationId xmlns:a16="http://schemas.microsoft.com/office/drawing/2014/main" id="{D5888DFE-CC90-4A18-A925-09683539EB22}"/>
+                    </a:ext>
+                  </a:extLst>
+                </p:cNvPr>
+                <p:cNvSpPr/>
+                <p:nvPr/>
+              </p:nvSpPr>
+              <p:spPr>
+                <a:xfrm>
+                  <a:off x="6825329" y="2707711"/>
+                  <a:ext cx="115200" cy="2461554"/>
+                </a:xfrm>
+                <a:prstGeom prst="leftBracket">
+                  <a:avLst/>
+                </a:prstGeom>
+                <a:ln w="12700"/>
+              </p:spPr>
+              <p:style>
+                <a:lnRef idx="1">
+                  <a:schemeClr val="dk1"/>
+                </a:lnRef>
+                <a:fillRef idx="0">
+                  <a:schemeClr val="dk1"/>
+                </a:fillRef>
+                <a:effectRef idx="0">
+                  <a:schemeClr val="dk1"/>
+                </a:effectRef>
+                <a:fontRef idx="minor">
+                  <a:schemeClr val="tx1"/>
+                </a:fontRef>
+              </p:style>
+              <p:txBody>
+                <a:bodyPr rtlCol="0" anchor="ctr"/>
+                <a:lstStyle/>
+                <a:p>
+                  <a:pPr algn="ctr"/>
+                  <a:endParaRPr lang="en-GB"/>
+                </a:p>
+              </p:txBody>
+            </p:sp>
+            <p:sp>
+              <p:nvSpPr>
+                <p:cNvPr id="133" name="Eckige Klammer links 132">
+                  <a:extLst>
+                    <a:ext uri="{FF2B5EF4-FFF2-40B4-BE49-F238E27FC236}">
+                      <a16:creationId xmlns:a16="http://schemas.microsoft.com/office/drawing/2014/main" id="{B9D67B37-D3D5-4318-AAFF-3ABF7852AB0A}"/>
+                    </a:ext>
+                  </a:extLst>
+                </p:cNvPr>
+                <p:cNvSpPr/>
+                <p:nvPr/>
+              </p:nvSpPr>
+              <p:spPr>
+                <a:xfrm rot="10800000">
+                  <a:off x="7826035" y="2699976"/>
+                  <a:ext cx="115906" cy="2461559"/>
+                </a:xfrm>
+                <a:prstGeom prst="leftBracket">
+                  <a:avLst/>
+                </a:prstGeom>
+                <a:ln w="12700"/>
+              </p:spPr>
+              <p:style>
+                <a:lnRef idx="1">
+                  <a:schemeClr val="dk1"/>
+                </a:lnRef>
+                <a:fillRef idx="0">
+                  <a:schemeClr val="dk1"/>
+                </a:fillRef>
+                <a:effectRef idx="0">
+                  <a:schemeClr val="dk1"/>
+                </a:effectRef>
+                <a:fontRef idx="minor">
+                  <a:schemeClr val="tx1"/>
+                </a:fontRef>
+              </p:style>
+              <p:txBody>
+                <a:bodyPr rtlCol="0" anchor="ctr"/>
+                <a:lstStyle/>
+                <a:p>
+                  <a:pPr algn="ctr"/>
+                  <a:endParaRPr lang="en-GB"/>
+                </a:p>
+              </p:txBody>
+            </p:sp>
+          </p:grpSp>
+          <p:sp>
+            <p:nvSpPr>
+              <p:cNvPr id="9217" name="Gleich 9216">
+                <a:extLst>
+                  <a:ext uri="{FF2B5EF4-FFF2-40B4-BE49-F238E27FC236}">
+                    <a16:creationId xmlns:a16="http://schemas.microsoft.com/office/drawing/2014/main" id="{ACB85CE5-301F-482F-A04D-FDA3C6E22D09}"/>
+                  </a:ext>
+                </a:extLst>
+              </p:cNvPr>
+              <p:cNvSpPr/>
+              <p:nvPr/>
+            </p:nvSpPr>
+            <p:spPr>
+              <a:xfrm>
+                <a:off x="8015345" y="3843411"/>
+                <a:ext cx="325658" cy="233094"/>
+              </a:xfrm>
+              <a:prstGeom prst="mathEqual">
+                <a:avLst/>
+              </a:prstGeom>
+              <a:solidFill>
+                <a:schemeClr val="tx1"/>
+              </a:solidFill>
+              <a:ln>
+                <a:noFill/>
+              </a:ln>
+            </p:spPr>
+            <p:style>
+              <a:lnRef idx="2">
+                <a:schemeClr val="accent1">
+                  <a:shade val="50000"/>
+                </a:schemeClr>
+              </a:lnRef>
+              <a:fillRef idx="1">
+                <a:schemeClr val="accent1"/>
+              </a:fillRef>
+              <a:effectRef idx="0">
+                <a:schemeClr val="accent1"/>
+              </a:effectRef>
+              <a:fontRef idx="minor">
+                <a:schemeClr val="lt1"/>
+              </a:fontRef>
+            </p:style>
+            <p:txBody>
+              <a:bodyPr rtlCol="0" anchor="ctr"/>
+              <a:lstStyle/>
+              <a:p>
+                <a:pPr algn="ctr"/>
+                <a:endParaRPr lang="en-GB">
+                  <a:solidFill>
+                    <a:schemeClr val="tx1"/>
+                  </a:solidFill>
+                </a:endParaRPr>
+              </a:p>
+            </p:txBody>
+          </p:sp>
+        </p:grpSp>
+      </p:grpSp>
+      <p:cxnSp>
+        <p:nvCxnSpPr>
+          <p:cNvPr id="9228" name="Verbinder: gewinkelt 9227">
+            <a:extLst>
+              <a:ext uri="{FF2B5EF4-FFF2-40B4-BE49-F238E27FC236}">
+                <a16:creationId xmlns:a16="http://schemas.microsoft.com/office/drawing/2014/main" id="{AEF75390-5978-40FA-8BEE-0684A70EADDC}"/>
+              </a:ext>
+            </a:extLst>
+          </p:cNvPr>
+          <p:cNvCxnSpPr>
+            <a:cxnSpLocks/>
+            <a:stCxn id="35" idx="2"/>
+            <a:endCxn id="153" idx="0"/>
+          </p:cNvCxnSpPr>
+          <p:nvPr/>
+        </p:nvCxnSpPr>
+        <p:spPr>
+          <a:xfrm rot="16200000" flipH="1">
+            <a:off x="6065038" y="4219724"/>
+            <a:ext cx="799008" cy="1257909"/>
+          </a:xfrm>
+          <a:prstGeom prst="bentConnector3">
+            <a:avLst/>
+          </a:prstGeom>
+          <a:ln w="12700">
+            <a:tailEnd type="triangle"/>
+          </a:ln>
+        </p:spPr>
+        <p:style>
+          <a:lnRef idx="1">
+            <a:schemeClr val="dk1"/>
+          </a:lnRef>
+          <a:fillRef idx="0">
+            <a:schemeClr val="dk1"/>
+          </a:fillRef>
+          <a:effectRef idx="0">
+            <a:schemeClr val="dk1"/>
+          </a:effectRef>
+          <a:fontRef idx="minor">
+            <a:schemeClr val="tx1"/>
+          </a:fontRef>
+        </p:style>
+      </p:cxnSp>
+      <p:cxnSp>
+        <p:nvCxnSpPr>
+          <p:cNvPr id="148" name="Verbinder: gewinkelt 147">
+            <a:extLst>
+              <a:ext uri="{FF2B5EF4-FFF2-40B4-BE49-F238E27FC236}">
+                <a16:creationId xmlns:a16="http://schemas.microsoft.com/office/drawing/2014/main" id="{0D4CBA07-8B9D-44AA-B71A-CD8CB3E0F1AD}"/>
+              </a:ext>
+            </a:extLst>
+          </p:cNvPr>
+          <p:cNvCxnSpPr>
+            <a:cxnSpLocks/>
+            <a:stCxn id="127" idx="2"/>
+            <a:endCxn id="153" idx="0"/>
+          </p:cNvCxnSpPr>
+          <p:nvPr/>
+        </p:nvCxnSpPr>
+        <p:spPr>
+          <a:xfrm rot="5400000">
+            <a:off x="7310575" y="4228884"/>
+            <a:ext cx="802222" cy="1236377"/>
+          </a:xfrm>
+          <a:prstGeom prst="bentConnector3">
+            <a:avLst>
+              <a:gd name="adj1" fmla="val 50000"/>
+            </a:avLst>
+          </a:prstGeom>
+          <a:ln w="12700">
+            <a:tailEnd type="triangle"/>
+          </a:ln>
+        </p:spPr>
+        <p:style>
+          <a:lnRef idx="1">
+            <a:schemeClr val="dk1"/>
+          </a:lnRef>
+          <a:fillRef idx="0">
+            <a:schemeClr val="dk1"/>
+          </a:fillRef>
+          <a:effectRef idx="0">
+            <a:schemeClr val="dk1"/>
+          </a:effectRef>
+          <a:fontRef idx="minor">
+            <a:schemeClr val="tx1"/>
+          </a:fontRef>
+        </p:style>
+      </p:cxnSp>
+      <p:sp>
+        <p:nvSpPr>
+          <p:cNvPr id="153" name="Textfeld 152">
+            <a:extLst>
+              <a:ext uri="{FF2B5EF4-FFF2-40B4-BE49-F238E27FC236}">
+                <a16:creationId xmlns:a16="http://schemas.microsoft.com/office/drawing/2014/main" id="{A8DC4297-E386-42BA-94F9-B86B0CC4CF63}"/>
+              </a:ext>
+            </a:extLst>
+          </p:cNvPr>
+          <p:cNvSpPr txBox="1"/>
+          <p:nvPr/>
+        </p:nvSpPr>
+        <p:spPr>
+          <a:xfrm>
+            <a:off x="6289976" y="5248183"/>
+            <a:ext cx="1607041" cy="1292662"/>
+          </a:xfrm>
+          <a:prstGeom prst="rect">
+            <a:avLst/>
+          </a:prstGeom>
+        </p:spPr>
+        <p:style>
+          <a:lnRef idx="2">
+            <a:schemeClr val="dk1"/>
+          </a:lnRef>
+          <a:fillRef idx="1">
+            <a:schemeClr val="lt1"/>
+          </a:fillRef>
+          <a:effectRef idx="0">
+            <a:schemeClr val="dk1"/>
+          </a:effectRef>
+          <a:fontRef idx="minor">
+            <a:schemeClr val="dk1"/>
+          </a:fontRef>
+        </p:style>
+        <p:txBody>
+          <a:bodyPr wrap="square" rtlCol="0">
+            <a:spAutoFit/>
+          </a:bodyPr>
+          <a:lstStyle/>
+          <a:p>
+            <a:pPr algn="ctr"/>
+            <a:endParaRPr lang="de-DE" sz="1000" dirty="0"/>
+          </a:p>
+          <a:p>
+            <a:pPr algn="ctr"/>
+            <a:endParaRPr lang="de-DE" sz="1000" dirty="0"/>
+          </a:p>
+          <a:p>
+            <a:pPr algn="ctr"/>
+            <a:endParaRPr lang="de-DE" sz="1000" dirty="0"/>
+          </a:p>
+          <a:p>
+            <a:pPr algn="ctr"/>
+            <a:r>
+              <a:rPr lang="de-DE" dirty="0"/>
+              <a:t>Conf_Pipeline</a:t>
+            </a:r>
+          </a:p>
+          <a:p>
+            <a:pPr algn="ctr"/>
+            <a:endParaRPr lang="de-DE" sz="1000" dirty="0"/>
+          </a:p>
+          <a:p>
+            <a:pPr algn="ctr"/>
+            <a:endParaRPr lang="de-DE" sz="1000" dirty="0"/>
+          </a:p>
+          <a:p>
+            <a:pPr algn="ctr"/>
+            <a:endParaRPr lang="de-DE" sz="1000" dirty="0"/>
+          </a:p>
+        </p:txBody>
+      </p:sp>
+      <p:sp>
+        <p:nvSpPr>
+          <p:cNvPr id="9242" name="Geschweifte Klammer links 9241">
+            <a:extLst>
+              <a:ext uri="{FF2B5EF4-FFF2-40B4-BE49-F238E27FC236}">
+                <a16:creationId xmlns:a16="http://schemas.microsoft.com/office/drawing/2014/main" id="{6C4D80BB-A762-4C3F-8540-0D9CDC573A5C}"/>
+              </a:ext>
+            </a:extLst>
+          </p:cNvPr>
+          <p:cNvSpPr/>
+          <p:nvPr/>
+        </p:nvSpPr>
+        <p:spPr>
+          <a:xfrm rot="16200000">
+            <a:off x="1888336" y="2595959"/>
+            <a:ext cx="252000" cy="3978000"/>
+          </a:xfrm>
+          <a:prstGeom prst="leftBrace">
+            <a:avLst>
+              <a:gd name="adj1" fmla="val 8333"/>
+              <a:gd name="adj2" fmla="val 50277"/>
+            </a:avLst>
+          </a:prstGeom>
+        </p:spPr>
+        <p:style>
+          <a:lnRef idx="1">
+            <a:schemeClr val="accent2"/>
+          </a:lnRef>
+          <a:fillRef idx="0">
+            <a:schemeClr val="accent2"/>
+          </a:fillRef>
+          <a:effectRef idx="0">
+            <a:schemeClr val="accent2"/>
+          </a:effectRef>
+          <a:fontRef idx="minor">
+            <a:schemeClr val="tx1"/>
+          </a:fontRef>
+        </p:style>
+        <p:txBody>
+          <a:bodyPr rtlCol="0" anchor="ctr"/>
+          <a:lstStyle/>
+          <a:p>
+            <a:pPr algn="ctr"/>
+            <a:endParaRPr lang="en-GB"/>
+          </a:p>
+        </p:txBody>
+      </p:sp>
+      <p:cxnSp>
+        <p:nvCxnSpPr>
+          <p:cNvPr id="9244" name="Gerade Verbindung mit Pfeil 9243">
+            <a:extLst>
+              <a:ext uri="{FF2B5EF4-FFF2-40B4-BE49-F238E27FC236}">
+                <a16:creationId xmlns:a16="http://schemas.microsoft.com/office/drawing/2014/main" id="{13540CBB-F53C-4BDA-98E8-BD613C8B5566}"/>
+              </a:ext>
+            </a:extLst>
+          </p:cNvPr>
+          <p:cNvCxnSpPr>
+            <a:cxnSpLocks/>
+            <a:stCxn id="153" idx="1"/>
+          </p:cNvCxnSpPr>
+          <p:nvPr/>
+        </p:nvCxnSpPr>
+        <p:spPr>
+          <a:xfrm flipH="1" flipV="1">
+            <a:off x="5892650" y="5891954"/>
+            <a:ext cx="397326" cy="2560"/>
+          </a:xfrm>
+          <a:prstGeom prst="straightConnector1">
+            <a:avLst/>
+          </a:prstGeom>
+          <a:ln>
+            <a:tailEnd type="triangle"/>
+          </a:ln>
+        </p:spPr>
+        <p:style>
+          <a:lnRef idx="1">
+            <a:schemeClr val="dk1"/>
+          </a:lnRef>
+          <a:fillRef idx="0">
+            <a:schemeClr val="dk1"/>
+          </a:fillRef>
+          <a:effectRef idx="0">
+            <a:schemeClr val="dk1"/>
+          </a:effectRef>
+          <a:fontRef idx="minor">
+            <a:schemeClr val="tx1"/>
+          </a:fontRef>
+        </p:style>
+      </p:cxnSp>
+      <p:grpSp>
+        <p:nvGrpSpPr>
+          <p:cNvPr id="170" name="Gruppieren 169">
+            <a:extLst>
+              <a:ext uri="{FF2B5EF4-FFF2-40B4-BE49-F238E27FC236}">
+                <a16:creationId xmlns:a16="http://schemas.microsoft.com/office/drawing/2014/main" id="{E1EB567A-E762-4026-BBE1-E309EA9C665B}"/>
+              </a:ext>
+            </a:extLst>
+          </p:cNvPr>
+          <p:cNvGrpSpPr/>
+          <p:nvPr/>
+        </p:nvGrpSpPr>
+        <p:grpSpPr>
+          <a:xfrm>
+            <a:off x="3681197" y="5260772"/>
+            <a:ext cx="2181287" cy="1488919"/>
+            <a:chOff x="5959589" y="589324"/>
+            <a:chExt cx="2193199" cy="1530693"/>
+          </a:xfrm>
+        </p:grpSpPr>
+        <p:sp>
+          <p:nvSpPr>
+            <p:cNvPr id="171" name="Ellipse 170">
+              <a:extLst>
+                <a:ext uri="{FF2B5EF4-FFF2-40B4-BE49-F238E27FC236}">
+                  <a16:creationId xmlns:a16="http://schemas.microsoft.com/office/drawing/2014/main" id="{B067ADFA-C7D7-478E-8C9B-47803DA590F2}"/>
+                </a:ext>
+              </a:extLst>
+            </p:cNvPr>
+            <p:cNvSpPr/>
+            <p:nvPr/>
+          </p:nvSpPr>
+          <p:spPr>
+            <a:xfrm>
+              <a:off x="5959589" y="589324"/>
+              <a:ext cx="2193199" cy="1231931"/>
+            </a:xfrm>
+            <a:prstGeom prst="ellipse">
+              <a:avLst/>
+            </a:prstGeom>
+            <a:solidFill>
+              <a:schemeClr val="bg2"/>
+            </a:solidFill>
+            <a:ln>
+              <a:noFill/>
+            </a:ln>
+          </p:spPr>
+          <p:style>
+            <a:lnRef idx="2">
+              <a:schemeClr val="accent1">
+                <a:shade val="50000"/>
+              </a:schemeClr>
+            </a:lnRef>
+            <a:fillRef idx="1">
+              <a:schemeClr val="accent1"/>
+            </a:fillRef>
+            <a:effectRef idx="0">
+              <a:schemeClr val="accent1"/>
+            </a:effectRef>
+            <a:fontRef idx="minor">
+              <a:schemeClr val="lt1"/>
+            </a:fontRef>
+          </p:style>
+          <p:txBody>
+            <a:bodyPr rtlCol="0" anchor="ctr"/>
+            <a:lstStyle/>
+            <a:p>
+              <a:pPr algn="ctr"/>
+              <a:endParaRPr lang="en-GB"/>
+            </a:p>
+          </p:txBody>
+        </p:sp>
+        <p:sp>
+          <p:nvSpPr>
+            <p:cNvPr id="173" name="Textfeld 172">
+              <a:extLst>
+                <a:ext uri="{FF2B5EF4-FFF2-40B4-BE49-F238E27FC236}">
+                  <a16:creationId xmlns:a16="http://schemas.microsoft.com/office/drawing/2014/main" id="{B6B5AE98-FCF7-4690-BD5F-E7F6D709415E}"/>
+                </a:ext>
+              </a:extLst>
+            </p:cNvPr>
+            <p:cNvSpPr txBox="1"/>
+            <p:nvPr/>
+          </p:nvSpPr>
+          <p:spPr>
+            <a:xfrm>
+              <a:off x="6265908" y="937364"/>
+              <a:ext cx="1659749" cy="537900"/>
+            </a:xfrm>
+            <a:prstGeom prst="rect">
+              <a:avLst/>
+            </a:prstGeom>
+            <a:noFill/>
+            <a:ln w="12700"/>
+          </p:spPr>
+          <p:style>
+            <a:lnRef idx="2">
+              <a:schemeClr val="dk1"/>
+            </a:lnRef>
+            <a:fillRef idx="1">
+              <a:schemeClr val="lt1"/>
+            </a:fillRef>
+            <a:effectRef idx="0">
+              <a:schemeClr val="dk1"/>
+            </a:effectRef>
+            <a:fontRef idx="minor">
+              <a:schemeClr val="dk1"/>
+            </a:fontRef>
+          </p:style>
+          <p:txBody>
+            <a:bodyPr wrap="square" rtlCol="0">
+              <a:spAutoFit/>
+            </a:bodyPr>
+            <a:lstStyle/>
+            <a:p>
+              <a:pPr algn="ctr"/>
+              <a:r>
+                <a:rPr lang="de-DE" sz="1400" dirty="0"/>
+                <a:t>noise || signal sample</a:t>
+              </a:r>
+              <a:endParaRPr lang="en-GB" sz="1400" dirty="0"/>
+            </a:p>
+          </p:txBody>
+        </p:sp>
+        <p:sp>
+          <p:nvSpPr>
+            <p:cNvPr id="174" name="Textfeld 173">
+              <a:extLst>
+                <a:ext uri="{FF2B5EF4-FFF2-40B4-BE49-F238E27FC236}">
+                  <a16:creationId xmlns:a16="http://schemas.microsoft.com/office/drawing/2014/main" id="{5A9C37DB-C984-41D5-A741-C1A9425F1466}"/>
+                </a:ext>
+              </a:extLst>
+            </p:cNvPr>
+            <p:cNvSpPr txBox="1"/>
+            <p:nvPr/>
+          </p:nvSpPr>
+          <p:spPr>
+            <a:xfrm>
+              <a:off x="6640304" y="1750685"/>
+              <a:ext cx="1384573" cy="369332"/>
+            </a:xfrm>
+            <a:prstGeom prst="rect">
+              <a:avLst/>
+            </a:prstGeom>
+            <a:noFill/>
+          </p:spPr>
+          <p:txBody>
+            <a:bodyPr wrap="square" rtlCol="0">
+              <a:spAutoFit/>
+            </a:bodyPr>
+            <a:lstStyle/>
+            <a:p>
+              <a:r>
+                <a:rPr lang="de-DE" dirty="0"/>
+                <a:t>Output</a:t>
+              </a:r>
+              <a:endParaRPr lang="en-GB" dirty="0"/>
+            </a:p>
+          </p:txBody>
+        </p:sp>
+      </p:grpSp>
+      <p:sp>
+        <p:nvSpPr>
+          <p:cNvPr id="175" name="Geschweifte Klammer links 174">
+            <a:extLst>
+              <a:ext uri="{FF2B5EF4-FFF2-40B4-BE49-F238E27FC236}">
+                <a16:creationId xmlns:a16="http://schemas.microsoft.com/office/drawing/2014/main" id="{FADAED3F-153D-4DF1-83ED-F7FE8023E535}"/>
+              </a:ext>
+            </a:extLst>
+          </p:cNvPr>
+          <p:cNvSpPr/>
+          <p:nvPr/>
+        </p:nvSpPr>
+        <p:spPr>
+          <a:xfrm rot="10800000">
+            <a:off x="7908857" y="5260772"/>
+            <a:ext cx="251916" cy="1280780"/>
+          </a:xfrm>
+          <a:prstGeom prst="leftBrace">
+            <a:avLst>
+              <a:gd name="adj1" fmla="val 8333"/>
+              <a:gd name="adj2" fmla="val 53637"/>
+            </a:avLst>
+          </a:prstGeom>
+        </p:spPr>
+        <p:style>
+          <a:lnRef idx="1">
+            <a:schemeClr val="accent2"/>
+          </a:lnRef>
+          <a:fillRef idx="0">
+            <a:schemeClr val="accent2"/>
+          </a:fillRef>
+          <a:effectRef idx="0">
+            <a:schemeClr val="accent2"/>
+          </a:effectRef>
+          <a:fontRef idx="minor">
+            <a:schemeClr val="tx1"/>
+          </a:fontRef>
+        </p:style>
+        <p:txBody>
+          <a:bodyPr rtlCol="0" anchor="ctr"/>
+          <a:lstStyle/>
+          <a:p>
+            <a:pPr algn="ctr"/>
+            <a:endParaRPr lang="en-GB"/>
+          </a:p>
+        </p:txBody>
+      </p:sp>
+      <p:sp>
+        <p:nvSpPr>
+          <p:cNvPr id="136" name="Textfeld 135">
+            <a:extLst>
+              <a:ext uri="{FF2B5EF4-FFF2-40B4-BE49-F238E27FC236}">
+                <a16:creationId xmlns:a16="http://schemas.microsoft.com/office/drawing/2014/main" id="{4DCCD2D6-E86E-4006-9A97-AF8A081AF197}"/>
+              </a:ext>
+            </a:extLst>
+          </p:cNvPr>
+          <p:cNvSpPr txBox="1"/>
+          <p:nvPr/>
+        </p:nvSpPr>
+        <p:spPr>
+          <a:xfrm>
+            <a:off x="1523234" y="4710959"/>
+            <a:ext cx="1054538" cy="369332"/>
+          </a:xfrm>
+          <a:prstGeom prst="rect">
+            <a:avLst/>
+          </a:prstGeom>
+        </p:spPr>
+        <p:style>
+          <a:lnRef idx="2">
+            <a:schemeClr val="accent5"/>
+          </a:lnRef>
+          <a:fillRef idx="1">
+            <a:schemeClr val="lt1"/>
+          </a:fillRef>
+          <a:effectRef idx="0">
+            <a:schemeClr val="accent5"/>
+          </a:effectRef>
+          <a:fontRef idx="minor">
+            <a:schemeClr val="dk1"/>
+          </a:fontRef>
+        </p:style>
+        <p:txBody>
+          <a:bodyPr wrap="square" rtlCol="0">
+            <a:spAutoFit/>
+          </a:bodyPr>
+          <a:lstStyle/>
+          <a:p>
+            <a:r>
+              <a:rPr lang="de-DE" dirty="0"/>
+              <a:t>M_TLF</a:t>
+            </a:r>
+            <a:endParaRPr lang="en-GB" dirty="0"/>
+          </a:p>
+        </p:txBody>
+      </p:sp>
+      <p:sp>
+        <p:nvSpPr>
+          <p:cNvPr id="177" name="Textfeld 176">
+            <a:extLst>
+              <a:ext uri="{FF2B5EF4-FFF2-40B4-BE49-F238E27FC236}">
+                <a16:creationId xmlns:a16="http://schemas.microsoft.com/office/drawing/2014/main" id="{AD475342-7969-478C-8671-0100811FE502}"/>
+              </a:ext>
+            </a:extLst>
+          </p:cNvPr>
+          <p:cNvSpPr txBox="1"/>
+          <p:nvPr/>
+        </p:nvSpPr>
+        <p:spPr>
+          <a:xfrm>
+            <a:off x="8160772" y="5608774"/>
+            <a:ext cx="907813" cy="338554"/>
+          </a:xfrm>
+          <a:prstGeom prst="rect">
+            <a:avLst/>
+          </a:prstGeom>
+        </p:spPr>
+        <p:style>
+          <a:lnRef idx="2">
+            <a:schemeClr val="accent5"/>
+          </a:lnRef>
+          <a:fillRef idx="1">
+            <a:schemeClr val="lt1"/>
+          </a:fillRef>
+          <a:effectRef idx="0">
+            <a:schemeClr val="accent5"/>
+          </a:effectRef>
+          <a:fontRef idx="minor">
+            <a:schemeClr val="dk1"/>
+          </a:fontRef>
+        </p:style>
+        <p:txBody>
+          <a:bodyPr wrap="square" rtlCol="0">
+            <a:spAutoFit/>
+          </a:bodyPr>
+          <a:lstStyle/>
+          <a:p>
+            <a:r>
+              <a:rPr lang="de-DE" sz="1600" dirty="0"/>
+              <a:t>M_Conf</a:t>
+            </a:r>
+            <a:endParaRPr lang="en-GB" sz="1600" dirty="0"/>
+          </a:p>
+        </p:txBody>
+      </p:sp>
+    </p:spTree>
+    <p:extLst>
+      <p:ext uri="{BB962C8B-B14F-4D97-AF65-F5344CB8AC3E}">
+        <p14:creationId xmlns:p14="http://schemas.microsoft.com/office/powerpoint/2010/main" val="1973191003"/>
+      </p:ext>
+    </p:extLst>
+  </p:cSld>
+  <p:clrMapOvr>
+    <a:masterClrMapping/>
+  </p:clrMapOvr>
+</p:sld>
+</file>
+
+<file path=ppt/slides/slide15.xml><?xml version="1.0" encoding="utf-8"?>
+<p:sld xmlns:a="http://schemas.openxmlformats.org/drawingml/2006/main" xmlns:r="http://schemas.openxmlformats.org/officeDocument/2006/relationships" xmlns:p="http://schemas.openxmlformats.org/presentationml/2006/main" showMasterSp="0">
+  <p:cSld>
+    <p:spTree>
+      <p:nvGrpSpPr>
+        <p:cNvPr id="1" name=""/>
+        <p:cNvGrpSpPr/>
+        <p:nvPr/>
+      </p:nvGrpSpPr>
+      <p:grpSpPr>
+        <a:xfrm>
+          <a:off x="0" y="0"/>
+          <a:ext cx="0" cy="0"/>
+          <a:chOff x="0" y="0"/>
+          <a:chExt cx="0" cy="0"/>
+        </a:xfrm>
+      </p:grpSpPr>
+      <p:sp>
+        <p:nvSpPr>
+          <p:cNvPr id="2" name="Titel 1">
+            <a:extLst>
+              <a:ext uri="{FF2B5EF4-FFF2-40B4-BE49-F238E27FC236}">
+                <a16:creationId xmlns:a16="http://schemas.microsoft.com/office/drawing/2014/main" id="{5A35A983-3F5B-47F1-9257-FA21DDC3C471}"/>
+              </a:ext>
+            </a:extLst>
+          </p:cNvPr>
+          <p:cNvSpPr>
+            <a:spLocks noGrp="1"/>
+          </p:cNvSpPr>
+          <p:nvPr>
+            <p:ph type="title"/>
+          </p:nvPr>
+        </p:nvSpPr>
+        <p:spPr>
+          <a:xfrm>
+            <a:off x="141398" y="621801"/>
+            <a:ext cx="8642350" cy="864000"/>
+          </a:xfrm>
+        </p:spPr>
+        <p:txBody>
+          <a:bodyPr/>
+          <a:lstStyle/>
+          <a:p>
+            <a:r>
+              <a:rPr lang="de-DE" dirty="0"/>
+              <a:t>Architecture at Use</a:t>
+            </a:r>
+            <a:endParaRPr lang="en-GB" dirty="0"/>
+          </a:p>
+        </p:txBody>
+      </p:sp>
+      <p:sp>
+        <p:nvSpPr>
+          <p:cNvPr id="3" name="Foliennummernplatzhalter 2">
+            <a:extLst>
+              <a:ext uri="{FF2B5EF4-FFF2-40B4-BE49-F238E27FC236}">
+                <a16:creationId xmlns:a16="http://schemas.microsoft.com/office/drawing/2014/main" id="{E78FB244-668C-4A91-8125-68CD2038C3FC}"/>
+              </a:ext>
+            </a:extLst>
+          </p:cNvPr>
+          <p:cNvSpPr>
+            <a:spLocks noGrp="1"/>
+          </p:cNvSpPr>
+          <p:nvPr>
+            <p:ph type="sldNum" sz="quarter" idx="12"/>
+          </p:nvPr>
+        </p:nvSpPr>
+        <p:spPr/>
+        <p:txBody>
+          <a:bodyPr/>
+          <a:lstStyle/>
+          <a:p>
+            <a:fld id="{1744B4DD-8F10-491C-BFC2-D4DC64F16D79}" type="slidenum">
+              <a:rPr lang="de-DE" smtClean="0"/>
+              <a:pPr/>
+              <a:t>15</a:t>
+            </a:fld>
+            <a:r>
+              <a:rPr lang="de-DE">
+                <a:ea typeface="Verdana"/>
+                <a:cs typeface="Verdana"/>
+              </a:rPr>
+              <a:t>│</a:t>
+            </a:r>
+            <a:endParaRPr lang="de-DE" dirty="0"/>
+          </a:p>
+        </p:txBody>
+      </p:sp>
+      <p:grpSp>
+        <p:nvGrpSpPr>
+          <p:cNvPr id="54" name="Gruppieren 53">
+            <a:extLst>
+              <a:ext uri="{FF2B5EF4-FFF2-40B4-BE49-F238E27FC236}">
+                <a16:creationId xmlns:a16="http://schemas.microsoft.com/office/drawing/2014/main" id="{0CA5BBBB-C2EA-4140-813F-D0A69A018455}"/>
+              </a:ext>
+            </a:extLst>
+          </p:cNvPr>
+          <p:cNvGrpSpPr/>
+          <p:nvPr/>
+        </p:nvGrpSpPr>
+        <p:grpSpPr>
+          <a:xfrm>
+            <a:off x="5933418" y="3171262"/>
+            <a:ext cx="1437382" cy="864000"/>
+            <a:chOff x="5007957" y="675704"/>
+            <a:chExt cx="2277321" cy="864000"/>
+          </a:xfrm>
+        </p:grpSpPr>
+        <p:sp>
+          <p:nvSpPr>
+            <p:cNvPr id="55" name="Ellipse 54">
+              <a:extLst>
+                <a:ext uri="{FF2B5EF4-FFF2-40B4-BE49-F238E27FC236}">
+                  <a16:creationId xmlns:a16="http://schemas.microsoft.com/office/drawing/2014/main" id="{4E5BDD00-1FBA-40CC-8F25-417D0A22139F}"/>
+                </a:ext>
+              </a:extLst>
+            </p:cNvPr>
+            <p:cNvSpPr/>
+            <p:nvPr/>
+          </p:nvSpPr>
+          <p:spPr>
+            <a:xfrm>
+              <a:off x="5007957" y="675704"/>
+              <a:ext cx="2277321" cy="864000"/>
+            </a:xfrm>
+            <a:prstGeom prst="ellipse">
+              <a:avLst/>
+            </a:prstGeom>
+            <a:solidFill>
+              <a:schemeClr val="bg2"/>
+            </a:solidFill>
+            <a:ln w="12700">
+              <a:noFill/>
+            </a:ln>
+          </p:spPr>
+          <p:style>
+            <a:lnRef idx="2">
+              <a:schemeClr val="accent1">
+                <a:shade val="50000"/>
+              </a:schemeClr>
+            </a:lnRef>
+            <a:fillRef idx="1">
+              <a:schemeClr val="accent1"/>
+            </a:fillRef>
+            <a:effectRef idx="0">
+              <a:schemeClr val="accent1"/>
+            </a:effectRef>
+            <a:fontRef idx="minor">
+              <a:schemeClr val="lt1"/>
+            </a:fontRef>
+          </p:style>
+          <p:txBody>
+            <a:bodyPr rtlCol="0" anchor="ctr"/>
+            <a:lstStyle/>
+            <a:p>
+              <a:pPr algn="ctr"/>
+              <a:endParaRPr lang="en-GB"/>
+            </a:p>
+          </p:txBody>
+        </p:sp>
+        <p:sp>
+          <p:nvSpPr>
+            <p:cNvPr id="56" name="Textfeld 55">
+              <a:extLst>
+                <a:ext uri="{FF2B5EF4-FFF2-40B4-BE49-F238E27FC236}">
+                  <a16:creationId xmlns:a16="http://schemas.microsoft.com/office/drawing/2014/main" id="{5F5F0667-15D7-4A8D-BE35-C5A2E4523952}"/>
+                </a:ext>
+              </a:extLst>
+            </p:cNvPr>
+            <p:cNvSpPr txBox="1"/>
+            <p:nvPr/>
+          </p:nvSpPr>
+          <p:spPr>
+            <a:xfrm>
+              <a:off x="5219484" y="957925"/>
+              <a:ext cx="1895964" cy="276999"/>
+            </a:xfrm>
+            <a:prstGeom prst="rect">
+              <a:avLst/>
+            </a:prstGeom>
+            <a:noFill/>
+            <a:ln w="12700">
+              <a:solidFill>
+                <a:srgbClr val="FF0000"/>
+              </a:solidFill>
+            </a:ln>
+          </p:spPr>
+          <p:style>
+            <a:lnRef idx="2">
+              <a:schemeClr val="dk1"/>
+            </a:lnRef>
+            <a:fillRef idx="1">
+              <a:schemeClr val="lt1"/>
+            </a:fillRef>
+            <a:effectRef idx="0">
+              <a:schemeClr val="dk1"/>
+            </a:effectRef>
+            <a:fontRef idx="minor">
+              <a:schemeClr val="dk1"/>
+            </a:fontRef>
+          </p:style>
+          <p:txBody>
+            <a:bodyPr wrap="square" rtlCol="0">
+              <a:spAutoFit/>
+            </a:bodyPr>
+            <a:lstStyle/>
+            <a:p>
+              <a:r>
+                <a:rPr lang="de-DE" sz="1200" dirty="0"/>
+                <a:t>noise || signal?</a:t>
+              </a:r>
+              <a:endParaRPr lang="en-GB" sz="1200" dirty="0"/>
+            </a:p>
+          </p:txBody>
+        </p:sp>
+      </p:grpSp>
+      <p:sp>
+        <p:nvSpPr>
+          <p:cNvPr id="4" name="Textfeld 3">
+            <a:extLst>
+              <a:ext uri="{FF2B5EF4-FFF2-40B4-BE49-F238E27FC236}">
+                <a16:creationId xmlns:a16="http://schemas.microsoft.com/office/drawing/2014/main" id="{34748BB4-D0E1-4572-B811-82F4FDDB66DD}"/>
+              </a:ext>
+            </a:extLst>
+          </p:cNvPr>
+          <p:cNvSpPr txBox="1"/>
+          <p:nvPr/>
+        </p:nvSpPr>
+        <p:spPr>
+          <a:xfrm>
+            <a:off x="626028" y="3371651"/>
+            <a:ext cx="925553" cy="677108"/>
+          </a:xfrm>
+          <a:prstGeom prst="rect">
+            <a:avLst/>
+          </a:prstGeom>
+          <a:ln w="12700"/>
+        </p:spPr>
+        <p:style>
+          <a:lnRef idx="2">
+            <a:schemeClr val="accent5"/>
+          </a:lnRef>
+          <a:fillRef idx="1">
+            <a:schemeClr val="lt1"/>
+          </a:fillRef>
+          <a:effectRef idx="0">
+            <a:schemeClr val="accent5"/>
+          </a:effectRef>
+          <a:fontRef idx="minor">
+            <a:schemeClr val="dk1"/>
+          </a:fontRef>
+        </p:style>
+        <p:txBody>
+          <a:bodyPr wrap="square" rtlCol="0">
+            <a:spAutoFit/>
+          </a:bodyPr>
+          <a:lstStyle/>
+          <a:p>
+            <a:pPr algn="ctr"/>
+            <a:r>
+              <a:rPr lang="de-DE" sz="1000" dirty="0"/>
+              <a:t> </a:t>
+            </a:r>
+            <a:br>
+              <a:rPr lang="de-DE" dirty="0"/>
+            </a:br>
+            <a:r>
+              <a:rPr lang="de-DE" dirty="0"/>
+              <a:t>M_TLF</a:t>
+            </a:r>
+            <a:br>
+              <a:rPr lang="de-DE" dirty="0"/>
+            </a:br>
+            <a:r>
+              <a:rPr lang="de-DE" sz="1000" dirty="0"/>
+              <a:t> </a:t>
+            </a:r>
+            <a:endParaRPr lang="en-GB" sz="1000" dirty="0"/>
+          </a:p>
+        </p:txBody>
+      </p:sp>
+      <p:sp>
+        <p:nvSpPr>
+          <p:cNvPr id="37" name="Textfeld 36">
+            <a:extLst>
+              <a:ext uri="{FF2B5EF4-FFF2-40B4-BE49-F238E27FC236}">
+                <a16:creationId xmlns:a16="http://schemas.microsoft.com/office/drawing/2014/main" id="{214DC276-1426-4575-9B76-7FC9C83F573B}"/>
+              </a:ext>
+            </a:extLst>
+          </p:cNvPr>
+          <p:cNvSpPr txBox="1"/>
+          <p:nvPr/>
+        </p:nvSpPr>
+        <p:spPr>
+          <a:xfrm>
+            <a:off x="4579381" y="4288746"/>
+            <a:ext cx="1851356" cy="276999"/>
+          </a:xfrm>
+          <a:prstGeom prst="rect">
+            <a:avLst/>
+          </a:prstGeom>
+          <a:noFill/>
+        </p:spPr>
+        <p:txBody>
+          <a:bodyPr wrap="square" rtlCol="0">
+            <a:spAutoFit/>
+          </a:bodyPr>
+          <a:lstStyle/>
+          <a:p>
+            <a:pPr algn="ctr"/>
+            <a:r>
+              <a:rPr lang="de-DE" sz="1200" dirty="0"/>
+              <a:t>predict confidence</a:t>
+            </a:r>
+            <a:endParaRPr lang="en-GB" sz="1200" dirty="0"/>
+          </a:p>
+        </p:txBody>
+      </p:sp>
+      <p:grpSp>
+        <p:nvGrpSpPr>
+          <p:cNvPr id="142" name="Gruppieren 141">
+            <a:extLst>
+              <a:ext uri="{FF2B5EF4-FFF2-40B4-BE49-F238E27FC236}">
+                <a16:creationId xmlns:a16="http://schemas.microsoft.com/office/drawing/2014/main" id="{29D77E13-F1AD-4379-B19B-9802E96ACF8E}"/>
+              </a:ext>
+            </a:extLst>
+          </p:cNvPr>
+          <p:cNvGrpSpPr/>
+          <p:nvPr/>
+        </p:nvGrpSpPr>
+        <p:grpSpPr>
+          <a:xfrm>
+            <a:off x="2852357" y="2816508"/>
+            <a:ext cx="2386159" cy="501203"/>
+            <a:chOff x="1551672" y="3429829"/>
+            <a:chExt cx="2386159" cy="501203"/>
+          </a:xfrm>
+        </p:grpSpPr>
+        <p:grpSp>
+          <p:nvGrpSpPr>
+            <p:cNvPr id="45" name="Gruppieren 44">
+              <a:extLst>
+                <a:ext uri="{FF2B5EF4-FFF2-40B4-BE49-F238E27FC236}">
+                  <a16:creationId xmlns:a16="http://schemas.microsoft.com/office/drawing/2014/main" id="{50CB4AD0-9CCC-425D-ABDB-95E873D56E0E}"/>
+                </a:ext>
+              </a:extLst>
+            </p:cNvPr>
+            <p:cNvGrpSpPr/>
+            <p:nvPr/>
+          </p:nvGrpSpPr>
+          <p:grpSpPr>
+            <a:xfrm rot="16200000">
+              <a:off x="2543891" y="2493128"/>
+              <a:ext cx="281502" cy="2154905"/>
+              <a:chOff x="8186171" y="2291056"/>
+              <a:chExt cx="281502" cy="2154905"/>
+            </a:xfrm>
+          </p:grpSpPr>
+          <p:sp>
+            <p:nvSpPr>
+              <p:cNvPr id="90" name="Rechteck 89">
+                <a:extLst>
+                  <a:ext uri="{FF2B5EF4-FFF2-40B4-BE49-F238E27FC236}">
+                    <a16:creationId xmlns:a16="http://schemas.microsoft.com/office/drawing/2014/main" id="{95C5C1C1-7965-4965-AA00-24E394DB571D}"/>
+                  </a:ext>
+                </a:extLst>
+              </p:cNvPr>
+              <p:cNvSpPr/>
+              <p:nvPr/>
+            </p:nvSpPr>
+            <p:spPr>
+              <a:xfrm>
+                <a:off x="8209400" y="2316725"/>
+                <a:ext cx="240948" cy="2129236"/>
+              </a:xfrm>
+              <a:prstGeom prst="rect">
+                <a:avLst/>
+              </a:prstGeom>
+              <a:ln/>
+            </p:spPr>
+            <p:style>
+              <a:lnRef idx="2">
+                <a:schemeClr val="dk1"/>
+              </a:lnRef>
+              <a:fillRef idx="1">
+                <a:schemeClr val="lt1"/>
+              </a:fillRef>
+              <a:effectRef idx="0">
+                <a:schemeClr val="dk1"/>
+              </a:effectRef>
+              <a:fontRef idx="minor">
+                <a:schemeClr val="dk1"/>
+              </a:fontRef>
+            </p:style>
+            <p:txBody>
+              <a:bodyPr rtlCol="0" anchor="ctr"/>
+              <a:lstStyle/>
+              <a:p>
+                <a:pPr algn="ctr"/>
+                <a:endParaRPr lang="en-GB"/>
+              </a:p>
+            </p:txBody>
+          </p:sp>
+          <p:cxnSp>
+            <p:nvCxnSpPr>
+              <p:cNvPr id="91" name="Gerader Verbinder 90">
+                <a:extLst>
+                  <a:ext uri="{FF2B5EF4-FFF2-40B4-BE49-F238E27FC236}">
+                    <a16:creationId xmlns:a16="http://schemas.microsoft.com/office/drawing/2014/main" id="{93471351-09A3-4FDD-9FD5-12F987817005}"/>
+                  </a:ext>
+                </a:extLst>
+              </p:cNvPr>
+              <p:cNvCxnSpPr>
+                <a:cxnSpLocks/>
+              </p:cNvCxnSpPr>
+              <p:nvPr/>
+            </p:nvCxnSpPr>
+            <p:spPr>
+              <a:xfrm>
+                <a:off x="8209400" y="4231935"/>
+                <a:ext cx="240948" cy="0"/>
+              </a:xfrm>
+              <a:prstGeom prst="line">
+                <a:avLst/>
+              </a:prstGeom>
+            </p:spPr>
+            <p:style>
+              <a:lnRef idx="1">
+                <a:schemeClr val="dk1"/>
+              </a:lnRef>
+              <a:fillRef idx="0">
+                <a:schemeClr val="dk1"/>
+              </a:fillRef>
+              <a:effectRef idx="0">
+                <a:schemeClr val="dk1"/>
+              </a:effectRef>
+              <a:fontRef idx="minor">
+                <a:schemeClr val="tx1"/>
+              </a:fontRef>
+            </p:style>
+          </p:cxnSp>
+          <p:sp>
+            <p:nvSpPr>
+              <p:cNvPr id="92" name="Textfeld 91">
+                <a:extLst>
+                  <a:ext uri="{FF2B5EF4-FFF2-40B4-BE49-F238E27FC236}">
+                    <a16:creationId xmlns:a16="http://schemas.microsoft.com/office/drawing/2014/main" id="{2EB2A6F9-5891-469C-9057-75A44FA05E89}"/>
+                  </a:ext>
+                </a:extLst>
+              </p:cNvPr>
+              <p:cNvSpPr txBox="1"/>
+              <p:nvPr/>
+            </p:nvSpPr>
+            <p:spPr>
+              <a:xfrm rot="5400000">
+                <a:off x="8189858" y="2287369"/>
+                <a:ext cx="269626" cy="276999"/>
+              </a:xfrm>
+              <a:prstGeom prst="rect">
+                <a:avLst/>
+              </a:prstGeom>
+              <a:noFill/>
+            </p:spPr>
+            <p:txBody>
+              <a:bodyPr wrap="none" rtlCol="0">
+                <a:spAutoFit/>
+              </a:bodyPr>
+              <a:lstStyle/>
+              <a:p>
+                <a:pPr algn="ctr"/>
+                <a:r>
+                  <a:rPr lang="de-DE" sz="1200" dirty="0"/>
+                  <a:t>1</a:t>
+                </a:r>
+                <a:endParaRPr lang="en-GB" sz="1200" dirty="0"/>
+              </a:p>
+            </p:txBody>
+          </p:sp>
+          <p:sp>
+            <p:nvSpPr>
+              <p:cNvPr id="93" name="Textfeld 92">
+                <a:extLst>
+                  <a:ext uri="{FF2B5EF4-FFF2-40B4-BE49-F238E27FC236}">
+                    <a16:creationId xmlns:a16="http://schemas.microsoft.com/office/drawing/2014/main" id="{32FF2F6F-EBE1-4B0F-B562-0EF3D286585A}"/>
+                  </a:ext>
+                </a:extLst>
+              </p:cNvPr>
+              <p:cNvSpPr txBox="1"/>
+              <p:nvPr/>
+            </p:nvSpPr>
+            <p:spPr>
+              <a:xfrm rot="5400000">
+                <a:off x="8194361" y="2487531"/>
+                <a:ext cx="269626" cy="276999"/>
+              </a:xfrm>
+              <a:prstGeom prst="rect">
+                <a:avLst/>
+              </a:prstGeom>
+              <a:noFill/>
+            </p:spPr>
+            <p:txBody>
+              <a:bodyPr wrap="none" rtlCol="0">
+                <a:spAutoFit/>
+              </a:bodyPr>
+              <a:lstStyle/>
+              <a:p>
+                <a:pPr algn="ctr"/>
+                <a:r>
+                  <a:rPr lang="de-DE" sz="1200" dirty="0"/>
+                  <a:t>0</a:t>
+                </a:r>
+                <a:endParaRPr lang="en-GB" sz="1200" dirty="0"/>
+              </a:p>
+            </p:txBody>
+          </p:sp>
+          <p:cxnSp>
+            <p:nvCxnSpPr>
+              <p:cNvPr id="94" name="Gerader Verbinder 93">
+                <a:extLst>
+                  <a:ext uri="{FF2B5EF4-FFF2-40B4-BE49-F238E27FC236}">
+                    <a16:creationId xmlns:a16="http://schemas.microsoft.com/office/drawing/2014/main" id="{4192F0BC-2E90-434F-AF74-E07CD8461713}"/>
+                  </a:ext>
+                </a:extLst>
+              </p:cNvPr>
+              <p:cNvCxnSpPr>
+                <a:cxnSpLocks/>
+              </p:cNvCxnSpPr>
+              <p:nvPr/>
+            </p:nvCxnSpPr>
+            <p:spPr>
+              <a:xfrm>
+                <a:off x="8204121" y="2733003"/>
+                <a:ext cx="240948" cy="0"/>
+              </a:xfrm>
+              <a:prstGeom prst="line">
+                <a:avLst/>
+              </a:prstGeom>
+            </p:spPr>
+            <p:style>
+              <a:lnRef idx="1">
+                <a:schemeClr val="dk1"/>
+              </a:lnRef>
+              <a:fillRef idx="0">
+                <a:schemeClr val="dk1"/>
+              </a:fillRef>
+              <a:effectRef idx="0">
+                <a:schemeClr val="dk1"/>
+              </a:effectRef>
+              <a:fontRef idx="minor">
+                <a:schemeClr val="tx1"/>
+              </a:fontRef>
+            </p:style>
+          </p:cxnSp>
+          <p:cxnSp>
+            <p:nvCxnSpPr>
+              <p:cNvPr id="95" name="Gerader Verbinder 94">
+                <a:extLst>
+                  <a:ext uri="{FF2B5EF4-FFF2-40B4-BE49-F238E27FC236}">
+                    <a16:creationId xmlns:a16="http://schemas.microsoft.com/office/drawing/2014/main" id="{1143FF72-FC26-4ECB-8CA7-17718BB6CB9A}"/>
+                  </a:ext>
+                </a:extLst>
+              </p:cNvPr>
+              <p:cNvCxnSpPr>
+                <a:cxnSpLocks/>
+              </p:cNvCxnSpPr>
+              <p:nvPr/>
+            </p:nvCxnSpPr>
+            <p:spPr>
+              <a:xfrm>
+                <a:off x="8209400" y="2525238"/>
+                <a:ext cx="240948" cy="0"/>
+              </a:xfrm>
+              <a:prstGeom prst="line">
+                <a:avLst/>
+              </a:prstGeom>
+            </p:spPr>
+            <p:style>
+              <a:lnRef idx="1">
+                <a:schemeClr val="dk1"/>
+              </a:lnRef>
+              <a:fillRef idx="0">
+                <a:schemeClr val="dk1"/>
+              </a:fillRef>
+              <a:effectRef idx="0">
+                <a:schemeClr val="dk1"/>
+              </a:effectRef>
+              <a:fontRef idx="minor">
+                <a:schemeClr val="tx1"/>
+              </a:fontRef>
+            </p:style>
+          </p:cxnSp>
+        </p:grpSp>
+        <p:sp>
+          <p:nvSpPr>
+            <p:cNvPr id="96" name="Textfeld 95">
+              <a:extLst>
+                <a:ext uri="{FF2B5EF4-FFF2-40B4-BE49-F238E27FC236}">
+                  <a16:creationId xmlns:a16="http://schemas.microsoft.com/office/drawing/2014/main" id="{CF6EC3A1-06F7-41BF-8972-E8E65F743D5D}"/>
+                </a:ext>
+              </a:extLst>
+            </p:cNvPr>
+            <p:cNvSpPr txBox="1"/>
+            <p:nvPr/>
+          </p:nvSpPr>
+          <p:spPr>
+            <a:xfrm>
+              <a:off x="1551672" y="3650394"/>
+              <a:ext cx="467590" cy="276999"/>
+            </a:xfrm>
+            <a:prstGeom prst="rect">
+              <a:avLst/>
+            </a:prstGeom>
+            <a:noFill/>
+          </p:spPr>
+          <p:txBody>
+            <a:bodyPr wrap="square" rtlCol="0">
+              <a:spAutoFit/>
+            </a:bodyPr>
+            <a:lstStyle/>
+            <a:p>
+              <a:r>
+                <a:rPr lang="de-DE" sz="1200" dirty="0"/>
+                <a:t>M1</a:t>
+              </a:r>
+              <a:endParaRPr lang="en-GB" sz="1200" dirty="0"/>
+            </a:p>
+          </p:txBody>
+        </p:sp>
+        <p:sp>
+          <p:nvSpPr>
+            <p:cNvPr id="97" name="Textfeld 96">
+              <a:extLst>
+                <a:ext uri="{FF2B5EF4-FFF2-40B4-BE49-F238E27FC236}">
+                  <a16:creationId xmlns:a16="http://schemas.microsoft.com/office/drawing/2014/main" id="{27C8D250-913C-4B5E-A97A-E10D414FD079}"/>
+                </a:ext>
+              </a:extLst>
+            </p:cNvPr>
+            <p:cNvSpPr txBox="1"/>
+            <p:nvPr/>
+          </p:nvSpPr>
+          <p:spPr>
+            <a:xfrm>
+              <a:off x="1790769" y="3654033"/>
+              <a:ext cx="467590" cy="276999"/>
+            </a:xfrm>
+            <a:prstGeom prst="rect">
+              <a:avLst/>
+            </a:prstGeom>
+            <a:noFill/>
+          </p:spPr>
+          <p:txBody>
+            <a:bodyPr wrap="square" rtlCol="0">
+              <a:spAutoFit/>
+            </a:bodyPr>
+            <a:lstStyle/>
+            <a:p>
+              <a:r>
+                <a:rPr lang="de-DE" sz="1200" dirty="0"/>
+                <a:t>M2</a:t>
+              </a:r>
+              <a:endParaRPr lang="en-GB" sz="1200" dirty="0"/>
+            </a:p>
+          </p:txBody>
+        </p:sp>
+        <p:sp>
+          <p:nvSpPr>
+            <p:cNvPr id="98" name="Textfeld 97">
+              <a:extLst>
+                <a:ext uri="{FF2B5EF4-FFF2-40B4-BE49-F238E27FC236}">
+                  <a16:creationId xmlns:a16="http://schemas.microsoft.com/office/drawing/2014/main" id="{590569D5-CA5C-4115-BBE6-C9C7E0609729}"/>
+                </a:ext>
+              </a:extLst>
+            </p:cNvPr>
+            <p:cNvSpPr txBox="1"/>
+            <p:nvPr/>
+          </p:nvSpPr>
+          <p:spPr>
+            <a:xfrm>
+              <a:off x="3470241" y="3650394"/>
+              <a:ext cx="467590" cy="276999"/>
+            </a:xfrm>
+            <a:prstGeom prst="rect">
+              <a:avLst/>
+            </a:prstGeom>
+            <a:noFill/>
+          </p:spPr>
+          <p:txBody>
+            <a:bodyPr wrap="square" rtlCol="0">
+              <a:spAutoFit/>
+            </a:bodyPr>
+            <a:lstStyle/>
+            <a:p>
+              <a:r>
+                <a:rPr lang="de-DE" sz="1200" dirty="0"/>
+                <a:t>M9</a:t>
+              </a:r>
+              <a:endParaRPr lang="en-GB" sz="1200" dirty="0"/>
+            </a:p>
+          </p:txBody>
+        </p:sp>
+        <p:sp>
+          <p:nvSpPr>
+            <p:cNvPr id="99" name="Textfeld 98">
+              <a:extLst>
+                <a:ext uri="{FF2B5EF4-FFF2-40B4-BE49-F238E27FC236}">
+                  <a16:creationId xmlns:a16="http://schemas.microsoft.com/office/drawing/2014/main" id="{ECEA2886-B4FD-436D-83B4-3B7F19FD0274}"/>
+                </a:ext>
+              </a:extLst>
+            </p:cNvPr>
+            <p:cNvSpPr txBox="1"/>
+            <p:nvPr/>
+          </p:nvSpPr>
+          <p:spPr>
+            <a:xfrm>
+              <a:off x="3506389" y="3429829"/>
+              <a:ext cx="269626" cy="276999"/>
+            </a:xfrm>
+            <a:prstGeom prst="rect">
+              <a:avLst/>
+            </a:prstGeom>
+            <a:noFill/>
+          </p:spPr>
+          <p:txBody>
+            <a:bodyPr wrap="none" rtlCol="0">
+              <a:spAutoFit/>
+            </a:bodyPr>
+            <a:lstStyle/>
+            <a:p>
+              <a:pPr algn="ctr"/>
+              <a:r>
+                <a:rPr lang="de-DE" sz="1200" dirty="0"/>
+                <a:t>0</a:t>
+              </a:r>
+              <a:endParaRPr lang="en-GB" sz="1200" dirty="0"/>
+            </a:p>
+          </p:txBody>
+        </p:sp>
+        <p:sp>
+          <p:nvSpPr>
+            <p:cNvPr id="100" name="Textfeld 99">
+              <a:extLst>
+                <a:ext uri="{FF2B5EF4-FFF2-40B4-BE49-F238E27FC236}">
+                  <a16:creationId xmlns:a16="http://schemas.microsoft.com/office/drawing/2014/main" id="{20149BCE-37B8-42DC-91B5-5669905F2721}"/>
+                </a:ext>
+              </a:extLst>
+            </p:cNvPr>
+            <p:cNvSpPr txBox="1"/>
+            <p:nvPr/>
+          </p:nvSpPr>
+          <p:spPr>
+            <a:xfrm rot="16200000">
+              <a:off x="2539493" y="3507584"/>
+              <a:ext cx="276998" cy="553998"/>
+            </a:xfrm>
+            <a:prstGeom prst="rect">
+              <a:avLst/>
+            </a:prstGeom>
+            <a:noFill/>
+          </p:spPr>
+          <p:txBody>
+            <a:bodyPr wrap="square" rtlCol="0">
+              <a:spAutoFit/>
+            </a:bodyPr>
+            <a:lstStyle/>
+            <a:p>
+              <a:r>
+                <a:rPr lang="de-DE" sz="1000" b="1" dirty="0"/>
+                <a:t>.</a:t>
+              </a:r>
+            </a:p>
+            <a:p>
+              <a:r>
+                <a:rPr lang="de-DE" sz="1000" b="1" dirty="0"/>
+                <a:t>.</a:t>
+              </a:r>
+            </a:p>
+            <a:p>
+              <a:r>
+                <a:rPr lang="de-DE" sz="1000" b="1" dirty="0"/>
+                <a:t>.</a:t>
+              </a:r>
+              <a:endParaRPr lang="en-GB" sz="1000" b="1" dirty="0"/>
+            </a:p>
+          </p:txBody>
+        </p:sp>
+      </p:grpSp>
+      <p:sp>
+        <p:nvSpPr>
+          <p:cNvPr id="101" name="Textfeld 100">
+            <a:extLst>
+              <a:ext uri="{FF2B5EF4-FFF2-40B4-BE49-F238E27FC236}">
+                <a16:creationId xmlns:a16="http://schemas.microsoft.com/office/drawing/2014/main" id="{6921DC7F-DFC0-484C-9DDA-1A5328407651}"/>
+              </a:ext>
+            </a:extLst>
+          </p:cNvPr>
+          <p:cNvSpPr txBox="1"/>
+          <p:nvPr/>
+        </p:nvSpPr>
+        <p:spPr>
+          <a:xfrm>
+            <a:off x="3790212" y="3950192"/>
+            <a:ext cx="991894" cy="677108"/>
+          </a:xfrm>
+          <a:prstGeom prst="rect">
+            <a:avLst/>
+          </a:prstGeom>
+          <a:ln w="12700"/>
+        </p:spPr>
+        <p:style>
+          <a:lnRef idx="2">
+            <a:schemeClr val="accent5"/>
+          </a:lnRef>
+          <a:fillRef idx="1">
+            <a:schemeClr val="lt1"/>
+          </a:fillRef>
+          <a:effectRef idx="0">
+            <a:schemeClr val="accent5"/>
+          </a:effectRef>
+          <a:fontRef idx="minor">
+            <a:schemeClr val="dk1"/>
+          </a:fontRef>
+        </p:style>
+        <p:txBody>
+          <a:bodyPr wrap="square" rtlCol="0">
+            <a:spAutoFit/>
+          </a:bodyPr>
+          <a:lstStyle/>
+          <a:p>
+            <a:pPr algn="ctr"/>
+            <a:r>
+              <a:rPr lang="de-DE" sz="1000" dirty="0"/>
+              <a:t> </a:t>
+            </a:r>
+            <a:br>
+              <a:rPr lang="de-DE" dirty="0"/>
+            </a:br>
+            <a:r>
+              <a:rPr lang="de-DE" dirty="0" err="1"/>
+              <a:t>M_Conf</a:t>
+            </a:r>
+            <a:br>
+              <a:rPr lang="de-DE" dirty="0"/>
+            </a:br>
+            <a:r>
+              <a:rPr lang="de-DE" sz="1000" dirty="0"/>
+              <a:t> </a:t>
+            </a:r>
+            <a:endParaRPr lang="en-GB" sz="1000" dirty="0"/>
+          </a:p>
+        </p:txBody>
+      </p:sp>
+      <p:grpSp>
+        <p:nvGrpSpPr>
+          <p:cNvPr id="102" name="Gruppieren 101">
+            <a:extLst>
+              <a:ext uri="{FF2B5EF4-FFF2-40B4-BE49-F238E27FC236}">
+                <a16:creationId xmlns:a16="http://schemas.microsoft.com/office/drawing/2014/main" id="{B585C9E6-8A18-451B-B29C-6DDE72134698}"/>
+              </a:ext>
+            </a:extLst>
+          </p:cNvPr>
+          <p:cNvGrpSpPr/>
+          <p:nvPr/>
+        </p:nvGrpSpPr>
+        <p:grpSpPr>
+          <a:xfrm>
+            <a:off x="141398" y="1643718"/>
+            <a:ext cx="1864274" cy="1242349"/>
+            <a:chOff x="5688814" y="297355"/>
+            <a:chExt cx="1864274" cy="1242349"/>
+          </a:xfrm>
+        </p:grpSpPr>
+        <p:sp>
+          <p:nvSpPr>
+            <p:cNvPr id="103" name="Ellipse 102">
+              <a:extLst>
+                <a:ext uri="{FF2B5EF4-FFF2-40B4-BE49-F238E27FC236}">
+                  <a16:creationId xmlns:a16="http://schemas.microsoft.com/office/drawing/2014/main" id="{4E5CDDB5-8FAF-4356-A706-12D94628E4BD}"/>
+                </a:ext>
+              </a:extLst>
+            </p:cNvPr>
+            <p:cNvSpPr/>
+            <p:nvPr/>
+          </p:nvSpPr>
+          <p:spPr>
+            <a:xfrm>
+              <a:off x="5688814" y="675704"/>
+              <a:ext cx="1864274" cy="864000"/>
+            </a:xfrm>
+            <a:prstGeom prst="ellipse">
+              <a:avLst/>
+            </a:prstGeom>
+            <a:solidFill>
+              <a:schemeClr val="bg2"/>
+            </a:solidFill>
+            <a:ln>
+              <a:noFill/>
+            </a:ln>
+          </p:spPr>
+          <p:style>
+            <a:lnRef idx="2">
+              <a:schemeClr val="accent1">
+                <a:shade val="50000"/>
+              </a:schemeClr>
+            </a:lnRef>
+            <a:fillRef idx="1">
+              <a:schemeClr val="accent1"/>
+            </a:fillRef>
+            <a:effectRef idx="0">
+              <a:schemeClr val="accent1"/>
+            </a:effectRef>
+            <a:fontRef idx="minor">
+              <a:schemeClr val="lt1"/>
+            </a:fontRef>
+          </p:style>
+          <p:txBody>
+            <a:bodyPr rtlCol="0" anchor="ctr"/>
+            <a:lstStyle/>
+            <a:p>
+              <a:pPr algn="ctr"/>
+              <a:endParaRPr lang="en-GB"/>
+            </a:p>
+          </p:txBody>
+        </p:sp>
+        <p:sp>
+          <p:nvSpPr>
+            <p:cNvPr id="104" name="Textfeld 103">
+              <a:extLst>
+                <a:ext uri="{FF2B5EF4-FFF2-40B4-BE49-F238E27FC236}">
+                  <a16:creationId xmlns:a16="http://schemas.microsoft.com/office/drawing/2014/main" id="{71EB9C69-9BBE-4F0B-9261-730B292FABB5}"/>
+                </a:ext>
+              </a:extLst>
+            </p:cNvPr>
+            <p:cNvSpPr txBox="1"/>
+            <p:nvPr/>
+          </p:nvSpPr>
+          <p:spPr>
+            <a:xfrm>
+              <a:off x="5925098" y="928279"/>
+              <a:ext cx="1395210" cy="276999"/>
+            </a:xfrm>
+            <a:prstGeom prst="rect">
+              <a:avLst/>
+            </a:prstGeom>
+            <a:noFill/>
+            <a:ln w="12700"/>
+          </p:spPr>
+          <p:style>
+            <a:lnRef idx="2">
+              <a:schemeClr val="dk1"/>
+            </a:lnRef>
+            <a:fillRef idx="1">
+              <a:schemeClr val="lt1"/>
+            </a:fillRef>
+            <a:effectRef idx="0">
+              <a:schemeClr val="dk1"/>
+            </a:effectRef>
+            <a:fontRef idx="minor">
+              <a:schemeClr val="dk1"/>
+            </a:fontRef>
+          </p:style>
+          <p:txBody>
+            <a:bodyPr wrap="square" rtlCol="0">
+              <a:spAutoFit/>
+            </a:bodyPr>
+            <a:lstStyle/>
+            <a:p>
+              <a:r>
+                <a:rPr lang="de-DE" sz="1200" dirty="0"/>
+                <a:t>new patient Data</a:t>
+              </a:r>
+              <a:endParaRPr lang="en-GB" sz="1200" dirty="0"/>
+            </a:p>
+          </p:txBody>
+        </p:sp>
+        <p:sp>
+          <p:nvSpPr>
+            <p:cNvPr id="105" name="Textfeld 104">
+              <a:extLst>
+                <a:ext uri="{FF2B5EF4-FFF2-40B4-BE49-F238E27FC236}">
+                  <a16:creationId xmlns:a16="http://schemas.microsoft.com/office/drawing/2014/main" id="{B05A4F48-324B-4F36-989C-96EDDB2154B0}"/>
+                </a:ext>
+              </a:extLst>
+            </p:cNvPr>
+            <p:cNvSpPr txBox="1"/>
+            <p:nvPr/>
+          </p:nvSpPr>
+          <p:spPr>
+            <a:xfrm>
+              <a:off x="6290078" y="297355"/>
+              <a:ext cx="692287" cy="369332"/>
+            </a:xfrm>
+            <a:prstGeom prst="rect">
+              <a:avLst/>
+            </a:prstGeom>
+            <a:noFill/>
+          </p:spPr>
+          <p:txBody>
+            <a:bodyPr wrap="square" rtlCol="0">
+              <a:spAutoFit/>
+            </a:bodyPr>
+            <a:lstStyle/>
+            <a:p>
+              <a:r>
+                <a:rPr lang="de-DE" dirty="0"/>
+                <a:t>Input</a:t>
+              </a:r>
+              <a:endParaRPr lang="en-GB" dirty="0"/>
+            </a:p>
+          </p:txBody>
+        </p:sp>
+      </p:grpSp>
+      <p:sp>
+        <p:nvSpPr>
+          <p:cNvPr id="137" name="Textfeld 136">
+            <a:extLst>
+              <a:ext uri="{FF2B5EF4-FFF2-40B4-BE49-F238E27FC236}">
+                <a16:creationId xmlns:a16="http://schemas.microsoft.com/office/drawing/2014/main" id="{1246699C-2ED6-4371-A521-B8A49D4EE089}"/>
+              </a:ext>
+            </a:extLst>
+          </p:cNvPr>
+          <p:cNvSpPr txBox="1"/>
+          <p:nvPr/>
+        </p:nvSpPr>
+        <p:spPr>
+          <a:xfrm>
+            <a:off x="1377428" y="3673193"/>
+            <a:ext cx="1193246" cy="276999"/>
+          </a:xfrm>
+          <a:prstGeom prst="rect">
+            <a:avLst/>
+          </a:prstGeom>
+          <a:noFill/>
+        </p:spPr>
+        <p:txBody>
+          <a:bodyPr wrap="square" rtlCol="0">
+            <a:spAutoFit/>
+          </a:bodyPr>
+          <a:lstStyle/>
+          <a:p>
+            <a:pPr algn="ctr"/>
+            <a:r>
+              <a:rPr lang="de-DE" sz="1200" dirty="0"/>
+              <a:t>predict TLF</a:t>
+            </a:r>
+            <a:endParaRPr lang="en-GB" sz="1200" dirty="0"/>
+          </a:p>
+        </p:txBody>
+      </p:sp>
+      <p:cxnSp>
+        <p:nvCxnSpPr>
+          <p:cNvPr id="148" name="Verbinder: gewinkelt 147">
+            <a:extLst>
+              <a:ext uri="{FF2B5EF4-FFF2-40B4-BE49-F238E27FC236}">
+                <a16:creationId xmlns:a16="http://schemas.microsoft.com/office/drawing/2014/main" id="{21C4D09F-D89C-4546-8FA1-6832FE45BDDE}"/>
+              </a:ext>
+            </a:extLst>
+          </p:cNvPr>
+          <p:cNvCxnSpPr>
+            <a:cxnSpLocks/>
+            <a:stCxn id="4" idx="3"/>
+            <a:endCxn id="92" idx="1"/>
+          </p:cNvCxnSpPr>
+          <p:nvPr/>
+        </p:nvCxnSpPr>
+        <p:spPr>
+          <a:xfrm flipV="1">
+            <a:off x="1551581" y="2959511"/>
+            <a:ext cx="1356293" cy="750694"/>
+          </a:xfrm>
+          <a:prstGeom prst="bentConnector3">
+            <a:avLst>
+              <a:gd name="adj1" fmla="val 50000"/>
+            </a:avLst>
+          </a:prstGeom>
+          <a:ln w="12700">
+            <a:tailEnd type="triangle"/>
+          </a:ln>
+        </p:spPr>
+        <p:style>
+          <a:lnRef idx="1">
+            <a:schemeClr val="dk1"/>
+          </a:lnRef>
+          <a:fillRef idx="0">
+            <a:schemeClr val="dk1"/>
+          </a:fillRef>
+          <a:effectRef idx="0">
+            <a:schemeClr val="dk1"/>
+          </a:effectRef>
+          <a:fontRef idx="minor">
+            <a:schemeClr val="tx1"/>
+          </a:fontRef>
+        </p:style>
+      </p:cxnSp>
+      <p:cxnSp>
+        <p:nvCxnSpPr>
+          <p:cNvPr id="152" name="Verbinder: gewinkelt 151">
+            <a:extLst>
+              <a:ext uri="{FF2B5EF4-FFF2-40B4-BE49-F238E27FC236}">
+                <a16:creationId xmlns:a16="http://schemas.microsoft.com/office/drawing/2014/main" id="{CD6DB383-15D0-40C7-92E6-3FEAEBD27FC6}"/>
+              </a:ext>
+            </a:extLst>
+          </p:cNvPr>
+          <p:cNvCxnSpPr>
+            <a:cxnSpLocks/>
+            <a:endCxn id="92" idx="1"/>
+          </p:cNvCxnSpPr>
+          <p:nvPr/>
+        </p:nvCxnSpPr>
+        <p:spPr>
+          <a:xfrm>
+            <a:off x="2024526" y="2454067"/>
+            <a:ext cx="883348" cy="505444"/>
+          </a:xfrm>
+          <a:prstGeom prst="bentConnector3">
+            <a:avLst>
+              <a:gd name="adj1" fmla="val 23321"/>
+            </a:avLst>
+          </a:prstGeom>
+          <a:ln w="12700">
+            <a:tailEnd type="triangle"/>
+          </a:ln>
+        </p:spPr>
+        <p:style>
+          <a:lnRef idx="1">
+            <a:schemeClr val="dk1"/>
+          </a:lnRef>
+          <a:fillRef idx="0">
+            <a:schemeClr val="dk1"/>
+          </a:fillRef>
+          <a:effectRef idx="0">
+            <a:schemeClr val="dk1"/>
+          </a:effectRef>
+          <a:fontRef idx="minor">
+            <a:schemeClr val="tx1"/>
+          </a:fontRef>
+        </p:style>
+      </p:cxnSp>
+      <p:cxnSp>
+        <p:nvCxnSpPr>
+          <p:cNvPr id="163" name="Verbinder: gewinkelt 162">
+            <a:extLst>
+              <a:ext uri="{FF2B5EF4-FFF2-40B4-BE49-F238E27FC236}">
+                <a16:creationId xmlns:a16="http://schemas.microsoft.com/office/drawing/2014/main" id="{5A8456D9-0EA4-4C77-8D9A-46887FD0886A}"/>
+              </a:ext>
+            </a:extLst>
+          </p:cNvPr>
+          <p:cNvCxnSpPr>
+            <a:cxnSpLocks/>
+            <a:stCxn id="101" idx="3"/>
+            <a:endCxn id="55" idx="2"/>
+          </p:cNvCxnSpPr>
+          <p:nvPr/>
+        </p:nvCxnSpPr>
+        <p:spPr>
+          <a:xfrm flipV="1">
+            <a:off x="4782106" y="3603262"/>
+            <a:ext cx="1151312" cy="685484"/>
+          </a:xfrm>
+          <a:prstGeom prst="bentConnector3">
+            <a:avLst>
+              <a:gd name="adj1" fmla="val 50000"/>
+            </a:avLst>
+          </a:prstGeom>
+          <a:ln w="12700">
+            <a:tailEnd type="triangle"/>
+          </a:ln>
+        </p:spPr>
+        <p:style>
+          <a:lnRef idx="1">
+            <a:schemeClr val="dk1"/>
+          </a:lnRef>
+          <a:fillRef idx="0">
+            <a:schemeClr val="dk1"/>
+          </a:fillRef>
+          <a:effectRef idx="0">
+            <a:schemeClr val="dk1"/>
+          </a:effectRef>
+          <a:fontRef idx="minor">
+            <a:schemeClr val="tx1"/>
+          </a:fontRef>
+        </p:style>
+      </p:cxnSp>
+      <p:cxnSp>
+        <p:nvCxnSpPr>
+          <p:cNvPr id="166" name="Verbinder: gewinkelt 165">
+            <a:extLst>
+              <a:ext uri="{FF2B5EF4-FFF2-40B4-BE49-F238E27FC236}">
+                <a16:creationId xmlns:a16="http://schemas.microsoft.com/office/drawing/2014/main" id="{2B553997-7BAC-4822-A89D-9A008A484A1F}"/>
+              </a:ext>
+            </a:extLst>
+          </p:cNvPr>
+          <p:cNvCxnSpPr>
+            <a:cxnSpLocks/>
+            <a:stCxn id="99" idx="3"/>
+            <a:endCxn id="55" idx="2"/>
+          </p:cNvCxnSpPr>
+          <p:nvPr/>
+        </p:nvCxnSpPr>
+        <p:spPr>
+          <a:xfrm>
+            <a:off x="5076700" y="2955008"/>
+            <a:ext cx="856718" cy="648254"/>
+          </a:xfrm>
+          <a:prstGeom prst="bentConnector3">
+            <a:avLst>
+              <a:gd name="adj1" fmla="val 32395"/>
+            </a:avLst>
+          </a:prstGeom>
+          <a:ln w="12700">
+            <a:tailEnd type="triangle"/>
+          </a:ln>
+        </p:spPr>
+        <p:style>
+          <a:lnRef idx="1">
+            <a:schemeClr val="dk1"/>
+          </a:lnRef>
+          <a:fillRef idx="0">
+            <a:schemeClr val="dk1"/>
+          </a:fillRef>
+          <a:effectRef idx="0">
+            <a:schemeClr val="dk1"/>
+          </a:effectRef>
+          <a:fontRef idx="minor">
+            <a:schemeClr val="tx1"/>
+          </a:fontRef>
+        </p:style>
+      </p:cxnSp>
+      <p:cxnSp>
+        <p:nvCxnSpPr>
+          <p:cNvPr id="180" name="Gerade Verbindung mit Pfeil 179">
+            <a:extLst>
+              <a:ext uri="{FF2B5EF4-FFF2-40B4-BE49-F238E27FC236}">
+                <a16:creationId xmlns:a16="http://schemas.microsoft.com/office/drawing/2014/main" id="{DFDF8AE7-8397-4442-8119-EFF409AD5CDC}"/>
+              </a:ext>
+            </a:extLst>
+          </p:cNvPr>
+          <p:cNvCxnSpPr>
+            <a:stCxn id="55" idx="6"/>
+          </p:cNvCxnSpPr>
+          <p:nvPr/>
+        </p:nvCxnSpPr>
+        <p:spPr>
+          <a:xfrm flipV="1">
+            <a:off x="7370800" y="3179211"/>
+            <a:ext cx="689114" cy="424051"/>
+          </a:xfrm>
+          <a:prstGeom prst="straightConnector1">
+            <a:avLst/>
+          </a:prstGeom>
+          <a:ln w="12700">
+            <a:tailEnd type="triangle"/>
+          </a:ln>
+        </p:spPr>
+        <p:style>
+          <a:lnRef idx="1">
+            <a:schemeClr val="dk1"/>
+          </a:lnRef>
+          <a:fillRef idx="0">
+            <a:schemeClr val="dk1"/>
+          </a:fillRef>
+          <a:effectRef idx="0">
+            <a:schemeClr val="dk1"/>
+          </a:effectRef>
+          <a:fontRef idx="minor">
+            <a:schemeClr val="tx1"/>
+          </a:fontRef>
+        </p:style>
+      </p:cxnSp>
+      <p:cxnSp>
+        <p:nvCxnSpPr>
+          <p:cNvPr id="181" name="Gerade Verbindung mit Pfeil 180">
+            <a:extLst>
+              <a:ext uri="{FF2B5EF4-FFF2-40B4-BE49-F238E27FC236}">
+                <a16:creationId xmlns:a16="http://schemas.microsoft.com/office/drawing/2014/main" id="{FB7B1832-4C6E-4605-AA4B-DFB794237F3E}"/>
+              </a:ext>
+            </a:extLst>
+          </p:cNvPr>
+          <p:cNvCxnSpPr>
+            <a:cxnSpLocks/>
+            <a:stCxn id="55" idx="6"/>
+          </p:cNvCxnSpPr>
+          <p:nvPr/>
+        </p:nvCxnSpPr>
+        <p:spPr>
+          <a:xfrm>
+            <a:off x="7370800" y="3603262"/>
+            <a:ext cx="689114" cy="424800"/>
+          </a:xfrm>
+          <a:prstGeom prst="straightConnector1">
+            <a:avLst/>
+          </a:prstGeom>
+          <a:ln w="12700">
+            <a:tailEnd type="triangle"/>
+          </a:ln>
+        </p:spPr>
+        <p:style>
+          <a:lnRef idx="1">
+            <a:schemeClr val="dk1"/>
+          </a:lnRef>
+          <a:fillRef idx="0">
+            <a:schemeClr val="dk1"/>
+          </a:fillRef>
+          <a:effectRef idx="0">
+            <a:schemeClr val="dk1"/>
+          </a:effectRef>
+          <a:fontRef idx="minor">
+            <a:schemeClr val="tx1"/>
+          </a:fontRef>
+        </p:style>
+      </p:cxnSp>
+      <p:sp>
+        <p:nvSpPr>
+          <p:cNvPr id="184" name="Textfeld 183">
+            <a:extLst>
+              <a:ext uri="{FF2B5EF4-FFF2-40B4-BE49-F238E27FC236}">
+                <a16:creationId xmlns:a16="http://schemas.microsoft.com/office/drawing/2014/main" id="{E42DE4A5-F876-49C2-A685-A34E2D48BEF7}"/>
+              </a:ext>
+            </a:extLst>
+          </p:cNvPr>
+          <p:cNvSpPr txBox="1"/>
+          <p:nvPr/>
+        </p:nvSpPr>
+        <p:spPr>
+          <a:xfrm>
+            <a:off x="7499385" y="3741749"/>
+            <a:ext cx="266210" cy="276999"/>
+          </a:xfrm>
+          <a:prstGeom prst="rect">
+            <a:avLst/>
+          </a:prstGeom>
+          <a:noFill/>
+        </p:spPr>
+        <p:txBody>
+          <a:bodyPr wrap="square" rtlCol="0">
+            <a:spAutoFit/>
+          </a:bodyPr>
+          <a:lstStyle/>
+          <a:p>
+            <a:r>
+              <a:rPr lang="de-DE" sz="1200" dirty="0"/>
+              <a:t>0</a:t>
+            </a:r>
+            <a:endParaRPr lang="en-GB" sz="1200" dirty="0"/>
+          </a:p>
+        </p:txBody>
+      </p:sp>
+      <p:sp>
+        <p:nvSpPr>
+          <p:cNvPr id="185" name="Textfeld 184">
+            <a:extLst>
+              <a:ext uri="{FF2B5EF4-FFF2-40B4-BE49-F238E27FC236}">
+                <a16:creationId xmlns:a16="http://schemas.microsoft.com/office/drawing/2014/main" id="{E1C2C57A-9A3B-4E54-95AA-1DDD332859BE}"/>
+              </a:ext>
+            </a:extLst>
+          </p:cNvPr>
+          <p:cNvSpPr txBox="1"/>
+          <p:nvPr/>
+        </p:nvSpPr>
+        <p:spPr>
+          <a:xfrm>
+            <a:off x="7466870" y="3191364"/>
+            <a:ext cx="266210" cy="276999"/>
+          </a:xfrm>
+          <a:prstGeom prst="rect">
+            <a:avLst/>
+          </a:prstGeom>
+          <a:noFill/>
+        </p:spPr>
+        <p:txBody>
+          <a:bodyPr wrap="square" rtlCol="0">
+            <a:spAutoFit/>
+          </a:bodyPr>
+          <a:lstStyle/>
+          <a:p>
+            <a:r>
+              <a:rPr lang="de-DE" sz="1200" dirty="0"/>
+              <a:t>1</a:t>
+            </a:r>
+            <a:endParaRPr lang="en-GB" sz="1200" dirty="0"/>
+          </a:p>
+        </p:txBody>
+      </p:sp>
+      <p:sp>
+        <p:nvSpPr>
+          <p:cNvPr id="186" name="Textfeld 185">
+            <a:extLst>
+              <a:ext uri="{FF2B5EF4-FFF2-40B4-BE49-F238E27FC236}">
+                <a16:creationId xmlns:a16="http://schemas.microsoft.com/office/drawing/2014/main" id="{93D26D18-E662-4073-A076-06F0F08CEC8C}"/>
+              </a:ext>
+            </a:extLst>
+          </p:cNvPr>
+          <p:cNvSpPr txBox="1"/>
+          <p:nvPr/>
+        </p:nvSpPr>
+        <p:spPr>
+          <a:xfrm>
+            <a:off x="8050151" y="3741749"/>
+            <a:ext cx="1065566" cy="646331"/>
+          </a:xfrm>
+          <a:prstGeom prst="rect">
+            <a:avLst/>
+          </a:prstGeom>
+          <a:ln w="12700"/>
+        </p:spPr>
+        <p:style>
+          <a:lnRef idx="2">
+            <a:schemeClr val="dk1"/>
+          </a:lnRef>
+          <a:fillRef idx="1">
+            <a:schemeClr val="lt1"/>
+          </a:fillRef>
+          <a:effectRef idx="0">
+            <a:schemeClr val="dk1"/>
+          </a:effectRef>
+          <a:fontRef idx="minor">
+            <a:schemeClr val="dk1"/>
+          </a:fontRef>
+        </p:style>
+        <p:txBody>
+          <a:bodyPr wrap="square" rtlCol="0">
+            <a:spAutoFit/>
+          </a:bodyPr>
+          <a:lstStyle/>
+          <a:p>
+            <a:r>
+              <a:rPr lang="de-DE" sz="1200" dirty="0"/>
+              <a:t>nothing predictable about TLF</a:t>
+            </a:r>
+            <a:endParaRPr lang="en-GB" sz="1200" dirty="0"/>
+          </a:p>
+        </p:txBody>
+      </p:sp>
+      <p:sp>
+        <p:nvSpPr>
+          <p:cNvPr id="187" name="Textfeld 186">
+            <a:extLst>
+              <a:ext uri="{FF2B5EF4-FFF2-40B4-BE49-F238E27FC236}">
+                <a16:creationId xmlns:a16="http://schemas.microsoft.com/office/drawing/2014/main" id="{D0512D62-FA03-476C-91B1-537BFB94E50C}"/>
+              </a:ext>
+            </a:extLst>
+          </p:cNvPr>
+          <p:cNvSpPr txBox="1"/>
+          <p:nvPr/>
+        </p:nvSpPr>
+        <p:spPr>
+          <a:xfrm>
+            <a:off x="8102244" y="3040711"/>
+            <a:ext cx="585419" cy="276999"/>
+          </a:xfrm>
+          <a:prstGeom prst="rect">
+            <a:avLst/>
+          </a:prstGeom>
+          <a:ln w="12700"/>
+        </p:spPr>
+        <p:style>
+          <a:lnRef idx="2">
+            <a:schemeClr val="dk1"/>
+          </a:lnRef>
+          <a:fillRef idx="1">
+            <a:schemeClr val="lt1"/>
+          </a:fillRef>
+          <a:effectRef idx="0">
+            <a:schemeClr val="dk1"/>
+          </a:effectRef>
+          <a:fontRef idx="minor">
+            <a:schemeClr val="dk1"/>
+          </a:fontRef>
+        </p:style>
+        <p:txBody>
+          <a:bodyPr wrap="square" rtlCol="0">
+            <a:spAutoFit/>
+          </a:bodyPr>
+          <a:lstStyle/>
+          <a:p>
+            <a:r>
+              <a:rPr lang="de-DE" sz="1200" dirty="0"/>
+              <a:t>TLF?</a:t>
+            </a:r>
+            <a:endParaRPr lang="en-GB" sz="1200" dirty="0"/>
+          </a:p>
+        </p:txBody>
+      </p:sp>
+      <p:cxnSp>
+        <p:nvCxnSpPr>
+          <p:cNvPr id="189" name="Gerade Verbindung mit Pfeil 188">
+            <a:extLst>
+              <a:ext uri="{FF2B5EF4-FFF2-40B4-BE49-F238E27FC236}">
+                <a16:creationId xmlns:a16="http://schemas.microsoft.com/office/drawing/2014/main" id="{EA0B4CC9-C45D-4C97-9A4C-540749467A5C}"/>
+              </a:ext>
+            </a:extLst>
+          </p:cNvPr>
+          <p:cNvCxnSpPr>
+            <a:cxnSpLocks/>
+            <a:stCxn id="90" idx="3"/>
+            <a:endCxn id="193" idx="2"/>
+          </p:cNvCxnSpPr>
+          <p:nvPr/>
+        </p:nvCxnSpPr>
+        <p:spPr>
+          <a:xfrm flipH="1" flipV="1">
+            <a:off x="3996244" y="2463470"/>
+            <a:ext cx="1918" cy="370363"/>
+          </a:xfrm>
+          <a:prstGeom prst="straightConnector1">
+            <a:avLst/>
+          </a:prstGeom>
+          <a:ln w="12700">
+            <a:tailEnd type="triangle"/>
+          </a:ln>
+        </p:spPr>
+        <p:style>
+          <a:lnRef idx="1">
+            <a:schemeClr val="dk1"/>
+          </a:lnRef>
+          <a:fillRef idx="0">
+            <a:schemeClr val="dk1"/>
+          </a:fillRef>
+          <a:effectRef idx="0">
+            <a:schemeClr val="dk1"/>
+          </a:effectRef>
+          <a:fontRef idx="minor">
+            <a:schemeClr val="tx1"/>
+          </a:fontRef>
+        </p:style>
+      </p:cxnSp>
+      <p:sp>
+        <p:nvSpPr>
+          <p:cNvPr id="193" name="Textfeld 192">
+            <a:extLst>
+              <a:ext uri="{FF2B5EF4-FFF2-40B4-BE49-F238E27FC236}">
+                <a16:creationId xmlns:a16="http://schemas.microsoft.com/office/drawing/2014/main" id="{AA2082B9-6844-4D69-8775-55269D92AC48}"/>
+              </a:ext>
+            </a:extLst>
+          </p:cNvPr>
+          <p:cNvSpPr txBox="1"/>
+          <p:nvPr/>
+        </p:nvSpPr>
+        <p:spPr>
+          <a:xfrm>
+            <a:off x="3797538" y="2155693"/>
+            <a:ext cx="397411" cy="307777"/>
+          </a:xfrm>
+          <a:prstGeom prst="rect">
+            <a:avLst/>
+          </a:prstGeom>
+          <a:noFill/>
+          <a:ln>
+            <a:solidFill>
+              <a:srgbClr val="FF0000"/>
+            </a:solidFill>
+          </a:ln>
+        </p:spPr>
+        <p:txBody>
+          <a:bodyPr wrap="square" rtlCol="0">
+            <a:spAutoFit/>
+          </a:bodyPr>
+          <a:lstStyle/>
+          <a:p>
+            <a:pPr algn="ctr"/>
+            <a:r>
+              <a:rPr lang="de-DE" sz="1400" b="1" dirty="0"/>
+              <a:t>Y‘</a:t>
+            </a:r>
+            <a:endParaRPr lang="en-GB" sz="1400" b="1" dirty="0"/>
+          </a:p>
+        </p:txBody>
+      </p:sp>
+      <p:cxnSp>
+        <p:nvCxnSpPr>
+          <p:cNvPr id="198" name="Verbinder: gewinkelt 197">
+            <a:extLst>
+              <a:ext uri="{FF2B5EF4-FFF2-40B4-BE49-F238E27FC236}">
+                <a16:creationId xmlns:a16="http://schemas.microsoft.com/office/drawing/2014/main" id="{9949D0B0-57FE-4F8D-84FB-D2A34C2FF19A}"/>
+              </a:ext>
+            </a:extLst>
+          </p:cNvPr>
+          <p:cNvCxnSpPr>
+            <a:cxnSpLocks/>
+            <a:stCxn id="193" idx="3"/>
+            <a:endCxn id="187" idx="0"/>
+          </p:cNvCxnSpPr>
+          <p:nvPr/>
+        </p:nvCxnSpPr>
+        <p:spPr>
+          <a:xfrm>
+            <a:off x="4194949" y="2309582"/>
+            <a:ext cx="4200005" cy="731129"/>
+          </a:xfrm>
+          <a:prstGeom prst="bentConnector2">
+            <a:avLst/>
+          </a:prstGeom>
+          <a:ln w="12700">
+            <a:tailEnd type="triangle"/>
+          </a:ln>
+        </p:spPr>
+        <p:style>
+          <a:lnRef idx="1">
+            <a:schemeClr val="dk1"/>
+          </a:lnRef>
+          <a:fillRef idx="0">
+            <a:schemeClr val="dk1"/>
+          </a:fillRef>
+          <a:effectRef idx="0">
+            <a:schemeClr val="dk1"/>
+          </a:effectRef>
+          <a:fontRef idx="minor">
+            <a:schemeClr val="tx1"/>
+          </a:fontRef>
+        </p:style>
+      </p:cxnSp>
     </p:spTree>
     <p:extLst>
       <p:ext uri="{BB962C8B-B14F-4D97-AF65-F5344CB8AC3E}">

--- a/presentations/ProgressReport.pptx
+++ b/presentations/ProgressReport.pptx
@@ -312,7 +312,7 @@
           <a:p>
             <a:fld id="{7E109A6C-D884-45F8-B5EB-D7A1699C6653}" type="datetimeFigureOut">
               <a:rPr lang="de-DE" smtClean="0"/>
-              <a:t>17.09.2020</a:t>
+              <a:t>22.09.2020</a:t>
             </a:fld>
             <a:endParaRPr lang="de-DE"/>
           </a:p>
@@ -9864,7 +9864,7 @@
           <a:graphicData uri="http://schemas.openxmlformats.org/presentationml/2006/ole">
             <mc:AlternateContent xmlns:mc="http://schemas.openxmlformats.org/markup-compatibility/2006">
               <mc:Choice xmlns:v="urn:schemas-microsoft-com:vml" Requires="v">
-                <p:oleObj spid="_x0000_s8416" name="think-cell Folie" r:id="rId4" imgW="270" imgH="270" progId="TCLayout.ActiveDocument.1">
+                <p:oleObj spid="_x0000_s8418" name="think-cell Folie" r:id="rId4" imgW="270" imgH="270" progId="TCLayout.ActiveDocument.1">
                   <p:embed/>
                 </p:oleObj>
               </mc:Choice>
@@ -10234,7 +10234,7 @@
           <a:graphicData uri="http://schemas.openxmlformats.org/presentationml/2006/ole">
             <mc:AlternateContent xmlns:mc="http://schemas.openxmlformats.org/markup-compatibility/2006">
               <mc:Choice xmlns:v="urn:schemas-microsoft-com:vml" Requires="v">
-                <p:oleObj spid="_x0000_s2281" name="think-cell Folie" r:id="rId4" imgW="270" imgH="270" progId="TCLayout.ActiveDocument.1">
+                <p:oleObj spid="_x0000_s2283" name="think-cell Folie" r:id="rId4" imgW="270" imgH="270" progId="TCLayout.ActiveDocument.1">
                   <p:embed/>
                 </p:oleObj>
               </mc:Choice>
@@ -10690,7 +10690,7 @@
           <a:graphicData uri="http://schemas.openxmlformats.org/presentationml/2006/ole">
             <mc:AlternateContent xmlns:mc="http://schemas.openxmlformats.org/markup-compatibility/2006">
               <mc:Choice xmlns:v="urn:schemas-microsoft-com:vml" Requires="v">
-                <p:oleObj spid="_x0000_s4326" name="think-cell Folie" r:id="rId4" imgW="270" imgH="270" progId="TCLayout.ActiveDocument.1">
+                <p:oleObj spid="_x0000_s4328" name="think-cell Folie" r:id="rId4" imgW="270" imgH="270" progId="TCLayout.ActiveDocument.1">
                   <p:embed/>
                 </p:oleObj>
               </mc:Choice>
@@ -11312,7 +11312,7 @@
           <a:graphicData uri="http://schemas.openxmlformats.org/presentationml/2006/ole">
             <mc:AlternateContent xmlns:mc="http://schemas.openxmlformats.org/markup-compatibility/2006">
               <mc:Choice xmlns:v="urn:schemas-microsoft-com:vml" Requires="v">
-                <p:oleObj spid="_x0000_s5350" name="think-cell Folie" r:id="rId4" imgW="270" imgH="270" progId="TCLayout.ActiveDocument.1">
+                <p:oleObj spid="_x0000_s5352" name="think-cell Folie" r:id="rId4" imgW="270" imgH="270" progId="TCLayout.ActiveDocument.1">
                   <p:embed/>
                 </p:oleObj>
               </mc:Choice>
@@ -11882,7 +11882,7 @@
           <a:graphicData uri="http://schemas.openxmlformats.org/presentationml/2006/ole">
             <mc:AlternateContent xmlns:mc="http://schemas.openxmlformats.org/markup-compatibility/2006">
               <mc:Choice xmlns:v="urn:schemas-microsoft-com:vml" Requires="v">
-                <p:oleObj spid="_x0000_s6373" name="think-cell Folie" r:id="rId4" imgW="270" imgH="270" progId="TCLayout.ActiveDocument.1">
+                <p:oleObj spid="_x0000_s6375" name="think-cell Folie" r:id="rId4" imgW="270" imgH="270" progId="TCLayout.ActiveDocument.1">
                   <p:embed/>
                 </p:oleObj>
               </mc:Choice>
@@ -12509,7 +12509,7 @@
           <a:graphicData uri="http://schemas.openxmlformats.org/presentationml/2006/ole">
             <mc:AlternateContent xmlns:mc="http://schemas.openxmlformats.org/markup-compatibility/2006">
               <mc:Choice xmlns:v="urn:schemas-microsoft-com:vml" Requires="v">
-                <p:oleObj spid="_x0000_s7393" name="think-cell Folie" r:id="rId4" imgW="270" imgH="270" progId="TCLayout.ActiveDocument.1">
+                <p:oleObj spid="_x0000_s7395" name="think-cell Folie" r:id="rId4" imgW="270" imgH="270" progId="TCLayout.ActiveDocument.1">
                   <p:embed/>
                 </p:oleObj>
               </mc:Choice>
@@ -12816,7 +12816,7 @@
           <a:graphicData uri="http://schemas.openxmlformats.org/presentationml/2006/ole">
             <mc:AlternateContent xmlns:mc="http://schemas.openxmlformats.org/markup-compatibility/2006">
               <mc:Choice xmlns:v="urn:schemas-microsoft-com:vml" Requires="v">
-                <p:oleObj spid="_x0000_s1260" name="think-cell Folie" r:id="rId13" imgW="270" imgH="270" progId="TCLayout.ActiveDocument.1">
+                <p:oleObj spid="_x0000_s1262" name="think-cell Folie" r:id="rId13" imgW="270" imgH="270" progId="TCLayout.ActiveDocument.1">
                   <p:embed/>
                 </p:oleObj>
               </mc:Choice>
@@ -24939,7 +24939,7 @@
         </p:blipFill>
         <p:spPr>
           <a:xfrm>
-            <a:off x="1665831" y="1096351"/>
+            <a:off x="1720661" y="1104758"/>
             <a:ext cx="5702677" cy="1748169"/>
           </a:xfrm>
           <a:prstGeom prst="rect">

--- a/presentations/ProgressReport.pptx
+++ b/presentations/ProgressReport.pptx
@@ -312,7 +312,7 @@
           <a:p>
             <a:fld id="{7E109A6C-D884-45F8-B5EB-D7A1699C6653}" type="datetimeFigureOut">
               <a:rPr lang="de-DE" smtClean="0"/>
-              <a:t>22.09.2020</a:t>
+              <a:t>23.09.2020</a:t>
             </a:fld>
             <a:endParaRPr lang="de-DE"/>
           </a:p>
@@ -9864,7 +9864,7 @@
           <a:graphicData uri="http://schemas.openxmlformats.org/presentationml/2006/ole">
             <mc:AlternateContent xmlns:mc="http://schemas.openxmlformats.org/markup-compatibility/2006">
               <mc:Choice xmlns:v="urn:schemas-microsoft-com:vml" Requires="v">
-                <p:oleObj spid="_x0000_s8418" name="think-cell Folie" r:id="rId4" imgW="270" imgH="270" progId="TCLayout.ActiveDocument.1">
+                <p:oleObj spid="_x0000_s8420" name="think-cell Folie" r:id="rId4" imgW="270" imgH="270" progId="TCLayout.ActiveDocument.1">
                   <p:embed/>
                 </p:oleObj>
               </mc:Choice>
@@ -10234,7 +10234,7 @@
           <a:graphicData uri="http://schemas.openxmlformats.org/presentationml/2006/ole">
             <mc:AlternateContent xmlns:mc="http://schemas.openxmlformats.org/markup-compatibility/2006">
               <mc:Choice xmlns:v="urn:schemas-microsoft-com:vml" Requires="v">
-                <p:oleObj spid="_x0000_s2283" name="think-cell Folie" r:id="rId4" imgW="270" imgH="270" progId="TCLayout.ActiveDocument.1">
+                <p:oleObj spid="_x0000_s2285" name="think-cell Folie" r:id="rId4" imgW="270" imgH="270" progId="TCLayout.ActiveDocument.1">
                   <p:embed/>
                 </p:oleObj>
               </mc:Choice>
@@ -10690,7 +10690,7 @@
           <a:graphicData uri="http://schemas.openxmlformats.org/presentationml/2006/ole">
             <mc:AlternateContent xmlns:mc="http://schemas.openxmlformats.org/markup-compatibility/2006">
               <mc:Choice xmlns:v="urn:schemas-microsoft-com:vml" Requires="v">
-                <p:oleObj spid="_x0000_s4328" name="think-cell Folie" r:id="rId4" imgW="270" imgH="270" progId="TCLayout.ActiveDocument.1">
+                <p:oleObj spid="_x0000_s4330" name="think-cell Folie" r:id="rId4" imgW="270" imgH="270" progId="TCLayout.ActiveDocument.1">
                   <p:embed/>
                 </p:oleObj>
               </mc:Choice>
@@ -11312,7 +11312,7 @@
           <a:graphicData uri="http://schemas.openxmlformats.org/presentationml/2006/ole">
             <mc:AlternateContent xmlns:mc="http://schemas.openxmlformats.org/markup-compatibility/2006">
               <mc:Choice xmlns:v="urn:schemas-microsoft-com:vml" Requires="v">
-                <p:oleObj spid="_x0000_s5352" name="think-cell Folie" r:id="rId4" imgW="270" imgH="270" progId="TCLayout.ActiveDocument.1">
+                <p:oleObj spid="_x0000_s5354" name="think-cell Folie" r:id="rId4" imgW="270" imgH="270" progId="TCLayout.ActiveDocument.1">
                   <p:embed/>
                 </p:oleObj>
               </mc:Choice>
@@ -11882,7 +11882,7 @@
           <a:graphicData uri="http://schemas.openxmlformats.org/presentationml/2006/ole">
             <mc:AlternateContent xmlns:mc="http://schemas.openxmlformats.org/markup-compatibility/2006">
               <mc:Choice xmlns:v="urn:schemas-microsoft-com:vml" Requires="v">
-                <p:oleObj spid="_x0000_s6375" name="think-cell Folie" r:id="rId4" imgW="270" imgH="270" progId="TCLayout.ActiveDocument.1">
+                <p:oleObj spid="_x0000_s6377" name="think-cell Folie" r:id="rId4" imgW="270" imgH="270" progId="TCLayout.ActiveDocument.1">
                   <p:embed/>
                 </p:oleObj>
               </mc:Choice>
@@ -12509,7 +12509,7 @@
           <a:graphicData uri="http://schemas.openxmlformats.org/presentationml/2006/ole">
             <mc:AlternateContent xmlns:mc="http://schemas.openxmlformats.org/markup-compatibility/2006">
               <mc:Choice xmlns:v="urn:schemas-microsoft-com:vml" Requires="v">
-                <p:oleObj spid="_x0000_s7395" name="think-cell Folie" r:id="rId4" imgW="270" imgH="270" progId="TCLayout.ActiveDocument.1">
+                <p:oleObj spid="_x0000_s7397" name="think-cell Folie" r:id="rId4" imgW="270" imgH="270" progId="TCLayout.ActiveDocument.1">
                   <p:embed/>
                 </p:oleObj>
               </mc:Choice>
@@ -12816,7 +12816,7 @@
           <a:graphicData uri="http://schemas.openxmlformats.org/presentationml/2006/ole">
             <mc:AlternateContent xmlns:mc="http://schemas.openxmlformats.org/markup-compatibility/2006">
               <mc:Choice xmlns:v="urn:schemas-microsoft-com:vml" Requires="v">
-                <p:oleObj spid="_x0000_s1262" name="think-cell Folie" r:id="rId13" imgW="270" imgH="270" progId="TCLayout.ActiveDocument.1">
+                <p:oleObj spid="_x0000_s1264" name="think-cell Folie" r:id="rId13" imgW="270" imgH="270" progId="TCLayout.ActiveDocument.1">
                   <p:embed/>
                 </p:oleObj>
               </mc:Choice>
@@ -19228,7 +19228,7 @@
                         <a:pPr algn="ctr"/>
                         <a:r>
                           <a:rPr lang="de-DE" sz="1200" dirty="0"/>
-                          <a:t>0</a:t>
+                          <a:t>1</a:t>
                         </a:r>
                         <a:endParaRPr lang="en-GB" sz="1200" dirty="0"/>
                       </a:p>

--- a/presentations/ProgressReport.pptx
+++ b/presentations/ProgressReport.pptx
@@ -312,7 +312,7 @@
           <a:p>
             <a:fld id="{7E109A6C-D884-45F8-B5EB-D7A1699C6653}" type="datetimeFigureOut">
               <a:rPr lang="de-DE" smtClean="0"/>
-              <a:t>23.09.2020</a:t>
+              <a:t>29.09.2020</a:t>
             </a:fld>
             <a:endParaRPr lang="de-DE"/>
           </a:p>
@@ -3628,8 +3628,20 @@
           </a:p>
           <a:p>
             <a:r>
-              <a:rPr lang="de-DE" dirty="0" err="1"/>
-              <a:t>Y_conf</a:t>
+              <a:rPr lang="de-DE" dirty="0"/>
+              <a:t>Y_conf </a:t>
+            </a:r>
+            <a:r>
+              <a:rPr lang="de-DE" dirty="0" err="1"/>
+              <a:t>created</a:t>
+            </a:r>
+            <a:r>
+              <a:rPr lang="de-DE" dirty="0"/>
+              <a:t> out of XNOR </a:t>
+            </a:r>
+            <a:r>
+              <a:rPr lang="de-DE" dirty="0" err="1"/>
+              <a:t>gate</a:t>
             </a:r>
             <a:r>
               <a:rPr lang="de-DE" dirty="0"/>
@@ -3637,15 +3649,23 @@
             </a:r>
             <a:r>
               <a:rPr lang="de-DE" dirty="0" err="1"/>
-              <a:t>created</a:t>
-            </a:r>
-            <a:r>
-              <a:rPr lang="de-DE" dirty="0"/>
-              <a:t> out of XNOR </a:t>
-            </a:r>
-            <a:r>
-              <a:rPr lang="de-DE" dirty="0" err="1"/>
-              <a:t>gate</a:t>
+              <a:t>between</a:t>
+            </a:r>
+            <a:r>
+              <a:rPr lang="de-DE" dirty="0"/>
+              <a:t> GT and Y‘ (</a:t>
+            </a:r>
+            <a:r>
+              <a:rPr lang="de-DE" dirty="0" err="1"/>
+              <a:t>y_prime</a:t>
+            </a:r>
+            <a:r>
+              <a:rPr lang="de-DE" dirty="0"/>
+              <a:t>) with GT = </a:t>
+            </a:r>
+            <a:r>
+              <a:rPr lang="de-DE" dirty="0" err="1"/>
+              <a:t>ground</a:t>
             </a:r>
             <a:r>
               <a:rPr lang="de-DE" dirty="0"/>
@@ -3653,23 +3673,15 @@
             </a:r>
             <a:r>
               <a:rPr lang="de-DE" dirty="0" err="1"/>
-              <a:t>between</a:t>
-            </a:r>
-            <a:r>
-              <a:rPr lang="de-DE" dirty="0"/>
-              <a:t> GT and Y‘ (</a:t>
-            </a:r>
-            <a:r>
-              <a:rPr lang="de-DE" dirty="0" err="1"/>
-              <a:t>y_prime</a:t>
-            </a:r>
-            <a:r>
-              <a:rPr lang="de-DE" dirty="0"/>
-              <a:t>) with GT = </a:t>
-            </a:r>
-            <a:r>
-              <a:rPr lang="de-DE" dirty="0" err="1"/>
-              <a:t>ground</a:t>
+              <a:t>truth</a:t>
+            </a:r>
+            <a:r>
+              <a:rPr lang="de-DE" dirty="0"/>
+              <a:t> (</a:t>
+            </a:r>
+            <a:r>
+              <a:rPr lang="de-DE" dirty="0" err="1"/>
+              <a:t>actual</a:t>
             </a:r>
             <a:r>
               <a:rPr lang="de-DE" dirty="0"/>
@@ -3677,15 +3689,7 @@
             </a:r>
             <a:r>
               <a:rPr lang="de-DE" dirty="0" err="1"/>
-              <a:t>truth</a:t>
-            </a:r>
-            <a:r>
-              <a:rPr lang="de-DE" dirty="0"/>
-              <a:t> (</a:t>
-            </a:r>
-            <a:r>
-              <a:rPr lang="de-DE" dirty="0" err="1"/>
-              <a:t>actual</a:t>
+              <a:t>label</a:t>
             </a:r>
             <a:r>
               <a:rPr lang="de-DE" dirty="0"/>
@@ -3693,27 +3697,11 @@
             </a:r>
             <a:r>
               <a:rPr lang="de-DE" dirty="0" err="1"/>
-              <a:t>label</a:t>
-            </a:r>
-            <a:r>
-              <a:rPr lang="de-DE" dirty="0"/>
-              <a:t> </a:t>
-            </a:r>
-            <a:r>
-              <a:rPr lang="de-DE" dirty="0" err="1"/>
               <a:t>taken</a:t>
             </a:r>
             <a:r>
               <a:rPr lang="de-DE" dirty="0"/>
-              <a:t> from patient </a:t>
-            </a:r>
-            <a:r>
-              <a:rPr lang="de-DE" dirty="0" err="1"/>
-              <a:t>data</a:t>
-            </a:r>
-            <a:r>
-              <a:rPr lang="de-DE" dirty="0"/>
-              <a:t>), Y‘ = </a:t>
+              <a:t> from patient data), Y‘ = </a:t>
             </a:r>
             <a:r>
               <a:rPr lang="de-DE" dirty="0" err="1"/>
@@ -4837,15 +4825,7 @@
             </a:r>
             <a:r>
               <a:rPr lang="de-DE" dirty="0"/>
-              <a:t> with patient </a:t>
-            </a:r>
-            <a:r>
-              <a:rPr lang="de-DE" dirty="0" err="1"/>
-              <a:t>data</a:t>
-            </a:r>
-            <a:r>
-              <a:rPr lang="de-DE" dirty="0"/>
-              <a:t> from </a:t>
+              <a:t> with patient data from </a:t>
             </a:r>
             <a:r>
               <a:rPr lang="de-DE" dirty="0" err="1"/>
@@ -9864,7 +9844,7 @@
           <a:graphicData uri="http://schemas.openxmlformats.org/presentationml/2006/ole">
             <mc:AlternateContent xmlns:mc="http://schemas.openxmlformats.org/markup-compatibility/2006">
               <mc:Choice xmlns:v="urn:schemas-microsoft-com:vml" Requires="v">
-                <p:oleObj spid="_x0000_s8420" name="think-cell Folie" r:id="rId4" imgW="270" imgH="270" progId="TCLayout.ActiveDocument.1">
+                <p:oleObj spid="_x0000_s8425" name="think-cell Folie" r:id="rId4" imgW="270" imgH="270" progId="TCLayout.ActiveDocument.1">
                   <p:embed/>
                 </p:oleObj>
               </mc:Choice>
@@ -10234,7 +10214,7 @@
           <a:graphicData uri="http://schemas.openxmlformats.org/presentationml/2006/ole">
             <mc:AlternateContent xmlns:mc="http://schemas.openxmlformats.org/markup-compatibility/2006">
               <mc:Choice xmlns:v="urn:schemas-microsoft-com:vml" Requires="v">
-                <p:oleObj spid="_x0000_s2285" name="think-cell Folie" r:id="rId4" imgW="270" imgH="270" progId="TCLayout.ActiveDocument.1">
+                <p:oleObj spid="_x0000_s2290" name="think-cell Folie" r:id="rId4" imgW="270" imgH="270" progId="TCLayout.ActiveDocument.1">
                   <p:embed/>
                 </p:oleObj>
               </mc:Choice>
@@ -10690,7 +10670,7 @@
           <a:graphicData uri="http://schemas.openxmlformats.org/presentationml/2006/ole">
             <mc:AlternateContent xmlns:mc="http://schemas.openxmlformats.org/markup-compatibility/2006">
               <mc:Choice xmlns:v="urn:schemas-microsoft-com:vml" Requires="v">
-                <p:oleObj spid="_x0000_s4330" name="think-cell Folie" r:id="rId4" imgW="270" imgH="270" progId="TCLayout.ActiveDocument.1">
+                <p:oleObj spid="_x0000_s4335" name="think-cell Folie" r:id="rId4" imgW="270" imgH="270" progId="TCLayout.ActiveDocument.1">
                   <p:embed/>
                 </p:oleObj>
               </mc:Choice>
@@ -11312,7 +11292,7 @@
           <a:graphicData uri="http://schemas.openxmlformats.org/presentationml/2006/ole">
             <mc:AlternateContent xmlns:mc="http://schemas.openxmlformats.org/markup-compatibility/2006">
               <mc:Choice xmlns:v="urn:schemas-microsoft-com:vml" Requires="v">
-                <p:oleObj spid="_x0000_s5354" name="think-cell Folie" r:id="rId4" imgW="270" imgH="270" progId="TCLayout.ActiveDocument.1">
+                <p:oleObj spid="_x0000_s5359" name="think-cell Folie" r:id="rId4" imgW="270" imgH="270" progId="TCLayout.ActiveDocument.1">
                   <p:embed/>
                 </p:oleObj>
               </mc:Choice>
@@ -11882,7 +11862,7 @@
           <a:graphicData uri="http://schemas.openxmlformats.org/presentationml/2006/ole">
             <mc:AlternateContent xmlns:mc="http://schemas.openxmlformats.org/markup-compatibility/2006">
               <mc:Choice xmlns:v="urn:schemas-microsoft-com:vml" Requires="v">
-                <p:oleObj spid="_x0000_s6377" name="think-cell Folie" r:id="rId4" imgW="270" imgH="270" progId="TCLayout.ActiveDocument.1">
+                <p:oleObj spid="_x0000_s6382" name="think-cell Folie" r:id="rId4" imgW="270" imgH="270" progId="TCLayout.ActiveDocument.1">
                   <p:embed/>
                 </p:oleObj>
               </mc:Choice>
@@ -12509,7 +12489,7 @@
           <a:graphicData uri="http://schemas.openxmlformats.org/presentationml/2006/ole">
             <mc:AlternateContent xmlns:mc="http://schemas.openxmlformats.org/markup-compatibility/2006">
               <mc:Choice xmlns:v="urn:schemas-microsoft-com:vml" Requires="v">
-                <p:oleObj spid="_x0000_s7397" name="think-cell Folie" r:id="rId4" imgW="270" imgH="270" progId="TCLayout.ActiveDocument.1">
+                <p:oleObj spid="_x0000_s7402" name="think-cell Folie" r:id="rId4" imgW="270" imgH="270" progId="TCLayout.ActiveDocument.1">
                   <p:embed/>
                 </p:oleObj>
               </mc:Choice>
@@ -12816,7 +12796,7 @@
           <a:graphicData uri="http://schemas.openxmlformats.org/presentationml/2006/ole">
             <mc:AlternateContent xmlns:mc="http://schemas.openxmlformats.org/markup-compatibility/2006">
               <mc:Choice xmlns:v="urn:schemas-microsoft-com:vml" Requires="v">
-                <p:oleObj spid="_x0000_s1264" name="think-cell Folie" r:id="rId13" imgW="270" imgH="270" progId="TCLayout.ActiveDocument.1">
+                <p:oleObj spid="_x0000_s1269" name="think-cell Folie" r:id="rId13" imgW="270" imgH="270" progId="TCLayout.ActiveDocument.1">
                   <p:embed/>
                 </p:oleObj>
               </mc:Choice>
@@ -15052,23 +15032,7 @@
                       <a:schemeClr val="tx1"/>
                     </a:solidFill>
                   </a:rPr>
-                  <a:t>Input: patient </a:t>
-                </a:r>
-                <a:r>
-                  <a:rPr lang="de-DE" dirty="0" err="1">
-                    <a:solidFill>
-                      <a:schemeClr val="tx1"/>
-                    </a:solidFill>
-                  </a:rPr>
-                  <a:t>data</a:t>
-                </a:r>
-                <a:r>
-                  <a:rPr lang="de-DE" dirty="0">
-                    <a:solidFill>
-                      <a:schemeClr val="tx1"/>
-                    </a:solidFill>
-                  </a:rPr>
-                  <a:t>, </a:t>
+                  <a:t>Input: patient data, </a:t>
                 </a:r>
                 <a:r>
                   <a:rPr lang="de-DE" dirty="0" err="1">
@@ -17209,18 +17173,18 @@
           </p:cNvPr>
           <p:cNvCxnSpPr>
             <a:cxnSpLocks/>
-            <a:stCxn id="19" idx="3"/>
-            <a:endCxn id="53" idx="0"/>
           </p:cNvCxnSpPr>
           <p:nvPr/>
         </p:nvCxnSpPr>
         <p:spPr>
           <a:xfrm>
-            <a:off x="5359335" y="1178653"/>
-            <a:ext cx="1532150" cy="837751"/>
+            <a:off x="5359335" y="1170982"/>
+            <a:ext cx="1539153" cy="853687"/>
           </a:xfrm>
-          <a:prstGeom prst="bentConnector2">
-            <a:avLst/>
+          <a:prstGeom prst="bentConnector3">
+            <a:avLst>
+              <a:gd name="adj1" fmla="val 99904"/>
+            </a:avLst>
           </a:prstGeom>
           <a:ln w="12700">
             <a:solidFill>
@@ -17259,9 +17223,9 @@
         <p:grpSpPr>
           <a:xfrm>
             <a:off x="34763" y="1654370"/>
-            <a:ext cx="8696581" cy="3066016"/>
+            <a:ext cx="8771402" cy="3066016"/>
             <a:chOff x="234069" y="1762874"/>
-            <a:chExt cx="8696581" cy="3066016"/>
+            <a:chExt cx="8771402" cy="3066016"/>
           </a:xfrm>
         </p:grpSpPr>
         <p:grpSp>
@@ -17278,10 +17242,10 @@
           </p:nvGrpSpPr>
           <p:grpSpPr>
             <a:xfrm>
-              <a:off x="4512419" y="2118385"/>
-              <a:ext cx="2348466" cy="2710505"/>
-              <a:chOff x="6086260" y="2183764"/>
-              <a:chExt cx="2348466" cy="2710505"/>
+              <a:off x="4526592" y="2118385"/>
+              <a:ext cx="2316005" cy="2710505"/>
+              <a:chOff x="6100433" y="2183764"/>
+              <a:chExt cx="2316005" cy="2710505"/>
             </a:xfrm>
           </p:grpSpPr>
           <p:sp>
@@ -17343,7 +17307,7 @@
             </p:nvSpPr>
             <p:spPr>
               <a:xfrm>
-                <a:off x="6828969" y="2183764"/>
+                <a:off x="6810681" y="2183764"/>
                 <a:ext cx="1605757" cy="307777"/>
               </a:xfrm>
               <a:prstGeom prst="rect">
@@ -17791,7 +17755,7 @@
             </p:nvSpPr>
             <p:spPr>
               <a:xfrm>
-                <a:off x="6086260" y="2466933"/>
+                <a:off x="6113552" y="2438159"/>
                 <a:ext cx="967867" cy="292388"/>
               </a:xfrm>
               <a:prstGeom prst="rect">
@@ -18574,10 +18538,10 @@
           </p:nvGrpSpPr>
           <p:grpSpPr>
             <a:xfrm>
-              <a:off x="6844405" y="2118385"/>
-              <a:ext cx="2086245" cy="2517097"/>
-              <a:chOff x="6825329" y="2652168"/>
-              <a:chExt cx="2086245" cy="2517097"/>
+              <a:off x="6764391" y="2112507"/>
+              <a:ext cx="2241080" cy="2522975"/>
+              <a:chOff x="6745315" y="2646290"/>
+              <a:chExt cx="2241080" cy="2522975"/>
             </a:xfrm>
           </p:grpSpPr>
           <p:grpSp>
@@ -18594,10 +18558,10 @@
             </p:nvGrpSpPr>
             <p:grpSpPr>
               <a:xfrm>
-                <a:off x="8115170" y="2652168"/>
-                <a:ext cx="796404" cy="2436080"/>
-                <a:chOff x="8140440" y="2188465"/>
-                <a:chExt cx="796404" cy="2436080"/>
+                <a:off x="8189991" y="2646290"/>
+                <a:ext cx="796404" cy="2441958"/>
+                <a:chOff x="8215261" y="2182587"/>
+                <a:chExt cx="796404" cy="2441958"/>
               </a:xfrm>
             </p:grpSpPr>
             <p:sp>
@@ -18614,7 +18578,7 @@
               </p:nvSpPr>
               <p:spPr>
                 <a:xfrm>
-                  <a:off x="8140440" y="2188465"/>
+                  <a:off x="8215261" y="2182587"/>
                   <a:ext cx="796404" cy="307777"/>
                 </a:xfrm>
                 <a:prstGeom prst="rect">
@@ -18628,12 +18592,15 @@
                 </a:bodyPr>
                 <a:lstStyle/>
                 <a:p>
-                  <a:pPr algn="ctr"/>
                   <a:r>
-                    <a:rPr lang="de-DE" sz="1400" b="1" dirty="0"/>
-                    <a:t>Y_conf</a:t>
+                    <a:rPr lang="de-DE" sz="1400" dirty="0"/>
+                    <a:t>GT</a:t>
                   </a:r>
-                  <a:endParaRPr lang="en-GB" sz="1400" b="1" dirty="0"/>
+                  <a:r>
+                    <a:rPr lang="de-DE" sz="1400" baseline="-25000" dirty="0"/>
+                    <a:t>conf</a:t>
+                  </a:r>
+                  <a:endParaRPr lang="en-GB" sz="1400" dirty="0"/>
                 </a:p>
               </p:txBody>
             </p:sp>
@@ -18927,10 +18894,10 @@
             </p:nvGrpSpPr>
             <p:grpSpPr>
               <a:xfrm>
-                <a:off x="6825329" y="2652168"/>
-                <a:ext cx="1147106" cy="2517097"/>
-                <a:chOff x="6825329" y="2652168"/>
-                <a:chExt cx="1147106" cy="2517097"/>
+                <a:off x="6745315" y="2652168"/>
+                <a:ext cx="1257638" cy="2517097"/>
+                <a:chOff x="6745315" y="2652168"/>
+                <a:chExt cx="1257638" cy="2517097"/>
               </a:xfrm>
             </p:grpSpPr>
             <p:pic>
@@ -18994,10 +18961,10 @@
               </p:nvGrpSpPr>
               <p:grpSpPr>
                 <a:xfrm>
-                  <a:off x="6837920" y="2658691"/>
-                  <a:ext cx="467590" cy="2436079"/>
-                  <a:chOff x="8306065" y="2188466"/>
-                  <a:chExt cx="467590" cy="2436079"/>
+                  <a:off x="6745315" y="2676153"/>
+                  <a:ext cx="897020" cy="2418617"/>
+                  <a:chOff x="8213460" y="2205928"/>
+                  <a:chExt cx="897020" cy="2418617"/>
                 </a:xfrm>
               </p:grpSpPr>
               <p:sp>
@@ -19014,8 +18981,8 @@
                 </p:nvSpPr>
                 <p:spPr>
                   <a:xfrm>
-                    <a:off x="8306065" y="2188466"/>
-                    <a:ext cx="467590" cy="307777"/>
+                    <a:off x="8213460" y="2205928"/>
+                    <a:ext cx="897020" cy="523220"/>
                   </a:xfrm>
                   <a:prstGeom prst="rect">
                     <a:avLst/>
@@ -19028,11 +18995,18 @@
                   </a:bodyPr>
                   <a:lstStyle/>
                   <a:p>
-                    <a:pPr algn="ctr"/>
                     <a:r>
-                      <a:rPr lang="de-DE" sz="1400" b="1" dirty="0"/>
+                      <a:rPr lang="de-DE" sz="1400" dirty="0"/>
                       <a:t>GT</a:t>
                     </a:r>
+                    <a:r>
+                      <a:rPr lang="de-DE" sz="1400" baseline="-25000" dirty="0"/>
+                      <a:t>TLF</a:t>
+                    </a:r>
+                    <a:endParaRPr lang="en-GB" sz="1400" dirty="0"/>
+                  </a:p>
+                  <a:p>
+                    <a:pPr algn="ctr"/>
                     <a:endParaRPr lang="en-GB" sz="1400" b="1" dirty="0"/>
                   </a:p>
                 </p:txBody>
@@ -19051,10 +19025,10 @@
                 </p:nvGrpSpPr>
                 <p:grpSpPr>
                   <a:xfrm>
-                    <a:off x="8399858" y="2465953"/>
-                    <a:ext cx="274553" cy="2158592"/>
-                    <a:chOff x="8399858" y="2456717"/>
-                    <a:chExt cx="274553" cy="2158592"/>
+                    <a:off x="8395641" y="2465953"/>
+                    <a:ext cx="273843" cy="2158592"/>
+                    <a:chOff x="8395641" y="2456717"/>
+                    <a:chExt cx="273843" cy="2158592"/>
                   </a:xfrm>
                 </p:grpSpPr>
                 <p:grpSp>
@@ -19071,10 +19045,10 @@
                   </p:nvGrpSpPr>
                   <p:grpSpPr>
                     <a:xfrm>
-                      <a:off x="8399858" y="2456717"/>
-                      <a:ext cx="274553" cy="2158592"/>
-                      <a:chOff x="8399858" y="2456717"/>
-                      <a:chExt cx="274553" cy="2158592"/>
+                      <a:off x="8395641" y="2456717"/>
+                      <a:ext cx="273843" cy="2158592"/>
+                      <a:chOff x="8395641" y="2456717"/>
+                      <a:chExt cx="273843" cy="2158592"/>
                     </a:xfrm>
                   </p:grpSpPr>
                   <p:sp>
@@ -19174,7 +19148,7 @@
                     </p:nvSpPr>
                     <p:spPr>
                       <a:xfrm>
-                        <a:off x="8404785" y="2456717"/>
+                        <a:off x="8395641" y="2456717"/>
                         <a:ext cx="269626" cy="276999"/>
                       </a:xfrm>
                       <a:prstGeom prst="rect">
@@ -19327,10 +19301,10 @@
               </p:nvGrpSpPr>
               <p:grpSpPr>
                 <a:xfrm>
-                  <a:off x="7504845" y="2652168"/>
-                  <a:ext cx="467590" cy="2436079"/>
-                  <a:chOff x="8306065" y="2188466"/>
-                  <a:chExt cx="467590" cy="2436079"/>
+                  <a:off x="7432816" y="2652168"/>
+                  <a:ext cx="570137" cy="2436079"/>
+                  <a:chOff x="8234036" y="2188466"/>
+                  <a:chExt cx="570137" cy="2436079"/>
                 </a:xfrm>
               </p:grpSpPr>
               <p:sp>
@@ -19347,8 +19321,8 @@
                 </p:nvSpPr>
                 <p:spPr>
                   <a:xfrm>
-                    <a:off x="8306065" y="2188466"/>
-                    <a:ext cx="467590" cy="307777"/>
+                    <a:off x="8234036" y="2188466"/>
+                    <a:ext cx="570137" cy="307777"/>
                   </a:xfrm>
                   <a:prstGeom prst="rect">
                     <a:avLst/>
@@ -19363,8 +19337,12 @@
                   <a:p>
                     <a:pPr algn="ctr"/>
                     <a:r>
-                      <a:rPr lang="de-DE" sz="1400" b="1" dirty="0"/>
+                      <a:rPr lang="de-DE" sz="1400" dirty="0"/>
                       <a:t>Y‘</a:t>
+                    </a:r>
+                    <a:r>
+                      <a:rPr lang="de-DE" sz="1400" baseline="-25000" dirty="0"/>
+                      <a:t>TLF</a:t>
                     </a:r>
                     <a:endParaRPr lang="en-GB" sz="1400" b="1" dirty="0"/>
                   </a:p>
@@ -19384,10 +19362,10 @@
                 </p:nvGrpSpPr>
                 <p:grpSpPr>
                   <a:xfrm>
-                    <a:off x="8399858" y="2465953"/>
-                    <a:ext cx="274553" cy="2158592"/>
-                    <a:chOff x="8399858" y="2456717"/>
-                    <a:chExt cx="274553" cy="2158592"/>
+                    <a:off x="8395641" y="2465953"/>
+                    <a:ext cx="273843" cy="2158592"/>
+                    <a:chOff x="8395641" y="2456717"/>
+                    <a:chExt cx="273843" cy="2158592"/>
                   </a:xfrm>
                 </p:grpSpPr>
                 <p:grpSp>
@@ -19404,10 +19382,10 @@
                   </p:nvGrpSpPr>
                   <p:grpSpPr>
                     <a:xfrm>
-                      <a:off x="8399858" y="2456717"/>
-                      <a:ext cx="274553" cy="2158592"/>
-                      <a:chOff x="8399858" y="2456717"/>
-                      <a:chExt cx="274553" cy="2158592"/>
+                      <a:off x="8395641" y="2456717"/>
+                      <a:ext cx="273843" cy="2158592"/>
+                      <a:chOff x="8395641" y="2456717"/>
+                      <a:chExt cx="273843" cy="2158592"/>
                     </a:xfrm>
                   </p:grpSpPr>
                   <p:sp>
@@ -19507,7 +19485,7 @@
                     </p:nvSpPr>
                     <p:spPr>
                       <a:xfrm>
-                        <a:off x="8404785" y="2456717"/>
+                        <a:off x="8395641" y="2456717"/>
                         <a:ext cx="269626" cy="276999"/>
                       </a:xfrm>
                       <a:prstGeom prst="rect">
@@ -19544,7 +19522,7 @@
                     </p:nvSpPr>
                     <p:spPr>
                       <a:xfrm>
-                        <a:off x="8399858" y="2675730"/>
+                        <a:off x="8399858" y="2657442"/>
                         <a:ext cx="269626" cy="276999"/>
                       </a:xfrm>
                       <a:prstGeom prst="rect">
@@ -19660,7 +19638,7 @@
               </p:nvSpPr>
               <p:spPr>
                 <a:xfrm>
-                  <a:off x="6825329" y="2707711"/>
+                  <a:off x="6788753" y="2707711"/>
                   <a:ext cx="115200" cy="2461554"/>
                 </a:xfrm>
                 <a:prstGeom prst="leftBracket">
@@ -20059,10 +20037,10 @@
         </p:nvGrpSpPr>
         <p:grpSpPr>
           <a:xfrm>
-            <a:off x="3681197" y="5260772"/>
-            <a:ext cx="2181287" cy="1488919"/>
-            <a:chOff x="5959589" y="589324"/>
-            <a:chExt cx="2193199" cy="1530693"/>
+            <a:off x="4398104" y="5358777"/>
+            <a:ext cx="1488101" cy="1303470"/>
+            <a:chOff x="6016536" y="468241"/>
+            <a:chExt cx="2193199" cy="1547932"/>
           </a:xfrm>
         </p:grpSpPr>
         <p:sp>
@@ -20079,7 +20057,7 @@
           </p:nvSpPr>
           <p:spPr>
             <a:xfrm>
-              <a:off x="5959589" y="589324"/>
+              <a:off x="6016536" y="468241"/>
               <a:ext cx="2193199" cy="1231931"/>
             </a:xfrm>
             <a:prstGeom prst="ellipse">
@@ -20131,8 +20109,8 @@
           </p:nvSpPr>
           <p:spPr>
             <a:xfrm>
-              <a:off x="6265908" y="937364"/>
-              <a:ext cx="1659749" cy="537900"/>
+              <a:off x="6201323" y="905781"/>
+              <a:ext cx="1823624" cy="365500"/>
             </a:xfrm>
             <a:prstGeom prst="rect">
               <a:avLst/>
@@ -20163,7 +20141,11 @@
               <a:pPr algn="ctr"/>
               <a:r>
                 <a:rPr lang="de-DE" sz="1400" dirty="0"/>
-                <a:t>noise || signal sample</a:t>
+                <a:t>Label: Y</a:t>
+              </a:r>
+              <a:r>
+                <a:rPr lang="de-DE" sz="1400" baseline="-25000" dirty="0"/>
+                <a:t>conf</a:t>
               </a:r>
               <a:endParaRPr lang="en-GB" sz="1400" dirty="0"/>
             </a:p>
@@ -20183,8 +20165,8 @@
           </p:nvSpPr>
           <p:spPr>
             <a:xfrm>
-              <a:off x="6640304" y="1750685"/>
-              <a:ext cx="1384573" cy="369332"/>
+              <a:off x="6494754" y="1646841"/>
+              <a:ext cx="1384574" cy="369332"/>
             </a:xfrm>
             <a:prstGeom prst="rect">
               <a:avLst/>
@@ -20273,6 +20255,7 @@
           <a:prstGeom prst="rect">
             <a:avLst/>
           </a:prstGeom>
+          <a:ln w="19050"/>
         </p:spPr>
         <p:style>
           <a:lnRef idx="2">
@@ -20322,6 +20305,7 @@
           <a:prstGeom prst="rect">
             <a:avLst/>
           </a:prstGeom>
+          <a:ln w="19050"/>
         </p:spPr>
         <p:style>
           <a:lnRef idx="2">
@@ -20348,6 +20332,450 @@
               <a:t>M_Conf</a:t>
             </a:r>
             <a:endParaRPr lang="en-GB" sz="1600" dirty="0"/>
+          </a:p>
+        </p:txBody>
+      </p:sp>
+      <p:sp>
+        <p:nvSpPr>
+          <p:cNvPr id="96" name="Textfeld 95">
+            <a:extLst>
+              <a:ext uri="{FF2B5EF4-FFF2-40B4-BE49-F238E27FC236}">
+                <a16:creationId xmlns:a16="http://schemas.microsoft.com/office/drawing/2014/main" id="{2446A619-DA47-4A60-87A2-CFED26D0BAE5}"/>
+              </a:ext>
+            </a:extLst>
+          </p:cNvPr>
+          <p:cNvSpPr txBox="1"/>
+          <p:nvPr/>
+        </p:nvSpPr>
+        <p:spPr>
+          <a:xfrm>
+            <a:off x="4349815" y="2491381"/>
+            <a:ext cx="967867" cy="292388"/>
+          </a:xfrm>
+          <a:prstGeom prst="rect">
+            <a:avLst/>
+          </a:prstGeom>
+          <a:noFill/>
+        </p:spPr>
+        <p:txBody>
+          <a:bodyPr wrap="square" rtlCol="0">
+            <a:spAutoFit/>
+          </a:bodyPr>
+          <a:lstStyle/>
+          <a:p>
+            <a:r>
+              <a:rPr lang="de-DE" sz="1300" dirty="0"/>
+              <a:t>Sample 2</a:t>
+            </a:r>
+            <a:endParaRPr lang="en-GB" sz="1300" dirty="0"/>
+          </a:p>
+        </p:txBody>
+      </p:sp>
+      <p:cxnSp>
+        <p:nvCxnSpPr>
+          <p:cNvPr id="97" name="Gerader Verbinder 96">
+            <a:extLst>
+              <a:ext uri="{FF2B5EF4-FFF2-40B4-BE49-F238E27FC236}">
+                <a16:creationId xmlns:a16="http://schemas.microsoft.com/office/drawing/2014/main" id="{AF1D5DF9-2F8E-429B-823F-F24D95F3ECC8}"/>
+              </a:ext>
+            </a:extLst>
+          </p:cNvPr>
+          <p:cNvCxnSpPr/>
+          <p:nvPr/>
+        </p:nvCxnSpPr>
+        <p:spPr>
+          <a:xfrm>
+            <a:off x="5169587" y="2924286"/>
+            <a:ext cx="1332000" cy="0"/>
+          </a:xfrm>
+          <a:prstGeom prst="line">
+            <a:avLst/>
+          </a:prstGeom>
+        </p:spPr>
+        <p:style>
+          <a:lnRef idx="1">
+            <a:schemeClr val="dk1"/>
+          </a:lnRef>
+          <a:fillRef idx="0">
+            <a:schemeClr val="dk1"/>
+          </a:fillRef>
+          <a:effectRef idx="0">
+            <a:schemeClr val="dk1"/>
+          </a:effectRef>
+          <a:fontRef idx="minor">
+            <a:schemeClr val="tx1"/>
+          </a:fontRef>
+        </p:style>
+      </p:cxnSp>
+      <p:sp>
+        <p:nvSpPr>
+          <p:cNvPr id="99" name="Textfeld 98">
+            <a:extLst>
+              <a:ext uri="{FF2B5EF4-FFF2-40B4-BE49-F238E27FC236}">
+                <a16:creationId xmlns:a16="http://schemas.microsoft.com/office/drawing/2014/main" id="{79DD34BD-485D-437B-B48A-18BE9B8135E0}"/>
+              </a:ext>
+            </a:extLst>
+          </p:cNvPr>
+          <p:cNvSpPr txBox="1"/>
+          <p:nvPr/>
+        </p:nvSpPr>
+        <p:spPr>
+          <a:xfrm>
+            <a:off x="4346767" y="2707789"/>
+            <a:ext cx="967867" cy="292388"/>
+          </a:xfrm>
+          <a:prstGeom prst="rect">
+            <a:avLst/>
+          </a:prstGeom>
+          <a:noFill/>
+        </p:spPr>
+        <p:txBody>
+          <a:bodyPr wrap="square" rtlCol="0">
+            <a:spAutoFit/>
+          </a:bodyPr>
+          <a:lstStyle/>
+          <a:p>
+            <a:r>
+              <a:rPr lang="de-DE" sz="1300" dirty="0"/>
+              <a:t>Sample 3</a:t>
+            </a:r>
+            <a:endParaRPr lang="en-GB" sz="1300" dirty="0"/>
+          </a:p>
+        </p:txBody>
+      </p:sp>
+      <p:cxnSp>
+        <p:nvCxnSpPr>
+          <p:cNvPr id="101" name="Gerader Verbinder 100">
+            <a:extLst>
+              <a:ext uri="{FF2B5EF4-FFF2-40B4-BE49-F238E27FC236}">
+                <a16:creationId xmlns:a16="http://schemas.microsoft.com/office/drawing/2014/main" id="{5430907D-4767-44CA-935C-81B17CCB2361}"/>
+              </a:ext>
+            </a:extLst>
+          </p:cNvPr>
+          <p:cNvCxnSpPr>
+            <a:cxnSpLocks/>
+          </p:cNvCxnSpPr>
+          <p:nvPr/>
+        </p:nvCxnSpPr>
+        <p:spPr>
+          <a:xfrm>
+            <a:off x="6779930" y="2926707"/>
+            <a:ext cx="240948" cy="0"/>
+          </a:xfrm>
+          <a:prstGeom prst="line">
+            <a:avLst/>
+          </a:prstGeom>
+        </p:spPr>
+        <p:style>
+          <a:lnRef idx="1">
+            <a:schemeClr val="dk1"/>
+          </a:lnRef>
+          <a:fillRef idx="0">
+            <a:schemeClr val="dk1"/>
+          </a:fillRef>
+          <a:effectRef idx="0">
+            <a:schemeClr val="dk1"/>
+          </a:effectRef>
+          <a:fontRef idx="minor">
+            <a:schemeClr val="tx1"/>
+          </a:fontRef>
+        </p:style>
+      </p:cxnSp>
+      <p:cxnSp>
+        <p:nvCxnSpPr>
+          <p:cNvPr id="102" name="Gerader Verbinder 101">
+            <a:extLst>
+              <a:ext uri="{FF2B5EF4-FFF2-40B4-BE49-F238E27FC236}">
+                <a16:creationId xmlns:a16="http://schemas.microsoft.com/office/drawing/2014/main" id="{370447F6-F8D4-4CB5-8E83-D669BD254A9A}"/>
+              </a:ext>
+            </a:extLst>
+          </p:cNvPr>
+          <p:cNvCxnSpPr>
+            <a:cxnSpLocks/>
+          </p:cNvCxnSpPr>
+          <p:nvPr/>
+        </p:nvCxnSpPr>
+        <p:spPr>
+          <a:xfrm>
+            <a:off x="7446855" y="2920184"/>
+            <a:ext cx="240948" cy="0"/>
+          </a:xfrm>
+          <a:prstGeom prst="line">
+            <a:avLst/>
+          </a:prstGeom>
+        </p:spPr>
+        <p:style>
+          <a:lnRef idx="1">
+            <a:schemeClr val="dk1"/>
+          </a:lnRef>
+          <a:fillRef idx="0">
+            <a:schemeClr val="dk1"/>
+          </a:fillRef>
+          <a:effectRef idx="0">
+            <a:schemeClr val="dk1"/>
+          </a:effectRef>
+          <a:fontRef idx="minor">
+            <a:schemeClr val="tx1"/>
+          </a:fontRef>
+        </p:style>
+      </p:cxnSp>
+      <p:sp>
+        <p:nvSpPr>
+          <p:cNvPr id="103" name="Textfeld 102">
+            <a:extLst>
+              <a:ext uri="{FF2B5EF4-FFF2-40B4-BE49-F238E27FC236}">
+                <a16:creationId xmlns:a16="http://schemas.microsoft.com/office/drawing/2014/main" id="{BAD636C4-D38E-431C-8E6C-586C9894C590}"/>
+              </a:ext>
+            </a:extLst>
+          </p:cNvPr>
+          <p:cNvSpPr txBox="1"/>
+          <p:nvPr/>
+        </p:nvSpPr>
+        <p:spPr>
+          <a:xfrm>
+            <a:off x="6757579" y="2720168"/>
+            <a:ext cx="269626" cy="276999"/>
+          </a:xfrm>
+          <a:prstGeom prst="rect">
+            <a:avLst/>
+          </a:prstGeom>
+          <a:noFill/>
+        </p:spPr>
+        <p:txBody>
+          <a:bodyPr wrap="none" rtlCol="0">
+            <a:spAutoFit/>
+          </a:bodyPr>
+          <a:lstStyle/>
+          <a:p>
+            <a:pPr algn="ctr"/>
+            <a:r>
+              <a:rPr lang="de-DE" sz="1200" dirty="0"/>
+              <a:t>0</a:t>
+            </a:r>
+            <a:endParaRPr lang="en-GB" sz="1200" dirty="0"/>
+          </a:p>
+        </p:txBody>
+      </p:sp>
+      <p:sp>
+        <p:nvSpPr>
+          <p:cNvPr id="104" name="Textfeld 103">
+            <a:extLst>
+              <a:ext uri="{FF2B5EF4-FFF2-40B4-BE49-F238E27FC236}">
+                <a16:creationId xmlns:a16="http://schemas.microsoft.com/office/drawing/2014/main" id="{D81F864B-9BEE-4EC8-95B8-75351F382DC5}"/>
+              </a:ext>
+            </a:extLst>
+          </p:cNvPr>
+          <p:cNvSpPr txBox="1"/>
+          <p:nvPr/>
+        </p:nvSpPr>
+        <p:spPr>
+          <a:xfrm>
+            <a:off x="7415360" y="2686213"/>
+            <a:ext cx="269626" cy="276999"/>
+          </a:xfrm>
+          <a:prstGeom prst="rect">
+            <a:avLst/>
+          </a:prstGeom>
+          <a:noFill/>
+        </p:spPr>
+        <p:txBody>
+          <a:bodyPr wrap="none" rtlCol="0">
+            <a:spAutoFit/>
+          </a:bodyPr>
+          <a:lstStyle/>
+          <a:p>
+            <a:pPr algn="ctr"/>
+            <a:r>
+              <a:rPr lang="de-DE" sz="1200" dirty="0"/>
+              <a:t>1</a:t>
+            </a:r>
+            <a:endParaRPr lang="en-GB" sz="1200" dirty="0"/>
+          </a:p>
+        </p:txBody>
+      </p:sp>
+      <p:sp>
+        <p:nvSpPr>
+          <p:cNvPr id="107" name="Textfeld 106">
+            <a:extLst>
+              <a:ext uri="{FF2B5EF4-FFF2-40B4-BE49-F238E27FC236}">
+                <a16:creationId xmlns:a16="http://schemas.microsoft.com/office/drawing/2014/main" id="{7021AD05-BD56-4113-9051-3D7772B0F42B}"/>
+              </a:ext>
+            </a:extLst>
+          </p:cNvPr>
+          <p:cNvSpPr txBox="1"/>
+          <p:nvPr/>
+        </p:nvSpPr>
+        <p:spPr>
+          <a:xfrm>
+            <a:off x="8191431" y="2692122"/>
+            <a:ext cx="269626" cy="276999"/>
+          </a:xfrm>
+          <a:prstGeom prst="rect">
+            <a:avLst/>
+          </a:prstGeom>
+          <a:noFill/>
+        </p:spPr>
+        <p:txBody>
+          <a:bodyPr wrap="none" rtlCol="0">
+            <a:spAutoFit/>
+          </a:bodyPr>
+          <a:lstStyle/>
+          <a:p>
+            <a:pPr algn="ctr"/>
+            <a:r>
+              <a:rPr lang="de-DE" sz="1200" dirty="0"/>
+              <a:t>0</a:t>
+            </a:r>
+            <a:endParaRPr lang="en-GB" sz="1200" dirty="0"/>
+          </a:p>
+        </p:txBody>
+      </p:sp>
+      <p:cxnSp>
+        <p:nvCxnSpPr>
+          <p:cNvPr id="109" name="Gerader Verbinder 108">
+            <a:extLst>
+              <a:ext uri="{FF2B5EF4-FFF2-40B4-BE49-F238E27FC236}">
+                <a16:creationId xmlns:a16="http://schemas.microsoft.com/office/drawing/2014/main" id="{BCF0E79B-8A46-4023-8068-D103B840109E}"/>
+              </a:ext>
+            </a:extLst>
+          </p:cNvPr>
+          <p:cNvCxnSpPr>
+            <a:cxnSpLocks/>
+          </p:cNvCxnSpPr>
+          <p:nvPr/>
+        </p:nvCxnSpPr>
+        <p:spPr>
+          <a:xfrm>
+            <a:off x="8201194" y="2918743"/>
+            <a:ext cx="240948" cy="0"/>
+          </a:xfrm>
+          <a:prstGeom prst="line">
+            <a:avLst/>
+          </a:prstGeom>
+        </p:spPr>
+        <p:style>
+          <a:lnRef idx="1">
+            <a:schemeClr val="dk1"/>
+          </a:lnRef>
+          <a:fillRef idx="0">
+            <a:schemeClr val="dk1"/>
+          </a:fillRef>
+          <a:effectRef idx="0">
+            <a:schemeClr val="dk1"/>
+          </a:effectRef>
+          <a:fontRef idx="minor">
+            <a:schemeClr val="tx1"/>
+          </a:fontRef>
+        </p:style>
+      </p:cxnSp>
+      <p:sp>
+        <p:nvSpPr>
+          <p:cNvPr id="110" name="Textfeld 109">
+            <a:extLst>
+              <a:ext uri="{FF2B5EF4-FFF2-40B4-BE49-F238E27FC236}">
+                <a16:creationId xmlns:a16="http://schemas.microsoft.com/office/drawing/2014/main" id="{17F8AF7E-C617-4AA1-A54E-E061B7204E3D}"/>
+              </a:ext>
+            </a:extLst>
+          </p:cNvPr>
+          <p:cNvSpPr txBox="1"/>
+          <p:nvPr/>
+        </p:nvSpPr>
+        <p:spPr>
+          <a:xfrm>
+            <a:off x="6763675" y="4216736"/>
+            <a:ext cx="269626" cy="276999"/>
+          </a:xfrm>
+          <a:prstGeom prst="rect">
+            <a:avLst/>
+          </a:prstGeom>
+          <a:noFill/>
+        </p:spPr>
+        <p:txBody>
+          <a:bodyPr wrap="none" rtlCol="0">
+            <a:spAutoFit/>
+          </a:bodyPr>
+          <a:lstStyle/>
+          <a:p>
+            <a:pPr algn="ctr"/>
+            <a:r>
+              <a:rPr lang="de-DE" sz="1200" dirty="0"/>
+              <a:t>1</a:t>
+            </a:r>
+            <a:endParaRPr lang="en-GB" sz="1200" dirty="0"/>
+          </a:p>
+        </p:txBody>
+      </p:sp>
+      <p:sp>
+        <p:nvSpPr>
+          <p:cNvPr id="131" name="Textfeld 130">
+            <a:extLst>
+              <a:ext uri="{FF2B5EF4-FFF2-40B4-BE49-F238E27FC236}">
+                <a16:creationId xmlns:a16="http://schemas.microsoft.com/office/drawing/2014/main" id="{DD7C957F-B27B-4269-98DA-1680630CF705}"/>
+              </a:ext>
+            </a:extLst>
+          </p:cNvPr>
+          <p:cNvSpPr txBox="1"/>
+          <p:nvPr/>
+        </p:nvSpPr>
+        <p:spPr>
+          <a:xfrm>
+            <a:off x="7421456" y="4201069"/>
+            <a:ext cx="269626" cy="276999"/>
+          </a:xfrm>
+          <a:prstGeom prst="rect">
+            <a:avLst/>
+          </a:prstGeom>
+          <a:noFill/>
+        </p:spPr>
+        <p:txBody>
+          <a:bodyPr wrap="none" rtlCol="0">
+            <a:spAutoFit/>
+          </a:bodyPr>
+          <a:lstStyle/>
+          <a:p>
+            <a:pPr algn="ctr"/>
+            <a:r>
+              <a:rPr lang="de-DE" sz="1200" dirty="0"/>
+              <a:t>1</a:t>
+            </a:r>
+            <a:endParaRPr lang="en-GB" sz="1200" dirty="0"/>
+          </a:p>
+        </p:txBody>
+      </p:sp>
+      <p:sp>
+        <p:nvSpPr>
+          <p:cNvPr id="132" name="Textfeld 131">
+            <a:extLst>
+              <a:ext uri="{FF2B5EF4-FFF2-40B4-BE49-F238E27FC236}">
+                <a16:creationId xmlns:a16="http://schemas.microsoft.com/office/drawing/2014/main" id="{65E04C09-8D09-4EF2-86F7-C58FC9018B5A}"/>
+              </a:ext>
+            </a:extLst>
+          </p:cNvPr>
+          <p:cNvSpPr txBox="1"/>
+          <p:nvPr/>
+        </p:nvSpPr>
+        <p:spPr>
+          <a:xfrm>
+            <a:off x="8197527" y="4188690"/>
+            <a:ext cx="269626" cy="276999"/>
+          </a:xfrm>
+          <a:prstGeom prst="rect">
+            <a:avLst/>
+          </a:prstGeom>
+          <a:noFill/>
+        </p:spPr>
+        <p:txBody>
+          <a:bodyPr wrap="none" rtlCol="0">
+            <a:spAutoFit/>
+          </a:bodyPr>
+          <a:lstStyle/>
+          <a:p>
+            <a:pPr algn="ctr"/>
+            <a:r>
+              <a:rPr lang="de-DE" sz="1200" dirty="0"/>
+              <a:t>1</a:t>
+            </a:r>
+            <a:endParaRPr lang="en-GB" sz="1200" dirty="0"/>
           </a:p>
         </p:txBody>
       </p:sp>
@@ -20466,10 +20894,10 @@
         </p:nvGrpSpPr>
         <p:grpSpPr>
           <a:xfrm>
-            <a:off x="5933418" y="3171262"/>
-            <a:ext cx="1437382" cy="864000"/>
+            <a:off x="5077877" y="3256690"/>
+            <a:ext cx="1039537" cy="658800"/>
             <a:chOff x="5007957" y="675704"/>
-            <a:chExt cx="2277321" cy="864000"/>
+            <a:chExt cx="1646994" cy="658800"/>
           </a:xfrm>
         </p:grpSpPr>
         <p:sp>
@@ -20487,7 +20915,7 @@
           <p:spPr>
             <a:xfrm>
               <a:off x="5007957" y="675704"/>
-              <a:ext cx="2277321" cy="864000"/>
+              <a:ext cx="1646994" cy="658800"/>
             </a:xfrm>
             <a:prstGeom prst="ellipse">
               <a:avLst/>
@@ -20538,18 +20966,14 @@
           </p:nvSpPr>
           <p:spPr>
             <a:xfrm>
-              <a:off x="5219484" y="957925"/>
-              <a:ext cx="1895964" cy="276999"/>
+              <a:off x="5414032" y="833906"/>
+              <a:ext cx="864805" cy="307777"/>
             </a:xfrm>
             <a:prstGeom prst="rect">
               <a:avLst/>
             </a:prstGeom>
             <a:noFill/>
-            <a:ln w="12700">
-              <a:solidFill>
-                <a:srgbClr val="FF0000"/>
-              </a:solidFill>
-            </a:ln>
+            <a:ln w="9525"/>
           </p:spPr>
           <p:style>
             <a:lnRef idx="2">
@@ -20572,10 +20996,14 @@
             <a:lstStyle/>
             <a:p>
               <a:r>
-                <a:rPr lang="de-DE" sz="1200" dirty="0"/>
-                <a:t>noise || signal?</a:t>
+                <a:rPr lang="de-DE" sz="1400" dirty="0"/>
+                <a:t>Y</a:t>
               </a:r>
-              <a:endParaRPr lang="en-GB" sz="1200" dirty="0"/>
+              <a:r>
+                <a:rPr lang="de-DE" sz="1400" baseline="-25000" dirty="0"/>
+                <a:t>conf</a:t>
+              </a:r>
+              <a:endParaRPr lang="en-GB" sz="1400" dirty="0"/>
             </a:p>
           </p:txBody>
         </p:sp>
@@ -20600,7 +21028,7 @@
           <a:prstGeom prst="rect">
             <a:avLst/>
           </a:prstGeom>
-          <a:ln w="12700"/>
+          <a:ln w="19050"/>
         </p:spPr>
         <p:style>
           <a:lnRef idx="2">
@@ -20659,7 +21087,7 @@
         </p:nvSpPr>
         <p:spPr>
           <a:xfrm>
-            <a:off x="4579381" y="4288746"/>
+            <a:off x="3943172" y="4273975"/>
             <a:ext cx="1851356" cy="276999"/>
           </a:xfrm>
           <a:prstGeom prst="rect">
@@ -20696,8 +21124,8 @@
         </p:nvGrpSpPr>
         <p:grpSpPr>
           <a:xfrm>
-            <a:off x="2852357" y="2816508"/>
-            <a:ext cx="2386159" cy="501203"/>
+            <a:off x="2303717" y="2798220"/>
+            <a:ext cx="2386159" cy="592615"/>
             <a:chOff x="1551672" y="3429829"/>
             <a:chExt cx="2386159" cy="501203"/>
           </a:xfrm>
@@ -21164,13 +21592,13 @@
         </p:nvSpPr>
         <p:spPr>
           <a:xfrm>
-            <a:off x="3790212" y="3950192"/>
+            <a:off x="3223815" y="3931904"/>
             <a:ext cx="991894" cy="677108"/>
           </a:xfrm>
           <a:prstGeom prst="rect">
             <a:avLst/>
           </a:prstGeom>
-          <a:ln w="12700"/>
+          <a:ln w="19050"/>
         </p:spPr>
         <p:style>
           <a:lnRef idx="2">
@@ -21201,7 +21629,7 @@
               <a:rPr lang="de-DE" dirty="0"/>
             </a:br>
             <a:r>
-              <a:rPr lang="de-DE" dirty="0" err="1"/>
+              <a:rPr lang="de-DE" dirty="0"/>
               <a:t>M_Conf</a:t>
             </a:r>
             <a:br>
@@ -21229,10 +21657,10 @@
         </p:nvGrpSpPr>
         <p:grpSpPr>
           <a:xfrm>
-            <a:off x="141398" y="1643718"/>
-            <a:ext cx="1864274" cy="1242349"/>
-            <a:chOff x="5688814" y="297355"/>
-            <a:chExt cx="1864274" cy="1242349"/>
+            <a:off x="141398" y="1631331"/>
+            <a:ext cx="1698352" cy="1254736"/>
+            <a:chOff x="5688814" y="284968"/>
+            <a:chExt cx="1698352" cy="1254736"/>
           </a:xfrm>
         </p:grpSpPr>
         <p:sp>
@@ -21250,7 +21678,7 @@
           <p:spPr>
             <a:xfrm>
               <a:off x="5688814" y="675704"/>
-              <a:ext cx="1864274" cy="864000"/>
+              <a:ext cx="1698352" cy="864000"/>
             </a:xfrm>
             <a:prstGeom prst="ellipse">
               <a:avLst/>
@@ -21301,8 +21729,8 @@
           </p:nvSpPr>
           <p:spPr>
             <a:xfrm>
-              <a:off x="5925098" y="928279"/>
-              <a:ext cx="1395210" cy="276999"/>
+              <a:off x="5870234" y="946567"/>
+              <a:ext cx="1358364" cy="276999"/>
             </a:xfrm>
             <a:prstGeom prst="rect">
               <a:avLst/>
@@ -21332,7 +21760,7 @@
             <a:p>
               <a:r>
                 <a:rPr lang="de-DE" sz="1200" dirty="0"/>
-                <a:t>new patient Data</a:t>
+                <a:t>new patient data</a:t>
               </a:r>
               <a:endParaRPr lang="en-GB" sz="1200" dirty="0"/>
             </a:p>
@@ -21352,7 +21780,7 @@
           </p:nvSpPr>
           <p:spPr>
             <a:xfrm>
-              <a:off x="6290078" y="297355"/>
+              <a:off x="6191846" y="284968"/>
               <a:ext cx="692287" cy="369332"/>
             </a:xfrm>
             <a:prstGeom prst="rect">
@@ -21423,19 +21851,17 @@
           </p:cNvPr>
           <p:cNvCxnSpPr>
             <a:cxnSpLocks/>
-            <a:stCxn id="4" idx="3"/>
-            <a:endCxn id="92" idx="1"/>
           </p:cNvCxnSpPr>
           <p:nvPr/>
         </p:nvCxnSpPr>
         <p:spPr>
           <a:xfrm flipV="1">
-            <a:off x="1551581" y="2959511"/>
-            <a:ext cx="1356293" cy="750694"/>
+            <a:off x="1542437" y="2963629"/>
+            <a:ext cx="800419" cy="746576"/>
           </a:xfrm>
           <a:prstGeom prst="bentConnector3">
             <a:avLst>
-              <a:gd name="adj1" fmla="val 50000"/>
+              <a:gd name="adj1" fmla="val 57997"/>
             </a:avLst>
           </a:prstGeom>
           <a:ln w="12700">
@@ -21468,18 +21894,18 @@
           </p:cNvPr>
           <p:cNvCxnSpPr>
             <a:cxnSpLocks/>
-            <a:endCxn id="92" idx="1"/>
+            <a:stCxn id="103" idx="6"/>
           </p:cNvCxnSpPr>
           <p:nvPr/>
         </p:nvCxnSpPr>
         <p:spPr>
           <a:xfrm>
-            <a:off x="2024526" y="2454067"/>
-            <a:ext cx="883348" cy="505444"/>
+            <a:off x="1839750" y="2454067"/>
+            <a:ext cx="517329" cy="509562"/>
           </a:xfrm>
           <a:prstGeom prst="bentConnector3">
             <a:avLst>
-              <a:gd name="adj1" fmla="val 23321"/>
+              <a:gd name="adj1" fmla="val 34092"/>
             </a:avLst>
           </a:prstGeom>
           <a:ln w="12700">
@@ -21512,108 +21938,21 @@
           </p:cNvPr>
           <p:cNvCxnSpPr>
             <a:cxnSpLocks/>
-            <a:stCxn id="101" idx="3"/>
             <a:endCxn id="55" idx="2"/>
           </p:cNvCxnSpPr>
           <p:nvPr/>
         </p:nvCxnSpPr>
         <p:spPr>
           <a:xfrm flipV="1">
-            <a:off x="4782106" y="3603262"/>
-            <a:ext cx="1151312" cy="685484"/>
+            <a:off x="4233466" y="3586090"/>
+            <a:ext cx="844411" cy="684370"/>
           </a:xfrm>
           <a:prstGeom prst="bentConnector3">
             <a:avLst>
               <a:gd name="adj1" fmla="val 50000"/>
             </a:avLst>
           </a:prstGeom>
-          <a:ln w="12700">
-            <a:tailEnd type="triangle"/>
-          </a:ln>
-        </p:spPr>
-        <p:style>
-          <a:lnRef idx="1">
-            <a:schemeClr val="dk1"/>
-          </a:lnRef>
-          <a:fillRef idx="0">
-            <a:schemeClr val="dk1"/>
-          </a:fillRef>
-          <a:effectRef idx="0">
-            <a:schemeClr val="dk1"/>
-          </a:effectRef>
-          <a:fontRef idx="minor">
-            <a:schemeClr val="tx1"/>
-          </a:fontRef>
-        </p:style>
-      </p:cxnSp>
-      <p:cxnSp>
-        <p:nvCxnSpPr>
-          <p:cNvPr id="166" name="Verbinder: gewinkelt 165">
-            <a:extLst>
-              <a:ext uri="{FF2B5EF4-FFF2-40B4-BE49-F238E27FC236}">
-                <a16:creationId xmlns:a16="http://schemas.microsoft.com/office/drawing/2014/main" id="{2B553997-7BAC-4822-A89D-9A008A484A1F}"/>
-              </a:ext>
-            </a:extLst>
-          </p:cNvPr>
-          <p:cNvCxnSpPr>
-            <a:cxnSpLocks/>
-            <a:stCxn id="99" idx="3"/>
-            <a:endCxn id="55" idx="2"/>
-          </p:cNvCxnSpPr>
-          <p:nvPr/>
-        </p:nvCxnSpPr>
-        <p:spPr>
-          <a:xfrm>
-            <a:off x="5076700" y="2955008"/>
-            <a:ext cx="856718" cy="648254"/>
-          </a:xfrm>
-          <a:prstGeom prst="bentConnector3">
-            <a:avLst>
-              <a:gd name="adj1" fmla="val 32395"/>
-            </a:avLst>
-          </a:prstGeom>
-          <a:ln w="12700">
-            <a:tailEnd type="triangle"/>
-          </a:ln>
-        </p:spPr>
-        <p:style>
-          <a:lnRef idx="1">
-            <a:schemeClr val="dk1"/>
-          </a:lnRef>
-          <a:fillRef idx="0">
-            <a:schemeClr val="dk1"/>
-          </a:fillRef>
-          <a:effectRef idx="0">
-            <a:schemeClr val="dk1"/>
-          </a:effectRef>
-          <a:fontRef idx="minor">
-            <a:schemeClr val="tx1"/>
-          </a:fontRef>
-        </p:style>
-      </p:cxnSp>
-      <p:cxnSp>
-        <p:nvCxnSpPr>
-          <p:cNvPr id="180" name="Gerade Verbindung mit Pfeil 179">
-            <a:extLst>
-              <a:ext uri="{FF2B5EF4-FFF2-40B4-BE49-F238E27FC236}">
-                <a16:creationId xmlns:a16="http://schemas.microsoft.com/office/drawing/2014/main" id="{DFDF8AE7-8397-4442-8119-EFF409AD5CDC}"/>
-              </a:ext>
-            </a:extLst>
-          </p:cNvPr>
-          <p:cNvCxnSpPr>
-            <a:stCxn id="55" idx="6"/>
-          </p:cNvCxnSpPr>
-          <p:nvPr/>
-        </p:nvCxnSpPr>
-        <p:spPr>
-          <a:xfrm flipV="1">
-            <a:off x="7370800" y="3179211"/>
-            <a:ext cx="689114" cy="424051"/>
-          </a:xfrm>
-          <a:prstGeom prst="straightConnector1">
-            <a:avLst/>
-          </a:prstGeom>
-          <a:ln w="12700">
+          <a:ln>
             <a:tailEnd type="triangle"/>
           </a:ln>
         </p:spPr>
@@ -21644,13 +21983,14 @@
           <p:cNvCxnSpPr>
             <a:cxnSpLocks/>
             <a:stCxn id="55" idx="6"/>
+            <a:endCxn id="66" idx="1"/>
           </p:cNvCxnSpPr>
           <p:nvPr/>
         </p:nvCxnSpPr>
         <p:spPr>
           <a:xfrm>
-            <a:off x="7370800" y="3603262"/>
-            <a:ext cx="689114" cy="424800"/>
+            <a:off x="6117414" y="3586090"/>
+            <a:ext cx="316810" cy="12669"/>
           </a:xfrm>
           <a:prstGeom prst="straightConnector1">
             <a:avLst/>
@@ -21674,178 +22014,6 @@
           </a:fontRef>
         </p:style>
       </p:cxnSp>
-      <p:sp>
-        <p:nvSpPr>
-          <p:cNvPr id="184" name="Textfeld 183">
-            <a:extLst>
-              <a:ext uri="{FF2B5EF4-FFF2-40B4-BE49-F238E27FC236}">
-                <a16:creationId xmlns:a16="http://schemas.microsoft.com/office/drawing/2014/main" id="{E42DE4A5-F876-49C2-A685-A34E2D48BEF7}"/>
-              </a:ext>
-            </a:extLst>
-          </p:cNvPr>
-          <p:cNvSpPr txBox="1"/>
-          <p:nvPr/>
-        </p:nvSpPr>
-        <p:spPr>
-          <a:xfrm>
-            <a:off x="7499385" y="3741749"/>
-            <a:ext cx="266210" cy="276999"/>
-          </a:xfrm>
-          <a:prstGeom prst="rect">
-            <a:avLst/>
-          </a:prstGeom>
-          <a:noFill/>
-        </p:spPr>
-        <p:txBody>
-          <a:bodyPr wrap="square" rtlCol="0">
-            <a:spAutoFit/>
-          </a:bodyPr>
-          <a:lstStyle/>
-          <a:p>
-            <a:r>
-              <a:rPr lang="de-DE" sz="1200" dirty="0"/>
-              <a:t>0</a:t>
-            </a:r>
-            <a:endParaRPr lang="en-GB" sz="1200" dirty="0"/>
-          </a:p>
-        </p:txBody>
-      </p:sp>
-      <p:sp>
-        <p:nvSpPr>
-          <p:cNvPr id="185" name="Textfeld 184">
-            <a:extLst>
-              <a:ext uri="{FF2B5EF4-FFF2-40B4-BE49-F238E27FC236}">
-                <a16:creationId xmlns:a16="http://schemas.microsoft.com/office/drawing/2014/main" id="{E1C2C57A-9A3B-4E54-95AA-1DDD332859BE}"/>
-              </a:ext>
-            </a:extLst>
-          </p:cNvPr>
-          <p:cNvSpPr txBox="1"/>
-          <p:nvPr/>
-        </p:nvSpPr>
-        <p:spPr>
-          <a:xfrm>
-            <a:off x="7466870" y="3191364"/>
-            <a:ext cx="266210" cy="276999"/>
-          </a:xfrm>
-          <a:prstGeom prst="rect">
-            <a:avLst/>
-          </a:prstGeom>
-          <a:noFill/>
-        </p:spPr>
-        <p:txBody>
-          <a:bodyPr wrap="square" rtlCol="0">
-            <a:spAutoFit/>
-          </a:bodyPr>
-          <a:lstStyle/>
-          <a:p>
-            <a:r>
-              <a:rPr lang="de-DE" sz="1200" dirty="0"/>
-              <a:t>1</a:t>
-            </a:r>
-            <a:endParaRPr lang="en-GB" sz="1200" dirty="0"/>
-          </a:p>
-        </p:txBody>
-      </p:sp>
-      <p:sp>
-        <p:nvSpPr>
-          <p:cNvPr id="186" name="Textfeld 185">
-            <a:extLst>
-              <a:ext uri="{FF2B5EF4-FFF2-40B4-BE49-F238E27FC236}">
-                <a16:creationId xmlns:a16="http://schemas.microsoft.com/office/drawing/2014/main" id="{93D26D18-E662-4073-A076-06F0F08CEC8C}"/>
-              </a:ext>
-            </a:extLst>
-          </p:cNvPr>
-          <p:cNvSpPr txBox="1"/>
-          <p:nvPr/>
-        </p:nvSpPr>
-        <p:spPr>
-          <a:xfrm>
-            <a:off x="8050151" y="3741749"/>
-            <a:ext cx="1065566" cy="646331"/>
-          </a:xfrm>
-          <a:prstGeom prst="rect">
-            <a:avLst/>
-          </a:prstGeom>
-          <a:ln w="12700"/>
-        </p:spPr>
-        <p:style>
-          <a:lnRef idx="2">
-            <a:schemeClr val="dk1"/>
-          </a:lnRef>
-          <a:fillRef idx="1">
-            <a:schemeClr val="lt1"/>
-          </a:fillRef>
-          <a:effectRef idx="0">
-            <a:schemeClr val="dk1"/>
-          </a:effectRef>
-          <a:fontRef idx="minor">
-            <a:schemeClr val="dk1"/>
-          </a:fontRef>
-        </p:style>
-        <p:txBody>
-          <a:bodyPr wrap="square" rtlCol="0">
-            <a:spAutoFit/>
-          </a:bodyPr>
-          <a:lstStyle/>
-          <a:p>
-            <a:r>
-              <a:rPr lang="de-DE" sz="1200" dirty="0"/>
-              <a:t>nothing predictable about TLF</a:t>
-            </a:r>
-            <a:endParaRPr lang="en-GB" sz="1200" dirty="0"/>
-          </a:p>
-        </p:txBody>
-      </p:sp>
-      <p:sp>
-        <p:nvSpPr>
-          <p:cNvPr id="187" name="Textfeld 186">
-            <a:extLst>
-              <a:ext uri="{FF2B5EF4-FFF2-40B4-BE49-F238E27FC236}">
-                <a16:creationId xmlns:a16="http://schemas.microsoft.com/office/drawing/2014/main" id="{D0512D62-FA03-476C-91B1-537BFB94E50C}"/>
-              </a:ext>
-            </a:extLst>
-          </p:cNvPr>
-          <p:cNvSpPr txBox="1"/>
-          <p:nvPr/>
-        </p:nvSpPr>
-        <p:spPr>
-          <a:xfrm>
-            <a:off x="8102244" y="3040711"/>
-            <a:ext cx="585419" cy="276999"/>
-          </a:xfrm>
-          <a:prstGeom prst="rect">
-            <a:avLst/>
-          </a:prstGeom>
-          <a:ln w="12700"/>
-        </p:spPr>
-        <p:style>
-          <a:lnRef idx="2">
-            <a:schemeClr val="dk1"/>
-          </a:lnRef>
-          <a:fillRef idx="1">
-            <a:schemeClr val="lt1"/>
-          </a:fillRef>
-          <a:effectRef idx="0">
-            <a:schemeClr val="dk1"/>
-          </a:effectRef>
-          <a:fontRef idx="minor">
-            <a:schemeClr val="dk1"/>
-          </a:fontRef>
-        </p:style>
-        <p:txBody>
-          <a:bodyPr wrap="square" rtlCol="0">
-            <a:spAutoFit/>
-          </a:bodyPr>
-          <a:lstStyle/>
-          <a:p>
-            <a:r>
-              <a:rPr lang="de-DE" sz="1200" dirty="0"/>
-              <a:t>TLF?</a:t>
-            </a:r>
-            <a:endParaRPr lang="en-GB" sz="1200" dirty="0"/>
-          </a:p>
-        </p:txBody>
-      </p:sp>
       <p:cxnSp>
         <p:nvCxnSpPr>
           <p:cNvPr id="189" name="Gerade Verbindung mit Pfeil 188">
@@ -21857,15 +22025,14 @@
           </p:cNvPr>
           <p:cNvCxnSpPr>
             <a:cxnSpLocks/>
-            <a:stCxn id="90" idx="3"/>
-            <a:endCxn id="193" idx="2"/>
+            <a:endCxn id="58" idx="4"/>
           </p:cNvCxnSpPr>
           <p:nvPr/>
         </p:nvCxnSpPr>
         <p:spPr>
-          <a:xfrm flipH="1" flipV="1">
-            <a:off x="3996244" y="2463470"/>
-            <a:ext cx="1918" cy="370363"/>
+          <a:xfrm flipV="1">
+            <a:off x="3449522" y="2532320"/>
+            <a:ext cx="0" cy="260856"/>
           </a:xfrm>
           <a:prstGeom prst="straightConnector1">
             <a:avLst/>
@@ -21889,48 +22056,6 @@
           </a:fontRef>
         </p:style>
       </p:cxnSp>
-      <p:sp>
-        <p:nvSpPr>
-          <p:cNvPr id="193" name="Textfeld 192">
-            <a:extLst>
-              <a:ext uri="{FF2B5EF4-FFF2-40B4-BE49-F238E27FC236}">
-                <a16:creationId xmlns:a16="http://schemas.microsoft.com/office/drawing/2014/main" id="{AA2082B9-6844-4D69-8775-55269D92AC48}"/>
-              </a:ext>
-            </a:extLst>
-          </p:cNvPr>
-          <p:cNvSpPr txBox="1"/>
-          <p:nvPr/>
-        </p:nvSpPr>
-        <p:spPr>
-          <a:xfrm>
-            <a:off x="3797538" y="2155693"/>
-            <a:ext cx="397411" cy="307777"/>
-          </a:xfrm>
-          <a:prstGeom prst="rect">
-            <a:avLst/>
-          </a:prstGeom>
-          <a:noFill/>
-          <a:ln>
-            <a:solidFill>
-              <a:srgbClr val="FF0000"/>
-            </a:solidFill>
-          </a:ln>
-        </p:spPr>
-        <p:txBody>
-          <a:bodyPr wrap="square" rtlCol="0">
-            <a:spAutoFit/>
-          </a:bodyPr>
-          <a:lstStyle/>
-          <a:p>
-            <a:pPr algn="ctr"/>
-            <a:r>
-              <a:rPr lang="de-DE" sz="1400" b="1" dirty="0"/>
-              <a:t>Y‘</a:t>
-            </a:r>
-            <a:endParaRPr lang="en-GB" sz="1400" b="1" dirty="0"/>
-          </a:p>
-        </p:txBody>
-      </p:sp>
       <p:cxnSp>
         <p:nvCxnSpPr>
           <p:cNvPr id="198" name="Verbinder: gewinkelt 197">
@@ -21942,15 +22067,15 @@
           </p:cNvPr>
           <p:cNvCxnSpPr>
             <a:cxnSpLocks/>
-            <a:stCxn id="193" idx="3"/>
-            <a:endCxn id="187" idx="0"/>
+            <a:stCxn id="58" idx="6"/>
+            <a:endCxn id="66" idx="0"/>
           </p:cNvCxnSpPr>
           <p:nvPr/>
         </p:nvCxnSpPr>
         <p:spPr>
           <a:xfrm>
-            <a:off x="4194949" y="2309582"/>
-            <a:ext cx="4200005" cy="731129"/>
+            <a:off x="3969290" y="2202305"/>
+            <a:ext cx="2914934" cy="946454"/>
           </a:xfrm>
           <a:prstGeom prst="bentConnector2">
             <a:avLst/>
@@ -21974,6 +22099,504 @@
           </a:fontRef>
         </p:style>
       </p:cxnSp>
+      <p:grpSp>
+        <p:nvGrpSpPr>
+          <p:cNvPr id="57" name="Gruppieren 56">
+            <a:extLst>
+              <a:ext uri="{FF2B5EF4-FFF2-40B4-BE49-F238E27FC236}">
+                <a16:creationId xmlns:a16="http://schemas.microsoft.com/office/drawing/2014/main" id="{2306000D-7832-4ED0-AD1E-1056B2A466D1}"/>
+              </a:ext>
+            </a:extLst>
+          </p:cNvPr>
+          <p:cNvGrpSpPr/>
+          <p:nvPr/>
+        </p:nvGrpSpPr>
+        <p:grpSpPr>
+          <a:xfrm>
+            <a:off x="2929753" y="1872289"/>
+            <a:ext cx="1039537" cy="660031"/>
+            <a:chOff x="5007957" y="758000"/>
+            <a:chExt cx="1646994" cy="712841"/>
+          </a:xfrm>
+        </p:grpSpPr>
+        <p:sp>
+          <p:nvSpPr>
+            <p:cNvPr id="58" name="Ellipse 57">
+              <a:extLst>
+                <a:ext uri="{FF2B5EF4-FFF2-40B4-BE49-F238E27FC236}">
+                  <a16:creationId xmlns:a16="http://schemas.microsoft.com/office/drawing/2014/main" id="{9381C8F9-5ECB-41FB-9CBC-8AF3974758BF}"/>
+                </a:ext>
+              </a:extLst>
+            </p:cNvPr>
+            <p:cNvSpPr/>
+            <p:nvPr/>
+          </p:nvSpPr>
+          <p:spPr>
+            <a:xfrm>
+              <a:off x="5007957" y="758000"/>
+              <a:ext cx="1646994" cy="712841"/>
+            </a:xfrm>
+            <a:prstGeom prst="ellipse">
+              <a:avLst/>
+            </a:prstGeom>
+            <a:solidFill>
+              <a:schemeClr val="bg2"/>
+            </a:solidFill>
+            <a:ln w="12700">
+              <a:noFill/>
+            </a:ln>
+          </p:spPr>
+          <p:style>
+            <a:lnRef idx="2">
+              <a:schemeClr val="accent1">
+                <a:shade val="50000"/>
+              </a:schemeClr>
+            </a:lnRef>
+            <a:fillRef idx="1">
+              <a:schemeClr val="accent1"/>
+            </a:fillRef>
+            <a:effectRef idx="0">
+              <a:schemeClr val="accent1"/>
+            </a:effectRef>
+            <a:fontRef idx="minor">
+              <a:schemeClr val="lt1"/>
+            </a:fontRef>
+          </p:style>
+          <p:txBody>
+            <a:bodyPr rtlCol="0" anchor="ctr"/>
+            <a:lstStyle/>
+            <a:p>
+              <a:pPr algn="ctr"/>
+              <a:endParaRPr lang="en-GB"/>
+            </a:p>
+          </p:txBody>
+        </p:sp>
+        <p:sp>
+          <p:nvSpPr>
+            <p:cNvPr id="59" name="Textfeld 58">
+              <a:extLst>
+                <a:ext uri="{FF2B5EF4-FFF2-40B4-BE49-F238E27FC236}">
+                  <a16:creationId xmlns:a16="http://schemas.microsoft.com/office/drawing/2014/main" id="{E1E639A0-BB82-460D-9C5F-B655318D34D4}"/>
+                </a:ext>
+              </a:extLst>
+            </p:cNvPr>
+            <p:cNvSpPr txBox="1"/>
+            <p:nvPr/>
+          </p:nvSpPr>
+          <p:spPr>
+            <a:xfrm>
+              <a:off x="5328307" y="934945"/>
+              <a:ext cx="1006294" cy="307777"/>
+            </a:xfrm>
+            <a:prstGeom prst="rect">
+              <a:avLst/>
+            </a:prstGeom>
+            <a:noFill/>
+            <a:ln w="9525">
+              <a:solidFill>
+                <a:schemeClr val="tx1"/>
+              </a:solidFill>
+            </a:ln>
+          </p:spPr>
+          <p:style>
+            <a:lnRef idx="2">
+              <a:schemeClr val="dk1"/>
+            </a:lnRef>
+            <a:fillRef idx="1">
+              <a:schemeClr val="lt1"/>
+            </a:fillRef>
+            <a:effectRef idx="0">
+              <a:schemeClr val="dk1"/>
+            </a:effectRef>
+            <a:fontRef idx="minor">
+              <a:schemeClr val="dk1"/>
+            </a:fontRef>
+          </p:style>
+          <p:txBody>
+            <a:bodyPr wrap="square" rtlCol="0">
+              <a:spAutoFit/>
+            </a:bodyPr>
+            <a:lstStyle/>
+            <a:p>
+              <a:r>
+                <a:rPr lang="de-DE" sz="1400" dirty="0"/>
+                <a:t>Y‘</a:t>
+              </a:r>
+              <a:r>
+                <a:rPr lang="de-DE" sz="1400" baseline="-25000" dirty="0"/>
+                <a:t>TLF</a:t>
+              </a:r>
+              <a:endParaRPr lang="en-GB" sz="1400" dirty="0"/>
+            </a:p>
+          </p:txBody>
+        </p:sp>
+      </p:grpSp>
+      <p:cxnSp>
+        <p:nvCxnSpPr>
+          <p:cNvPr id="38" name="Verbinder: gewinkelt 37">
+            <a:extLst>
+              <a:ext uri="{FF2B5EF4-FFF2-40B4-BE49-F238E27FC236}">
+                <a16:creationId xmlns:a16="http://schemas.microsoft.com/office/drawing/2014/main" id="{816AAA82-0AE8-4F6B-936A-07E179A433E5}"/>
+              </a:ext>
+            </a:extLst>
+          </p:cNvPr>
+          <p:cNvCxnSpPr>
+            <a:cxnSpLocks/>
+          </p:cNvCxnSpPr>
+          <p:nvPr/>
+        </p:nvCxnSpPr>
+        <p:spPr>
+          <a:xfrm rot="16200000" flipH="1">
+            <a:off x="4269898" y="3210997"/>
+            <a:ext cx="651913" cy="117301"/>
+          </a:xfrm>
+          <a:prstGeom prst="bentConnector3">
+            <a:avLst>
+              <a:gd name="adj1" fmla="val 908"/>
+            </a:avLst>
+          </a:prstGeom>
+        </p:spPr>
+        <p:style>
+          <a:lnRef idx="1">
+            <a:schemeClr val="dk1"/>
+          </a:lnRef>
+          <a:fillRef idx="0">
+            <a:schemeClr val="dk1"/>
+          </a:fillRef>
+          <a:effectRef idx="0">
+            <a:schemeClr val="dk1"/>
+          </a:effectRef>
+          <a:fontRef idx="minor">
+            <a:schemeClr val="tx1"/>
+          </a:fontRef>
+        </p:style>
+      </p:cxnSp>
+      <p:sp>
+        <p:nvSpPr>
+          <p:cNvPr id="66" name="Rechteck 65">
+            <a:extLst>
+              <a:ext uri="{FF2B5EF4-FFF2-40B4-BE49-F238E27FC236}">
+                <a16:creationId xmlns:a16="http://schemas.microsoft.com/office/drawing/2014/main" id="{9E5D84AC-1FD9-447A-A3E6-CFA9353583F2}"/>
+              </a:ext>
+            </a:extLst>
+          </p:cNvPr>
+          <p:cNvSpPr/>
+          <p:nvPr/>
+        </p:nvSpPr>
+        <p:spPr>
+          <a:xfrm>
+            <a:off x="6434224" y="3148759"/>
+            <a:ext cx="900000" cy="900000"/>
+          </a:xfrm>
+          <a:prstGeom prst="rect">
+            <a:avLst/>
+          </a:prstGeom>
+          <a:ln w="9525"/>
+        </p:spPr>
+        <p:style>
+          <a:lnRef idx="2">
+            <a:schemeClr val="dk1"/>
+          </a:lnRef>
+          <a:fillRef idx="1">
+            <a:schemeClr val="lt1"/>
+          </a:fillRef>
+          <a:effectRef idx="0">
+            <a:schemeClr val="dk1"/>
+          </a:effectRef>
+          <a:fontRef idx="minor">
+            <a:schemeClr val="dk1"/>
+          </a:fontRef>
+        </p:style>
+        <p:txBody>
+          <a:bodyPr rtlCol="0" anchor="ctr"/>
+          <a:lstStyle/>
+          <a:p>
+            <a:pPr algn="ctr"/>
+            <a:endParaRPr lang="en-GB"/>
+          </a:p>
+        </p:txBody>
+      </p:sp>
+      <p:cxnSp>
+        <p:nvCxnSpPr>
+          <p:cNvPr id="70" name="Gerader Verbinder 69">
+            <a:extLst>
+              <a:ext uri="{FF2B5EF4-FFF2-40B4-BE49-F238E27FC236}">
+                <a16:creationId xmlns:a16="http://schemas.microsoft.com/office/drawing/2014/main" id="{B65AD4CD-06EE-4D1E-8041-DCE9DDBE4F87}"/>
+              </a:ext>
+            </a:extLst>
+          </p:cNvPr>
+          <p:cNvCxnSpPr>
+            <a:stCxn id="66" idx="0"/>
+            <a:endCxn id="66" idx="2"/>
+          </p:cNvCxnSpPr>
+          <p:nvPr/>
+        </p:nvCxnSpPr>
+        <p:spPr>
+          <a:xfrm>
+            <a:off x="6884224" y="3148759"/>
+            <a:ext cx="0" cy="900000"/>
+          </a:xfrm>
+          <a:prstGeom prst="line">
+            <a:avLst/>
+          </a:prstGeom>
+        </p:spPr>
+        <p:style>
+          <a:lnRef idx="1">
+            <a:schemeClr val="dk1"/>
+          </a:lnRef>
+          <a:fillRef idx="0">
+            <a:schemeClr val="dk1"/>
+          </a:fillRef>
+          <a:effectRef idx="0">
+            <a:schemeClr val="dk1"/>
+          </a:effectRef>
+          <a:fontRef idx="minor">
+            <a:schemeClr val="tx1"/>
+          </a:fontRef>
+        </p:style>
+      </p:cxnSp>
+      <p:cxnSp>
+        <p:nvCxnSpPr>
+          <p:cNvPr id="106" name="Gerader Verbinder 105">
+            <a:extLst>
+              <a:ext uri="{FF2B5EF4-FFF2-40B4-BE49-F238E27FC236}">
+                <a16:creationId xmlns:a16="http://schemas.microsoft.com/office/drawing/2014/main" id="{B6E07205-29AE-4E87-99CC-FFBA69B50185}"/>
+              </a:ext>
+            </a:extLst>
+          </p:cNvPr>
+          <p:cNvCxnSpPr>
+            <a:cxnSpLocks/>
+            <a:stCxn id="66" idx="1"/>
+            <a:endCxn id="66" idx="3"/>
+          </p:cNvCxnSpPr>
+          <p:nvPr/>
+        </p:nvCxnSpPr>
+        <p:spPr>
+          <a:xfrm>
+            <a:off x="6434224" y="3598759"/>
+            <a:ext cx="900000" cy="0"/>
+          </a:xfrm>
+          <a:prstGeom prst="line">
+            <a:avLst/>
+          </a:prstGeom>
+        </p:spPr>
+        <p:style>
+          <a:lnRef idx="1">
+            <a:schemeClr val="dk1"/>
+          </a:lnRef>
+          <a:fillRef idx="0">
+            <a:schemeClr val="dk1"/>
+          </a:fillRef>
+          <a:effectRef idx="0">
+            <a:schemeClr val="dk1"/>
+          </a:effectRef>
+          <a:fontRef idx="minor">
+            <a:schemeClr val="tx1"/>
+          </a:fontRef>
+        </p:style>
+      </p:cxnSp>
+      <p:sp>
+        <p:nvSpPr>
+          <p:cNvPr id="74" name="Textfeld 73">
+            <a:extLst>
+              <a:ext uri="{FF2B5EF4-FFF2-40B4-BE49-F238E27FC236}">
+                <a16:creationId xmlns:a16="http://schemas.microsoft.com/office/drawing/2014/main" id="{F2C4EAFA-475E-444D-97F5-8512F11CA8B1}"/>
+              </a:ext>
+            </a:extLst>
+          </p:cNvPr>
+          <p:cNvSpPr txBox="1"/>
+          <p:nvPr/>
+        </p:nvSpPr>
+        <p:spPr>
+          <a:xfrm>
+            <a:off x="6455773" y="3236946"/>
+            <a:ext cx="484631" cy="307777"/>
+          </a:xfrm>
+          <a:prstGeom prst="rect">
+            <a:avLst/>
+          </a:prstGeom>
+          <a:noFill/>
+        </p:spPr>
+        <p:txBody>
+          <a:bodyPr wrap="square" rtlCol="0">
+            <a:spAutoFit/>
+          </a:bodyPr>
+          <a:lstStyle/>
+          <a:p>
+            <a:r>
+              <a:rPr lang="de-DE" sz="1400" dirty="0"/>
+              <a:t>Q1</a:t>
+            </a:r>
+            <a:endParaRPr lang="en-GB" sz="1400" dirty="0"/>
+          </a:p>
+        </p:txBody>
+      </p:sp>
+      <p:sp>
+        <p:nvSpPr>
+          <p:cNvPr id="107" name="Textfeld 106">
+            <a:extLst>
+              <a:ext uri="{FF2B5EF4-FFF2-40B4-BE49-F238E27FC236}">
+                <a16:creationId xmlns:a16="http://schemas.microsoft.com/office/drawing/2014/main" id="{0D87018E-B307-4F22-8D8F-F673957381F2}"/>
+              </a:ext>
+            </a:extLst>
+          </p:cNvPr>
+          <p:cNvSpPr txBox="1"/>
+          <p:nvPr/>
+        </p:nvSpPr>
+        <p:spPr>
+          <a:xfrm>
+            <a:off x="6909014" y="3236946"/>
+            <a:ext cx="484631" cy="307777"/>
+          </a:xfrm>
+          <a:prstGeom prst="rect">
+            <a:avLst/>
+          </a:prstGeom>
+          <a:noFill/>
+        </p:spPr>
+        <p:txBody>
+          <a:bodyPr wrap="square" rtlCol="0">
+            <a:spAutoFit/>
+          </a:bodyPr>
+          <a:lstStyle/>
+          <a:p>
+            <a:r>
+              <a:rPr lang="de-DE" sz="1400" dirty="0"/>
+              <a:t>Q2</a:t>
+            </a:r>
+            <a:endParaRPr lang="en-GB" sz="1400" dirty="0"/>
+          </a:p>
+        </p:txBody>
+      </p:sp>
+      <p:sp>
+        <p:nvSpPr>
+          <p:cNvPr id="108" name="Textfeld 107">
+            <a:extLst>
+              <a:ext uri="{FF2B5EF4-FFF2-40B4-BE49-F238E27FC236}">
+                <a16:creationId xmlns:a16="http://schemas.microsoft.com/office/drawing/2014/main" id="{B4BCA4D2-D977-416B-B783-A041F8156C3C}"/>
+              </a:ext>
+            </a:extLst>
+          </p:cNvPr>
+          <p:cNvSpPr txBox="1"/>
+          <p:nvPr/>
+        </p:nvSpPr>
+        <p:spPr>
+          <a:xfrm>
+            <a:off x="6455772" y="3646595"/>
+            <a:ext cx="484631" cy="307777"/>
+          </a:xfrm>
+          <a:prstGeom prst="rect">
+            <a:avLst/>
+          </a:prstGeom>
+          <a:noFill/>
+        </p:spPr>
+        <p:txBody>
+          <a:bodyPr wrap="square" rtlCol="0">
+            <a:spAutoFit/>
+          </a:bodyPr>
+          <a:lstStyle/>
+          <a:p>
+            <a:r>
+              <a:rPr lang="de-DE" sz="1400" dirty="0"/>
+              <a:t>Q3</a:t>
+            </a:r>
+            <a:endParaRPr lang="en-GB" sz="1400" dirty="0"/>
+          </a:p>
+        </p:txBody>
+      </p:sp>
+      <p:sp>
+        <p:nvSpPr>
+          <p:cNvPr id="109" name="Textfeld 108">
+            <a:extLst>
+              <a:ext uri="{FF2B5EF4-FFF2-40B4-BE49-F238E27FC236}">
+                <a16:creationId xmlns:a16="http://schemas.microsoft.com/office/drawing/2014/main" id="{F5A027D3-65F9-441A-A4B9-C6EF12E2110D}"/>
+              </a:ext>
+            </a:extLst>
+          </p:cNvPr>
+          <p:cNvSpPr txBox="1"/>
+          <p:nvPr/>
+        </p:nvSpPr>
+        <p:spPr>
+          <a:xfrm>
+            <a:off x="6904142" y="3655738"/>
+            <a:ext cx="484631" cy="307777"/>
+          </a:xfrm>
+          <a:prstGeom prst="rect">
+            <a:avLst/>
+          </a:prstGeom>
+          <a:noFill/>
+        </p:spPr>
+        <p:txBody>
+          <a:bodyPr wrap="square" rtlCol="0">
+            <a:spAutoFit/>
+          </a:bodyPr>
+          <a:lstStyle/>
+          <a:p>
+            <a:r>
+              <a:rPr lang="de-DE" sz="1400" dirty="0"/>
+              <a:t>Q4</a:t>
+            </a:r>
+            <a:endParaRPr lang="en-GB" sz="1400" dirty="0"/>
+          </a:p>
+        </p:txBody>
+      </p:sp>
+      <p:sp>
+        <p:nvSpPr>
+          <p:cNvPr id="46" name="Textfeld 45">
+            <a:extLst>
+              <a:ext uri="{FF2B5EF4-FFF2-40B4-BE49-F238E27FC236}">
+                <a16:creationId xmlns:a16="http://schemas.microsoft.com/office/drawing/2014/main" id="{56801FD6-9412-4750-897C-5D90E6578EBE}"/>
+              </a:ext>
+            </a:extLst>
+          </p:cNvPr>
+          <p:cNvSpPr txBox="1"/>
+          <p:nvPr/>
+        </p:nvSpPr>
+        <p:spPr>
+          <a:xfrm>
+            <a:off x="6133447" y="4057902"/>
+            <a:ext cx="1501553" cy="276999"/>
+          </a:xfrm>
+          <a:prstGeom prst="rect">
+            <a:avLst/>
+          </a:prstGeom>
+          <a:noFill/>
+          <a:ln w="12700">
+            <a:noFill/>
+          </a:ln>
+        </p:spPr>
+        <p:style>
+          <a:lnRef idx="2">
+            <a:schemeClr val="dk1"/>
+          </a:lnRef>
+          <a:fillRef idx="1">
+            <a:schemeClr val="lt1"/>
+          </a:fillRef>
+          <a:effectRef idx="0">
+            <a:schemeClr val="dk1"/>
+          </a:effectRef>
+          <a:fontRef idx="minor">
+            <a:schemeClr val="dk1"/>
+          </a:fontRef>
+        </p:style>
+        <p:txBody>
+          <a:bodyPr wrap="square" rtlCol="0">
+            <a:spAutoFit/>
+          </a:bodyPr>
+          <a:lstStyle/>
+          <a:p>
+            <a:pPr algn="ctr"/>
+            <a:r>
+              <a:rPr lang="de-DE" sz="1200" dirty="0"/>
+              <a:t>Exclusion Matrix </a:t>
+            </a:r>
+            <a:r>
+              <a:rPr lang="de-DE" sz="1200" b="1" dirty="0"/>
+              <a:t>Q</a:t>
+            </a:r>
+            <a:endParaRPr lang="en-GB" sz="1200" b="1" dirty="0"/>
+          </a:p>
+        </p:txBody>
+      </p:sp>
     </p:spTree>
     <p:extLst>
       <p:ext uri="{BB962C8B-B14F-4D97-AF65-F5344CB8AC3E}">

--- a/presentations/ProgressReport.pptx
+++ b/presentations/ProgressReport.pptx
@@ -5,7 +5,7 @@
     <p:sldMasterId id="2147483648" r:id="rId1"/>
   </p:sldMasterIdLst>
   <p:notesMasterIdLst>
-    <p:notesMasterId r:id="rId17"/>
+    <p:notesMasterId r:id="rId16"/>
   </p:notesMasterIdLst>
   <p:sldIdLst>
     <p:sldId id="281" r:id="rId2"/>
@@ -13,21 +13,20 @@
     <p:sldId id="288" r:id="rId4"/>
     <p:sldId id="294" r:id="rId5"/>
     <p:sldId id="295" r:id="rId6"/>
-    <p:sldId id="306" r:id="rId7"/>
-    <p:sldId id="296" r:id="rId8"/>
-    <p:sldId id="297" r:id="rId9"/>
-    <p:sldId id="302" r:id="rId10"/>
-    <p:sldId id="303" r:id="rId11"/>
-    <p:sldId id="305" r:id="rId12"/>
-    <p:sldId id="299" r:id="rId13"/>
-    <p:sldId id="308" r:id="rId14"/>
-    <p:sldId id="307" r:id="rId15"/>
-    <p:sldId id="298" r:id="rId16"/>
+    <p:sldId id="296" r:id="rId7"/>
+    <p:sldId id="297" r:id="rId8"/>
+    <p:sldId id="302" r:id="rId9"/>
+    <p:sldId id="303" r:id="rId10"/>
+    <p:sldId id="305" r:id="rId11"/>
+    <p:sldId id="299" r:id="rId12"/>
+    <p:sldId id="308" r:id="rId13"/>
+    <p:sldId id="307" r:id="rId14"/>
+    <p:sldId id="298" r:id="rId15"/>
   </p:sldIdLst>
   <p:sldSz cx="9144000" cy="6858000" type="screen4x3"/>
   <p:notesSz cx="7315200" cy="9601200"/>
   <p:custDataLst>
-    <p:tags r:id="rId18"/>
+    <p:tags r:id="rId17"/>
   </p:custDataLst>
   <p:defaultTextStyle>
     <a:defPPr>
@@ -312,7 +311,7 @@
           <a:p>
             <a:fld id="{7E109A6C-D884-45F8-B5EB-D7A1699C6653}" type="datetimeFigureOut">
               <a:rPr lang="de-DE" smtClean="0"/>
-              <a:t>29.09.2020</a:t>
+              <a:t>02.10.2020</a:t>
             </a:fld>
             <a:endParaRPr lang="de-DE"/>
           </a:p>
@@ -747,169 +746,379 @@
           <a:lstStyle/>
           <a:p>
             <a:r>
-              <a:rPr lang="de-DE" dirty="0"/>
-              <a:t>Short </a:t>
-            </a:r>
-            <a:r>
-              <a:rPr lang="de-DE" dirty="0" err="1"/>
-              <a:t>example</a:t>
-            </a:r>
-            <a:r>
-              <a:rPr lang="de-DE" dirty="0"/>
-              <a:t> </a:t>
-            </a:r>
-            <a:r>
-              <a:rPr lang="de-DE" dirty="0" err="1"/>
-              <a:t>how</a:t>
-            </a:r>
-            <a:r>
-              <a:rPr lang="de-DE" dirty="0"/>
-              <a:t> </a:t>
-            </a:r>
-            <a:r>
-              <a:rPr lang="de-DE" dirty="0" err="1"/>
-              <a:t>evaluation</a:t>
-            </a:r>
-            <a:r>
-              <a:rPr lang="de-DE" dirty="0"/>
-              <a:t> of final </a:t>
-            </a:r>
-            <a:r>
-              <a:rPr lang="de-DE" dirty="0" err="1"/>
-              <a:t>chosen</a:t>
-            </a:r>
-            <a:r>
-              <a:rPr lang="de-DE" dirty="0"/>
-              <a:t> </a:t>
-            </a:r>
-            <a:r>
-              <a:rPr lang="de-DE" dirty="0" err="1"/>
-              <a:t>pipelines</a:t>
-            </a:r>
-            <a:r>
-              <a:rPr lang="de-DE" dirty="0"/>
-              <a:t> will </a:t>
-            </a:r>
-            <a:r>
-              <a:rPr lang="de-DE" dirty="0" err="1"/>
-              <a:t>look</a:t>
-            </a:r>
-            <a:r>
-              <a:rPr lang="de-DE" dirty="0"/>
-              <a:t> like. </a:t>
-            </a:r>
-            <a:r>
-              <a:rPr lang="de-DE" dirty="0" err="1"/>
-              <a:t>We</a:t>
-            </a:r>
-            <a:r>
-              <a:rPr lang="de-DE" dirty="0"/>
-              <a:t> </a:t>
-            </a:r>
-            <a:r>
-              <a:rPr lang="de-DE" dirty="0" err="1"/>
-              <a:t>see</a:t>
-            </a:r>
-            <a:r>
-              <a:rPr lang="de-DE" dirty="0"/>
-              <a:t> – </a:t>
-            </a:r>
-            <a:r>
-              <a:rPr lang="de-DE" dirty="0" err="1"/>
-              <a:t>expected</a:t>
-            </a:r>
-            <a:r>
-              <a:rPr lang="de-DE" dirty="0"/>
-              <a:t> from </a:t>
-            </a:r>
-            <a:r>
-              <a:rPr lang="de-DE" dirty="0" err="1"/>
-              <a:t>the</a:t>
-            </a:r>
-            <a:r>
-              <a:rPr lang="de-DE" dirty="0"/>
-              <a:t> </a:t>
-            </a:r>
-            <a:r>
-              <a:rPr lang="de-DE" dirty="0" err="1"/>
-              <a:t>low</a:t>
-            </a:r>
-            <a:r>
-              <a:rPr lang="de-DE" dirty="0"/>
-              <a:t> </a:t>
-            </a:r>
-            <a:r>
-              <a:rPr lang="de-DE" dirty="0" err="1"/>
-              <a:t>scores</a:t>
-            </a:r>
-            <a:r>
-              <a:rPr lang="de-DE" dirty="0"/>
-              <a:t> – ROC </a:t>
-            </a:r>
-            <a:r>
-              <a:rPr lang="de-DE" dirty="0" err="1"/>
-              <a:t>curve</a:t>
-            </a:r>
-            <a:r>
-              <a:rPr lang="de-DE" dirty="0"/>
-              <a:t> </a:t>
-            </a:r>
-            <a:r>
-              <a:rPr lang="de-DE" dirty="0" err="1"/>
-              <a:t>near</a:t>
-            </a:r>
-            <a:r>
-              <a:rPr lang="de-DE" dirty="0"/>
-              <a:t> </a:t>
-            </a:r>
-            <a:r>
-              <a:rPr lang="de-DE" dirty="0" err="1"/>
-              <a:t>the</a:t>
-            </a:r>
-            <a:r>
-              <a:rPr lang="de-DE" dirty="0"/>
-              <a:t> </a:t>
-            </a:r>
-            <a:r>
-              <a:rPr lang="de-DE" dirty="0" err="1"/>
-              <a:t>random</a:t>
-            </a:r>
-            <a:r>
-              <a:rPr lang="de-DE" dirty="0"/>
-              <a:t> </a:t>
-            </a:r>
-            <a:r>
-              <a:rPr lang="de-DE" dirty="0" err="1"/>
-              <a:t>line</a:t>
-            </a:r>
-            <a:r>
-              <a:rPr lang="de-DE" dirty="0"/>
-              <a:t> and </a:t>
-            </a:r>
-            <a:r>
-              <a:rPr lang="de-DE" dirty="0" err="1"/>
-              <a:t>prec</a:t>
-            </a:r>
-            <a:r>
-              <a:rPr lang="de-DE" dirty="0"/>
-              <a:t>/</a:t>
-            </a:r>
-            <a:r>
-              <a:rPr lang="de-DE" dirty="0" err="1"/>
-              <a:t>rec</a:t>
-            </a:r>
-            <a:r>
-              <a:rPr lang="de-DE" dirty="0"/>
-              <a:t> </a:t>
-            </a:r>
-            <a:r>
-              <a:rPr lang="de-DE" dirty="0" err="1"/>
-              <a:t>curve</a:t>
-            </a:r>
-            <a:r>
-              <a:rPr lang="de-DE" dirty="0"/>
-              <a:t> </a:t>
-            </a:r>
+              <a:rPr lang="en-GB" sz="1200" kern="1200" dirty="0">
+                <a:solidFill>
+                  <a:schemeClr val="tx1"/>
+                </a:solidFill>
+                <a:effectLst/>
+                <a:latin typeface="+mn-lt"/>
+                <a:ea typeface="+mn-ea"/>
+                <a:cs typeface="+mn-cs"/>
+              </a:rPr>
+              <a:t> http://rasbt.github.io/mlxtend/user_guide/evaluate/ftest/</a:t>
+            </a:r>
+            <a:br>
+              <a:rPr lang="en-GB" sz="1200" kern="1200" dirty="0">
+                <a:solidFill>
+                  <a:schemeClr val="tx1"/>
+                </a:solidFill>
+                <a:effectLst/>
+                <a:latin typeface="+mn-lt"/>
+                <a:ea typeface="+mn-ea"/>
+                <a:cs typeface="+mn-cs"/>
+              </a:rPr>
+            </a:br>
+            <a:r>
+              <a:rPr lang="en-GB" sz="1200" kern="1200" dirty="0">
+                <a:solidFill>
+                  <a:schemeClr val="tx1"/>
+                </a:solidFill>
+                <a:effectLst/>
+                <a:latin typeface="+mn-lt"/>
+                <a:ea typeface="+mn-ea"/>
+                <a:cs typeface="+mn-cs"/>
+              </a:rPr>
+              <a:t>"""</a:t>
+            </a:r>
+            <a:br>
+              <a:rPr lang="en-GB" sz="1200" kern="1200" dirty="0">
+                <a:solidFill>
+                  <a:schemeClr val="tx1"/>
+                </a:solidFill>
+                <a:effectLst/>
+                <a:latin typeface="+mn-lt"/>
+                <a:ea typeface="+mn-ea"/>
+                <a:cs typeface="+mn-cs"/>
+              </a:rPr>
+            </a:br>
+            <a:r>
+              <a:rPr lang="en-GB" sz="1200" kern="1200" dirty="0">
+                <a:solidFill>
+                  <a:schemeClr val="tx1"/>
+                </a:solidFill>
+                <a:effectLst/>
+                <a:latin typeface="+mn-lt"/>
+                <a:ea typeface="+mn-ea"/>
+                <a:cs typeface="+mn-cs"/>
+              </a:rPr>
+              <a:t>In the context of evaluating machine learning models, the F-test by George W. </a:t>
+            </a:r>
+            <a:r>
+              <a:rPr lang="en-GB" sz="1200" kern="1200" dirty="0" err="1">
+                <a:solidFill>
+                  <a:schemeClr val="tx1"/>
+                </a:solidFill>
+                <a:effectLst/>
+                <a:latin typeface="+mn-lt"/>
+                <a:ea typeface="+mn-ea"/>
+                <a:cs typeface="+mn-cs"/>
+              </a:rPr>
+              <a:t>Snedecor</a:t>
+            </a:r>
+            <a:r>
+              <a:rPr lang="en-GB" sz="1200" kern="1200" dirty="0">
+                <a:solidFill>
+                  <a:schemeClr val="tx1"/>
+                </a:solidFill>
+                <a:effectLst/>
+                <a:latin typeface="+mn-lt"/>
+                <a:ea typeface="+mn-ea"/>
+                <a:cs typeface="+mn-cs"/>
+              </a:rPr>
+              <a:t> [1] can be regarded as analogous </a:t>
+            </a:r>
+            <a:br>
+              <a:rPr lang="en-GB" sz="1200" kern="1200" dirty="0">
+                <a:solidFill>
+                  <a:schemeClr val="tx1"/>
+                </a:solidFill>
+                <a:effectLst/>
+                <a:latin typeface="+mn-lt"/>
+                <a:ea typeface="+mn-ea"/>
+                <a:cs typeface="+mn-cs"/>
+              </a:rPr>
+            </a:br>
+            <a:r>
+              <a:rPr lang="en-GB" sz="1200" kern="1200" dirty="0">
+                <a:solidFill>
+                  <a:schemeClr val="tx1"/>
+                </a:solidFill>
+                <a:effectLst/>
+                <a:latin typeface="+mn-lt"/>
+                <a:ea typeface="+mn-ea"/>
+                <a:cs typeface="+mn-cs"/>
+              </a:rPr>
+              <a:t>to Cochran's Q test that can be applied to evaluate multiple classifiers (i.e., whether their accuracies estimated on a </a:t>
+            </a:r>
+            <a:br>
+              <a:rPr lang="en-GB" sz="1200" kern="1200" dirty="0">
+                <a:solidFill>
+                  <a:schemeClr val="tx1"/>
+                </a:solidFill>
+                <a:effectLst/>
+                <a:latin typeface="+mn-lt"/>
+                <a:ea typeface="+mn-ea"/>
+                <a:cs typeface="+mn-cs"/>
+              </a:rPr>
+            </a:br>
+            <a:r>
+              <a:rPr lang="en-GB" sz="1200" kern="1200" dirty="0">
+                <a:solidFill>
+                  <a:schemeClr val="tx1"/>
+                </a:solidFill>
+                <a:effectLst/>
+                <a:latin typeface="+mn-lt"/>
+                <a:ea typeface="+mn-ea"/>
+                <a:cs typeface="+mn-cs"/>
+              </a:rPr>
+              <a:t>test set differ) as described by Looney [2][3].</a:t>
+            </a:r>
+            <a:br>
+              <a:rPr lang="en-GB" sz="1200" kern="1200" dirty="0">
+                <a:solidFill>
+                  <a:schemeClr val="tx1"/>
+                </a:solidFill>
+                <a:effectLst/>
+                <a:latin typeface="+mn-lt"/>
+                <a:ea typeface="+mn-ea"/>
+                <a:cs typeface="+mn-cs"/>
+              </a:rPr>
+            </a:br>
+            <a:br>
+              <a:rPr lang="en-GB" sz="1200" kern="1200" dirty="0">
+                <a:solidFill>
+                  <a:schemeClr val="tx1"/>
+                </a:solidFill>
+                <a:effectLst/>
+                <a:latin typeface="+mn-lt"/>
+                <a:ea typeface="+mn-ea"/>
+                <a:cs typeface="+mn-cs"/>
+              </a:rPr>
+            </a:br>
+            <a:r>
+              <a:rPr lang="en-GB" sz="1200" kern="1200" dirty="0">
+                <a:solidFill>
+                  <a:schemeClr val="tx1"/>
+                </a:solidFill>
+                <a:effectLst/>
+                <a:latin typeface="+mn-lt"/>
+                <a:ea typeface="+mn-ea"/>
+                <a:cs typeface="+mn-cs"/>
+              </a:rPr>
+              <a:t>More formally, assume the task to test the null hypothesis that there is no difference between the </a:t>
+            </a:r>
+            <a:br>
+              <a:rPr lang="en-GB" sz="1200" kern="1200" dirty="0">
+                <a:solidFill>
+                  <a:schemeClr val="tx1"/>
+                </a:solidFill>
+                <a:effectLst/>
+                <a:latin typeface="+mn-lt"/>
+                <a:ea typeface="+mn-ea"/>
+                <a:cs typeface="+mn-cs"/>
+              </a:rPr>
+            </a:br>
+            <a:r>
+              <a:rPr lang="en-GB" sz="1200" kern="1200" dirty="0">
+                <a:solidFill>
+                  <a:schemeClr val="tx1"/>
+                </a:solidFill>
+                <a:effectLst/>
+                <a:latin typeface="+mn-lt"/>
+                <a:ea typeface="+mn-ea"/>
+                <a:cs typeface="+mn-cs"/>
+              </a:rPr>
+              <a:t>classification accuracies [1]: pi:H0=p1=p2=⋯=</a:t>
+            </a:r>
+            <a:r>
+              <a:rPr lang="en-GB" sz="1200" kern="1200" dirty="0" err="1">
+                <a:solidFill>
+                  <a:schemeClr val="tx1"/>
+                </a:solidFill>
+                <a:effectLst/>
+                <a:latin typeface="+mn-lt"/>
+                <a:ea typeface="+mn-ea"/>
+                <a:cs typeface="+mn-cs"/>
+              </a:rPr>
+              <a:t>pL.</a:t>
+            </a:r>
+            <a:br>
+              <a:rPr lang="en-GB" sz="1200" kern="1200" dirty="0">
+                <a:solidFill>
+                  <a:schemeClr val="tx1"/>
+                </a:solidFill>
+                <a:effectLst/>
+                <a:latin typeface="+mn-lt"/>
+                <a:ea typeface="+mn-ea"/>
+                <a:cs typeface="+mn-cs"/>
+              </a:rPr>
+            </a:br>
+            <a:br>
+              <a:rPr lang="en-GB" sz="1200" kern="1200" dirty="0">
+                <a:solidFill>
+                  <a:schemeClr val="tx1"/>
+                </a:solidFill>
+                <a:effectLst/>
+                <a:latin typeface="+mn-lt"/>
+                <a:ea typeface="+mn-ea"/>
+                <a:cs typeface="+mn-cs"/>
+              </a:rPr>
+            </a:br>
+            <a:r>
+              <a:rPr lang="en-GB" sz="1200" kern="1200" dirty="0">
+                <a:solidFill>
+                  <a:schemeClr val="tx1"/>
+                </a:solidFill>
+                <a:effectLst/>
+                <a:latin typeface="+mn-lt"/>
+                <a:ea typeface="+mn-ea"/>
+                <a:cs typeface="+mn-cs"/>
+              </a:rPr>
+              <a:t>After computing the F-value, we can then look up the p-value from a F-distribution table for the corresponding degrees</a:t>
+            </a:r>
+            <a:br>
+              <a:rPr lang="en-GB" sz="1200" kern="1200" dirty="0">
+                <a:solidFill>
+                  <a:schemeClr val="tx1"/>
+                </a:solidFill>
+                <a:effectLst/>
+                <a:latin typeface="+mn-lt"/>
+                <a:ea typeface="+mn-ea"/>
+                <a:cs typeface="+mn-cs"/>
+              </a:rPr>
+            </a:br>
+            <a:r>
+              <a:rPr lang="en-GB" sz="1200" kern="1200" dirty="0">
+                <a:solidFill>
+                  <a:schemeClr val="tx1"/>
+                </a:solidFill>
+                <a:effectLst/>
+                <a:latin typeface="+mn-lt"/>
+                <a:ea typeface="+mn-ea"/>
+                <a:cs typeface="+mn-cs"/>
+              </a:rPr>
+              <a:t>of freedom or obtain it computationally from a cumulative F-distribution function. In practice, if we successfully </a:t>
+            </a:r>
+            <a:br>
+              <a:rPr lang="en-GB" sz="1200" kern="1200" dirty="0">
+                <a:solidFill>
+                  <a:schemeClr val="tx1"/>
+                </a:solidFill>
+                <a:effectLst/>
+                <a:latin typeface="+mn-lt"/>
+                <a:ea typeface="+mn-ea"/>
+                <a:cs typeface="+mn-cs"/>
+              </a:rPr>
+            </a:br>
+            <a:r>
+              <a:rPr lang="en-GB" sz="1200" kern="1200" dirty="0">
+                <a:solidFill>
+                  <a:schemeClr val="tx1"/>
+                </a:solidFill>
+                <a:effectLst/>
+                <a:latin typeface="+mn-lt"/>
+                <a:ea typeface="+mn-ea"/>
+                <a:cs typeface="+mn-cs"/>
+              </a:rPr>
+              <a:t>rejected the null hypothesis at a previously chosen significance threshold, we could perform multiple post hoc pair-wise</a:t>
+            </a:r>
+            <a:br>
+              <a:rPr lang="en-GB" sz="1200" kern="1200" dirty="0">
+                <a:solidFill>
+                  <a:schemeClr val="tx1"/>
+                </a:solidFill>
+                <a:effectLst/>
+                <a:latin typeface="+mn-lt"/>
+                <a:ea typeface="+mn-ea"/>
+                <a:cs typeface="+mn-cs"/>
+              </a:rPr>
+            </a:br>
+            <a:r>
+              <a:rPr lang="en-GB" sz="1200" kern="1200" dirty="0">
+                <a:solidFill>
+                  <a:schemeClr val="tx1"/>
+                </a:solidFill>
+                <a:effectLst/>
+                <a:latin typeface="+mn-lt"/>
+                <a:ea typeface="+mn-ea"/>
+                <a:cs typeface="+mn-cs"/>
+              </a:rPr>
+              <a:t> tests -- for example, </a:t>
+            </a:r>
+            <a:r>
+              <a:rPr lang="en-GB" sz="1200" kern="1200" dirty="0" err="1">
+                <a:solidFill>
+                  <a:schemeClr val="tx1"/>
+                </a:solidFill>
+                <a:effectLst/>
+                <a:latin typeface="+mn-lt"/>
+                <a:ea typeface="+mn-ea"/>
+                <a:cs typeface="+mn-cs"/>
+              </a:rPr>
+              <a:t>McNemar</a:t>
+            </a:r>
+            <a:r>
+              <a:rPr lang="en-GB" sz="1200" kern="1200" dirty="0">
+                <a:solidFill>
+                  <a:schemeClr val="tx1"/>
+                </a:solidFill>
+                <a:effectLst/>
+                <a:latin typeface="+mn-lt"/>
+                <a:ea typeface="+mn-ea"/>
+                <a:cs typeface="+mn-cs"/>
+              </a:rPr>
+              <a:t> tests with a Bonferroni correction -- to determine which pairs have different </a:t>
+            </a:r>
+            <a:br>
+              <a:rPr lang="en-GB" sz="1200" kern="1200" dirty="0">
+                <a:solidFill>
+                  <a:schemeClr val="tx1"/>
+                </a:solidFill>
+                <a:effectLst/>
+                <a:latin typeface="+mn-lt"/>
+                <a:ea typeface="+mn-ea"/>
+                <a:cs typeface="+mn-cs"/>
+              </a:rPr>
+            </a:br>
+            <a:r>
+              <a:rPr lang="en-GB" sz="1200" kern="1200" dirty="0">
+                <a:solidFill>
+                  <a:schemeClr val="tx1"/>
+                </a:solidFill>
+                <a:effectLst/>
+                <a:latin typeface="+mn-lt"/>
+                <a:ea typeface="+mn-ea"/>
+                <a:cs typeface="+mn-cs"/>
+              </a:rPr>
+              <a:t> population proportions</a:t>
+            </a:r>
+          </a:p>
+          <a:p>
+            <a:endParaRPr lang="en-GB" sz="1200" kern="1200" dirty="0">
+              <a:solidFill>
+                <a:schemeClr val="tx1"/>
+              </a:solidFill>
+              <a:effectLst/>
+              <a:latin typeface="+mn-lt"/>
+              <a:ea typeface="+mn-ea"/>
+              <a:cs typeface="+mn-cs"/>
+            </a:endParaRPr>
+          </a:p>
+          <a:p>
+            <a:r>
+              <a:rPr lang="en-GB" sz="1200" kern="1200" dirty="0">
+                <a:solidFill>
+                  <a:schemeClr val="tx1"/>
+                </a:solidFill>
+                <a:effectLst/>
+                <a:latin typeface="+mn-lt"/>
+                <a:ea typeface="+mn-ea"/>
+                <a:cs typeface="+mn-cs"/>
+              </a:rPr>
+              <a:t>References: </a:t>
+            </a:r>
+          </a:p>
+          <a:p>
             <a:r>
               <a:rPr lang="en-GB" sz="1200" b="0" i="0" kern="1200" dirty="0">
                 <a:solidFill>
@@ -920,8 +1129,89 @@
                 <a:ea typeface="+mn-ea"/>
                 <a:cs typeface="+mn-cs"/>
               </a:rPr>
-              <a:t>just a little better than no skill (= prevalence of disease, in my case TLF = 5%)</a:t>
-            </a:r>
+              <a:t>[1] </a:t>
+            </a:r>
+            <a:r>
+              <a:rPr lang="en-GB" sz="1200" b="0" i="0" kern="1200" dirty="0" err="1">
+                <a:solidFill>
+                  <a:schemeClr val="tx1"/>
+                </a:solidFill>
+                <a:effectLst/>
+                <a:latin typeface="+mn-lt"/>
+                <a:ea typeface="+mn-ea"/>
+                <a:cs typeface="+mn-cs"/>
+              </a:rPr>
+              <a:t>Snedecor</a:t>
+            </a:r>
+            <a:r>
+              <a:rPr lang="en-GB" sz="1200" b="0" i="0" kern="1200" dirty="0">
+                <a:solidFill>
+                  <a:schemeClr val="tx1"/>
+                </a:solidFill>
+                <a:effectLst/>
+                <a:latin typeface="+mn-lt"/>
+                <a:ea typeface="+mn-ea"/>
+                <a:cs typeface="+mn-cs"/>
+              </a:rPr>
+              <a:t>, George W. and Cochran, William G. (1989), Statistical Methods, Eighth Edition, Iowa State University Press.</a:t>
+            </a:r>
+          </a:p>
+          <a:p>
+            <a:r>
+              <a:rPr lang="en-GB" sz="1200" b="0" i="0" kern="1200" dirty="0">
+                <a:solidFill>
+                  <a:schemeClr val="tx1"/>
+                </a:solidFill>
+                <a:effectLst/>
+                <a:latin typeface="+mn-lt"/>
+                <a:ea typeface="+mn-ea"/>
+                <a:cs typeface="+mn-cs"/>
+              </a:rPr>
+              <a:t>[2] Looney, Stephen W. "A statistical technique for comparing the accuracies of several classifiers." Pattern Recognition Letters 8, no. 1 (1988): 5-9.</a:t>
+            </a:r>
+          </a:p>
+          <a:p>
+            <a:r>
+              <a:rPr lang="en-GB" sz="1200" b="0" i="0" kern="1200" dirty="0">
+                <a:solidFill>
+                  <a:schemeClr val="tx1"/>
+                </a:solidFill>
+                <a:effectLst/>
+                <a:latin typeface="+mn-lt"/>
+                <a:ea typeface="+mn-ea"/>
+                <a:cs typeface="+mn-cs"/>
+              </a:rPr>
+              <a:t>[3] </a:t>
+            </a:r>
+            <a:r>
+              <a:rPr lang="en-GB" sz="1200" b="0" i="0" kern="1200" dirty="0" err="1">
+                <a:solidFill>
+                  <a:schemeClr val="tx1"/>
+                </a:solidFill>
+                <a:effectLst/>
+                <a:latin typeface="+mn-lt"/>
+                <a:ea typeface="+mn-ea"/>
+                <a:cs typeface="+mn-cs"/>
+              </a:rPr>
+              <a:t>Kuncheva</a:t>
+            </a:r>
+            <a:r>
+              <a:rPr lang="en-GB" sz="1200" b="0" i="0" kern="1200" dirty="0">
+                <a:solidFill>
+                  <a:schemeClr val="tx1"/>
+                </a:solidFill>
+                <a:effectLst/>
+                <a:latin typeface="+mn-lt"/>
+                <a:ea typeface="+mn-ea"/>
+                <a:cs typeface="+mn-cs"/>
+              </a:rPr>
+              <a:t>, Ludmila I. Combining pattern classifiers: methods and algorithms. John Wiley &amp; Sons, 2004.</a:t>
+            </a:r>
+          </a:p>
+          <a:p>
+            <a:br>
+              <a:rPr lang="en-GB" dirty="0"/>
+            </a:br>
             <a:endParaRPr lang="en-GB" dirty="0"/>
           </a:p>
         </p:txBody>
@@ -952,7 +1242,7 @@
     </p:spTree>
     <p:extLst>
       <p:ext uri="{BB962C8B-B14F-4D97-AF65-F5344CB8AC3E}">
-        <p14:creationId xmlns:p14="http://schemas.microsoft.com/office/powerpoint/2010/main" val="2025906499"/>
+        <p14:creationId xmlns:p14="http://schemas.microsoft.com/office/powerpoint/2010/main" val="3973927302"/>
       </p:ext>
     </p:extLst>
   </p:cSld>
@@ -1007,7 +1297,35 @@
           <a:lstStyle/>
           <a:p>
             <a:r>
-              <a:rPr lang="en-GB" sz="1200" kern="1200" dirty="0">
+              <a:rPr lang="de-DE" dirty="0"/>
+              <a:t>To </a:t>
+            </a:r>
+            <a:r>
+              <a:rPr lang="de-DE" dirty="0" err="1"/>
+              <a:t>proceed</a:t>
+            </a:r>
+            <a:r>
+              <a:rPr lang="de-DE" dirty="0"/>
+              <a:t> with </a:t>
+            </a:r>
+            <a:r>
+              <a:rPr lang="de-DE" dirty="0" err="1"/>
+              <a:t>the</a:t>
+            </a:r>
+            <a:r>
+              <a:rPr lang="de-DE" dirty="0"/>
+              <a:t> </a:t>
+            </a:r>
+            <a:r>
+              <a:rPr lang="de-DE" dirty="0" err="1"/>
+              <a:t>project</a:t>
+            </a:r>
+            <a:r>
+              <a:rPr lang="de-DE" dirty="0"/>
+              <a:t> and </a:t>
+            </a:r>
+            <a:r>
+              <a:rPr lang="en-GB" sz="1200" b="0" i="0" kern="1200" dirty="0">
                 <a:solidFill>
                   <a:schemeClr val="tx1"/>
                 </a:solidFill>
@@ -1016,10 +1334,10 @@
                 <a:ea typeface="+mn-ea"/>
                 <a:cs typeface="+mn-cs"/>
               </a:rPr>
-              <a:t> http://rasbt.github.io/mlxtend/user_guide/evaluate/ftest/</a:t>
-            </a:r>
-            <a:br>
-              <a:rPr lang="en-GB" sz="1200" kern="1200" dirty="0">
+              <a:t>to be able to present tangible results, I have to be 100% sure about the chosen pipelines/methods. I have to somehow </a:t>
+            </a:r>
+            <a:r>
+              <a:rPr lang="en-GB" sz="1200" b="0" i="0" kern="1200" dirty="0" err="1">
                 <a:solidFill>
                   <a:schemeClr val="tx1"/>
                 </a:solidFill>
@@ -1028,9 +1346,10 @@
                 <a:ea typeface="+mn-ea"/>
                 <a:cs typeface="+mn-cs"/>
               </a:rPr>
-            </a:br>
-            <a:r>
-              <a:rPr lang="en-GB" sz="1200" kern="1200" dirty="0">
+              <a:t>clearifiy</a:t>
+            </a:r>
+            <a:r>
+              <a:rPr lang="en-GB" sz="1200" b="0" i="0" kern="1200" dirty="0">
                 <a:solidFill>
                   <a:schemeClr val="tx1"/>
                 </a:solidFill>
@@ -1039,10 +1358,12 @@
                 <a:ea typeface="+mn-ea"/>
                 <a:cs typeface="+mn-cs"/>
               </a:rPr>
-              <a:t>"""</a:t>
-            </a:r>
-            <a:br>
-              <a:rPr lang="en-GB" sz="1200" kern="1200" dirty="0">
+              <a:t> which one is the best under the failing ones. This is important so that nobody can argue that I’ve made a mistake in hyperparameter tuning and missed the model fitting to the data.</a:t>
+            </a:r>
+          </a:p>
+          <a:p>
+            <a:r>
+              <a:rPr lang="en-GB" sz="1200" b="0" i="0" kern="1200" dirty="0">
                 <a:solidFill>
                   <a:schemeClr val="tx1"/>
                 </a:solidFill>
@@ -1051,9 +1372,55 @@
                 <a:ea typeface="+mn-ea"/>
                 <a:cs typeface="+mn-cs"/>
               </a:rPr>
-            </a:br>
-            <a:r>
-              <a:rPr lang="en-GB" sz="1200" kern="1200" dirty="0">
+              <a:t>For that I have to identify for each used classifier the hyperparameters which influences the model complexity and thus controls under / overfitting. Then set one parameter  to a fix value to </a:t>
+            </a:r>
+            <a:r>
+              <a:rPr lang="en-GB" sz="1200" b="0" i="0" kern="1200" dirty="0">
+                <a:solidFill>
+                  <a:schemeClr val="tx1"/>
+                </a:solidFill>
+                <a:effectLst/>
+                <a:latin typeface="+mn-lt"/>
+                <a:ea typeface="+mn-ea"/>
+                <a:cs typeface="+mn-cs"/>
+                <a:sym typeface="Wingdings" panose="05000000000000000000" pitchFamily="2" charset="2"/>
+              </a:rPr>
+              <a:t>make score graphs for the other variable hyperparameters and decide: </a:t>
+            </a:r>
+          </a:p>
+          <a:p>
+            <a:pPr marL="0" marR="0" lvl="0" indent="0" algn="l" defTabSz="914400" rtl="0" eaLnBrk="1" fontAlgn="auto" latinLnBrk="0" hangingPunct="1">
+              <a:lnSpc>
+                <a:spcPct val="100000"/>
+              </a:lnSpc>
+              <a:spcBef>
+                <a:spcPts val="0"/>
+              </a:spcBef>
+              <a:spcAft>
+                <a:spcPts val="0"/>
+              </a:spcAft>
+              <a:buClrTx/>
+              <a:buSzTx/>
+              <a:buFontTx/>
+              <a:buNone/>
+              <a:tabLst/>
+              <a:defRPr/>
+            </a:pPr>
+            <a:r>
+              <a:rPr lang="en-GB" sz="1200" b="0" i="0" kern="1200" dirty="0">
+                <a:solidFill>
+                  <a:schemeClr val="tx1"/>
+                </a:solidFill>
+                <a:effectLst/>
+                <a:latin typeface="+mn-lt"/>
+                <a:ea typeface="+mn-ea"/>
+                <a:cs typeface="+mn-cs"/>
+                <a:sym typeface="Wingdings" panose="05000000000000000000" pitchFamily="2" charset="2"/>
+              </a:rPr>
+              <a:t>- </a:t>
+            </a:r>
+            <a:r>
+              <a:rPr lang="en-GB" sz="1200" u="sng" kern="1200" dirty="0">
                 <a:solidFill>
                   <a:schemeClr val="tx1"/>
                 </a:solidFill>
@@ -1062,299 +1429,8 @@
                 <a:ea typeface="+mn-ea"/>
                 <a:cs typeface="+mn-cs"/>
               </a:rPr>
-              <a:t>In the context of evaluating machine learning models, the F-test by George W. </a:t>
-            </a:r>
-            <a:r>
-              <a:rPr lang="en-GB" sz="1200" kern="1200" dirty="0" err="1">
-                <a:solidFill>
-                  <a:schemeClr val="tx1"/>
-                </a:solidFill>
-                <a:effectLst/>
-                <a:latin typeface="+mn-lt"/>
-                <a:ea typeface="+mn-ea"/>
-                <a:cs typeface="+mn-cs"/>
-              </a:rPr>
-              <a:t>Snedecor</a:t>
-            </a:r>
-            <a:r>
-              <a:rPr lang="en-GB" sz="1200" kern="1200" dirty="0">
-                <a:solidFill>
-                  <a:schemeClr val="tx1"/>
-                </a:solidFill>
-                <a:effectLst/>
-                <a:latin typeface="+mn-lt"/>
-                <a:ea typeface="+mn-ea"/>
-                <a:cs typeface="+mn-cs"/>
-              </a:rPr>
-              <a:t> [1] can be regarded as analogous </a:t>
-            </a:r>
-            <a:br>
-              <a:rPr lang="en-GB" sz="1200" kern="1200" dirty="0">
-                <a:solidFill>
-                  <a:schemeClr val="tx1"/>
-                </a:solidFill>
-                <a:effectLst/>
-                <a:latin typeface="+mn-lt"/>
-                <a:ea typeface="+mn-ea"/>
-                <a:cs typeface="+mn-cs"/>
-              </a:rPr>
-            </a:br>
-            <a:r>
-              <a:rPr lang="en-GB" sz="1200" kern="1200" dirty="0">
-                <a:solidFill>
-                  <a:schemeClr val="tx1"/>
-                </a:solidFill>
-                <a:effectLst/>
-                <a:latin typeface="+mn-lt"/>
-                <a:ea typeface="+mn-ea"/>
-                <a:cs typeface="+mn-cs"/>
-              </a:rPr>
-              <a:t>to Cochran's Q test that can be applied to evaluate multiple classifiers (i.e., whether their accuracies estimated on a </a:t>
-            </a:r>
-            <a:br>
-              <a:rPr lang="en-GB" sz="1200" kern="1200" dirty="0">
-                <a:solidFill>
-                  <a:schemeClr val="tx1"/>
-                </a:solidFill>
-                <a:effectLst/>
-                <a:latin typeface="+mn-lt"/>
-                <a:ea typeface="+mn-ea"/>
-                <a:cs typeface="+mn-cs"/>
-              </a:rPr>
-            </a:br>
-            <a:r>
-              <a:rPr lang="en-GB" sz="1200" kern="1200" dirty="0">
-                <a:solidFill>
-                  <a:schemeClr val="tx1"/>
-                </a:solidFill>
-                <a:effectLst/>
-                <a:latin typeface="+mn-lt"/>
-                <a:ea typeface="+mn-ea"/>
-                <a:cs typeface="+mn-cs"/>
-              </a:rPr>
-              <a:t>test set differ) as described by Looney [2][3].</a:t>
-            </a:r>
-            <a:br>
-              <a:rPr lang="en-GB" sz="1200" kern="1200" dirty="0">
-                <a:solidFill>
-                  <a:schemeClr val="tx1"/>
-                </a:solidFill>
-                <a:effectLst/>
-                <a:latin typeface="+mn-lt"/>
-                <a:ea typeface="+mn-ea"/>
-                <a:cs typeface="+mn-cs"/>
-              </a:rPr>
-            </a:br>
-            <a:br>
-              <a:rPr lang="en-GB" sz="1200" kern="1200" dirty="0">
-                <a:solidFill>
-                  <a:schemeClr val="tx1"/>
-                </a:solidFill>
-                <a:effectLst/>
-                <a:latin typeface="+mn-lt"/>
-                <a:ea typeface="+mn-ea"/>
-                <a:cs typeface="+mn-cs"/>
-              </a:rPr>
-            </a:br>
-            <a:r>
-              <a:rPr lang="en-GB" sz="1200" kern="1200" dirty="0">
-                <a:solidFill>
-                  <a:schemeClr val="tx1"/>
-                </a:solidFill>
-                <a:effectLst/>
-                <a:latin typeface="+mn-lt"/>
-                <a:ea typeface="+mn-ea"/>
-                <a:cs typeface="+mn-cs"/>
-              </a:rPr>
-              <a:t>More formally, assume the task to test the null hypothesis that there is no difference between the </a:t>
-            </a:r>
-            <a:br>
-              <a:rPr lang="en-GB" sz="1200" kern="1200" dirty="0">
-                <a:solidFill>
-                  <a:schemeClr val="tx1"/>
-                </a:solidFill>
-                <a:effectLst/>
-                <a:latin typeface="+mn-lt"/>
-                <a:ea typeface="+mn-ea"/>
-                <a:cs typeface="+mn-cs"/>
-              </a:rPr>
-            </a:br>
-            <a:r>
-              <a:rPr lang="en-GB" sz="1200" kern="1200" dirty="0">
-                <a:solidFill>
-                  <a:schemeClr val="tx1"/>
-                </a:solidFill>
-                <a:effectLst/>
-                <a:latin typeface="+mn-lt"/>
-                <a:ea typeface="+mn-ea"/>
-                <a:cs typeface="+mn-cs"/>
-              </a:rPr>
-              <a:t>classification accuracies [1]: pi:H0=p1=p2=⋯=</a:t>
-            </a:r>
-            <a:r>
-              <a:rPr lang="en-GB" sz="1200" kern="1200" dirty="0" err="1">
-                <a:solidFill>
-                  <a:schemeClr val="tx1"/>
-                </a:solidFill>
-                <a:effectLst/>
-                <a:latin typeface="+mn-lt"/>
-                <a:ea typeface="+mn-ea"/>
-                <a:cs typeface="+mn-cs"/>
-              </a:rPr>
-              <a:t>pL.</a:t>
-            </a:r>
-            <a:br>
-              <a:rPr lang="en-GB" sz="1200" kern="1200" dirty="0">
-                <a:solidFill>
-                  <a:schemeClr val="tx1"/>
-                </a:solidFill>
-                <a:effectLst/>
-                <a:latin typeface="+mn-lt"/>
-                <a:ea typeface="+mn-ea"/>
-                <a:cs typeface="+mn-cs"/>
-              </a:rPr>
-            </a:br>
-            <a:br>
-              <a:rPr lang="en-GB" sz="1200" kern="1200" dirty="0">
-                <a:solidFill>
-                  <a:schemeClr val="tx1"/>
-                </a:solidFill>
-                <a:effectLst/>
-                <a:latin typeface="+mn-lt"/>
-                <a:ea typeface="+mn-ea"/>
-                <a:cs typeface="+mn-cs"/>
-              </a:rPr>
-            </a:br>
-            <a:r>
-              <a:rPr lang="en-GB" sz="1200" kern="1200" dirty="0">
-                <a:solidFill>
-                  <a:schemeClr val="tx1"/>
-                </a:solidFill>
-                <a:effectLst/>
-                <a:latin typeface="+mn-lt"/>
-                <a:ea typeface="+mn-ea"/>
-                <a:cs typeface="+mn-cs"/>
-              </a:rPr>
-              <a:t>After computing the F-value, we can then look up the p-value from a F-distribution table for the corresponding degrees</a:t>
-            </a:r>
-            <a:br>
-              <a:rPr lang="en-GB" sz="1200" kern="1200" dirty="0">
-                <a:solidFill>
-                  <a:schemeClr val="tx1"/>
-                </a:solidFill>
-                <a:effectLst/>
-                <a:latin typeface="+mn-lt"/>
-                <a:ea typeface="+mn-ea"/>
-                <a:cs typeface="+mn-cs"/>
-              </a:rPr>
-            </a:br>
-            <a:r>
-              <a:rPr lang="en-GB" sz="1200" kern="1200" dirty="0">
-                <a:solidFill>
-                  <a:schemeClr val="tx1"/>
-                </a:solidFill>
-                <a:effectLst/>
-                <a:latin typeface="+mn-lt"/>
-                <a:ea typeface="+mn-ea"/>
-                <a:cs typeface="+mn-cs"/>
-              </a:rPr>
-              <a:t>of freedom or obtain it computationally from a cumulative F-distribution function. In practice, if we successfully </a:t>
-            </a:r>
-            <a:br>
-              <a:rPr lang="en-GB" sz="1200" kern="1200" dirty="0">
-                <a:solidFill>
-                  <a:schemeClr val="tx1"/>
-                </a:solidFill>
-                <a:effectLst/>
-                <a:latin typeface="+mn-lt"/>
-                <a:ea typeface="+mn-ea"/>
-                <a:cs typeface="+mn-cs"/>
-              </a:rPr>
-            </a:br>
-            <a:r>
-              <a:rPr lang="en-GB" sz="1200" kern="1200" dirty="0">
-                <a:solidFill>
-                  <a:schemeClr val="tx1"/>
-                </a:solidFill>
-                <a:effectLst/>
-                <a:latin typeface="+mn-lt"/>
-                <a:ea typeface="+mn-ea"/>
-                <a:cs typeface="+mn-cs"/>
-              </a:rPr>
-              <a:t>rejected the null hypothesis at a previously chosen significance threshold, we could perform multiple post hoc pair-wise</a:t>
-            </a:r>
-            <a:br>
-              <a:rPr lang="en-GB" sz="1200" kern="1200" dirty="0">
-                <a:solidFill>
-                  <a:schemeClr val="tx1"/>
-                </a:solidFill>
-                <a:effectLst/>
-                <a:latin typeface="+mn-lt"/>
-                <a:ea typeface="+mn-ea"/>
-                <a:cs typeface="+mn-cs"/>
-              </a:rPr>
-            </a:br>
-            <a:r>
-              <a:rPr lang="en-GB" sz="1200" kern="1200" dirty="0">
-                <a:solidFill>
-                  <a:schemeClr val="tx1"/>
-                </a:solidFill>
-                <a:effectLst/>
-                <a:latin typeface="+mn-lt"/>
-                <a:ea typeface="+mn-ea"/>
-                <a:cs typeface="+mn-cs"/>
-              </a:rPr>
-              <a:t> tests -- for example, </a:t>
-            </a:r>
-            <a:r>
-              <a:rPr lang="en-GB" sz="1200" kern="1200" dirty="0" err="1">
-                <a:solidFill>
-                  <a:schemeClr val="tx1"/>
-                </a:solidFill>
-                <a:effectLst/>
-                <a:latin typeface="+mn-lt"/>
-                <a:ea typeface="+mn-ea"/>
-                <a:cs typeface="+mn-cs"/>
-              </a:rPr>
-              <a:t>McNemar</a:t>
-            </a:r>
-            <a:r>
-              <a:rPr lang="en-GB" sz="1200" kern="1200" dirty="0">
-                <a:solidFill>
-                  <a:schemeClr val="tx1"/>
-                </a:solidFill>
-                <a:effectLst/>
-                <a:latin typeface="+mn-lt"/>
-                <a:ea typeface="+mn-ea"/>
-                <a:cs typeface="+mn-cs"/>
-              </a:rPr>
-              <a:t> tests with a Bonferroni correction -- to determine which pairs have different </a:t>
-            </a:r>
-            <a:br>
-              <a:rPr lang="en-GB" sz="1200" kern="1200" dirty="0">
-                <a:solidFill>
-                  <a:schemeClr val="tx1"/>
-                </a:solidFill>
-                <a:effectLst/>
-                <a:latin typeface="+mn-lt"/>
-                <a:ea typeface="+mn-ea"/>
-                <a:cs typeface="+mn-cs"/>
-              </a:rPr>
-            </a:br>
-            <a:r>
-              <a:rPr lang="en-GB" sz="1200" kern="1200" dirty="0">
-                <a:solidFill>
-                  <a:schemeClr val="tx1"/>
-                </a:solidFill>
-                <a:effectLst/>
-                <a:latin typeface="+mn-lt"/>
-                <a:ea typeface="+mn-ea"/>
-                <a:cs typeface="+mn-cs"/>
-              </a:rPr>
-              <a:t> population proportions</a:t>
-            </a:r>
-          </a:p>
-          <a:p>
+              <a:t>What is the point where adding more complexity, does not increase train score anymore?</a:t>
+            </a:r>
             <a:endParaRPr lang="en-GB" sz="1200" kern="1200" dirty="0">
               <a:solidFill>
                 <a:schemeClr val="tx1"/>
@@ -1366,6 +1442,27 @@
             </a:endParaRPr>
           </a:p>
           <a:p>
+            <a:pPr marL="0" marR="0" lvl="0" indent="0" algn="l" defTabSz="914400" rtl="0" eaLnBrk="1" fontAlgn="auto" latinLnBrk="0" hangingPunct="1">
+              <a:lnSpc>
+                <a:spcPct val="100000"/>
+              </a:lnSpc>
+              <a:spcBef>
+                <a:spcPts val="0"/>
+              </a:spcBef>
+              <a:spcAft>
+                <a:spcPts val="0"/>
+              </a:spcAft>
+              <a:buClrTx/>
+              <a:buSzTx/>
+              <a:buFontTx/>
+              <a:buNone/>
+              <a:tabLst/>
+              <a:defRPr/>
+            </a:pPr>
+            <a:r>
+              <a:rPr lang="en-GB" dirty="0"/>
+              <a:t>- </a:t>
+            </a:r>
             <a:r>
               <a:rPr lang="en-GB" sz="1200" kern="1200" dirty="0">
                 <a:solidFill>
@@ -1376,12 +1473,16 @@
                 <a:ea typeface="+mn-ea"/>
                 <a:cs typeface="+mn-cs"/>
               </a:rPr>
-              <a:t>References: </a:t>
+              <a:t>What is the point where train + validation score start to diverge?</a:t>
             </a:r>
           </a:p>
           <a:p>
-            <a:r>
-              <a:rPr lang="en-GB" sz="1200" b="0" i="0" kern="1200" dirty="0">
+            <a:pPr marL="171450" indent="-171450">
+              <a:buFontTx/>
+              <a:buChar char="-"/>
+            </a:pPr>
+            <a:r>
+              <a:rPr lang="en-GB" sz="1200" kern="1200" dirty="0">
                 <a:solidFill>
                   <a:schemeClr val="tx1"/>
                 </a:solidFill>
@@ -1390,10 +1491,14 @@
                 <a:ea typeface="+mn-ea"/>
                 <a:cs typeface="+mn-cs"/>
               </a:rPr>
-              <a:t>[1] </a:t>
-            </a:r>
-            <a:r>
-              <a:rPr lang="en-GB" sz="1200" b="0" i="0" kern="1200" dirty="0" err="1">
+              <a:t>If “unhealthy” behaviour </a:t>
+            </a:r>
+            <a:r>
+              <a:rPr lang="en-GB" dirty="0"/>
+              <a:t>observed</a:t>
+            </a:r>
+            <a:r>
+              <a:rPr lang="en-GB" sz="1200" kern="1200" dirty="0">
                 <a:solidFill>
                   <a:schemeClr val="tx1"/>
                 </a:solidFill>
@@ -1402,10 +1507,31 @@
                 <a:ea typeface="+mn-ea"/>
                 <a:cs typeface="+mn-cs"/>
               </a:rPr>
-              <a:t>Snedecor</a:t>
-            </a:r>
-            <a:r>
-              <a:rPr lang="en-GB" sz="1200" b="0" i="0" kern="1200" dirty="0">
+              <a:t>, plot can be seen as one more example of randomness of data.</a:t>
+            </a:r>
+          </a:p>
+          <a:p>
+            <a:pPr marL="171450" indent="-171450">
+              <a:buFontTx/>
+              <a:buChar char="-"/>
+            </a:pPr>
+            <a:endParaRPr lang="en-GB" sz="1200" kern="1200" dirty="0">
+              <a:solidFill>
+                <a:schemeClr val="tx1"/>
+              </a:solidFill>
+              <a:effectLst/>
+              <a:latin typeface="+mn-lt"/>
+              <a:ea typeface="+mn-ea"/>
+              <a:cs typeface="+mn-cs"/>
+            </a:endParaRPr>
+          </a:p>
+          <a:p>
+            <a:pPr marL="0" indent="0">
+              <a:buFontTx/>
+              <a:buNone/>
+            </a:pPr>
+            <a:r>
+              <a:rPr lang="en-GB" sz="1200" kern="1200" dirty="0">
                 <a:solidFill>
                   <a:schemeClr val="tx1"/>
                 </a:solidFill>
@@ -1414,12 +1540,10 @@
                 <a:ea typeface="+mn-ea"/>
                 <a:cs typeface="+mn-cs"/>
               </a:rPr>
-              <a:t>, George W. and Cochran, William G. (1989), Statistical Methods, Eighth Edition, Iowa State University Press.</a:t>
-            </a:r>
-          </a:p>
-          <a:p>
-            <a:r>
-              <a:rPr lang="en-GB" sz="1200" b="0" i="0" kern="1200" dirty="0">
+              <a:t>Example with </a:t>
+            </a:r>
+            <a:r>
+              <a:rPr lang="en-GB" sz="1200" kern="1200" dirty="0" err="1">
                 <a:solidFill>
                   <a:schemeClr val="tx1"/>
                 </a:solidFill>
@@ -1428,12 +1552,10 @@
                 <a:ea typeface="+mn-ea"/>
                 <a:cs typeface="+mn-cs"/>
               </a:rPr>
-              <a:t>[2] Looney, Stephen W. "A statistical technique for comparing the accuracies of several classifiers." Pattern Recognition Letters 8, no. 1 (1988): 5-9.</a:t>
-            </a:r>
-          </a:p>
-          <a:p>
-            <a:r>
-              <a:rPr lang="en-GB" sz="1200" b="0" i="0" kern="1200" dirty="0">
+              <a:t>RandomForest</a:t>
+            </a:r>
+            <a:r>
+              <a:rPr lang="en-GB" sz="1200" kern="1200" dirty="0">
                 <a:solidFill>
                   <a:schemeClr val="tx1"/>
                 </a:solidFill>
@@ -1442,10 +1564,10 @@
                 <a:ea typeface="+mn-ea"/>
                 <a:cs typeface="+mn-cs"/>
               </a:rPr>
-              <a:t>[3] </a:t>
-            </a:r>
-            <a:r>
-              <a:rPr lang="en-GB" sz="1200" b="0" i="0" kern="1200" dirty="0" err="1">
+              <a:t>: Hyperparameters responsible for model complexity are the number of trees in the forest and the depth of each tree, namely the number of samples required to be at a leaf node. First, I set parameter </a:t>
+            </a:r>
+            <a:r>
+              <a:rPr lang="en-GB" sz="1200" kern="1200" dirty="0" err="1">
                 <a:solidFill>
                   <a:schemeClr val="tx1"/>
                 </a:solidFill>
@@ -1454,10 +1576,10 @@
                 <a:ea typeface="+mn-ea"/>
                 <a:cs typeface="+mn-cs"/>
               </a:rPr>
-              <a:t>Kuncheva</a:t>
-            </a:r>
-            <a:r>
-              <a:rPr lang="en-GB" sz="1200" b="0" i="0" kern="1200" dirty="0">
+              <a:t>min_sample_leaf</a:t>
+            </a:r>
+            <a:r>
+              <a:rPr lang="en-GB" sz="1200" kern="1200" dirty="0">
                 <a:solidFill>
                   <a:schemeClr val="tx1"/>
                 </a:solidFill>
@@ -1466,13 +1588,209 @@
                 <a:ea typeface="+mn-ea"/>
                 <a:cs typeface="+mn-cs"/>
               </a:rPr>
-              <a:t>, Ludmila I. Combining pattern classifiers: methods and algorithms. John Wiley &amp; Sons, 2004.</a:t>
+              <a:t> to 5 and </a:t>
+            </a:r>
+            <a:r>
+              <a:rPr lang="en-GB" sz="1200" kern="1200" dirty="0" err="1">
+                <a:solidFill>
+                  <a:schemeClr val="tx1"/>
+                </a:solidFill>
+                <a:effectLst/>
+                <a:latin typeface="+mn-lt"/>
+                <a:ea typeface="+mn-ea"/>
+                <a:cs typeface="+mn-cs"/>
+              </a:rPr>
+              <a:t>plottet</a:t>
+            </a:r>
+            <a:r>
+              <a:rPr lang="en-GB" sz="1200" kern="1200" dirty="0">
+                <a:solidFill>
+                  <a:schemeClr val="tx1"/>
+                </a:solidFill>
+                <a:effectLst/>
+                <a:latin typeface="+mn-lt"/>
+                <a:ea typeface="+mn-ea"/>
+                <a:cs typeface="+mn-cs"/>
+              </a:rPr>
+              <a:t> the score graph for number of trees in the forest. The number of trees do not seem to play a big role in under/overfitting, but I would choose 10 for the parameter, because as going higher no significant improvement seen. The next step was to set the number of trees to 10, based on </a:t>
+            </a:r>
+            <a:r>
+              <a:rPr lang="en-GB" sz="1200" kern="1200" dirty="0" err="1">
+                <a:solidFill>
+                  <a:schemeClr val="tx1"/>
+                </a:solidFill>
+                <a:effectLst/>
+                <a:latin typeface="+mn-lt"/>
+                <a:ea typeface="+mn-ea"/>
+                <a:cs typeface="+mn-cs"/>
+              </a:rPr>
+              <a:t>previos</a:t>
+            </a:r>
+            <a:r>
+              <a:rPr lang="en-GB" sz="1200" kern="1200" dirty="0">
+                <a:solidFill>
+                  <a:schemeClr val="tx1"/>
+                </a:solidFill>
+                <a:effectLst/>
+                <a:latin typeface="+mn-lt"/>
+                <a:ea typeface="+mn-ea"/>
+                <a:cs typeface="+mn-cs"/>
+              </a:rPr>
+              <a:t> results, and plot now the score graph for the number of samples needed to be at a </a:t>
+            </a:r>
+            <a:r>
+              <a:rPr lang="en-GB" sz="1200" kern="1200" dirty="0" err="1">
+                <a:solidFill>
+                  <a:schemeClr val="tx1"/>
+                </a:solidFill>
+                <a:effectLst/>
+                <a:latin typeface="+mn-lt"/>
+                <a:ea typeface="+mn-ea"/>
+                <a:cs typeface="+mn-cs"/>
+              </a:rPr>
+              <a:t>leadf</a:t>
+            </a:r>
+            <a:r>
+              <a:rPr lang="en-GB" sz="1200" kern="1200" dirty="0">
+                <a:solidFill>
+                  <a:schemeClr val="tx1"/>
+                </a:solidFill>
+                <a:effectLst/>
+                <a:latin typeface="+mn-lt"/>
+                <a:ea typeface="+mn-ea"/>
+                <a:cs typeface="+mn-cs"/>
+              </a:rPr>
+              <a:t> node. This parameter seem to play a role in under/overfitting. Show more of a healthy train/test score behaviour. 80 is an optimal value for this parameter. Validate </a:t>
+            </a:r>
+            <a:r>
+              <a:rPr lang="en-GB" sz="1200" kern="1200" dirty="0" err="1">
+                <a:solidFill>
+                  <a:schemeClr val="tx1"/>
+                </a:solidFill>
+                <a:effectLst/>
+                <a:latin typeface="+mn-lt"/>
+                <a:ea typeface="+mn-ea"/>
+                <a:cs typeface="+mn-cs"/>
+              </a:rPr>
+              <a:t>behavoir</a:t>
+            </a:r>
+            <a:r>
+              <a:rPr lang="en-GB" sz="1200" kern="1200" dirty="0">
+                <a:solidFill>
+                  <a:schemeClr val="tx1"/>
+                </a:solidFill>
+                <a:effectLst/>
+                <a:latin typeface="+mn-lt"/>
+                <a:ea typeface="+mn-ea"/>
+                <a:cs typeface="+mn-cs"/>
+              </a:rPr>
+              <a:t> of </a:t>
+            </a:r>
+            <a:r>
+              <a:rPr lang="en-GB" sz="1200" kern="1200" dirty="0" err="1">
+                <a:solidFill>
+                  <a:schemeClr val="tx1"/>
+                </a:solidFill>
+                <a:effectLst/>
+                <a:latin typeface="+mn-lt"/>
+                <a:ea typeface="+mn-ea"/>
+                <a:cs typeface="+mn-cs"/>
+              </a:rPr>
+              <a:t>num</a:t>
+            </a:r>
+            <a:r>
+              <a:rPr lang="en-GB" sz="1200" kern="1200" dirty="0">
+                <a:solidFill>
+                  <a:schemeClr val="tx1"/>
+                </a:solidFill>
+                <a:effectLst/>
+                <a:latin typeface="+mn-lt"/>
+                <a:ea typeface="+mn-ea"/>
+                <a:cs typeface="+mn-cs"/>
+              </a:rPr>
+              <a:t> trees with another fixed value of </a:t>
+            </a:r>
+            <a:r>
+              <a:rPr lang="en-GB" sz="1200" kern="1200" dirty="0" err="1">
+                <a:solidFill>
+                  <a:schemeClr val="tx1"/>
+                </a:solidFill>
+                <a:effectLst/>
+                <a:latin typeface="+mn-lt"/>
+                <a:ea typeface="+mn-ea"/>
+                <a:cs typeface="+mn-cs"/>
+              </a:rPr>
+              <a:t>min_sample</a:t>
+            </a:r>
+            <a:r>
+              <a:rPr lang="en-GB" sz="1200" kern="1200" dirty="0">
+                <a:solidFill>
+                  <a:schemeClr val="tx1"/>
+                </a:solidFill>
+                <a:effectLst/>
+                <a:latin typeface="+mn-lt"/>
+                <a:ea typeface="+mn-ea"/>
+                <a:cs typeface="+mn-cs"/>
+              </a:rPr>
+              <a:t> </a:t>
+            </a:r>
+            <a:r>
+              <a:rPr lang="en-GB" sz="1200" kern="1200" dirty="0" err="1">
+                <a:solidFill>
+                  <a:schemeClr val="tx1"/>
+                </a:solidFill>
+                <a:effectLst/>
+                <a:latin typeface="+mn-lt"/>
+                <a:ea typeface="+mn-ea"/>
+                <a:cs typeface="+mn-cs"/>
+              </a:rPr>
+              <a:t>leafs</a:t>
+            </a:r>
+            <a:r>
+              <a:rPr lang="en-GB" sz="1200" kern="1200" dirty="0">
+                <a:solidFill>
+                  <a:schemeClr val="tx1"/>
+                </a:solidFill>
+                <a:effectLst/>
+                <a:latin typeface="+mn-lt"/>
+                <a:ea typeface="+mn-ea"/>
+                <a:cs typeface="+mn-cs"/>
+              </a:rPr>
+              <a:t>, shows the same tendency.</a:t>
             </a:r>
           </a:p>
           <a:p>
-            <a:br>
-              <a:rPr lang="en-GB" dirty="0"/>
-            </a:br>
+            <a:pPr marL="0" indent="0">
+              <a:buFontTx/>
+              <a:buNone/>
+            </a:pPr>
+            <a:endParaRPr lang="en-GB" sz="1200" kern="1200" dirty="0">
+              <a:solidFill>
+                <a:schemeClr val="tx1"/>
+              </a:solidFill>
+              <a:effectLst/>
+              <a:latin typeface="+mn-lt"/>
+              <a:ea typeface="+mn-ea"/>
+              <a:cs typeface="+mn-cs"/>
+            </a:endParaRPr>
+          </a:p>
+          <a:p>
+            <a:pPr marL="0" indent="0">
+              <a:buFontTx/>
+              <a:buNone/>
+            </a:pPr>
+            <a:r>
+              <a:rPr lang="en-GB" sz="1200" kern="1200" dirty="0">
+                <a:solidFill>
+                  <a:schemeClr val="tx1"/>
+                </a:solidFill>
+                <a:effectLst/>
+                <a:latin typeface="+mn-lt"/>
+                <a:ea typeface="+mn-ea"/>
+                <a:cs typeface="+mn-cs"/>
+              </a:rPr>
+              <a:t>In this way I want to set each parameter to a optimal value to be sure to work with the best possible pipeline/method.</a:t>
+            </a:r>
             <a:endParaRPr lang="en-GB" dirty="0"/>
           </a:p>
         </p:txBody>
@@ -1503,7 +1821,7 @@
     </p:spTree>
     <p:extLst>
       <p:ext uri="{BB962C8B-B14F-4D97-AF65-F5344CB8AC3E}">
-        <p14:creationId xmlns:p14="http://schemas.microsoft.com/office/powerpoint/2010/main" val="3973927302"/>
+        <p14:creationId xmlns:p14="http://schemas.microsoft.com/office/powerpoint/2010/main" val="2596438213"/>
       </p:ext>
     </p:extLst>
   </p:cSld>
@@ -1559,15 +1877,127 @@
           <a:p>
             <a:r>
               <a:rPr lang="de-DE" dirty="0"/>
-              <a:t>To </a:t>
-            </a:r>
-            <a:r>
-              <a:rPr lang="de-DE" dirty="0" err="1"/>
-              <a:t>proceed</a:t>
-            </a:r>
-            <a:r>
-              <a:rPr lang="de-DE" dirty="0"/>
-              <a:t> with </a:t>
+              <a:t>The </a:t>
+            </a:r>
+            <a:r>
+              <a:rPr lang="de-DE" dirty="0" err="1"/>
+              <a:t>general</a:t>
+            </a:r>
+            <a:r>
+              <a:rPr lang="de-DE" dirty="0"/>
+              <a:t> </a:t>
+            </a:r>
+            <a:r>
+              <a:rPr lang="de-DE" dirty="0" err="1"/>
+              <a:t>cohort</a:t>
+            </a:r>
+            <a:r>
+              <a:rPr lang="de-DE" dirty="0"/>
+              <a:t> </a:t>
+            </a:r>
+            <a:r>
+              <a:rPr lang="de-DE" dirty="0" err="1"/>
+              <a:t>seems</a:t>
+            </a:r>
+            <a:r>
+              <a:rPr lang="de-DE" dirty="0"/>
+              <a:t> to </a:t>
+            </a:r>
+            <a:r>
+              <a:rPr lang="de-DE" dirty="0" err="1"/>
+              <a:t>be</a:t>
+            </a:r>
+            <a:r>
+              <a:rPr lang="de-DE" dirty="0"/>
+              <a:t> </a:t>
+            </a:r>
+            <a:r>
+              <a:rPr lang="de-DE" dirty="0" err="1"/>
+              <a:t>very</a:t>
+            </a:r>
+            <a:r>
+              <a:rPr lang="de-DE" dirty="0"/>
+              <a:t> </a:t>
+            </a:r>
+            <a:r>
+              <a:rPr lang="de-DE" dirty="0" err="1"/>
+              <a:t>confusing</a:t>
+            </a:r>
+            <a:r>
+              <a:rPr lang="de-DE" dirty="0"/>
+              <a:t> for </a:t>
+            </a:r>
+            <a:r>
+              <a:rPr lang="de-DE" dirty="0" err="1"/>
+              <a:t>classifiers</a:t>
+            </a:r>
+            <a:r>
+              <a:rPr lang="de-DE" dirty="0"/>
+              <a:t>, but </a:t>
+            </a:r>
+            <a:r>
+              <a:rPr lang="de-DE" dirty="0" err="1"/>
+              <a:t>there</a:t>
+            </a:r>
+            <a:r>
+              <a:rPr lang="de-DE" dirty="0"/>
+              <a:t> </a:t>
+            </a:r>
+            <a:r>
+              <a:rPr lang="de-DE" dirty="0" err="1"/>
+              <a:t>are</a:t>
+            </a:r>
+            <a:r>
+              <a:rPr lang="de-DE" dirty="0"/>
+              <a:t> </a:t>
+            </a:r>
+            <a:r>
+              <a:rPr lang="de-DE" dirty="0" err="1"/>
+              <a:t>samples</a:t>
+            </a:r>
+            <a:r>
+              <a:rPr lang="de-DE" dirty="0"/>
+              <a:t> </a:t>
+            </a:r>
+            <a:r>
+              <a:rPr lang="de-DE" dirty="0" err="1"/>
+              <a:t>that</a:t>
+            </a:r>
+            <a:r>
+              <a:rPr lang="de-DE" dirty="0"/>
+              <a:t> </a:t>
+            </a:r>
+            <a:r>
+              <a:rPr lang="de-DE" dirty="0" err="1"/>
+              <a:t>are</a:t>
+            </a:r>
+            <a:r>
+              <a:rPr lang="de-DE" dirty="0"/>
+              <a:t> </a:t>
+            </a:r>
+            <a:r>
+              <a:rPr lang="de-DE" dirty="0" err="1"/>
+              <a:t>predicted</a:t>
+            </a:r>
+            <a:r>
+              <a:rPr lang="de-DE" dirty="0"/>
+              <a:t> </a:t>
+            </a:r>
+            <a:r>
+              <a:rPr lang="de-DE" dirty="0" err="1"/>
+              <a:t>correctly</a:t>
+            </a:r>
+            <a:r>
+              <a:rPr lang="de-DE" dirty="0"/>
+              <a:t>, </a:t>
+            </a:r>
+            <a:r>
+              <a:rPr lang="de-DE" dirty="0" err="1"/>
+              <a:t>even</a:t>
+            </a:r>
+            <a:r>
+              <a:rPr lang="de-DE" dirty="0"/>
+              <a:t> if </a:t>
             </a:r>
             <a:r>
               <a:rPr lang="de-DE" dirty="0" err="1"/>
@@ -1579,478 +2009,572 @@
             </a:r>
             <a:r>
               <a:rPr lang="de-DE" dirty="0" err="1"/>
-              <a:t>project</a:t>
-            </a:r>
-            <a:r>
-              <a:rPr lang="de-DE" dirty="0"/>
-              <a:t> and </a:t>
-            </a:r>
-            <a:r>
-              <a:rPr lang="en-GB" sz="1200" b="0" i="0" kern="1200" dirty="0">
-                <a:solidFill>
-                  <a:schemeClr val="tx1"/>
-                </a:solidFill>
-                <a:effectLst/>
-                <a:latin typeface="+mn-lt"/>
-                <a:ea typeface="+mn-ea"/>
-                <a:cs typeface="+mn-cs"/>
-              </a:rPr>
-              <a:t>to be able to present tangible results, I have to be 100% sure about the chosen pipelines/methods. I have to somehow </a:t>
-            </a:r>
-            <a:r>
-              <a:rPr lang="en-GB" sz="1200" b="0" i="0" kern="1200" dirty="0" err="1">
-                <a:solidFill>
-                  <a:schemeClr val="tx1"/>
-                </a:solidFill>
-                <a:effectLst/>
-                <a:latin typeface="+mn-lt"/>
-                <a:ea typeface="+mn-ea"/>
-                <a:cs typeface="+mn-cs"/>
-              </a:rPr>
-              <a:t>clearifiy</a:t>
-            </a:r>
-            <a:r>
-              <a:rPr lang="en-GB" sz="1200" b="0" i="0" kern="1200" dirty="0">
-                <a:solidFill>
-                  <a:schemeClr val="tx1"/>
-                </a:solidFill>
-                <a:effectLst/>
-                <a:latin typeface="+mn-lt"/>
-                <a:ea typeface="+mn-ea"/>
-                <a:cs typeface="+mn-cs"/>
-              </a:rPr>
-              <a:t> which one is the best under the failing ones. This is important so that nobody can argue that I’ve made a mistake in hyperparameter tuning and missed the model fitting to the data.</a:t>
+              <a:t>sumber</a:t>
+            </a:r>
+            <a:r>
+              <a:rPr lang="de-DE" dirty="0"/>
+              <a:t> </a:t>
+            </a:r>
+            <a:r>
+              <a:rPr lang="de-DE" dirty="0" err="1"/>
+              <a:t>is</a:t>
+            </a:r>
+            <a:r>
+              <a:rPr lang="de-DE" dirty="0"/>
+              <a:t> </a:t>
+            </a:r>
+            <a:r>
+              <a:rPr lang="de-DE" dirty="0" err="1"/>
+              <a:t>very</a:t>
+            </a:r>
+            <a:r>
+              <a:rPr lang="de-DE" dirty="0"/>
+              <a:t> </a:t>
+            </a:r>
+            <a:r>
+              <a:rPr lang="de-DE" dirty="0" err="1"/>
+              <a:t>low</a:t>
+            </a:r>
+            <a:r>
+              <a:rPr lang="de-DE" dirty="0"/>
+              <a:t>. This </a:t>
+            </a:r>
+            <a:r>
+              <a:rPr lang="de-DE" dirty="0" err="1"/>
+              <a:t>could</a:t>
+            </a:r>
+            <a:r>
+              <a:rPr lang="de-DE" dirty="0"/>
+              <a:t> </a:t>
+            </a:r>
+            <a:r>
+              <a:rPr lang="de-DE" dirty="0" err="1"/>
+              <a:t>be</a:t>
+            </a:r>
+            <a:r>
+              <a:rPr lang="de-DE" dirty="0"/>
+              <a:t> </a:t>
+            </a:r>
+            <a:r>
+              <a:rPr lang="de-DE" dirty="0" err="1"/>
+              <a:t>by</a:t>
+            </a:r>
+            <a:r>
+              <a:rPr lang="de-DE" dirty="0"/>
+              <a:t> </a:t>
+            </a:r>
+            <a:r>
+              <a:rPr lang="de-DE" dirty="0" err="1"/>
+              <a:t>chance</a:t>
+            </a:r>
+            <a:r>
+              <a:rPr lang="de-DE" dirty="0"/>
+              <a:t> </a:t>
+            </a:r>
+            <a:r>
+              <a:rPr lang="de-DE" dirty="0" err="1"/>
+              <a:t>or</a:t>
+            </a:r>
+            <a:r>
+              <a:rPr lang="de-DE" dirty="0"/>
+              <a:t> </a:t>
+            </a:r>
+            <a:r>
+              <a:rPr lang="de-DE" dirty="0" err="1"/>
+              <a:t>they</a:t>
+            </a:r>
+            <a:r>
+              <a:rPr lang="de-DE" dirty="0"/>
+              <a:t> </a:t>
+            </a:r>
+            <a:r>
+              <a:rPr lang="de-DE" dirty="0" err="1"/>
+              <a:t>are</a:t>
+            </a:r>
+            <a:r>
+              <a:rPr lang="de-DE" dirty="0"/>
+              <a:t> </a:t>
+            </a:r>
+            <a:r>
+              <a:rPr lang="de-DE" dirty="0" err="1"/>
+              <a:t>easier</a:t>
+            </a:r>
+            <a:r>
+              <a:rPr lang="de-DE" dirty="0"/>
+              <a:t> to predict. If so, </a:t>
+            </a:r>
+            <a:r>
+              <a:rPr lang="de-DE" dirty="0" err="1"/>
+              <a:t>it</a:t>
+            </a:r>
+            <a:r>
+              <a:rPr lang="de-DE" dirty="0"/>
+              <a:t> </a:t>
+            </a:r>
+            <a:r>
+              <a:rPr lang="de-DE" dirty="0" err="1"/>
+              <a:t>is</a:t>
+            </a:r>
+            <a:r>
+              <a:rPr lang="de-DE" dirty="0"/>
+              <a:t> </a:t>
+            </a:r>
+            <a:r>
+              <a:rPr lang="de-DE" dirty="0" err="1"/>
+              <a:t>interesting</a:t>
+            </a:r>
+            <a:r>
+              <a:rPr lang="de-DE" dirty="0"/>
+              <a:t> to </a:t>
+            </a:r>
+            <a:r>
+              <a:rPr lang="de-DE" dirty="0" err="1"/>
+              <a:t>see</a:t>
+            </a:r>
+            <a:r>
+              <a:rPr lang="de-DE" dirty="0"/>
+              <a:t> </a:t>
+            </a:r>
+            <a:r>
+              <a:rPr lang="de-DE" dirty="0" err="1"/>
+              <a:t>what</a:t>
+            </a:r>
+            <a:r>
+              <a:rPr lang="de-DE" dirty="0"/>
+              <a:t> </a:t>
+            </a:r>
+            <a:r>
+              <a:rPr lang="de-DE" dirty="0" err="1"/>
+              <a:t>makes</a:t>
+            </a:r>
+            <a:r>
+              <a:rPr lang="de-DE" dirty="0"/>
+              <a:t> </a:t>
+            </a:r>
+            <a:r>
+              <a:rPr lang="de-DE" dirty="0" err="1"/>
+              <a:t>the</a:t>
+            </a:r>
+            <a:r>
+              <a:rPr lang="de-DE" dirty="0"/>
+              <a:t> different from </a:t>
+            </a:r>
+            <a:r>
+              <a:rPr lang="de-DE" dirty="0" err="1"/>
+              <a:t>other</a:t>
+            </a:r>
+            <a:r>
+              <a:rPr lang="de-DE" dirty="0"/>
+              <a:t> </a:t>
+            </a:r>
+            <a:r>
+              <a:rPr lang="de-DE" dirty="0" err="1"/>
+              <a:t>patients</a:t>
+            </a:r>
+            <a:r>
+              <a:rPr lang="de-DE" dirty="0"/>
+              <a:t> with TLF.</a:t>
             </a:r>
           </a:p>
           <a:p>
-            <a:r>
-              <a:rPr lang="en-GB" sz="1200" b="0" i="0" kern="1200" dirty="0">
-                <a:solidFill>
-                  <a:schemeClr val="tx1"/>
-                </a:solidFill>
-                <a:effectLst/>
-                <a:latin typeface="+mn-lt"/>
-                <a:ea typeface="+mn-ea"/>
-                <a:cs typeface="+mn-cs"/>
-              </a:rPr>
-              <a:t>For that I have to identify for each used classifier the hyperparameters which influences the model complexity and thus controls under / overfitting. Then set one parameter  to a fix value to </a:t>
-            </a:r>
-            <a:r>
-              <a:rPr lang="en-GB" sz="1200" b="0" i="0" kern="1200" dirty="0">
-                <a:solidFill>
-                  <a:schemeClr val="tx1"/>
-                </a:solidFill>
-                <a:effectLst/>
-                <a:latin typeface="+mn-lt"/>
-                <a:ea typeface="+mn-ea"/>
-                <a:cs typeface="+mn-cs"/>
-                <a:sym typeface="Wingdings" panose="05000000000000000000" pitchFamily="2" charset="2"/>
-              </a:rPr>
-              <a:t>make score graphs for the other variable hyperparameters and decide: </a:t>
-            </a:r>
+            <a:endParaRPr lang="de-DE" dirty="0"/>
           </a:p>
           <a:p>
-            <a:pPr marL="0" marR="0" lvl="0" indent="0" algn="l" defTabSz="914400" rtl="0" eaLnBrk="1" fontAlgn="auto" latinLnBrk="0" hangingPunct="1">
-              <a:lnSpc>
-                <a:spcPct val="100000"/>
-              </a:lnSpc>
-              <a:spcBef>
-                <a:spcPts val="0"/>
-              </a:spcBef>
-              <a:spcAft>
-                <a:spcPts val="0"/>
-              </a:spcAft>
-              <a:buClrTx/>
-              <a:buSzTx/>
-              <a:buFontTx/>
-              <a:buNone/>
-              <a:tabLst/>
-              <a:defRPr/>
-            </a:pPr>
-            <a:r>
-              <a:rPr lang="en-GB" sz="1200" b="0" i="0" kern="1200" dirty="0">
-                <a:solidFill>
-                  <a:schemeClr val="tx1"/>
-                </a:solidFill>
-                <a:effectLst/>
-                <a:latin typeface="+mn-lt"/>
-                <a:ea typeface="+mn-ea"/>
-                <a:cs typeface="+mn-cs"/>
-                <a:sym typeface="Wingdings" panose="05000000000000000000" pitchFamily="2" charset="2"/>
-              </a:rPr>
-              <a:t>- </a:t>
-            </a:r>
-            <a:r>
-              <a:rPr lang="en-GB" sz="1200" u="sng" kern="1200" dirty="0">
-                <a:solidFill>
-                  <a:schemeClr val="tx1"/>
-                </a:solidFill>
-                <a:effectLst/>
-                <a:latin typeface="+mn-lt"/>
-                <a:ea typeface="+mn-ea"/>
-                <a:cs typeface="+mn-cs"/>
-              </a:rPr>
-              <a:t>What is the point where adding more complexity, does not increase train score anymore?</a:t>
-            </a:r>
-            <a:endParaRPr lang="en-GB" sz="1200" kern="1200" dirty="0">
-              <a:solidFill>
-                <a:schemeClr val="tx1"/>
-              </a:solidFill>
-              <a:effectLst/>
-              <a:latin typeface="+mn-lt"/>
-              <a:ea typeface="+mn-ea"/>
-              <a:cs typeface="+mn-cs"/>
-            </a:endParaRPr>
-          </a:p>
-          <a:p>
-            <a:pPr marL="0" marR="0" lvl="0" indent="0" algn="l" defTabSz="914400" rtl="0" eaLnBrk="1" fontAlgn="auto" latinLnBrk="0" hangingPunct="1">
-              <a:lnSpc>
-                <a:spcPct val="100000"/>
-              </a:lnSpc>
-              <a:spcBef>
-                <a:spcPts val="0"/>
-              </a:spcBef>
-              <a:spcAft>
-                <a:spcPts val="0"/>
-              </a:spcAft>
-              <a:buClrTx/>
-              <a:buSzTx/>
-              <a:buFontTx/>
-              <a:buNone/>
-              <a:tabLst/>
-              <a:defRPr/>
-            </a:pPr>
-            <a:r>
-              <a:rPr lang="en-GB" dirty="0"/>
-              <a:t>- </a:t>
-            </a:r>
-            <a:r>
-              <a:rPr lang="en-GB" sz="1200" kern="1200" dirty="0">
-                <a:solidFill>
-                  <a:schemeClr val="tx1"/>
-                </a:solidFill>
-                <a:effectLst/>
-                <a:latin typeface="+mn-lt"/>
-                <a:ea typeface="+mn-ea"/>
-                <a:cs typeface="+mn-cs"/>
-              </a:rPr>
-              <a:t>What is the point where train + validation score start to diverge?</a:t>
-            </a:r>
-          </a:p>
-          <a:p>
-            <a:pPr marL="171450" indent="-171450">
-              <a:buFontTx/>
-              <a:buChar char="-"/>
-            </a:pPr>
-            <a:r>
-              <a:rPr lang="en-GB" sz="1200" kern="1200" dirty="0">
-                <a:solidFill>
-                  <a:schemeClr val="tx1"/>
-                </a:solidFill>
-                <a:effectLst/>
-                <a:latin typeface="+mn-lt"/>
-                <a:ea typeface="+mn-ea"/>
-                <a:cs typeface="+mn-cs"/>
-              </a:rPr>
-              <a:t>If “unhealthy” behaviour </a:t>
-            </a:r>
-            <a:r>
-              <a:rPr lang="en-GB" dirty="0"/>
-              <a:t>observed</a:t>
-            </a:r>
-            <a:r>
-              <a:rPr lang="en-GB" sz="1200" kern="1200" dirty="0">
-                <a:solidFill>
-                  <a:schemeClr val="tx1"/>
-                </a:solidFill>
-                <a:effectLst/>
-                <a:latin typeface="+mn-lt"/>
-                <a:ea typeface="+mn-ea"/>
-                <a:cs typeface="+mn-cs"/>
-              </a:rPr>
-              <a:t>, plot can be seen as one more example of randomness of data.</a:t>
-            </a:r>
-          </a:p>
-          <a:p>
-            <a:pPr marL="171450" indent="-171450">
-              <a:buFontTx/>
-              <a:buChar char="-"/>
-            </a:pPr>
-            <a:endParaRPr lang="en-GB" sz="1200" kern="1200" dirty="0">
-              <a:solidFill>
-                <a:schemeClr val="tx1"/>
-              </a:solidFill>
-              <a:effectLst/>
-              <a:latin typeface="+mn-lt"/>
-              <a:ea typeface="+mn-ea"/>
-              <a:cs typeface="+mn-cs"/>
-            </a:endParaRPr>
-          </a:p>
-          <a:p>
-            <a:pPr marL="0" indent="0">
-              <a:buFontTx/>
-              <a:buNone/>
-            </a:pPr>
-            <a:r>
-              <a:rPr lang="en-GB" sz="1200" kern="1200" dirty="0">
-                <a:solidFill>
-                  <a:schemeClr val="tx1"/>
-                </a:solidFill>
-                <a:effectLst/>
-                <a:latin typeface="+mn-lt"/>
-                <a:ea typeface="+mn-ea"/>
-                <a:cs typeface="+mn-cs"/>
-              </a:rPr>
-              <a:t>Example with </a:t>
-            </a:r>
-            <a:r>
-              <a:rPr lang="en-GB" sz="1200" kern="1200" dirty="0" err="1">
-                <a:solidFill>
-                  <a:schemeClr val="tx1"/>
-                </a:solidFill>
-                <a:effectLst/>
-                <a:latin typeface="+mn-lt"/>
-                <a:ea typeface="+mn-ea"/>
-                <a:cs typeface="+mn-cs"/>
-              </a:rPr>
-              <a:t>RandomForest</a:t>
-            </a:r>
-            <a:r>
-              <a:rPr lang="en-GB" sz="1200" kern="1200" dirty="0">
-                <a:solidFill>
-                  <a:schemeClr val="tx1"/>
-                </a:solidFill>
-                <a:effectLst/>
-                <a:latin typeface="+mn-lt"/>
-                <a:ea typeface="+mn-ea"/>
-                <a:cs typeface="+mn-cs"/>
-              </a:rPr>
-              <a:t>: Hyperparameters responsible for model complexity are the number of trees in the forest and the depth of each tree, namely the number of samples required to be at a leaf node. First, I set parameter </a:t>
-            </a:r>
-            <a:r>
-              <a:rPr lang="en-GB" sz="1200" kern="1200" dirty="0" err="1">
-                <a:solidFill>
-                  <a:schemeClr val="tx1"/>
-                </a:solidFill>
-                <a:effectLst/>
-                <a:latin typeface="+mn-lt"/>
-                <a:ea typeface="+mn-ea"/>
-                <a:cs typeface="+mn-cs"/>
-              </a:rPr>
-              <a:t>min_sample_leaf</a:t>
-            </a:r>
-            <a:r>
-              <a:rPr lang="en-GB" sz="1200" kern="1200" dirty="0">
-                <a:solidFill>
-                  <a:schemeClr val="tx1"/>
-                </a:solidFill>
-                <a:effectLst/>
-                <a:latin typeface="+mn-lt"/>
-                <a:ea typeface="+mn-ea"/>
-                <a:cs typeface="+mn-cs"/>
-              </a:rPr>
-              <a:t> to 5 and </a:t>
-            </a:r>
-            <a:r>
-              <a:rPr lang="en-GB" sz="1200" kern="1200" dirty="0" err="1">
-                <a:solidFill>
-                  <a:schemeClr val="tx1"/>
-                </a:solidFill>
-                <a:effectLst/>
-                <a:latin typeface="+mn-lt"/>
-                <a:ea typeface="+mn-ea"/>
-                <a:cs typeface="+mn-cs"/>
-              </a:rPr>
-              <a:t>plottet</a:t>
-            </a:r>
-            <a:r>
-              <a:rPr lang="en-GB" sz="1200" kern="1200" dirty="0">
-                <a:solidFill>
-                  <a:schemeClr val="tx1"/>
-                </a:solidFill>
-                <a:effectLst/>
-                <a:latin typeface="+mn-lt"/>
-                <a:ea typeface="+mn-ea"/>
-                <a:cs typeface="+mn-cs"/>
-              </a:rPr>
-              <a:t> the score graph for number of trees in the forest. The number of trees do not seem to play a big role in under/overfitting, but I would choose 10 for the parameter, because as going higher no significant improvement seen. The next step was to set the number of trees to 10, based on </a:t>
-            </a:r>
-            <a:r>
-              <a:rPr lang="en-GB" sz="1200" kern="1200" dirty="0" err="1">
-                <a:solidFill>
-                  <a:schemeClr val="tx1"/>
-                </a:solidFill>
-                <a:effectLst/>
-                <a:latin typeface="+mn-lt"/>
-                <a:ea typeface="+mn-ea"/>
-                <a:cs typeface="+mn-cs"/>
-              </a:rPr>
-              <a:t>previos</a:t>
-            </a:r>
-            <a:r>
-              <a:rPr lang="en-GB" sz="1200" kern="1200" dirty="0">
-                <a:solidFill>
-                  <a:schemeClr val="tx1"/>
-                </a:solidFill>
-                <a:effectLst/>
-                <a:latin typeface="+mn-lt"/>
-                <a:ea typeface="+mn-ea"/>
-                <a:cs typeface="+mn-cs"/>
-              </a:rPr>
-              <a:t> results, and plot now the score graph for the number of samples needed to be at a </a:t>
-            </a:r>
-            <a:r>
-              <a:rPr lang="en-GB" sz="1200" kern="1200" dirty="0" err="1">
-                <a:solidFill>
-                  <a:schemeClr val="tx1"/>
-                </a:solidFill>
-                <a:effectLst/>
-                <a:latin typeface="+mn-lt"/>
-                <a:ea typeface="+mn-ea"/>
-                <a:cs typeface="+mn-cs"/>
-              </a:rPr>
-              <a:t>leadf</a:t>
-            </a:r>
-            <a:r>
-              <a:rPr lang="en-GB" sz="1200" kern="1200" dirty="0">
-                <a:solidFill>
-                  <a:schemeClr val="tx1"/>
-                </a:solidFill>
-                <a:effectLst/>
-                <a:latin typeface="+mn-lt"/>
-                <a:ea typeface="+mn-ea"/>
-                <a:cs typeface="+mn-cs"/>
-              </a:rPr>
-              <a:t> node. This parameter seem to play a role in under/overfitting. Show more of a healthy train/test score behaviour. 80 is an optimal value for this parameter. Validate </a:t>
-            </a:r>
-            <a:r>
-              <a:rPr lang="en-GB" sz="1200" kern="1200" dirty="0" err="1">
-                <a:solidFill>
-                  <a:schemeClr val="tx1"/>
-                </a:solidFill>
-                <a:effectLst/>
-                <a:latin typeface="+mn-lt"/>
-                <a:ea typeface="+mn-ea"/>
-                <a:cs typeface="+mn-cs"/>
-              </a:rPr>
-              <a:t>behavoir</a:t>
-            </a:r>
-            <a:r>
-              <a:rPr lang="en-GB" sz="1200" kern="1200" dirty="0">
-                <a:solidFill>
-                  <a:schemeClr val="tx1"/>
-                </a:solidFill>
-                <a:effectLst/>
-                <a:latin typeface="+mn-lt"/>
-                <a:ea typeface="+mn-ea"/>
-                <a:cs typeface="+mn-cs"/>
-              </a:rPr>
-              <a:t> of </a:t>
-            </a:r>
-            <a:r>
-              <a:rPr lang="en-GB" sz="1200" kern="1200" dirty="0" err="1">
-                <a:solidFill>
-                  <a:schemeClr val="tx1"/>
-                </a:solidFill>
-                <a:effectLst/>
-                <a:latin typeface="+mn-lt"/>
-                <a:ea typeface="+mn-ea"/>
-                <a:cs typeface="+mn-cs"/>
-              </a:rPr>
-              <a:t>num</a:t>
-            </a:r>
-            <a:r>
-              <a:rPr lang="en-GB" sz="1200" kern="1200" dirty="0">
-                <a:solidFill>
-                  <a:schemeClr val="tx1"/>
-                </a:solidFill>
-                <a:effectLst/>
-                <a:latin typeface="+mn-lt"/>
-                <a:ea typeface="+mn-ea"/>
-                <a:cs typeface="+mn-cs"/>
-              </a:rPr>
-              <a:t> trees with another fixed value of </a:t>
-            </a:r>
-            <a:r>
-              <a:rPr lang="en-GB" sz="1200" kern="1200" dirty="0" err="1">
-                <a:solidFill>
-                  <a:schemeClr val="tx1"/>
-                </a:solidFill>
-                <a:effectLst/>
-                <a:latin typeface="+mn-lt"/>
-                <a:ea typeface="+mn-ea"/>
-                <a:cs typeface="+mn-cs"/>
-              </a:rPr>
-              <a:t>min_sample</a:t>
-            </a:r>
-            <a:r>
-              <a:rPr lang="en-GB" sz="1200" kern="1200" dirty="0">
-                <a:solidFill>
-                  <a:schemeClr val="tx1"/>
-                </a:solidFill>
-                <a:effectLst/>
-                <a:latin typeface="+mn-lt"/>
-                <a:ea typeface="+mn-ea"/>
-                <a:cs typeface="+mn-cs"/>
-              </a:rPr>
+            <a:r>
+              <a:rPr lang="de-DE" dirty="0"/>
+              <a:t>To </a:t>
+            </a:r>
+            <a:r>
+              <a:rPr lang="de-DE" dirty="0" err="1"/>
+              <a:t>tackle</a:t>
+            </a:r>
+            <a:r>
+              <a:rPr lang="de-DE" dirty="0"/>
               <a:t> </a:t>
             </a:r>
             <a:r>
-              <a:rPr lang="en-GB" sz="1200" kern="1200" dirty="0" err="1">
-                <a:solidFill>
-                  <a:schemeClr val="tx1"/>
-                </a:solidFill>
-                <a:effectLst/>
-                <a:latin typeface="+mn-lt"/>
-                <a:ea typeface="+mn-ea"/>
-                <a:cs typeface="+mn-cs"/>
-              </a:rPr>
-              <a:t>leafs</a:t>
-            </a:r>
-            <a:r>
-              <a:rPr lang="en-GB" sz="1200" kern="1200" dirty="0">
-                <a:solidFill>
-                  <a:schemeClr val="tx1"/>
-                </a:solidFill>
-                <a:effectLst/>
-                <a:latin typeface="+mn-lt"/>
-                <a:ea typeface="+mn-ea"/>
-                <a:cs typeface="+mn-cs"/>
-              </a:rPr>
-              <a:t>, shows the same tendency.</a:t>
-            </a:r>
-          </a:p>
-          <a:p>
-            <a:pPr marL="0" indent="0">
-              <a:buFontTx/>
-              <a:buNone/>
-            </a:pPr>
-            <a:endParaRPr lang="en-GB" sz="1200" kern="1200" dirty="0">
-              <a:solidFill>
-                <a:schemeClr val="tx1"/>
-              </a:solidFill>
-              <a:effectLst/>
-              <a:latin typeface="+mn-lt"/>
-              <a:ea typeface="+mn-ea"/>
-              <a:cs typeface="+mn-cs"/>
-            </a:endParaRPr>
-          </a:p>
-          <a:p>
-            <a:pPr marL="0" indent="0">
-              <a:buFontTx/>
-              <a:buNone/>
-            </a:pPr>
-            <a:r>
-              <a:rPr lang="en-GB" sz="1200" kern="1200" dirty="0">
-                <a:solidFill>
-                  <a:schemeClr val="tx1"/>
-                </a:solidFill>
-                <a:effectLst/>
-                <a:latin typeface="+mn-lt"/>
-                <a:ea typeface="+mn-ea"/>
-                <a:cs typeface="+mn-cs"/>
-              </a:rPr>
-              <a:t>In this way I want to set each parameter to a optimal value to be sure to work with the best possible pipeline/method.</a:t>
+              <a:rPr lang="de-DE" dirty="0" err="1"/>
+              <a:t>this</a:t>
+            </a:r>
+            <a:r>
+              <a:rPr lang="de-DE" dirty="0"/>
+              <a:t> </a:t>
+            </a:r>
+            <a:r>
+              <a:rPr lang="de-DE" dirty="0" err="1"/>
+              <a:t>problem</a:t>
+            </a:r>
+            <a:r>
+              <a:rPr lang="de-DE" dirty="0"/>
+              <a:t>, </a:t>
+            </a:r>
+            <a:r>
+              <a:rPr lang="de-DE" dirty="0" err="1"/>
+              <a:t>we</a:t>
+            </a:r>
+            <a:r>
+              <a:rPr lang="de-DE" dirty="0"/>
+              <a:t> </a:t>
+            </a:r>
+            <a:r>
+              <a:rPr lang="de-DE" dirty="0" err="1"/>
+              <a:t>intend</a:t>
+            </a:r>
+            <a:r>
+              <a:rPr lang="de-DE" dirty="0"/>
+              <a:t> to </a:t>
+            </a:r>
+            <a:r>
+              <a:rPr lang="de-DE" dirty="0" err="1"/>
+              <a:t>add</a:t>
+            </a:r>
+            <a:r>
+              <a:rPr lang="de-DE" dirty="0"/>
+              <a:t> a </a:t>
+            </a:r>
+            <a:r>
+              <a:rPr lang="de-DE" dirty="0" err="1"/>
+              <a:t>second</a:t>
+            </a:r>
+            <a:r>
+              <a:rPr lang="de-DE" dirty="0"/>
+              <a:t> </a:t>
+            </a:r>
+            <a:r>
+              <a:rPr lang="de-DE" dirty="0" err="1"/>
+              <a:t>layer</a:t>
+            </a:r>
+            <a:r>
+              <a:rPr lang="de-DE" dirty="0"/>
+              <a:t> to </a:t>
+            </a:r>
+            <a:r>
+              <a:rPr lang="de-DE" dirty="0" err="1"/>
+              <a:t>already</a:t>
+            </a:r>
+            <a:r>
+              <a:rPr lang="de-DE" dirty="0"/>
+              <a:t> </a:t>
+            </a:r>
+            <a:r>
+              <a:rPr lang="de-DE" dirty="0" err="1"/>
+              <a:t>used</a:t>
+            </a:r>
+            <a:r>
+              <a:rPr lang="de-DE" dirty="0"/>
+              <a:t> </a:t>
+            </a:r>
+            <a:r>
+              <a:rPr lang="de-DE" dirty="0" err="1"/>
+              <a:t>pipeline</a:t>
+            </a:r>
+            <a:r>
+              <a:rPr lang="de-DE" dirty="0"/>
+              <a:t> – </a:t>
+            </a:r>
+            <a:r>
+              <a:rPr lang="de-DE" dirty="0" err="1"/>
+              <a:t>the</a:t>
+            </a:r>
+            <a:r>
+              <a:rPr lang="de-DE" dirty="0"/>
+              <a:t> so </a:t>
+            </a:r>
+            <a:r>
+              <a:rPr lang="de-DE" dirty="0" err="1"/>
+              <a:t>called</a:t>
+            </a:r>
+            <a:r>
+              <a:rPr lang="de-DE" dirty="0"/>
+              <a:t> confidence </a:t>
+            </a:r>
+            <a:r>
+              <a:rPr lang="de-DE" dirty="0" err="1"/>
+              <a:t>layer</a:t>
+            </a:r>
+            <a:r>
+              <a:rPr lang="de-DE" dirty="0"/>
+              <a:t>. From </a:t>
+            </a:r>
+            <a:r>
+              <a:rPr lang="de-DE" dirty="0" err="1"/>
+              <a:t>the</a:t>
+            </a:r>
+            <a:r>
+              <a:rPr lang="de-DE" dirty="0"/>
+              <a:t> </a:t>
+            </a:r>
+            <a:r>
+              <a:rPr lang="de-DE" dirty="0" err="1"/>
+              <a:t>originial</a:t>
+            </a:r>
+            <a:r>
+              <a:rPr lang="de-DE" dirty="0"/>
+              <a:t> </a:t>
+            </a:r>
+            <a:r>
+              <a:rPr lang="de-DE" dirty="0" err="1"/>
+              <a:t>pipeline</a:t>
+            </a:r>
+            <a:r>
+              <a:rPr lang="de-DE" dirty="0"/>
+              <a:t> 8 </a:t>
+            </a:r>
+            <a:r>
+              <a:rPr lang="de-DE" dirty="0" err="1"/>
+              <a:t>models</a:t>
+            </a:r>
+            <a:r>
+              <a:rPr lang="de-DE" dirty="0"/>
+              <a:t> with different </a:t>
+            </a:r>
+            <a:r>
+              <a:rPr lang="de-DE" dirty="0" err="1"/>
+              <a:t>classifiers</a:t>
+            </a:r>
+            <a:r>
+              <a:rPr lang="de-DE" dirty="0"/>
+              <a:t> will </a:t>
+            </a:r>
+            <a:r>
+              <a:rPr lang="de-DE" dirty="0" err="1"/>
+              <a:t>be</a:t>
+            </a:r>
+            <a:r>
+              <a:rPr lang="de-DE" dirty="0"/>
+              <a:t> </a:t>
+            </a:r>
+            <a:r>
+              <a:rPr lang="de-DE" dirty="0" err="1"/>
+              <a:t>derived</a:t>
+            </a:r>
+            <a:r>
+              <a:rPr lang="de-DE" dirty="0"/>
+              <a:t>. </a:t>
+            </a:r>
+            <a:r>
+              <a:rPr lang="de-DE" dirty="0" err="1"/>
+              <a:t>Their</a:t>
+            </a:r>
+            <a:r>
+              <a:rPr lang="de-DE" dirty="0"/>
+              <a:t> individual </a:t>
+            </a:r>
+            <a:r>
+              <a:rPr lang="de-DE" dirty="0" err="1"/>
+              <a:t>decisions</a:t>
+            </a:r>
+            <a:r>
+              <a:rPr lang="de-DE" dirty="0"/>
+              <a:t> </a:t>
+            </a:r>
+            <a:r>
+              <a:rPr lang="de-DE" dirty="0" err="1"/>
+              <a:t>over</a:t>
+            </a:r>
+            <a:r>
+              <a:rPr lang="de-DE" dirty="0"/>
+              <a:t> </a:t>
+            </a:r>
+            <a:r>
+              <a:rPr lang="de-DE" dirty="0" err="1"/>
+              <a:t>each</a:t>
+            </a:r>
+            <a:r>
+              <a:rPr lang="de-DE" dirty="0"/>
+              <a:t> sample will </a:t>
+            </a:r>
+            <a:r>
+              <a:rPr lang="de-DE" dirty="0" err="1"/>
+              <a:t>be</a:t>
+            </a:r>
+            <a:r>
+              <a:rPr lang="de-DE" dirty="0"/>
+              <a:t> </a:t>
+            </a:r>
+            <a:r>
+              <a:rPr lang="de-DE" dirty="0" err="1"/>
+              <a:t>put</a:t>
+            </a:r>
+            <a:r>
+              <a:rPr lang="de-DE" dirty="0"/>
+              <a:t> </a:t>
+            </a:r>
+            <a:r>
+              <a:rPr lang="de-DE" dirty="0" err="1"/>
+              <a:t>tohether</a:t>
+            </a:r>
+            <a:r>
+              <a:rPr lang="de-DE" dirty="0"/>
+              <a:t> </a:t>
+            </a:r>
+            <a:r>
+              <a:rPr lang="de-DE" dirty="0" err="1"/>
+              <a:t>into</a:t>
+            </a:r>
+            <a:r>
+              <a:rPr lang="de-DE" dirty="0"/>
+              <a:t> a </a:t>
+            </a:r>
+            <a:r>
+              <a:rPr lang="de-DE" dirty="0" err="1"/>
+              <a:t>decision</a:t>
+            </a:r>
+            <a:r>
+              <a:rPr lang="de-DE" dirty="0"/>
+              <a:t> </a:t>
+            </a:r>
+            <a:r>
+              <a:rPr lang="de-DE" dirty="0" err="1"/>
+              <a:t>matrix</a:t>
+            </a:r>
+            <a:r>
+              <a:rPr lang="de-DE" dirty="0"/>
+              <a:t> M. From </a:t>
+            </a:r>
+            <a:r>
+              <a:rPr lang="de-DE" dirty="0" err="1"/>
+              <a:t>that</a:t>
+            </a:r>
+            <a:r>
+              <a:rPr lang="de-DE" dirty="0"/>
+              <a:t> a confidence </a:t>
+            </a:r>
+            <a:r>
+              <a:rPr lang="de-DE" dirty="0" err="1"/>
+              <a:t>label</a:t>
+            </a:r>
+            <a:r>
+              <a:rPr lang="de-DE" dirty="0"/>
+              <a:t> Y </a:t>
+            </a:r>
+            <a:r>
+              <a:rPr lang="de-DE" dirty="0" err="1"/>
+              <a:t>is</a:t>
+            </a:r>
+            <a:r>
+              <a:rPr lang="de-DE" dirty="0"/>
+              <a:t> </a:t>
+            </a:r>
+            <a:r>
+              <a:rPr lang="de-DE" dirty="0" err="1"/>
+              <a:t>gernerated</a:t>
+            </a:r>
+            <a:r>
+              <a:rPr lang="de-DE" dirty="0"/>
+              <a:t> </a:t>
+            </a:r>
+            <a:r>
+              <a:rPr lang="de-DE" dirty="0" err="1"/>
+              <a:t>based</a:t>
+            </a:r>
+            <a:r>
+              <a:rPr lang="de-DE" dirty="0"/>
+              <a:t> on </a:t>
+            </a:r>
+            <a:r>
+              <a:rPr lang="de-DE" dirty="0" err="1"/>
+              <a:t>majority</a:t>
+            </a:r>
+            <a:r>
+              <a:rPr lang="de-DE" dirty="0"/>
+              <a:t> vote for </a:t>
+            </a:r>
+            <a:r>
+              <a:rPr lang="de-DE" dirty="0" err="1"/>
+              <a:t>each</a:t>
+            </a:r>
+            <a:r>
+              <a:rPr lang="de-DE" dirty="0"/>
+              <a:t> sample. </a:t>
+            </a:r>
+            <a:r>
+              <a:rPr lang="de-DE" dirty="0" err="1"/>
+              <a:t>Newly</a:t>
+            </a:r>
+            <a:r>
+              <a:rPr lang="de-DE" dirty="0"/>
+              <a:t> </a:t>
+            </a:r>
+            <a:r>
+              <a:rPr lang="de-DE" dirty="0" err="1"/>
+              <a:t>generated</a:t>
+            </a:r>
+            <a:r>
+              <a:rPr lang="de-DE" dirty="0"/>
+              <a:t> M + Y </a:t>
+            </a:r>
+            <a:r>
+              <a:rPr lang="de-DE" dirty="0" err="1"/>
+              <a:t>are</a:t>
+            </a:r>
+            <a:r>
+              <a:rPr lang="de-DE" dirty="0"/>
+              <a:t> </a:t>
+            </a:r>
+            <a:r>
+              <a:rPr lang="de-DE" dirty="0" err="1"/>
+              <a:t>input</a:t>
+            </a:r>
+            <a:r>
+              <a:rPr lang="de-DE" dirty="0"/>
+              <a:t> and </a:t>
+            </a:r>
+            <a:r>
+              <a:rPr lang="de-DE" dirty="0" err="1"/>
+              <a:t>label</a:t>
+            </a:r>
+            <a:r>
+              <a:rPr lang="de-DE" dirty="0"/>
+              <a:t> for a </a:t>
+            </a:r>
+            <a:r>
+              <a:rPr lang="de-DE" dirty="0" err="1"/>
+              <a:t>second</a:t>
+            </a:r>
+            <a:r>
+              <a:rPr lang="de-DE" dirty="0"/>
+              <a:t> </a:t>
+            </a:r>
+            <a:r>
+              <a:rPr lang="de-DE" dirty="0" err="1"/>
+              <a:t>round</a:t>
+            </a:r>
+            <a:r>
+              <a:rPr lang="de-DE" dirty="0"/>
+              <a:t> with </a:t>
+            </a:r>
+            <a:r>
+              <a:rPr lang="de-DE" dirty="0" err="1"/>
+              <a:t>the</a:t>
+            </a:r>
+            <a:r>
+              <a:rPr lang="de-DE" dirty="0"/>
+              <a:t> </a:t>
+            </a:r>
+            <a:r>
+              <a:rPr lang="de-DE" dirty="0" err="1"/>
+              <a:t>pipeline</a:t>
+            </a:r>
+            <a:r>
+              <a:rPr lang="de-DE" dirty="0"/>
+              <a:t> to </a:t>
+            </a:r>
+            <a:r>
+              <a:rPr lang="de-DE" dirty="0" err="1"/>
+              <a:t>see</a:t>
+            </a:r>
+            <a:r>
+              <a:rPr lang="de-DE" dirty="0"/>
+              <a:t> confidence in </a:t>
+            </a:r>
+            <a:r>
+              <a:rPr lang="de-DE" dirty="0" err="1"/>
+              <a:t>predictions</a:t>
+            </a:r>
+            <a:r>
+              <a:rPr lang="de-DE" dirty="0"/>
+              <a:t>. </a:t>
             </a:r>
             <a:endParaRPr lang="en-GB" dirty="0"/>
           </a:p>
@@ -2082,7 +2606,7 @@
     </p:spTree>
     <p:extLst>
       <p:ext uri="{BB962C8B-B14F-4D97-AF65-F5344CB8AC3E}">
-        <p14:creationId xmlns:p14="http://schemas.microsoft.com/office/powerpoint/2010/main" val="2596438213"/>
+        <p14:creationId xmlns:p14="http://schemas.microsoft.com/office/powerpoint/2010/main" val="396758422"/>
       </p:ext>
     </p:extLst>
   </p:cSld>
@@ -2579,7 +3103,7 @@
             </a:r>
             <a:r>
               <a:rPr lang="de-DE" dirty="0"/>
-              <a:t> 8 </a:t>
+              <a:t> 9 </a:t>
             </a:r>
             <a:r>
               <a:rPr lang="de-DE" dirty="0" err="1"/>
@@ -2836,6 +3360,107 @@
             <a:r>
               <a:rPr lang="de-DE" dirty="0"/>
               <a:t>. </a:t>
+            </a:r>
+          </a:p>
+          <a:p>
+            <a:endParaRPr lang="de-DE" dirty="0"/>
+          </a:p>
+          <a:p>
+            <a:r>
+              <a:rPr lang="de-DE" dirty="0"/>
+              <a:t>Y_conf </a:t>
+            </a:r>
+            <a:r>
+              <a:rPr lang="de-DE" dirty="0" err="1"/>
+              <a:t>created</a:t>
+            </a:r>
+            <a:r>
+              <a:rPr lang="de-DE" dirty="0"/>
+              <a:t> out of XNOR </a:t>
+            </a:r>
+            <a:r>
+              <a:rPr lang="de-DE" dirty="0" err="1"/>
+              <a:t>gate</a:t>
+            </a:r>
+            <a:r>
+              <a:rPr lang="de-DE" dirty="0"/>
+              <a:t> </a:t>
+            </a:r>
+            <a:r>
+              <a:rPr lang="de-DE" dirty="0" err="1"/>
+              <a:t>between</a:t>
+            </a:r>
+            <a:r>
+              <a:rPr lang="de-DE" dirty="0"/>
+              <a:t> GT and Y‘ (</a:t>
+            </a:r>
+            <a:r>
+              <a:rPr lang="de-DE" dirty="0" err="1"/>
+              <a:t>y_prime</a:t>
+            </a:r>
+            <a:r>
+              <a:rPr lang="de-DE" dirty="0"/>
+              <a:t>) with GT = </a:t>
+            </a:r>
+            <a:r>
+              <a:rPr lang="de-DE" dirty="0" err="1"/>
+              <a:t>ground</a:t>
+            </a:r>
+            <a:r>
+              <a:rPr lang="de-DE" dirty="0"/>
+              <a:t> </a:t>
+            </a:r>
+            <a:r>
+              <a:rPr lang="de-DE" dirty="0" err="1"/>
+              <a:t>truth</a:t>
+            </a:r>
+            <a:r>
+              <a:rPr lang="de-DE" dirty="0"/>
+              <a:t> (</a:t>
+            </a:r>
+            <a:r>
+              <a:rPr lang="de-DE" dirty="0" err="1"/>
+              <a:t>actual</a:t>
+            </a:r>
+            <a:r>
+              <a:rPr lang="de-DE" dirty="0"/>
+              <a:t> </a:t>
+            </a:r>
+            <a:r>
+              <a:rPr lang="de-DE" dirty="0" err="1"/>
+              <a:t>label</a:t>
+            </a:r>
+            <a:r>
+              <a:rPr lang="de-DE" dirty="0"/>
+              <a:t> </a:t>
+            </a:r>
+            <a:r>
+              <a:rPr lang="de-DE" dirty="0" err="1"/>
+              <a:t>taken</a:t>
+            </a:r>
+            <a:r>
+              <a:rPr lang="de-DE" dirty="0"/>
+              <a:t> from patient data), Y‘ = </a:t>
+            </a:r>
+            <a:r>
+              <a:rPr lang="de-DE" dirty="0" err="1"/>
+              <a:t>majority</a:t>
+            </a:r>
+            <a:r>
+              <a:rPr lang="de-DE" dirty="0"/>
+              <a:t> vote of 9 </a:t>
+            </a:r>
+            <a:r>
+              <a:rPr lang="de-DE" dirty="0" err="1"/>
+              <a:t>weak</a:t>
+            </a:r>
+            <a:r>
+              <a:rPr lang="de-DE" dirty="0"/>
+              <a:t> </a:t>
+            </a:r>
+            <a:r>
+              <a:rPr lang="de-DE" dirty="0" err="1"/>
+              <a:t>classifiers</a:t>
             </a:r>
             <a:endParaRPr lang="en-GB" dirty="0"/>
           </a:p>
@@ -2867,7 +3492,7 @@
     </p:spTree>
     <p:extLst>
       <p:ext uri="{BB962C8B-B14F-4D97-AF65-F5344CB8AC3E}">
-        <p14:creationId xmlns:p14="http://schemas.microsoft.com/office/powerpoint/2010/main" val="396758422"/>
+        <p14:creationId xmlns:p14="http://schemas.microsoft.com/office/powerpoint/2010/main" val="423546568"/>
       </p:ext>
     </p:extLst>
   </p:cSld>
@@ -2923,316 +3548,25 @@
           <a:p>
             <a:r>
               <a:rPr lang="de-DE" dirty="0"/>
-              <a:t>The </a:t>
-            </a:r>
-            <a:r>
-              <a:rPr lang="de-DE" dirty="0" err="1"/>
-              <a:t>general</a:t>
-            </a:r>
-            <a:r>
-              <a:rPr lang="de-DE" dirty="0"/>
-              <a:t> </a:t>
-            </a:r>
-            <a:r>
-              <a:rPr lang="de-DE" dirty="0" err="1"/>
-              <a:t>cohort</a:t>
-            </a:r>
-            <a:r>
-              <a:rPr lang="de-DE" dirty="0"/>
-              <a:t> </a:t>
-            </a:r>
-            <a:r>
-              <a:rPr lang="de-DE" dirty="0" err="1"/>
-              <a:t>seems</a:t>
-            </a:r>
-            <a:r>
-              <a:rPr lang="de-DE" dirty="0"/>
-              <a:t> to </a:t>
-            </a:r>
-            <a:r>
-              <a:rPr lang="de-DE" dirty="0" err="1"/>
-              <a:t>be</a:t>
-            </a:r>
-            <a:r>
-              <a:rPr lang="de-DE" dirty="0"/>
-              <a:t> </a:t>
-            </a:r>
-            <a:r>
-              <a:rPr lang="de-DE" dirty="0" err="1"/>
-              <a:t>very</a:t>
-            </a:r>
-            <a:r>
-              <a:rPr lang="de-DE" dirty="0"/>
-              <a:t> </a:t>
-            </a:r>
-            <a:r>
-              <a:rPr lang="de-DE" dirty="0" err="1"/>
-              <a:t>confusing</a:t>
-            </a:r>
-            <a:r>
-              <a:rPr lang="de-DE" dirty="0"/>
-              <a:t> for </a:t>
-            </a:r>
-            <a:r>
-              <a:rPr lang="de-DE" dirty="0" err="1"/>
-              <a:t>classifiers</a:t>
-            </a:r>
-            <a:r>
-              <a:rPr lang="de-DE" dirty="0"/>
-              <a:t>, but </a:t>
-            </a:r>
-            <a:r>
-              <a:rPr lang="de-DE" dirty="0" err="1"/>
-              <a:t>there</a:t>
-            </a:r>
-            <a:r>
-              <a:rPr lang="de-DE" dirty="0"/>
-              <a:t> </a:t>
-            </a:r>
-            <a:r>
-              <a:rPr lang="de-DE" dirty="0" err="1"/>
-              <a:t>are</a:t>
-            </a:r>
-            <a:r>
-              <a:rPr lang="de-DE" dirty="0"/>
-              <a:t> </a:t>
-            </a:r>
-            <a:r>
-              <a:rPr lang="de-DE" dirty="0" err="1"/>
-              <a:t>samples</a:t>
-            </a:r>
-            <a:r>
-              <a:rPr lang="de-DE" dirty="0"/>
-              <a:t> </a:t>
-            </a:r>
-            <a:r>
-              <a:rPr lang="de-DE" dirty="0" err="1"/>
-              <a:t>that</a:t>
-            </a:r>
-            <a:r>
-              <a:rPr lang="de-DE" dirty="0"/>
-              <a:t> </a:t>
-            </a:r>
-            <a:r>
-              <a:rPr lang="de-DE" dirty="0" err="1"/>
-              <a:t>are</a:t>
-            </a:r>
-            <a:r>
-              <a:rPr lang="de-DE" dirty="0"/>
-              <a:t> </a:t>
-            </a:r>
-            <a:r>
-              <a:rPr lang="de-DE" dirty="0" err="1"/>
-              <a:t>predicted</a:t>
-            </a:r>
-            <a:r>
-              <a:rPr lang="de-DE" dirty="0"/>
-              <a:t> </a:t>
-            </a:r>
-            <a:r>
-              <a:rPr lang="de-DE" dirty="0" err="1"/>
-              <a:t>correctly</a:t>
-            </a:r>
-            <a:r>
-              <a:rPr lang="de-DE" dirty="0"/>
-              <a:t>, </a:t>
-            </a:r>
-            <a:r>
-              <a:rPr lang="de-DE" dirty="0" err="1"/>
-              <a:t>even</a:t>
-            </a:r>
-            <a:r>
-              <a:rPr lang="de-DE" dirty="0"/>
-              <a:t> if </a:t>
-            </a:r>
-            <a:r>
-              <a:rPr lang="de-DE" dirty="0" err="1"/>
-              <a:t>the</a:t>
-            </a:r>
-            <a:r>
-              <a:rPr lang="de-DE" dirty="0"/>
-              <a:t> </a:t>
-            </a:r>
-            <a:r>
-              <a:rPr lang="de-DE" dirty="0" err="1"/>
-              <a:t>sumber</a:t>
-            </a:r>
-            <a:r>
-              <a:rPr lang="de-DE" dirty="0"/>
-              <a:t> </a:t>
-            </a:r>
-            <a:r>
-              <a:rPr lang="de-DE" dirty="0" err="1"/>
-              <a:t>is</a:t>
-            </a:r>
-            <a:r>
-              <a:rPr lang="de-DE" dirty="0"/>
-              <a:t> </a:t>
-            </a:r>
-            <a:r>
-              <a:rPr lang="de-DE" dirty="0" err="1"/>
-              <a:t>very</a:t>
-            </a:r>
-            <a:r>
-              <a:rPr lang="de-DE" dirty="0"/>
-              <a:t> </a:t>
-            </a:r>
-            <a:r>
-              <a:rPr lang="de-DE" dirty="0" err="1"/>
-              <a:t>low</a:t>
-            </a:r>
-            <a:r>
-              <a:rPr lang="de-DE" dirty="0"/>
-              <a:t>. This </a:t>
-            </a:r>
-            <a:r>
-              <a:rPr lang="de-DE" dirty="0" err="1"/>
-              <a:t>could</a:t>
-            </a:r>
-            <a:r>
-              <a:rPr lang="de-DE" dirty="0"/>
-              <a:t> </a:t>
-            </a:r>
-            <a:r>
-              <a:rPr lang="de-DE" dirty="0" err="1"/>
-              <a:t>be</a:t>
-            </a:r>
-            <a:r>
-              <a:rPr lang="de-DE" dirty="0"/>
-              <a:t> </a:t>
-            </a:r>
-            <a:r>
-              <a:rPr lang="de-DE" dirty="0" err="1"/>
-              <a:t>by</a:t>
-            </a:r>
-            <a:r>
-              <a:rPr lang="de-DE" dirty="0"/>
-              <a:t> </a:t>
-            </a:r>
-            <a:r>
-              <a:rPr lang="de-DE" dirty="0" err="1"/>
-              <a:t>chance</a:t>
-            </a:r>
-            <a:r>
-              <a:rPr lang="de-DE" dirty="0"/>
-              <a:t> </a:t>
-            </a:r>
-            <a:r>
-              <a:rPr lang="de-DE" dirty="0" err="1"/>
-              <a:t>or</a:t>
-            </a:r>
-            <a:r>
-              <a:rPr lang="de-DE" dirty="0"/>
-              <a:t> </a:t>
-            </a:r>
-            <a:r>
-              <a:rPr lang="de-DE" dirty="0" err="1"/>
-              <a:t>they</a:t>
-            </a:r>
-            <a:r>
-              <a:rPr lang="de-DE" dirty="0"/>
-              <a:t> </a:t>
-            </a:r>
-            <a:r>
-              <a:rPr lang="de-DE" dirty="0" err="1"/>
-              <a:t>are</a:t>
-            </a:r>
-            <a:r>
-              <a:rPr lang="de-DE" dirty="0"/>
-              <a:t> </a:t>
-            </a:r>
-            <a:r>
-              <a:rPr lang="de-DE" dirty="0" err="1"/>
-              <a:t>easier</a:t>
-            </a:r>
-            <a:r>
-              <a:rPr lang="de-DE" dirty="0"/>
-              <a:t> to predict. If so, </a:t>
-            </a:r>
-            <a:r>
-              <a:rPr lang="de-DE" dirty="0" err="1"/>
-              <a:t>it</a:t>
-            </a:r>
-            <a:r>
-              <a:rPr lang="de-DE" dirty="0"/>
-              <a:t> </a:t>
-            </a:r>
-            <a:r>
-              <a:rPr lang="de-DE" dirty="0" err="1"/>
-              <a:t>is</a:t>
-            </a:r>
-            <a:r>
-              <a:rPr lang="de-DE" dirty="0"/>
-              <a:t> </a:t>
-            </a:r>
-            <a:r>
-              <a:rPr lang="de-DE" dirty="0" err="1"/>
-              <a:t>interesting</a:t>
-            </a:r>
-            <a:r>
-              <a:rPr lang="de-DE" dirty="0"/>
-              <a:t> to </a:t>
-            </a:r>
-            <a:r>
-              <a:rPr lang="de-DE" dirty="0" err="1"/>
-              <a:t>see</a:t>
-            </a:r>
-            <a:r>
-              <a:rPr lang="de-DE" dirty="0"/>
-              <a:t> </a:t>
-            </a:r>
-            <a:r>
-              <a:rPr lang="de-DE" dirty="0" err="1"/>
-              <a:t>what</a:t>
-            </a:r>
-            <a:r>
-              <a:rPr lang="de-DE" dirty="0"/>
-              <a:t> </a:t>
-            </a:r>
-            <a:r>
-              <a:rPr lang="de-DE" dirty="0" err="1"/>
-              <a:t>makes</a:t>
-            </a:r>
-            <a:r>
-              <a:rPr lang="de-DE" dirty="0"/>
-              <a:t> </a:t>
-            </a:r>
-            <a:r>
-              <a:rPr lang="de-DE" dirty="0" err="1"/>
-              <a:t>the</a:t>
-            </a:r>
-            <a:r>
-              <a:rPr lang="de-DE" dirty="0"/>
-              <a:t> different from </a:t>
-            </a:r>
-            <a:r>
-              <a:rPr lang="de-DE" dirty="0" err="1"/>
-              <a:t>other</a:t>
-            </a:r>
-            <a:r>
-              <a:rPr lang="de-DE" dirty="0"/>
-              <a:t> </a:t>
-            </a:r>
-            <a:r>
-              <a:rPr lang="de-DE" dirty="0" err="1"/>
-              <a:t>patients</a:t>
-            </a:r>
-            <a:r>
-              <a:rPr lang="de-DE" dirty="0"/>
-              <a:t> with TLF.</a:t>
+              <a:t>Architecture in </a:t>
+            </a:r>
+            <a:r>
+              <a:rPr lang="de-DE" dirty="0" err="1"/>
+              <a:t>use</a:t>
+            </a:r>
+            <a:r>
+              <a:rPr lang="de-DE" dirty="0"/>
+              <a:t>:</a:t>
             </a:r>
           </a:p>
           <a:p>
-            <a:endParaRPr lang="de-DE" dirty="0"/>
-          </a:p>
-          <a:p>
-            <a:r>
-              <a:rPr lang="de-DE" dirty="0"/>
-              <a:t>To </a:t>
-            </a:r>
-            <a:r>
-              <a:rPr lang="de-DE" dirty="0" err="1"/>
-              <a:t>tackle</a:t>
+            <a:r>
+              <a:rPr lang="de-DE" dirty="0"/>
+              <a:t>A new patient </a:t>
+            </a:r>
+            <a:r>
+              <a:rPr lang="de-DE" dirty="0" err="1"/>
+              <a:t>should</a:t>
             </a:r>
             <a:r>
               <a:rPr lang="de-DE" dirty="0"/>
@@ -3240,23 +3574,343 @@
             </a:r>
             <a:r>
               <a:rPr lang="de-DE" dirty="0" err="1"/>
+              <a:t>be</a:t>
+            </a:r>
+            <a:r>
+              <a:rPr lang="de-DE" dirty="0"/>
+              <a:t> </a:t>
+            </a:r>
+            <a:r>
+              <a:rPr lang="de-DE" dirty="0" err="1"/>
+              <a:t>tested</a:t>
+            </a:r>
+            <a:r>
+              <a:rPr lang="de-DE" dirty="0"/>
+              <a:t> for high </a:t>
+            </a:r>
+            <a:r>
+              <a:rPr lang="de-DE" dirty="0" err="1"/>
+              <a:t>risk</a:t>
+            </a:r>
+            <a:r>
+              <a:rPr lang="de-DE" dirty="0"/>
+              <a:t> of TLF </a:t>
+            </a:r>
+            <a:r>
+              <a:rPr lang="de-DE" dirty="0" err="1"/>
+              <a:t>or</a:t>
+            </a:r>
+            <a:r>
+              <a:rPr lang="de-DE" dirty="0"/>
+              <a:t> not. </a:t>
+            </a:r>
+            <a:r>
+              <a:rPr lang="de-DE" dirty="0" err="1"/>
+              <a:t>Firstly</a:t>
+            </a:r>
+            <a:r>
+              <a:rPr lang="de-DE" dirty="0"/>
+              <a:t>, </a:t>
+            </a:r>
+            <a:r>
+              <a:rPr lang="de-DE" dirty="0" err="1"/>
+              <a:t>the</a:t>
+            </a:r>
+            <a:r>
+              <a:rPr lang="de-DE" dirty="0"/>
+              <a:t> patient </a:t>
+            </a:r>
+            <a:r>
+              <a:rPr lang="de-DE" dirty="0" err="1"/>
+              <a:t>features</a:t>
+            </a:r>
+            <a:r>
+              <a:rPr lang="de-DE" dirty="0"/>
+              <a:t> X will </a:t>
+            </a:r>
+            <a:r>
+              <a:rPr lang="de-DE" dirty="0" err="1"/>
+              <a:t>be</a:t>
+            </a:r>
+            <a:r>
+              <a:rPr lang="de-DE" dirty="0"/>
+              <a:t> </a:t>
+            </a:r>
+            <a:r>
+              <a:rPr lang="de-DE" dirty="0" err="1"/>
+              <a:t>used</a:t>
+            </a:r>
+            <a:r>
+              <a:rPr lang="de-DE" dirty="0"/>
+              <a:t> with </a:t>
+            </a:r>
+            <a:r>
+              <a:rPr lang="de-DE" dirty="0" err="1"/>
+              <a:t>the</a:t>
+            </a:r>
+            <a:r>
+              <a:rPr lang="de-DE" dirty="0"/>
+              <a:t> </a:t>
+            </a:r>
+            <a:r>
+              <a:rPr lang="de-DE" dirty="0" err="1"/>
+              <a:t>pre-trained</a:t>
+            </a:r>
+            <a:r>
+              <a:rPr lang="de-DE" dirty="0"/>
+              <a:t> M_TLF to </a:t>
+            </a:r>
+            <a:r>
+              <a:rPr lang="de-DE" dirty="0" err="1"/>
+              <a:t>generate</a:t>
+            </a:r>
+            <a:r>
+              <a:rPr lang="de-DE" dirty="0"/>
+              <a:t> </a:t>
+            </a:r>
+            <a:r>
+              <a:rPr lang="de-DE" dirty="0" err="1"/>
+              <a:t>the</a:t>
+            </a:r>
+            <a:r>
+              <a:rPr lang="de-DE" dirty="0"/>
+              <a:t> </a:t>
+            </a:r>
+            <a:r>
+              <a:rPr lang="de-DE" dirty="0" err="1"/>
+              <a:t>second</a:t>
+            </a:r>
+            <a:r>
+              <a:rPr lang="de-DE" dirty="0"/>
+              <a:t> </a:t>
+            </a:r>
+            <a:r>
+              <a:rPr lang="de-DE" dirty="0" err="1"/>
+              <a:t>database</a:t>
+            </a:r>
+            <a:r>
+              <a:rPr lang="de-DE" dirty="0"/>
+              <a:t> – </a:t>
+            </a:r>
+            <a:r>
+              <a:rPr lang="de-DE" dirty="0" err="1"/>
+              <a:t>the</a:t>
+            </a:r>
+            <a:r>
+              <a:rPr lang="de-DE" dirty="0"/>
+              <a:t> </a:t>
+            </a:r>
+            <a:r>
+              <a:rPr lang="de-DE" dirty="0" err="1"/>
+              <a:t>decision</a:t>
+            </a:r>
+            <a:r>
+              <a:rPr lang="de-DE" dirty="0"/>
+              <a:t> </a:t>
+            </a:r>
+            <a:r>
+              <a:rPr lang="de-DE" dirty="0" err="1"/>
+              <a:t>matrix</a:t>
+            </a:r>
+            <a:r>
+              <a:rPr lang="de-DE" dirty="0"/>
+              <a:t> M for </a:t>
+            </a:r>
+            <a:r>
+              <a:rPr lang="de-DE" dirty="0" err="1"/>
+              <a:t>each</a:t>
+            </a:r>
+            <a:r>
+              <a:rPr lang="de-DE" dirty="0"/>
+              <a:t> </a:t>
+            </a:r>
+            <a:r>
+              <a:rPr lang="de-DE" dirty="0" err="1"/>
+              <a:t>weak</a:t>
+            </a:r>
+            <a:r>
+              <a:rPr lang="de-DE" dirty="0"/>
+              <a:t> </a:t>
+            </a:r>
+            <a:r>
+              <a:rPr lang="de-DE" dirty="0" err="1"/>
+              <a:t>classifier</a:t>
+            </a:r>
+            <a:r>
+              <a:rPr lang="de-DE" dirty="0"/>
+              <a:t>. </a:t>
+            </a:r>
+            <a:r>
+              <a:rPr lang="de-DE" dirty="0" err="1"/>
+              <a:t>Secondly</a:t>
+            </a:r>
+            <a:r>
+              <a:rPr lang="de-DE" dirty="0"/>
+              <a:t>, </a:t>
+            </a:r>
+            <a:r>
+              <a:rPr lang="de-DE" dirty="0" err="1"/>
+              <a:t>decision</a:t>
+            </a:r>
+            <a:r>
+              <a:rPr lang="de-DE" dirty="0"/>
+              <a:t> Matrix will </a:t>
+            </a:r>
+            <a:r>
+              <a:rPr lang="de-DE" dirty="0" err="1"/>
+              <a:t>be</a:t>
+            </a:r>
+            <a:r>
+              <a:rPr lang="de-DE" dirty="0"/>
+              <a:t> </a:t>
+            </a:r>
+            <a:r>
+              <a:rPr lang="de-DE" dirty="0" err="1"/>
+              <a:t>used</a:t>
+            </a:r>
+            <a:r>
+              <a:rPr lang="de-DE" dirty="0"/>
+              <a:t> </a:t>
+            </a:r>
+            <a:r>
+              <a:rPr lang="de-DE" dirty="0" err="1"/>
+              <a:t>as</a:t>
+            </a:r>
+            <a:r>
+              <a:rPr lang="de-DE" dirty="0"/>
+              <a:t> </a:t>
+            </a:r>
+            <a:r>
+              <a:rPr lang="de-DE" dirty="0" err="1"/>
+              <a:t>input</a:t>
+            </a:r>
+            <a:r>
+              <a:rPr lang="de-DE" dirty="0"/>
+              <a:t> for </a:t>
+            </a:r>
+            <a:r>
+              <a:rPr lang="de-DE" dirty="0" err="1"/>
+              <a:t>pre-trained</a:t>
+            </a:r>
+            <a:r>
+              <a:rPr lang="de-DE" dirty="0"/>
+              <a:t> </a:t>
+            </a:r>
+            <a:r>
+              <a:rPr lang="de-DE" dirty="0" err="1"/>
+              <a:t>M_conf</a:t>
+            </a:r>
+            <a:r>
+              <a:rPr lang="de-DE" dirty="0"/>
+              <a:t> to predict </a:t>
+            </a:r>
+            <a:r>
+              <a:rPr lang="de-DE" dirty="0" err="1"/>
+              <a:t>Y_conf</a:t>
+            </a:r>
+            <a:r>
+              <a:rPr lang="de-DE" dirty="0"/>
+              <a:t>. If </a:t>
+            </a:r>
+            <a:r>
+              <a:rPr lang="de-DE" dirty="0" err="1"/>
+              <a:t>the</a:t>
+            </a:r>
+            <a:r>
+              <a:rPr lang="de-DE" dirty="0"/>
+              <a:t> </a:t>
+            </a:r>
+            <a:r>
+              <a:rPr lang="de-DE" dirty="0" err="1"/>
+              <a:t>prediction</a:t>
+            </a:r>
+            <a:r>
+              <a:rPr lang="de-DE" dirty="0"/>
+              <a:t> </a:t>
+            </a:r>
+            <a:r>
+              <a:rPr lang="de-DE" dirty="0" err="1"/>
+              <a:t>says</a:t>
+            </a:r>
+            <a:r>
+              <a:rPr lang="de-DE" dirty="0"/>
+              <a:t> </a:t>
+            </a:r>
+            <a:r>
+              <a:rPr lang="de-DE" dirty="0" err="1"/>
+              <a:t>that</a:t>
+            </a:r>
+            <a:r>
+              <a:rPr lang="de-DE" dirty="0"/>
+              <a:t> new patient </a:t>
+            </a:r>
+            <a:r>
+              <a:rPr lang="de-DE" dirty="0" err="1"/>
+              <a:t>has</a:t>
+            </a:r>
+            <a:r>
+              <a:rPr lang="de-DE" dirty="0"/>
+              <a:t> </a:t>
+            </a:r>
+            <a:r>
+              <a:rPr lang="de-DE" dirty="0" err="1"/>
+              <a:t>zero</a:t>
+            </a:r>
+            <a:r>
+              <a:rPr lang="de-DE" dirty="0"/>
+              <a:t> confidence </a:t>
+            </a:r>
+            <a:r>
+              <a:rPr lang="de-DE" dirty="0" err="1"/>
+              <a:t>than</a:t>
+            </a:r>
+            <a:r>
+              <a:rPr lang="de-DE" dirty="0"/>
+              <a:t> </a:t>
+            </a:r>
+            <a:r>
+              <a:rPr lang="de-DE" dirty="0" err="1"/>
               <a:t>this</a:t>
             </a:r>
             <a:r>
               <a:rPr lang="de-DE" dirty="0"/>
+              <a:t> patient </a:t>
+            </a:r>
+            <a:r>
+              <a:rPr lang="de-DE" dirty="0" err="1"/>
+              <a:t>belongs</a:t>
+            </a:r>
+            <a:r>
+              <a:rPr lang="de-DE" dirty="0"/>
+              <a:t> to </a:t>
+            </a:r>
+            <a:r>
+              <a:rPr lang="de-DE" dirty="0" err="1"/>
+              <a:t>the</a:t>
+            </a:r>
+            <a:r>
+              <a:rPr lang="de-DE" dirty="0"/>
+              <a:t> noise sample (with confidence of F1 score of </a:t>
+            </a:r>
+            <a:r>
+              <a:rPr lang="de-DE" dirty="0" err="1"/>
+              <a:t>M_conf</a:t>
+            </a:r>
+            <a:r>
+              <a:rPr lang="de-DE" dirty="0"/>
+              <a:t>) and </a:t>
+            </a:r>
+            <a:r>
+              <a:rPr lang="de-DE" dirty="0" err="1"/>
+              <a:t>can‘t</a:t>
+            </a:r>
+            <a:r>
+              <a:rPr lang="de-DE" dirty="0"/>
               <a:t> </a:t>
             </a:r>
             <a:r>
               <a:rPr lang="de-DE" dirty="0" err="1"/>
-              <a:t>problem</a:t>
-            </a:r>
-            <a:r>
-              <a:rPr lang="de-DE" dirty="0"/>
-              <a:t>, </a:t>
-            </a:r>
-            <a:r>
-              <a:rPr lang="de-DE" dirty="0" err="1"/>
-              <a:t>we</a:t>
+              <a:t>be</a:t>
             </a:r>
             <a:r>
               <a:rPr lang="de-DE" dirty="0"/>
@@ -3264,23 +3918,7 @@
             </a:r>
             <a:r>
               <a:rPr lang="de-DE" dirty="0" err="1"/>
-              <a:t>intend</a:t>
-            </a:r>
-            <a:r>
-              <a:rPr lang="de-DE" dirty="0"/>
-              <a:t> to </a:t>
-            </a:r>
-            <a:r>
-              <a:rPr lang="de-DE" dirty="0" err="1"/>
-              <a:t>add</a:t>
-            </a:r>
-            <a:r>
-              <a:rPr lang="de-DE" dirty="0"/>
-              <a:t> a </a:t>
-            </a:r>
-            <a:r>
-              <a:rPr lang="de-DE" dirty="0" err="1"/>
-              <a:t>second</a:t>
+              <a:t>further</a:t>
             </a:r>
             <a:r>
               <a:rPr lang="de-DE" dirty="0"/>
@@ -3288,15 +3926,7 @@
             </a:r>
             <a:r>
               <a:rPr lang="de-DE" dirty="0" err="1"/>
-              <a:t>layer</a:t>
-            </a:r>
-            <a:r>
-              <a:rPr lang="de-DE" dirty="0"/>
-              <a:t> to </a:t>
-            </a:r>
-            <a:r>
-              <a:rPr lang="de-DE" dirty="0" err="1"/>
-              <a:t>already</a:t>
+              <a:t>analysed</a:t>
             </a:r>
             <a:r>
               <a:rPr lang="de-DE" dirty="0"/>
@@ -3304,7 +3934,7 @@
             </a:r>
             <a:r>
               <a:rPr lang="de-DE" dirty="0" err="1"/>
-              <a:t>used</a:t>
+              <a:t>by</a:t>
             </a:r>
             <a:r>
               <a:rPr lang="de-DE" dirty="0"/>
@@ -3312,11 +3942,19 @@
             </a:r>
             <a:r>
               <a:rPr lang="de-DE" dirty="0" err="1"/>
-              <a:t>pipeline</a:t>
-            </a:r>
-            <a:r>
-              <a:rPr lang="de-DE" dirty="0"/>
-              <a:t> – </a:t>
+              <a:t>this</a:t>
+            </a:r>
+            <a:r>
+              <a:rPr lang="de-DE" dirty="0"/>
+              <a:t> </a:t>
+            </a:r>
+            <a:r>
+              <a:rPr lang="de-DE" dirty="0" err="1"/>
+              <a:t>algorithm</a:t>
+            </a:r>
+            <a:r>
+              <a:rPr lang="de-DE" dirty="0"/>
+              <a:t>. If </a:t>
             </a:r>
             <a:r>
               <a:rPr lang="de-DE" dirty="0" err="1"/>
@@ -3324,11 +3962,139 @@
             </a:r>
             <a:r>
               <a:rPr lang="de-DE" dirty="0"/>
-              <a:t> so </a:t>
-            </a:r>
-            <a:r>
-              <a:rPr lang="de-DE" dirty="0" err="1"/>
-              <a:t>called</a:t>
+              <a:t> patient </a:t>
+            </a:r>
+            <a:r>
+              <a:rPr lang="de-DE" dirty="0" err="1"/>
+              <a:t>is</a:t>
+            </a:r>
+            <a:r>
+              <a:rPr lang="de-DE" dirty="0"/>
+              <a:t> signal sample (</a:t>
+            </a:r>
+            <a:r>
+              <a:rPr lang="de-DE" dirty="0" err="1"/>
+              <a:t>y_conf</a:t>
+            </a:r>
+            <a:r>
+              <a:rPr lang="de-DE" dirty="0"/>
+              <a:t> </a:t>
+            </a:r>
+            <a:r>
+              <a:rPr lang="de-DE" dirty="0" err="1"/>
+              <a:t>prediction</a:t>
+            </a:r>
+            <a:r>
+              <a:rPr lang="de-DE" dirty="0"/>
+              <a:t> = 1), </a:t>
+            </a:r>
+            <a:r>
+              <a:rPr lang="de-DE" dirty="0" err="1"/>
+              <a:t>then</a:t>
+            </a:r>
+            <a:r>
+              <a:rPr lang="de-DE" dirty="0"/>
+              <a:t> </a:t>
+            </a:r>
+            <a:r>
+              <a:rPr lang="de-DE" dirty="0" err="1"/>
+              <a:t>the</a:t>
+            </a:r>
+            <a:r>
+              <a:rPr lang="de-DE" dirty="0"/>
+              <a:t> patient </a:t>
+            </a:r>
+            <a:r>
+              <a:rPr lang="de-DE" dirty="0" err="1"/>
+              <a:t>can</a:t>
+            </a:r>
+            <a:r>
+              <a:rPr lang="de-DE" dirty="0"/>
+              <a:t> </a:t>
+            </a:r>
+            <a:r>
+              <a:rPr lang="de-DE" dirty="0" err="1"/>
+              <a:t>be</a:t>
+            </a:r>
+            <a:r>
+              <a:rPr lang="de-DE" dirty="0"/>
+              <a:t> </a:t>
+            </a:r>
+            <a:r>
+              <a:rPr lang="de-DE" dirty="0" err="1"/>
+              <a:t>further</a:t>
+            </a:r>
+            <a:r>
+              <a:rPr lang="de-DE" dirty="0"/>
+              <a:t> </a:t>
+            </a:r>
+            <a:r>
+              <a:rPr lang="de-DE" dirty="0" err="1"/>
+              <a:t>analysed</a:t>
+            </a:r>
+            <a:r>
+              <a:rPr lang="de-DE" dirty="0"/>
+              <a:t>. If </a:t>
+            </a:r>
+            <a:r>
+              <a:rPr lang="de-DE" dirty="0" err="1"/>
+              <a:t>the</a:t>
+            </a:r>
+            <a:r>
+              <a:rPr lang="de-DE" dirty="0"/>
+              <a:t> </a:t>
+            </a:r>
+            <a:r>
+              <a:rPr lang="de-DE" dirty="0" err="1"/>
+              <a:t>majority</a:t>
+            </a:r>
+            <a:r>
+              <a:rPr lang="de-DE" dirty="0"/>
+              <a:t> vote (MJ) of all </a:t>
+            </a:r>
+            <a:r>
+              <a:rPr lang="de-DE" dirty="0" err="1"/>
+              <a:t>weak</a:t>
+            </a:r>
+            <a:r>
+              <a:rPr lang="de-DE" dirty="0"/>
+              <a:t> </a:t>
+            </a:r>
+            <a:r>
+              <a:rPr lang="de-DE" dirty="0" err="1"/>
+              <a:t>classifiers</a:t>
+            </a:r>
+            <a:r>
+              <a:rPr lang="de-DE" dirty="0"/>
+              <a:t> in </a:t>
+            </a:r>
+            <a:r>
+              <a:rPr lang="de-DE" dirty="0" err="1"/>
+              <a:t>assigns</a:t>
+            </a:r>
+            <a:r>
+              <a:rPr lang="de-DE" dirty="0"/>
+              <a:t> new patient to </a:t>
+            </a:r>
+            <a:r>
+              <a:rPr lang="de-DE" dirty="0" err="1"/>
+              <a:t>class</a:t>
+            </a:r>
+            <a:r>
+              <a:rPr lang="de-DE" dirty="0"/>
+              <a:t> 0, </a:t>
+            </a:r>
+            <a:r>
+              <a:rPr lang="de-DE" dirty="0" err="1"/>
+              <a:t>then</a:t>
+            </a:r>
+            <a:r>
+              <a:rPr lang="de-DE" dirty="0"/>
+              <a:t> </a:t>
+            </a:r>
+            <a:r>
+              <a:rPr lang="de-DE" dirty="0" err="1"/>
+              <a:t>the</a:t>
             </a:r>
             <a:r>
               <a:rPr lang="de-DE" dirty="0"/>
@@ -3336,11 +4102,59 @@
             </a:r>
             <a:r>
               <a:rPr lang="de-DE" dirty="0" err="1"/>
-              <a:t>layer</a:t>
-            </a:r>
-            <a:r>
-              <a:rPr lang="de-DE" dirty="0"/>
-              <a:t>. From </a:t>
+              <a:t>that</a:t>
+            </a:r>
+            <a:r>
+              <a:rPr lang="de-DE" dirty="0"/>
+              <a:t> </a:t>
+            </a:r>
+            <a:r>
+              <a:rPr lang="de-DE" dirty="0" err="1"/>
+              <a:t>this</a:t>
+            </a:r>
+            <a:r>
+              <a:rPr lang="de-DE" dirty="0"/>
+              <a:t> patient will not </a:t>
+            </a:r>
+            <a:r>
+              <a:rPr lang="de-DE" dirty="0" err="1"/>
+              <a:t>get</a:t>
+            </a:r>
+            <a:r>
+              <a:rPr lang="de-DE" dirty="0"/>
+              <a:t> TLF </a:t>
+            </a:r>
+            <a:r>
+              <a:rPr lang="de-DE" dirty="0" err="1"/>
+              <a:t>is</a:t>
+            </a:r>
+            <a:r>
+              <a:rPr lang="de-DE" dirty="0"/>
+              <a:t> high. If MJ </a:t>
+            </a:r>
+            <a:r>
+              <a:rPr lang="de-DE" dirty="0" err="1"/>
+              <a:t>assignes</a:t>
+            </a:r>
+            <a:r>
+              <a:rPr lang="de-DE" dirty="0"/>
+              <a:t> patient to </a:t>
+            </a:r>
+            <a:r>
+              <a:rPr lang="de-DE" dirty="0" err="1"/>
+              <a:t>class</a:t>
+            </a:r>
+            <a:r>
+              <a:rPr lang="de-DE" dirty="0"/>
+              <a:t> 1, </a:t>
+            </a:r>
+            <a:r>
+              <a:rPr lang="de-DE" dirty="0" err="1"/>
+              <a:t>then</a:t>
+            </a:r>
+            <a:r>
+              <a:rPr lang="de-DE" dirty="0"/>
+              <a:t> </a:t>
             </a:r>
             <a:r>
               <a:rPr lang="de-DE" dirty="0" err="1"/>
@@ -3352,7 +4166,7 @@
             </a:r>
             <a:r>
               <a:rPr lang="de-DE" dirty="0" err="1"/>
-              <a:t>originial</a:t>
+              <a:t>cofidence</a:t>
             </a:r>
             <a:r>
               <a:rPr lang="de-DE" dirty="0"/>
@@ -3360,27 +4174,27 @@
             </a:r>
             <a:r>
               <a:rPr lang="de-DE" dirty="0" err="1"/>
-              <a:t>pipeline</a:t>
-            </a:r>
-            <a:r>
-              <a:rPr lang="de-DE" dirty="0"/>
-              <a:t> 9 </a:t>
-            </a:r>
-            <a:r>
-              <a:rPr lang="de-DE" dirty="0" err="1"/>
-              <a:t>models</a:t>
-            </a:r>
-            <a:r>
-              <a:rPr lang="de-DE" dirty="0"/>
-              <a:t> with different </a:t>
-            </a:r>
-            <a:r>
-              <a:rPr lang="de-DE" dirty="0" err="1"/>
-              <a:t>classifiers</a:t>
-            </a:r>
-            <a:r>
-              <a:rPr lang="de-DE" dirty="0"/>
-              <a:t> will </a:t>
+              <a:t>that</a:t>
+            </a:r>
+            <a:r>
+              <a:rPr lang="de-DE" dirty="0"/>
+              <a:t> </a:t>
+            </a:r>
+            <a:r>
+              <a:rPr lang="de-DE" dirty="0" err="1"/>
+              <a:t>this</a:t>
+            </a:r>
+            <a:r>
+              <a:rPr lang="de-DE" dirty="0"/>
+              <a:t> patient </a:t>
+            </a:r>
+            <a:r>
+              <a:rPr lang="de-DE" dirty="0" err="1"/>
+              <a:t>should</a:t>
+            </a:r>
+            <a:r>
+              <a:rPr lang="de-DE" dirty="0"/>
+              <a:t> </a:t>
             </a:r>
             <a:r>
               <a:rPr lang="de-DE" dirty="0" err="1"/>
@@ -3392,23 +4206,7 @@
             </a:r>
             <a:r>
               <a:rPr lang="de-DE" dirty="0" err="1"/>
-              <a:t>derived</a:t>
-            </a:r>
-            <a:r>
-              <a:rPr lang="de-DE" dirty="0"/>
-              <a:t>. </a:t>
-            </a:r>
-            <a:r>
-              <a:rPr lang="de-DE" dirty="0" err="1"/>
-              <a:t>Their</a:t>
-            </a:r>
-            <a:r>
-              <a:rPr lang="de-DE" dirty="0"/>
-              <a:t> individual </a:t>
-            </a:r>
-            <a:r>
-              <a:rPr lang="de-DE" dirty="0" err="1"/>
-              <a:t>decisions</a:t>
+              <a:t>closer</a:t>
             </a:r>
             <a:r>
               <a:rPr lang="de-DE" dirty="0"/>
@@ -3416,7 +4214,7 @@
             </a:r>
             <a:r>
               <a:rPr lang="de-DE" dirty="0" err="1"/>
-              <a:t>over</a:t>
+              <a:t>monitored</a:t>
             </a:r>
             <a:r>
               <a:rPr lang="de-DE" dirty="0"/>
@@ -3424,75 +4222,19 @@
             </a:r>
             <a:r>
               <a:rPr lang="de-DE" dirty="0" err="1"/>
-              <a:t>each</a:t>
-            </a:r>
-            <a:r>
-              <a:rPr lang="de-DE" dirty="0"/>
-              <a:t> sample will </a:t>
-            </a:r>
-            <a:r>
-              <a:rPr lang="de-DE" dirty="0" err="1"/>
-              <a:t>be</a:t>
-            </a:r>
-            <a:r>
-              <a:rPr lang="de-DE" dirty="0"/>
-              <a:t> </a:t>
-            </a:r>
-            <a:r>
-              <a:rPr lang="de-DE" dirty="0" err="1"/>
-              <a:t>put</a:t>
-            </a:r>
-            <a:r>
-              <a:rPr lang="de-DE" dirty="0"/>
-              <a:t> </a:t>
-            </a:r>
-            <a:r>
-              <a:rPr lang="de-DE" dirty="0" err="1"/>
-              <a:t>tohether</a:t>
-            </a:r>
-            <a:r>
-              <a:rPr lang="de-DE" dirty="0"/>
-              <a:t> </a:t>
-            </a:r>
-            <a:r>
-              <a:rPr lang="de-DE" dirty="0" err="1"/>
-              <a:t>into</a:t>
-            </a:r>
-            <a:r>
-              <a:rPr lang="de-DE" dirty="0"/>
-              <a:t> a </a:t>
-            </a:r>
-            <a:r>
-              <a:rPr lang="de-DE" dirty="0" err="1"/>
-              <a:t>decision</a:t>
-            </a:r>
-            <a:r>
-              <a:rPr lang="de-DE" dirty="0"/>
-              <a:t> </a:t>
-            </a:r>
-            <a:r>
-              <a:rPr lang="de-DE" dirty="0" err="1"/>
-              <a:t>matrix</a:t>
-            </a:r>
-            <a:r>
-              <a:rPr lang="de-DE" dirty="0"/>
-              <a:t> M. From </a:t>
-            </a:r>
-            <a:r>
-              <a:rPr lang="de-DE" dirty="0" err="1"/>
-              <a:t>that</a:t>
-            </a:r>
-            <a:r>
-              <a:rPr lang="de-DE" dirty="0"/>
-              <a:t> a confidence </a:t>
-            </a:r>
-            <a:r>
-              <a:rPr lang="de-DE" dirty="0" err="1"/>
-              <a:t>label</a:t>
-            </a:r>
-            <a:r>
-              <a:rPr lang="de-DE" dirty="0"/>
-              <a:t> Y </a:t>
+              <a:t>because</a:t>
+            </a:r>
+            <a:r>
+              <a:rPr lang="de-DE" dirty="0"/>
+              <a:t> of high </a:t>
+            </a:r>
+            <a:r>
+              <a:rPr lang="de-DE" dirty="0" err="1"/>
+              <a:t>risk</a:t>
+            </a:r>
+            <a:r>
+              <a:rPr lang="de-DE" dirty="0"/>
+              <a:t> for TLF </a:t>
             </a:r>
             <a:r>
               <a:rPr lang="de-DE" dirty="0" err="1"/>
@@ -3500,228 +4242,7 @@
             </a:r>
             <a:r>
               <a:rPr lang="de-DE" dirty="0"/>
-              <a:t> </a:t>
-            </a:r>
-            <a:r>
-              <a:rPr lang="de-DE" dirty="0" err="1"/>
-              <a:t>gernerated</a:t>
-            </a:r>
-            <a:r>
-              <a:rPr lang="de-DE" dirty="0"/>
-              <a:t> </a:t>
-            </a:r>
-            <a:r>
-              <a:rPr lang="de-DE" dirty="0" err="1"/>
-              <a:t>based</a:t>
-            </a:r>
-            <a:r>
-              <a:rPr lang="de-DE" dirty="0"/>
-              <a:t> on </a:t>
-            </a:r>
-            <a:r>
-              <a:rPr lang="de-DE" dirty="0" err="1"/>
-              <a:t>majority</a:t>
-            </a:r>
-            <a:r>
-              <a:rPr lang="de-DE" dirty="0"/>
-              <a:t> vote for </a:t>
-            </a:r>
-            <a:r>
-              <a:rPr lang="de-DE" dirty="0" err="1"/>
-              <a:t>each</a:t>
-            </a:r>
-            <a:r>
-              <a:rPr lang="de-DE" dirty="0"/>
-              <a:t> sample. </a:t>
-            </a:r>
-            <a:r>
-              <a:rPr lang="de-DE" dirty="0" err="1"/>
-              <a:t>Newly</a:t>
-            </a:r>
-            <a:r>
-              <a:rPr lang="de-DE" dirty="0"/>
-              <a:t> </a:t>
-            </a:r>
-            <a:r>
-              <a:rPr lang="de-DE" dirty="0" err="1"/>
-              <a:t>generated</a:t>
-            </a:r>
-            <a:r>
-              <a:rPr lang="de-DE" dirty="0"/>
-              <a:t> M + Y </a:t>
-            </a:r>
-            <a:r>
-              <a:rPr lang="de-DE" dirty="0" err="1"/>
-              <a:t>are</a:t>
-            </a:r>
-            <a:r>
-              <a:rPr lang="de-DE" dirty="0"/>
-              <a:t> </a:t>
-            </a:r>
-            <a:r>
-              <a:rPr lang="de-DE" dirty="0" err="1"/>
-              <a:t>input</a:t>
-            </a:r>
-            <a:r>
-              <a:rPr lang="de-DE" dirty="0"/>
-              <a:t> and </a:t>
-            </a:r>
-            <a:r>
-              <a:rPr lang="de-DE" dirty="0" err="1"/>
-              <a:t>label</a:t>
-            </a:r>
-            <a:r>
-              <a:rPr lang="de-DE" dirty="0"/>
-              <a:t> for a </a:t>
-            </a:r>
-            <a:r>
-              <a:rPr lang="de-DE" dirty="0" err="1"/>
-              <a:t>second</a:t>
-            </a:r>
-            <a:r>
-              <a:rPr lang="de-DE" dirty="0"/>
-              <a:t> </a:t>
-            </a:r>
-            <a:r>
-              <a:rPr lang="de-DE" dirty="0" err="1"/>
-              <a:t>round</a:t>
-            </a:r>
-            <a:r>
-              <a:rPr lang="de-DE" dirty="0"/>
-              <a:t> with </a:t>
-            </a:r>
-            <a:r>
-              <a:rPr lang="de-DE" dirty="0" err="1"/>
-              <a:t>the</a:t>
-            </a:r>
-            <a:r>
-              <a:rPr lang="de-DE" dirty="0"/>
-              <a:t> </a:t>
-            </a:r>
-            <a:r>
-              <a:rPr lang="de-DE" dirty="0" err="1"/>
-              <a:t>pipeline</a:t>
-            </a:r>
-            <a:r>
-              <a:rPr lang="de-DE" dirty="0"/>
-              <a:t> to </a:t>
-            </a:r>
-            <a:r>
-              <a:rPr lang="de-DE" dirty="0" err="1"/>
-              <a:t>see</a:t>
-            </a:r>
-            <a:r>
-              <a:rPr lang="de-DE" dirty="0"/>
-              <a:t> confidence in </a:t>
-            </a:r>
-            <a:r>
-              <a:rPr lang="de-DE" dirty="0" err="1"/>
-              <a:t>predictions</a:t>
-            </a:r>
-            <a:r>
-              <a:rPr lang="de-DE" dirty="0"/>
-              <a:t>. </a:t>
-            </a:r>
-          </a:p>
-          <a:p>
-            <a:endParaRPr lang="de-DE" dirty="0"/>
-          </a:p>
-          <a:p>
-            <a:r>
-              <a:rPr lang="de-DE" dirty="0"/>
-              <a:t>Y_conf </a:t>
-            </a:r>
-            <a:r>
-              <a:rPr lang="de-DE" dirty="0" err="1"/>
-              <a:t>created</a:t>
-            </a:r>
-            <a:r>
-              <a:rPr lang="de-DE" dirty="0"/>
-              <a:t> out of XNOR </a:t>
-            </a:r>
-            <a:r>
-              <a:rPr lang="de-DE" dirty="0" err="1"/>
-              <a:t>gate</a:t>
-            </a:r>
-            <a:r>
-              <a:rPr lang="de-DE" dirty="0"/>
-              <a:t> </a:t>
-            </a:r>
-            <a:r>
-              <a:rPr lang="de-DE" dirty="0" err="1"/>
-              <a:t>between</a:t>
-            </a:r>
-            <a:r>
-              <a:rPr lang="de-DE" dirty="0"/>
-              <a:t> GT and Y‘ (</a:t>
-            </a:r>
-            <a:r>
-              <a:rPr lang="de-DE" dirty="0" err="1"/>
-              <a:t>y_prime</a:t>
-            </a:r>
-            <a:r>
-              <a:rPr lang="de-DE" dirty="0"/>
-              <a:t>) with GT = </a:t>
-            </a:r>
-            <a:r>
-              <a:rPr lang="de-DE" dirty="0" err="1"/>
-              <a:t>ground</a:t>
-            </a:r>
-            <a:r>
-              <a:rPr lang="de-DE" dirty="0"/>
-              <a:t> </a:t>
-            </a:r>
-            <a:r>
-              <a:rPr lang="de-DE" dirty="0" err="1"/>
-              <a:t>truth</a:t>
-            </a:r>
-            <a:r>
-              <a:rPr lang="de-DE" dirty="0"/>
-              <a:t> (</a:t>
-            </a:r>
-            <a:r>
-              <a:rPr lang="de-DE" dirty="0" err="1"/>
-              <a:t>actual</a:t>
-            </a:r>
-            <a:r>
-              <a:rPr lang="de-DE" dirty="0"/>
-              <a:t> </a:t>
-            </a:r>
-            <a:r>
-              <a:rPr lang="de-DE" dirty="0" err="1"/>
-              <a:t>label</a:t>
-            </a:r>
-            <a:r>
-              <a:rPr lang="de-DE" dirty="0"/>
-              <a:t> </a:t>
-            </a:r>
-            <a:r>
-              <a:rPr lang="de-DE" dirty="0" err="1"/>
-              <a:t>taken</a:t>
-            </a:r>
-            <a:r>
-              <a:rPr lang="de-DE" dirty="0"/>
-              <a:t> from patient data), Y‘ = </a:t>
-            </a:r>
-            <a:r>
-              <a:rPr lang="de-DE" dirty="0" err="1"/>
-              <a:t>majority</a:t>
-            </a:r>
-            <a:r>
-              <a:rPr lang="de-DE" dirty="0"/>
-              <a:t> vote of 9 </a:t>
-            </a:r>
-            <a:r>
-              <a:rPr lang="de-DE" dirty="0" err="1"/>
-              <a:t>weak</a:t>
-            </a:r>
-            <a:r>
-              <a:rPr lang="de-DE" dirty="0"/>
-              <a:t> </a:t>
-            </a:r>
-            <a:r>
-              <a:rPr lang="de-DE" dirty="0" err="1"/>
-              <a:t>classifiers</a:t>
+              <a:t> high.</a:t>
             </a:r>
             <a:endParaRPr lang="en-GB" dirty="0"/>
           </a:p>
@@ -3745,788 +4266,6 @@
             <a:fld id="{098BD289-3A29-45E8-AD20-ACE8C932FF07}" type="slidenum">
               <a:rPr lang="de-DE" smtClean="0"/>
               <a:t>14</a:t>
-            </a:fld>
-            <a:endParaRPr lang="de-DE"/>
-          </a:p>
-        </p:txBody>
-      </p:sp>
-    </p:spTree>
-    <p:extLst>
-      <p:ext uri="{BB962C8B-B14F-4D97-AF65-F5344CB8AC3E}">
-        <p14:creationId xmlns:p14="http://schemas.microsoft.com/office/powerpoint/2010/main" val="423546568"/>
-      </p:ext>
-    </p:extLst>
-  </p:cSld>
-  <p:clrMapOvr>
-    <a:masterClrMapping/>
-  </p:clrMapOvr>
-</p:notes>
-</file>
-
-<file path=ppt/notesSlides/notesSlide15.xml><?xml version="1.0" encoding="utf-8"?>
-<p:notes xmlns:a="http://schemas.openxmlformats.org/drawingml/2006/main" xmlns:r="http://schemas.openxmlformats.org/officeDocument/2006/relationships" xmlns:p="http://schemas.openxmlformats.org/presentationml/2006/main">
-  <p:cSld>
-    <p:spTree>
-      <p:nvGrpSpPr>
-        <p:cNvPr id="1" name=""/>
-        <p:cNvGrpSpPr/>
-        <p:nvPr/>
-      </p:nvGrpSpPr>
-      <p:grpSpPr>
-        <a:xfrm>
-          <a:off x="0" y="0"/>
-          <a:ext cx="0" cy="0"/>
-          <a:chOff x="0" y="0"/>
-          <a:chExt cx="0" cy="0"/>
-        </a:xfrm>
-      </p:grpSpPr>
-      <p:sp>
-        <p:nvSpPr>
-          <p:cNvPr id="2" name="Folienbildplatzhalter 1"/>
-          <p:cNvSpPr>
-            <a:spLocks noGrp="1" noRot="1" noChangeAspect="1"/>
-          </p:cNvSpPr>
-          <p:nvPr>
-            <p:ph type="sldImg"/>
-          </p:nvPr>
-        </p:nvSpPr>
-        <p:spPr/>
-      </p:sp>
-      <p:sp>
-        <p:nvSpPr>
-          <p:cNvPr id="3" name="Notizenplatzhalter 2"/>
-          <p:cNvSpPr>
-            <a:spLocks noGrp="1"/>
-          </p:cNvSpPr>
-          <p:nvPr>
-            <p:ph type="body" idx="1"/>
-          </p:nvPr>
-        </p:nvSpPr>
-        <p:spPr/>
-        <p:txBody>
-          <a:bodyPr/>
-          <a:lstStyle/>
-          <a:p>
-            <a:r>
-              <a:rPr lang="de-DE" dirty="0"/>
-              <a:t>Architecture in </a:t>
-            </a:r>
-            <a:r>
-              <a:rPr lang="de-DE" dirty="0" err="1"/>
-              <a:t>use</a:t>
-            </a:r>
-            <a:r>
-              <a:rPr lang="de-DE" dirty="0"/>
-              <a:t>:</a:t>
-            </a:r>
-          </a:p>
-          <a:p>
-            <a:r>
-              <a:rPr lang="de-DE" dirty="0"/>
-              <a:t>A new patient </a:t>
-            </a:r>
-            <a:r>
-              <a:rPr lang="de-DE" dirty="0" err="1"/>
-              <a:t>should</a:t>
-            </a:r>
-            <a:r>
-              <a:rPr lang="de-DE" dirty="0"/>
-              <a:t> </a:t>
-            </a:r>
-            <a:r>
-              <a:rPr lang="de-DE" dirty="0" err="1"/>
-              <a:t>be</a:t>
-            </a:r>
-            <a:r>
-              <a:rPr lang="de-DE" dirty="0"/>
-              <a:t> </a:t>
-            </a:r>
-            <a:r>
-              <a:rPr lang="de-DE" dirty="0" err="1"/>
-              <a:t>tested</a:t>
-            </a:r>
-            <a:r>
-              <a:rPr lang="de-DE" dirty="0"/>
-              <a:t> for high </a:t>
-            </a:r>
-            <a:r>
-              <a:rPr lang="de-DE" dirty="0" err="1"/>
-              <a:t>risk</a:t>
-            </a:r>
-            <a:r>
-              <a:rPr lang="de-DE" dirty="0"/>
-              <a:t> of TLF </a:t>
-            </a:r>
-            <a:r>
-              <a:rPr lang="de-DE" dirty="0" err="1"/>
-              <a:t>or</a:t>
-            </a:r>
-            <a:r>
-              <a:rPr lang="de-DE" dirty="0"/>
-              <a:t> not. </a:t>
-            </a:r>
-            <a:r>
-              <a:rPr lang="de-DE" dirty="0" err="1"/>
-              <a:t>Firstly</a:t>
-            </a:r>
-            <a:r>
-              <a:rPr lang="de-DE" dirty="0"/>
-              <a:t>, </a:t>
-            </a:r>
-            <a:r>
-              <a:rPr lang="de-DE" dirty="0" err="1"/>
-              <a:t>the</a:t>
-            </a:r>
-            <a:r>
-              <a:rPr lang="de-DE" dirty="0"/>
-              <a:t> patient </a:t>
-            </a:r>
-            <a:r>
-              <a:rPr lang="de-DE" dirty="0" err="1"/>
-              <a:t>features</a:t>
-            </a:r>
-            <a:r>
-              <a:rPr lang="de-DE" dirty="0"/>
-              <a:t> X will </a:t>
-            </a:r>
-            <a:r>
-              <a:rPr lang="de-DE" dirty="0" err="1"/>
-              <a:t>be</a:t>
-            </a:r>
-            <a:r>
-              <a:rPr lang="de-DE" dirty="0"/>
-              <a:t> </a:t>
-            </a:r>
-            <a:r>
-              <a:rPr lang="de-DE" dirty="0" err="1"/>
-              <a:t>used</a:t>
-            </a:r>
-            <a:r>
-              <a:rPr lang="de-DE" dirty="0"/>
-              <a:t> with </a:t>
-            </a:r>
-            <a:r>
-              <a:rPr lang="de-DE" dirty="0" err="1"/>
-              <a:t>the</a:t>
-            </a:r>
-            <a:r>
-              <a:rPr lang="de-DE" dirty="0"/>
-              <a:t> </a:t>
-            </a:r>
-            <a:r>
-              <a:rPr lang="de-DE" dirty="0" err="1"/>
-              <a:t>pre-trained</a:t>
-            </a:r>
-            <a:r>
-              <a:rPr lang="de-DE" dirty="0"/>
-              <a:t> M_TLF to </a:t>
-            </a:r>
-            <a:r>
-              <a:rPr lang="de-DE" dirty="0" err="1"/>
-              <a:t>generate</a:t>
-            </a:r>
-            <a:r>
-              <a:rPr lang="de-DE" dirty="0"/>
-              <a:t> </a:t>
-            </a:r>
-            <a:r>
-              <a:rPr lang="de-DE" dirty="0" err="1"/>
-              <a:t>the</a:t>
-            </a:r>
-            <a:r>
-              <a:rPr lang="de-DE" dirty="0"/>
-              <a:t> </a:t>
-            </a:r>
-            <a:r>
-              <a:rPr lang="de-DE" dirty="0" err="1"/>
-              <a:t>second</a:t>
-            </a:r>
-            <a:r>
-              <a:rPr lang="de-DE" dirty="0"/>
-              <a:t> </a:t>
-            </a:r>
-            <a:r>
-              <a:rPr lang="de-DE" dirty="0" err="1"/>
-              <a:t>database</a:t>
-            </a:r>
-            <a:r>
-              <a:rPr lang="de-DE" dirty="0"/>
-              <a:t> – </a:t>
-            </a:r>
-            <a:r>
-              <a:rPr lang="de-DE" dirty="0" err="1"/>
-              <a:t>the</a:t>
-            </a:r>
-            <a:r>
-              <a:rPr lang="de-DE" dirty="0"/>
-              <a:t> </a:t>
-            </a:r>
-            <a:r>
-              <a:rPr lang="de-DE" dirty="0" err="1"/>
-              <a:t>decision</a:t>
-            </a:r>
-            <a:r>
-              <a:rPr lang="de-DE" dirty="0"/>
-              <a:t> </a:t>
-            </a:r>
-            <a:r>
-              <a:rPr lang="de-DE" dirty="0" err="1"/>
-              <a:t>matrix</a:t>
-            </a:r>
-            <a:r>
-              <a:rPr lang="de-DE" dirty="0"/>
-              <a:t> M for </a:t>
-            </a:r>
-            <a:r>
-              <a:rPr lang="de-DE" dirty="0" err="1"/>
-              <a:t>each</a:t>
-            </a:r>
-            <a:r>
-              <a:rPr lang="de-DE" dirty="0"/>
-              <a:t> </a:t>
-            </a:r>
-            <a:r>
-              <a:rPr lang="de-DE" dirty="0" err="1"/>
-              <a:t>weak</a:t>
-            </a:r>
-            <a:r>
-              <a:rPr lang="de-DE" dirty="0"/>
-              <a:t> </a:t>
-            </a:r>
-            <a:r>
-              <a:rPr lang="de-DE" dirty="0" err="1"/>
-              <a:t>classifier</a:t>
-            </a:r>
-            <a:r>
-              <a:rPr lang="de-DE" dirty="0"/>
-              <a:t>. </a:t>
-            </a:r>
-            <a:r>
-              <a:rPr lang="de-DE" dirty="0" err="1"/>
-              <a:t>Secondly</a:t>
-            </a:r>
-            <a:r>
-              <a:rPr lang="de-DE" dirty="0"/>
-              <a:t>, </a:t>
-            </a:r>
-            <a:r>
-              <a:rPr lang="de-DE" dirty="0" err="1"/>
-              <a:t>decision</a:t>
-            </a:r>
-            <a:r>
-              <a:rPr lang="de-DE" dirty="0"/>
-              <a:t> Matrix will </a:t>
-            </a:r>
-            <a:r>
-              <a:rPr lang="de-DE" dirty="0" err="1"/>
-              <a:t>be</a:t>
-            </a:r>
-            <a:r>
-              <a:rPr lang="de-DE" dirty="0"/>
-              <a:t> </a:t>
-            </a:r>
-            <a:r>
-              <a:rPr lang="de-DE" dirty="0" err="1"/>
-              <a:t>used</a:t>
-            </a:r>
-            <a:r>
-              <a:rPr lang="de-DE" dirty="0"/>
-              <a:t> </a:t>
-            </a:r>
-            <a:r>
-              <a:rPr lang="de-DE" dirty="0" err="1"/>
-              <a:t>as</a:t>
-            </a:r>
-            <a:r>
-              <a:rPr lang="de-DE" dirty="0"/>
-              <a:t> </a:t>
-            </a:r>
-            <a:r>
-              <a:rPr lang="de-DE" dirty="0" err="1"/>
-              <a:t>input</a:t>
-            </a:r>
-            <a:r>
-              <a:rPr lang="de-DE" dirty="0"/>
-              <a:t> for </a:t>
-            </a:r>
-            <a:r>
-              <a:rPr lang="de-DE" dirty="0" err="1"/>
-              <a:t>pre-trained</a:t>
-            </a:r>
-            <a:r>
-              <a:rPr lang="de-DE" dirty="0"/>
-              <a:t> </a:t>
-            </a:r>
-            <a:r>
-              <a:rPr lang="de-DE" dirty="0" err="1"/>
-              <a:t>M_conf</a:t>
-            </a:r>
-            <a:r>
-              <a:rPr lang="de-DE" dirty="0"/>
-              <a:t> to predict </a:t>
-            </a:r>
-            <a:r>
-              <a:rPr lang="de-DE" dirty="0" err="1"/>
-              <a:t>Y_conf</a:t>
-            </a:r>
-            <a:r>
-              <a:rPr lang="de-DE" dirty="0"/>
-              <a:t>. If </a:t>
-            </a:r>
-            <a:r>
-              <a:rPr lang="de-DE" dirty="0" err="1"/>
-              <a:t>the</a:t>
-            </a:r>
-            <a:r>
-              <a:rPr lang="de-DE" dirty="0"/>
-              <a:t> </a:t>
-            </a:r>
-            <a:r>
-              <a:rPr lang="de-DE" dirty="0" err="1"/>
-              <a:t>prediction</a:t>
-            </a:r>
-            <a:r>
-              <a:rPr lang="de-DE" dirty="0"/>
-              <a:t> </a:t>
-            </a:r>
-            <a:r>
-              <a:rPr lang="de-DE" dirty="0" err="1"/>
-              <a:t>says</a:t>
-            </a:r>
-            <a:r>
-              <a:rPr lang="de-DE" dirty="0"/>
-              <a:t> </a:t>
-            </a:r>
-            <a:r>
-              <a:rPr lang="de-DE" dirty="0" err="1"/>
-              <a:t>that</a:t>
-            </a:r>
-            <a:r>
-              <a:rPr lang="de-DE" dirty="0"/>
-              <a:t> new patient </a:t>
-            </a:r>
-            <a:r>
-              <a:rPr lang="de-DE" dirty="0" err="1"/>
-              <a:t>has</a:t>
-            </a:r>
-            <a:r>
-              <a:rPr lang="de-DE" dirty="0"/>
-              <a:t> </a:t>
-            </a:r>
-            <a:r>
-              <a:rPr lang="de-DE" dirty="0" err="1"/>
-              <a:t>zero</a:t>
-            </a:r>
-            <a:r>
-              <a:rPr lang="de-DE" dirty="0"/>
-              <a:t> confidence </a:t>
-            </a:r>
-            <a:r>
-              <a:rPr lang="de-DE" dirty="0" err="1"/>
-              <a:t>than</a:t>
-            </a:r>
-            <a:r>
-              <a:rPr lang="de-DE" dirty="0"/>
-              <a:t> </a:t>
-            </a:r>
-            <a:r>
-              <a:rPr lang="de-DE" dirty="0" err="1"/>
-              <a:t>this</a:t>
-            </a:r>
-            <a:r>
-              <a:rPr lang="de-DE" dirty="0"/>
-              <a:t> patient </a:t>
-            </a:r>
-            <a:r>
-              <a:rPr lang="de-DE" dirty="0" err="1"/>
-              <a:t>belongs</a:t>
-            </a:r>
-            <a:r>
-              <a:rPr lang="de-DE" dirty="0"/>
-              <a:t> to </a:t>
-            </a:r>
-            <a:r>
-              <a:rPr lang="de-DE" dirty="0" err="1"/>
-              <a:t>the</a:t>
-            </a:r>
-            <a:r>
-              <a:rPr lang="de-DE" dirty="0"/>
-              <a:t> noise sample (with confidence of F1 score of </a:t>
-            </a:r>
-            <a:r>
-              <a:rPr lang="de-DE" dirty="0" err="1"/>
-              <a:t>M_conf</a:t>
-            </a:r>
-            <a:r>
-              <a:rPr lang="de-DE" dirty="0"/>
-              <a:t>) and </a:t>
-            </a:r>
-            <a:r>
-              <a:rPr lang="de-DE" dirty="0" err="1"/>
-              <a:t>can‘t</a:t>
-            </a:r>
-            <a:r>
-              <a:rPr lang="de-DE" dirty="0"/>
-              <a:t> </a:t>
-            </a:r>
-            <a:r>
-              <a:rPr lang="de-DE" dirty="0" err="1"/>
-              <a:t>be</a:t>
-            </a:r>
-            <a:r>
-              <a:rPr lang="de-DE" dirty="0"/>
-              <a:t> </a:t>
-            </a:r>
-            <a:r>
-              <a:rPr lang="de-DE" dirty="0" err="1"/>
-              <a:t>further</a:t>
-            </a:r>
-            <a:r>
-              <a:rPr lang="de-DE" dirty="0"/>
-              <a:t> </a:t>
-            </a:r>
-            <a:r>
-              <a:rPr lang="de-DE" dirty="0" err="1"/>
-              <a:t>analysed</a:t>
-            </a:r>
-            <a:r>
-              <a:rPr lang="de-DE" dirty="0"/>
-              <a:t> </a:t>
-            </a:r>
-            <a:r>
-              <a:rPr lang="de-DE" dirty="0" err="1"/>
-              <a:t>by</a:t>
-            </a:r>
-            <a:r>
-              <a:rPr lang="de-DE" dirty="0"/>
-              <a:t> </a:t>
-            </a:r>
-            <a:r>
-              <a:rPr lang="de-DE" dirty="0" err="1"/>
-              <a:t>this</a:t>
-            </a:r>
-            <a:r>
-              <a:rPr lang="de-DE" dirty="0"/>
-              <a:t> </a:t>
-            </a:r>
-            <a:r>
-              <a:rPr lang="de-DE" dirty="0" err="1"/>
-              <a:t>algorithm</a:t>
-            </a:r>
-            <a:r>
-              <a:rPr lang="de-DE" dirty="0"/>
-              <a:t>. If </a:t>
-            </a:r>
-            <a:r>
-              <a:rPr lang="de-DE" dirty="0" err="1"/>
-              <a:t>the</a:t>
-            </a:r>
-            <a:r>
-              <a:rPr lang="de-DE" dirty="0"/>
-              <a:t> patient </a:t>
-            </a:r>
-            <a:r>
-              <a:rPr lang="de-DE" dirty="0" err="1"/>
-              <a:t>is</a:t>
-            </a:r>
-            <a:r>
-              <a:rPr lang="de-DE" dirty="0"/>
-              <a:t> signal sample (</a:t>
-            </a:r>
-            <a:r>
-              <a:rPr lang="de-DE" dirty="0" err="1"/>
-              <a:t>y_conf</a:t>
-            </a:r>
-            <a:r>
-              <a:rPr lang="de-DE" dirty="0"/>
-              <a:t> </a:t>
-            </a:r>
-            <a:r>
-              <a:rPr lang="de-DE" dirty="0" err="1"/>
-              <a:t>prediction</a:t>
-            </a:r>
-            <a:r>
-              <a:rPr lang="de-DE" dirty="0"/>
-              <a:t> = 1), </a:t>
-            </a:r>
-            <a:r>
-              <a:rPr lang="de-DE" dirty="0" err="1"/>
-              <a:t>then</a:t>
-            </a:r>
-            <a:r>
-              <a:rPr lang="de-DE" dirty="0"/>
-              <a:t> </a:t>
-            </a:r>
-            <a:r>
-              <a:rPr lang="de-DE" dirty="0" err="1"/>
-              <a:t>the</a:t>
-            </a:r>
-            <a:r>
-              <a:rPr lang="de-DE" dirty="0"/>
-              <a:t> patient </a:t>
-            </a:r>
-            <a:r>
-              <a:rPr lang="de-DE" dirty="0" err="1"/>
-              <a:t>can</a:t>
-            </a:r>
-            <a:r>
-              <a:rPr lang="de-DE" dirty="0"/>
-              <a:t> </a:t>
-            </a:r>
-            <a:r>
-              <a:rPr lang="de-DE" dirty="0" err="1"/>
-              <a:t>be</a:t>
-            </a:r>
-            <a:r>
-              <a:rPr lang="de-DE" dirty="0"/>
-              <a:t> </a:t>
-            </a:r>
-            <a:r>
-              <a:rPr lang="de-DE" dirty="0" err="1"/>
-              <a:t>further</a:t>
-            </a:r>
-            <a:r>
-              <a:rPr lang="de-DE" dirty="0"/>
-              <a:t> </a:t>
-            </a:r>
-            <a:r>
-              <a:rPr lang="de-DE" dirty="0" err="1"/>
-              <a:t>analysed</a:t>
-            </a:r>
-            <a:r>
-              <a:rPr lang="de-DE" dirty="0"/>
-              <a:t>. If </a:t>
-            </a:r>
-            <a:r>
-              <a:rPr lang="de-DE" dirty="0" err="1"/>
-              <a:t>the</a:t>
-            </a:r>
-            <a:r>
-              <a:rPr lang="de-DE" dirty="0"/>
-              <a:t> </a:t>
-            </a:r>
-            <a:r>
-              <a:rPr lang="de-DE" dirty="0" err="1"/>
-              <a:t>majority</a:t>
-            </a:r>
-            <a:r>
-              <a:rPr lang="de-DE" dirty="0"/>
-              <a:t> vote (MJ) of all </a:t>
-            </a:r>
-            <a:r>
-              <a:rPr lang="de-DE" dirty="0" err="1"/>
-              <a:t>weak</a:t>
-            </a:r>
-            <a:r>
-              <a:rPr lang="de-DE" dirty="0"/>
-              <a:t> </a:t>
-            </a:r>
-            <a:r>
-              <a:rPr lang="de-DE" dirty="0" err="1"/>
-              <a:t>classifiers</a:t>
-            </a:r>
-            <a:r>
-              <a:rPr lang="de-DE" dirty="0"/>
-              <a:t> in </a:t>
-            </a:r>
-            <a:r>
-              <a:rPr lang="de-DE" dirty="0" err="1"/>
-              <a:t>assigns</a:t>
-            </a:r>
-            <a:r>
-              <a:rPr lang="de-DE" dirty="0"/>
-              <a:t> new patient to </a:t>
-            </a:r>
-            <a:r>
-              <a:rPr lang="de-DE" dirty="0" err="1"/>
-              <a:t>class</a:t>
-            </a:r>
-            <a:r>
-              <a:rPr lang="de-DE" dirty="0"/>
-              <a:t> 0, </a:t>
-            </a:r>
-            <a:r>
-              <a:rPr lang="de-DE" dirty="0" err="1"/>
-              <a:t>then</a:t>
-            </a:r>
-            <a:r>
-              <a:rPr lang="de-DE" dirty="0"/>
-              <a:t> </a:t>
-            </a:r>
-            <a:r>
-              <a:rPr lang="de-DE" dirty="0" err="1"/>
-              <a:t>the</a:t>
-            </a:r>
-            <a:r>
-              <a:rPr lang="de-DE" dirty="0"/>
-              <a:t> confidence </a:t>
-            </a:r>
-            <a:r>
-              <a:rPr lang="de-DE" dirty="0" err="1"/>
-              <a:t>that</a:t>
-            </a:r>
-            <a:r>
-              <a:rPr lang="de-DE" dirty="0"/>
-              <a:t> </a:t>
-            </a:r>
-            <a:r>
-              <a:rPr lang="de-DE" dirty="0" err="1"/>
-              <a:t>this</a:t>
-            </a:r>
-            <a:r>
-              <a:rPr lang="de-DE" dirty="0"/>
-              <a:t> patient will not </a:t>
-            </a:r>
-            <a:r>
-              <a:rPr lang="de-DE" dirty="0" err="1"/>
-              <a:t>get</a:t>
-            </a:r>
-            <a:r>
-              <a:rPr lang="de-DE" dirty="0"/>
-              <a:t> TLF </a:t>
-            </a:r>
-            <a:r>
-              <a:rPr lang="de-DE" dirty="0" err="1"/>
-              <a:t>is</a:t>
-            </a:r>
-            <a:r>
-              <a:rPr lang="de-DE" dirty="0"/>
-              <a:t> high. If MJ </a:t>
-            </a:r>
-            <a:r>
-              <a:rPr lang="de-DE" dirty="0" err="1"/>
-              <a:t>assignes</a:t>
-            </a:r>
-            <a:r>
-              <a:rPr lang="de-DE" dirty="0"/>
-              <a:t> patient to </a:t>
-            </a:r>
-            <a:r>
-              <a:rPr lang="de-DE" dirty="0" err="1"/>
-              <a:t>class</a:t>
-            </a:r>
-            <a:r>
-              <a:rPr lang="de-DE" dirty="0"/>
-              <a:t> 1, </a:t>
-            </a:r>
-            <a:r>
-              <a:rPr lang="de-DE" dirty="0" err="1"/>
-              <a:t>then</a:t>
-            </a:r>
-            <a:r>
-              <a:rPr lang="de-DE" dirty="0"/>
-              <a:t> </a:t>
-            </a:r>
-            <a:r>
-              <a:rPr lang="de-DE" dirty="0" err="1"/>
-              <a:t>the</a:t>
-            </a:r>
-            <a:r>
-              <a:rPr lang="de-DE" dirty="0"/>
-              <a:t> </a:t>
-            </a:r>
-            <a:r>
-              <a:rPr lang="de-DE" dirty="0" err="1"/>
-              <a:t>cofidence</a:t>
-            </a:r>
-            <a:r>
-              <a:rPr lang="de-DE" dirty="0"/>
-              <a:t> </a:t>
-            </a:r>
-            <a:r>
-              <a:rPr lang="de-DE" dirty="0" err="1"/>
-              <a:t>that</a:t>
-            </a:r>
-            <a:r>
-              <a:rPr lang="de-DE" dirty="0"/>
-              <a:t> </a:t>
-            </a:r>
-            <a:r>
-              <a:rPr lang="de-DE" dirty="0" err="1"/>
-              <a:t>this</a:t>
-            </a:r>
-            <a:r>
-              <a:rPr lang="de-DE" dirty="0"/>
-              <a:t> patient </a:t>
-            </a:r>
-            <a:r>
-              <a:rPr lang="de-DE" dirty="0" err="1"/>
-              <a:t>should</a:t>
-            </a:r>
-            <a:r>
-              <a:rPr lang="de-DE" dirty="0"/>
-              <a:t> </a:t>
-            </a:r>
-            <a:r>
-              <a:rPr lang="de-DE" dirty="0" err="1"/>
-              <a:t>be</a:t>
-            </a:r>
-            <a:r>
-              <a:rPr lang="de-DE" dirty="0"/>
-              <a:t> </a:t>
-            </a:r>
-            <a:r>
-              <a:rPr lang="de-DE" dirty="0" err="1"/>
-              <a:t>closer</a:t>
-            </a:r>
-            <a:r>
-              <a:rPr lang="de-DE" dirty="0"/>
-              <a:t> </a:t>
-            </a:r>
-            <a:r>
-              <a:rPr lang="de-DE" dirty="0" err="1"/>
-              <a:t>monitored</a:t>
-            </a:r>
-            <a:r>
-              <a:rPr lang="de-DE" dirty="0"/>
-              <a:t> </a:t>
-            </a:r>
-            <a:r>
-              <a:rPr lang="de-DE" dirty="0" err="1"/>
-              <a:t>because</a:t>
-            </a:r>
-            <a:r>
-              <a:rPr lang="de-DE" dirty="0"/>
-              <a:t> of high </a:t>
-            </a:r>
-            <a:r>
-              <a:rPr lang="de-DE" dirty="0" err="1"/>
-              <a:t>risk</a:t>
-            </a:r>
-            <a:r>
-              <a:rPr lang="de-DE" dirty="0"/>
-              <a:t> for TLF </a:t>
-            </a:r>
-            <a:r>
-              <a:rPr lang="de-DE" dirty="0" err="1"/>
-              <a:t>is</a:t>
-            </a:r>
-            <a:r>
-              <a:rPr lang="de-DE" dirty="0"/>
-              <a:t> high.</a:t>
-            </a:r>
-            <a:endParaRPr lang="en-GB" dirty="0"/>
-          </a:p>
-        </p:txBody>
-      </p:sp>
-      <p:sp>
-        <p:nvSpPr>
-          <p:cNvPr id="4" name="Foliennummernplatzhalter 3"/>
-          <p:cNvSpPr>
-            <a:spLocks noGrp="1"/>
-          </p:cNvSpPr>
-          <p:nvPr>
-            <p:ph type="sldNum" sz="quarter" idx="5"/>
-          </p:nvPr>
-        </p:nvSpPr>
-        <p:spPr/>
-        <p:txBody>
-          <a:bodyPr/>
-          <a:lstStyle/>
-          <a:p>
-            <a:fld id="{098BD289-3A29-45E8-AD20-ACE8C932FF07}" type="slidenum">
-              <a:rPr lang="de-DE" smtClean="0"/>
-              <a:t>15</a:t>
             </a:fld>
             <a:endParaRPr lang="de-DE"/>
           </a:p>
@@ -7097,39 +6836,7 @@
           <a:lstStyle/>
           <a:p>
             <a:r>
-              <a:rPr lang="de-DE" b="1" dirty="0"/>
-              <a:t>Multiple </a:t>
-            </a:r>
-            <a:r>
-              <a:rPr lang="de-DE" b="1" dirty="0" err="1"/>
-              <a:t>testing</a:t>
-            </a:r>
-            <a:r>
-              <a:rPr lang="de-DE" b="1" dirty="0"/>
-              <a:t> </a:t>
-            </a:r>
-            <a:r>
-              <a:rPr lang="de-DE" b="1" dirty="0" err="1"/>
-              <a:t>problem</a:t>
-            </a:r>
-            <a:r>
-              <a:rPr lang="de-DE" b="1" dirty="0"/>
-              <a:t> </a:t>
-            </a:r>
-            <a:r>
-              <a:rPr lang="de-DE" dirty="0"/>
-              <a:t>(</a:t>
-            </a:r>
-            <a:r>
-              <a:rPr lang="de-DE" dirty="0" err="1"/>
-              <a:t>definition</a:t>
-            </a:r>
-            <a:r>
-              <a:rPr lang="de-DE" dirty="0"/>
-              <a:t>): I</a:t>
-            </a:r>
-            <a:r>
-              <a:rPr lang="en-GB" sz="1200" b="0" i="0" kern="1200" dirty="0">
+              <a:rPr lang="en-GB" sz="1200" kern="1200" dirty="0">
                 <a:solidFill>
                   <a:schemeClr val="tx1"/>
                 </a:solidFill>
@@ -7138,11 +6845,83 @@
                 <a:ea typeface="+mn-ea"/>
                 <a:cs typeface="+mn-cs"/>
               </a:rPr>
-              <a:t>t is a problem that arises when implementing a large number of statistical tests in the same experiment since, the more tests we do, the higher probability of obtaining, at least, one test with statistical significance.</a:t>
+              <a:t>I used </a:t>
+            </a:r>
+            <a:r>
+              <a:rPr lang="en-GB" sz="1200" kern="1200" dirty="0" err="1">
+                <a:solidFill>
+                  <a:schemeClr val="tx1"/>
+                </a:solidFill>
+                <a:effectLst/>
+                <a:latin typeface="+mn-lt"/>
+                <a:ea typeface="+mn-ea"/>
+                <a:cs typeface="+mn-cs"/>
+              </a:rPr>
+              <a:t>tSNE</a:t>
+            </a:r>
+            <a:r>
+              <a:rPr lang="en-GB" sz="1200" kern="1200" dirty="0">
+                <a:solidFill>
+                  <a:schemeClr val="tx1"/>
+                </a:solidFill>
+                <a:effectLst/>
+                <a:latin typeface="+mn-lt"/>
+                <a:ea typeface="+mn-ea"/>
+                <a:cs typeface="+mn-cs"/>
+              </a:rPr>
+              <a:t> to visualize the data. It was normalized before plotting, because </a:t>
+            </a:r>
+            <a:r>
+              <a:rPr lang="en-GB" sz="1200" kern="1200" dirty="0" err="1">
+                <a:solidFill>
+                  <a:schemeClr val="tx1"/>
+                </a:solidFill>
+                <a:effectLst/>
+                <a:latin typeface="+mn-lt"/>
+                <a:ea typeface="+mn-ea"/>
+                <a:cs typeface="+mn-cs"/>
+              </a:rPr>
+              <a:t>tSNE</a:t>
+            </a:r>
+            <a:r>
+              <a:rPr lang="en-GB" sz="1200" kern="1200" dirty="0">
+                <a:solidFill>
+                  <a:schemeClr val="tx1"/>
+                </a:solidFill>
+                <a:effectLst/>
+                <a:latin typeface="+mn-lt"/>
+                <a:ea typeface="+mn-ea"/>
+                <a:cs typeface="+mn-cs"/>
+              </a:rPr>
+              <a:t> is sensitive to outliers and noisy data. The goal of applying </a:t>
+            </a:r>
+            <a:r>
+              <a:rPr lang="en-GB" sz="1200" kern="1200" dirty="0" err="1">
+                <a:solidFill>
+                  <a:schemeClr val="tx1"/>
+                </a:solidFill>
+                <a:effectLst/>
+                <a:latin typeface="+mn-lt"/>
+                <a:ea typeface="+mn-ea"/>
+                <a:cs typeface="+mn-cs"/>
+              </a:rPr>
+              <a:t>tSNE</a:t>
+            </a:r>
+            <a:r>
+              <a:rPr lang="en-GB" sz="1200" kern="1200" dirty="0">
+                <a:solidFill>
+                  <a:schemeClr val="tx1"/>
+                </a:solidFill>
+                <a:effectLst/>
+                <a:latin typeface="+mn-lt"/>
+                <a:ea typeface="+mn-ea"/>
+                <a:cs typeface="+mn-cs"/>
+              </a:rPr>
+              <a:t> was to visualise the data with all it‘s dimensions to see maybe first distinguishable cluster in the data space and to find sub-cohorts that are less confusing than the complete cohort. Plots are coloured based on label and other features obtained from literature (often listed as predictors for TLF) like diabetes or the total lesion length. Features that were used for colouring are not used in dimensionality reduction. Based on the plots, I can conclude that dimensionality reduction cannot pick up a signal for POS/NEG case distinction (visually optimization is fair enough here) and that none of the presented predictors in literature seems to be an important feature, since dimensionality reduction can‘t pick any signal for these too.</a:t>
             </a:r>
           </a:p>
           <a:p>
-            <a:endParaRPr lang="en-GB" sz="1200" b="0" i="0" kern="1200" dirty="0">
+            <a:endParaRPr lang="en-GB" sz="1200" kern="1200" dirty="0">
               <a:solidFill>
                 <a:schemeClr val="tx1"/>
               </a:solidFill>
@@ -7154,7 +6933,7 @@
           </a:p>
           <a:p>
             <a:r>
-              <a:rPr lang="en-GB" sz="1200" b="1" i="0" kern="1200" dirty="0">
+              <a:rPr lang="en-GB" sz="1200" kern="1200" dirty="0">
                 <a:solidFill>
                   <a:schemeClr val="tx1"/>
                 </a:solidFill>
@@ -7163,10 +6942,10 @@
                 <a:ea typeface="+mn-ea"/>
                 <a:cs typeface="+mn-cs"/>
               </a:rPr>
-              <a:t>FWER</a:t>
-            </a:r>
-            <a:r>
-              <a:rPr lang="en-GB" sz="1200" b="0" i="0" kern="1200" dirty="0">
+              <a:t>There are a few limitations to </a:t>
+            </a:r>
+            <a:r>
+              <a:rPr lang="en-GB" sz="1200" kern="1200" dirty="0" err="1">
                 <a:solidFill>
                   <a:schemeClr val="tx1"/>
                 </a:solidFill>
@@ -7175,12 +6954,10 @@
                 <a:ea typeface="+mn-ea"/>
                 <a:cs typeface="+mn-cs"/>
               </a:rPr>
-              <a:t>: If we run a test (α = 0.05) to assess whether there is a statistically significant difference between two groups, the FWER is:</a:t>
-            </a:r>
-          </a:p>
-          <a:p>
-            <a:r>
-              <a:rPr lang="en-GB" sz="1200" b="0" i="0" kern="1200" dirty="0">
+              <a:t>tSNE</a:t>
+            </a:r>
+            <a:r>
+              <a:rPr lang="en-GB" sz="1200" kern="1200" dirty="0">
                 <a:solidFill>
                   <a:schemeClr val="tx1"/>
                 </a:solidFill>
@@ -7189,122 +6966,13 @@
                 <a:ea typeface="+mn-ea"/>
                 <a:cs typeface="+mn-cs"/>
               </a:rPr>
-              <a:t>However, if we run the same test six times, the FWER would not be 5% anymore, but it would increase to ~26%.</a:t>
+              <a:t>. It relies on visual evaluation, since no objective measurement is done and even so only tendencies can be observed. Many more hyperparameters are available for optimization, but due to not promising results not further investigated.</a:t>
             </a:r>
           </a:p>
           <a:p>
-            <a:endParaRPr lang="en-GB" sz="1200" b="0" i="0" kern="1200" dirty="0">
-              <a:solidFill>
-                <a:schemeClr val="tx1"/>
-              </a:solidFill>
-              <a:effectLst/>
-              <a:latin typeface="+mn-lt"/>
-              <a:ea typeface="+mn-ea"/>
-              <a:cs typeface="+mn-cs"/>
+            <a:endParaRPr lang="de-DE" dirty="0">
+              <a:sym typeface="Wingdings" panose="05000000000000000000" pitchFamily="2" charset="2"/>
             </a:endParaRPr>
-          </a:p>
-          <a:p>
-            <a:pPr marL="0" marR="0" lvl="0" indent="0" algn="l" defTabSz="914400" rtl="0" eaLnBrk="1" fontAlgn="auto" latinLnBrk="0" hangingPunct="1">
-              <a:lnSpc>
-                <a:spcPct val="100000"/>
-              </a:lnSpc>
-              <a:spcBef>
-                <a:spcPts val="0"/>
-              </a:spcBef>
-              <a:spcAft>
-                <a:spcPts val="0"/>
-              </a:spcAft>
-              <a:buClrTx/>
-              <a:buSzTx/>
-              <a:buFontTx/>
-              <a:buNone/>
-              <a:tabLst/>
-              <a:defRPr/>
-            </a:pPr>
-            <a:r>
-              <a:rPr lang="en-GB" sz="1200" b="1" i="0" kern="1200" dirty="0">
-                <a:solidFill>
-                  <a:schemeClr val="tx1"/>
-                </a:solidFill>
-                <a:effectLst/>
-                <a:latin typeface="+mn-lt"/>
-                <a:ea typeface="+mn-ea"/>
-                <a:cs typeface="+mn-cs"/>
-              </a:rPr>
-              <a:t>Graph</a:t>
-            </a:r>
-            <a:r>
-              <a:rPr lang="en-GB" sz="1200" b="0" i="0" kern="1200" dirty="0">
-                <a:solidFill>
-                  <a:schemeClr val="tx1"/>
-                </a:solidFill>
-                <a:effectLst/>
-                <a:latin typeface="+mn-lt"/>
-                <a:ea typeface="+mn-ea"/>
-                <a:cs typeface="+mn-cs"/>
-              </a:rPr>
-              <a:t>: H</a:t>
-            </a:r>
-            <a:r>
-              <a:rPr lang="en-GB" dirty="0"/>
-              <a:t>ow the FWER or Type-I error rate increases as the number of tests increases for different values of α</a:t>
-            </a:r>
-          </a:p>
-          <a:p>
-            <a:pPr marL="0" marR="0" lvl="0" indent="0" algn="l" defTabSz="914400" rtl="0" eaLnBrk="1" fontAlgn="auto" latinLnBrk="0" hangingPunct="1">
-              <a:lnSpc>
-                <a:spcPct val="100000"/>
-              </a:lnSpc>
-              <a:spcBef>
-                <a:spcPts val="0"/>
-              </a:spcBef>
-              <a:spcAft>
-                <a:spcPts val="0"/>
-              </a:spcAft>
-              <a:buClrTx/>
-              <a:buSzTx/>
-              <a:buFontTx/>
-              <a:buNone/>
-              <a:tabLst/>
-              <a:defRPr/>
-            </a:pPr>
-            <a:endParaRPr lang="en-GB" dirty="0"/>
-          </a:p>
-          <a:p>
-            <a:endParaRPr lang="en-GB" sz="1200" b="0" i="0" kern="1200" dirty="0">
-              <a:solidFill>
-                <a:schemeClr val="tx1"/>
-              </a:solidFill>
-              <a:effectLst/>
-              <a:latin typeface="+mn-lt"/>
-              <a:ea typeface="+mn-ea"/>
-              <a:cs typeface="+mn-cs"/>
-            </a:endParaRPr>
-          </a:p>
-          <a:p>
-            <a:endParaRPr lang="en-GB" sz="1200" b="0" i="0" kern="1200" dirty="0">
-              <a:solidFill>
-                <a:schemeClr val="tx1"/>
-              </a:solidFill>
-              <a:effectLst/>
-              <a:latin typeface="+mn-lt"/>
-              <a:ea typeface="+mn-ea"/>
-              <a:cs typeface="+mn-cs"/>
-            </a:endParaRPr>
-          </a:p>
-          <a:p>
-            <a:endParaRPr lang="en-GB" sz="1200" b="0" i="0" kern="1200" dirty="0">
-              <a:solidFill>
-                <a:schemeClr val="tx1"/>
-              </a:solidFill>
-              <a:effectLst/>
-              <a:latin typeface="+mn-lt"/>
-              <a:ea typeface="+mn-ea"/>
-              <a:cs typeface="+mn-cs"/>
-            </a:endParaRPr>
-          </a:p>
-          <a:p>
-            <a:endParaRPr lang="en-GB" dirty="0"/>
           </a:p>
         </p:txBody>
       </p:sp>
@@ -7334,7 +7002,7 @@
     </p:spTree>
     <p:extLst>
       <p:ext uri="{BB962C8B-B14F-4D97-AF65-F5344CB8AC3E}">
-        <p14:creationId xmlns:p14="http://schemas.microsoft.com/office/powerpoint/2010/main" val="933879804"/>
+        <p14:creationId xmlns:p14="http://schemas.microsoft.com/office/powerpoint/2010/main" val="3199263187"/>
       </p:ext>
     </p:extLst>
   </p:cSld>
@@ -7345,227 +7013,6 @@
 </file>
 
 <file path=ppt/notesSlides/notesSlide7.xml><?xml version="1.0" encoding="utf-8"?>
-<p:notes xmlns:a="http://schemas.openxmlformats.org/drawingml/2006/main" xmlns:r="http://schemas.openxmlformats.org/officeDocument/2006/relationships" xmlns:p="http://schemas.openxmlformats.org/presentationml/2006/main">
-  <p:cSld>
-    <p:spTree>
-      <p:nvGrpSpPr>
-        <p:cNvPr id="1" name=""/>
-        <p:cNvGrpSpPr/>
-        <p:nvPr/>
-      </p:nvGrpSpPr>
-      <p:grpSpPr>
-        <a:xfrm>
-          <a:off x="0" y="0"/>
-          <a:ext cx="0" cy="0"/>
-          <a:chOff x="0" y="0"/>
-          <a:chExt cx="0" cy="0"/>
-        </a:xfrm>
-      </p:grpSpPr>
-      <p:sp>
-        <p:nvSpPr>
-          <p:cNvPr id="2" name="Folienbildplatzhalter 1"/>
-          <p:cNvSpPr>
-            <a:spLocks noGrp="1" noRot="1" noChangeAspect="1"/>
-          </p:cNvSpPr>
-          <p:nvPr>
-            <p:ph type="sldImg"/>
-          </p:nvPr>
-        </p:nvSpPr>
-        <p:spPr/>
-      </p:sp>
-      <p:sp>
-        <p:nvSpPr>
-          <p:cNvPr id="3" name="Notizenplatzhalter 2"/>
-          <p:cNvSpPr>
-            <a:spLocks noGrp="1"/>
-          </p:cNvSpPr>
-          <p:nvPr>
-            <p:ph type="body" idx="1"/>
-          </p:nvPr>
-        </p:nvSpPr>
-        <p:spPr/>
-        <p:txBody>
-          <a:bodyPr/>
-          <a:lstStyle/>
-          <a:p>
-            <a:r>
-              <a:rPr lang="en-GB" sz="1200" kern="1200" dirty="0">
-                <a:solidFill>
-                  <a:schemeClr val="tx1"/>
-                </a:solidFill>
-                <a:effectLst/>
-                <a:latin typeface="+mn-lt"/>
-                <a:ea typeface="+mn-ea"/>
-                <a:cs typeface="+mn-cs"/>
-              </a:rPr>
-              <a:t>I used </a:t>
-            </a:r>
-            <a:r>
-              <a:rPr lang="en-GB" sz="1200" kern="1200" dirty="0" err="1">
-                <a:solidFill>
-                  <a:schemeClr val="tx1"/>
-                </a:solidFill>
-                <a:effectLst/>
-                <a:latin typeface="+mn-lt"/>
-                <a:ea typeface="+mn-ea"/>
-                <a:cs typeface="+mn-cs"/>
-              </a:rPr>
-              <a:t>tSNE</a:t>
-            </a:r>
-            <a:r>
-              <a:rPr lang="en-GB" sz="1200" kern="1200" dirty="0">
-                <a:solidFill>
-                  <a:schemeClr val="tx1"/>
-                </a:solidFill>
-                <a:effectLst/>
-                <a:latin typeface="+mn-lt"/>
-                <a:ea typeface="+mn-ea"/>
-                <a:cs typeface="+mn-cs"/>
-              </a:rPr>
-              <a:t> to visualize the data. It was normalized before plotting, because </a:t>
-            </a:r>
-            <a:r>
-              <a:rPr lang="en-GB" sz="1200" kern="1200" dirty="0" err="1">
-                <a:solidFill>
-                  <a:schemeClr val="tx1"/>
-                </a:solidFill>
-                <a:effectLst/>
-                <a:latin typeface="+mn-lt"/>
-                <a:ea typeface="+mn-ea"/>
-                <a:cs typeface="+mn-cs"/>
-              </a:rPr>
-              <a:t>tSNE</a:t>
-            </a:r>
-            <a:r>
-              <a:rPr lang="en-GB" sz="1200" kern="1200" dirty="0">
-                <a:solidFill>
-                  <a:schemeClr val="tx1"/>
-                </a:solidFill>
-                <a:effectLst/>
-                <a:latin typeface="+mn-lt"/>
-                <a:ea typeface="+mn-ea"/>
-                <a:cs typeface="+mn-cs"/>
-              </a:rPr>
-              <a:t> is sensitive to outliers and noisy data. The goal of applying </a:t>
-            </a:r>
-            <a:r>
-              <a:rPr lang="en-GB" sz="1200" kern="1200" dirty="0" err="1">
-                <a:solidFill>
-                  <a:schemeClr val="tx1"/>
-                </a:solidFill>
-                <a:effectLst/>
-                <a:latin typeface="+mn-lt"/>
-                <a:ea typeface="+mn-ea"/>
-                <a:cs typeface="+mn-cs"/>
-              </a:rPr>
-              <a:t>tSNE</a:t>
-            </a:r>
-            <a:r>
-              <a:rPr lang="en-GB" sz="1200" kern="1200" dirty="0">
-                <a:solidFill>
-                  <a:schemeClr val="tx1"/>
-                </a:solidFill>
-                <a:effectLst/>
-                <a:latin typeface="+mn-lt"/>
-                <a:ea typeface="+mn-ea"/>
-                <a:cs typeface="+mn-cs"/>
-              </a:rPr>
-              <a:t> was to visualise the data with all it‘s dimensions to see maybe first distinguishable cluster in the data space and to find sub-cohorts that are less confusing than the complete cohort. Plots are coloured based on label and other features obtained from literature (often listed as predictors for TLF) like diabetes or the total lesion length. Features that were used for colouring are not used in dimensionality reduction. Based on the plots, I can conclude that dimensionality reduction cannot pick up a signal for POS/NEG case distinction (visually optimization is fair enough here) and that none of the presented predictors in literature seems to be an important feature, since dimensionality reduction can‘t pick any signal for these too.</a:t>
-            </a:r>
-          </a:p>
-          <a:p>
-            <a:endParaRPr lang="en-GB" sz="1200" kern="1200" dirty="0">
-              <a:solidFill>
-                <a:schemeClr val="tx1"/>
-              </a:solidFill>
-              <a:effectLst/>
-              <a:latin typeface="+mn-lt"/>
-              <a:ea typeface="+mn-ea"/>
-              <a:cs typeface="+mn-cs"/>
-            </a:endParaRPr>
-          </a:p>
-          <a:p>
-            <a:r>
-              <a:rPr lang="en-GB" sz="1200" kern="1200" dirty="0">
-                <a:solidFill>
-                  <a:schemeClr val="tx1"/>
-                </a:solidFill>
-                <a:effectLst/>
-                <a:latin typeface="+mn-lt"/>
-                <a:ea typeface="+mn-ea"/>
-                <a:cs typeface="+mn-cs"/>
-              </a:rPr>
-              <a:t>There are a few limitations to </a:t>
-            </a:r>
-            <a:r>
-              <a:rPr lang="en-GB" sz="1200" kern="1200" dirty="0" err="1">
-                <a:solidFill>
-                  <a:schemeClr val="tx1"/>
-                </a:solidFill>
-                <a:effectLst/>
-                <a:latin typeface="+mn-lt"/>
-                <a:ea typeface="+mn-ea"/>
-                <a:cs typeface="+mn-cs"/>
-              </a:rPr>
-              <a:t>tSNE</a:t>
-            </a:r>
-            <a:r>
-              <a:rPr lang="en-GB" sz="1200" kern="1200" dirty="0">
-                <a:solidFill>
-                  <a:schemeClr val="tx1"/>
-                </a:solidFill>
-                <a:effectLst/>
-                <a:latin typeface="+mn-lt"/>
-                <a:ea typeface="+mn-ea"/>
-                <a:cs typeface="+mn-cs"/>
-              </a:rPr>
-              <a:t>. It relies on visual evaluation, since no objective measurement is done and even so only tendencies can be observed. Many more hyperparameters are available for optimization, but due to not promising results not further investigated.</a:t>
-            </a:r>
-          </a:p>
-          <a:p>
-            <a:endParaRPr lang="de-DE" dirty="0">
-              <a:sym typeface="Wingdings" panose="05000000000000000000" pitchFamily="2" charset="2"/>
-            </a:endParaRPr>
-          </a:p>
-        </p:txBody>
-      </p:sp>
-      <p:sp>
-        <p:nvSpPr>
-          <p:cNvPr id="4" name="Foliennummernplatzhalter 3"/>
-          <p:cNvSpPr>
-            <a:spLocks noGrp="1"/>
-          </p:cNvSpPr>
-          <p:nvPr>
-            <p:ph type="sldNum" sz="quarter" idx="5"/>
-          </p:nvPr>
-        </p:nvSpPr>
-        <p:spPr/>
-        <p:txBody>
-          <a:bodyPr/>
-          <a:lstStyle/>
-          <a:p>
-            <a:fld id="{098BD289-3A29-45E8-AD20-ACE8C932FF07}" type="slidenum">
-              <a:rPr lang="de-DE" smtClean="0"/>
-              <a:t>7</a:t>
-            </a:fld>
-            <a:endParaRPr lang="de-DE"/>
-          </a:p>
-        </p:txBody>
-      </p:sp>
-    </p:spTree>
-    <p:extLst>
-      <p:ext uri="{BB962C8B-B14F-4D97-AF65-F5344CB8AC3E}">
-        <p14:creationId xmlns:p14="http://schemas.microsoft.com/office/powerpoint/2010/main" val="3199263187"/>
-      </p:ext>
-    </p:extLst>
-  </p:cSld>
-  <p:clrMapOvr>
-    <a:masterClrMapping/>
-  </p:clrMapOvr>
-</p:notes>
-</file>
-
-<file path=ppt/notesSlides/notesSlide8.xml><?xml version="1.0" encoding="utf-8"?>
 <p:notes xmlns:a="http://schemas.openxmlformats.org/drawingml/2006/main" xmlns:r="http://schemas.openxmlformats.org/officeDocument/2006/relationships" xmlns:p="http://schemas.openxmlformats.org/presentationml/2006/main">
   <p:cSld>
     <p:spTree>
@@ -7801,6 +7248,1478 @@
           <a:p>
             <a:fld id="{098BD289-3A29-45E8-AD20-ACE8C932FF07}" type="slidenum">
               <a:rPr lang="de-DE" smtClean="0"/>
+              <a:t>7</a:t>
+            </a:fld>
+            <a:endParaRPr lang="de-DE"/>
+          </a:p>
+        </p:txBody>
+      </p:sp>
+    </p:spTree>
+    <p:extLst>
+      <p:ext uri="{BB962C8B-B14F-4D97-AF65-F5344CB8AC3E}">
+        <p14:creationId xmlns:p14="http://schemas.microsoft.com/office/powerpoint/2010/main" val="2136036373"/>
+      </p:ext>
+    </p:extLst>
+  </p:cSld>
+  <p:clrMapOvr>
+    <a:masterClrMapping/>
+  </p:clrMapOvr>
+</p:notes>
+</file>
+
+<file path=ppt/notesSlides/notesSlide8.xml><?xml version="1.0" encoding="utf-8"?>
+<p:notes xmlns:a="http://schemas.openxmlformats.org/drawingml/2006/main" xmlns:r="http://schemas.openxmlformats.org/officeDocument/2006/relationships" xmlns:p="http://schemas.openxmlformats.org/presentationml/2006/main">
+  <p:cSld>
+    <p:spTree>
+      <p:nvGrpSpPr>
+        <p:cNvPr id="1" name=""/>
+        <p:cNvGrpSpPr/>
+        <p:nvPr/>
+      </p:nvGrpSpPr>
+      <p:grpSpPr>
+        <a:xfrm>
+          <a:off x="0" y="0"/>
+          <a:ext cx="0" cy="0"/>
+          <a:chOff x="0" y="0"/>
+          <a:chExt cx="0" cy="0"/>
+        </a:xfrm>
+      </p:grpSpPr>
+      <p:sp>
+        <p:nvSpPr>
+          <p:cNvPr id="2" name="Folienbildplatzhalter 1"/>
+          <p:cNvSpPr>
+            <a:spLocks noGrp="1" noRot="1" noChangeAspect="1"/>
+          </p:cNvSpPr>
+          <p:nvPr>
+            <p:ph type="sldImg"/>
+          </p:nvPr>
+        </p:nvSpPr>
+        <p:spPr/>
+      </p:sp>
+      <p:sp>
+        <p:nvSpPr>
+          <p:cNvPr id="3" name="Notizenplatzhalter 2"/>
+          <p:cNvSpPr>
+            <a:spLocks noGrp="1"/>
+          </p:cNvSpPr>
+          <p:nvPr>
+            <p:ph type="body" idx="1"/>
+          </p:nvPr>
+        </p:nvSpPr>
+        <p:spPr/>
+        <p:txBody>
+          <a:bodyPr/>
+          <a:lstStyle/>
+          <a:p>
+            <a:r>
+              <a:rPr lang="en-GB" sz="1200" kern="1200" dirty="0">
+                <a:solidFill>
+                  <a:schemeClr val="tx1"/>
+                </a:solidFill>
+                <a:effectLst/>
+                <a:latin typeface="+mn-lt"/>
+                <a:ea typeface="+mn-ea"/>
+                <a:cs typeface="+mn-cs"/>
+              </a:rPr>
+              <a:t>These are the results from the latest run of the pipeline. We double checked the correctness of code and the order of processing steps to rule out a bug in the code. The used hyperparameter grid is quite big. The idea behind it was to narrow down the search space by multiple runs with </a:t>
+            </a:r>
+            <a:r>
+              <a:rPr lang="en-GB" sz="1200" kern="1200" dirty="0" err="1">
+                <a:solidFill>
+                  <a:schemeClr val="tx1"/>
+                </a:solidFill>
+                <a:effectLst/>
+                <a:latin typeface="+mn-lt"/>
+                <a:ea typeface="+mn-ea"/>
+                <a:cs typeface="+mn-cs"/>
+              </a:rPr>
+              <a:t>RandomSearch</a:t>
+            </a:r>
+            <a:r>
+              <a:rPr lang="en-GB" sz="1200" kern="1200" dirty="0">
+                <a:solidFill>
+                  <a:schemeClr val="tx1"/>
+                </a:solidFill>
+                <a:effectLst/>
+                <a:latin typeface="+mn-lt"/>
+                <a:ea typeface="+mn-ea"/>
+                <a:cs typeface="+mn-cs"/>
+              </a:rPr>
+              <a:t> and take the best parameters settings for an exhaustive </a:t>
+            </a:r>
+            <a:r>
+              <a:rPr lang="en-GB" sz="1200" kern="1200" dirty="0" err="1">
+                <a:solidFill>
+                  <a:schemeClr val="tx1"/>
+                </a:solidFill>
+                <a:effectLst/>
+                <a:latin typeface="+mn-lt"/>
+                <a:ea typeface="+mn-ea"/>
+                <a:cs typeface="+mn-cs"/>
+              </a:rPr>
+              <a:t>GridSearch</a:t>
+            </a:r>
+            <a:r>
+              <a:rPr lang="en-GB" sz="1200" kern="1200" dirty="0">
+                <a:solidFill>
+                  <a:schemeClr val="tx1"/>
+                </a:solidFill>
+                <a:effectLst/>
+                <a:latin typeface="+mn-lt"/>
+                <a:ea typeface="+mn-ea"/>
+                <a:cs typeface="+mn-cs"/>
+              </a:rPr>
+              <a:t>. But this is not possible, since the models seems to overfit/underfit and therefore further analysis regarding hyperparameter tuning and setting is necessary (started with that yesterday). Best pipeline per classifier is not chosen automatically. I chose the one with the smallest ration of train/validation score, because difference between train/test is what gives you a clue regarding overfitting/underfitting phenomena.</a:t>
+            </a:r>
+          </a:p>
+          <a:p>
+            <a:endParaRPr lang="en-GB" sz="1200" kern="1200" dirty="0">
+              <a:solidFill>
+                <a:schemeClr val="tx1"/>
+              </a:solidFill>
+              <a:effectLst/>
+              <a:latin typeface="+mn-lt"/>
+              <a:ea typeface="+mn-ea"/>
+              <a:cs typeface="+mn-cs"/>
+            </a:endParaRPr>
+          </a:p>
+          <a:p>
+            <a:r>
+              <a:rPr lang="en-GB" sz="1200" kern="1200" dirty="0">
+                <a:solidFill>
+                  <a:schemeClr val="tx1"/>
+                </a:solidFill>
+                <a:effectLst/>
+                <a:latin typeface="+mn-lt"/>
+                <a:ea typeface="+mn-ea"/>
+                <a:cs typeface="+mn-cs"/>
+              </a:rPr>
+              <a:t>Generally speaking, all possible classifiers have very low validation and test scores. It ranges between 13 and 17%, which is almost the worst possible outcome. I tried different amount of input features, for example using just medical history of the patient or baseline + lesion characteristics, but the scores never changed significantly. Another strange behaviour I could observe in my tests in nearly all classifiers was a strange behaviour regarding the influence of an increasing training score on the evaluation score. The trainings score increased, but the validation score stayed the same all the time. With these first results the impression solidifies that data includes randomness at least there is no signal to grasp.</a:t>
+            </a:r>
+          </a:p>
+          <a:p>
+            <a:endParaRPr lang="de-DE" dirty="0"/>
+          </a:p>
+          <a:p>
+            <a:pPr marL="0" marR="0" lvl="0" indent="0" algn="l" defTabSz="914400" rtl="0" eaLnBrk="1" fontAlgn="auto" latinLnBrk="0" hangingPunct="1">
+              <a:lnSpc>
+                <a:spcPct val="100000"/>
+              </a:lnSpc>
+              <a:spcBef>
+                <a:spcPts val="0"/>
+              </a:spcBef>
+              <a:spcAft>
+                <a:spcPts val="0"/>
+              </a:spcAft>
+              <a:buClrTx/>
+              <a:buSzTx/>
+              <a:buFontTx/>
+              <a:buNone/>
+              <a:tabLst/>
+              <a:defRPr/>
+            </a:pPr>
+            <a:r>
+              <a:rPr lang="de-DE" dirty="0"/>
+              <a:t>Hyperparameters per </a:t>
+            </a:r>
+            <a:r>
+              <a:rPr lang="de-DE" dirty="0" err="1"/>
+              <a:t>pipeline</a:t>
+            </a:r>
+            <a:r>
+              <a:rPr lang="de-DE" dirty="0"/>
+              <a:t> (from </a:t>
+            </a:r>
+            <a:r>
+              <a:rPr lang="de-DE" dirty="0" err="1"/>
+              <a:t>latest</a:t>
+            </a:r>
+            <a:r>
+              <a:rPr lang="de-DE" dirty="0"/>
+              <a:t> </a:t>
+            </a:r>
+            <a:r>
+              <a:rPr lang="de-DE" dirty="0" err="1"/>
+              <a:t>pipeline</a:t>
+            </a:r>
+            <a:r>
+              <a:rPr lang="de-DE" dirty="0"/>
+              <a:t> </a:t>
+            </a:r>
+            <a:r>
+              <a:rPr lang="de-DE" dirty="0" err="1"/>
+              <a:t>run</a:t>
+            </a:r>
+            <a:r>
+              <a:rPr lang="de-DE" dirty="0"/>
+              <a:t>:)</a:t>
+            </a:r>
+          </a:p>
+          <a:p>
+            <a:pPr marL="0" marR="0" lvl="0" indent="0" algn="l" defTabSz="914400" rtl="0" eaLnBrk="1" fontAlgn="auto" latinLnBrk="0" hangingPunct="1">
+              <a:lnSpc>
+                <a:spcPct val="100000"/>
+              </a:lnSpc>
+              <a:spcBef>
+                <a:spcPts val="0"/>
+              </a:spcBef>
+              <a:spcAft>
+                <a:spcPts val="0"/>
+              </a:spcAft>
+              <a:buClrTx/>
+              <a:buSzTx/>
+              <a:buFontTx/>
+              <a:buNone/>
+              <a:tabLst/>
+              <a:defRPr/>
+            </a:pPr>
+            <a:r>
+              <a:rPr lang="de-DE" b="1" dirty="0"/>
+              <a:t>KNN</a:t>
+            </a:r>
+            <a:r>
+              <a:rPr lang="de-DE" dirty="0"/>
+              <a:t>: </a:t>
+            </a:r>
+            <a:r>
+              <a:rPr lang="en-GB" dirty="0"/>
+              <a:t> - `sampling__</a:t>
+            </a:r>
+            <a:r>
+              <a:rPr lang="en-GB" dirty="0" err="1"/>
+              <a:t>k_neighbors</a:t>
+            </a:r>
+            <a:r>
+              <a:rPr lang="en-GB" dirty="0"/>
+              <a:t>`: `1`</a:t>
+            </a:r>
+          </a:p>
+          <a:p>
+            <a:pPr marL="0" marR="0" lvl="0" indent="0" algn="l" defTabSz="914400" rtl="0" eaLnBrk="1" fontAlgn="auto" latinLnBrk="0" hangingPunct="1">
+              <a:lnSpc>
+                <a:spcPct val="100000"/>
+              </a:lnSpc>
+              <a:spcBef>
+                <a:spcPts val="0"/>
+              </a:spcBef>
+              <a:spcAft>
+                <a:spcPts val="0"/>
+              </a:spcAft>
+              <a:buClrTx/>
+              <a:buSzTx/>
+              <a:buFontTx/>
+              <a:buNone/>
+              <a:tabLst/>
+              <a:defRPr/>
+            </a:pPr>
+            <a:r>
+              <a:rPr lang="en-GB" dirty="0"/>
+              <a:t>  - `</a:t>
+            </a:r>
+            <a:r>
+              <a:rPr lang="en-GB" dirty="0" err="1"/>
+              <a:t>imputer__weights</a:t>
+            </a:r>
+            <a:r>
+              <a:rPr lang="en-GB" dirty="0"/>
+              <a:t>`: `distance`</a:t>
+            </a:r>
+          </a:p>
+          <a:p>
+            <a:pPr marL="0" marR="0" lvl="0" indent="0" algn="l" defTabSz="914400" rtl="0" eaLnBrk="1" fontAlgn="auto" latinLnBrk="0" hangingPunct="1">
+              <a:lnSpc>
+                <a:spcPct val="100000"/>
+              </a:lnSpc>
+              <a:spcBef>
+                <a:spcPts val="0"/>
+              </a:spcBef>
+              <a:spcAft>
+                <a:spcPts val="0"/>
+              </a:spcAft>
+              <a:buClrTx/>
+              <a:buSzTx/>
+              <a:buFontTx/>
+              <a:buNone/>
+              <a:tabLst/>
+              <a:defRPr/>
+            </a:pPr>
+            <a:r>
+              <a:rPr lang="en-GB" dirty="0"/>
+              <a:t>  - `imputer__</a:t>
+            </a:r>
+            <a:r>
+              <a:rPr lang="en-GB" dirty="0" err="1"/>
+              <a:t>n_neighbors</a:t>
+            </a:r>
+            <a:r>
+              <a:rPr lang="en-GB" dirty="0"/>
+              <a:t>`: `24`</a:t>
+            </a:r>
+          </a:p>
+          <a:p>
+            <a:pPr marL="0" marR="0" lvl="0" indent="0" algn="l" defTabSz="914400" rtl="0" eaLnBrk="1" fontAlgn="auto" latinLnBrk="0" hangingPunct="1">
+              <a:lnSpc>
+                <a:spcPct val="100000"/>
+              </a:lnSpc>
+              <a:spcBef>
+                <a:spcPts val="0"/>
+              </a:spcBef>
+              <a:spcAft>
+                <a:spcPts val="0"/>
+              </a:spcAft>
+              <a:buClrTx/>
+              <a:buSzTx/>
+              <a:buFontTx/>
+              <a:buNone/>
+              <a:tabLst/>
+              <a:defRPr/>
+            </a:pPr>
+            <a:r>
+              <a:rPr lang="en-GB" dirty="0"/>
+              <a:t>  - `</a:t>
+            </a:r>
+            <a:r>
+              <a:rPr lang="en-GB" dirty="0" err="1"/>
+              <a:t>feature_selector__whiten</a:t>
+            </a:r>
+            <a:r>
+              <a:rPr lang="en-GB" dirty="0"/>
+              <a:t>`: `True`</a:t>
+            </a:r>
+          </a:p>
+          <a:p>
+            <a:pPr marL="0" marR="0" lvl="0" indent="0" algn="l" defTabSz="914400" rtl="0" eaLnBrk="1" fontAlgn="auto" latinLnBrk="0" hangingPunct="1">
+              <a:lnSpc>
+                <a:spcPct val="100000"/>
+              </a:lnSpc>
+              <a:spcBef>
+                <a:spcPts val="0"/>
+              </a:spcBef>
+              <a:spcAft>
+                <a:spcPts val="0"/>
+              </a:spcAft>
+              <a:buClrTx/>
+              <a:buSzTx/>
+              <a:buFontTx/>
+              <a:buNone/>
+              <a:tabLst/>
+              <a:defRPr/>
+            </a:pPr>
+            <a:r>
+              <a:rPr lang="en-GB" dirty="0"/>
+              <a:t>  - `</a:t>
+            </a:r>
+            <a:r>
+              <a:rPr lang="en-GB" dirty="0" err="1"/>
+              <a:t>classifier__weights</a:t>
+            </a:r>
+            <a:r>
+              <a:rPr lang="en-GB" dirty="0"/>
+              <a:t>`: `uniform`</a:t>
+            </a:r>
+          </a:p>
+          <a:p>
+            <a:pPr marL="0" marR="0" lvl="0" indent="0" algn="l" defTabSz="914400" rtl="0" eaLnBrk="1" fontAlgn="auto" latinLnBrk="0" hangingPunct="1">
+              <a:lnSpc>
+                <a:spcPct val="100000"/>
+              </a:lnSpc>
+              <a:spcBef>
+                <a:spcPts val="0"/>
+              </a:spcBef>
+              <a:spcAft>
+                <a:spcPts val="0"/>
+              </a:spcAft>
+              <a:buClrTx/>
+              <a:buSzTx/>
+              <a:buFontTx/>
+              <a:buNone/>
+              <a:tabLst/>
+              <a:defRPr/>
+            </a:pPr>
+            <a:r>
+              <a:rPr lang="en-GB" dirty="0"/>
+              <a:t>  - `classifier__</a:t>
+            </a:r>
+            <a:r>
+              <a:rPr lang="en-GB" dirty="0" err="1"/>
+              <a:t>n_neighbors</a:t>
+            </a:r>
+            <a:r>
+              <a:rPr lang="en-GB" dirty="0"/>
+              <a:t>`: `10`</a:t>
+            </a:r>
+          </a:p>
+          <a:p>
+            <a:pPr marL="0" marR="0" lvl="0" indent="0" algn="l" defTabSz="914400" rtl="0" eaLnBrk="1" fontAlgn="auto" latinLnBrk="0" hangingPunct="1">
+              <a:lnSpc>
+                <a:spcPct val="100000"/>
+              </a:lnSpc>
+              <a:spcBef>
+                <a:spcPts val="0"/>
+              </a:spcBef>
+              <a:spcAft>
+                <a:spcPts val="0"/>
+              </a:spcAft>
+              <a:buClrTx/>
+              <a:buSzTx/>
+              <a:buFontTx/>
+              <a:buNone/>
+              <a:tabLst/>
+              <a:defRPr/>
+            </a:pPr>
+            <a:r>
+              <a:rPr lang="en-GB" b="1" dirty="0"/>
+              <a:t>MLP (</a:t>
+            </a:r>
+            <a:r>
+              <a:rPr lang="en-GB" sz="1200" b="1" i="0" kern="1200" dirty="0">
+                <a:solidFill>
+                  <a:schemeClr val="tx1"/>
+                </a:solidFill>
+                <a:effectLst/>
+                <a:latin typeface="+mn-lt"/>
+                <a:ea typeface="+mn-ea"/>
+                <a:cs typeface="+mn-cs"/>
+              </a:rPr>
+              <a:t>Multi Layer Perception</a:t>
+            </a:r>
+            <a:r>
+              <a:rPr lang="en-GB" b="1" dirty="0"/>
+              <a:t>)</a:t>
+            </a:r>
+            <a:r>
+              <a:rPr lang="en-GB" dirty="0"/>
+              <a:t>:</a:t>
+            </a:r>
+          </a:p>
+          <a:p>
+            <a:pPr marL="0" marR="0" lvl="0" indent="0" algn="l" defTabSz="914400" rtl="0" eaLnBrk="1" fontAlgn="auto" latinLnBrk="0" hangingPunct="1">
+              <a:lnSpc>
+                <a:spcPct val="100000"/>
+              </a:lnSpc>
+              <a:spcBef>
+                <a:spcPts val="0"/>
+              </a:spcBef>
+              <a:spcAft>
+                <a:spcPts val="0"/>
+              </a:spcAft>
+              <a:buClrTx/>
+              <a:buSzTx/>
+              <a:buFontTx/>
+              <a:buNone/>
+              <a:tabLst/>
+              <a:defRPr/>
+            </a:pPr>
+            <a:r>
+              <a:rPr lang="en-GB" dirty="0"/>
+              <a:t>- `sampling__</a:t>
+            </a:r>
+            <a:r>
+              <a:rPr lang="en-GB" dirty="0" err="1"/>
+              <a:t>k_neighbors</a:t>
+            </a:r>
+            <a:r>
+              <a:rPr lang="en-GB" dirty="0"/>
+              <a:t>`: `3`</a:t>
+            </a:r>
+          </a:p>
+          <a:p>
+            <a:pPr marL="0" marR="0" lvl="0" indent="0" algn="l" defTabSz="914400" rtl="0" eaLnBrk="1" fontAlgn="auto" latinLnBrk="0" hangingPunct="1">
+              <a:lnSpc>
+                <a:spcPct val="100000"/>
+              </a:lnSpc>
+              <a:spcBef>
+                <a:spcPts val="0"/>
+              </a:spcBef>
+              <a:spcAft>
+                <a:spcPts val="0"/>
+              </a:spcAft>
+              <a:buClrTx/>
+              <a:buSzTx/>
+              <a:buFontTx/>
+              <a:buNone/>
+              <a:tabLst/>
+              <a:defRPr/>
+            </a:pPr>
+            <a:r>
+              <a:rPr lang="en-GB" dirty="0"/>
+              <a:t>  - `</a:t>
+            </a:r>
+            <a:r>
+              <a:rPr lang="en-GB" dirty="0" err="1"/>
+              <a:t>imputer__weights</a:t>
+            </a:r>
+            <a:r>
+              <a:rPr lang="en-GB" dirty="0"/>
+              <a:t>`: `uniform`</a:t>
+            </a:r>
+          </a:p>
+          <a:p>
+            <a:pPr marL="0" marR="0" lvl="0" indent="0" algn="l" defTabSz="914400" rtl="0" eaLnBrk="1" fontAlgn="auto" latinLnBrk="0" hangingPunct="1">
+              <a:lnSpc>
+                <a:spcPct val="100000"/>
+              </a:lnSpc>
+              <a:spcBef>
+                <a:spcPts val="0"/>
+              </a:spcBef>
+              <a:spcAft>
+                <a:spcPts val="0"/>
+              </a:spcAft>
+              <a:buClrTx/>
+              <a:buSzTx/>
+              <a:buFontTx/>
+              <a:buNone/>
+              <a:tabLst/>
+              <a:defRPr/>
+            </a:pPr>
+            <a:r>
+              <a:rPr lang="en-GB" dirty="0"/>
+              <a:t>  - `imputer__</a:t>
+            </a:r>
+            <a:r>
+              <a:rPr lang="en-GB" dirty="0" err="1"/>
+              <a:t>n_neighbors</a:t>
+            </a:r>
+            <a:r>
+              <a:rPr lang="en-GB" dirty="0"/>
+              <a:t>`: `36`</a:t>
+            </a:r>
+          </a:p>
+          <a:p>
+            <a:pPr marL="0" marR="0" lvl="0" indent="0" algn="l" defTabSz="914400" rtl="0" eaLnBrk="1" fontAlgn="auto" latinLnBrk="0" hangingPunct="1">
+              <a:lnSpc>
+                <a:spcPct val="100000"/>
+              </a:lnSpc>
+              <a:spcBef>
+                <a:spcPts val="0"/>
+              </a:spcBef>
+              <a:spcAft>
+                <a:spcPts val="0"/>
+              </a:spcAft>
+              <a:buClrTx/>
+              <a:buSzTx/>
+              <a:buFontTx/>
+              <a:buNone/>
+              <a:tabLst/>
+              <a:defRPr/>
+            </a:pPr>
+            <a:r>
+              <a:rPr lang="en-GB" dirty="0"/>
+              <a:t>  - `classifier__</a:t>
+            </a:r>
+            <a:r>
+              <a:rPr lang="en-GB" dirty="0" err="1"/>
+              <a:t>hidden_layer_sizes</a:t>
+            </a:r>
+            <a:r>
+              <a:rPr lang="en-GB" dirty="0"/>
+              <a:t>`: `(30, 50)`</a:t>
+            </a:r>
+          </a:p>
+          <a:p>
+            <a:pPr marL="0" marR="0" lvl="0" indent="0" algn="l" defTabSz="914400" rtl="0" eaLnBrk="1" fontAlgn="auto" latinLnBrk="0" hangingPunct="1">
+              <a:lnSpc>
+                <a:spcPct val="100000"/>
+              </a:lnSpc>
+              <a:spcBef>
+                <a:spcPts val="0"/>
+              </a:spcBef>
+              <a:spcAft>
+                <a:spcPts val="0"/>
+              </a:spcAft>
+              <a:buClrTx/>
+              <a:buSzTx/>
+              <a:buFontTx/>
+              <a:buNone/>
+              <a:tabLst/>
+              <a:defRPr/>
+            </a:pPr>
+            <a:r>
+              <a:rPr lang="en-GB" dirty="0"/>
+              <a:t>  - `</a:t>
+            </a:r>
+            <a:r>
+              <a:rPr lang="en-GB" dirty="0" err="1"/>
+              <a:t>classifier__epsilon</a:t>
+            </a:r>
+            <a:r>
+              <a:rPr lang="en-GB" dirty="0"/>
+              <a:t>`: `0.01`</a:t>
+            </a:r>
+          </a:p>
+          <a:p>
+            <a:pPr marL="0" marR="0" lvl="0" indent="0" algn="l" defTabSz="914400" rtl="0" eaLnBrk="1" fontAlgn="auto" latinLnBrk="0" hangingPunct="1">
+              <a:lnSpc>
+                <a:spcPct val="100000"/>
+              </a:lnSpc>
+              <a:spcBef>
+                <a:spcPts val="0"/>
+              </a:spcBef>
+              <a:spcAft>
+                <a:spcPts val="0"/>
+              </a:spcAft>
+              <a:buClrTx/>
+              <a:buSzTx/>
+              <a:buFontTx/>
+              <a:buNone/>
+              <a:tabLst/>
+              <a:defRPr/>
+            </a:pPr>
+            <a:r>
+              <a:rPr lang="en-GB" dirty="0"/>
+              <a:t>  - `</a:t>
+            </a:r>
+            <a:r>
+              <a:rPr lang="en-GB" dirty="0" err="1"/>
+              <a:t>classifier__alpha</a:t>
+            </a:r>
+            <a:r>
+              <a:rPr lang="en-GB" dirty="0"/>
+              <a:t>`: `1e-07`</a:t>
+            </a:r>
+          </a:p>
+          <a:p>
+            <a:pPr marL="0" marR="0" lvl="0" indent="0" algn="l" defTabSz="914400" rtl="0" eaLnBrk="1" fontAlgn="auto" latinLnBrk="0" hangingPunct="1">
+              <a:lnSpc>
+                <a:spcPct val="100000"/>
+              </a:lnSpc>
+              <a:spcBef>
+                <a:spcPts val="0"/>
+              </a:spcBef>
+              <a:spcAft>
+                <a:spcPts val="0"/>
+              </a:spcAft>
+              <a:buClrTx/>
+              <a:buSzTx/>
+              <a:buFontTx/>
+              <a:buNone/>
+              <a:tabLst/>
+              <a:defRPr/>
+            </a:pPr>
+            <a:r>
+              <a:rPr lang="en-GB" dirty="0"/>
+              <a:t>  - `</a:t>
+            </a:r>
+            <a:r>
+              <a:rPr lang="en-GB" dirty="0" err="1"/>
+              <a:t>classifier__activation</a:t>
+            </a:r>
+            <a:r>
+              <a:rPr lang="en-GB" dirty="0"/>
+              <a:t>`: `tanh`</a:t>
+            </a:r>
+          </a:p>
+          <a:p>
+            <a:pPr marL="0" marR="0" lvl="0" indent="0" algn="l" defTabSz="914400" rtl="0" eaLnBrk="1" fontAlgn="auto" latinLnBrk="0" hangingPunct="1">
+              <a:lnSpc>
+                <a:spcPct val="100000"/>
+              </a:lnSpc>
+              <a:spcBef>
+                <a:spcPts val="0"/>
+              </a:spcBef>
+              <a:spcAft>
+                <a:spcPts val="0"/>
+              </a:spcAft>
+              <a:buClrTx/>
+              <a:buSzTx/>
+              <a:buFontTx/>
+              <a:buNone/>
+              <a:tabLst/>
+              <a:defRPr/>
+            </a:pPr>
+            <a:r>
+              <a:rPr lang="en-GB" b="1" dirty="0"/>
+              <a:t>RF:</a:t>
+            </a:r>
+          </a:p>
+          <a:p>
+            <a:pPr marL="0" marR="0" lvl="0" indent="0" algn="l" defTabSz="914400" rtl="0" eaLnBrk="1" fontAlgn="auto" latinLnBrk="0" hangingPunct="1">
+              <a:lnSpc>
+                <a:spcPct val="100000"/>
+              </a:lnSpc>
+              <a:spcBef>
+                <a:spcPts val="0"/>
+              </a:spcBef>
+              <a:spcAft>
+                <a:spcPts val="0"/>
+              </a:spcAft>
+              <a:buClrTx/>
+              <a:buSzTx/>
+              <a:buFontTx/>
+              <a:buNone/>
+              <a:tabLst/>
+              <a:defRPr/>
+            </a:pPr>
+            <a:r>
+              <a:rPr lang="en-GB" b="0" dirty="0"/>
+              <a:t>- `sampling__</a:t>
+            </a:r>
+            <a:r>
+              <a:rPr lang="en-GB" b="0" dirty="0" err="1"/>
+              <a:t>k_neighbors</a:t>
+            </a:r>
+            <a:r>
+              <a:rPr lang="en-GB" b="0" dirty="0"/>
+              <a:t>`: `8`</a:t>
+            </a:r>
+          </a:p>
+          <a:p>
+            <a:pPr marL="0" marR="0" lvl="0" indent="0" algn="l" defTabSz="914400" rtl="0" eaLnBrk="1" fontAlgn="auto" latinLnBrk="0" hangingPunct="1">
+              <a:lnSpc>
+                <a:spcPct val="100000"/>
+              </a:lnSpc>
+              <a:spcBef>
+                <a:spcPts val="0"/>
+              </a:spcBef>
+              <a:spcAft>
+                <a:spcPts val="0"/>
+              </a:spcAft>
+              <a:buClrTx/>
+              <a:buSzTx/>
+              <a:buFontTx/>
+              <a:buNone/>
+              <a:tabLst/>
+              <a:defRPr/>
+            </a:pPr>
+            <a:r>
+              <a:rPr lang="en-GB" b="0" dirty="0"/>
+              <a:t>  - `</a:t>
+            </a:r>
+            <a:r>
+              <a:rPr lang="en-GB" b="0" dirty="0" err="1"/>
+              <a:t>imputer__weights</a:t>
+            </a:r>
+            <a:r>
+              <a:rPr lang="en-GB" b="0" dirty="0"/>
+              <a:t>`: `distance`</a:t>
+            </a:r>
+          </a:p>
+          <a:p>
+            <a:pPr marL="0" marR="0" lvl="0" indent="0" algn="l" defTabSz="914400" rtl="0" eaLnBrk="1" fontAlgn="auto" latinLnBrk="0" hangingPunct="1">
+              <a:lnSpc>
+                <a:spcPct val="100000"/>
+              </a:lnSpc>
+              <a:spcBef>
+                <a:spcPts val="0"/>
+              </a:spcBef>
+              <a:spcAft>
+                <a:spcPts val="0"/>
+              </a:spcAft>
+              <a:buClrTx/>
+              <a:buSzTx/>
+              <a:buFontTx/>
+              <a:buNone/>
+              <a:tabLst/>
+              <a:defRPr/>
+            </a:pPr>
+            <a:r>
+              <a:rPr lang="en-GB" b="0" dirty="0"/>
+              <a:t>  - `imputer__</a:t>
+            </a:r>
+            <a:r>
+              <a:rPr lang="en-GB" b="0" dirty="0" err="1"/>
+              <a:t>n_neighbors</a:t>
+            </a:r>
+            <a:r>
+              <a:rPr lang="en-GB" b="0" dirty="0"/>
+              <a:t>`: `3`</a:t>
+            </a:r>
+          </a:p>
+          <a:p>
+            <a:pPr marL="0" marR="0" lvl="0" indent="0" algn="l" defTabSz="914400" rtl="0" eaLnBrk="1" fontAlgn="auto" latinLnBrk="0" hangingPunct="1">
+              <a:lnSpc>
+                <a:spcPct val="100000"/>
+              </a:lnSpc>
+              <a:spcBef>
+                <a:spcPts val="0"/>
+              </a:spcBef>
+              <a:spcAft>
+                <a:spcPts val="0"/>
+              </a:spcAft>
+              <a:buClrTx/>
+              <a:buSzTx/>
+              <a:buFontTx/>
+              <a:buNone/>
+              <a:tabLst/>
+              <a:defRPr/>
+            </a:pPr>
+            <a:r>
+              <a:rPr lang="en-GB" b="0" dirty="0"/>
+              <a:t>  - `classifier__</a:t>
+            </a:r>
+            <a:r>
+              <a:rPr lang="en-GB" b="0" dirty="0" err="1"/>
+              <a:t>n_estimators</a:t>
+            </a:r>
+            <a:r>
+              <a:rPr lang="en-GB" b="0" dirty="0"/>
+              <a:t>`: `161`</a:t>
+            </a:r>
+          </a:p>
+          <a:p>
+            <a:pPr marL="0" marR="0" lvl="0" indent="0" algn="l" defTabSz="914400" rtl="0" eaLnBrk="1" fontAlgn="auto" latinLnBrk="0" hangingPunct="1">
+              <a:lnSpc>
+                <a:spcPct val="100000"/>
+              </a:lnSpc>
+              <a:spcBef>
+                <a:spcPts val="0"/>
+              </a:spcBef>
+              <a:spcAft>
+                <a:spcPts val="0"/>
+              </a:spcAft>
+              <a:buClrTx/>
+              <a:buSzTx/>
+              <a:buFontTx/>
+              <a:buNone/>
+              <a:tabLst/>
+              <a:defRPr/>
+            </a:pPr>
+            <a:r>
+              <a:rPr lang="en-GB" b="0" dirty="0"/>
+              <a:t>  - `classifier__</a:t>
+            </a:r>
+            <a:r>
+              <a:rPr lang="en-GB" b="0" dirty="0" err="1"/>
+              <a:t>min_samples_leaf</a:t>
+            </a:r>
+            <a:r>
+              <a:rPr lang="en-GB" b="0" dirty="0"/>
+              <a:t>`: `91`</a:t>
+            </a:r>
+          </a:p>
+          <a:p>
+            <a:pPr marL="0" marR="0" lvl="0" indent="0" algn="l" defTabSz="914400" rtl="0" eaLnBrk="1" fontAlgn="auto" latinLnBrk="0" hangingPunct="1">
+              <a:lnSpc>
+                <a:spcPct val="100000"/>
+              </a:lnSpc>
+              <a:spcBef>
+                <a:spcPts val="0"/>
+              </a:spcBef>
+              <a:spcAft>
+                <a:spcPts val="0"/>
+              </a:spcAft>
+              <a:buClrTx/>
+              <a:buSzTx/>
+              <a:buFontTx/>
+              <a:buNone/>
+              <a:tabLst/>
+              <a:defRPr/>
+            </a:pPr>
+            <a:r>
+              <a:rPr lang="en-GB" b="0" dirty="0"/>
+              <a:t>  - `classifier__</a:t>
+            </a:r>
+            <a:r>
+              <a:rPr lang="en-GB" b="0" dirty="0" err="1"/>
+              <a:t>max_features</a:t>
+            </a:r>
+            <a:r>
+              <a:rPr lang="en-GB" b="0" dirty="0"/>
+              <a:t>`: `log2`</a:t>
+            </a:r>
+          </a:p>
+          <a:p>
+            <a:pPr marL="0" marR="0" lvl="0" indent="0" algn="l" defTabSz="914400" rtl="0" eaLnBrk="1" fontAlgn="auto" latinLnBrk="0" hangingPunct="1">
+              <a:lnSpc>
+                <a:spcPct val="100000"/>
+              </a:lnSpc>
+              <a:spcBef>
+                <a:spcPts val="0"/>
+              </a:spcBef>
+              <a:spcAft>
+                <a:spcPts val="0"/>
+              </a:spcAft>
+              <a:buClrTx/>
+              <a:buSzTx/>
+              <a:buFontTx/>
+              <a:buNone/>
+              <a:tabLst/>
+              <a:defRPr/>
+            </a:pPr>
+            <a:r>
+              <a:rPr lang="en-GB" b="1" dirty="0"/>
+              <a:t>SVM</a:t>
+            </a:r>
+            <a:r>
+              <a:rPr lang="en-GB" dirty="0"/>
+              <a:t>: </a:t>
+            </a:r>
+          </a:p>
+          <a:p>
+            <a:pPr marL="0" marR="0" lvl="0" indent="0" algn="l" defTabSz="914400" rtl="0" eaLnBrk="1" fontAlgn="auto" latinLnBrk="0" hangingPunct="1">
+              <a:lnSpc>
+                <a:spcPct val="100000"/>
+              </a:lnSpc>
+              <a:spcBef>
+                <a:spcPts val="0"/>
+              </a:spcBef>
+              <a:spcAft>
+                <a:spcPts val="0"/>
+              </a:spcAft>
+              <a:buClrTx/>
+              <a:buSzTx/>
+              <a:buFontTx/>
+              <a:buNone/>
+              <a:tabLst/>
+              <a:defRPr/>
+            </a:pPr>
+            <a:r>
+              <a:rPr lang="de-DE" dirty="0"/>
+              <a:t>- `</a:t>
+            </a:r>
+            <a:r>
+              <a:rPr lang="de-DE" dirty="0" err="1"/>
+              <a:t>sampling</a:t>
+            </a:r>
+            <a:r>
+              <a:rPr lang="de-DE" dirty="0"/>
+              <a:t>__</a:t>
+            </a:r>
+            <a:r>
+              <a:rPr lang="de-DE" dirty="0" err="1"/>
+              <a:t>k_neighbors</a:t>
+            </a:r>
+            <a:r>
+              <a:rPr lang="de-DE" dirty="0"/>
+              <a:t>`: `8`</a:t>
+            </a:r>
+          </a:p>
+          <a:p>
+            <a:pPr marL="0" marR="0" lvl="0" indent="0" algn="l" defTabSz="914400" rtl="0" eaLnBrk="1" fontAlgn="auto" latinLnBrk="0" hangingPunct="1">
+              <a:lnSpc>
+                <a:spcPct val="100000"/>
+              </a:lnSpc>
+              <a:spcBef>
+                <a:spcPts val="0"/>
+              </a:spcBef>
+              <a:spcAft>
+                <a:spcPts val="0"/>
+              </a:spcAft>
+              <a:buClrTx/>
+              <a:buSzTx/>
+              <a:buFontTx/>
+              <a:buNone/>
+              <a:tabLst/>
+              <a:defRPr/>
+            </a:pPr>
+            <a:r>
+              <a:rPr lang="de-DE" dirty="0"/>
+              <a:t>  - `</a:t>
+            </a:r>
+            <a:r>
+              <a:rPr lang="de-DE" dirty="0" err="1"/>
+              <a:t>imputer</a:t>
+            </a:r>
+            <a:r>
+              <a:rPr lang="de-DE" dirty="0"/>
+              <a:t>__</a:t>
+            </a:r>
+            <a:r>
+              <a:rPr lang="de-DE" dirty="0" err="1"/>
+              <a:t>weights</a:t>
+            </a:r>
+            <a:r>
+              <a:rPr lang="de-DE" dirty="0"/>
+              <a:t>`: `uniform`</a:t>
+            </a:r>
+          </a:p>
+          <a:p>
+            <a:pPr marL="0" marR="0" lvl="0" indent="0" algn="l" defTabSz="914400" rtl="0" eaLnBrk="1" fontAlgn="auto" latinLnBrk="0" hangingPunct="1">
+              <a:lnSpc>
+                <a:spcPct val="100000"/>
+              </a:lnSpc>
+              <a:spcBef>
+                <a:spcPts val="0"/>
+              </a:spcBef>
+              <a:spcAft>
+                <a:spcPts val="0"/>
+              </a:spcAft>
+              <a:buClrTx/>
+              <a:buSzTx/>
+              <a:buFontTx/>
+              <a:buNone/>
+              <a:tabLst/>
+              <a:defRPr/>
+            </a:pPr>
+            <a:r>
+              <a:rPr lang="de-DE" dirty="0"/>
+              <a:t>  - `</a:t>
+            </a:r>
+            <a:r>
+              <a:rPr lang="de-DE" dirty="0" err="1"/>
+              <a:t>imputer</a:t>
+            </a:r>
+            <a:r>
+              <a:rPr lang="de-DE" dirty="0"/>
+              <a:t>__</a:t>
+            </a:r>
+            <a:r>
+              <a:rPr lang="de-DE" dirty="0" err="1"/>
+              <a:t>n_neighbors</a:t>
+            </a:r>
+            <a:r>
+              <a:rPr lang="de-DE" dirty="0"/>
+              <a:t>`: `7`</a:t>
+            </a:r>
+          </a:p>
+          <a:p>
+            <a:pPr marL="0" marR="0" lvl="0" indent="0" algn="l" defTabSz="914400" rtl="0" eaLnBrk="1" fontAlgn="auto" latinLnBrk="0" hangingPunct="1">
+              <a:lnSpc>
+                <a:spcPct val="100000"/>
+              </a:lnSpc>
+              <a:spcBef>
+                <a:spcPts val="0"/>
+              </a:spcBef>
+              <a:spcAft>
+                <a:spcPts val="0"/>
+              </a:spcAft>
+              <a:buClrTx/>
+              <a:buSzTx/>
+              <a:buFontTx/>
+              <a:buNone/>
+              <a:tabLst/>
+              <a:defRPr/>
+            </a:pPr>
+            <a:r>
+              <a:rPr lang="de-DE" dirty="0"/>
+              <a:t>  - `</a:t>
+            </a:r>
+            <a:r>
+              <a:rPr lang="de-DE" dirty="0" err="1"/>
+              <a:t>classifier</a:t>
+            </a:r>
+            <a:r>
+              <a:rPr lang="de-DE" dirty="0"/>
+              <a:t>__</a:t>
+            </a:r>
+            <a:r>
+              <a:rPr lang="de-DE" dirty="0" err="1"/>
+              <a:t>kernel</a:t>
+            </a:r>
+            <a:r>
+              <a:rPr lang="de-DE" dirty="0"/>
+              <a:t>`: `</a:t>
+            </a:r>
+            <a:r>
+              <a:rPr lang="de-DE" dirty="0" err="1"/>
+              <a:t>sigmoid</a:t>
+            </a:r>
+            <a:r>
+              <a:rPr lang="de-DE" dirty="0"/>
+              <a:t>`</a:t>
+            </a:r>
+          </a:p>
+          <a:p>
+            <a:pPr marL="0" marR="0" lvl="0" indent="0" algn="l" defTabSz="914400" rtl="0" eaLnBrk="1" fontAlgn="auto" latinLnBrk="0" hangingPunct="1">
+              <a:lnSpc>
+                <a:spcPct val="100000"/>
+              </a:lnSpc>
+              <a:spcBef>
+                <a:spcPts val="0"/>
+              </a:spcBef>
+              <a:spcAft>
+                <a:spcPts val="0"/>
+              </a:spcAft>
+              <a:buClrTx/>
+              <a:buSzTx/>
+              <a:buFontTx/>
+              <a:buNone/>
+              <a:tabLst/>
+              <a:defRPr/>
+            </a:pPr>
+            <a:r>
+              <a:rPr lang="de-DE" dirty="0"/>
+              <a:t>  - `</a:t>
+            </a:r>
+            <a:r>
+              <a:rPr lang="de-DE" dirty="0" err="1"/>
+              <a:t>classifier</a:t>
+            </a:r>
+            <a:r>
+              <a:rPr lang="de-DE" dirty="0"/>
+              <a:t>__</a:t>
+            </a:r>
+            <a:r>
+              <a:rPr lang="de-DE" dirty="0" err="1"/>
+              <a:t>gamma</a:t>
+            </a:r>
+            <a:r>
+              <a:rPr lang="de-DE" dirty="0"/>
+              <a:t>`: `1`</a:t>
+            </a:r>
+          </a:p>
+          <a:p>
+            <a:pPr marL="0" marR="0" lvl="0" indent="0" algn="l" defTabSz="914400" rtl="0" eaLnBrk="1" fontAlgn="auto" latinLnBrk="0" hangingPunct="1">
+              <a:lnSpc>
+                <a:spcPct val="100000"/>
+              </a:lnSpc>
+              <a:spcBef>
+                <a:spcPts val="0"/>
+              </a:spcBef>
+              <a:spcAft>
+                <a:spcPts val="0"/>
+              </a:spcAft>
+              <a:buClrTx/>
+              <a:buSzTx/>
+              <a:buFontTx/>
+              <a:buNone/>
+              <a:tabLst/>
+              <a:defRPr/>
+            </a:pPr>
+            <a:r>
+              <a:rPr lang="de-DE" dirty="0"/>
+              <a:t>  - `</a:t>
+            </a:r>
+            <a:r>
+              <a:rPr lang="de-DE" dirty="0" err="1"/>
+              <a:t>classifier</a:t>
+            </a:r>
+            <a:r>
+              <a:rPr lang="de-DE" dirty="0"/>
+              <a:t>__C`: `1`</a:t>
+            </a:r>
+          </a:p>
+          <a:p>
+            <a:pPr marL="0" marR="0" lvl="0" indent="0" algn="l" defTabSz="914400" rtl="0" eaLnBrk="1" fontAlgn="auto" latinLnBrk="0" hangingPunct="1">
+              <a:lnSpc>
+                <a:spcPct val="100000"/>
+              </a:lnSpc>
+              <a:spcBef>
+                <a:spcPts val="0"/>
+              </a:spcBef>
+              <a:spcAft>
+                <a:spcPts val="0"/>
+              </a:spcAft>
+              <a:buClrTx/>
+              <a:buSzTx/>
+              <a:buFontTx/>
+              <a:buNone/>
+              <a:tabLst/>
+              <a:defRPr/>
+            </a:pPr>
+            <a:r>
+              <a:rPr lang="de-DE" b="1" dirty="0"/>
+              <a:t>GP (</a:t>
+            </a:r>
+            <a:r>
+              <a:rPr lang="de-DE" b="1" dirty="0" err="1"/>
+              <a:t>Gaussian</a:t>
+            </a:r>
+            <a:r>
+              <a:rPr lang="de-DE" b="1" dirty="0"/>
+              <a:t> </a:t>
+            </a:r>
+            <a:r>
+              <a:rPr lang="de-DE" b="1" dirty="0" err="1"/>
+              <a:t>Processes</a:t>
+            </a:r>
+            <a:r>
+              <a:rPr lang="de-DE" b="1" dirty="0"/>
+              <a:t>):</a:t>
+            </a:r>
+          </a:p>
+          <a:p>
+            <a:pPr marL="0" marR="0" lvl="0" indent="0" algn="l" defTabSz="914400" rtl="0" eaLnBrk="1" fontAlgn="auto" latinLnBrk="0" hangingPunct="1">
+              <a:lnSpc>
+                <a:spcPct val="100000"/>
+              </a:lnSpc>
+              <a:spcBef>
+                <a:spcPts val="0"/>
+              </a:spcBef>
+              <a:spcAft>
+                <a:spcPts val="0"/>
+              </a:spcAft>
+              <a:buClrTx/>
+              <a:buSzTx/>
+              <a:buFontTx/>
+              <a:buNone/>
+              <a:tabLst/>
+              <a:defRPr/>
+            </a:pPr>
+            <a:r>
+              <a:rPr lang="en-GB" b="0" dirty="0"/>
+              <a:t>- `sampling__</a:t>
+            </a:r>
+            <a:r>
+              <a:rPr lang="en-GB" b="0" dirty="0" err="1"/>
+              <a:t>k_neighbors</a:t>
+            </a:r>
+            <a:r>
+              <a:rPr lang="en-GB" b="0" dirty="0"/>
+              <a:t>`: `1`</a:t>
+            </a:r>
+          </a:p>
+          <a:p>
+            <a:pPr marL="0" marR="0" lvl="0" indent="0" algn="l" defTabSz="914400" rtl="0" eaLnBrk="1" fontAlgn="auto" latinLnBrk="0" hangingPunct="1">
+              <a:lnSpc>
+                <a:spcPct val="100000"/>
+              </a:lnSpc>
+              <a:spcBef>
+                <a:spcPts val="0"/>
+              </a:spcBef>
+              <a:spcAft>
+                <a:spcPts val="0"/>
+              </a:spcAft>
+              <a:buClrTx/>
+              <a:buSzTx/>
+              <a:buFontTx/>
+              <a:buNone/>
+              <a:tabLst/>
+              <a:defRPr/>
+            </a:pPr>
+            <a:r>
+              <a:rPr lang="en-GB" b="0" dirty="0"/>
+              <a:t>  - `</a:t>
+            </a:r>
+            <a:r>
+              <a:rPr lang="en-GB" b="0" dirty="0" err="1"/>
+              <a:t>imputer__weights</a:t>
+            </a:r>
+            <a:r>
+              <a:rPr lang="en-GB" b="0" dirty="0"/>
+              <a:t>`: `uniform`</a:t>
+            </a:r>
+          </a:p>
+          <a:p>
+            <a:pPr marL="0" marR="0" lvl="0" indent="0" algn="l" defTabSz="914400" rtl="0" eaLnBrk="1" fontAlgn="auto" latinLnBrk="0" hangingPunct="1">
+              <a:lnSpc>
+                <a:spcPct val="100000"/>
+              </a:lnSpc>
+              <a:spcBef>
+                <a:spcPts val="0"/>
+              </a:spcBef>
+              <a:spcAft>
+                <a:spcPts val="0"/>
+              </a:spcAft>
+              <a:buClrTx/>
+              <a:buSzTx/>
+              <a:buFontTx/>
+              <a:buNone/>
+              <a:tabLst/>
+              <a:defRPr/>
+            </a:pPr>
+            <a:r>
+              <a:rPr lang="en-GB" b="0" dirty="0"/>
+              <a:t>  - `imputer__</a:t>
+            </a:r>
+            <a:r>
+              <a:rPr lang="en-GB" b="0" dirty="0" err="1"/>
+              <a:t>n_neighbors</a:t>
+            </a:r>
+            <a:r>
+              <a:rPr lang="en-GB" b="0" dirty="0"/>
+              <a:t>`: `12`</a:t>
+            </a:r>
+          </a:p>
+          <a:p>
+            <a:pPr marL="0" marR="0" lvl="0" indent="0" algn="l" defTabSz="914400" rtl="0" eaLnBrk="1" fontAlgn="auto" latinLnBrk="0" hangingPunct="1">
+              <a:lnSpc>
+                <a:spcPct val="100000"/>
+              </a:lnSpc>
+              <a:spcBef>
+                <a:spcPts val="0"/>
+              </a:spcBef>
+              <a:spcAft>
+                <a:spcPts val="0"/>
+              </a:spcAft>
+              <a:buClrTx/>
+              <a:buSzTx/>
+              <a:buFontTx/>
+              <a:buNone/>
+              <a:tabLst/>
+              <a:defRPr/>
+            </a:pPr>
+            <a:r>
+              <a:rPr lang="en-GB" b="1" dirty="0"/>
+              <a:t>GNB (Gaussian Naïve Bayes):</a:t>
+            </a:r>
+          </a:p>
+          <a:p>
+            <a:pPr marL="0" marR="0" lvl="0" indent="0" algn="l" defTabSz="914400" rtl="0" eaLnBrk="1" fontAlgn="auto" latinLnBrk="0" hangingPunct="1">
+              <a:lnSpc>
+                <a:spcPct val="100000"/>
+              </a:lnSpc>
+              <a:spcBef>
+                <a:spcPts val="0"/>
+              </a:spcBef>
+              <a:spcAft>
+                <a:spcPts val="0"/>
+              </a:spcAft>
+              <a:buClrTx/>
+              <a:buSzTx/>
+              <a:buFontTx/>
+              <a:buNone/>
+              <a:tabLst/>
+              <a:defRPr/>
+            </a:pPr>
+            <a:r>
+              <a:rPr lang="en-GB" b="0" dirty="0"/>
+              <a:t>- `sampling__</a:t>
+            </a:r>
+            <a:r>
+              <a:rPr lang="en-GB" b="0" dirty="0" err="1"/>
+              <a:t>k_neighbors</a:t>
+            </a:r>
+            <a:r>
+              <a:rPr lang="en-GB" b="0" dirty="0"/>
+              <a:t>`: `7`</a:t>
+            </a:r>
+          </a:p>
+          <a:p>
+            <a:pPr marL="0" marR="0" lvl="0" indent="0" algn="l" defTabSz="914400" rtl="0" eaLnBrk="1" fontAlgn="auto" latinLnBrk="0" hangingPunct="1">
+              <a:lnSpc>
+                <a:spcPct val="100000"/>
+              </a:lnSpc>
+              <a:spcBef>
+                <a:spcPts val="0"/>
+              </a:spcBef>
+              <a:spcAft>
+                <a:spcPts val="0"/>
+              </a:spcAft>
+              <a:buClrTx/>
+              <a:buSzTx/>
+              <a:buFontTx/>
+              <a:buNone/>
+              <a:tabLst/>
+              <a:defRPr/>
+            </a:pPr>
+            <a:r>
+              <a:rPr lang="en-GB" b="0" dirty="0"/>
+              <a:t>  - `</a:t>
+            </a:r>
+            <a:r>
+              <a:rPr lang="en-GB" b="0" dirty="0" err="1"/>
+              <a:t>imputer__weights</a:t>
+            </a:r>
+            <a:r>
+              <a:rPr lang="en-GB" b="0" dirty="0"/>
+              <a:t>`: `distance`</a:t>
+            </a:r>
+          </a:p>
+          <a:p>
+            <a:pPr marL="0" marR="0" lvl="0" indent="0" algn="l" defTabSz="914400" rtl="0" eaLnBrk="1" fontAlgn="auto" latinLnBrk="0" hangingPunct="1">
+              <a:lnSpc>
+                <a:spcPct val="100000"/>
+              </a:lnSpc>
+              <a:spcBef>
+                <a:spcPts val="0"/>
+              </a:spcBef>
+              <a:spcAft>
+                <a:spcPts val="0"/>
+              </a:spcAft>
+              <a:buClrTx/>
+              <a:buSzTx/>
+              <a:buFontTx/>
+              <a:buNone/>
+              <a:tabLst/>
+              <a:defRPr/>
+            </a:pPr>
+            <a:r>
+              <a:rPr lang="en-GB" b="0" dirty="0"/>
+              <a:t>  - `imputer__</a:t>
+            </a:r>
+            <a:r>
+              <a:rPr lang="en-GB" b="0" dirty="0" err="1"/>
+              <a:t>n_neighbors</a:t>
+            </a:r>
+            <a:r>
+              <a:rPr lang="en-GB" b="0" dirty="0"/>
+              <a:t>`: `3`</a:t>
+            </a:r>
+          </a:p>
+          <a:p>
+            <a:pPr marL="0" marR="0" lvl="0" indent="0" algn="l" defTabSz="914400" rtl="0" eaLnBrk="1" fontAlgn="auto" latinLnBrk="0" hangingPunct="1">
+              <a:lnSpc>
+                <a:spcPct val="100000"/>
+              </a:lnSpc>
+              <a:spcBef>
+                <a:spcPts val="0"/>
+              </a:spcBef>
+              <a:spcAft>
+                <a:spcPts val="0"/>
+              </a:spcAft>
+              <a:buClrTx/>
+              <a:buSzTx/>
+              <a:buFontTx/>
+              <a:buNone/>
+              <a:tabLst/>
+              <a:defRPr/>
+            </a:pPr>
+            <a:r>
+              <a:rPr lang="en-GB" b="0" dirty="0"/>
+              <a:t>  - `</a:t>
+            </a:r>
+            <a:r>
+              <a:rPr lang="en-GB" b="0" dirty="0" err="1"/>
+              <a:t>feature_selector__whiten</a:t>
+            </a:r>
+            <a:r>
+              <a:rPr lang="en-GB" b="0" dirty="0"/>
+              <a:t>`: `True`</a:t>
+            </a:r>
+          </a:p>
+          <a:p>
+            <a:pPr marL="0" marR="0" lvl="0" indent="0" algn="l" defTabSz="914400" rtl="0" eaLnBrk="1" fontAlgn="auto" latinLnBrk="0" hangingPunct="1">
+              <a:lnSpc>
+                <a:spcPct val="100000"/>
+              </a:lnSpc>
+              <a:spcBef>
+                <a:spcPts val="0"/>
+              </a:spcBef>
+              <a:spcAft>
+                <a:spcPts val="0"/>
+              </a:spcAft>
+              <a:buClrTx/>
+              <a:buSzTx/>
+              <a:buFontTx/>
+              <a:buNone/>
+              <a:tabLst/>
+              <a:defRPr/>
+            </a:pPr>
+            <a:r>
+              <a:rPr lang="en-GB" b="1" dirty="0"/>
+              <a:t>GBM (Gradient Boosting):</a:t>
+            </a:r>
+          </a:p>
+          <a:p>
+            <a:pPr marL="0" marR="0" lvl="0" indent="0" algn="l" defTabSz="914400" rtl="0" eaLnBrk="1" fontAlgn="auto" latinLnBrk="0" hangingPunct="1">
+              <a:lnSpc>
+                <a:spcPct val="100000"/>
+              </a:lnSpc>
+              <a:spcBef>
+                <a:spcPts val="0"/>
+              </a:spcBef>
+              <a:spcAft>
+                <a:spcPts val="0"/>
+              </a:spcAft>
+              <a:buClrTx/>
+              <a:buSzTx/>
+              <a:buFontTx/>
+              <a:buNone/>
+              <a:tabLst/>
+              <a:defRPr/>
+            </a:pPr>
+            <a:endParaRPr lang="de-DE" b="1" dirty="0"/>
+          </a:p>
+        </p:txBody>
+      </p:sp>
+      <p:sp>
+        <p:nvSpPr>
+          <p:cNvPr id="4" name="Foliennummernplatzhalter 3"/>
+          <p:cNvSpPr>
+            <a:spLocks noGrp="1"/>
+          </p:cNvSpPr>
+          <p:nvPr>
+            <p:ph type="sldNum" sz="quarter" idx="5"/>
+          </p:nvPr>
+        </p:nvSpPr>
+        <p:spPr/>
+        <p:txBody>
+          <a:bodyPr/>
+          <a:lstStyle/>
+          <a:p>
+            <a:fld id="{098BD289-3A29-45E8-AD20-ACE8C932FF07}" type="slidenum">
+              <a:rPr lang="de-DE" smtClean="0"/>
               <a:t>8</a:t>
             </a:fld>
             <a:endParaRPr lang="de-DE"/>
@@ -7810,7 +8729,7 @@
     </p:spTree>
     <p:extLst>
       <p:ext uri="{BB962C8B-B14F-4D97-AF65-F5344CB8AC3E}">
-        <p14:creationId xmlns:p14="http://schemas.microsoft.com/office/powerpoint/2010/main" val="2136036373"/>
+        <p14:creationId xmlns:p14="http://schemas.microsoft.com/office/powerpoint/2010/main" val="218385511"/>
       </p:ext>
     </p:extLst>
   </p:cSld>
@@ -7865,7 +8784,171 @@
           <a:lstStyle/>
           <a:p>
             <a:r>
-              <a:rPr lang="en-GB" sz="1200" kern="1200" dirty="0">
+              <a:rPr lang="de-DE" dirty="0"/>
+              <a:t>Short </a:t>
+            </a:r>
+            <a:r>
+              <a:rPr lang="de-DE" dirty="0" err="1"/>
+              <a:t>example</a:t>
+            </a:r>
+            <a:r>
+              <a:rPr lang="de-DE" dirty="0"/>
+              <a:t> </a:t>
+            </a:r>
+            <a:r>
+              <a:rPr lang="de-DE" dirty="0" err="1"/>
+              <a:t>how</a:t>
+            </a:r>
+            <a:r>
+              <a:rPr lang="de-DE" dirty="0"/>
+              <a:t> </a:t>
+            </a:r>
+            <a:r>
+              <a:rPr lang="de-DE" dirty="0" err="1"/>
+              <a:t>evaluation</a:t>
+            </a:r>
+            <a:r>
+              <a:rPr lang="de-DE" dirty="0"/>
+              <a:t> of final </a:t>
+            </a:r>
+            <a:r>
+              <a:rPr lang="de-DE" dirty="0" err="1"/>
+              <a:t>chosen</a:t>
+            </a:r>
+            <a:r>
+              <a:rPr lang="de-DE" dirty="0"/>
+              <a:t> </a:t>
+            </a:r>
+            <a:r>
+              <a:rPr lang="de-DE" dirty="0" err="1"/>
+              <a:t>pipelines</a:t>
+            </a:r>
+            <a:r>
+              <a:rPr lang="de-DE" dirty="0"/>
+              <a:t> will </a:t>
+            </a:r>
+            <a:r>
+              <a:rPr lang="de-DE" dirty="0" err="1"/>
+              <a:t>look</a:t>
+            </a:r>
+            <a:r>
+              <a:rPr lang="de-DE" dirty="0"/>
+              <a:t> like. </a:t>
+            </a:r>
+            <a:r>
+              <a:rPr lang="de-DE" dirty="0" err="1"/>
+              <a:t>We</a:t>
+            </a:r>
+            <a:r>
+              <a:rPr lang="de-DE" dirty="0"/>
+              <a:t> </a:t>
+            </a:r>
+            <a:r>
+              <a:rPr lang="de-DE" dirty="0" err="1"/>
+              <a:t>see</a:t>
+            </a:r>
+            <a:r>
+              <a:rPr lang="de-DE" dirty="0"/>
+              <a:t> – </a:t>
+            </a:r>
+            <a:r>
+              <a:rPr lang="de-DE" dirty="0" err="1"/>
+              <a:t>expected</a:t>
+            </a:r>
+            <a:r>
+              <a:rPr lang="de-DE" dirty="0"/>
+              <a:t> from </a:t>
+            </a:r>
+            <a:r>
+              <a:rPr lang="de-DE" dirty="0" err="1"/>
+              <a:t>the</a:t>
+            </a:r>
+            <a:r>
+              <a:rPr lang="de-DE" dirty="0"/>
+              <a:t> </a:t>
+            </a:r>
+            <a:r>
+              <a:rPr lang="de-DE" dirty="0" err="1"/>
+              <a:t>low</a:t>
+            </a:r>
+            <a:r>
+              <a:rPr lang="de-DE" dirty="0"/>
+              <a:t> </a:t>
+            </a:r>
+            <a:r>
+              <a:rPr lang="de-DE" dirty="0" err="1"/>
+              <a:t>scores</a:t>
+            </a:r>
+            <a:r>
+              <a:rPr lang="de-DE" dirty="0"/>
+              <a:t> – ROC </a:t>
+            </a:r>
+            <a:r>
+              <a:rPr lang="de-DE" dirty="0" err="1"/>
+              <a:t>curve</a:t>
+            </a:r>
+            <a:r>
+              <a:rPr lang="de-DE" dirty="0"/>
+              <a:t> </a:t>
+            </a:r>
+            <a:r>
+              <a:rPr lang="de-DE" dirty="0" err="1"/>
+              <a:t>near</a:t>
+            </a:r>
+            <a:r>
+              <a:rPr lang="de-DE" dirty="0"/>
+              <a:t> </a:t>
+            </a:r>
+            <a:r>
+              <a:rPr lang="de-DE" dirty="0" err="1"/>
+              <a:t>the</a:t>
+            </a:r>
+            <a:r>
+              <a:rPr lang="de-DE" dirty="0"/>
+              <a:t> </a:t>
+            </a:r>
+            <a:r>
+              <a:rPr lang="de-DE" dirty="0" err="1"/>
+              <a:t>random</a:t>
+            </a:r>
+            <a:r>
+              <a:rPr lang="de-DE" dirty="0"/>
+              <a:t> </a:t>
+            </a:r>
+            <a:r>
+              <a:rPr lang="de-DE" dirty="0" err="1"/>
+              <a:t>line</a:t>
+            </a:r>
+            <a:r>
+              <a:rPr lang="de-DE" dirty="0"/>
+              <a:t> and </a:t>
+            </a:r>
+            <a:r>
+              <a:rPr lang="de-DE" dirty="0" err="1"/>
+              <a:t>prec</a:t>
+            </a:r>
+            <a:r>
+              <a:rPr lang="de-DE" dirty="0"/>
+              <a:t>/</a:t>
+            </a:r>
+            <a:r>
+              <a:rPr lang="de-DE" dirty="0" err="1"/>
+              <a:t>rec</a:t>
+            </a:r>
+            <a:r>
+              <a:rPr lang="de-DE" dirty="0"/>
+              <a:t> </a:t>
+            </a:r>
+            <a:r>
+              <a:rPr lang="de-DE" dirty="0" err="1"/>
+              <a:t>curve</a:t>
+            </a:r>
+            <a:r>
+              <a:rPr lang="de-DE" dirty="0"/>
+              <a:t> </a:t>
+            </a:r>
+            <a:r>
+              <a:rPr lang="en-GB" sz="1200" b="0" i="0" kern="1200" dirty="0">
                 <a:solidFill>
                   <a:schemeClr val="tx1"/>
                 </a:solidFill>
@@ -7874,1385 +8957,9 @@
                 <a:ea typeface="+mn-ea"/>
                 <a:cs typeface="+mn-cs"/>
               </a:rPr>
-              <a:t>These are the results from the latest run of the pipeline. We double checked the correctness of code and the order of processing steps to rule out a bug in the code. The used hyperparameter grid is quite big. The idea behind it was to narrow down the search space by multiple runs with </a:t>
-            </a:r>
-            <a:r>
-              <a:rPr lang="en-GB" sz="1200" kern="1200" dirty="0" err="1">
-                <a:solidFill>
-                  <a:schemeClr val="tx1"/>
-                </a:solidFill>
-                <a:effectLst/>
-                <a:latin typeface="+mn-lt"/>
-                <a:ea typeface="+mn-ea"/>
-                <a:cs typeface="+mn-cs"/>
-              </a:rPr>
-              <a:t>RandomSearch</a:t>
-            </a:r>
-            <a:r>
-              <a:rPr lang="en-GB" sz="1200" kern="1200" dirty="0">
-                <a:solidFill>
-                  <a:schemeClr val="tx1"/>
-                </a:solidFill>
-                <a:effectLst/>
-                <a:latin typeface="+mn-lt"/>
-                <a:ea typeface="+mn-ea"/>
-                <a:cs typeface="+mn-cs"/>
-              </a:rPr>
-              <a:t> and take the best parameters settings for an exhaustive </a:t>
-            </a:r>
-            <a:r>
-              <a:rPr lang="en-GB" sz="1200" kern="1200" dirty="0" err="1">
-                <a:solidFill>
-                  <a:schemeClr val="tx1"/>
-                </a:solidFill>
-                <a:effectLst/>
-                <a:latin typeface="+mn-lt"/>
-                <a:ea typeface="+mn-ea"/>
-                <a:cs typeface="+mn-cs"/>
-              </a:rPr>
-              <a:t>GridSearch</a:t>
-            </a:r>
-            <a:r>
-              <a:rPr lang="en-GB" sz="1200" kern="1200" dirty="0">
-                <a:solidFill>
-                  <a:schemeClr val="tx1"/>
-                </a:solidFill>
-                <a:effectLst/>
-                <a:latin typeface="+mn-lt"/>
-                <a:ea typeface="+mn-ea"/>
-                <a:cs typeface="+mn-cs"/>
-              </a:rPr>
-              <a:t>. But this is not possible, since the models seems to overfit/underfit and therefore further analysis regarding hyperparameter tuning and setting is necessary (started with that yesterday). Best pipeline per classifier is not chosen automatically. I chose the one with the smallest ration of train/validation score, because difference between train/test is what gives you a clue regarding overfitting/underfitting phenomena.</a:t>
-            </a:r>
-          </a:p>
-          <a:p>
-            <a:endParaRPr lang="en-GB" sz="1200" kern="1200" dirty="0">
-              <a:solidFill>
-                <a:schemeClr val="tx1"/>
-              </a:solidFill>
-              <a:effectLst/>
-              <a:latin typeface="+mn-lt"/>
-              <a:ea typeface="+mn-ea"/>
-              <a:cs typeface="+mn-cs"/>
-            </a:endParaRPr>
-          </a:p>
-          <a:p>
-            <a:r>
-              <a:rPr lang="en-GB" sz="1200" kern="1200" dirty="0">
-                <a:solidFill>
-                  <a:schemeClr val="tx1"/>
-                </a:solidFill>
-                <a:effectLst/>
-                <a:latin typeface="+mn-lt"/>
-                <a:ea typeface="+mn-ea"/>
-                <a:cs typeface="+mn-cs"/>
-              </a:rPr>
-              <a:t>Generally speaking, all possible classifiers have very low validation and test scores. It ranges between 13 and 17%, which is almost the worst possible outcome. I tried different amount of input features, for example using just medical history of the patient or baseline + lesion characteristics, but the scores never changed significantly. Another strange behaviour I could observe in my tests in nearly all classifiers was a strange behaviour regarding the influence of an increasing training score on the evaluation score. The trainings score increased, but the validation score stayed the same all the time. With these first results the impression solidifies that data includes randomness at least there is no signal to grasp.</a:t>
-            </a:r>
-          </a:p>
-          <a:p>
-            <a:endParaRPr lang="de-DE" dirty="0"/>
-          </a:p>
-          <a:p>
-            <a:pPr marL="0" marR="0" lvl="0" indent="0" algn="l" defTabSz="914400" rtl="0" eaLnBrk="1" fontAlgn="auto" latinLnBrk="0" hangingPunct="1">
-              <a:lnSpc>
-                <a:spcPct val="100000"/>
-              </a:lnSpc>
-              <a:spcBef>
-                <a:spcPts val="0"/>
-              </a:spcBef>
-              <a:spcAft>
-                <a:spcPts val="0"/>
-              </a:spcAft>
-              <a:buClrTx/>
-              <a:buSzTx/>
-              <a:buFontTx/>
-              <a:buNone/>
-              <a:tabLst/>
-              <a:defRPr/>
-            </a:pPr>
-            <a:r>
-              <a:rPr lang="de-DE" dirty="0"/>
-              <a:t>Hyperparameters per </a:t>
-            </a:r>
-            <a:r>
-              <a:rPr lang="de-DE" dirty="0" err="1"/>
-              <a:t>pipeline</a:t>
-            </a:r>
-            <a:r>
-              <a:rPr lang="de-DE" dirty="0"/>
-              <a:t> (from </a:t>
-            </a:r>
-            <a:r>
-              <a:rPr lang="de-DE" dirty="0" err="1"/>
-              <a:t>latest</a:t>
-            </a:r>
-            <a:r>
-              <a:rPr lang="de-DE" dirty="0"/>
-              <a:t> </a:t>
-            </a:r>
-            <a:r>
-              <a:rPr lang="de-DE" dirty="0" err="1"/>
-              <a:t>pipeline</a:t>
-            </a:r>
-            <a:r>
-              <a:rPr lang="de-DE" dirty="0"/>
-              <a:t> </a:t>
-            </a:r>
-            <a:r>
-              <a:rPr lang="de-DE" dirty="0" err="1"/>
-              <a:t>run</a:t>
-            </a:r>
-            <a:r>
-              <a:rPr lang="de-DE" dirty="0"/>
-              <a:t>:)</a:t>
-            </a:r>
-          </a:p>
-          <a:p>
-            <a:pPr marL="0" marR="0" lvl="0" indent="0" algn="l" defTabSz="914400" rtl="0" eaLnBrk="1" fontAlgn="auto" latinLnBrk="0" hangingPunct="1">
-              <a:lnSpc>
-                <a:spcPct val="100000"/>
-              </a:lnSpc>
-              <a:spcBef>
-                <a:spcPts val="0"/>
-              </a:spcBef>
-              <a:spcAft>
-                <a:spcPts val="0"/>
-              </a:spcAft>
-              <a:buClrTx/>
-              <a:buSzTx/>
-              <a:buFontTx/>
-              <a:buNone/>
-              <a:tabLst/>
-              <a:defRPr/>
-            </a:pPr>
-            <a:r>
-              <a:rPr lang="de-DE" b="1" dirty="0"/>
-              <a:t>KNN</a:t>
-            </a:r>
-            <a:r>
-              <a:rPr lang="de-DE" dirty="0"/>
-              <a:t>: </a:t>
-            </a:r>
-            <a:r>
-              <a:rPr lang="en-GB" dirty="0"/>
-              <a:t> - `sampling__</a:t>
-            </a:r>
-            <a:r>
-              <a:rPr lang="en-GB" dirty="0" err="1"/>
-              <a:t>k_neighbors</a:t>
-            </a:r>
-            <a:r>
-              <a:rPr lang="en-GB" dirty="0"/>
-              <a:t>`: `1`</a:t>
-            </a:r>
-          </a:p>
-          <a:p>
-            <a:pPr marL="0" marR="0" lvl="0" indent="0" algn="l" defTabSz="914400" rtl="0" eaLnBrk="1" fontAlgn="auto" latinLnBrk="0" hangingPunct="1">
-              <a:lnSpc>
-                <a:spcPct val="100000"/>
-              </a:lnSpc>
-              <a:spcBef>
-                <a:spcPts val="0"/>
-              </a:spcBef>
-              <a:spcAft>
-                <a:spcPts val="0"/>
-              </a:spcAft>
-              <a:buClrTx/>
-              <a:buSzTx/>
-              <a:buFontTx/>
-              <a:buNone/>
-              <a:tabLst/>
-              <a:defRPr/>
-            </a:pPr>
-            <a:r>
-              <a:rPr lang="en-GB" dirty="0"/>
-              <a:t>  - `</a:t>
-            </a:r>
-            <a:r>
-              <a:rPr lang="en-GB" dirty="0" err="1"/>
-              <a:t>imputer__weights</a:t>
-            </a:r>
-            <a:r>
-              <a:rPr lang="en-GB" dirty="0"/>
-              <a:t>`: `distance`</a:t>
-            </a:r>
-          </a:p>
-          <a:p>
-            <a:pPr marL="0" marR="0" lvl="0" indent="0" algn="l" defTabSz="914400" rtl="0" eaLnBrk="1" fontAlgn="auto" latinLnBrk="0" hangingPunct="1">
-              <a:lnSpc>
-                <a:spcPct val="100000"/>
-              </a:lnSpc>
-              <a:spcBef>
-                <a:spcPts val="0"/>
-              </a:spcBef>
-              <a:spcAft>
-                <a:spcPts val="0"/>
-              </a:spcAft>
-              <a:buClrTx/>
-              <a:buSzTx/>
-              <a:buFontTx/>
-              <a:buNone/>
-              <a:tabLst/>
-              <a:defRPr/>
-            </a:pPr>
-            <a:r>
-              <a:rPr lang="en-GB" dirty="0"/>
-              <a:t>  - `imputer__</a:t>
-            </a:r>
-            <a:r>
-              <a:rPr lang="en-GB" dirty="0" err="1"/>
-              <a:t>n_neighbors</a:t>
-            </a:r>
-            <a:r>
-              <a:rPr lang="en-GB" dirty="0"/>
-              <a:t>`: `24`</a:t>
-            </a:r>
-          </a:p>
-          <a:p>
-            <a:pPr marL="0" marR="0" lvl="0" indent="0" algn="l" defTabSz="914400" rtl="0" eaLnBrk="1" fontAlgn="auto" latinLnBrk="0" hangingPunct="1">
-              <a:lnSpc>
-                <a:spcPct val="100000"/>
-              </a:lnSpc>
-              <a:spcBef>
-                <a:spcPts val="0"/>
-              </a:spcBef>
-              <a:spcAft>
-                <a:spcPts val="0"/>
-              </a:spcAft>
-              <a:buClrTx/>
-              <a:buSzTx/>
-              <a:buFontTx/>
-              <a:buNone/>
-              <a:tabLst/>
-              <a:defRPr/>
-            </a:pPr>
-            <a:r>
-              <a:rPr lang="en-GB" dirty="0"/>
-              <a:t>  - `</a:t>
-            </a:r>
-            <a:r>
-              <a:rPr lang="en-GB" dirty="0" err="1"/>
-              <a:t>feature_selector__whiten</a:t>
-            </a:r>
-            <a:r>
-              <a:rPr lang="en-GB" dirty="0"/>
-              <a:t>`: `True`</a:t>
-            </a:r>
-          </a:p>
-          <a:p>
-            <a:pPr marL="0" marR="0" lvl="0" indent="0" algn="l" defTabSz="914400" rtl="0" eaLnBrk="1" fontAlgn="auto" latinLnBrk="0" hangingPunct="1">
-              <a:lnSpc>
-                <a:spcPct val="100000"/>
-              </a:lnSpc>
-              <a:spcBef>
-                <a:spcPts val="0"/>
-              </a:spcBef>
-              <a:spcAft>
-                <a:spcPts val="0"/>
-              </a:spcAft>
-              <a:buClrTx/>
-              <a:buSzTx/>
-              <a:buFontTx/>
-              <a:buNone/>
-              <a:tabLst/>
-              <a:defRPr/>
-            </a:pPr>
-            <a:r>
-              <a:rPr lang="en-GB" dirty="0"/>
-              <a:t>  - `</a:t>
-            </a:r>
-            <a:r>
-              <a:rPr lang="en-GB" dirty="0" err="1"/>
-              <a:t>classifier__weights</a:t>
-            </a:r>
-            <a:r>
-              <a:rPr lang="en-GB" dirty="0"/>
-              <a:t>`: `uniform`</a:t>
-            </a:r>
-          </a:p>
-          <a:p>
-            <a:pPr marL="0" marR="0" lvl="0" indent="0" algn="l" defTabSz="914400" rtl="0" eaLnBrk="1" fontAlgn="auto" latinLnBrk="0" hangingPunct="1">
-              <a:lnSpc>
-                <a:spcPct val="100000"/>
-              </a:lnSpc>
-              <a:spcBef>
-                <a:spcPts val="0"/>
-              </a:spcBef>
-              <a:spcAft>
-                <a:spcPts val="0"/>
-              </a:spcAft>
-              <a:buClrTx/>
-              <a:buSzTx/>
-              <a:buFontTx/>
-              <a:buNone/>
-              <a:tabLst/>
-              <a:defRPr/>
-            </a:pPr>
-            <a:r>
-              <a:rPr lang="en-GB" dirty="0"/>
-              <a:t>  - `classifier__</a:t>
-            </a:r>
-            <a:r>
-              <a:rPr lang="en-GB" dirty="0" err="1"/>
-              <a:t>n_neighbors</a:t>
-            </a:r>
-            <a:r>
-              <a:rPr lang="en-GB" dirty="0"/>
-              <a:t>`: `10`</a:t>
-            </a:r>
-          </a:p>
-          <a:p>
-            <a:pPr marL="0" marR="0" lvl="0" indent="0" algn="l" defTabSz="914400" rtl="0" eaLnBrk="1" fontAlgn="auto" latinLnBrk="0" hangingPunct="1">
-              <a:lnSpc>
-                <a:spcPct val="100000"/>
-              </a:lnSpc>
-              <a:spcBef>
-                <a:spcPts val="0"/>
-              </a:spcBef>
-              <a:spcAft>
-                <a:spcPts val="0"/>
-              </a:spcAft>
-              <a:buClrTx/>
-              <a:buSzTx/>
-              <a:buFontTx/>
-              <a:buNone/>
-              <a:tabLst/>
-              <a:defRPr/>
-            </a:pPr>
-            <a:r>
-              <a:rPr lang="en-GB" b="1" dirty="0"/>
-              <a:t>MLP (</a:t>
-            </a:r>
-            <a:r>
-              <a:rPr lang="en-GB" sz="1200" b="1" i="0" kern="1200" dirty="0">
-                <a:solidFill>
-                  <a:schemeClr val="tx1"/>
-                </a:solidFill>
-                <a:effectLst/>
-                <a:latin typeface="+mn-lt"/>
-                <a:ea typeface="+mn-ea"/>
-                <a:cs typeface="+mn-cs"/>
-              </a:rPr>
-              <a:t>Multi Layer Perception</a:t>
-            </a:r>
-            <a:r>
-              <a:rPr lang="en-GB" b="1" dirty="0"/>
-              <a:t>)</a:t>
-            </a:r>
-            <a:r>
-              <a:rPr lang="en-GB" dirty="0"/>
-              <a:t>:</a:t>
-            </a:r>
-          </a:p>
-          <a:p>
-            <a:pPr marL="0" marR="0" lvl="0" indent="0" algn="l" defTabSz="914400" rtl="0" eaLnBrk="1" fontAlgn="auto" latinLnBrk="0" hangingPunct="1">
-              <a:lnSpc>
-                <a:spcPct val="100000"/>
-              </a:lnSpc>
-              <a:spcBef>
-                <a:spcPts val="0"/>
-              </a:spcBef>
-              <a:spcAft>
-                <a:spcPts val="0"/>
-              </a:spcAft>
-              <a:buClrTx/>
-              <a:buSzTx/>
-              <a:buFontTx/>
-              <a:buNone/>
-              <a:tabLst/>
-              <a:defRPr/>
-            </a:pPr>
-            <a:r>
-              <a:rPr lang="en-GB" dirty="0"/>
-              <a:t>- `sampling__</a:t>
-            </a:r>
-            <a:r>
-              <a:rPr lang="en-GB" dirty="0" err="1"/>
-              <a:t>k_neighbors</a:t>
-            </a:r>
-            <a:r>
-              <a:rPr lang="en-GB" dirty="0"/>
-              <a:t>`: `3`</a:t>
-            </a:r>
-          </a:p>
-          <a:p>
-            <a:pPr marL="0" marR="0" lvl="0" indent="0" algn="l" defTabSz="914400" rtl="0" eaLnBrk="1" fontAlgn="auto" latinLnBrk="0" hangingPunct="1">
-              <a:lnSpc>
-                <a:spcPct val="100000"/>
-              </a:lnSpc>
-              <a:spcBef>
-                <a:spcPts val="0"/>
-              </a:spcBef>
-              <a:spcAft>
-                <a:spcPts val="0"/>
-              </a:spcAft>
-              <a:buClrTx/>
-              <a:buSzTx/>
-              <a:buFontTx/>
-              <a:buNone/>
-              <a:tabLst/>
-              <a:defRPr/>
-            </a:pPr>
-            <a:r>
-              <a:rPr lang="en-GB" dirty="0"/>
-              <a:t>  - `</a:t>
-            </a:r>
-            <a:r>
-              <a:rPr lang="en-GB" dirty="0" err="1"/>
-              <a:t>imputer__weights</a:t>
-            </a:r>
-            <a:r>
-              <a:rPr lang="en-GB" dirty="0"/>
-              <a:t>`: `uniform`</a:t>
-            </a:r>
-          </a:p>
-          <a:p>
-            <a:pPr marL="0" marR="0" lvl="0" indent="0" algn="l" defTabSz="914400" rtl="0" eaLnBrk="1" fontAlgn="auto" latinLnBrk="0" hangingPunct="1">
-              <a:lnSpc>
-                <a:spcPct val="100000"/>
-              </a:lnSpc>
-              <a:spcBef>
-                <a:spcPts val="0"/>
-              </a:spcBef>
-              <a:spcAft>
-                <a:spcPts val="0"/>
-              </a:spcAft>
-              <a:buClrTx/>
-              <a:buSzTx/>
-              <a:buFontTx/>
-              <a:buNone/>
-              <a:tabLst/>
-              <a:defRPr/>
-            </a:pPr>
-            <a:r>
-              <a:rPr lang="en-GB" dirty="0"/>
-              <a:t>  - `imputer__</a:t>
-            </a:r>
-            <a:r>
-              <a:rPr lang="en-GB" dirty="0" err="1"/>
-              <a:t>n_neighbors</a:t>
-            </a:r>
-            <a:r>
-              <a:rPr lang="en-GB" dirty="0"/>
-              <a:t>`: `36`</a:t>
-            </a:r>
-          </a:p>
-          <a:p>
-            <a:pPr marL="0" marR="0" lvl="0" indent="0" algn="l" defTabSz="914400" rtl="0" eaLnBrk="1" fontAlgn="auto" latinLnBrk="0" hangingPunct="1">
-              <a:lnSpc>
-                <a:spcPct val="100000"/>
-              </a:lnSpc>
-              <a:spcBef>
-                <a:spcPts val="0"/>
-              </a:spcBef>
-              <a:spcAft>
-                <a:spcPts val="0"/>
-              </a:spcAft>
-              <a:buClrTx/>
-              <a:buSzTx/>
-              <a:buFontTx/>
-              <a:buNone/>
-              <a:tabLst/>
-              <a:defRPr/>
-            </a:pPr>
-            <a:r>
-              <a:rPr lang="en-GB" dirty="0"/>
-              <a:t>  - `classifier__</a:t>
-            </a:r>
-            <a:r>
-              <a:rPr lang="en-GB" dirty="0" err="1"/>
-              <a:t>hidden_layer_sizes</a:t>
-            </a:r>
-            <a:r>
-              <a:rPr lang="en-GB" dirty="0"/>
-              <a:t>`: `(30, 50)`</a:t>
-            </a:r>
-          </a:p>
-          <a:p>
-            <a:pPr marL="0" marR="0" lvl="0" indent="0" algn="l" defTabSz="914400" rtl="0" eaLnBrk="1" fontAlgn="auto" latinLnBrk="0" hangingPunct="1">
-              <a:lnSpc>
-                <a:spcPct val="100000"/>
-              </a:lnSpc>
-              <a:spcBef>
-                <a:spcPts val="0"/>
-              </a:spcBef>
-              <a:spcAft>
-                <a:spcPts val="0"/>
-              </a:spcAft>
-              <a:buClrTx/>
-              <a:buSzTx/>
-              <a:buFontTx/>
-              <a:buNone/>
-              <a:tabLst/>
-              <a:defRPr/>
-            </a:pPr>
-            <a:r>
-              <a:rPr lang="en-GB" dirty="0"/>
-              <a:t>  - `</a:t>
-            </a:r>
-            <a:r>
-              <a:rPr lang="en-GB" dirty="0" err="1"/>
-              <a:t>classifier__epsilon</a:t>
-            </a:r>
-            <a:r>
-              <a:rPr lang="en-GB" dirty="0"/>
-              <a:t>`: `0.01`</a:t>
-            </a:r>
-          </a:p>
-          <a:p>
-            <a:pPr marL="0" marR="0" lvl="0" indent="0" algn="l" defTabSz="914400" rtl="0" eaLnBrk="1" fontAlgn="auto" latinLnBrk="0" hangingPunct="1">
-              <a:lnSpc>
-                <a:spcPct val="100000"/>
-              </a:lnSpc>
-              <a:spcBef>
-                <a:spcPts val="0"/>
-              </a:spcBef>
-              <a:spcAft>
-                <a:spcPts val="0"/>
-              </a:spcAft>
-              <a:buClrTx/>
-              <a:buSzTx/>
-              <a:buFontTx/>
-              <a:buNone/>
-              <a:tabLst/>
-              <a:defRPr/>
-            </a:pPr>
-            <a:r>
-              <a:rPr lang="en-GB" dirty="0"/>
-              <a:t>  - `</a:t>
-            </a:r>
-            <a:r>
-              <a:rPr lang="en-GB" dirty="0" err="1"/>
-              <a:t>classifier__alpha</a:t>
-            </a:r>
-            <a:r>
-              <a:rPr lang="en-GB" dirty="0"/>
-              <a:t>`: `1e-07`</a:t>
-            </a:r>
-          </a:p>
-          <a:p>
-            <a:pPr marL="0" marR="0" lvl="0" indent="0" algn="l" defTabSz="914400" rtl="0" eaLnBrk="1" fontAlgn="auto" latinLnBrk="0" hangingPunct="1">
-              <a:lnSpc>
-                <a:spcPct val="100000"/>
-              </a:lnSpc>
-              <a:spcBef>
-                <a:spcPts val="0"/>
-              </a:spcBef>
-              <a:spcAft>
-                <a:spcPts val="0"/>
-              </a:spcAft>
-              <a:buClrTx/>
-              <a:buSzTx/>
-              <a:buFontTx/>
-              <a:buNone/>
-              <a:tabLst/>
-              <a:defRPr/>
-            </a:pPr>
-            <a:r>
-              <a:rPr lang="en-GB" dirty="0"/>
-              <a:t>  - `</a:t>
-            </a:r>
-            <a:r>
-              <a:rPr lang="en-GB" dirty="0" err="1"/>
-              <a:t>classifier__activation</a:t>
-            </a:r>
-            <a:r>
-              <a:rPr lang="en-GB" dirty="0"/>
-              <a:t>`: `tanh`</a:t>
-            </a:r>
-          </a:p>
-          <a:p>
-            <a:pPr marL="0" marR="0" lvl="0" indent="0" algn="l" defTabSz="914400" rtl="0" eaLnBrk="1" fontAlgn="auto" latinLnBrk="0" hangingPunct="1">
-              <a:lnSpc>
-                <a:spcPct val="100000"/>
-              </a:lnSpc>
-              <a:spcBef>
-                <a:spcPts val="0"/>
-              </a:spcBef>
-              <a:spcAft>
-                <a:spcPts val="0"/>
-              </a:spcAft>
-              <a:buClrTx/>
-              <a:buSzTx/>
-              <a:buFontTx/>
-              <a:buNone/>
-              <a:tabLst/>
-              <a:defRPr/>
-            </a:pPr>
-            <a:r>
-              <a:rPr lang="en-GB" b="1" dirty="0"/>
-              <a:t>RF:</a:t>
-            </a:r>
-          </a:p>
-          <a:p>
-            <a:pPr marL="0" marR="0" lvl="0" indent="0" algn="l" defTabSz="914400" rtl="0" eaLnBrk="1" fontAlgn="auto" latinLnBrk="0" hangingPunct="1">
-              <a:lnSpc>
-                <a:spcPct val="100000"/>
-              </a:lnSpc>
-              <a:spcBef>
-                <a:spcPts val="0"/>
-              </a:spcBef>
-              <a:spcAft>
-                <a:spcPts val="0"/>
-              </a:spcAft>
-              <a:buClrTx/>
-              <a:buSzTx/>
-              <a:buFontTx/>
-              <a:buNone/>
-              <a:tabLst/>
-              <a:defRPr/>
-            </a:pPr>
-            <a:r>
-              <a:rPr lang="en-GB" b="0" dirty="0"/>
-              <a:t>- `sampling__</a:t>
-            </a:r>
-            <a:r>
-              <a:rPr lang="en-GB" b="0" dirty="0" err="1"/>
-              <a:t>k_neighbors</a:t>
-            </a:r>
-            <a:r>
-              <a:rPr lang="en-GB" b="0" dirty="0"/>
-              <a:t>`: `8`</a:t>
-            </a:r>
-          </a:p>
-          <a:p>
-            <a:pPr marL="0" marR="0" lvl="0" indent="0" algn="l" defTabSz="914400" rtl="0" eaLnBrk="1" fontAlgn="auto" latinLnBrk="0" hangingPunct="1">
-              <a:lnSpc>
-                <a:spcPct val="100000"/>
-              </a:lnSpc>
-              <a:spcBef>
-                <a:spcPts val="0"/>
-              </a:spcBef>
-              <a:spcAft>
-                <a:spcPts val="0"/>
-              </a:spcAft>
-              <a:buClrTx/>
-              <a:buSzTx/>
-              <a:buFontTx/>
-              <a:buNone/>
-              <a:tabLst/>
-              <a:defRPr/>
-            </a:pPr>
-            <a:r>
-              <a:rPr lang="en-GB" b="0" dirty="0"/>
-              <a:t>  - `</a:t>
-            </a:r>
-            <a:r>
-              <a:rPr lang="en-GB" b="0" dirty="0" err="1"/>
-              <a:t>imputer__weights</a:t>
-            </a:r>
-            <a:r>
-              <a:rPr lang="en-GB" b="0" dirty="0"/>
-              <a:t>`: `distance`</a:t>
-            </a:r>
-          </a:p>
-          <a:p>
-            <a:pPr marL="0" marR="0" lvl="0" indent="0" algn="l" defTabSz="914400" rtl="0" eaLnBrk="1" fontAlgn="auto" latinLnBrk="0" hangingPunct="1">
-              <a:lnSpc>
-                <a:spcPct val="100000"/>
-              </a:lnSpc>
-              <a:spcBef>
-                <a:spcPts val="0"/>
-              </a:spcBef>
-              <a:spcAft>
-                <a:spcPts val="0"/>
-              </a:spcAft>
-              <a:buClrTx/>
-              <a:buSzTx/>
-              <a:buFontTx/>
-              <a:buNone/>
-              <a:tabLst/>
-              <a:defRPr/>
-            </a:pPr>
-            <a:r>
-              <a:rPr lang="en-GB" b="0" dirty="0"/>
-              <a:t>  - `imputer__</a:t>
-            </a:r>
-            <a:r>
-              <a:rPr lang="en-GB" b="0" dirty="0" err="1"/>
-              <a:t>n_neighbors</a:t>
-            </a:r>
-            <a:r>
-              <a:rPr lang="en-GB" b="0" dirty="0"/>
-              <a:t>`: `3`</a:t>
-            </a:r>
-          </a:p>
-          <a:p>
-            <a:pPr marL="0" marR="0" lvl="0" indent="0" algn="l" defTabSz="914400" rtl="0" eaLnBrk="1" fontAlgn="auto" latinLnBrk="0" hangingPunct="1">
-              <a:lnSpc>
-                <a:spcPct val="100000"/>
-              </a:lnSpc>
-              <a:spcBef>
-                <a:spcPts val="0"/>
-              </a:spcBef>
-              <a:spcAft>
-                <a:spcPts val="0"/>
-              </a:spcAft>
-              <a:buClrTx/>
-              <a:buSzTx/>
-              <a:buFontTx/>
-              <a:buNone/>
-              <a:tabLst/>
-              <a:defRPr/>
-            </a:pPr>
-            <a:r>
-              <a:rPr lang="en-GB" b="0" dirty="0"/>
-              <a:t>  - `classifier__</a:t>
-            </a:r>
-            <a:r>
-              <a:rPr lang="en-GB" b="0" dirty="0" err="1"/>
-              <a:t>n_estimators</a:t>
-            </a:r>
-            <a:r>
-              <a:rPr lang="en-GB" b="0" dirty="0"/>
-              <a:t>`: `161`</a:t>
-            </a:r>
-          </a:p>
-          <a:p>
-            <a:pPr marL="0" marR="0" lvl="0" indent="0" algn="l" defTabSz="914400" rtl="0" eaLnBrk="1" fontAlgn="auto" latinLnBrk="0" hangingPunct="1">
-              <a:lnSpc>
-                <a:spcPct val="100000"/>
-              </a:lnSpc>
-              <a:spcBef>
-                <a:spcPts val="0"/>
-              </a:spcBef>
-              <a:spcAft>
-                <a:spcPts val="0"/>
-              </a:spcAft>
-              <a:buClrTx/>
-              <a:buSzTx/>
-              <a:buFontTx/>
-              <a:buNone/>
-              <a:tabLst/>
-              <a:defRPr/>
-            </a:pPr>
-            <a:r>
-              <a:rPr lang="en-GB" b="0" dirty="0"/>
-              <a:t>  - `classifier__</a:t>
-            </a:r>
-            <a:r>
-              <a:rPr lang="en-GB" b="0" dirty="0" err="1"/>
-              <a:t>min_samples_leaf</a:t>
-            </a:r>
-            <a:r>
-              <a:rPr lang="en-GB" b="0" dirty="0"/>
-              <a:t>`: `91`</a:t>
-            </a:r>
-          </a:p>
-          <a:p>
-            <a:pPr marL="0" marR="0" lvl="0" indent="0" algn="l" defTabSz="914400" rtl="0" eaLnBrk="1" fontAlgn="auto" latinLnBrk="0" hangingPunct="1">
-              <a:lnSpc>
-                <a:spcPct val="100000"/>
-              </a:lnSpc>
-              <a:spcBef>
-                <a:spcPts val="0"/>
-              </a:spcBef>
-              <a:spcAft>
-                <a:spcPts val="0"/>
-              </a:spcAft>
-              <a:buClrTx/>
-              <a:buSzTx/>
-              <a:buFontTx/>
-              <a:buNone/>
-              <a:tabLst/>
-              <a:defRPr/>
-            </a:pPr>
-            <a:r>
-              <a:rPr lang="en-GB" b="0" dirty="0"/>
-              <a:t>  - `classifier__</a:t>
-            </a:r>
-            <a:r>
-              <a:rPr lang="en-GB" b="0" dirty="0" err="1"/>
-              <a:t>max_features</a:t>
-            </a:r>
-            <a:r>
-              <a:rPr lang="en-GB" b="0" dirty="0"/>
-              <a:t>`: `log2`</a:t>
-            </a:r>
-          </a:p>
-          <a:p>
-            <a:pPr marL="0" marR="0" lvl="0" indent="0" algn="l" defTabSz="914400" rtl="0" eaLnBrk="1" fontAlgn="auto" latinLnBrk="0" hangingPunct="1">
-              <a:lnSpc>
-                <a:spcPct val="100000"/>
-              </a:lnSpc>
-              <a:spcBef>
-                <a:spcPts val="0"/>
-              </a:spcBef>
-              <a:spcAft>
-                <a:spcPts val="0"/>
-              </a:spcAft>
-              <a:buClrTx/>
-              <a:buSzTx/>
-              <a:buFontTx/>
-              <a:buNone/>
-              <a:tabLst/>
-              <a:defRPr/>
-            </a:pPr>
-            <a:r>
-              <a:rPr lang="en-GB" b="1" dirty="0"/>
-              <a:t>SVM</a:t>
-            </a:r>
-            <a:r>
-              <a:rPr lang="en-GB" dirty="0"/>
-              <a:t>: </a:t>
-            </a:r>
-          </a:p>
-          <a:p>
-            <a:pPr marL="0" marR="0" lvl="0" indent="0" algn="l" defTabSz="914400" rtl="0" eaLnBrk="1" fontAlgn="auto" latinLnBrk="0" hangingPunct="1">
-              <a:lnSpc>
-                <a:spcPct val="100000"/>
-              </a:lnSpc>
-              <a:spcBef>
-                <a:spcPts val="0"/>
-              </a:spcBef>
-              <a:spcAft>
-                <a:spcPts val="0"/>
-              </a:spcAft>
-              <a:buClrTx/>
-              <a:buSzTx/>
-              <a:buFontTx/>
-              <a:buNone/>
-              <a:tabLst/>
-              <a:defRPr/>
-            </a:pPr>
-            <a:r>
-              <a:rPr lang="de-DE" dirty="0"/>
-              <a:t>- `</a:t>
-            </a:r>
-            <a:r>
-              <a:rPr lang="de-DE" dirty="0" err="1"/>
-              <a:t>sampling</a:t>
-            </a:r>
-            <a:r>
-              <a:rPr lang="de-DE" dirty="0"/>
-              <a:t>__</a:t>
-            </a:r>
-            <a:r>
-              <a:rPr lang="de-DE" dirty="0" err="1"/>
-              <a:t>k_neighbors</a:t>
-            </a:r>
-            <a:r>
-              <a:rPr lang="de-DE" dirty="0"/>
-              <a:t>`: `8`</a:t>
-            </a:r>
-          </a:p>
-          <a:p>
-            <a:pPr marL="0" marR="0" lvl="0" indent="0" algn="l" defTabSz="914400" rtl="0" eaLnBrk="1" fontAlgn="auto" latinLnBrk="0" hangingPunct="1">
-              <a:lnSpc>
-                <a:spcPct val="100000"/>
-              </a:lnSpc>
-              <a:spcBef>
-                <a:spcPts val="0"/>
-              </a:spcBef>
-              <a:spcAft>
-                <a:spcPts val="0"/>
-              </a:spcAft>
-              <a:buClrTx/>
-              <a:buSzTx/>
-              <a:buFontTx/>
-              <a:buNone/>
-              <a:tabLst/>
-              <a:defRPr/>
-            </a:pPr>
-            <a:r>
-              <a:rPr lang="de-DE" dirty="0"/>
-              <a:t>  - `</a:t>
-            </a:r>
-            <a:r>
-              <a:rPr lang="de-DE" dirty="0" err="1"/>
-              <a:t>imputer</a:t>
-            </a:r>
-            <a:r>
-              <a:rPr lang="de-DE" dirty="0"/>
-              <a:t>__</a:t>
-            </a:r>
-            <a:r>
-              <a:rPr lang="de-DE" dirty="0" err="1"/>
-              <a:t>weights</a:t>
-            </a:r>
-            <a:r>
-              <a:rPr lang="de-DE" dirty="0"/>
-              <a:t>`: `uniform`</a:t>
-            </a:r>
-          </a:p>
-          <a:p>
-            <a:pPr marL="0" marR="0" lvl="0" indent="0" algn="l" defTabSz="914400" rtl="0" eaLnBrk="1" fontAlgn="auto" latinLnBrk="0" hangingPunct="1">
-              <a:lnSpc>
-                <a:spcPct val="100000"/>
-              </a:lnSpc>
-              <a:spcBef>
-                <a:spcPts val="0"/>
-              </a:spcBef>
-              <a:spcAft>
-                <a:spcPts val="0"/>
-              </a:spcAft>
-              <a:buClrTx/>
-              <a:buSzTx/>
-              <a:buFontTx/>
-              <a:buNone/>
-              <a:tabLst/>
-              <a:defRPr/>
-            </a:pPr>
-            <a:r>
-              <a:rPr lang="de-DE" dirty="0"/>
-              <a:t>  - `</a:t>
-            </a:r>
-            <a:r>
-              <a:rPr lang="de-DE" dirty="0" err="1"/>
-              <a:t>imputer</a:t>
-            </a:r>
-            <a:r>
-              <a:rPr lang="de-DE" dirty="0"/>
-              <a:t>__</a:t>
-            </a:r>
-            <a:r>
-              <a:rPr lang="de-DE" dirty="0" err="1"/>
-              <a:t>n_neighbors</a:t>
-            </a:r>
-            <a:r>
-              <a:rPr lang="de-DE" dirty="0"/>
-              <a:t>`: `7`</a:t>
-            </a:r>
-          </a:p>
-          <a:p>
-            <a:pPr marL="0" marR="0" lvl="0" indent="0" algn="l" defTabSz="914400" rtl="0" eaLnBrk="1" fontAlgn="auto" latinLnBrk="0" hangingPunct="1">
-              <a:lnSpc>
-                <a:spcPct val="100000"/>
-              </a:lnSpc>
-              <a:spcBef>
-                <a:spcPts val="0"/>
-              </a:spcBef>
-              <a:spcAft>
-                <a:spcPts val="0"/>
-              </a:spcAft>
-              <a:buClrTx/>
-              <a:buSzTx/>
-              <a:buFontTx/>
-              <a:buNone/>
-              <a:tabLst/>
-              <a:defRPr/>
-            </a:pPr>
-            <a:r>
-              <a:rPr lang="de-DE" dirty="0"/>
-              <a:t>  - `</a:t>
-            </a:r>
-            <a:r>
-              <a:rPr lang="de-DE" dirty="0" err="1"/>
-              <a:t>classifier</a:t>
-            </a:r>
-            <a:r>
-              <a:rPr lang="de-DE" dirty="0"/>
-              <a:t>__</a:t>
-            </a:r>
-            <a:r>
-              <a:rPr lang="de-DE" dirty="0" err="1"/>
-              <a:t>kernel</a:t>
-            </a:r>
-            <a:r>
-              <a:rPr lang="de-DE" dirty="0"/>
-              <a:t>`: `</a:t>
-            </a:r>
-            <a:r>
-              <a:rPr lang="de-DE" dirty="0" err="1"/>
-              <a:t>sigmoid</a:t>
-            </a:r>
-            <a:r>
-              <a:rPr lang="de-DE" dirty="0"/>
-              <a:t>`</a:t>
-            </a:r>
-          </a:p>
-          <a:p>
-            <a:pPr marL="0" marR="0" lvl="0" indent="0" algn="l" defTabSz="914400" rtl="0" eaLnBrk="1" fontAlgn="auto" latinLnBrk="0" hangingPunct="1">
-              <a:lnSpc>
-                <a:spcPct val="100000"/>
-              </a:lnSpc>
-              <a:spcBef>
-                <a:spcPts val="0"/>
-              </a:spcBef>
-              <a:spcAft>
-                <a:spcPts val="0"/>
-              </a:spcAft>
-              <a:buClrTx/>
-              <a:buSzTx/>
-              <a:buFontTx/>
-              <a:buNone/>
-              <a:tabLst/>
-              <a:defRPr/>
-            </a:pPr>
-            <a:r>
-              <a:rPr lang="de-DE" dirty="0"/>
-              <a:t>  - `</a:t>
-            </a:r>
-            <a:r>
-              <a:rPr lang="de-DE" dirty="0" err="1"/>
-              <a:t>classifier</a:t>
-            </a:r>
-            <a:r>
-              <a:rPr lang="de-DE" dirty="0"/>
-              <a:t>__</a:t>
-            </a:r>
-            <a:r>
-              <a:rPr lang="de-DE" dirty="0" err="1"/>
-              <a:t>gamma</a:t>
-            </a:r>
-            <a:r>
-              <a:rPr lang="de-DE" dirty="0"/>
-              <a:t>`: `1`</a:t>
-            </a:r>
-          </a:p>
-          <a:p>
-            <a:pPr marL="0" marR="0" lvl="0" indent="0" algn="l" defTabSz="914400" rtl="0" eaLnBrk="1" fontAlgn="auto" latinLnBrk="0" hangingPunct="1">
-              <a:lnSpc>
-                <a:spcPct val="100000"/>
-              </a:lnSpc>
-              <a:spcBef>
-                <a:spcPts val="0"/>
-              </a:spcBef>
-              <a:spcAft>
-                <a:spcPts val="0"/>
-              </a:spcAft>
-              <a:buClrTx/>
-              <a:buSzTx/>
-              <a:buFontTx/>
-              <a:buNone/>
-              <a:tabLst/>
-              <a:defRPr/>
-            </a:pPr>
-            <a:r>
-              <a:rPr lang="de-DE" dirty="0"/>
-              <a:t>  - `</a:t>
-            </a:r>
-            <a:r>
-              <a:rPr lang="de-DE" dirty="0" err="1"/>
-              <a:t>classifier</a:t>
-            </a:r>
-            <a:r>
-              <a:rPr lang="de-DE" dirty="0"/>
-              <a:t>__C`: `1`</a:t>
-            </a:r>
-          </a:p>
-          <a:p>
-            <a:pPr marL="0" marR="0" lvl="0" indent="0" algn="l" defTabSz="914400" rtl="0" eaLnBrk="1" fontAlgn="auto" latinLnBrk="0" hangingPunct="1">
-              <a:lnSpc>
-                <a:spcPct val="100000"/>
-              </a:lnSpc>
-              <a:spcBef>
-                <a:spcPts val="0"/>
-              </a:spcBef>
-              <a:spcAft>
-                <a:spcPts val="0"/>
-              </a:spcAft>
-              <a:buClrTx/>
-              <a:buSzTx/>
-              <a:buFontTx/>
-              <a:buNone/>
-              <a:tabLst/>
-              <a:defRPr/>
-            </a:pPr>
-            <a:r>
-              <a:rPr lang="de-DE" b="1" dirty="0"/>
-              <a:t>GP (</a:t>
-            </a:r>
-            <a:r>
-              <a:rPr lang="de-DE" b="1" dirty="0" err="1"/>
-              <a:t>Gaussian</a:t>
-            </a:r>
-            <a:r>
-              <a:rPr lang="de-DE" b="1" dirty="0"/>
-              <a:t> </a:t>
-            </a:r>
-            <a:r>
-              <a:rPr lang="de-DE" b="1" dirty="0" err="1"/>
-              <a:t>Processes</a:t>
-            </a:r>
-            <a:r>
-              <a:rPr lang="de-DE" b="1" dirty="0"/>
-              <a:t>):</a:t>
-            </a:r>
-          </a:p>
-          <a:p>
-            <a:pPr marL="0" marR="0" lvl="0" indent="0" algn="l" defTabSz="914400" rtl="0" eaLnBrk="1" fontAlgn="auto" latinLnBrk="0" hangingPunct="1">
-              <a:lnSpc>
-                <a:spcPct val="100000"/>
-              </a:lnSpc>
-              <a:spcBef>
-                <a:spcPts val="0"/>
-              </a:spcBef>
-              <a:spcAft>
-                <a:spcPts val="0"/>
-              </a:spcAft>
-              <a:buClrTx/>
-              <a:buSzTx/>
-              <a:buFontTx/>
-              <a:buNone/>
-              <a:tabLst/>
-              <a:defRPr/>
-            </a:pPr>
-            <a:r>
-              <a:rPr lang="en-GB" b="0" dirty="0"/>
-              <a:t>- `sampling__</a:t>
-            </a:r>
-            <a:r>
-              <a:rPr lang="en-GB" b="0" dirty="0" err="1"/>
-              <a:t>k_neighbors</a:t>
-            </a:r>
-            <a:r>
-              <a:rPr lang="en-GB" b="0" dirty="0"/>
-              <a:t>`: `1`</a:t>
-            </a:r>
-          </a:p>
-          <a:p>
-            <a:pPr marL="0" marR="0" lvl="0" indent="0" algn="l" defTabSz="914400" rtl="0" eaLnBrk="1" fontAlgn="auto" latinLnBrk="0" hangingPunct="1">
-              <a:lnSpc>
-                <a:spcPct val="100000"/>
-              </a:lnSpc>
-              <a:spcBef>
-                <a:spcPts val="0"/>
-              </a:spcBef>
-              <a:spcAft>
-                <a:spcPts val="0"/>
-              </a:spcAft>
-              <a:buClrTx/>
-              <a:buSzTx/>
-              <a:buFontTx/>
-              <a:buNone/>
-              <a:tabLst/>
-              <a:defRPr/>
-            </a:pPr>
-            <a:r>
-              <a:rPr lang="en-GB" b="0" dirty="0"/>
-              <a:t>  - `</a:t>
-            </a:r>
-            <a:r>
-              <a:rPr lang="en-GB" b="0" dirty="0" err="1"/>
-              <a:t>imputer__weights</a:t>
-            </a:r>
-            <a:r>
-              <a:rPr lang="en-GB" b="0" dirty="0"/>
-              <a:t>`: `uniform`</a:t>
-            </a:r>
-          </a:p>
-          <a:p>
-            <a:pPr marL="0" marR="0" lvl="0" indent="0" algn="l" defTabSz="914400" rtl="0" eaLnBrk="1" fontAlgn="auto" latinLnBrk="0" hangingPunct="1">
-              <a:lnSpc>
-                <a:spcPct val="100000"/>
-              </a:lnSpc>
-              <a:spcBef>
-                <a:spcPts val="0"/>
-              </a:spcBef>
-              <a:spcAft>
-                <a:spcPts val="0"/>
-              </a:spcAft>
-              <a:buClrTx/>
-              <a:buSzTx/>
-              <a:buFontTx/>
-              <a:buNone/>
-              <a:tabLst/>
-              <a:defRPr/>
-            </a:pPr>
-            <a:r>
-              <a:rPr lang="en-GB" b="0" dirty="0"/>
-              <a:t>  - `imputer__</a:t>
-            </a:r>
-            <a:r>
-              <a:rPr lang="en-GB" b="0" dirty="0" err="1"/>
-              <a:t>n_neighbors</a:t>
-            </a:r>
-            <a:r>
-              <a:rPr lang="en-GB" b="0" dirty="0"/>
-              <a:t>`: `12`</a:t>
-            </a:r>
-          </a:p>
-          <a:p>
-            <a:pPr marL="0" marR="0" lvl="0" indent="0" algn="l" defTabSz="914400" rtl="0" eaLnBrk="1" fontAlgn="auto" latinLnBrk="0" hangingPunct="1">
-              <a:lnSpc>
-                <a:spcPct val="100000"/>
-              </a:lnSpc>
-              <a:spcBef>
-                <a:spcPts val="0"/>
-              </a:spcBef>
-              <a:spcAft>
-                <a:spcPts val="0"/>
-              </a:spcAft>
-              <a:buClrTx/>
-              <a:buSzTx/>
-              <a:buFontTx/>
-              <a:buNone/>
-              <a:tabLst/>
-              <a:defRPr/>
-            </a:pPr>
-            <a:r>
-              <a:rPr lang="en-GB" b="1" dirty="0"/>
-              <a:t>GNB (Gaussian Naïve Bayes):</a:t>
-            </a:r>
-          </a:p>
-          <a:p>
-            <a:pPr marL="0" marR="0" lvl="0" indent="0" algn="l" defTabSz="914400" rtl="0" eaLnBrk="1" fontAlgn="auto" latinLnBrk="0" hangingPunct="1">
-              <a:lnSpc>
-                <a:spcPct val="100000"/>
-              </a:lnSpc>
-              <a:spcBef>
-                <a:spcPts val="0"/>
-              </a:spcBef>
-              <a:spcAft>
-                <a:spcPts val="0"/>
-              </a:spcAft>
-              <a:buClrTx/>
-              <a:buSzTx/>
-              <a:buFontTx/>
-              <a:buNone/>
-              <a:tabLst/>
-              <a:defRPr/>
-            </a:pPr>
-            <a:r>
-              <a:rPr lang="en-GB" b="0" dirty="0"/>
-              <a:t>- `sampling__</a:t>
-            </a:r>
-            <a:r>
-              <a:rPr lang="en-GB" b="0" dirty="0" err="1"/>
-              <a:t>k_neighbors</a:t>
-            </a:r>
-            <a:r>
-              <a:rPr lang="en-GB" b="0" dirty="0"/>
-              <a:t>`: `7`</a:t>
-            </a:r>
-          </a:p>
-          <a:p>
-            <a:pPr marL="0" marR="0" lvl="0" indent="0" algn="l" defTabSz="914400" rtl="0" eaLnBrk="1" fontAlgn="auto" latinLnBrk="0" hangingPunct="1">
-              <a:lnSpc>
-                <a:spcPct val="100000"/>
-              </a:lnSpc>
-              <a:spcBef>
-                <a:spcPts val="0"/>
-              </a:spcBef>
-              <a:spcAft>
-                <a:spcPts val="0"/>
-              </a:spcAft>
-              <a:buClrTx/>
-              <a:buSzTx/>
-              <a:buFontTx/>
-              <a:buNone/>
-              <a:tabLst/>
-              <a:defRPr/>
-            </a:pPr>
-            <a:r>
-              <a:rPr lang="en-GB" b="0" dirty="0"/>
-              <a:t>  - `</a:t>
-            </a:r>
-            <a:r>
-              <a:rPr lang="en-GB" b="0" dirty="0" err="1"/>
-              <a:t>imputer__weights</a:t>
-            </a:r>
-            <a:r>
-              <a:rPr lang="en-GB" b="0" dirty="0"/>
-              <a:t>`: `distance`</a:t>
-            </a:r>
-          </a:p>
-          <a:p>
-            <a:pPr marL="0" marR="0" lvl="0" indent="0" algn="l" defTabSz="914400" rtl="0" eaLnBrk="1" fontAlgn="auto" latinLnBrk="0" hangingPunct="1">
-              <a:lnSpc>
-                <a:spcPct val="100000"/>
-              </a:lnSpc>
-              <a:spcBef>
-                <a:spcPts val="0"/>
-              </a:spcBef>
-              <a:spcAft>
-                <a:spcPts val="0"/>
-              </a:spcAft>
-              <a:buClrTx/>
-              <a:buSzTx/>
-              <a:buFontTx/>
-              <a:buNone/>
-              <a:tabLst/>
-              <a:defRPr/>
-            </a:pPr>
-            <a:r>
-              <a:rPr lang="en-GB" b="0" dirty="0"/>
-              <a:t>  - `imputer__</a:t>
-            </a:r>
-            <a:r>
-              <a:rPr lang="en-GB" b="0" dirty="0" err="1"/>
-              <a:t>n_neighbors</a:t>
-            </a:r>
-            <a:r>
-              <a:rPr lang="en-GB" b="0" dirty="0"/>
-              <a:t>`: `3`</a:t>
-            </a:r>
-          </a:p>
-          <a:p>
-            <a:pPr marL="0" marR="0" lvl="0" indent="0" algn="l" defTabSz="914400" rtl="0" eaLnBrk="1" fontAlgn="auto" latinLnBrk="0" hangingPunct="1">
-              <a:lnSpc>
-                <a:spcPct val="100000"/>
-              </a:lnSpc>
-              <a:spcBef>
-                <a:spcPts val="0"/>
-              </a:spcBef>
-              <a:spcAft>
-                <a:spcPts val="0"/>
-              </a:spcAft>
-              <a:buClrTx/>
-              <a:buSzTx/>
-              <a:buFontTx/>
-              <a:buNone/>
-              <a:tabLst/>
-              <a:defRPr/>
-            </a:pPr>
-            <a:r>
-              <a:rPr lang="en-GB" b="0" dirty="0"/>
-              <a:t>  - `</a:t>
-            </a:r>
-            <a:r>
-              <a:rPr lang="en-GB" b="0" dirty="0" err="1"/>
-              <a:t>feature_selector__whiten</a:t>
-            </a:r>
-            <a:r>
-              <a:rPr lang="en-GB" b="0" dirty="0"/>
-              <a:t>`: `True`</a:t>
-            </a:r>
-          </a:p>
-          <a:p>
-            <a:pPr marL="0" marR="0" lvl="0" indent="0" algn="l" defTabSz="914400" rtl="0" eaLnBrk="1" fontAlgn="auto" latinLnBrk="0" hangingPunct="1">
-              <a:lnSpc>
-                <a:spcPct val="100000"/>
-              </a:lnSpc>
-              <a:spcBef>
-                <a:spcPts val="0"/>
-              </a:spcBef>
-              <a:spcAft>
-                <a:spcPts val="0"/>
-              </a:spcAft>
-              <a:buClrTx/>
-              <a:buSzTx/>
-              <a:buFontTx/>
-              <a:buNone/>
-              <a:tabLst/>
-              <a:defRPr/>
-            </a:pPr>
-            <a:r>
-              <a:rPr lang="en-GB" b="1" dirty="0"/>
-              <a:t>GBM (Gradient Boosting):</a:t>
-            </a:r>
-          </a:p>
-          <a:p>
-            <a:pPr marL="0" marR="0" lvl="0" indent="0" algn="l" defTabSz="914400" rtl="0" eaLnBrk="1" fontAlgn="auto" latinLnBrk="0" hangingPunct="1">
-              <a:lnSpc>
-                <a:spcPct val="100000"/>
-              </a:lnSpc>
-              <a:spcBef>
-                <a:spcPts val="0"/>
-              </a:spcBef>
-              <a:spcAft>
-                <a:spcPts val="0"/>
-              </a:spcAft>
-              <a:buClrTx/>
-              <a:buSzTx/>
-              <a:buFontTx/>
-              <a:buNone/>
-              <a:tabLst/>
-              <a:defRPr/>
-            </a:pPr>
-            <a:endParaRPr lang="de-DE" b="1" dirty="0"/>
+              <a:t>just a little better than no skill (= prevalence of disease, in my case TLF = 5%)</a:t>
+            </a:r>
+            <a:endParaRPr lang="en-GB" dirty="0"/>
           </a:p>
         </p:txBody>
       </p:sp>
@@ -9282,7 +8989,7 @@
     </p:spTree>
     <p:extLst>
       <p:ext uri="{BB962C8B-B14F-4D97-AF65-F5344CB8AC3E}">
-        <p14:creationId xmlns:p14="http://schemas.microsoft.com/office/powerpoint/2010/main" val="218385511"/>
+        <p14:creationId xmlns:p14="http://schemas.microsoft.com/office/powerpoint/2010/main" val="2025906499"/>
       </p:ext>
     </p:extLst>
   </p:cSld>
@@ -9844,7 +9551,7 @@
           <a:graphicData uri="http://schemas.openxmlformats.org/presentationml/2006/ole">
             <mc:AlternateContent xmlns:mc="http://schemas.openxmlformats.org/markup-compatibility/2006">
               <mc:Choice xmlns:v="urn:schemas-microsoft-com:vml" Requires="v">
-                <p:oleObj spid="_x0000_s8425" name="think-cell Folie" r:id="rId4" imgW="270" imgH="270" progId="TCLayout.ActiveDocument.1">
+                <p:oleObj spid="_x0000_s8427" name="think-cell Folie" r:id="rId4" imgW="270" imgH="270" progId="TCLayout.ActiveDocument.1">
                   <p:embed/>
                 </p:oleObj>
               </mc:Choice>
@@ -10214,7 +9921,7 @@
           <a:graphicData uri="http://schemas.openxmlformats.org/presentationml/2006/ole">
             <mc:AlternateContent xmlns:mc="http://schemas.openxmlformats.org/markup-compatibility/2006">
               <mc:Choice xmlns:v="urn:schemas-microsoft-com:vml" Requires="v">
-                <p:oleObj spid="_x0000_s2290" name="think-cell Folie" r:id="rId4" imgW="270" imgH="270" progId="TCLayout.ActiveDocument.1">
+                <p:oleObj spid="_x0000_s2292" name="think-cell Folie" r:id="rId4" imgW="270" imgH="270" progId="TCLayout.ActiveDocument.1">
                   <p:embed/>
                 </p:oleObj>
               </mc:Choice>
@@ -10670,7 +10377,7 @@
           <a:graphicData uri="http://schemas.openxmlformats.org/presentationml/2006/ole">
             <mc:AlternateContent xmlns:mc="http://schemas.openxmlformats.org/markup-compatibility/2006">
               <mc:Choice xmlns:v="urn:schemas-microsoft-com:vml" Requires="v">
-                <p:oleObj spid="_x0000_s4335" name="think-cell Folie" r:id="rId4" imgW="270" imgH="270" progId="TCLayout.ActiveDocument.1">
+                <p:oleObj spid="_x0000_s4337" name="think-cell Folie" r:id="rId4" imgW="270" imgH="270" progId="TCLayout.ActiveDocument.1">
                   <p:embed/>
                 </p:oleObj>
               </mc:Choice>
@@ -11292,7 +10999,7 @@
           <a:graphicData uri="http://schemas.openxmlformats.org/presentationml/2006/ole">
             <mc:AlternateContent xmlns:mc="http://schemas.openxmlformats.org/markup-compatibility/2006">
               <mc:Choice xmlns:v="urn:schemas-microsoft-com:vml" Requires="v">
-                <p:oleObj spid="_x0000_s5359" name="think-cell Folie" r:id="rId4" imgW="270" imgH="270" progId="TCLayout.ActiveDocument.1">
+                <p:oleObj spid="_x0000_s5361" name="think-cell Folie" r:id="rId4" imgW="270" imgH="270" progId="TCLayout.ActiveDocument.1">
                   <p:embed/>
                 </p:oleObj>
               </mc:Choice>
@@ -11862,7 +11569,7 @@
           <a:graphicData uri="http://schemas.openxmlformats.org/presentationml/2006/ole">
             <mc:AlternateContent xmlns:mc="http://schemas.openxmlformats.org/markup-compatibility/2006">
               <mc:Choice xmlns:v="urn:schemas-microsoft-com:vml" Requires="v">
-                <p:oleObj spid="_x0000_s6382" name="think-cell Folie" r:id="rId4" imgW="270" imgH="270" progId="TCLayout.ActiveDocument.1">
+                <p:oleObj spid="_x0000_s6384" name="think-cell Folie" r:id="rId4" imgW="270" imgH="270" progId="TCLayout.ActiveDocument.1">
                   <p:embed/>
                 </p:oleObj>
               </mc:Choice>
@@ -12489,7 +12196,7 @@
           <a:graphicData uri="http://schemas.openxmlformats.org/presentationml/2006/ole">
             <mc:AlternateContent xmlns:mc="http://schemas.openxmlformats.org/markup-compatibility/2006">
               <mc:Choice xmlns:v="urn:schemas-microsoft-com:vml" Requires="v">
-                <p:oleObj spid="_x0000_s7402" name="think-cell Folie" r:id="rId4" imgW="270" imgH="270" progId="TCLayout.ActiveDocument.1">
+                <p:oleObj spid="_x0000_s7404" name="think-cell Folie" r:id="rId4" imgW="270" imgH="270" progId="TCLayout.ActiveDocument.1">
                   <p:embed/>
                 </p:oleObj>
               </mc:Choice>
@@ -12796,7 +12503,7 @@
           <a:graphicData uri="http://schemas.openxmlformats.org/presentationml/2006/ole">
             <mc:AlternateContent xmlns:mc="http://schemas.openxmlformats.org/markup-compatibility/2006">
               <mc:Choice xmlns:v="urn:schemas-microsoft-com:vml" Requires="v">
-                <p:oleObj spid="_x0000_s1269" name="think-cell Folie" r:id="rId13" imgW="270" imgH="270" progId="TCLayout.ActiveDocument.1">
+                <p:oleObj spid="_x0000_s1271" name="think-cell Folie" r:id="rId13" imgW="270" imgH="270" progId="TCLayout.ActiveDocument.1">
                   <p:embed/>
                 </p:oleObj>
               </mc:Choice>
@@ -13767,172 +13474,6 @@
           <p:cNvPr id="2" name="Titel 1">
             <a:extLst>
               <a:ext uri="{FF2B5EF4-FFF2-40B4-BE49-F238E27FC236}">
-                <a16:creationId xmlns:a16="http://schemas.microsoft.com/office/drawing/2014/main" id="{19EC5F35-6FE5-4B8E-AA44-21515C97AB49}"/>
-              </a:ext>
-            </a:extLst>
-          </p:cNvPr>
-          <p:cNvSpPr>
-            <a:spLocks noGrp="1"/>
-          </p:cNvSpPr>
-          <p:nvPr>
-            <p:ph type="title"/>
-          </p:nvPr>
-        </p:nvSpPr>
-        <p:spPr/>
-        <p:txBody>
-          <a:bodyPr/>
-          <a:lstStyle/>
-          <a:p>
-            <a:r>
-              <a:rPr lang="de-DE" dirty="0" err="1"/>
-              <a:t>Results</a:t>
-            </a:r>
-            <a:r>
-              <a:rPr lang="de-DE" dirty="0"/>
-              <a:t> (</a:t>
-            </a:r>
-            <a:r>
-              <a:rPr lang="de-DE" dirty="0" err="1"/>
-              <a:t>Vizualisation</a:t>
-            </a:r>
-            <a:r>
-              <a:rPr lang="de-DE" dirty="0"/>
-              <a:t>)</a:t>
-            </a:r>
-            <a:endParaRPr lang="en-GB" dirty="0"/>
-          </a:p>
-        </p:txBody>
-      </p:sp>
-      <p:sp>
-        <p:nvSpPr>
-          <p:cNvPr id="3" name="Foliennummernplatzhalter 2">
-            <a:extLst>
-              <a:ext uri="{FF2B5EF4-FFF2-40B4-BE49-F238E27FC236}">
-                <a16:creationId xmlns:a16="http://schemas.microsoft.com/office/drawing/2014/main" id="{344CC3F9-70AB-4CC8-908A-81D4ED20B285}"/>
-              </a:ext>
-            </a:extLst>
-          </p:cNvPr>
-          <p:cNvSpPr>
-            <a:spLocks noGrp="1"/>
-          </p:cNvSpPr>
-          <p:nvPr>
-            <p:ph type="sldNum" sz="quarter" idx="12"/>
-          </p:nvPr>
-        </p:nvSpPr>
-        <p:spPr/>
-        <p:txBody>
-          <a:bodyPr/>
-          <a:lstStyle/>
-          <a:p>
-            <a:fld id="{1744B4DD-8F10-491C-BFC2-D4DC64F16D79}" type="slidenum">
-              <a:rPr lang="de-DE" smtClean="0"/>
-              <a:pPr/>
-              <a:t>10</a:t>
-            </a:fld>
-            <a:r>
-              <a:rPr lang="de-DE" dirty="0">
-                <a:ea typeface="Verdana"/>
-                <a:cs typeface="Verdana"/>
-              </a:rPr>
-              <a:t>│</a:t>
-            </a:r>
-            <a:endParaRPr lang="de-DE" dirty="0"/>
-          </a:p>
-        </p:txBody>
-      </p:sp>
-      <p:pic>
-        <p:nvPicPr>
-          <p:cNvPr id="4" name="Grafik 3">
-            <a:extLst>
-              <a:ext uri="{FF2B5EF4-FFF2-40B4-BE49-F238E27FC236}">
-                <a16:creationId xmlns:a16="http://schemas.microsoft.com/office/drawing/2014/main" id="{AEDDA1A2-2F37-4706-B508-4138618C9419}"/>
-              </a:ext>
-            </a:extLst>
-          </p:cNvPr>
-          <p:cNvPicPr>
-            <a:picLocks noChangeAspect="1"/>
-          </p:cNvPicPr>
-          <p:nvPr/>
-        </p:nvPicPr>
-        <p:blipFill>
-          <a:blip r:embed="rId3"/>
-          <a:srcRect/>
-          <a:stretch/>
-        </p:blipFill>
-        <p:spPr>
-          <a:xfrm>
-            <a:off x="250825" y="1258718"/>
-            <a:ext cx="4348085" cy="3261063"/>
-          </a:xfrm>
-          <a:prstGeom prst="rect">
-            <a:avLst/>
-          </a:prstGeom>
-        </p:spPr>
-      </p:pic>
-      <p:pic>
-        <p:nvPicPr>
-          <p:cNvPr id="5" name="Grafik 4">
-            <a:extLst>
-              <a:ext uri="{FF2B5EF4-FFF2-40B4-BE49-F238E27FC236}">
-                <a16:creationId xmlns:a16="http://schemas.microsoft.com/office/drawing/2014/main" id="{52889DB0-48E3-4F05-856A-276007C06071}"/>
-              </a:ext>
-            </a:extLst>
-          </p:cNvPr>
-          <p:cNvPicPr>
-            <a:picLocks noChangeAspect="1"/>
-          </p:cNvPicPr>
-          <p:nvPr/>
-        </p:nvPicPr>
-        <p:blipFill>
-          <a:blip r:embed="rId4"/>
-          <a:srcRect/>
-          <a:stretch/>
-        </p:blipFill>
-        <p:spPr>
-          <a:xfrm>
-            <a:off x="4598910" y="2848594"/>
-            <a:ext cx="4144655" cy="3108491"/>
-          </a:xfrm>
-          <a:prstGeom prst="rect">
-            <a:avLst/>
-          </a:prstGeom>
-        </p:spPr>
-      </p:pic>
-    </p:spTree>
-    <p:extLst>
-      <p:ext uri="{BB962C8B-B14F-4D97-AF65-F5344CB8AC3E}">
-        <p14:creationId xmlns:p14="http://schemas.microsoft.com/office/powerpoint/2010/main" val="653623598"/>
-      </p:ext>
-    </p:extLst>
-  </p:cSld>
-  <p:clrMapOvr>
-    <a:masterClrMapping/>
-  </p:clrMapOvr>
-</p:sld>
-</file>
-
-<file path=ppt/slides/slide11.xml><?xml version="1.0" encoding="utf-8"?>
-<p:sld xmlns:a="http://schemas.openxmlformats.org/drawingml/2006/main" xmlns:r="http://schemas.openxmlformats.org/officeDocument/2006/relationships" xmlns:p="http://schemas.openxmlformats.org/presentationml/2006/main">
-  <p:cSld>
-    <p:spTree>
-      <p:nvGrpSpPr>
-        <p:cNvPr id="1" name=""/>
-        <p:cNvGrpSpPr/>
-        <p:nvPr/>
-      </p:nvGrpSpPr>
-      <p:grpSpPr>
-        <a:xfrm>
-          <a:off x="0" y="0"/>
-          <a:ext cx="0" cy="0"/>
-          <a:chOff x="0" y="0"/>
-          <a:chExt cx="0" cy="0"/>
-        </a:xfrm>
-      </p:grpSpPr>
-      <p:sp>
-        <p:nvSpPr>
-          <p:cNvPr id="2" name="Titel 1">
-            <a:extLst>
-              <a:ext uri="{FF2B5EF4-FFF2-40B4-BE49-F238E27FC236}">
                 <a16:creationId xmlns:a16="http://schemas.microsoft.com/office/drawing/2014/main" id="{F7F34951-5133-4B19-AA9E-10491FF6F664}"/>
               </a:ext>
             </a:extLst>
@@ -13981,7 +13522,7 @@
             <a:fld id="{1744B4DD-8F10-491C-BFC2-D4DC64F16D79}" type="slidenum">
               <a:rPr lang="de-DE" smtClean="0"/>
               <a:pPr/>
-              <a:t>11</a:t>
+              <a:t>10</a:t>
             </a:fld>
             <a:r>
               <a:rPr lang="de-DE">
@@ -14382,7 +13923,7 @@
 </p:sld>
 </file>
 
-<file path=ppt/slides/slide12.xml><?xml version="1.0" encoding="utf-8"?>
+<file path=ppt/slides/slide11.xml><?xml version="1.0" encoding="utf-8"?>
 <p:sld xmlns:a="http://schemas.openxmlformats.org/drawingml/2006/main" xmlns:r="http://schemas.openxmlformats.org/officeDocument/2006/relationships" xmlns:p="http://schemas.openxmlformats.org/presentationml/2006/main">
   <p:cSld>
     <p:spTree>
@@ -14476,7 +14017,7 @@
             <a:fld id="{1744B4DD-8F10-491C-BFC2-D4DC64F16D79}" type="slidenum">
               <a:rPr lang="de-DE" smtClean="0"/>
               <a:pPr/>
-              <a:t>12</a:t>
+              <a:t>11</a:t>
             </a:fld>
             <a:r>
               <a:rPr lang="de-DE">
@@ -14570,7 +14111,7 @@
 </p:sld>
 </file>
 
-<file path=ppt/slides/slide13.xml><?xml version="1.0" encoding="utf-8"?>
+<file path=ppt/slides/slide12.xml><?xml version="1.0" encoding="utf-8"?>
 <p:sld xmlns:a="http://schemas.openxmlformats.org/drawingml/2006/main" xmlns:r="http://schemas.openxmlformats.org/officeDocument/2006/relationships" xmlns:p="http://schemas.openxmlformats.org/presentationml/2006/main">
   <p:cSld>
     <p:spTree>
@@ -14648,7 +14189,7 @@
             <a:fld id="{1744B4DD-8F10-491C-BFC2-D4DC64F16D79}" type="slidenum">
               <a:rPr lang="de-DE" smtClean="0"/>
               <a:pPr/>
-              <a:t>13</a:t>
+              <a:t>12</a:t>
             </a:fld>
             <a:r>
               <a:rPr lang="de-DE">
@@ -16930,7 +16471,7 @@
 </p:sld>
 </file>
 
-<file path=ppt/slides/slide14.xml><?xml version="1.0" encoding="utf-8"?>
+<file path=ppt/slides/slide13.xml><?xml version="1.0" encoding="utf-8"?>
 <p:sld xmlns:a="http://schemas.openxmlformats.org/drawingml/2006/main" xmlns:r="http://schemas.openxmlformats.org/officeDocument/2006/relationships" xmlns:p="http://schemas.openxmlformats.org/presentationml/2006/main" showMasterSp="0">
   <p:cSld>
     <p:spTree>
@@ -20792,7 +20333,7 @@
 </p:sld>
 </file>
 
-<file path=ppt/slides/slide15.xml><?xml version="1.0" encoding="utf-8"?>
+<file path=ppt/slides/slide14.xml><?xml version="1.0" encoding="utf-8"?>
 <p:sld xmlns:a="http://schemas.openxmlformats.org/drawingml/2006/main" xmlns:r="http://schemas.openxmlformats.org/officeDocument/2006/relationships" xmlns:p="http://schemas.openxmlformats.org/presentationml/2006/main" showMasterSp="0">
   <p:cSld>
     <p:spTree>
@@ -20867,7 +20408,7 @@
             <a:fld id="{1744B4DD-8F10-491C-BFC2-D4DC64F16D79}" type="slidenum">
               <a:rPr lang="de-DE" smtClean="0"/>
               <a:pPr/>
-              <a:t>15</a:t>
+              <a:t>14</a:t>
             </a:fld>
             <a:r>
               <a:rPr lang="de-DE">
@@ -29631,204 +29172,6 @@
           <p:cNvPr id="2" name="Titel 1">
             <a:extLst>
               <a:ext uri="{FF2B5EF4-FFF2-40B4-BE49-F238E27FC236}">
-                <a16:creationId xmlns:a16="http://schemas.microsoft.com/office/drawing/2014/main" id="{5AE43EEF-98FD-4365-9040-DA60CF880EB9}"/>
-              </a:ext>
-            </a:extLst>
-          </p:cNvPr>
-          <p:cNvSpPr>
-            <a:spLocks noGrp="1"/>
-          </p:cNvSpPr>
-          <p:nvPr>
-            <p:ph type="title"/>
-          </p:nvPr>
-        </p:nvSpPr>
-        <p:spPr/>
-        <p:txBody>
-          <a:bodyPr/>
-          <a:lstStyle/>
-          <a:p>
-            <a:r>
-              <a:rPr lang="de-DE" dirty="0"/>
-              <a:t>Multiple </a:t>
-            </a:r>
-            <a:r>
-              <a:rPr lang="de-DE" dirty="0" err="1"/>
-              <a:t>Testing</a:t>
-            </a:r>
-            <a:r>
-              <a:rPr lang="de-DE" dirty="0"/>
-              <a:t> </a:t>
-            </a:r>
-            <a:r>
-              <a:rPr lang="de-DE" dirty="0" err="1"/>
-              <a:t>Correction</a:t>
-            </a:r>
-            <a:endParaRPr lang="en-GB" dirty="0"/>
-          </a:p>
-        </p:txBody>
-      </p:sp>
-      <p:sp>
-        <p:nvSpPr>
-          <p:cNvPr id="3" name="Foliennummernplatzhalter 2">
-            <a:extLst>
-              <a:ext uri="{FF2B5EF4-FFF2-40B4-BE49-F238E27FC236}">
-                <a16:creationId xmlns:a16="http://schemas.microsoft.com/office/drawing/2014/main" id="{057AC57E-5192-427E-859E-916001498E88}"/>
-              </a:ext>
-            </a:extLst>
-          </p:cNvPr>
-          <p:cNvSpPr>
-            <a:spLocks noGrp="1"/>
-          </p:cNvSpPr>
-          <p:nvPr>
-            <p:ph type="sldNum" sz="quarter" idx="12"/>
-          </p:nvPr>
-        </p:nvSpPr>
-        <p:spPr/>
-        <p:txBody>
-          <a:bodyPr/>
-          <a:lstStyle/>
-          <a:p>
-            <a:fld id="{1744B4DD-8F10-491C-BFC2-D4DC64F16D79}" type="slidenum">
-              <a:rPr lang="de-DE" smtClean="0"/>
-              <a:pPr/>
-              <a:t>6</a:t>
-            </a:fld>
-            <a:r>
-              <a:rPr lang="de-DE">
-                <a:ea typeface="Verdana"/>
-                <a:cs typeface="Verdana"/>
-              </a:rPr>
-              <a:t>│</a:t>
-            </a:r>
-            <a:endParaRPr lang="de-DE" dirty="0"/>
-          </a:p>
-        </p:txBody>
-      </p:sp>
-      <p:pic>
-        <p:nvPicPr>
-          <p:cNvPr id="11266" name="Picture 2" descr="Image for post">
-            <a:extLst>
-              <a:ext uri="{FF2B5EF4-FFF2-40B4-BE49-F238E27FC236}">
-                <a16:creationId xmlns:a16="http://schemas.microsoft.com/office/drawing/2014/main" id="{5475DD85-0C42-4BC3-B400-487E8E6E1AFB}"/>
-              </a:ext>
-            </a:extLst>
-          </p:cNvPr>
-          <p:cNvPicPr>
-            <a:picLocks noChangeAspect="1" noChangeArrowheads="1"/>
-          </p:cNvPicPr>
-          <p:nvPr/>
-        </p:nvPicPr>
-        <p:blipFill>
-          <a:blip r:embed="rId3">
-            <a:extLst>
-              <a:ext uri="{28A0092B-C50C-407E-A947-70E740481C1C}">
-                <a14:useLocalDpi xmlns:a14="http://schemas.microsoft.com/office/drawing/2010/main" val="0"/>
-              </a:ext>
-            </a:extLst>
-          </a:blip>
-          <a:srcRect/>
-          <a:stretch>
-            <a:fillRect/>
-          </a:stretch>
-        </p:blipFill>
-        <p:spPr bwMode="auto">
-          <a:xfrm>
-            <a:off x="213350" y="1763871"/>
-            <a:ext cx="5200650" cy="2446834"/>
-          </a:xfrm>
-          <a:prstGeom prst="rect">
-            <a:avLst/>
-          </a:prstGeom>
-          <a:noFill/>
-          <a:extLst>
-            <a:ext uri="{909E8E84-426E-40DD-AFC4-6F175D3DCCD1}">
-              <a14:hiddenFill xmlns:a14="http://schemas.microsoft.com/office/drawing/2010/main">
-                <a:solidFill>
-                  <a:srgbClr val="FFFFFF"/>
-                </a:solidFill>
-              </a14:hiddenFill>
-            </a:ext>
-          </a:extLst>
-        </p:spPr>
-      </p:pic>
-      <p:sp>
-        <p:nvSpPr>
-          <p:cNvPr id="5" name="Textfeld 4">
-            <a:extLst>
-              <a:ext uri="{FF2B5EF4-FFF2-40B4-BE49-F238E27FC236}">
-                <a16:creationId xmlns:a16="http://schemas.microsoft.com/office/drawing/2014/main" id="{A1789CD0-CD15-45FC-B467-71989C812052}"/>
-              </a:ext>
-            </a:extLst>
-          </p:cNvPr>
-          <p:cNvSpPr txBox="1"/>
-          <p:nvPr/>
-        </p:nvSpPr>
-        <p:spPr>
-          <a:xfrm>
-            <a:off x="357187" y="1161554"/>
-            <a:ext cx="8573463" cy="646331"/>
-          </a:xfrm>
-          <a:prstGeom prst="rect">
-            <a:avLst/>
-          </a:prstGeom>
-          <a:noFill/>
-        </p:spPr>
-        <p:txBody>
-          <a:bodyPr wrap="square" rtlCol="0">
-            <a:spAutoFit/>
-          </a:bodyPr>
-          <a:lstStyle/>
-          <a:p>
-            <a:pPr marL="285750" indent="-285750">
-              <a:buFont typeface="Arial" panose="020B0604020202020204" pitchFamily="34" charset="0"/>
-              <a:buChar char="•"/>
-            </a:pPr>
-            <a:r>
-              <a:rPr lang="en-GB" b="1" dirty="0"/>
-              <a:t>FWER</a:t>
-            </a:r>
-            <a:r>
-              <a:rPr lang="en-GB" dirty="0"/>
-              <a:t> (family wise error rate): indicates probability of making one or more false discoveries when performing multiple hypotheses tests</a:t>
-            </a:r>
-          </a:p>
-        </p:txBody>
-      </p:sp>
-    </p:spTree>
-    <p:extLst>
-      <p:ext uri="{BB962C8B-B14F-4D97-AF65-F5344CB8AC3E}">
-        <p14:creationId xmlns:p14="http://schemas.microsoft.com/office/powerpoint/2010/main" val="481895576"/>
-      </p:ext>
-    </p:extLst>
-  </p:cSld>
-  <p:clrMapOvr>
-    <a:masterClrMapping/>
-  </p:clrMapOvr>
-</p:sld>
-</file>
-
-<file path=ppt/slides/slide7.xml><?xml version="1.0" encoding="utf-8"?>
-<p:sld xmlns:a="http://schemas.openxmlformats.org/drawingml/2006/main" xmlns:r="http://schemas.openxmlformats.org/officeDocument/2006/relationships" xmlns:p="http://schemas.openxmlformats.org/presentationml/2006/main">
-  <p:cSld>
-    <p:spTree>
-      <p:nvGrpSpPr>
-        <p:cNvPr id="1" name=""/>
-        <p:cNvGrpSpPr/>
-        <p:nvPr/>
-      </p:nvGrpSpPr>
-      <p:grpSpPr>
-        <a:xfrm>
-          <a:off x="0" y="0"/>
-          <a:ext cx="0" cy="0"/>
-          <a:chOff x="0" y="0"/>
-          <a:chExt cx="0" cy="0"/>
-        </a:xfrm>
-      </p:grpSpPr>
-      <p:sp>
-        <p:nvSpPr>
-          <p:cNvPr id="2" name="Titel 1">
-            <a:extLst>
-              <a:ext uri="{FF2B5EF4-FFF2-40B4-BE49-F238E27FC236}">
                 <a16:creationId xmlns:a16="http://schemas.microsoft.com/office/drawing/2014/main" id="{C6CAF1E0-82D0-4EA7-B547-656225D043BE}"/>
               </a:ext>
             </a:extLst>
@@ -29877,7 +29220,7 @@
             <a:fld id="{1744B4DD-8F10-491C-BFC2-D4DC64F16D79}" type="slidenum">
               <a:rPr lang="de-DE" smtClean="0"/>
               <a:pPr/>
-              <a:t>7</a:t>
+              <a:t>6</a:t>
             </a:fld>
             <a:r>
               <a:rPr lang="de-DE">
@@ -30022,7 +29365,7 @@
 </p:sld>
 </file>
 
-<file path=ppt/slides/slide8.xml><?xml version="1.0" encoding="utf-8"?>
+<file path=ppt/slides/slide7.xml><?xml version="1.0" encoding="utf-8"?>
 <p:sld xmlns:a="http://schemas.openxmlformats.org/drawingml/2006/main" xmlns:r="http://schemas.openxmlformats.org/officeDocument/2006/relationships" xmlns:p="http://schemas.openxmlformats.org/presentationml/2006/main">
   <p:cSld>
     <p:spTree>
@@ -30096,7 +29439,7 @@
             <a:fld id="{1744B4DD-8F10-491C-BFC2-D4DC64F16D79}" type="slidenum">
               <a:rPr lang="de-DE" smtClean="0"/>
               <a:pPr/>
-              <a:t>8</a:t>
+              <a:t>7</a:t>
             </a:fld>
             <a:r>
               <a:rPr lang="de-DE">
@@ -30151,7 +29494,7 @@
 </p:sld>
 </file>
 
-<file path=ppt/slides/slide9.xml><?xml version="1.0" encoding="utf-8"?>
+<file path=ppt/slides/slide8.xml><?xml version="1.0" encoding="utf-8"?>
 <p:sld xmlns:a="http://schemas.openxmlformats.org/drawingml/2006/main" xmlns:r="http://schemas.openxmlformats.org/officeDocument/2006/relationships" xmlns:p="http://schemas.openxmlformats.org/presentationml/2006/main">
   <p:cSld>
     <p:spTree>
@@ -30241,7 +29584,7 @@
             <a:fld id="{1744B4DD-8F10-491C-BFC2-D4DC64F16D79}" type="slidenum">
               <a:rPr lang="de-DE" smtClean="0"/>
               <a:pPr/>
-              <a:t>9</a:t>
+              <a:t>8</a:t>
             </a:fld>
             <a:r>
               <a:rPr lang="de-DE">
@@ -31182,6 +30525,172 @@
 </p:sld>
 </file>
 
+<file path=ppt/slides/slide9.xml><?xml version="1.0" encoding="utf-8"?>
+<p:sld xmlns:a="http://schemas.openxmlformats.org/drawingml/2006/main" xmlns:r="http://schemas.openxmlformats.org/officeDocument/2006/relationships" xmlns:p="http://schemas.openxmlformats.org/presentationml/2006/main">
+  <p:cSld>
+    <p:spTree>
+      <p:nvGrpSpPr>
+        <p:cNvPr id="1" name=""/>
+        <p:cNvGrpSpPr/>
+        <p:nvPr/>
+      </p:nvGrpSpPr>
+      <p:grpSpPr>
+        <a:xfrm>
+          <a:off x="0" y="0"/>
+          <a:ext cx="0" cy="0"/>
+          <a:chOff x="0" y="0"/>
+          <a:chExt cx="0" cy="0"/>
+        </a:xfrm>
+      </p:grpSpPr>
+      <p:sp>
+        <p:nvSpPr>
+          <p:cNvPr id="2" name="Titel 1">
+            <a:extLst>
+              <a:ext uri="{FF2B5EF4-FFF2-40B4-BE49-F238E27FC236}">
+                <a16:creationId xmlns:a16="http://schemas.microsoft.com/office/drawing/2014/main" id="{19EC5F35-6FE5-4B8E-AA44-21515C97AB49}"/>
+              </a:ext>
+            </a:extLst>
+          </p:cNvPr>
+          <p:cNvSpPr>
+            <a:spLocks noGrp="1"/>
+          </p:cNvSpPr>
+          <p:nvPr>
+            <p:ph type="title"/>
+          </p:nvPr>
+        </p:nvSpPr>
+        <p:spPr/>
+        <p:txBody>
+          <a:bodyPr/>
+          <a:lstStyle/>
+          <a:p>
+            <a:r>
+              <a:rPr lang="de-DE" dirty="0" err="1"/>
+              <a:t>Results</a:t>
+            </a:r>
+            <a:r>
+              <a:rPr lang="de-DE" dirty="0"/>
+              <a:t> (</a:t>
+            </a:r>
+            <a:r>
+              <a:rPr lang="de-DE" dirty="0" err="1"/>
+              <a:t>Vizualisation</a:t>
+            </a:r>
+            <a:r>
+              <a:rPr lang="de-DE" dirty="0"/>
+              <a:t>)</a:t>
+            </a:r>
+            <a:endParaRPr lang="en-GB" dirty="0"/>
+          </a:p>
+        </p:txBody>
+      </p:sp>
+      <p:sp>
+        <p:nvSpPr>
+          <p:cNvPr id="3" name="Foliennummernplatzhalter 2">
+            <a:extLst>
+              <a:ext uri="{FF2B5EF4-FFF2-40B4-BE49-F238E27FC236}">
+                <a16:creationId xmlns:a16="http://schemas.microsoft.com/office/drawing/2014/main" id="{344CC3F9-70AB-4CC8-908A-81D4ED20B285}"/>
+              </a:ext>
+            </a:extLst>
+          </p:cNvPr>
+          <p:cNvSpPr>
+            <a:spLocks noGrp="1"/>
+          </p:cNvSpPr>
+          <p:nvPr>
+            <p:ph type="sldNum" sz="quarter" idx="12"/>
+          </p:nvPr>
+        </p:nvSpPr>
+        <p:spPr/>
+        <p:txBody>
+          <a:bodyPr/>
+          <a:lstStyle/>
+          <a:p>
+            <a:fld id="{1744B4DD-8F10-491C-BFC2-D4DC64F16D79}" type="slidenum">
+              <a:rPr lang="de-DE" smtClean="0"/>
+              <a:pPr/>
+              <a:t>9</a:t>
+            </a:fld>
+            <a:r>
+              <a:rPr lang="de-DE" dirty="0">
+                <a:ea typeface="Verdana"/>
+                <a:cs typeface="Verdana"/>
+              </a:rPr>
+              <a:t>│</a:t>
+            </a:r>
+            <a:endParaRPr lang="de-DE" dirty="0"/>
+          </a:p>
+        </p:txBody>
+      </p:sp>
+      <p:pic>
+        <p:nvPicPr>
+          <p:cNvPr id="4" name="Grafik 3">
+            <a:extLst>
+              <a:ext uri="{FF2B5EF4-FFF2-40B4-BE49-F238E27FC236}">
+                <a16:creationId xmlns:a16="http://schemas.microsoft.com/office/drawing/2014/main" id="{AEDDA1A2-2F37-4706-B508-4138618C9419}"/>
+              </a:ext>
+            </a:extLst>
+          </p:cNvPr>
+          <p:cNvPicPr>
+            <a:picLocks noChangeAspect="1"/>
+          </p:cNvPicPr>
+          <p:nvPr/>
+        </p:nvPicPr>
+        <p:blipFill>
+          <a:blip r:embed="rId3"/>
+          <a:srcRect/>
+          <a:stretch/>
+        </p:blipFill>
+        <p:spPr>
+          <a:xfrm>
+            <a:off x="-45264" y="1892175"/>
+            <a:ext cx="4687700" cy="3515775"/>
+          </a:xfrm>
+          <a:prstGeom prst="rect">
+            <a:avLst/>
+          </a:prstGeom>
+        </p:spPr>
+      </p:pic>
+      <p:pic>
+        <p:nvPicPr>
+          <p:cNvPr id="5" name="Grafik 4">
+            <a:extLst>
+              <a:ext uri="{FF2B5EF4-FFF2-40B4-BE49-F238E27FC236}">
+                <a16:creationId xmlns:a16="http://schemas.microsoft.com/office/drawing/2014/main" id="{52889DB0-48E3-4F05-856A-276007C06071}"/>
+              </a:ext>
+            </a:extLst>
+          </p:cNvPr>
+          <p:cNvPicPr>
+            <a:picLocks noChangeAspect="1"/>
+          </p:cNvPicPr>
+          <p:nvPr/>
+        </p:nvPicPr>
+        <p:blipFill>
+          <a:blip r:embed="rId4"/>
+          <a:srcRect/>
+          <a:stretch/>
+        </p:blipFill>
+        <p:spPr>
+          <a:xfrm>
+            <a:off x="4276852" y="1895947"/>
+            <a:ext cx="4653157" cy="3489868"/>
+          </a:xfrm>
+          <a:prstGeom prst="rect">
+            <a:avLst/>
+          </a:prstGeom>
+        </p:spPr>
+      </p:pic>
+    </p:spTree>
+    <p:extLst>
+      <p:ext uri="{BB962C8B-B14F-4D97-AF65-F5344CB8AC3E}">
+        <p14:creationId xmlns:p14="http://schemas.microsoft.com/office/powerpoint/2010/main" val="653623598"/>
+      </p:ext>
+    </p:extLst>
+  </p:cSld>
+  <p:clrMapOvr>
+    <a:masterClrMapping/>
+  </p:clrMapOvr>
+</p:sld>
+</file>
+
 <file path=ppt/tags/tag1.xml><?xml version="1.0" encoding="utf-8"?>
 <p:tagLst xmlns:a="http://schemas.openxmlformats.org/drawingml/2006/main" xmlns:r="http://schemas.openxmlformats.org/officeDocument/2006/relationships" xmlns:p="http://schemas.openxmlformats.org/presentationml/2006/main">
   <p:tag name="THINKCELLUNDODONOTDELETE" val="0"/>

--- a/presentations/ProgressReport.pptx
+++ b/presentations/ProgressReport.pptx
@@ -5,7 +5,7 @@
     <p:sldMasterId id="2147483648" r:id="rId1"/>
   </p:sldMasterIdLst>
   <p:notesMasterIdLst>
-    <p:notesMasterId r:id="rId16"/>
+    <p:notesMasterId r:id="rId17"/>
   </p:notesMasterIdLst>
   <p:sldIdLst>
     <p:sldId id="281" r:id="rId2"/>
@@ -22,11 +22,12 @@
     <p:sldId id="308" r:id="rId13"/>
     <p:sldId id="307" r:id="rId14"/>
     <p:sldId id="298" r:id="rId15"/>
+    <p:sldId id="309" r:id="rId16"/>
   </p:sldIdLst>
   <p:sldSz cx="9144000" cy="6858000" type="screen4x3"/>
   <p:notesSz cx="7315200" cy="9601200"/>
   <p:custDataLst>
-    <p:tags r:id="rId17"/>
+    <p:tags r:id="rId18"/>
   </p:custDataLst>
   <p:defaultTextStyle>
     <a:defPPr>
@@ -311,7 +312,7 @@
           <a:p>
             <a:fld id="{7E109A6C-D884-45F8-B5EB-D7A1699C6653}" type="datetimeFigureOut">
               <a:rPr lang="de-DE" smtClean="0"/>
-              <a:t>02.10.2020</a:t>
+              <a:t>05.10.2020</a:t>
             </a:fld>
             <a:endParaRPr lang="de-DE"/>
           </a:p>
@@ -4275,6 +4276,266 @@
     <p:extLst>
       <p:ext uri="{BB962C8B-B14F-4D97-AF65-F5344CB8AC3E}">
         <p14:creationId xmlns:p14="http://schemas.microsoft.com/office/powerpoint/2010/main" val="4170845296"/>
+      </p:ext>
+    </p:extLst>
+  </p:cSld>
+  <p:clrMapOvr>
+    <a:masterClrMapping/>
+  </p:clrMapOvr>
+</p:notes>
+</file>
+
+<file path=ppt/notesSlides/notesSlide15.xml><?xml version="1.0" encoding="utf-8"?>
+<p:notes xmlns:a="http://schemas.openxmlformats.org/drawingml/2006/main" xmlns:r="http://schemas.openxmlformats.org/officeDocument/2006/relationships" xmlns:p="http://schemas.openxmlformats.org/presentationml/2006/main">
+  <p:cSld>
+    <p:spTree>
+      <p:nvGrpSpPr>
+        <p:cNvPr id="1" name=""/>
+        <p:cNvGrpSpPr/>
+        <p:nvPr/>
+      </p:nvGrpSpPr>
+      <p:grpSpPr>
+        <a:xfrm>
+          <a:off x="0" y="0"/>
+          <a:ext cx="0" cy="0"/>
+          <a:chOff x="0" y="0"/>
+          <a:chExt cx="0" cy="0"/>
+        </a:xfrm>
+      </p:grpSpPr>
+      <p:sp>
+        <p:nvSpPr>
+          <p:cNvPr id="2" name="Folienbildplatzhalter 1"/>
+          <p:cNvSpPr>
+            <a:spLocks noGrp="1" noRot="1" noChangeAspect="1"/>
+          </p:cNvSpPr>
+          <p:nvPr>
+            <p:ph type="sldImg"/>
+          </p:nvPr>
+        </p:nvSpPr>
+        <p:spPr/>
+      </p:sp>
+      <p:sp>
+        <p:nvSpPr>
+          <p:cNvPr id="3" name="Notizenplatzhalter 2"/>
+          <p:cNvSpPr>
+            <a:spLocks noGrp="1"/>
+          </p:cNvSpPr>
+          <p:nvPr>
+            <p:ph type="body" idx="1"/>
+          </p:nvPr>
+        </p:nvSpPr>
+        <p:spPr/>
+        <p:txBody>
+          <a:bodyPr/>
+          <a:lstStyle/>
+          <a:p>
+            <a:r>
+              <a:rPr lang="de-DE" dirty="0"/>
+              <a:t>Short </a:t>
+            </a:r>
+            <a:r>
+              <a:rPr lang="de-DE" dirty="0" err="1"/>
+              <a:t>example</a:t>
+            </a:r>
+            <a:r>
+              <a:rPr lang="de-DE" dirty="0"/>
+              <a:t> </a:t>
+            </a:r>
+            <a:r>
+              <a:rPr lang="de-DE" dirty="0" err="1"/>
+              <a:t>how</a:t>
+            </a:r>
+            <a:r>
+              <a:rPr lang="de-DE" dirty="0"/>
+              <a:t> </a:t>
+            </a:r>
+            <a:r>
+              <a:rPr lang="de-DE" dirty="0" err="1"/>
+              <a:t>evaluation</a:t>
+            </a:r>
+            <a:r>
+              <a:rPr lang="de-DE" dirty="0"/>
+              <a:t> of final </a:t>
+            </a:r>
+            <a:r>
+              <a:rPr lang="de-DE" dirty="0" err="1"/>
+              <a:t>chosen</a:t>
+            </a:r>
+            <a:r>
+              <a:rPr lang="de-DE" dirty="0"/>
+              <a:t> </a:t>
+            </a:r>
+            <a:r>
+              <a:rPr lang="de-DE" dirty="0" err="1"/>
+              <a:t>pipelines</a:t>
+            </a:r>
+            <a:r>
+              <a:rPr lang="de-DE" dirty="0"/>
+              <a:t> will </a:t>
+            </a:r>
+            <a:r>
+              <a:rPr lang="de-DE" dirty="0" err="1"/>
+              <a:t>look</a:t>
+            </a:r>
+            <a:r>
+              <a:rPr lang="de-DE" dirty="0"/>
+              <a:t> like. </a:t>
+            </a:r>
+            <a:r>
+              <a:rPr lang="de-DE" dirty="0" err="1"/>
+              <a:t>We</a:t>
+            </a:r>
+            <a:r>
+              <a:rPr lang="de-DE" dirty="0"/>
+              <a:t> </a:t>
+            </a:r>
+            <a:r>
+              <a:rPr lang="de-DE" dirty="0" err="1"/>
+              <a:t>see</a:t>
+            </a:r>
+            <a:r>
+              <a:rPr lang="de-DE" dirty="0"/>
+              <a:t> – </a:t>
+            </a:r>
+            <a:r>
+              <a:rPr lang="de-DE" dirty="0" err="1"/>
+              <a:t>expected</a:t>
+            </a:r>
+            <a:r>
+              <a:rPr lang="de-DE" dirty="0"/>
+              <a:t> from </a:t>
+            </a:r>
+            <a:r>
+              <a:rPr lang="de-DE" dirty="0" err="1"/>
+              <a:t>the</a:t>
+            </a:r>
+            <a:r>
+              <a:rPr lang="de-DE" dirty="0"/>
+              <a:t> </a:t>
+            </a:r>
+            <a:r>
+              <a:rPr lang="de-DE" dirty="0" err="1"/>
+              <a:t>low</a:t>
+            </a:r>
+            <a:r>
+              <a:rPr lang="de-DE" dirty="0"/>
+              <a:t> </a:t>
+            </a:r>
+            <a:r>
+              <a:rPr lang="de-DE" dirty="0" err="1"/>
+              <a:t>scores</a:t>
+            </a:r>
+            <a:r>
+              <a:rPr lang="de-DE" dirty="0"/>
+              <a:t> – ROC </a:t>
+            </a:r>
+            <a:r>
+              <a:rPr lang="de-DE" dirty="0" err="1"/>
+              <a:t>curve</a:t>
+            </a:r>
+            <a:r>
+              <a:rPr lang="de-DE" dirty="0"/>
+              <a:t> </a:t>
+            </a:r>
+            <a:r>
+              <a:rPr lang="de-DE" dirty="0" err="1"/>
+              <a:t>near</a:t>
+            </a:r>
+            <a:r>
+              <a:rPr lang="de-DE" dirty="0"/>
+              <a:t> </a:t>
+            </a:r>
+            <a:r>
+              <a:rPr lang="de-DE" dirty="0" err="1"/>
+              <a:t>the</a:t>
+            </a:r>
+            <a:r>
+              <a:rPr lang="de-DE" dirty="0"/>
+              <a:t> </a:t>
+            </a:r>
+            <a:r>
+              <a:rPr lang="de-DE" dirty="0" err="1"/>
+              <a:t>random</a:t>
+            </a:r>
+            <a:r>
+              <a:rPr lang="de-DE" dirty="0"/>
+              <a:t> </a:t>
+            </a:r>
+            <a:r>
+              <a:rPr lang="de-DE" dirty="0" err="1"/>
+              <a:t>line</a:t>
+            </a:r>
+            <a:r>
+              <a:rPr lang="de-DE" dirty="0"/>
+              <a:t> and </a:t>
+            </a:r>
+            <a:r>
+              <a:rPr lang="de-DE" dirty="0" err="1"/>
+              <a:t>prec</a:t>
+            </a:r>
+            <a:r>
+              <a:rPr lang="de-DE" dirty="0"/>
+              <a:t>/</a:t>
+            </a:r>
+            <a:r>
+              <a:rPr lang="de-DE" dirty="0" err="1"/>
+              <a:t>rec</a:t>
+            </a:r>
+            <a:r>
+              <a:rPr lang="de-DE" dirty="0"/>
+              <a:t> </a:t>
+            </a:r>
+            <a:r>
+              <a:rPr lang="de-DE" dirty="0" err="1"/>
+              <a:t>curve</a:t>
+            </a:r>
+            <a:r>
+              <a:rPr lang="de-DE" dirty="0"/>
+              <a:t> </a:t>
+            </a:r>
+            <a:r>
+              <a:rPr lang="en-GB" sz="1200" b="0" i="0" kern="1200" dirty="0">
+                <a:solidFill>
+                  <a:schemeClr val="tx1"/>
+                </a:solidFill>
+                <a:effectLst/>
+                <a:latin typeface="+mn-lt"/>
+                <a:ea typeface="+mn-ea"/>
+                <a:cs typeface="+mn-cs"/>
+              </a:rPr>
+              <a:t>just a little better than no skill (= prevalence of disease, in my case TLF = 5%)</a:t>
+            </a:r>
+            <a:endParaRPr lang="en-GB" dirty="0"/>
+          </a:p>
+        </p:txBody>
+      </p:sp>
+      <p:sp>
+        <p:nvSpPr>
+          <p:cNvPr id="4" name="Foliennummernplatzhalter 3"/>
+          <p:cNvSpPr>
+            <a:spLocks noGrp="1"/>
+          </p:cNvSpPr>
+          <p:nvPr>
+            <p:ph type="sldNum" sz="quarter" idx="5"/>
+          </p:nvPr>
+        </p:nvSpPr>
+        <p:spPr/>
+        <p:txBody>
+          <a:bodyPr/>
+          <a:lstStyle/>
+          <a:p>
+            <a:fld id="{098BD289-3A29-45E8-AD20-ACE8C932FF07}" type="slidenum">
+              <a:rPr lang="de-DE" smtClean="0"/>
+              <a:t>15</a:t>
+            </a:fld>
+            <a:endParaRPr lang="de-DE"/>
+          </a:p>
+        </p:txBody>
+      </p:sp>
+    </p:spTree>
+    <p:extLst>
+      <p:ext uri="{BB962C8B-B14F-4D97-AF65-F5344CB8AC3E}">
+        <p14:creationId xmlns:p14="http://schemas.microsoft.com/office/powerpoint/2010/main" val="3340899895"/>
       </p:ext>
     </p:extLst>
   </p:cSld>
@@ -9551,7 +9812,7 @@
           <a:graphicData uri="http://schemas.openxmlformats.org/presentationml/2006/ole">
             <mc:AlternateContent xmlns:mc="http://schemas.openxmlformats.org/markup-compatibility/2006">
               <mc:Choice xmlns:v="urn:schemas-microsoft-com:vml" Requires="v">
-                <p:oleObj spid="_x0000_s8427" name="think-cell Folie" r:id="rId4" imgW="270" imgH="270" progId="TCLayout.ActiveDocument.1">
+                <p:oleObj spid="_x0000_s8429" name="think-cell Folie" r:id="rId4" imgW="270" imgH="270" progId="TCLayout.ActiveDocument.1">
                   <p:embed/>
                 </p:oleObj>
               </mc:Choice>
@@ -9921,7 +10182,7 @@
           <a:graphicData uri="http://schemas.openxmlformats.org/presentationml/2006/ole">
             <mc:AlternateContent xmlns:mc="http://schemas.openxmlformats.org/markup-compatibility/2006">
               <mc:Choice xmlns:v="urn:schemas-microsoft-com:vml" Requires="v">
-                <p:oleObj spid="_x0000_s2292" name="think-cell Folie" r:id="rId4" imgW="270" imgH="270" progId="TCLayout.ActiveDocument.1">
+                <p:oleObj spid="_x0000_s2294" name="think-cell Folie" r:id="rId4" imgW="270" imgH="270" progId="TCLayout.ActiveDocument.1">
                   <p:embed/>
                 </p:oleObj>
               </mc:Choice>
@@ -10377,7 +10638,7 @@
           <a:graphicData uri="http://schemas.openxmlformats.org/presentationml/2006/ole">
             <mc:AlternateContent xmlns:mc="http://schemas.openxmlformats.org/markup-compatibility/2006">
               <mc:Choice xmlns:v="urn:schemas-microsoft-com:vml" Requires="v">
-                <p:oleObj spid="_x0000_s4337" name="think-cell Folie" r:id="rId4" imgW="270" imgH="270" progId="TCLayout.ActiveDocument.1">
+                <p:oleObj spid="_x0000_s4339" name="think-cell Folie" r:id="rId4" imgW="270" imgH="270" progId="TCLayout.ActiveDocument.1">
                   <p:embed/>
                 </p:oleObj>
               </mc:Choice>
@@ -10999,7 +11260,7 @@
           <a:graphicData uri="http://schemas.openxmlformats.org/presentationml/2006/ole">
             <mc:AlternateContent xmlns:mc="http://schemas.openxmlformats.org/markup-compatibility/2006">
               <mc:Choice xmlns:v="urn:schemas-microsoft-com:vml" Requires="v">
-                <p:oleObj spid="_x0000_s5361" name="think-cell Folie" r:id="rId4" imgW="270" imgH="270" progId="TCLayout.ActiveDocument.1">
+                <p:oleObj spid="_x0000_s5363" name="think-cell Folie" r:id="rId4" imgW="270" imgH="270" progId="TCLayout.ActiveDocument.1">
                   <p:embed/>
                 </p:oleObj>
               </mc:Choice>
@@ -11569,7 +11830,7 @@
           <a:graphicData uri="http://schemas.openxmlformats.org/presentationml/2006/ole">
             <mc:AlternateContent xmlns:mc="http://schemas.openxmlformats.org/markup-compatibility/2006">
               <mc:Choice xmlns:v="urn:schemas-microsoft-com:vml" Requires="v">
-                <p:oleObj spid="_x0000_s6384" name="think-cell Folie" r:id="rId4" imgW="270" imgH="270" progId="TCLayout.ActiveDocument.1">
+                <p:oleObj spid="_x0000_s6386" name="think-cell Folie" r:id="rId4" imgW="270" imgH="270" progId="TCLayout.ActiveDocument.1">
                   <p:embed/>
                 </p:oleObj>
               </mc:Choice>
@@ -12196,7 +12457,7 @@
           <a:graphicData uri="http://schemas.openxmlformats.org/presentationml/2006/ole">
             <mc:AlternateContent xmlns:mc="http://schemas.openxmlformats.org/markup-compatibility/2006">
               <mc:Choice xmlns:v="urn:schemas-microsoft-com:vml" Requires="v">
-                <p:oleObj spid="_x0000_s7404" name="think-cell Folie" r:id="rId4" imgW="270" imgH="270" progId="TCLayout.ActiveDocument.1">
+                <p:oleObj spid="_x0000_s7406" name="think-cell Folie" r:id="rId4" imgW="270" imgH="270" progId="TCLayout.ActiveDocument.1">
                   <p:embed/>
                 </p:oleObj>
               </mc:Choice>
@@ -12503,7 +12764,7 @@
           <a:graphicData uri="http://schemas.openxmlformats.org/presentationml/2006/ole">
             <mc:AlternateContent xmlns:mc="http://schemas.openxmlformats.org/markup-compatibility/2006">
               <mc:Choice xmlns:v="urn:schemas-microsoft-com:vml" Requires="v">
-                <p:oleObj spid="_x0000_s1271" name="think-cell Folie" r:id="rId13" imgW="270" imgH="270" progId="TCLayout.ActiveDocument.1">
+                <p:oleObj spid="_x0000_s1273" name="think-cell Folie" r:id="rId13" imgW="270" imgH="270" progId="TCLayout.ActiveDocument.1">
                   <p:embed/>
                 </p:oleObj>
               </mc:Choice>
@@ -15926,6 +16187,7 @@
                 </a:extLst>
               </p:cNvPr>
               <p:cNvCxnSpPr>
+                <a:cxnSpLocks/>
                 <a:stCxn id="60" idx="1"/>
               </p:cNvCxnSpPr>
               <p:nvPr/>
@@ -22151,6 +22413,172 @@
 </p:sld>
 </file>
 
+<file path=ppt/slides/slide15.xml><?xml version="1.0" encoding="utf-8"?>
+<p:sld xmlns:a="http://schemas.openxmlformats.org/drawingml/2006/main" xmlns:r="http://schemas.openxmlformats.org/officeDocument/2006/relationships" xmlns:p="http://schemas.openxmlformats.org/presentationml/2006/main">
+  <p:cSld>
+    <p:spTree>
+      <p:nvGrpSpPr>
+        <p:cNvPr id="1" name=""/>
+        <p:cNvGrpSpPr/>
+        <p:nvPr/>
+      </p:nvGrpSpPr>
+      <p:grpSpPr>
+        <a:xfrm>
+          <a:off x="0" y="0"/>
+          <a:ext cx="0" cy="0"/>
+          <a:chOff x="0" y="0"/>
+          <a:chExt cx="0" cy="0"/>
+        </a:xfrm>
+      </p:grpSpPr>
+      <p:sp>
+        <p:nvSpPr>
+          <p:cNvPr id="2" name="Titel 1">
+            <a:extLst>
+              <a:ext uri="{FF2B5EF4-FFF2-40B4-BE49-F238E27FC236}">
+                <a16:creationId xmlns:a16="http://schemas.microsoft.com/office/drawing/2014/main" id="{19EC5F35-6FE5-4B8E-AA44-21515C97AB49}"/>
+              </a:ext>
+            </a:extLst>
+          </p:cNvPr>
+          <p:cNvSpPr>
+            <a:spLocks noGrp="1"/>
+          </p:cNvSpPr>
+          <p:nvPr>
+            <p:ph type="title"/>
+          </p:nvPr>
+        </p:nvSpPr>
+        <p:spPr/>
+        <p:txBody>
+          <a:bodyPr/>
+          <a:lstStyle/>
+          <a:p>
+            <a:r>
+              <a:rPr lang="de-DE" dirty="0" err="1"/>
+              <a:t>Results</a:t>
+            </a:r>
+            <a:r>
+              <a:rPr lang="de-DE" dirty="0"/>
+              <a:t> (</a:t>
+            </a:r>
+            <a:r>
+              <a:rPr lang="de-DE" dirty="0" err="1"/>
+              <a:t>Visualization</a:t>
+            </a:r>
+            <a:r>
+              <a:rPr lang="de-DE" dirty="0"/>
+              <a:t>)</a:t>
+            </a:r>
+            <a:endParaRPr lang="en-GB" dirty="0"/>
+          </a:p>
+        </p:txBody>
+      </p:sp>
+      <p:sp>
+        <p:nvSpPr>
+          <p:cNvPr id="3" name="Foliennummernplatzhalter 2">
+            <a:extLst>
+              <a:ext uri="{FF2B5EF4-FFF2-40B4-BE49-F238E27FC236}">
+                <a16:creationId xmlns:a16="http://schemas.microsoft.com/office/drawing/2014/main" id="{344CC3F9-70AB-4CC8-908A-81D4ED20B285}"/>
+              </a:ext>
+            </a:extLst>
+          </p:cNvPr>
+          <p:cNvSpPr>
+            <a:spLocks noGrp="1"/>
+          </p:cNvSpPr>
+          <p:nvPr>
+            <p:ph type="sldNum" sz="quarter" idx="12"/>
+          </p:nvPr>
+        </p:nvSpPr>
+        <p:spPr/>
+        <p:txBody>
+          <a:bodyPr/>
+          <a:lstStyle/>
+          <a:p>
+            <a:fld id="{1744B4DD-8F10-491C-BFC2-D4DC64F16D79}" type="slidenum">
+              <a:rPr lang="de-DE" smtClean="0"/>
+              <a:pPr/>
+              <a:t>15</a:t>
+            </a:fld>
+            <a:r>
+              <a:rPr lang="de-DE" dirty="0">
+                <a:ea typeface="Verdana"/>
+                <a:cs typeface="Verdana"/>
+              </a:rPr>
+              <a:t>│</a:t>
+            </a:r>
+            <a:endParaRPr lang="de-DE" dirty="0"/>
+          </a:p>
+        </p:txBody>
+      </p:sp>
+      <p:pic>
+        <p:nvPicPr>
+          <p:cNvPr id="4" name="Grafik 3">
+            <a:extLst>
+              <a:ext uri="{FF2B5EF4-FFF2-40B4-BE49-F238E27FC236}">
+                <a16:creationId xmlns:a16="http://schemas.microsoft.com/office/drawing/2014/main" id="{AEDDA1A2-2F37-4706-B508-4138618C9419}"/>
+              </a:ext>
+            </a:extLst>
+          </p:cNvPr>
+          <p:cNvPicPr>
+            <a:picLocks noChangeAspect="1"/>
+          </p:cNvPicPr>
+          <p:nvPr/>
+        </p:nvPicPr>
+        <p:blipFill>
+          <a:blip r:embed="rId3"/>
+          <a:srcRect/>
+          <a:stretch/>
+        </p:blipFill>
+        <p:spPr>
+          <a:xfrm>
+            <a:off x="-45264" y="1892175"/>
+            <a:ext cx="4687700" cy="3515775"/>
+          </a:xfrm>
+          <a:prstGeom prst="rect">
+            <a:avLst/>
+          </a:prstGeom>
+        </p:spPr>
+      </p:pic>
+      <p:pic>
+        <p:nvPicPr>
+          <p:cNvPr id="5" name="Grafik 4">
+            <a:extLst>
+              <a:ext uri="{FF2B5EF4-FFF2-40B4-BE49-F238E27FC236}">
+                <a16:creationId xmlns:a16="http://schemas.microsoft.com/office/drawing/2014/main" id="{52889DB0-48E3-4F05-856A-276007C06071}"/>
+              </a:ext>
+            </a:extLst>
+          </p:cNvPr>
+          <p:cNvPicPr>
+            <a:picLocks noChangeAspect="1"/>
+          </p:cNvPicPr>
+          <p:nvPr/>
+        </p:nvPicPr>
+        <p:blipFill>
+          <a:blip r:embed="rId4"/>
+          <a:srcRect/>
+          <a:stretch/>
+        </p:blipFill>
+        <p:spPr>
+          <a:xfrm>
+            <a:off x="4276852" y="1895947"/>
+            <a:ext cx="4653157" cy="3489867"/>
+          </a:xfrm>
+          <a:prstGeom prst="rect">
+            <a:avLst/>
+          </a:prstGeom>
+        </p:spPr>
+      </p:pic>
+    </p:spTree>
+    <p:extLst>
+      <p:ext uri="{BB962C8B-B14F-4D97-AF65-F5344CB8AC3E}">
+        <p14:creationId xmlns:p14="http://schemas.microsoft.com/office/powerpoint/2010/main" val="1476073745"/>
+      </p:ext>
+    </p:extLst>
+  </p:cSld>
+  <p:clrMapOvr>
+    <a:masterClrMapping/>
+  </p:clrMapOvr>
+</p:sld>
+</file>
+
 <file path=ppt/slides/slide2.xml><?xml version="1.0" encoding="utf-8"?>
 <p:sld xmlns:a="http://schemas.openxmlformats.org/drawingml/2006/main" xmlns:r="http://schemas.openxmlformats.org/officeDocument/2006/relationships" xmlns:p="http://schemas.openxmlformats.org/presentationml/2006/main">
   <p:cSld>

--- a/presentations/ProgressReport.pptx
+++ b/presentations/ProgressReport.pptx
@@ -312,7 +312,7 @@
           <a:p>
             <a:fld id="{7E109A6C-D884-45F8-B5EB-D7A1699C6653}" type="datetimeFigureOut">
               <a:rPr lang="de-DE" smtClean="0"/>
-              <a:t>05.10.2020</a:t>
+              <a:t>06.10.2020</a:t>
             </a:fld>
             <a:endParaRPr lang="de-DE"/>
           </a:p>
@@ -9812,7 +9812,7 @@
           <a:graphicData uri="http://schemas.openxmlformats.org/presentationml/2006/ole">
             <mc:AlternateContent xmlns:mc="http://schemas.openxmlformats.org/markup-compatibility/2006">
               <mc:Choice xmlns:v="urn:schemas-microsoft-com:vml" Requires="v">
-                <p:oleObj spid="_x0000_s8429" name="think-cell Folie" r:id="rId4" imgW="270" imgH="270" progId="TCLayout.ActiveDocument.1">
+                <p:oleObj spid="_x0000_s8430" name="think-cell Folie" r:id="rId4" imgW="270" imgH="270" progId="TCLayout.ActiveDocument.1">
                   <p:embed/>
                 </p:oleObj>
               </mc:Choice>
@@ -10182,7 +10182,7 @@
           <a:graphicData uri="http://schemas.openxmlformats.org/presentationml/2006/ole">
             <mc:AlternateContent xmlns:mc="http://schemas.openxmlformats.org/markup-compatibility/2006">
               <mc:Choice xmlns:v="urn:schemas-microsoft-com:vml" Requires="v">
-                <p:oleObj spid="_x0000_s2294" name="think-cell Folie" r:id="rId4" imgW="270" imgH="270" progId="TCLayout.ActiveDocument.1">
+                <p:oleObj spid="_x0000_s2295" name="think-cell Folie" r:id="rId4" imgW="270" imgH="270" progId="TCLayout.ActiveDocument.1">
                   <p:embed/>
                 </p:oleObj>
               </mc:Choice>
@@ -10638,7 +10638,7 @@
           <a:graphicData uri="http://schemas.openxmlformats.org/presentationml/2006/ole">
             <mc:AlternateContent xmlns:mc="http://schemas.openxmlformats.org/markup-compatibility/2006">
               <mc:Choice xmlns:v="urn:schemas-microsoft-com:vml" Requires="v">
-                <p:oleObj spid="_x0000_s4339" name="think-cell Folie" r:id="rId4" imgW="270" imgH="270" progId="TCLayout.ActiveDocument.1">
+                <p:oleObj spid="_x0000_s4340" name="think-cell Folie" r:id="rId4" imgW="270" imgH="270" progId="TCLayout.ActiveDocument.1">
                   <p:embed/>
                 </p:oleObj>
               </mc:Choice>
@@ -11260,7 +11260,7 @@
           <a:graphicData uri="http://schemas.openxmlformats.org/presentationml/2006/ole">
             <mc:AlternateContent xmlns:mc="http://schemas.openxmlformats.org/markup-compatibility/2006">
               <mc:Choice xmlns:v="urn:schemas-microsoft-com:vml" Requires="v">
-                <p:oleObj spid="_x0000_s5363" name="think-cell Folie" r:id="rId4" imgW="270" imgH="270" progId="TCLayout.ActiveDocument.1">
+                <p:oleObj spid="_x0000_s5364" name="think-cell Folie" r:id="rId4" imgW="270" imgH="270" progId="TCLayout.ActiveDocument.1">
                   <p:embed/>
                 </p:oleObj>
               </mc:Choice>
@@ -11830,7 +11830,7 @@
           <a:graphicData uri="http://schemas.openxmlformats.org/presentationml/2006/ole">
             <mc:AlternateContent xmlns:mc="http://schemas.openxmlformats.org/markup-compatibility/2006">
               <mc:Choice xmlns:v="urn:schemas-microsoft-com:vml" Requires="v">
-                <p:oleObj spid="_x0000_s6386" name="think-cell Folie" r:id="rId4" imgW="270" imgH="270" progId="TCLayout.ActiveDocument.1">
+                <p:oleObj spid="_x0000_s6387" name="think-cell Folie" r:id="rId4" imgW="270" imgH="270" progId="TCLayout.ActiveDocument.1">
                   <p:embed/>
                 </p:oleObj>
               </mc:Choice>
@@ -12457,7 +12457,7 @@
           <a:graphicData uri="http://schemas.openxmlformats.org/presentationml/2006/ole">
             <mc:AlternateContent xmlns:mc="http://schemas.openxmlformats.org/markup-compatibility/2006">
               <mc:Choice xmlns:v="urn:schemas-microsoft-com:vml" Requires="v">
-                <p:oleObj spid="_x0000_s7406" name="think-cell Folie" r:id="rId4" imgW="270" imgH="270" progId="TCLayout.ActiveDocument.1">
+                <p:oleObj spid="_x0000_s7407" name="think-cell Folie" r:id="rId4" imgW="270" imgH="270" progId="TCLayout.ActiveDocument.1">
                   <p:embed/>
                 </p:oleObj>
               </mc:Choice>
@@ -12764,7 +12764,7 @@
           <a:graphicData uri="http://schemas.openxmlformats.org/presentationml/2006/ole">
             <mc:AlternateContent xmlns:mc="http://schemas.openxmlformats.org/markup-compatibility/2006">
               <mc:Choice xmlns:v="urn:schemas-microsoft-com:vml" Requires="v">
-                <p:oleObj spid="_x0000_s1273" name="think-cell Folie" r:id="rId13" imgW="270" imgH="270" progId="TCLayout.ActiveDocument.1">
+                <p:oleObj spid="_x0000_s1274" name="think-cell Folie" r:id="rId13" imgW="270" imgH="270" progId="TCLayout.ActiveDocument.1">
                   <p:embed/>
                 </p:oleObj>
               </mc:Choice>
@@ -17025,10 +17025,10 @@
         </p:nvGrpSpPr>
         <p:grpSpPr>
           <a:xfrm>
-            <a:off x="34763" y="1654370"/>
-            <a:ext cx="8771402" cy="3066016"/>
-            <a:chOff x="234069" y="1762874"/>
-            <a:chExt cx="8771402" cy="3066016"/>
+            <a:off x="34763" y="1598874"/>
+            <a:ext cx="8771402" cy="3121512"/>
+            <a:chOff x="234069" y="1707378"/>
+            <a:chExt cx="8771402" cy="3121512"/>
           </a:xfrm>
         </p:grpSpPr>
         <p:grpSp>
@@ -17643,10 +17643,10 @@
           </p:nvGrpSpPr>
           <p:grpSpPr>
             <a:xfrm>
-              <a:off x="234069" y="1762874"/>
-              <a:ext cx="4337932" cy="2689356"/>
-              <a:chOff x="440335" y="2292859"/>
-              <a:chExt cx="4337932" cy="2689356"/>
+              <a:off x="234069" y="1707378"/>
+              <a:ext cx="4537237" cy="2744852"/>
+              <a:chOff x="440335" y="2237363"/>
+              <a:chExt cx="4537237" cy="2744852"/>
             </a:xfrm>
           </p:grpSpPr>
           <p:sp>
@@ -17756,8 +17756,8 @@
             </p:nvCxnSpPr>
             <p:spPr>
               <a:xfrm rot="5400000">
-                <a:off x="2606352" y="902085"/>
-                <a:ext cx="781141" cy="3562689"/>
+                <a:off x="2678256" y="774684"/>
+                <a:ext cx="836638" cy="3761995"/>
               </a:xfrm>
               <a:prstGeom prst="bentConnector3">
                 <a:avLst>

--- a/presentations/ProgressReport.pptx
+++ b/presentations/ProgressReport.pptx
@@ -312,7 +312,7 @@
           <a:p>
             <a:fld id="{7E109A6C-D884-45F8-B5EB-D7A1699C6653}" type="datetimeFigureOut">
               <a:rPr lang="de-DE" smtClean="0"/>
-              <a:t>06.10.2020</a:t>
+              <a:t>19.10.2020</a:t>
             </a:fld>
             <a:endParaRPr lang="de-DE"/>
           </a:p>
@@ -885,6 +885,18 @@
                 <a:cs typeface="+mn-cs"/>
               </a:rPr>
             </a:br>
+            <a:r>
+              <a:rPr lang="en-GB" sz="1200" kern="1200" dirty="0">
+                <a:solidFill>
+                  <a:schemeClr val="tx1"/>
+                </a:solidFill>
+                <a:effectLst/>
+                <a:latin typeface="+mn-lt"/>
+                <a:ea typeface="+mn-ea"/>
+                <a:cs typeface="+mn-cs"/>
+              </a:rPr>
+              <a:t/>
+            </a:r>
             <a:br>
               <a:rPr lang="en-GB" sz="1200" kern="1200" dirty="0">
                 <a:solidFill>
@@ -943,6 +955,18 @@
               </a:rPr>
               <a:t>pL.</a:t>
             </a:r>
+            <a:r>
+              <a:rPr lang="en-GB" sz="1200" kern="1200" dirty="0">
+                <a:solidFill>
+                  <a:schemeClr val="tx1"/>
+                </a:solidFill>
+                <a:effectLst/>
+                <a:latin typeface="+mn-lt"/>
+                <a:ea typeface="+mn-ea"/>
+                <a:cs typeface="+mn-cs"/>
+              </a:rPr>
+              <a:t/>
+            </a:r>
             <a:br>
               <a:rPr lang="en-GB" sz="1200" kern="1200" dirty="0">
                 <a:solidFill>
@@ -954,6 +978,18 @@
                 <a:cs typeface="+mn-cs"/>
               </a:rPr>
             </a:br>
+            <a:r>
+              <a:rPr lang="en-GB" sz="1200" kern="1200" dirty="0">
+                <a:solidFill>
+                  <a:schemeClr val="tx1"/>
+                </a:solidFill>
+                <a:effectLst/>
+                <a:latin typeface="+mn-lt"/>
+                <a:ea typeface="+mn-ea"/>
+                <a:cs typeface="+mn-cs"/>
+              </a:rPr>
+              <a:t/>
+            </a:r>
             <a:br>
               <a:rPr lang="en-GB" sz="1200" kern="1200" dirty="0">
                 <a:solidFill>
@@ -1210,6 +1246,10 @@
             </a:r>
           </a:p>
           <a:p>
+            <a:r>
+              <a:rPr lang="en-GB" dirty="0"/>
+              <a:t/>
+            </a:r>
             <a:br>
               <a:rPr lang="en-GB" dirty="0"/>
             </a:br>
@@ -9812,7 +9852,7 @@
           <a:graphicData uri="http://schemas.openxmlformats.org/presentationml/2006/ole">
             <mc:AlternateContent xmlns:mc="http://schemas.openxmlformats.org/markup-compatibility/2006">
               <mc:Choice xmlns:v="urn:schemas-microsoft-com:vml" Requires="v">
-                <p:oleObj spid="_x0000_s8430" name="think-cell Folie" r:id="rId4" imgW="270" imgH="270" progId="TCLayout.ActiveDocument.1">
+                <p:oleObj spid="_x0000_s8431" name="think-cell Folie" r:id="rId4" imgW="270" imgH="270" progId="TCLayout.ActiveDocument.1">
                   <p:embed/>
                 </p:oleObj>
               </mc:Choice>
@@ -10182,7 +10222,7 @@
           <a:graphicData uri="http://schemas.openxmlformats.org/presentationml/2006/ole">
             <mc:AlternateContent xmlns:mc="http://schemas.openxmlformats.org/markup-compatibility/2006">
               <mc:Choice xmlns:v="urn:schemas-microsoft-com:vml" Requires="v">
-                <p:oleObj spid="_x0000_s2295" name="think-cell Folie" r:id="rId4" imgW="270" imgH="270" progId="TCLayout.ActiveDocument.1">
+                <p:oleObj spid="_x0000_s2296" name="think-cell Folie" r:id="rId4" imgW="270" imgH="270" progId="TCLayout.ActiveDocument.1">
                   <p:embed/>
                 </p:oleObj>
               </mc:Choice>
@@ -10638,7 +10678,7 @@
           <a:graphicData uri="http://schemas.openxmlformats.org/presentationml/2006/ole">
             <mc:AlternateContent xmlns:mc="http://schemas.openxmlformats.org/markup-compatibility/2006">
               <mc:Choice xmlns:v="urn:schemas-microsoft-com:vml" Requires="v">
-                <p:oleObj spid="_x0000_s4340" name="think-cell Folie" r:id="rId4" imgW="270" imgH="270" progId="TCLayout.ActiveDocument.1">
+                <p:oleObj spid="_x0000_s4341" name="think-cell Folie" r:id="rId4" imgW="270" imgH="270" progId="TCLayout.ActiveDocument.1">
                   <p:embed/>
                 </p:oleObj>
               </mc:Choice>
@@ -11260,7 +11300,7 @@
           <a:graphicData uri="http://schemas.openxmlformats.org/presentationml/2006/ole">
             <mc:AlternateContent xmlns:mc="http://schemas.openxmlformats.org/markup-compatibility/2006">
               <mc:Choice xmlns:v="urn:schemas-microsoft-com:vml" Requires="v">
-                <p:oleObj spid="_x0000_s5364" name="think-cell Folie" r:id="rId4" imgW="270" imgH="270" progId="TCLayout.ActiveDocument.1">
+                <p:oleObj spid="_x0000_s5365" name="think-cell Folie" r:id="rId4" imgW="270" imgH="270" progId="TCLayout.ActiveDocument.1">
                   <p:embed/>
                 </p:oleObj>
               </mc:Choice>
@@ -11830,7 +11870,7 @@
           <a:graphicData uri="http://schemas.openxmlformats.org/presentationml/2006/ole">
             <mc:AlternateContent xmlns:mc="http://schemas.openxmlformats.org/markup-compatibility/2006">
               <mc:Choice xmlns:v="urn:schemas-microsoft-com:vml" Requires="v">
-                <p:oleObj spid="_x0000_s6387" name="think-cell Folie" r:id="rId4" imgW="270" imgH="270" progId="TCLayout.ActiveDocument.1">
+                <p:oleObj spid="_x0000_s6388" name="think-cell Folie" r:id="rId4" imgW="270" imgH="270" progId="TCLayout.ActiveDocument.1">
                   <p:embed/>
                 </p:oleObj>
               </mc:Choice>
@@ -12457,7 +12497,7 @@
           <a:graphicData uri="http://schemas.openxmlformats.org/presentationml/2006/ole">
             <mc:AlternateContent xmlns:mc="http://schemas.openxmlformats.org/markup-compatibility/2006">
               <mc:Choice xmlns:v="urn:schemas-microsoft-com:vml" Requires="v">
-                <p:oleObj spid="_x0000_s7407" name="think-cell Folie" r:id="rId4" imgW="270" imgH="270" progId="TCLayout.ActiveDocument.1">
+                <p:oleObj spid="_x0000_s7408" name="think-cell Folie" r:id="rId4" imgW="270" imgH="270" progId="TCLayout.ActiveDocument.1">
                   <p:embed/>
                 </p:oleObj>
               </mc:Choice>
@@ -12764,7 +12804,7 @@
           <a:graphicData uri="http://schemas.openxmlformats.org/presentationml/2006/ole">
             <mc:AlternateContent xmlns:mc="http://schemas.openxmlformats.org/markup-compatibility/2006">
               <mc:Choice xmlns:v="urn:schemas-microsoft-com:vml" Requires="v">
-                <p:oleObj spid="_x0000_s1274" name="think-cell Folie" r:id="rId13" imgW="270" imgH="270" progId="TCLayout.ActiveDocument.1">
+                <p:oleObj spid="_x0000_s1275" name="think-cell Folie" r:id="rId13" imgW="270" imgH="270" progId="TCLayout.ActiveDocument.1">
                   <p:embed/>
                 </p:oleObj>
               </mc:Choice>
@@ -18968,7 +19008,7 @@
                         <a:pPr algn="ctr"/>
                         <a:r>
                           <a:rPr lang="de-DE" sz="1200" dirty="0"/>
-                          <a:t>1</a:t>
+                          <a:t>0</a:t>
                         </a:r>
                         <a:endParaRPr lang="en-GB" sz="1200" dirty="0"/>
                       </a:p>
@@ -19304,8 +19344,8 @@
                       <a:p>
                         <a:pPr algn="ctr"/>
                         <a:r>
-                          <a:rPr lang="de-DE" sz="1200" dirty="0"/>
-                          <a:t>1</a:t>
+                          <a:rPr lang="en-GB" sz="1200" dirty="0" smtClean="0"/>
+                          <a:t>0</a:t>
                         </a:r>
                         <a:endParaRPr lang="en-GB" sz="1200" dirty="0"/>
                       </a:p>
@@ -20857,6 +20897,10 @@
             <a:r>
               <a:rPr lang="de-DE" sz="1000" dirty="0"/>
               <a:t> </a:t>
+            </a:r>
+            <a:r>
+              <a:rPr lang="de-DE" dirty="0"/>
+              <a:t/>
             </a:r>
             <a:br>
               <a:rPr lang="de-DE" dirty="0"/>
@@ -21427,6 +21471,10 @@
             <a:r>
               <a:rPr lang="de-DE" sz="1000" dirty="0"/>
               <a:t> </a:t>
+            </a:r>
+            <a:r>
+              <a:rPr lang="de-DE" dirty="0"/>
+              <a:t/>
             </a:r>
             <a:br>
               <a:rPr lang="de-DE" dirty="0"/>
